--- a/PnP Transformation Process/Samples/PnP Transformation - Solution Design Report - Contoso.pptx
+++ b/PnP Transformation Process/Samples/PnP Transformation - Solution Design Report - Contoso.pptx
@@ -16,9 +16,9 @@
     <p:sldId id="1297" r:id="rId7"/>
     <p:sldId id="1298" r:id="rId8"/>
     <p:sldId id="1299" r:id="rId9"/>
-    <p:sldId id="1344" r:id="rId10"/>
-    <p:sldId id="1345" r:id="rId11"/>
-    <p:sldId id="1329" r:id="rId12"/>
+    <p:sldId id="1348" r:id="rId10"/>
+    <p:sldId id="1349" r:id="rId11"/>
+    <p:sldId id="1350" r:id="rId12"/>
     <p:sldId id="1300" r:id="rId13"/>
     <p:sldId id="1319" r:id="rId14"/>
     <p:sldId id="1346" r:id="rId15"/>
@@ -32,7 +32,7 @@
     <p:sldId id="1343" r:id="rId23"/>
     <p:sldId id="1336" r:id="rId24"/>
     <p:sldId id="1309" r:id="rId25"/>
-    <p:sldId id="1330" r:id="rId26"/>
+    <p:sldId id="1351" r:id="rId26"/>
     <p:sldId id="1311" r:id="rId27"/>
     <p:sldId id="1313" r:id="rId28"/>
     <p:sldId id="1312" r:id="rId29"/>
@@ -153,9 +153,9 @@
             <p14:sldId id="1297"/>
             <p14:sldId id="1298"/>
             <p14:sldId id="1299"/>
-            <p14:sldId id="1344"/>
-            <p14:sldId id="1345"/>
-            <p14:sldId id="1329"/>
+            <p14:sldId id="1348"/>
+            <p14:sldId id="1349"/>
+            <p14:sldId id="1350"/>
             <p14:sldId id="1300"/>
             <p14:sldId id="1319"/>
             <p14:sldId id="1346"/>
@@ -169,7 +169,7 @@
             <p14:sldId id="1343"/>
             <p14:sldId id="1336"/>
             <p14:sldId id="1309"/>
-            <p14:sldId id="1330"/>
+            <p14:sldId id="1351"/>
             <p14:sldId id="1311"/>
             <p14:sldId id="1313"/>
             <p14:sldId id="1312"/>
@@ -411,7 +411,7 @@
           <a:p>
             <a:fld id="{DE219B1A-AE41-483B-A766-69B9363DDA6A}" type="datetimeFigureOut">
               <a:rPr lang="en-US" smtClean="0"/>
-              <a:t>5/26/2015</a:t>
+              <a:t>5/28/2015</a:t>
             </a:fld>
             <a:endParaRPr lang="en-US"/>
           </a:p>
@@ -620,7 +620,7 @@
           <a:p>
             <a:fld id="{D51B1278-D92B-4AF3-A9C1-71DD298190CE}" type="datetimeFigureOut">
               <a:rPr lang="en-US" smtClean="0"/>
-              <a:t>5/26/2015</a:t>
+              <a:t>5/28/2015</a:t>
             </a:fld>
             <a:endParaRPr lang="en-US"/>
           </a:p>
@@ -1065,7 +1065,7 @@
                 </a:solidFill>
               </a:rPr>
               <a:pPr/>
-              <a:t>5/26/2015</a:t>
+              <a:t>5/28/2015</a:t>
             </a:fld>
             <a:endParaRPr lang="en-US" dirty="0">
               <a:solidFill>
@@ -1326,20 +1326,11 @@
           <a:bodyPr/>
           <a:lstStyle/>
           <a:p>
-            <a:fld id="{AA3AF75D-25C3-42E7-9971-69168E23937F}" type="datetime1">
-              <a:rPr lang="en-US" smtClean="0">
-                <a:solidFill>
-                  <a:prstClr val="black"/>
-                </a:solidFill>
-              </a:rPr>
-              <a:pPr/>
-              <a:t>5/26/2015</a:t>
+            <a:fld id="{EE679FBF-1C32-40EC-8A8D-F696D0F011B7}" type="datetime1">
+              <a:rPr lang="en-US" smtClean="0"/>
+              <a:t>5/28/2015</a:t>
             </a:fld>
-            <a:endParaRPr lang="en-US">
-              <a:solidFill>
-                <a:prstClr val="black"/>
-              </a:solidFill>
-            </a:endParaRPr>
+            <a:endParaRPr lang="en-US"/>
           </a:p>
         </p:txBody>
       </p:sp>
@@ -1359,19 +1350,10 @@
           <a:lstStyle/>
           <a:p>
             <a:fld id="{B4008EB6-D09E-4580-8CD6-DDB14511944F}" type="slidenum">
-              <a:rPr lang="en-US" smtClean="0">
-                <a:solidFill>
-                  <a:prstClr val="black"/>
-                </a:solidFill>
-              </a:rPr>
-              <a:pPr/>
-              <a:t>17</a:t>
+              <a:rPr lang="en-US" smtClean="0"/>
+              <a:t>14</a:t>
             </a:fld>
-            <a:endParaRPr lang="en-US" dirty="0">
-              <a:solidFill>
-                <a:prstClr val="black"/>
-              </a:solidFill>
-            </a:endParaRPr>
+            <a:endParaRPr lang="en-US" dirty="0"/>
           </a:p>
         </p:txBody>
       </p:sp>
@@ -1391,18 +1373,10 @@
           <a:lstStyle/>
           <a:p>
             <a:r>
-              <a:rPr lang="en-US" smtClean="0">
-                <a:solidFill>
-                  <a:prstClr val="black"/>
-                </a:solidFill>
-              </a:rPr>
+              <a:rPr lang="en-US" smtClean="0"/>
               <a:t>Microsoft Office</a:t>
             </a:r>
-            <a:endParaRPr lang="en-US" dirty="0">
-              <a:solidFill>
-                <a:prstClr val="black"/>
-              </a:solidFill>
-            </a:endParaRPr>
+            <a:endParaRPr lang="en-US" dirty="0"/>
           </a:p>
         </p:txBody>
       </p:sp>
@@ -1427,10 +1401,10 @@
                 <a:gradFill>
                   <a:gsLst>
                     <a:gs pos="0">
-                      <a:prstClr val="black"/>
+                      <a:schemeClr val="tx1"/>
                     </a:gs>
                     <a:gs pos="100000">
-                      <a:prstClr val="black"/>
+                      <a:schemeClr val="tx1"/>
                     </a:gs>
                   </a:gsLst>
                   <a:lin ang="5400000" scaled="0"/>
@@ -1449,10 +1423,10 @@
                 <a:gradFill>
                   <a:gsLst>
                     <a:gs pos="0">
-                      <a:prstClr val="black"/>
+                      <a:schemeClr val="tx1"/>
                     </a:gs>
                     <a:gs pos="100000">
-                      <a:prstClr val="black"/>
+                      <a:schemeClr val="tx1"/>
                     </a:gs>
                   </a:gsLst>
                   <a:lin ang="5400000" scaled="0"/>
@@ -1467,10 +1441,10 @@
               <a:gradFill>
                 <a:gsLst>
                   <a:gs pos="0">
-                    <a:prstClr val="black"/>
+                    <a:schemeClr val="tx1"/>
                   </a:gs>
                   <a:gs pos="100000">
-                    <a:prstClr val="black"/>
+                    <a:schemeClr val="tx1"/>
                   </a:gs>
                 </a:gsLst>
                 <a:lin ang="5400000" scaled="0"/>
@@ -1485,7 +1459,7 @@
     </p:spTree>
     <p:extLst>
       <p:ext uri="{BB962C8B-B14F-4D97-AF65-F5344CB8AC3E}">
-        <p14:creationId xmlns:p14="http://schemas.microsoft.com/office/powerpoint/2010/main" val="3338814252"/>
+        <p14:creationId xmlns:p14="http://schemas.microsoft.com/office/powerpoint/2010/main" val="1578588675"/>
       </p:ext>
     </p:extLst>
   </p:cSld>
@@ -1586,9 +1560,9 @@
           <a:bodyPr/>
           <a:lstStyle/>
           <a:p>
-            <a:fld id="{AA3AF75D-25C3-42E7-9971-69168E23937F}" type="datetime1">
+            <a:fld id="{D1138656-1104-4895-916A-3F46DB26BB9D}" type="datetime1">
               <a:rPr lang="en-US" smtClean="0"/>
-              <a:t>5/26/2015</a:t>
+              <a:t>5/28/2015</a:t>
             </a:fld>
             <a:endParaRPr lang="en-US"/>
           </a:p>
@@ -1611,7 +1585,7 @@
           <a:p>
             <a:fld id="{B4008EB6-D09E-4580-8CD6-DDB14511944F}" type="slidenum">
               <a:rPr lang="en-US" smtClean="0"/>
-              <a:t>18</a:t>
+              <a:t>15</a:t>
             </a:fld>
             <a:endParaRPr lang="en-US" dirty="0"/>
           </a:p>
@@ -1719,7 +1693,7 @@
     </p:spTree>
     <p:extLst>
       <p:ext uri="{BB962C8B-B14F-4D97-AF65-F5344CB8AC3E}">
-        <p14:creationId xmlns:p14="http://schemas.microsoft.com/office/powerpoint/2010/main" val="2889601872"/>
+        <p14:creationId xmlns:p14="http://schemas.microsoft.com/office/powerpoint/2010/main" val="154549087"/>
       </p:ext>
     </p:extLst>
   </p:cSld>
@@ -1773,7 +1747,35 @@
           <a:bodyPr/>
           <a:lstStyle/>
           <a:p>
-            <a:endParaRPr lang="en-GB"/>
+            <a:pPr marL="0" marR="0" indent="0" algn="l" defTabSz="914363" rtl="0" eaLnBrk="1" fontAlgn="auto" latinLnBrk="0" hangingPunct="1">
+              <a:lnSpc>
+                <a:spcPct val="90000"/>
+              </a:lnSpc>
+              <a:spcBef>
+                <a:spcPts val="0"/>
+              </a:spcBef>
+              <a:spcAft>
+                <a:spcPts val="333"/>
+              </a:spcAft>
+              <a:buClrTx/>
+              <a:buSzTx/>
+              <a:buFontTx/>
+              <a:buNone/>
+              <a:tabLst/>
+              <a:defRPr/>
+            </a:pPr>
+            <a:r>
+              <a:rPr lang="en-NZ" dirty="0" smtClean="0"/>
+              <a:t>The</a:t>
+            </a:r>
+            <a:r>
+              <a:rPr lang="en-NZ" baseline="0" dirty="0" smtClean="0"/>
+              <a:t> team responsible for transforming the solution has been identified in the “Owner” section.</a:t>
+            </a:r>
+            <a:endParaRPr lang="en-NZ" dirty="0" smtClean="0"/>
+          </a:p>
+          <a:p>
+            <a:endParaRPr lang="en-NZ" dirty="0"/>
           </a:p>
         </p:txBody>
       </p:sp>
@@ -1792,9 +1794,9 @@
           <a:bodyPr/>
           <a:lstStyle/>
           <a:p>
-            <a:fld id="{0B49ECD6-2B5F-4BFE-A8F3-6C5940E5A932}" type="datetime1">
+            <a:fld id="{451D34E3-A4EB-4733-B7C0-D045AD3234C1}" type="datetime1">
               <a:rPr lang="en-US" smtClean="0"/>
-              <a:t>5/26/2015</a:t>
+              <a:t>5/28/2015</a:t>
             </a:fld>
             <a:endParaRPr lang="en-US"/>
           </a:p>
@@ -1817,7 +1819,7 @@
           <a:p>
             <a:fld id="{B4008EB6-D09E-4580-8CD6-DDB14511944F}" type="slidenum">
               <a:rPr lang="en-US" smtClean="0"/>
-              <a:t>22</a:t>
+              <a:t>16</a:t>
             </a:fld>
             <a:endParaRPr lang="en-US" dirty="0"/>
           </a:p>
@@ -1925,7 +1927,7 @@
     </p:spTree>
     <p:extLst>
       <p:ext uri="{BB962C8B-B14F-4D97-AF65-F5344CB8AC3E}">
-        <p14:creationId xmlns:p14="http://schemas.microsoft.com/office/powerpoint/2010/main" val="1866993919"/>
+        <p14:creationId xmlns:p14="http://schemas.microsoft.com/office/powerpoint/2010/main" val="3616709153"/>
       </p:ext>
     </p:extLst>
   </p:cSld>
@@ -1979,6 +1981,942 @@
           <a:bodyPr/>
           <a:lstStyle/>
           <a:p>
+            <a:pPr marL="0" marR="0" indent="0" algn="l" defTabSz="914363" rtl="0" eaLnBrk="1" fontAlgn="auto" latinLnBrk="0" hangingPunct="1">
+              <a:lnSpc>
+                <a:spcPct val="90000"/>
+              </a:lnSpc>
+              <a:spcBef>
+                <a:spcPts val="0"/>
+              </a:spcBef>
+              <a:spcAft>
+                <a:spcPts val="333"/>
+              </a:spcAft>
+              <a:buClrTx/>
+              <a:buSzTx/>
+              <a:buFontTx/>
+              <a:buNone/>
+              <a:tabLst/>
+              <a:defRPr/>
+            </a:pPr>
+            <a:r>
+              <a:rPr lang="en-NZ" dirty="0" smtClean="0"/>
+              <a:t>The</a:t>
+            </a:r>
+            <a:r>
+              <a:rPr lang="en-NZ" baseline="0" dirty="0" smtClean="0"/>
+              <a:t> team responsible for transforming the solution has been identified in the “Owner” section.</a:t>
+            </a:r>
+            <a:endParaRPr lang="en-NZ" dirty="0" smtClean="0"/>
+          </a:p>
+          <a:p>
+            <a:endParaRPr lang="en-NZ" dirty="0"/>
+          </a:p>
+        </p:txBody>
+      </p:sp>
+      <p:sp>
+        <p:nvSpPr>
+          <p:cNvPr id="4" name="Date Placeholder 3"/>
+          <p:cNvSpPr>
+            <a:spLocks noGrp="1"/>
+          </p:cNvSpPr>
+          <p:nvPr>
+            <p:ph type="dt" idx="10"/>
+          </p:nvPr>
+        </p:nvSpPr>
+        <p:spPr/>
+        <p:txBody>
+          <a:bodyPr/>
+          <a:lstStyle/>
+          <a:p>
+            <a:fld id="{AA3AF75D-25C3-42E7-9971-69168E23937F}" type="datetime1">
+              <a:rPr lang="en-US" smtClean="0">
+                <a:solidFill>
+                  <a:prstClr val="black"/>
+                </a:solidFill>
+              </a:rPr>
+              <a:pPr/>
+              <a:t>5/28/2015</a:t>
+            </a:fld>
+            <a:endParaRPr lang="en-US">
+              <a:solidFill>
+                <a:prstClr val="black"/>
+              </a:solidFill>
+            </a:endParaRPr>
+          </a:p>
+        </p:txBody>
+      </p:sp>
+      <p:sp>
+        <p:nvSpPr>
+          <p:cNvPr id="5" name="Slide Number Placeholder 4"/>
+          <p:cNvSpPr>
+            <a:spLocks noGrp="1"/>
+          </p:cNvSpPr>
+          <p:nvPr>
+            <p:ph type="sldNum" sz="quarter" idx="11"/>
+          </p:nvPr>
+        </p:nvSpPr>
+        <p:spPr/>
+        <p:txBody>
+          <a:bodyPr/>
+          <a:lstStyle/>
+          <a:p>
+            <a:fld id="{B4008EB6-D09E-4580-8CD6-DDB14511944F}" type="slidenum">
+              <a:rPr lang="en-US" smtClean="0">
+                <a:solidFill>
+                  <a:prstClr val="black"/>
+                </a:solidFill>
+              </a:rPr>
+              <a:pPr/>
+              <a:t>17</a:t>
+            </a:fld>
+            <a:endParaRPr lang="en-US" dirty="0">
+              <a:solidFill>
+                <a:prstClr val="black"/>
+              </a:solidFill>
+            </a:endParaRPr>
+          </a:p>
+        </p:txBody>
+      </p:sp>
+      <p:sp>
+        <p:nvSpPr>
+          <p:cNvPr id="6" name="Header Placeholder 5"/>
+          <p:cNvSpPr>
+            <a:spLocks noGrp="1"/>
+          </p:cNvSpPr>
+          <p:nvPr>
+            <p:ph type="hdr" sz="quarter" idx="12"/>
+          </p:nvPr>
+        </p:nvSpPr>
+        <p:spPr/>
+        <p:txBody>
+          <a:bodyPr/>
+          <a:lstStyle/>
+          <a:p>
+            <a:r>
+              <a:rPr lang="en-US" smtClean="0">
+                <a:solidFill>
+                  <a:prstClr val="black"/>
+                </a:solidFill>
+              </a:rPr>
+              <a:t>Microsoft Office</a:t>
+            </a:r>
+            <a:endParaRPr lang="en-US" dirty="0">
+              <a:solidFill>
+                <a:prstClr val="black"/>
+              </a:solidFill>
+            </a:endParaRPr>
+          </a:p>
+        </p:txBody>
+      </p:sp>
+      <p:sp>
+        <p:nvSpPr>
+          <p:cNvPr id="7" name="Footer Placeholder 6"/>
+          <p:cNvSpPr>
+            <a:spLocks noGrp="1"/>
+          </p:cNvSpPr>
+          <p:nvPr>
+            <p:ph type="ftr" sz="quarter" idx="13"/>
+          </p:nvPr>
+        </p:nvSpPr>
+        <p:spPr/>
+        <p:txBody>
+          <a:bodyPr/>
+          <a:lstStyle/>
+          <a:p>
+            <a:pPr marL="238375" defTabSz="940130" eaLnBrk="0" hangingPunct="0"/>
+            <a:r>
+              <a:rPr lang="en-US" sz="500" smtClean="0">
+                <a:gradFill>
+                  <a:gsLst>
+                    <a:gs pos="0">
+                      <a:prstClr val="black"/>
+                    </a:gs>
+                    <a:gs pos="100000">
+                      <a:prstClr val="black"/>
+                    </a:gs>
+                  </a:gsLst>
+                  <a:lin ang="5400000" scaled="0"/>
+                </a:gradFill>
+                <a:latin typeface="Segoe UI" pitchFamily="34" charset="0"/>
+                <a:ea typeface="Segoe UI" pitchFamily="34" charset="0"/>
+                <a:cs typeface="Segoe UI" pitchFamily="34" charset="0"/>
+              </a:rPr>
+              <a:t>© 2012 Microsoft Corporation. All rights reserved. Microsoft, Windows, and other product names are or may be registered trademarks and/or trademarks in the U.S. and/or other countries.</a:t>
+            </a:r>
+          </a:p>
+          <a:p>
+            <a:pPr marL="238375" defTabSz="940130" eaLnBrk="0" hangingPunct="0"/>
+            <a:r>
+              <a:rPr lang="en-US" sz="500" smtClean="0">
+                <a:gradFill>
+                  <a:gsLst>
+                    <a:gs pos="0">
+                      <a:prstClr val="black"/>
+                    </a:gs>
+                    <a:gs pos="100000">
+                      <a:prstClr val="black"/>
+                    </a:gs>
+                  </a:gsLst>
+                  <a:lin ang="5400000" scaled="0"/>
+                </a:gradFill>
+                <a:latin typeface="Segoe UI" pitchFamily="34" charset="0"/>
+                <a:ea typeface="Segoe UI" pitchFamily="34" charset="0"/>
+                <a:cs typeface="Segoe UI" pitchFamily="34" charset="0"/>
+              </a:rPr>
+              <a:t>The information herein is for informational purposes only and represents the current view of Microsoft Corporation as of the date of this presentation.  Because Microsoft must respond to changing market conditions, it should not be interpreted to be a commitment on the part of Microsoft, and Microsoft cannot guarantee the accuracy of any information provided after the date of this presentation.  MICROSOFT MAKES NO WARRANTIES, EXPRESS, IMPLIED OR STATUTORY, AS TO THE INFORMATION IN THIS PRESENTATION.</a:t>
+            </a:r>
+            <a:endParaRPr lang="en-US" sz="500" dirty="0">
+              <a:gradFill>
+                <a:gsLst>
+                  <a:gs pos="0">
+                    <a:prstClr val="black"/>
+                  </a:gs>
+                  <a:gs pos="100000">
+                    <a:prstClr val="black"/>
+                  </a:gs>
+                </a:gsLst>
+                <a:lin ang="5400000" scaled="0"/>
+              </a:gradFill>
+              <a:latin typeface="Segoe UI" pitchFamily="34" charset="0"/>
+              <a:ea typeface="Segoe UI" pitchFamily="34" charset="0"/>
+              <a:cs typeface="Segoe UI" pitchFamily="34" charset="0"/>
+            </a:endParaRPr>
+          </a:p>
+        </p:txBody>
+      </p:sp>
+    </p:spTree>
+    <p:extLst>
+      <p:ext uri="{BB962C8B-B14F-4D97-AF65-F5344CB8AC3E}">
+        <p14:creationId xmlns:p14="http://schemas.microsoft.com/office/powerpoint/2010/main" val="3338814252"/>
+      </p:ext>
+    </p:extLst>
+  </p:cSld>
+  <p:clrMapOvr>
+    <a:masterClrMapping/>
+  </p:clrMapOvr>
+</p:notes>
+</file>
+
+<file path=ppt/notesSlides/notesSlide14.xml><?xml version="1.0" encoding="utf-8"?>
+<p:notes xmlns:a="http://schemas.openxmlformats.org/drawingml/2006/main" xmlns:r="http://schemas.openxmlformats.org/officeDocument/2006/relationships" xmlns:p="http://schemas.openxmlformats.org/presentationml/2006/main">
+  <p:cSld>
+    <p:spTree>
+      <p:nvGrpSpPr>
+        <p:cNvPr id="1" name=""/>
+        <p:cNvGrpSpPr/>
+        <p:nvPr/>
+      </p:nvGrpSpPr>
+      <p:grpSpPr>
+        <a:xfrm>
+          <a:off x="0" y="0"/>
+          <a:ext cx="0" cy="0"/>
+          <a:chOff x="0" y="0"/>
+          <a:chExt cx="0" cy="0"/>
+        </a:xfrm>
+      </p:grpSpPr>
+      <p:sp>
+        <p:nvSpPr>
+          <p:cNvPr id="2" name="Slide Image Placeholder 1"/>
+          <p:cNvSpPr>
+            <a:spLocks noGrp="1" noRot="1" noChangeAspect="1"/>
+          </p:cNvSpPr>
+          <p:nvPr>
+            <p:ph type="sldImg"/>
+          </p:nvPr>
+        </p:nvSpPr>
+        <p:spPr/>
+      </p:sp>
+      <p:sp>
+        <p:nvSpPr>
+          <p:cNvPr id="3" name="Notes Placeholder 2"/>
+          <p:cNvSpPr>
+            <a:spLocks noGrp="1"/>
+          </p:cNvSpPr>
+          <p:nvPr>
+            <p:ph type="body" idx="1"/>
+          </p:nvPr>
+        </p:nvSpPr>
+        <p:spPr/>
+        <p:txBody>
+          <a:bodyPr/>
+          <a:lstStyle/>
+          <a:p>
+            <a:pPr marL="0" marR="0" indent="0" algn="l" defTabSz="914363" rtl="0" eaLnBrk="1" fontAlgn="auto" latinLnBrk="0" hangingPunct="1">
+              <a:lnSpc>
+                <a:spcPct val="90000"/>
+              </a:lnSpc>
+              <a:spcBef>
+                <a:spcPts val="0"/>
+              </a:spcBef>
+              <a:spcAft>
+                <a:spcPts val="333"/>
+              </a:spcAft>
+              <a:buClrTx/>
+              <a:buSzTx/>
+              <a:buFontTx/>
+              <a:buNone/>
+              <a:tabLst/>
+              <a:defRPr/>
+            </a:pPr>
+            <a:r>
+              <a:rPr lang="en-NZ" dirty="0" smtClean="0"/>
+              <a:t>The</a:t>
+            </a:r>
+            <a:r>
+              <a:rPr lang="en-NZ" baseline="0" dirty="0" smtClean="0"/>
+              <a:t> team responsible for transforming the solution has been identified in the “Owner” section.</a:t>
+            </a:r>
+            <a:endParaRPr lang="en-NZ" dirty="0" smtClean="0"/>
+          </a:p>
+          <a:p>
+            <a:endParaRPr lang="en-NZ" dirty="0"/>
+          </a:p>
+        </p:txBody>
+      </p:sp>
+      <p:sp>
+        <p:nvSpPr>
+          <p:cNvPr id="4" name="Date Placeholder 3"/>
+          <p:cNvSpPr>
+            <a:spLocks noGrp="1"/>
+          </p:cNvSpPr>
+          <p:nvPr>
+            <p:ph type="dt" idx="10"/>
+          </p:nvPr>
+        </p:nvSpPr>
+        <p:spPr/>
+        <p:txBody>
+          <a:bodyPr/>
+          <a:lstStyle/>
+          <a:p>
+            <a:fld id="{AA3AF75D-25C3-42E7-9971-69168E23937F}" type="datetime1">
+              <a:rPr lang="en-US" smtClean="0"/>
+              <a:t>5/28/2015</a:t>
+            </a:fld>
+            <a:endParaRPr lang="en-US"/>
+          </a:p>
+        </p:txBody>
+      </p:sp>
+      <p:sp>
+        <p:nvSpPr>
+          <p:cNvPr id="5" name="Slide Number Placeholder 4"/>
+          <p:cNvSpPr>
+            <a:spLocks noGrp="1"/>
+          </p:cNvSpPr>
+          <p:nvPr>
+            <p:ph type="sldNum" sz="quarter" idx="11"/>
+          </p:nvPr>
+        </p:nvSpPr>
+        <p:spPr/>
+        <p:txBody>
+          <a:bodyPr/>
+          <a:lstStyle/>
+          <a:p>
+            <a:fld id="{B4008EB6-D09E-4580-8CD6-DDB14511944F}" type="slidenum">
+              <a:rPr lang="en-US" smtClean="0"/>
+              <a:t>18</a:t>
+            </a:fld>
+            <a:endParaRPr lang="en-US" dirty="0"/>
+          </a:p>
+        </p:txBody>
+      </p:sp>
+      <p:sp>
+        <p:nvSpPr>
+          <p:cNvPr id="6" name="Header Placeholder 5"/>
+          <p:cNvSpPr>
+            <a:spLocks noGrp="1"/>
+          </p:cNvSpPr>
+          <p:nvPr>
+            <p:ph type="hdr" sz="quarter" idx="12"/>
+          </p:nvPr>
+        </p:nvSpPr>
+        <p:spPr/>
+        <p:txBody>
+          <a:bodyPr/>
+          <a:lstStyle/>
+          <a:p>
+            <a:r>
+              <a:rPr lang="en-US" smtClean="0"/>
+              <a:t>Microsoft Office</a:t>
+            </a:r>
+            <a:endParaRPr lang="en-US" dirty="0"/>
+          </a:p>
+        </p:txBody>
+      </p:sp>
+      <p:sp>
+        <p:nvSpPr>
+          <p:cNvPr id="7" name="Footer Placeholder 6"/>
+          <p:cNvSpPr>
+            <a:spLocks noGrp="1"/>
+          </p:cNvSpPr>
+          <p:nvPr>
+            <p:ph type="ftr" sz="quarter" idx="13"/>
+          </p:nvPr>
+        </p:nvSpPr>
+        <p:spPr/>
+        <p:txBody>
+          <a:bodyPr/>
+          <a:lstStyle/>
+          <a:p>
+            <a:pPr marL="238375" defTabSz="940130" eaLnBrk="0" hangingPunct="0"/>
+            <a:r>
+              <a:rPr lang="en-US" sz="500" smtClean="0">
+                <a:gradFill>
+                  <a:gsLst>
+                    <a:gs pos="0">
+                      <a:schemeClr val="tx1"/>
+                    </a:gs>
+                    <a:gs pos="100000">
+                      <a:schemeClr val="tx1"/>
+                    </a:gs>
+                  </a:gsLst>
+                  <a:lin ang="5400000" scaled="0"/>
+                </a:gradFill>
+                <a:latin typeface="Segoe UI" pitchFamily="34" charset="0"/>
+                <a:ea typeface="Segoe UI" pitchFamily="34" charset="0"/>
+                <a:cs typeface="Segoe UI" pitchFamily="34" charset="0"/>
+              </a:rPr>
+              <a:t>© 2012 Microsoft Corporation. All rights reserved. Microsoft, Windows, and other product names are or may be registered trademarks and/or trademarks in the U.S. and/or other countries.</a:t>
+            </a:r>
+          </a:p>
+          <a:p>
+            <a:pPr marL="238375" defTabSz="940130" eaLnBrk="0" hangingPunct="0"/>
+            <a:r>
+              <a:rPr lang="en-US" sz="500" smtClean="0">
+                <a:gradFill>
+                  <a:gsLst>
+                    <a:gs pos="0">
+                      <a:schemeClr val="tx1"/>
+                    </a:gs>
+                    <a:gs pos="100000">
+                      <a:schemeClr val="tx1"/>
+                    </a:gs>
+                  </a:gsLst>
+                  <a:lin ang="5400000" scaled="0"/>
+                </a:gradFill>
+                <a:latin typeface="Segoe UI" pitchFamily="34" charset="0"/>
+                <a:ea typeface="Segoe UI" pitchFamily="34" charset="0"/>
+                <a:cs typeface="Segoe UI" pitchFamily="34" charset="0"/>
+              </a:rPr>
+              <a:t>The information herein is for informational purposes only and represents the current view of Microsoft Corporation as of the date of this presentation.  Because Microsoft must respond to changing market conditions, it should not be interpreted to be a commitment on the part of Microsoft, and Microsoft cannot guarantee the accuracy of any information provided after the date of this presentation.  MICROSOFT MAKES NO WARRANTIES, EXPRESS, IMPLIED OR STATUTORY, AS TO THE INFORMATION IN THIS PRESENTATION.</a:t>
+            </a:r>
+            <a:endParaRPr lang="en-US" sz="500" dirty="0">
+              <a:gradFill>
+                <a:gsLst>
+                  <a:gs pos="0">
+                    <a:schemeClr val="tx1"/>
+                  </a:gs>
+                  <a:gs pos="100000">
+                    <a:schemeClr val="tx1"/>
+                  </a:gs>
+                </a:gsLst>
+                <a:lin ang="5400000" scaled="0"/>
+              </a:gradFill>
+              <a:latin typeface="Segoe UI" pitchFamily="34" charset="0"/>
+              <a:ea typeface="Segoe UI" pitchFamily="34" charset="0"/>
+              <a:cs typeface="Segoe UI" pitchFamily="34" charset="0"/>
+            </a:endParaRPr>
+          </a:p>
+        </p:txBody>
+      </p:sp>
+    </p:spTree>
+    <p:extLst>
+      <p:ext uri="{BB962C8B-B14F-4D97-AF65-F5344CB8AC3E}">
+        <p14:creationId xmlns:p14="http://schemas.microsoft.com/office/powerpoint/2010/main" val="2889601872"/>
+      </p:ext>
+    </p:extLst>
+  </p:cSld>
+  <p:clrMapOvr>
+    <a:masterClrMapping/>
+  </p:clrMapOvr>
+</p:notes>
+</file>
+
+<file path=ppt/notesSlides/notesSlide15.xml><?xml version="1.0" encoding="utf-8"?>
+<p:notes xmlns:a="http://schemas.openxmlformats.org/drawingml/2006/main" xmlns:r="http://schemas.openxmlformats.org/officeDocument/2006/relationships" xmlns:p="http://schemas.openxmlformats.org/presentationml/2006/main">
+  <p:cSld>
+    <p:spTree>
+      <p:nvGrpSpPr>
+        <p:cNvPr id="1" name=""/>
+        <p:cNvGrpSpPr/>
+        <p:nvPr/>
+      </p:nvGrpSpPr>
+      <p:grpSpPr>
+        <a:xfrm>
+          <a:off x="0" y="0"/>
+          <a:ext cx="0" cy="0"/>
+          <a:chOff x="0" y="0"/>
+          <a:chExt cx="0" cy="0"/>
+        </a:xfrm>
+      </p:grpSpPr>
+      <p:sp>
+        <p:nvSpPr>
+          <p:cNvPr id="2" name="Slide Image Placeholder 1"/>
+          <p:cNvSpPr>
+            <a:spLocks noGrp="1" noRot="1" noChangeAspect="1"/>
+          </p:cNvSpPr>
+          <p:nvPr>
+            <p:ph type="sldImg"/>
+          </p:nvPr>
+        </p:nvSpPr>
+        <p:spPr/>
+      </p:sp>
+      <p:sp>
+        <p:nvSpPr>
+          <p:cNvPr id="3" name="Notes Placeholder 2"/>
+          <p:cNvSpPr>
+            <a:spLocks noGrp="1"/>
+          </p:cNvSpPr>
+          <p:nvPr>
+            <p:ph type="body" idx="1"/>
+          </p:nvPr>
+        </p:nvSpPr>
+        <p:spPr/>
+        <p:txBody>
+          <a:bodyPr/>
+          <a:lstStyle/>
+          <a:p>
+            <a:r>
+              <a:rPr lang="en-NZ" dirty="0" smtClean="0"/>
+              <a:t>CDN – Content Delivery Network</a:t>
+            </a:r>
+            <a:endParaRPr lang="en-NZ" dirty="0"/>
+          </a:p>
+        </p:txBody>
+      </p:sp>
+      <p:sp>
+        <p:nvSpPr>
+          <p:cNvPr id="4" name="Date Placeholder 3"/>
+          <p:cNvSpPr>
+            <a:spLocks noGrp="1"/>
+          </p:cNvSpPr>
+          <p:nvPr>
+            <p:ph type="dt" idx="10"/>
+          </p:nvPr>
+        </p:nvSpPr>
+        <p:spPr/>
+        <p:txBody>
+          <a:bodyPr/>
+          <a:lstStyle/>
+          <a:p>
+            <a:fld id="{309E6654-814A-4856-A67A-9683B5A2AE45}" type="datetime1">
+              <a:rPr lang="en-US" smtClean="0">
+                <a:solidFill>
+                  <a:prstClr val="black"/>
+                </a:solidFill>
+              </a:rPr>
+              <a:pPr/>
+              <a:t>5/28/2015</a:t>
+            </a:fld>
+            <a:endParaRPr lang="en-US">
+              <a:solidFill>
+                <a:prstClr val="black"/>
+              </a:solidFill>
+            </a:endParaRPr>
+          </a:p>
+        </p:txBody>
+      </p:sp>
+      <p:sp>
+        <p:nvSpPr>
+          <p:cNvPr id="5" name="Slide Number Placeholder 4"/>
+          <p:cNvSpPr>
+            <a:spLocks noGrp="1"/>
+          </p:cNvSpPr>
+          <p:nvPr>
+            <p:ph type="sldNum" sz="quarter" idx="11"/>
+          </p:nvPr>
+        </p:nvSpPr>
+        <p:spPr/>
+        <p:txBody>
+          <a:bodyPr/>
+          <a:lstStyle/>
+          <a:p>
+            <a:fld id="{B4008EB6-D09E-4580-8CD6-DDB14511944F}" type="slidenum">
+              <a:rPr lang="en-US" smtClean="0">
+                <a:solidFill>
+                  <a:prstClr val="black"/>
+                </a:solidFill>
+              </a:rPr>
+              <a:pPr/>
+              <a:t>21</a:t>
+            </a:fld>
+            <a:endParaRPr lang="en-US" dirty="0">
+              <a:solidFill>
+                <a:prstClr val="black"/>
+              </a:solidFill>
+            </a:endParaRPr>
+          </a:p>
+        </p:txBody>
+      </p:sp>
+      <p:sp>
+        <p:nvSpPr>
+          <p:cNvPr id="6" name="Header Placeholder 5"/>
+          <p:cNvSpPr>
+            <a:spLocks noGrp="1"/>
+          </p:cNvSpPr>
+          <p:nvPr>
+            <p:ph type="hdr" sz="quarter" idx="12"/>
+          </p:nvPr>
+        </p:nvSpPr>
+        <p:spPr/>
+        <p:txBody>
+          <a:bodyPr/>
+          <a:lstStyle/>
+          <a:p>
+            <a:r>
+              <a:rPr lang="en-US" smtClean="0">
+                <a:solidFill>
+                  <a:prstClr val="black"/>
+                </a:solidFill>
+              </a:rPr>
+              <a:t>Microsoft Office</a:t>
+            </a:r>
+            <a:endParaRPr lang="en-US" dirty="0">
+              <a:solidFill>
+                <a:prstClr val="black"/>
+              </a:solidFill>
+            </a:endParaRPr>
+          </a:p>
+        </p:txBody>
+      </p:sp>
+      <p:sp>
+        <p:nvSpPr>
+          <p:cNvPr id="7" name="Footer Placeholder 6"/>
+          <p:cNvSpPr>
+            <a:spLocks noGrp="1"/>
+          </p:cNvSpPr>
+          <p:nvPr>
+            <p:ph type="ftr" sz="quarter" idx="13"/>
+          </p:nvPr>
+        </p:nvSpPr>
+        <p:spPr/>
+        <p:txBody>
+          <a:bodyPr/>
+          <a:lstStyle/>
+          <a:p>
+            <a:pPr marL="238375" defTabSz="940130" eaLnBrk="0" hangingPunct="0"/>
+            <a:r>
+              <a:rPr lang="en-US" sz="500" smtClean="0">
+                <a:gradFill>
+                  <a:gsLst>
+                    <a:gs pos="0">
+                      <a:prstClr val="black"/>
+                    </a:gs>
+                    <a:gs pos="100000">
+                      <a:prstClr val="black"/>
+                    </a:gs>
+                  </a:gsLst>
+                  <a:lin ang="5400000" scaled="0"/>
+                </a:gradFill>
+                <a:latin typeface="Segoe UI" pitchFamily="34" charset="0"/>
+                <a:ea typeface="Segoe UI" pitchFamily="34" charset="0"/>
+                <a:cs typeface="Segoe UI" pitchFamily="34" charset="0"/>
+              </a:rPr>
+              <a:t>© 2012 Microsoft Corporation. All rights reserved. Microsoft, Windows, and other product names are or may be registered trademarks and/or trademarks in the U.S. and/or other countries.</a:t>
+            </a:r>
+          </a:p>
+          <a:p>
+            <a:pPr marL="238375" defTabSz="940130" eaLnBrk="0" hangingPunct="0"/>
+            <a:r>
+              <a:rPr lang="en-US" sz="500" smtClean="0">
+                <a:gradFill>
+                  <a:gsLst>
+                    <a:gs pos="0">
+                      <a:prstClr val="black"/>
+                    </a:gs>
+                    <a:gs pos="100000">
+                      <a:prstClr val="black"/>
+                    </a:gs>
+                  </a:gsLst>
+                  <a:lin ang="5400000" scaled="0"/>
+                </a:gradFill>
+                <a:latin typeface="Segoe UI" pitchFamily="34" charset="0"/>
+                <a:ea typeface="Segoe UI" pitchFamily="34" charset="0"/>
+                <a:cs typeface="Segoe UI" pitchFamily="34" charset="0"/>
+              </a:rPr>
+              <a:t>The information herein is for informational purposes only and represents the current view of Microsoft Corporation as of the date of this presentation.  Because Microsoft must respond to changing market conditions, it should not be interpreted to be a commitment on the part of Microsoft, and Microsoft cannot guarantee the accuracy of any information provided after the date of this presentation.  MICROSOFT MAKES NO WARRANTIES, EXPRESS, IMPLIED OR STATUTORY, AS TO THE INFORMATION IN THIS PRESENTATION.</a:t>
+            </a:r>
+            <a:endParaRPr lang="en-US" sz="500" dirty="0">
+              <a:gradFill>
+                <a:gsLst>
+                  <a:gs pos="0">
+                    <a:prstClr val="black"/>
+                  </a:gs>
+                  <a:gs pos="100000">
+                    <a:prstClr val="black"/>
+                  </a:gs>
+                </a:gsLst>
+                <a:lin ang="5400000" scaled="0"/>
+              </a:gradFill>
+              <a:latin typeface="Segoe UI" pitchFamily="34" charset="0"/>
+              <a:ea typeface="Segoe UI" pitchFamily="34" charset="0"/>
+              <a:cs typeface="Segoe UI" pitchFamily="34" charset="0"/>
+            </a:endParaRPr>
+          </a:p>
+        </p:txBody>
+      </p:sp>
+    </p:spTree>
+    <p:extLst>
+      <p:ext uri="{BB962C8B-B14F-4D97-AF65-F5344CB8AC3E}">
+        <p14:creationId xmlns:p14="http://schemas.microsoft.com/office/powerpoint/2010/main" val="1952288790"/>
+      </p:ext>
+    </p:extLst>
+  </p:cSld>
+  <p:clrMapOvr>
+    <a:masterClrMapping/>
+  </p:clrMapOvr>
+</p:notes>
+</file>
+
+<file path=ppt/notesSlides/notesSlide16.xml><?xml version="1.0" encoding="utf-8"?>
+<p:notes xmlns:a="http://schemas.openxmlformats.org/drawingml/2006/main" xmlns:r="http://schemas.openxmlformats.org/officeDocument/2006/relationships" xmlns:p="http://schemas.openxmlformats.org/presentationml/2006/main">
+  <p:cSld>
+    <p:spTree>
+      <p:nvGrpSpPr>
+        <p:cNvPr id="1" name=""/>
+        <p:cNvGrpSpPr/>
+        <p:nvPr/>
+      </p:nvGrpSpPr>
+      <p:grpSpPr>
+        <a:xfrm>
+          <a:off x="0" y="0"/>
+          <a:ext cx="0" cy="0"/>
+          <a:chOff x="0" y="0"/>
+          <a:chExt cx="0" cy="0"/>
+        </a:xfrm>
+      </p:grpSpPr>
+      <p:sp>
+        <p:nvSpPr>
+          <p:cNvPr id="2" name="Slide Image Placeholder 1"/>
+          <p:cNvSpPr>
+            <a:spLocks noGrp="1" noRot="1" noChangeAspect="1"/>
+          </p:cNvSpPr>
+          <p:nvPr>
+            <p:ph type="sldImg"/>
+          </p:nvPr>
+        </p:nvSpPr>
+        <p:spPr/>
+      </p:sp>
+      <p:sp>
+        <p:nvSpPr>
+          <p:cNvPr id="3" name="Notes Placeholder 2"/>
+          <p:cNvSpPr>
+            <a:spLocks noGrp="1"/>
+          </p:cNvSpPr>
+          <p:nvPr>
+            <p:ph type="body" idx="1"/>
+          </p:nvPr>
+        </p:nvSpPr>
+        <p:spPr/>
+        <p:txBody>
+          <a:bodyPr/>
+          <a:lstStyle/>
+          <a:p>
+            <a:endParaRPr lang="en-GB"/>
+          </a:p>
+        </p:txBody>
+      </p:sp>
+      <p:sp>
+        <p:nvSpPr>
+          <p:cNvPr id="4" name="Date Placeholder 3"/>
+          <p:cNvSpPr>
+            <a:spLocks noGrp="1"/>
+          </p:cNvSpPr>
+          <p:nvPr>
+            <p:ph type="dt" idx="10"/>
+          </p:nvPr>
+        </p:nvSpPr>
+        <p:spPr/>
+        <p:txBody>
+          <a:bodyPr/>
+          <a:lstStyle/>
+          <a:p>
+            <a:fld id="{0B49ECD6-2B5F-4BFE-A8F3-6C5940E5A932}" type="datetime1">
+              <a:rPr lang="en-US" smtClean="0"/>
+              <a:t>5/28/2015</a:t>
+            </a:fld>
+            <a:endParaRPr lang="en-US"/>
+          </a:p>
+        </p:txBody>
+      </p:sp>
+      <p:sp>
+        <p:nvSpPr>
+          <p:cNvPr id="5" name="Slide Number Placeholder 4"/>
+          <p:cNvSpPr>
+            <a:spLocks noGrp="1"/>
+          </p:cNvSpPr>
+          <p:nvPr>
+            <p:ph type="sldNum" sz="quarter" idx="11"/>
+          </p:nvPr>
+        </p:nvSpPr>
+        <p:spPr/>
+        <p:txBody>
+          <a:bodyPr/>
+          <a:lstStyle/>
+          <a:p>
+            <a:fld id="{B4008EB6-D09E-4580-8CD6-DDB14511944F}" type="slidenum">
+              <a:rPr lang="en-US" smtClean="0"/>
+              <a:t>22</a:t>
+            </a:fld>
+            <a:endParaRPr lang="en-US" dirty="0"/>
+          </a:p>
+        </p:txBody>
+      </p:sp>
+      <p:sp>
+        <p:nvSpPr>
+          <p:cNvPr id="6" name="Header Placeholder 5"/>
+          <p:cNvSpPr>
+            <a:spLocks noGrp="1"/>
+          </p:cNvSpPr>
+          <p:nvPr>
+            <p:ph type="hdr" sz="quarter" idx="12"/>
+          </p:nvPr>
+        </p:nvSpPr>
+        <p:spPr/>
+        <p:txBody>
+          <a:bodyPr/>
+          <a:lstStyle/>
+          <a:p>
+            <a:r>
+              <a:rPr lang="en-US" smtClean="0"/>
+              <a:t>Microsoft Office</a:t>
+            </a:r>
+            <a:endParaRPr lang="en-US" dirty="0"/>
+          </a:p>
+        </p:txBody>
+      </p:sp>
+      <p:sp>
+        <p:nvSpPr>
+          <p:cNvPr id="7" name="Footer Placeholder 6"/>
+          <p:cNvSpPr>
+            <a:spLocks noGrp="1"/>
+          </p:cNvSpPr>
+          <p:nvPr>
+            <p:ph type="ftr" sz="quarter" idx="13"/>
+          </p:nvPr>
+        </p:nvSpPr>
+        <p:spPr/>
+        <p:txBody>
+          <a:bodyPr/>
+          <a:lstStyle/>
+          <a:p>
+            <a:pPr marL="238375" defTabSz="940130" eaLnBrk="0" hangingPunct="0"/>
+            <a:r>
+              <a:rPr lang="en-US" sz="500" smtClean="0">
+                <a:gradFill>
+                  <a:gsLst>
+                    <a:gs pos="0">
+                      <a:schemeClr val="tx1"/>
+                    </a:gs>
+                    <a:gs pos="100000">
+                      <a:schemeClr val="tx1"/>
+                    </a:gs>
+                  </a:gsLst>
+                  <a:lin ang="5400000" scaled="0"/>
+                </a:gradFill>
+                <a:latin typeface="Segoe UI" pitchFamily="34" charset="0"/>
+                <a:ea typeface="Segoe UI" pitchFamily="34" charset="0"/>
+                <a:cs typeface="Segoe UI" pitchFamily="34" charset="0"/>
+              </a:rPr>
+              <a:t>© 2012 Microsoft Corporation. All rights reserved. Microsoft, Windows, and other product names are or may be registered trademarks and/or trademarks in the U.S. and/or other countries.</a:t>
+            </a:r>
+          </a:p>
+          <a:p>
+            <a:pPr marL="238375" defTabSz="940130" eaLnBrk="0" hangingPunct="0"/>
+            <a:r>
+              <a:rPr lang="en-US" sz="500" smtClean="0">
+                <a:gradFill>
+                  <a:gsLst>
+                    <a:gs pos="0">
+                      <a:schemeClr val="tx1"/>
+                    </a:gs>
+                    <a:gs pos="100000">
+                      <a:schemeClr val="tx1"/>
+                    </a:gs>
+                  </a:gsLst>
+                  <a:lin ang="5400000" scaled="0"/>
+                </a:gradFill>
+                <a:latin typeface="Segoe UI" pitchFamily="34" charset="0"/>
+                <a:ea typeface="Segoe UI" pitchFamily="34" charset="0"/>
+                <a:cs typeface="Segoe UI" pitchFamily="34" charset="0"/>
+              </a:rPr>
+              <a:t>The information herein is for informational purposes only and represents the current view of Microsoft Corporation as of the date of this presentation.  Because Microsoft must respond to changing market conditions, it should not be interpreted to be a commitment on the part of Microsoft, and Microsoft cannot guarantee the accuracy of any information provided after the date of this presentation.  MICROSOFT MAKES NO WARRANTIES, EXPRESS, IMPLIED OR STATUTORY, AS TO THE INFORMATION IN THIS PRESENTATION.</a:t>
+            </a:r>
+            <a:endParaRPr lang="en-US" sz="500" dirty="0">
+              <a:gradFill>
+                <a:gsLst>
+                  <a:gs pos="0">
+                    <a:schemeClr val="tx1"/>
+                  </a:gs>
+                  <a:gs pos="100000">
+                    <a:schemeClr val="tx1"/>
+                  </a:gs>
+                </a:gsLst>
+                <a:lin ang="5400000" scaled="0"/>
+              </a:gradFill>
+              <a:latin typeface="Segoe UI" pitchFamily="34" charset="0"/>
+              <a:ea typeface="Segoe UI" pitchFamily="34" charset="0"/>
+              <a:cs typeface="Segoe UI" pitchFamily="34" charset="0"/>
+            </a:endParaRPr>
+          </a:p>
+        </p:txBody>
+      </p:sp>
+    </p:spTree>
+    <p:extLst>
+      <p:ext uri="{BB962C8B-B14F-4D97-AF65-F5344CB8AC3E}">
+        <p14:creationId xmlns:p14="http://schemas.microsoft.com/office/powerpoint/2010/main" val="1866993919"/>
+      </p:ext>
+    </p:extLst>
+  </p:cSld>
+  <p:clrMapOvr>
+    <a:masterClrMapping/>
+  </p:clrMapOvr>
+</p:notes>
+</file>
+
+<file path=ppt/notesSlides/notesSlide17.xml><?xml version="1.0" encoding="utf-8"?>
+<p:notes xmlns:a="http://schemas.openxmlformats.org/drawingml/2006/main" xmlns:r="http://schemas.openxmlformats.org/officeDocument/2006/relationships" xmlns:p="http://schemas.openxmlformats.org/presentationml/2006/main">
+  <p:cSld>
+    <p:spTree>
+      <p:nvGrpSpPr>
+        <p:cNvPr id="1" name=""/>
+        <p:cNvGrpSpPr/>
+        <p:nvPr/>
+      </p:nvGrpSpPr>
+      <p:grpSpPr>
+        <a:xfrm>
+          <a:off x="0" y="0"/>
+          <a:ext cx="0" cy="0"/>
+          <a:chOff x="0" y="0"/>
+          <a:chExt cx="0" cy="0"/>
+        </a:xfrm>
+      </p:grpSpPr>
+      <p:sp>
+        <p:nvSpPr>
+          <p:cNvPr id="2" name="Slide Image Placeholder 1"/>
+          <p:cNvSpPr>
+            <a:spLocks noGrp="1" noRot="1" noChangeAspect="1"/>
+          </p:cNvSpPr>
+          <p:nvPr>
+            <p:ph type="sldImg"/>
+          </p:nvPr>
+        </p:nvSpPr>
+        <p:spPr/>
+      </p:sp>
+      <p:sp>
+        <p:nvSpPr>
+          <p:cNvPr id="3" name="Notes Placeholder 2"/>
+          <p:cNvSpPr>
+            <a:spLocks noGrp="1"/>
+          </p:cNvSpPr>
+          <p:nvPr>
+            <p:ph type="body" idx="1"/>
+          </p:nvPr>
+        </p:nvSpPr>
+        <p:spPr/>
+        <p:txBody>
+          <a:bodyPr/>
+          <a:lstStyle/>
+          <a:p>
             <a:endParaRPr lang="en-US" baseline="0" dirty="0" smtClean="0"/>
           </a:p>
         </p:txBody>
@@ -2027,7 +2965,7 @@
 </p:notes>
 </file>
 
-<file path=ppt/notesSlides/notesSlide14.xml><?xml version="1.0" encoding="utf-8"?>
+<file path=ppt/notesSlides/notesSlide18.xml><?xml version="1.0" encoding="utf-8"?>
 <p:notes xmlns:a="http://schemas.openxmlformats.org/drawingml/2006/main" xmlns:r="http://schemas.openxmlformats.org/officeDocument/2006/relationships" xmlns:p="http://schemas.openxmlformats.org/presentationml/2006/main">
   <p:cSld>
     <p:spTree>
@@ -2123,7 +3061,7 @@
                 </a:solidFill>
               </a:rPr>
               <a:pPr/>
-              <a:t>5/26/2015</a:t>
+              <a:t>5/28/2015</a:t>
             </a:fld>
             <a:endParaRPr lang="en-US" dirty="0">
               <a:solidFill>
@@ -2340,7 +3278,11 @@
           <a:p>
             <a:r>
               <a:rPr lang="en-NZ" dirty="0" smtClean="0"/>
-              <a:t>The colours on the right indicate the simplicity with regards to the transformation process.</a:t>
+              <a:t>News alerts feature</a:t>
+            </a:r>
+            <a:r>
+              <a:rPr lang="en-NZ" baseline="0" dirty="0" smtClean="0"/>
+              <a:t> will be abandoned since Yammer can fulfil Contoso’s requirements natively.</a:t>
             </a:r>
             <a:endParaRPr lang="en-NZ" dirty="0"/>
           </a:p>
@@ -2361,11 +3303,20 @@
           <a:bodyPr/>
           <a:lstStyle/>
           <a:p>
-            <a:fld id="{094F81B1-FE33-4866-9415-4EA33D10F9E8}" type="datetime1">
-              <a:rPr lang="en-US" smtClean="0"/>
-              <a:t>5/26/2015</a:t>
+            <a:fld id="{610543A5-0CF9-4E2E-A715-69AA16194555}" type="datetime1">
+              <a:rPr lang="en-US" smtClean="0">
+                <a:solidFill>
+                  <a:prstClr val="black"/>
+                </a:solidFill>
+              </a:rPr>
+              <a:pPr/>
+              <a:t>5/28/2015</a:t>
             </a:fld>
-            <a:endParaRPr lang="en-US"/>
+            <a:endParaRPr lang="en-US">
+              <a:solidFill>
+                <a:prstClr val="black"/>
+              </a:solidFill>
+            </a:endParaRPr>
           </a:p>
         </p:txBody>
       </p:sp>
@@ -2385,10 +3336,19 @@
           <a:lstStyle/>
           <a:p>
             <a:fld id="{B4008EB6-D09E-4580-8CD6-DDB14511944F}" type="slidenum">
-              <a:rPr lang="en-US" smtClean="0"/>
-              <a:t>9</a:t>
+              <a:rPr lang="en-US" smtClean="0">
+                <a:solidFill>
+                  <a:prstClr val="black"/>
+                </a:solidFill>
+              </a:rPr>
+              <a:pPr/>
+              <a:t>5</a:t>
             </a:fld>
-            <a:endParaRPr lang="en-US" dirty="0"/>
+            <a:endParaRPr lang="en-US" dirty="0">
+              <a:solidFill>
+                <a:prstClr val="black"/>
+              </a:solidFill>
+            </a:endParaRPr>
           </a:p>
         </p:txBody>
       </p:sp>
@@ -2408,10 +3368,18 @@
           <a:lstStyle/>
           <a:p>
             <a:r>
-              <a:rPr lang="en-US" smtClean="0"/>
+              <a:rPr lang="en-US" smtClean="0">
+                <a:solidFill>
+                  <a:prstClr val="black"/>
+                </a:solidFill>
+              </a:rPr>
               <a:t>Microsoft Office</a:t>
             </a:r>
-            <a:endParaRPr lang="en-US" dirty="0"/>
+            <a:endParaRPr lang="en-US" dirty="0">
+              <a:solidFill>
+                <a:prstClr val="black"/>
+              </a:solidFill>
+            </a:endParaRPr>
           </a:p>
         </p:txBody>
       </p:sp>
@@ -2436,10 +3404,10 @@
                 <a:gradFill>
                   <a:gsLst>
                     <a:gs pos="0">
-                      <a:schemeClr val="tx1"/>
+                      <a:prstClr val="black"/>
                     </a:gs>
                     <a:gs pos="100000">
-                      <a:schemeClr val="tx1"/>
+                      <a:prstClr val="black"/>
                     </a:gs>
                   </a:gsLst>
                   <a:lin ang="5400000" scaled="0"/>
@@ -2458,10 +3426,10 @@
                 <a:gradFill>
                   <a:gsLst>
                     <a:gs pos="0">
-                      <a:schemeClr val="tx1"/>
+                      <a:prstClr val="black"/>
                     </a:gs>
                     <a:gs pos="100000">
-                      <a:schemeClr val="tx1"/>
+                      <a:prstClr val="black"/>
                     </a:gs>
                   </a:gsLst>
                   <a:lin ang="5400000" scaled="0"/>
@@ -2476,10 +3444,10 @@
               <a:gradFill>
                 <a:gsLst>
                   <a:gs pos="0">
-                    <a:schemeClr val="tx1"/>
+                    <a:prstClr val="black"/>
                   </a:gs>
                   <a:gs pos="100000">
-                    <a:schemeClr val="tx1"/>
+                    <a:prstClr val="black"/>
                   </a:gs>
                 </a:gsLst>
                 <a:lin ang="5400000" scaled="0"/>
@@ -2494,7 +3462,7 @@
     </p:spTree>
     <p:extLst>
       <p:ext uri="{BB962C8B-B14F-4D97-AF65-F5344CB8AC3E}">
-        <p14:creationId xmlns:p14="http://schemas.microsoft.com/office/powerpoint/2010/main" val="456559359"/>
+        <p14:creationId xmlns:p14="http://schemas.microsoft.com/office/powerpoint/2010/main" val="4068659383"/>
       </p:ext>
     </p:extLst>
   </p:cSld>
@@ -2550,11 +3518,11 @@
           <a:p>
             <a:r>
               <a:rPr lang="en-NZ" dirty="0" smtClean="0"/>
-              <a:t>The</a:t>
+              <a:t>Migration helper solution cannot be transformed. Contoso needs to evaluate</a:t>
             </a:r>
             <a:r>
               <a:rPr lang="en-NZ" baseline="0" dirty="0" smtClean="0"/>
-              <a:t> team responsible for transforming the solution has been identified in the “Owner” section.</a:t>
+              <a:t> other third party offerings that make use of SharePoint web service to migrate data.</a:t>
             </a:r>
             <a:endParaRPr lang="en-NZ" dirty="0"/>
           </a:p>
@@ -2575,11 +3543,20 @@
           <a:bodyPr/>
           <a:lstStyle/>
           <a:p>
-            <a:fld id="{D1138656-1104-4895-916A-3F46DB26BB9D}" type="datetime1">
-              <a:rPr lang="en-US" smtClean="0"/>
-              <a:t>5/26/2015</a:t>
+            <a:fld id="{719B440B-D65B-4D2A-9030-577938CDA5B7}" type="datetime1">
+              <a:rPr lang="en-US" smtClean="0">
+                <a:solidFill>
+                  <a:prstClr val="black"/>
+                </a:solidFill>
+              </a:rPr>
+              <a:pPr/>
+              <a:t>5/28/2015</a:t>
             </a:fld>
-            <a:endParaRPr lang="en-US"/>
+            <a:endParaRPr lang="en-US">
+              <a:solidFill>
+                <a:prstClr val="black"/>
+              </a:solidFill>
+            </a:endParaRPr>
           </a:p>
         </p:txBody>
       </p:sp>
@@ -2599,10 +3576,19 @@
           <a:lstStyle/>
           <a:p>
             <a:fld id="{B4008EB6-D09E-4580-8CD6-DDB14511944F}" type="slidenum">
-              <a:rPr lang="en-US" smtClean="0"/>
-              <a:t>10</a:t>
+              <a:rPr lang="en-US" smtClean="0">
+                <a:solidFill>
+                  <a:prstClr val="black"/>
+                </a:solidFill>
+              </a:rPr>
+              <a:pPr/>
+              <a:t>6</a:t>
             </a:fld>
-            <a:endParaRPr lang="en-US" dirty="0"/>
+            <a:endParaRPr lang="en-US" dirty="0">
+              <a:solidFill>
+                <a:prstClr val="black"/>
+              </a:solidFill>
+            </a:endParaRPr>
           </a:p>
         </p:txBody>
       </p:sp>
@@ -2622,10 +3608,18 @@
           <a:lstStyle/>
           <a:p>
             <a:r>
-              <a:rPr lang="en-US" smtClean="0"/>
+              <a:rPr lang="en-US" smtClean="0">
+                <a:solidFill>
+                  <a:prstClr val="black"/>
+                </a:solidFill>
+              </a:rPr>
               <a:t>Microsoft Office</a:t>
             </a:r>
-            <a:endParaRPr lang="en-US" dirty="0"/>
+            <a:endParaRPr lang="en-US" dirty="0">
+              <a:solidFill>
+                <a:prstClr val="black"/>
+              </a:solidFill>
+            </a:endParaRPr>
           </a:p>
         </p:txBody>
       </p:sp>
@@ -2650,10 +3644,10 @@
                 <a:gradFill>
                   <a:gsLst>
                     <a:gs pos="0">
-                      <a:schemeClr val="tx1"/>
+                      <a:prstClr val="black"/>
                     </a:gs>
                     <a:gs pos="100000">
-                      <a:schemeClr val="tx1"/>
+                      <a:prstClr val="black"/>
                     </a:gs>
                   </a:gsLst>
                   <a:lin ang="5400000" scaled="0"/>
@@ -2672,10 +3666,10 @@
                 <a:gradFill>
                   <a:gsLst>
                     <a:gs pos="0">
-                      <a:schemeClr val="tx1"/>
+                      <a:prstClr val="black"/>
                     </a:gs>
                     <a:gs pos="100000">
-                      <a:schemeClr val="tx1"/>
+                      <a:prstClr val="black"/>
                     </a:gs>
                   </a:gsLst>
                   <a:lin ang="5400000" scaled="0"/>
@@ -2690,10 +3684,10 @@
               <a:gradFill>
                 <a:gsLst>
                   <a:gs pos="0">
-                    <a:schemeClr val="tx1"/>
+                    <a:prstClr val="black"/>
                   </a:gs>
                   <a:gs pos="100000">
-                    <a:schemeClr val="tx1"/>
+                    <a:prstClr val="black"/>
                   </a:gs>
                 </a:gsLst>
                 <a:lin ang="5400000" scaled="0"/>
@@ -2708,7 +3702,7 @@
     </p:spTree>
     <p:extLst>
       <p:ext uri="{BB962C8B-B14F-4D97-AF65-F5344CB8AC3E}">
-        <p14:creationId xmlns:p14="http://schemas.microsoft.com/office/powerpoint/2010/main" val="2338391053"/>
+        <p14:creationId xmlns:p14="http://schemas.microsoft.com/office/powerpoint/2010/main" val="3548171595"/>
       </p:ext>
     </p:extLst>
   </p:cSld>
@@ -2762,34 +3756,58 @@
           <a:bodyPr/>
           <a:lstStyle/>
           <a:p>
-            <a:pPr marL="0" marR="0" indent="0" algn="l" defTabSz="914363" rtl="0" eaLnBrk="1" fontAlgn="auto" latinLnBrk="0" hangingPunct="1">
-              <a:lnSpc>
-                <a:spcPct val="90000"/>
-              </a:lnSpc>
-              <a:spcBef>
-                <a:spcPts val="0"/>
-              </a:spcBef>
-              <a:spcAft>
-                <a:spcPts val="333"/>
-              </a:spcAft>
-              <a:buClrTx/>
-              <a:buSzTx/>
-              <a:buFontTx/>
-              <a:buNone/>
-              <a:tabLst/>
-              <a:defRPr/>
-            </a:pPr>
             <a:r>
               <a:rPr lang="en-NZ" dirty="0" smtClean="0"/>
-              <a:t>The</a:t>
+              <a:t>The numbers on the slide signify the “App Maturity Level” in the scale of (0-3)</a:t>
+            </a:r>
+          </a:p>
+          <a:p>
+            <a:r>
+              <a:rPr lang="en-NZ" dirty="0" smtClean="0"/>
+              <a:t>0 – For solutions that cannot be moved into the App model</a:t>
+            </a:r>
+          </a:p>
+          <a:p>
+            <a:endParaRPr lang="en-NZ" dirty="0" smtClean="0"/>
+          </a:p>
+          <a:p>
+            <a:r>
+              <a:rPr lang="en-NZ" dirty="0" smtClean="0"/>
+              <a:t>From the </a:t>
+            </a:r>
+            <a:r>
+              <a:rPr lang="en-NZ" dirty="0" smtClean="0"/>
+              <a:t>kick-off</a:t>
             </a:r>
             <a:r>
               <a:rPr lang="en-NZ" baseline="0" dirty="0" smtClean="0"/>
-              <a:t> team responsible for transforming the solution has been identified in the “Owner” section.</a:t>
-            </a:r>
+              <a:t> </a:t>
+            </a:r>
+            <a:r>
+              <a:rPr lang="en-NZ" baseline="0" dirty="0" smtClean="0"/>
+              <a:t>meeting we have gathered that </a:t>
+            </a:r>
+            <a:r>
+              <a:rPr lang="en-NZ" dirty="0" smtClean="0"/>
+              <a:t>Contoso</a:t>
+            </a:r>
+            <a:r>
+              <a:rPr lang="en-NZ" baseline="0" dirty="0" smtClean="0"/>
+              <a:t> is prepared to transform the solutions to Office 365 friendly model. </a:t>
+            </a:r>
+          </a:p>
+          <a:p>
             <a:endParaRPr lang="en-NZ" dirty="0" smtClean="0"/>
           </a:p>
           <a:p>
+            <a:r>
+              <a:rPr lang="en-NZ" dirty="0" smtClean="0"/>
+              <a:t>Contoso is using full trust solutions for Branding, Provisioning. These cannot be moved to the Office 365 model as is.</a:t>
+            </a:r>
+            <a:r>
+              <a:rPr lang="en-NZ" baseline="0" dirty="0" smtClean="0"/>
+              <a:t> These solutions will have to be transformed using the proven App model techniques.</a:t>
+            </a:r>
             <a:endParaRPr lang="en-NZ" dirty="0"/>
           </a:p>
         </p:txBody>
@@ -2809,9 +3827,9 @@
           <a:bodyPr/>
           <a:lstStyle/>
           <a:p>
-            <a:fld id="{AE18C4A6-F14F-41E5-9C64-E690240F93F9}" type="datetime1">
+            <a:fld id="{152427C8-1870-4D04-BF1C-4B85DC18AB6D}" type="datetime1">
               <a:rPr lang="en-US" smtClean="0"/>
-              <a:t>5/26/2015</a:t>
+              <a:t>5/28/2015</a:t>
             </a:fld>
             <a:endParaRPr lang="en-US"/>
           </a:p>
@@ -2834,7 +3852,7 @@
           <a:p>
             <a:fld id="{B4008EB6-D09E-4580-8CD6-DDB14511944F}" type="slidenum">
               <a:rPr lang="en-US" smtClean="0"/>
-              <a:t>11</a:t>
+              <a:t>7</a:t>
             </a:fld>
             <a:endParaRPr lang="en-US" dirty="0"/>
           </a:p>
@@ -2942,7 +3960,7 @@
     </p:spTree>
     <p:extLst>
       <p:ext uri="{BB962C8B-B14F-4D97-AF65-F5344CB8AC3E}">
-        <p14:creationId xmlns:p14="http://schemas.microsoft.com/office/powerpoint/2010/main" val="879643190"/>
+        <p14:creationId xmlns:p14="http://schemas.microsoft.com/office/powerpoint/2010/main" val="161121688"/>
       </p:ext>
     </p:extLst>
   </p:cSld>
@@ -2996,34 +4014,10 @@
           <a:bodyPr/>
           <a:lstStyle/>
           <a:p>
-            <a:pPr marL="0" marR="0" indent="0" algn="l" defTabSz="914363" rtl="0" eaLnBrk="1" fontAlgn="auto" latinLnBrk="0" hangingPunct="1">
-              <a:lnSpc>
-                <a:spcPct val="90000"/>
-              </a:lnSpc>
-              <a:spcBef>
-                <a:spcPts val="0"/>
-              </a:spcBef>
-              <a:spcAft>
-                <a:spcPts val="333"/>
-              </a:spcAft>
-              <a:buClrTx/>
-              <a:buSzTx/>
-              <a:buFontTx/>
-              <a:buNone/>
-              <a:tabLst/>
-              <a:defRPr/>
-            </a:pPr>
             <a:r>
               <a:rPr lang="en-NZ" dirty="0" smtClean="0"/>
-              <a:t>The</a:t>
-            </a:r>
-            <a:r>
-              <a:rPr lang="en-NZ" baseline="0" dirty="0" smtClean="0"/>
-              <a:t> team responsible for transforming the solution has been identified in the “Owner” section.</a:t>
-            </a:r>
-            <a:endParaRPr lang="en-NZ" dirty="0" smtClean="0"/>
-          </a:p>
-          <a:p>
+              <a:t>The colours on the right indicate the simplicity with regards to the transformation process.</a:t>
+            </a:r>
             <a:endParaRPr lang="en-NZ" dirty="0"/>
           </a:p>
         </p:txBody>
@@ -3043,20 +4037,11 @@
           <a:bodyPr/>
           <a:lstStyle/>
           <a:p>
-            <a:fld id="{4AE8C4F7-4397-4161-9F22-0B4AD96909C7}" type="datetime1">
-              <a:rPr lang="en-US" smtClean="0">
-                <a:solidFill>
-                  <a:prstClr val="black"/>
-                </a:solidFill>
-              </a:rPr>
-              <a:pPr/>
-              <a:t>5/26/2015</a:t>
+            <a:fld id="{094F81B1-FE33-4866-9415-4EA33D10F9E8}" type="datetime1">
+              <a:rPr lang="en-US" smtClean="0"/>
+              <a:t>5/28/2015</a:t>
             </a:fld>
-            <a:endParaRPr lang="en-US">
-              <a:solidFill>
-                <a:prstClr val="black"/>
-              </a:solidFill>
-            </a:endParaRPr>
+            <a:endParaRPr lang="en-US"/>
           </a:p>
         </p:txBody>
       </p:sp>
@@ -3076,19 +4061,10 @@
           <a:lstStyle/>
           <a:p>
             <a:fld id="{B4008EB6-D09E-4580-8CD6-DDB14511944F}" type="slidenum">
-              <a:rPr lang="en-US" smtClean="0">
-                <a:solidFill>
-                  <a:prstClr val="black"/>
-                </a:solidFill>
-              </a:rPr>
-              <a:pPr/>
-              <a:t>12</a:t>
+              <a:rPr lang="en-US" smtClean="0"/>
+              <a:t>9</a:t>
             </a:fld>
-            <a:endParaRPr lang="en-US" dirty="0">
-              <a:solidFill>
-                <a:prstClr val="black"/>
-              </a:solidFill>
-            </a:endParaRPr>
+            <a:endParaRPr lang="en-US" dirty="0"/>
           </a:p>
         </p:txBody>
       </p:sp>
@@ -3108,18 +4084,10 @@
           <a:lstStyle/>
           <a:p>
             <a:r>
-              <a:rPr lang="en-US" smtClean="0">
-                <a:solidFill>
-                  <a:prstClr val="black"/>
-                </a:solidFill>
-              </a:rPr>
+              <a:rPr lang="en-US" smtClean="0"/>
               <a:t>Microsoft Office</a:t>
             </a:r>
-            <a:endParaRPr lang="en-US" dirty="0">
-              <a:solidFill>
-                <a:prstClr val="black"/>
-              </a:solidFill>
-            </a:endParaRPr>
+            <a:endParaRPr lang="en-US" dirty="0"/>
           </a:p>
         </p:txBody>
       </p:sp>
@@ -3144,10 +4112,10 @@
                 <a:gradFill>
                   <a:gsLst>
                     <a:gs pos="0">
-                      <a:prstClr val="black"/>
+                      <a:schemeClr val="tx1"/>
                     </a:gs>
                     <a:gs pos="100000">
-                      <a:prstClr val="black"/>
+                      <a:schemeClr val="tx1"/>
                     </a:gs>
                   </a:gsLst>
                   <a:lin ang="5400000" scaled="0"/>
@@ -3166,10 +4134,10 @@
                 <a:gradFill>
                   <a:gsLst>
                     <a:gs pos="0">
-                      <a:prstClr val="black"/>
+                      <a:schemeClr val="tx1"/>
                     </a:gs>
                     <a:gs pos="100000">
-                      <a:prstClr val="black"/>
+                      <a:schemeClr val="tx1"/>
                     </a:gs>
                   </a:gsLst>
                   <a:lin ang="5400000" scaled="0"/>
@@ -3184,10 +4152,10 @@
               <a:gradFill>
                 <a:gsLst>
                   <a:gs pos="0">
-                    <a:prstClr val="black"/>
+                    <a:schemeClr val="tx1"/>
                   </a:gs>
                   <a:gs pos="100000">
-                    <a:prstClr val="black"/>
+                    <a:schemeClr val="tx1"/>
                   </a:gs>
                 </a:gsLst>
                 <a:lin ang="5400000" scaled="0"/>
@@ -3202,7 +4170,7 @@
     </p:spTree>
     <p:extLst>
       <p:ext uri="{BB962C8B-B14F-4D97-AF65-F5344CB8AC3E}">
-        <p14:creationId xmlns:p14="http://schemas.microsoft.com/office/powerpoint/2010/main" val="2159873985"/>
+        <p14:creationId xmlns:p14="http://schemas.microsoft.com/office/powerpoint/2010/main" val="456559359"/>
       </p:ext>
     </p:extLst>
   </p:cSld>
@@ -3256,23 +4224,6 @@
           <a:bodyPr/>
           <a:lstStyle/>
           <a:p>
-            <a:pPr marL="0" marR="0" indent="0" algn="l" defTabSz="914363" rtl="0" eaLnBrk="1" fontAlgn="auto" latinLnBrk="0" hangingPunct="1">
-              <a:lnSpc>
-                <a:spcPct val="90000"/>
-              </a:lnSpc>
-              <a:spcBef>
-                <a:spcPts val="0"/>
-              </a:spcBef>
-              <a:spcAft>
-                <a:spcPts val="333"/>
-              </a:spcAft>
-              <a:buClrTx/>
-              <a:buSzTx/>
-              <a:buFontTx/>
-              <a:buNone/>
-              <a:tabLst/>
-              <a:defRPr/>
-            </a:pPr>
             <a:r>
               <a:rPr lang="en-NZ" dirty="0" smtClean="0"/>
               <a:t>The</a:t>
@@ -3281,9 +4232,6 @@
               <a:rPr lang="en-NZ" baseline="0" dirty="0" smtClean="0"/>
               <a:t> team responsible for transforming the solution has been identified in the “Owner” section.</a:t>
             </a:r>
-            <a:endParaRPr lang="en-NZ" dirty="0" smtClean="0"/>
-          </a:p>
-          <a:p>
             <a:endParaRPr lang="en-NZ" dirty="0"/>
           </a:p>
         </p:txBody>
@@ -3303,9 +4251,9 @@
           <a:bodyPr/>
           <a:lstStyle/>
           <a:p>
-            <a:fld id="{8E807F05-A7DA-4BF4-B992-4D1E30BA3021}" type="datetime1">
+            <a:fld id="{D1138656-1104-4895-916A-3F46DB26BB9D}" type="datetime1">
               <a:rPr lang="en-US" smtClean="0"/>
-              <a:t>5/26/2015</a:t>
+              <a:t>5/28/2015</a:t>
             </a:fld>
             <a:endParaRPr lang="en-US"/>
           </a:p>
@@ -3328,7 +4276,7 @@
           <a:p>
             <a:fld id="{B4008EB6-D09E-4580-8CD6-DDB14511944F}" type="slidenum">
               <a:rPr lang="en-US" smtClean="0"/>
-              <a:t>13</a:t>
+              <a:t>10</a:t>
             </a:fld>
             <a:endParaRPr lang="en-US" dirty="0"/>
           </a:p>
@@ -3436,7 +4384,7 @@
     </p:spTree>
     <p:extLst>
       <p:ext uri="{BB962C8B-B14F-4D97-AF65-F5344CB8AC3E}">
-        <p14:creationId xmlns:p14="http://schemas.microsoft.com/office/powerpoint/2010/main" val="2675710392"/>
+        <p14:creationId xmlns:p14="http://schemas.microsoft.com/office/powerpoint/2010/main" val="2338391053"/>
       </p:ext>
     </p:extLst>
   </p:cSld>
@@ -3537,9 +4485,9 @@
           <a:bodyPr/>
           <a:lstStyle/>
           <a:p>
-            <a:fld id="{EE679FBF-1C32-40EC-8A8D-F696D0F011B7}" type="datetime1">
+            <a:fld id="{AE18C4A6-F14F-41E5-9C64-E690240F93F9}" type="datetime1">
               <a:rPr lang="en-US" smtClean="0"/>
-              <a:t>5/26/2015</a:t>
+              <a:t>5/28/2015</a:t>
             </a:fld>
             <a:endParaRPr lang="en-US"/>
           </a:p>
@@ -3562,7 +4510,7 @@
           <a:p>
             <a:fld id="{B4008EB6-D09E-4580-8CD6-DDB14511944F}" type="slidenum">
               <a:rPr lang="en-US" smtClean="0"/>
-              <a:t>14</a:t>
+              <a:t>11</a:t>
             </a:fld>
             <a:endParaRPr lang="en-US" dirty="0"/>
           </a:p>
@@ -3670,7 +4618,7 @@
     </p:spTree>
     <p:extLst>
       <p:ext uri="{BB962C8B-B14F-4D97-AF65-F5344CB8AC3E}">
-        <p14:creationId xmlns:p14="http://schemas.microsoft.com/office/powerpoint/2010/main" val="1578588675"/>
+        <p14:creationId xmlns:p14="http://schemas.microsoft.com/office/powerpoint/2010/main" val="879643190"/>
       </p:ext>
     </p:extLst>
   </p:cSld>
@@ -3771,11 +4719,20 @@
           <a:bodyPr/>
           <a:lstStyle/>
           <a:p>
-            <a:fld id="{D1138656-1104-4895-916A-3F46DB26BB9D}" type="datetime1">
-              <a:rPr lang="en-US" smtClean="0"/>
-              <a:t>5/26/2015</a:t>
+            <a:fld id="{4AE8C4F7-4397-4161-9F22-0B4AD96909C7}" type="datetime1">
+              <a:rPr lang="en-US" smtClean="0">
+                <a:solidFill>
+                  <a:prstClr val="black"/>
+                </a:solidFill>
+              </a:rPr>
+              <a:pPr/>
+              <a:t>5/28/2015</a:t>
             </a:fld>
-            <a:endParaRPr lang="en-US"/>
+            <a:endParaRPr lang="en-US">
+              <a:solidFill>
+                <a:prstClr val="black"/>
+              </a:solidFill>
+            </a:endParaRPr>
           </a:p>
         </p:txBody>
       </p:sp>
@@ -3795,10 +4752,19 @@
           <a:lstStyle/>
           <a:p>
             <a:fld id="{B4008EB6-D09E-4580-8CD6-DDB14511944F}" type="slidenum">
-              <a:rPr lang="en-US" smtClean="0"/>
-              <a:t>15</a:t>
+              <a:rPr lang="en-US" smtClean="0">
+                <a:solidFill>
+                  <a:prstClr val="black"/>
+                </a:solidFill>
+              </a:rPr>
+              <a:pPr/>
+              <a:t>12</a:t>
             </a:fld>
-            <a:endParaRPr lang="en-US" dirty="0"/>
+            <a:endParaRPr lang="en-US" dirty="0">
+              <a:solidFill>
+                <a:prstClr val="black"/>
+              </a:solidFill>
+            </a:endParaRPr>
           </a:p>
         </p:txBody>
       </p:sp>
@@ -3818,10 +4784,18 @@
           <a:lstStyle/>
           <a:p>
             <a:r>
-              <a:rPr lang="en-US" smtClean="0"/>
+              <a:rPr lang="en-US" smtClean="0">
+                <a:solidFill>
+                  <a:prstClr val="black"/>
+                </a:solidFill>
+              </a:rPr>
               <a:t>Microsoft Office</a:t>
             </a:r>
-            <a:endParaRPr lang="en-US" dirty="0"/>
+            <a:endParaRPr lang="en-US" dirty="0">
+              <a:solidFill>
+                <a:prstClr val="black"/>
+              </a:solidFill>
+            </a:endParaRPr>
           </a:p>
         </p:txBody>
       </p:sp>
@@ -3846,10 +4820,10 @@
                 <a:gradFill>
                   <a:gsLst>
                     <a:gs pos="0">
-                      <a:schemeClr val="tx1"/>
+                      <a:prstClr val="black"/>
                     </a:gs>
                     <a:gs pos="100000">
-                      <a:schemeClr val="tx1"/>
+                      <a:prstClr val="black"/>
                     </a:gs>
                   </a:gsLst>
                   <a:lin ang="5400000" scaled="0"/>
@@ -3868,10 +4842,10 @@
                 <a:gradFill>
                   <a:gsLst>
                     <a:gs pos="0">
-                      <a:schemeClr val="tx1"/>
+                      <a:prstClr val="black"/>
                     </a:gs>
                     <a:gs pos="100000">
-                      <a:schemeClr val="tx1"/>
+                      <a:prstClr val="black"/>
                     </a:gs>
                   </a:gsLst>
                   <a:lin ang="5400000" scaled="0"/>
@@ -3886,10 +4860,10 @@
               <a:gradFill>
                 <a:gsLst>
                   <a:gs pos="0">
-                    <a:schemeClr val="tx1"/>
+                    <a:prstClr val="black"/>
                   </a:gs>
                   <a:gs pos="100000">
-                    <a:schemeClr val="tx1"/>
+                    <a:prstClr val="black"/>
                   </a:gs>
                 </a:gsLst>
                 <a:lin ang="5400000" scaled="0"/>
@@ -3904,7 +4878,7 @@
     </p:spTree>
     <p:extLst>
       <p:ext uri="{BB962C8B-B14F-4D97-AF65-F5344CB8AC3E}">
-        <p14:creationId xmlns:p14="http://schemas.microsoft.com/office/powerpoint/2010/main" val="154549087"/>
+        <p14:creationId xmlns:p14="http://schemas.microsoft.com/office/powerpoint/2010/main" val="2159873985"/>
       </p:ext>
     </p:extLst>
   </p:cSld>
@@ -4005,9 +4979,9 @@
           <a:bodyPr/>
           <a:lstStyle/>
           <a:p>
-            <a:fld id="{451D34E3-A4EB-4733-B7C0-D045AD3234C1}" type="datetime1">
+            <a:fld id="{8E807F05-A7DA-4BF4-B992-4D1E30BA3021}" type="datetime1">
               <a:rPr lang="en-US" smtClean="0"/>
-              <a:t>5/26/2015</a:t>
+              <a:t>5/28/2015</a:t>
             </a:fld>
             <a:endParaRPr lang="en-US"/>
           </a:p>
@@ -4030,7 +5004,7 @@
           <a:p>
             <a:fld id="{B4008EB6-D09E-4580-8CD6-DDB14511944F}" type="slidenum">
               <a:rPr lang="en-US" smtClean="0"/>
-              <a:t>16</a:t>
+              <a:t>13</a:t>
             </a:fld>
             <a:endParaRPr lang="en-US" dirty="0"/>
           </a:p>
@@ -4138,7 +5112,7 @@
     </p:spTree>
     <p:extLst>
       <p:ext uri="{BB962C8B-B14F-4D97-AF65-F5344CB8AC3E}">
-        <p14:creationId xmlns:p14="http://schemas.microsoft.com/office/powerpoint/2010/main" val="3616709153"/>
+        <p14:creationId xmlns:p14="http://schemas.microsoft.com/office/powerpoint/2010/main" val="2675710392"/>
       </p:ext>
     </p:extLst>
   </p:cSld>
@@ -15477,7 +16451,7 @@
                 <a:gridCol w="2373524">
                   <a:extLst>
                     <a:ext uri="{9D8B030D-6E8A-4147-A177-3AD203B41FA5}">
-                      <a16:colId xmlns="" xmlns:a16="http://schemas.microsoft.com/office/drawing/2014/main" val="20000"/>
+                      <a16:colId xmlns:a16="http://schemas.microsoft.com/office/drawing/2014/main" xmlns="" val="20000"/>
                     </a:ext>
                   </a:extLst>
                 </a:gridCol>
@@ -15540,7 +16514,7 @@
                 </a:tc>
                 <a:extLst>
                   <a:ext uri="{0D108BD9-81ED-4DB2-BD59-A6C34878D82A}">
-                    <a16:rowId xmlns="" xmlns:a16="http://schemas.microsoft.com/office/drawing/2014/main" val="10000"/>
+                    <a16:rowId xmlns:a16="http://schemas.microsoft.com/office/drawing/2014/main" xmlns="" val="10000"/>
                   </a:ext>
                 </a:extLst>
               </a:tr>
@@ -15601,7 +16575,7 @@
                 </a:tc>
                 <a:extLst>
                   <a:ext uri="{0D108BD9-81ED-4DB2-BD59-A6C34878D82A}">
-                    <a16:rowId xmlns="" xmlns:a16="http://schemas.microsoft.com/office/drawing/2014/main" val="10001"/>
+                    <a16:rowId xmlns:a16="http://schemas.microsoft.com/office/drawing/2014/main" xmlns="" val="10001"/>
                   </a:ext>
                 </a:extLst>
               </a:tr>
@@ -15671,7 +16645,7 @@
                 </a:tc>
                 <a:extLst>
                   <a:ext uri="{0D108BD9-81ED-4DB2-BD59-A6C34878D82A}">
-                    <a16:rowId xmlns="" xmlns:a16="http://schemas.microsoft.com/office/drawing/2014/main" val="10002"/>
+                    <a16:rowId xmlns:a16="http://schemas.microsoft.com/office/drawing/2014/main" xmlns="" val="10002"/>
                   </a:ext>
                 </a:extLst>
               </a:tr>
@@ -15749,7 +16723,7 @@
                 </a:tc>
                 <a:extLst>
                   <a:ext uri="{0D108BD9-81ED-4DB2-BD59-A6C34878D82A}">
-                    <a16:rowId xmlns="" xmlns:a16="http://schemas.microsoft.com/office/drawing/2014/main" val="10007"/>
+                    <a16:rowId xmlns:a16="http://schemas.microsoft.com/office/drawing/2014/main" xmlns="" val="10007"/>
                   </a:ext>
                 </a:extLst>
               </a:tr>
@@ -15866,7 +16840,39 @@
                   <a:lin ang="5400000" scaled="0"/>
                 </a:gradFill>
               </a:rPr>
-              <a:t>Safety news will be published as announcements within Yammer.</a:t>
+              <a:t>Safety news will be </a:t>
+            </a:r>
+            <a:r>
+              <a:rPr lang="en-US" sz="2000" dirty="0" smtClean="0">
+                <a:gradFill>
+                  <a:gsLst>
+                    <a:gs pos="1250">
+                      <a:srgbClr val="797A7D"/>
+                    </a:gs>
+                    <a:gs pos="100000">
+                      <a:srgbClr val="797A7D"/>
+                    </a:gs>
+                  </a:gsLst>
+                  <a:lin ang="5400000" scaled="0"/>
+                </a:gradFill>
+              </a:rPr>
+              <a:t>created as </a:t>
+            </a:r>
+            <a:r>
+              <a:rPr lang="en-US" sz="2000" dirty="0" smtClean="0">
+                <a:gradFill>
+                  <a:gsLst>
+                    <a:gs pos="1250">
+                      <a:srgbClr val="797A7D"/>
+                    </a:gs>
+                    <a:gs pos="100000">
+                      <a:srgbClr val="797A7D"/>
+                    </a:gs>
+                  </a:gsLst>
+                  <a:lin ang="5400000" scaled="0"/>
+                </a:gradFill>
+              </a:rPr>
+              <a:t>announcements within Yammer.</a:t>
             </a:r>
           </a:p>
           <a:p>
@@ -16429,7 +17435,7 @@
                 <a:gridCol w="2373524">
                   <a:extLst>
                     <a:ext uri="{9D8B030D-6E8A-4147-A177-3AD203B41FA5}">
-                      <a16:colId xmlns="" xmlns:a16="http://schemas.microsoft.com/office/drawing/2014/main" val="20000"/>
+                      <a16:colId xmlns:a16="http://schemas.microsoft.com/office/drawing/2014/main" xmlns="" val="20000"/>
                     </a:ext>
                   </a:extLst>
                 </a:gridCol>
@@ -16492,7 +17498,7 @@
                 </a:tc>
                 <a:extLst>
                   <a:ext uri="{0D108BD9-81ED-4DB2-BD59-A6C34878D82A}">
-                    <a16:rowId xmlns="" xmlns:a16="http://schemas.microsoft.com/office/drawing/2014/main" val="10000"/>
+                    <a16:rowId xmlns:a16="http://schemas.microsoft.com/office/drawing/2014/main" xmlns="" val="10000"/>
                   </a:ext>
                 </a:extLst>
               </a:tr>
@@ -16553,7 +17559,7 @@
                 </a:tc>
                 <a:extLst>
                   <a:ext uri="{0D108BD9-81ED-4DB2-BD59-A6C34878D82A}">
-                    <a16:rowId xmlns="" xmlns:a16="http://schemas.microsoft.com/office/drawing/2014/main" val="10001"/>
+                    <a16:rowId xmlns:a16="http://schemas.microsoft.com/office/drawing/2014/main" xmlns="" val="10001"/>
                   </a:ext>
                 </a:extLst>
               </a:tr>
@@ -16623,7 +17629,7 @@
                 </a:tc>
                 <a:extLst>
                   <a:ext uri="{0D108BD9-81ED-4DB2-BD59-A6C34878D82A}">
-                    <a16:rowId xmlns="" xmlns:a16="http://schemas.microsoft.com/office/drawing/2014/main" val="10002"/>
+                    <a16:rowId xmlns:a16="http://schemas.microsoft.com/office/drawing/2014/main" xmlns="" val="10002"/>
                   </a:ext>
                 </a:extLst>
               </a:tr>
@@ -16701,7 +17707,7 @@
                 </a:tc>
                 <a:extLst>
                   <a:ext uri="{0D108BD9-81ED-4DB2-BD59-A6C34878D82A}">
-                    <a16:rowId xmlns="" xmlns:a16="http://schemas.microsoft.com/office/drawing/2014/main" val="10007"/>
+                    <a16:rowId xmlns:a16="http://schemas.microsoft.com/office/drawing/2014/main" xmlns="" val="10007"/>
                   </a:ext>
                 </a:extLst>
               </a:tr>
@@ -17272,7 +18278,7 @@
                 <a:gridCol w="2373524">
                   <a:extLst>
                     <a:ext uri="{9D8B030D-6E8A-4147-A177-3AD203B41FA5}">
-                      <a16:colId xmlns="" xmlns:a16="http://schemas.microsoft.com/office/drawing/2014/main" val="20000"/>
+                      <a16:colId xmlns:a16="http://schemas.microsoft.com/office/drawing/2014/main" xmlns="" val="20000"/>
                     </a:ext>
                   </a:extLst>
                 </a:gridCol>
@@ -17335,7 +18341,7 @@
                 </a:tc>
                 <a:extLst>
                   <a:ext uri="{0D108BD9-81ED-4DB2-BD59-A6C34878D82A}">
-                    <a16:rowId xmlns="" xmlns:a16="http://schemas.microsoft.com/office/drawing/2014/main" val="10000"/>
+                    <a16:rowId xmlns:a16="http://schemas.microsoft.com/office/drawing/2014/main" xmlns="" val="10000"/>
                   </a:ext>
                 </a:extLst>
               </a:tr>
@@ -17396,7 +18402,7 @@
                 </a:tc>
                 <a:extLst>
                   <a:ext uri="{0D108BD9-81ED-4DB2-BD59-A6C34878D82A}">
-                    <a16:rowId xmlns="" xmlns:a16="http://schemas.microsoft.com/office/drawing/2014/main" val="10001"/>
+                    <a16:rowId xmlns:a16="http://schemas.microsoft.com/office/drawing/2014/main" xmlns="" val="10001"/>
                   </a:ext>
                 </a:extLst>
               </a:tr>
@@ -17466,7 +18472,7 @@
                 </a:tc>
                 <a:extLst>
                   <a:ext uri="{0D108BD9-81ED-4DB2-BD59-A6C34878D82A}">
-                    <a16:rowId xmlns="" xmlns:a16="http://schemas.microsoft.com/office/drawing/2014/main" val="10002"/>
+                    <a16:rowId xmlns:a16="http://schemas.microsoft.com/office/drawing/2014/main" xmlns="" val="10002"/>
                   </a:ext>
                 </a:extLst>
               </a:tr>
@@ -17544,7 +18550,7 @@
                 </a:tc>
                 <a:extLst>
                   <a:ext uri="{0D108BD9-81ED-4DB2-BD59-A6C34878D82A}">
-                    <a16:rowId xmlns="" xmlns:a16="http://schemas.microsoft.com/office/drawing/2014/main" val="10007"/>
+                    <a16:rowId xmlns:a16="http://schemas.microsoft.com/office/drawing/2014/main" xmlns="" val="10007"/>
                   </a:ext>
                 </a:extLst>
               </a:tr>
@@ -17791,7 +18797,15 @@
             </a:r>
             <a:r>
               <a:rPr lang="en-US" altLang="en-US" sz="1800" dirty="0"/>
-              <a:t>the end users to select the type of the template </a:t>
+              <a:t>the end users to select the type of </a:t>
+            </a:r>
+            <a:r>
+              <a:rPr lang="en-US" altLang="en-US" sz="1800" dirty="0" smtClean="0"/>
+              <a:t>the site </a:t>
+            </a:r>
+            <a:r>
+              <a:rPr lang="en-US" altLang="en-US" sz="1800" dirty="0"/>
+              <a:t>template </a:t>
             </a:r>
             <a:endParaRPr lang="en-US" altLang="en-US" sz="1800" dirty="0" smtClean="0"/>
           </a:p>
@@ -17803,7 +18817,11 @@
             </a:r>
             <a:r>
               <a:rPr lang="en-US" altLang="en-US" sz="1800" dirty="0"/>
-              <a:t>configuration and options are dependent on the provider hosted app side. </a:t>
+              <a:t>configuration and options are dependent on the </a:t>
+            </a:r>
+            <a:r>
+              <a:rPr lang="en-US" altLang="en-US" sz="1800" dirty="0" smtClean="0"/>
+              <a:t>choice of the App model (SharePoint hosted vs Provider hosted). </a:t>
             </a:r>
             <a:endParaRPr lang="en-US" altLang="en-US" sz="1800" dirty="0" smtClean="0"/>
           </a:p>
@@ -17815,7 +18833,15 @@
             </a:r>
             <a:r>
               <a:rPr lang="en-US" altLang="en-US" sz="1800" dirty="0"/>
-              <a:t>provisioning of the site collection using CSOM. You can use CSOM or REST for additional configurations </a:t>
+              <a:t>provisioning of the site collection </a:t>
+            </a:r>
+            <a:r>
+              <a:rPr lang="en-US" altLang="en-US" sz="1800" dirty="0" smtClean="0"/>
+              <a:t>will be done using </a:t>
+            </a:r>
+            <a:r>
+              <a:rPr lang="en-US" altLang="en-US" sz="1800" dirty="0"/>
+              <a:t>CSOM. You can use CSOM or REST for additional configurations </a:t>
             </a:r>
           </a:p>
           <a:p>
@@ -18130,7 +19156,7 @@
                 <a:gridCol w="2373524">
                   <a:extLst>
                     <a:ext uri="{9D8B030D-6E8A-4147-A177-3AD203B41FA5}">
-                      <a16:colId xmlns="" xmlns:a16="http://schemas.microsoft.com/office/drawing/2014/main" val="20000"/>
+                      <a16:colId xmlns:a16="http://schemas.microsoft.com/office/drawing/2014/main" xmlns="" val="20000"/>
                     </a:ext>
                   </a:extLst>
                 </a:gridCol>
@@ -18193,7 +19219,7 @@
                 </a:tc>
                 <a:extLst>
                   <a:ext uri="{0D108BD9-81ED-4DB2-BD59-A6C34878D82A}">
-                    <a16:rowId xmlns="" xmlns:a16="http://schemas.microsoft.com/office/drawing/2014/main" val="10000"/>
+                    <a16:rowId xmlns:a16="http://schemas.microsoft.com/office/drawing/2014/main" xmlns="" val="10000"/>
                   </a:ext>
                 </a:extLst>
               </a:tr>
@@ -18254,7 +19280,7 @@
                 </a:tc>
                 <a:extLst>
                   <a:ext uri="{0D108BD9-81ED-4DB2-BD59-A6C34878D82A}">
-                    <a16:rowId xmlns="" xmlns:a16="http://schemas.microsoft.com/office/drawing/2014/main" val="10001"/>
+                    <a16:rowId xmlns:a16="http://schemas.microsoft.com/office/drawing/2014/main" xmlns="" val="10001"/>
                   </a:ext>
                 </a:extLst>
               </a:tr>
@@ -18324,7 +19350,7 @@
                 </a:tc>
                 <a:extLst>
                   <a:ext uri="{0D108BD9-81ED-4DB2-BD59-A6C34878D82A}">
-                    <a16:rowId xmlns="" xmlns:a16="http://schemas.microsoft.com/office/drawing/2014/main" val="10002"/>
+                    <a16:rowId xmlns:a16="http://schemas.microsoft.com/office/drawing/2014/main" xmlns="" val="10002"/>
                   </a:ext>
                 </a:extLst>
               </a:tr>
@@ -18402,7 +19428,7 @@
                 </a:tc>
                 <a:extLst>
                   <a:ext uri="{0D108BD9-81ED-4DB2-BD59-A6C34878D82A}">
-                    <a16:rowId xmlns="" xmlns:a16="http://schemas.microsoft.com/office/drawing/2014/main" val="10007"/>
+                    <a16:rowId xmlns:a16="http://schemas.microsoft.com/office/drawing/2014/main" xmlns="" val="10007"/>
                   </a:ext>
                 </a:extLst>
               </a:tr>
@@ -18844,7 +19870,7 @@
                 <a:gridCol w="2373524">
                   <a:extLst>
                     <a:ext uri="{9D8B030D-6E8A-4147-A177-3AD203B41FA5}">
-                      <a16:colId xmlns="" xmlns:a16="http://schemas.microsoft.com/office/drawing/2014/main" val="20000"/>
+                      <a16:colId xmlns:a16="http://schemas.microsoft.com/office/drawing/2014/main" xmlns="" val="20000"/>
                     </a:ext>
                   </a:extLst>
                 </a:gridCol>
@@ -18907,7 +19933,7 @@
                 </a:tc>
                 <a:extLst>
                   <a:ext uri="{0D108BD9-81ED-4DB2-BD59-A6C34878D82A}">
-                    <a16:rowId xmlns="" xmlns:a16="http://schemas.microsoft.com/office/drawing/2014/main" val="10000"/>
+                    <a16:rowId xmlns:a16="http://schemas.microsoft.com/office/drawing/2014/main" xmlns="" val="10000"/>
                   </a:ext>
                 </a:extLst>
               </a:tr>
@@ -18968,7 +19994,7 @@
                 </a:tc>
                 <a:extLst>
                   <a:ext uri="{0D108BD9-81ED-4DB2-BD59-A6C34878D82A}">
-                    <a16:rowId xmlns="" xmlns:a16="http://schemas.microsoft.com/office/drawing/2014/main" val="10001"/>
+                    <a16:rowId xmlns:a16="http://schemas.microsoft.com/office/drawing/2014/main" xmlns="" val="10001"/>
                   </a:ext>
                 </a:extLst>
               </a:tr>
@@ -19038,7 +20064,7 @@
                 </a:tc>
                 <a:extLst>
                   <a:ext uri="{0D108BD9-81ED-4DB2-BD59-A6C34878D82A}">
-                    <a16:rowId xmlns="" xmlns:a16="http://schemas.microsoft.com/office/drawing/2014/main" val="10002"/>
+                    <a16:rowId xmlns:a16="http://schemas.microsoft.com/office/drawing/2014/main" xmlns="" val="10002"/>
                   </a:ext>
                 </a:extLst>
               </a:tr>
@@ -19116,7 +20142,7 @@
                 </a:tc>
                 <a:extLst>
                   <a:ext uri="{0D108BD9-81ED-4DB2-BD59-A6C34878D82A}">
-                    <a16:rowId xmlns="" xmlns:a16="http://schemas.microsoft.com/office/drawing/2014/main" val="10007"/>
+                    <a16:rowId xmlns:a16="http://schemas.microsoft.com/office/drawing/2014/main" xmlns="" val="10007"/>
                   </a:ext>
                 </a:extLst>
               </a:tr>
@@ -19441,7 +20467,15 @@
             </a:r>
             <a:r>
               <a:rPr lang="en-US" sz="1800" dirty="0" smtClean="0"/>
-              <a:t> can be hosted on Azure</a:t>
+              <a:t> </a:t>
+            </a:r>
+            <a:r>
+              <a:rPr lang="en-US" sz="1800" dirty="0" smtClean="0"/>
+              <a:t>will be </a:t>
+            </a:r>
+            <a:r>
+              <a:rPr lang="en-US" sz="1800" dirty="0" smtClean="0"/>
+              <a:t>hosted on Azure</a:t>
             </a:r>
           </a:p>
           <a:p>
@@ -19926,7 +20960,7 @@
                 <a:gridCol w="2373524">
                   <a:extLst>
                     <a:ext uri="{9D8B030D-6E8A-4147-A177-3AD203B41FA5}">
-                      <a16:colId xmlns="" xmlns:a16="http://schemas.microsoft.com/office/drawing/2014/main" val="20000"/>
+                      <a16:colId xmlns:a16="http://schemas.microsoft.com/office/drawing/2014/main" xmlns="" val="20000"/>
                     </a:ext>
                   </a:extLst>
                 </a:gridCol>
@@ -19989,7 +21023,7 @@
                 </a:tc>
                 <a:extLst>
                   <a:ext uri="{0D108BD9-81ED-4DB2-BD59-A6C34878D82A}">
-                    <a16:rowId xmlns="" xmlns:a16="http://schemas.microsoft.com/office/drawing/2014/main" val="10000"/>
+                    <a16:rowId xmlns:a16="http://schemas.microsoft.com/office/drawing/2014/main" xmlns="" val="10000"/>
                   </a:ext>
                 </a:extLst>
               </a:tr>
@@ -20050,7 +21084,7 @@
                 </a:tc>
                 <a:extLst>
                   <a:ext uri="{0D108BD9-81ED-4DB2-BD59-A6C34878D82A}">
-                    <a16:rowId xmlns="" xmlns:a16="http://schemas.microsoft.com/office/drawing/2014/main" val="10001"/>
+                    <a16:rowId xmlns:a16="http://schemas.microsoft.com/office/drawing/2014/main" xmlns="" val="10001"/>
                   </a:ext>
                 </a:extLst>
               </a:tr>
@@ -20120,7 +21154,7 @@
                 </a:tc>
                 <a:extLst>
                   <a:ext uri="{0D108BD9-81ED-4DB2-BD59-A6C34878D82A}">
-                    <a16:rowId xmlns="" xmlns:a16="http://schemas.microsoft.com/office/drawing/2014/main" val="10002"/>
+                    <a16:rowId xmlns:a16="http://schemas.microsoft.com/office/drawing/2014/main" xmlns="" val="10002"/>
                   </a:ext>
                 </a:extLst>
               </a:tr>
@@ -20198,7 +21232,7 @@
                 </a:tc>
                 <a:extLst>
                   <a:ext uri="{0D108BD9-81ED-4DB2-BD59-A6C34878D82A}">
-                    <a16:rowId xmlns="" xmlns:a16="http://schemas.microsoft.com/office/drawing/2014/main" val="10007"/>
+                    <a16:rowId xmlns:a16="http://schemas.microsoft.com/office/drawing/2014/main" xmlns="" val="10007"/>
                   </a:ext>
                 </a:extLst>
               </a:tr>
@@ -20573,7 +21607,7 @@
                 <a:gridCol w="2373524">
                   <a:extLst>
                     <a:ext uri="{9D8B030D-6E8A-4147-A177-3AD203B41FA5}">
-                      <a16:colId xmlns="" xmlns:a16="http://schemas.microsoft.com/office/drawing/2014/main" val="20000"/>
+                      <a16:colId xmlns:a16="http://schemas.microsoft.com/office/drawing/2014/main" xmlns="" val="20000"/>
                     </a:ext>
                   </a:extLst>
                 </a:gridCol>
@@ -20636,7 +21670,7 @@
                 </a:tc>
                 <a:extLst>
                   <a:ext uri="{0D108BD9-81ED-4DB2-BD59-A6C34878D82A}">
-                    <a16:rowId xmlns="" xmlns:a16="http://schemas.microsoft.com/office/drawing/2014/main" val="10000"/>
+                    <a16:rowId xmlns:a16="http://schemas.microsoft.com/office/drawing/2014/main" xmlns="" val="10000"/>
                   </a:ext>
                 </a:extLst>
               </a:tr>
@@ -20697,7 +21731,7 @@
                 </a:tc>
                 <a:extLst>
                   <a:ext uri="{0D108BD9-81ED-4DB2-BD59-A6C34878D82A}">
-                    <a16:rowId xmlns="" xmlns:a16="http://schemas.microsoft.com/office/drawing/2014/main" val="10001"/>
+                    <a16:rowId xmlns:a16="http://schemas.microsoft.com/office/drawing/2014/main" xmlns="" val="10001"/>
                   </a:ext>
                 </a:extLst>
               </a:tr>
@@ -20775,7 +21809,7 @@
                 </a:tc>
                 <a:extLst>
                   <a:ext uri="{0D108BD9-81ED-4DB2-BD59-A6C34878D82A}">
-                    <a16:rowId xmlns="" xmlns:a16="http://schemas.microsoft.com/office/drawing/2014/main" val="10002"/>
+                    <a16:rowId xmlns:a16="http://schemas.microsoft.com/office/drawing/2014/main" xmlns="" val="10002"/>
                   </a:ext>
                 </a:extLst>
               </a:tr>
@@ -20857,7 +21891,7 @@
                 </a:tc>
                 <a:extLst>
                   <a:ext uri="{0D108BD9-81ED-4DB2-BD59-A6C34878D82A}">
-                    <a16:rowId xmlns="" xmlns:a16="http://schemas.microsoft.com/office/drawing/2014/main" val="10007"/>
+                    <a16:rowId xmlns:a16="http://schemas.microsoft.com/office/drawing/2014/main" xmlns="" val="10007"/>
                   </a:ext>
                 </a:extLst>
               </a:tr>
@@ -21592,7 +22626,7 @@
                 <a:gridCol w="2373524">
                   <a:extLst>
                     <a:ext uri="{9D8B030D-6E8A-4147-A177-3AD203B41FA5}">
-                      <a16:colId xmlns="" xmlns:a16="http://schemas.microsoft.com/office/drawing/2014/main" val="20000"/>
+                      <a16:colId xmlns:a16="http://schemas.microsoft.com/office/drawing/2014/main" xmlns="" val="20000"/>
                     </a:ext>
                   </a:extLst>
                 </a:gridCol>
@@ -21655,7 +22689,7 @@
                 </a:tc>
                 <a:extLst>
                   <a:ext uri="{0D108BD9-81ED-4DB2-BD59-A6C34878D82A}">
-                    <a16:rowId xmlns="" xmlns:a16="http://schemas.microsoft.com/office/drawing/2014/main" val="10000"/>
+                    <a16:rowId xmlns:a16="http://schemas.microsoft.com/office/drawing/2014/main" xmlns="" val="10000"/>
                   </a:ext>
                 </a:extLst>
               </a:tr>
@@ -21716,7 +22750,7 @@
                 </a:tc>
                 <a:extLst>
                   <a:ext uri="{0D108BD9-81ED-4DB2-BD59-A6C34878D82A}">
-                    <a16:rowId xmlns="" xmlns:a16="http://schemas.microsoft.com/office/drawing/2014/main" val="10001"/>
+                    <a16:rowId xmlns:a16="http://schemas.microsoft.com/office/drawing/2014/main" xmlns="" val="10001"/>
                   </a:ext>
                 </a:extLst>
               </a:tr>
@@ -21786,7 +22820,7 @@
                 </a:tc>
                 <a:extLst>
                   <a:ext uri="{0D108BD9-81ED-4DB2-BD59-A6C34878D82A}">
-                    <a16:rowId xmlns="" xmlns:a16="http://schemas.microsoft.com/office/drawing/2014/main" val="10002"/>
+                    <a16:rowId xmlns:a16="http://schemas.microsoft.com/office/drawing/2014/main" xmlns="" val="10002"/>
                   </a:ext>
                 </a:extLst>
               </a:tr>
@@ -21864,7 +22898,7 @@
                 </a:tc>
                 <a:extLst>
                   <a:ext uri="{0D108BD9-81ED-4DB2-BD59-A6C34878D82A}">
-                    <a16:rowId xmlns="" xmlns:a16="http://schemas.microsoft.com/office/drawing/2014/main" val="10007"/>
+                    <a16:rowId xmlns:a16="http://schemas.microsoft.com/office/drawing/2014/main" xmlns="" val="10007"/>
                   </a:ext>
                 </a:extLst>
               </a:tr>
@@ -22375,7 +23409,7 @@
                 <a:gridCol w="2743200">
                   <a:extLst>
                     <a:ext uri="{9D8B030D-6E8A-4147-A177-3AD203B41FA5}">
-                      <a16:colId xmlns="" xmlns:a16="http://schemas.microsoft.com/office/drawing/2014/main" val="20000"/>
+                      <a16:colId xmlns:a16="http://schemas.microsoft.com/office/drawing/2014/main" xmlns="" val="20000"/>
                     </a:ext>
                   </a:extLst>
                 </a:gridCol>
@@ -22438,7 +23472,7 @@
                 </a:tc>
                 <a:extLst>
                   <a:ext uri="{0D108BD9-81ED-4DB2-BD59-A6C34878D82A}">
-                    <a16:rowId xmlns="" xmlns:a16="http://schemas.microsoft.com/office/drawing/2014/main" val="10000"/>
+                    <a16:rowId xmlns:a16="http://schemas.microsoft.com/office/drawing/2014/main" xmlns="" val="10000"/>
                   </a:ext>
                 </a:extLst>
               </a:tr>
@@ -22499,7 +23533,7 @@
                 </a:tc>
                 <a:extLst>
                   <a:ext uri="{0D108BD9-81ED-4DB2-BD59-A6C34878D82A}">
-                    <a16:rowId xmlns="" xmlns:a16="http://schemas.microsoft.com/office/drawing/2014/main" val="10001"/>
+                    <a16:rowId xmlns:a16="http://schemas.microsoft.com/office/drawing/2014/main" xmlns="" val="10001"/>
                   </a:ext>
                 </a:extLst>
               </a:tr>
@@ -22569,7 +23603,7 @@
                 </a:tc>
                 <a:extLst>
                   <a:ext uri="{0D108BD9-81ED-4DB2-BD59-A6C34878D82A}">
-                    <a16:rowId xmlns="" xmlns:a16="http://schemas.microsoft.com/office/drawing/2014/main" val="10002"/>
+                    <a16:rowId xmlns:a16="http://schemas.microsoft.com/office/drawing/2014/main" xmlns="" val="10002"/>
                   </a:ext>
                 </a:extLst>
               </a:tr>
@@ -22651,7 +23685,7 @@
                 </a:tc>
                 <a:extLst>
                   <a:ext uri="{0D108BD9-81ED-4DB2-BD59-A6C34878D82A}">
-                    <a16:rowId xmlns="" xmlns:a16="http://schemas.microsoft.com/office/drawing/2014/main" val="10007"/>
+                    <a16:rowId xmlns:a16="http://schemas.microsoft.com/office/drawing/2014/main" xmlns="" val="10007"/>
                   </a:ext>
                 </a:extLst>
               </a:tr>
@@ -22756,15 +23790,7 @@
           <a:p>
             <a:r>
               <a:rPr lang="en-US" dirty="0" smtClean="0"/>
-              <a:t>Contoso </a:t>
-            </a:r>
-            <a:r>
-              <a:rPr lang="en-US" dirty="0" smtClean="0"/>
-              <a:t>Office 365 </a:t>
-            </a:r>
-            <a:r>
-              <a:rPr lang="en-US" dirty="0" smtClean="0"/>
-              <a:t>logical architecture</a:t>
+              <a:t>Contoso Office 365 logical architecture</a:t>
             </a:r>
             <a:endParaRPr lang="nl-BE" dirty="0"/>
           </a:p>
@@ -24407,7 +25433,7 @@
           <a:p>
             <a:r>
               <a:rPr lang="en-US" dirty="0" smtClean="0"/>
-              <a:t>Development process focus areas</a:t>
+              <a:t>Development focus areas</a:t>
             </a:r>
             <a:endParaRPr lang="en-US" dirty="0"/>
           </a:p>
@@ -24422,7 +25448,7 @@
         <p:spPr>
           <a:xfrm>
             <a:off x="536053" y="1876755"/>
-            <a:ext cx="2081070" cy="4255104"/>
+            <a:ext cx="2081070" cy="3771010"/>
           </a:xfrm>
           <a:prstGeom prst="rect">
             <a:avLst/>
@@ -24452,22 +25478,22 @@
             <a:r>
               <a:rPr lang="en-US" sz="1400" dirty="0" smtClean="0">
                 <a:solidFill>
-                  <a:schemeClr val="bg2">
+                  <a:srgbClr val="797A7D">
                     <a:lumMod val="50000"/>
-                  </a:schemeClr>
+                  </a:srgbClr>
                 </a:solidFill>
                 <a:cs typeface="Segoe UI" panose="020B0502040204020203" pitchFamily="34" charset="0"/>
               </a:rPr>
-              <a:t>Currently scattered between the solutions. </a:t>
+              <a:t>Currently features are spread across multiple solutions. </a:t>
             </a:r>
           </a:p>
           <a:p>
             <a:pPr defTabSz="913951"/>
             <a:endParaRPr lang="en-US" sz="1400" dirty="0" smtClean="0">
               <a:solidFill>
-                <a:schemeClr val="bg2">
+                <a:srgbClr val="797A7D">
                   <a:lumMod val="50000"/>
-                </a:schemeClr>
+                </a:srgbClr>
               </a:solidFill>
               <a:cs typeface="Segoe UI" panose="020B0502040204020203" pitchFamily="34" charset="0"/>
             </a:endParaRPr>
@@ -24477,22 +25503,22 @@
             <a:r>
               <a:rPr lang="en-US" sz="1400" dirty="0" smtClean="0">
                 <a:solidFill>
-                  <a:schemeClr val="bg2">
+                  <a:srgbClr val="797A7D">
                     <a:lumMod val="50000"/>
-                  </a:schemeClr>
+                  </a:srgbClr>
                 </a:solidFill>
                 <a:cs typeface="Segoe UI" panose="020B0502040204020203" pitchFamily="34" charset="0"/>
               </a:rPr>
-              <a:t>Should be one provisioning engine which does take care of the all needed customizations.</a:t>
+              <a:t>Should just be one provisioning engine which takes care of the all required customizations.</a:t>
             </a:r>
           </a:p>
           <a:p>
             <a:pPr defTabSz="913951"/>
             <a:endParaRPr lang="en-US" sz="1400" dirty="0">
               <a:solidFill>
-                <a:schemeClr val="bg2">
+                <a:srgbClr val="797A7D">
                   <a:lumMod val="50000"/>
-                </a:schemeClr>
+                </a:srgbClr>
               </a:solidFill>
               <a:cs typeface="Segoe UI" panose="020B0502040204020203" pitchFamily="34" charset="0"/>
             </a:endParaRPr>
@@ -24502,9 +25528,9 @@
             <a:r>
               <a:rPr lang="en-US" sz="1400" dirty="0" smtClean="0">
                 <a:solidFill>
-                  <a:schemeClr val="bg2">
+                  <a:srgbClr val="797A7D">
                     <a:lumMod val="50000"/>
-                  </a:schemeClr>
+                  </a:srgbClr>
                 </a:solidFill>
                 <a:cs typeface="Segoe UI" panose="020B0502040204020203" pitchFamily="34" charset="0"/>
               </a:rPr>
@@ -24512,9 +25538,9 @@
             </a:r>
             <a:endParaRPr lang="en-US" sz="1400" dirty="0">
               <a:solidFill>
-                <a:schemeClr val="bg2">
+                <a:srgbClr val="797A7D">
                   <a:lumMod val="50000"/>
-                </a:schemeClr>
+                </a:srgbClr>
               </a:solidFill>
               <a:cs typeface="Segoe UI" panose="020B0502040204020203" pitchFamily="34" charset="0"/>
             </a:endParaRPr>
@@ -24590,14 +25616,14 @@
                 </a:spcAft>
               </a:pPr>
               <a:r>
-                <a:rPr lang="en-US" sz="1400" b="1" smtClean="0">
+                <a:rPr lang="en-US" sz="1400" b="1" dirty="0" smtClean="0">
                   <a:solidFill>
                     <a:sysClr val="windowText" lastClr="000000"/>
                   </a:solidFill>
                   <a:ea typeface="Segoe UI" pitchFamily="34" charset="0"/>
                   <a:cs typeface="Segoe UI Semibold" panose="020B0702040204020203" pitchFamily="34" charset="0"/>
                 </a:rPr>
-                <a:t>Provisioning Framework</a:t>
+                <a:t>Provisioning framework</a:t>
               </a:r>
               <a:endParaRPr lang="en-US" sz="1400" b="1" dirty="0">
                 <a:solidFill>
@@ -24759,7 +25785,7 @@
                   <a:ea typeface="Segoe UI" pitchFamily="34" charset="0"/>
                   <a:cs typeface="Segoe UI Semibold" panose="020B0702040204020203" pitchFamily="34" charset="0"/>
                 </a:rPr>
-                <a:t>Remote timer Framework</a:t>
+                <a:t>Remote timer framework</a:t>
               </a:r>
               <a:endParaRPr lang="en-US" sz="1400" b="1" dirty="0">
                 <a:solidFill>
@@ -25340,7 +26366,7 @@
         <p:spPr>
           <a:xfrm>
             <a:off x="2767624" y="1887231"/>
-            <a:ext cx="2081070" cy="4255104"/>
+            <a:ext cx="2081070" cy="3771010"/>
           </a:xfrm>
           <a:prstGeom prst="rect">
             <a:avLst/>
@@ -25370,72 +26396,14 @@
             <a:r>
               <a:rPr lang="en-US" sz="1400" dirty="0" smtClean="0">
                 <a:solidFill>
-                  <a:schemeClr val="bg2">
+                  <a:srgbClr val="797A7D">
                     <a:lumMod val="50000"/>
-                  </a:schemeClr>
+                  </a:srgbClr>
                 </a:solidFill>
                 <a:cs typeface="Segoe UI" panose="020B0502040204020203" pitchFamily="34" charset="0"/>
               </a:rPr>
-              <a:t>Needed cross multiple solutions to perform disconnected asynchronous operations.</a:t>
-            </a:r>
-          </a:p>
-          <a:p>
-            <a:pPr defTabSz="913951"/>
-            <a:endParaRPr lang="en-US" sz="1400" dirty="0">
-              <a:solidFill>
-                <a:schemeClr val="bg2">
-                  <a:lumMod val="50000"/>
-                </a:schemeClr>
-              </a:solidFill>
-              <a:cs typeface="Segoe UI" panose="020B0502040204020203" pitchFamily="34" charset="0"/>
-            </a:endParaRPr>
-          </a:p>
-          <a:p>
-            <a:pPr defTabSz="913951"/>
-            <a:r>
-              <a:rPr lang="en-US" sz="1400" dirty="0" smtClean="0">
-                <a:solidFill>
-                  <a:schemeClr val="bg2">
-                    <a:lumMod val="50000"/>
-                  </a:schemeClr>
-                </a:solidFill>
-                <a:cs typeface="Segoe UI" panose="020B0502040204020203" pitchFamily="34" charset="0"/>
-              </a:rPr>
-              <a:t>Not mentioned in any plans current. Should be part of the generic provider hosted platform framework. Possibly in SAEF.</a:t>
-            </a:r>
-          </a:p>
-          <a:p>
-            <a:pPr defTabSz="913951"/>
-            <a:endParaRPr lang="en-US" sz="1400" dirty="0">
-              <a:solidFill>
-                <a:schemeClr val="bg2">
-                  <a:lumMod val="50000"/>
-                </a:schemeClr>
-              </a:solidFill>
-              <a:cs typeface="Segoe UI" panose="020B0502040204020203" pitchFamily="34" charset="0"/>
-            </a:endParaRPr>
-          </a:p>
-          <a:p>
-            <a:pPr defTabSz="913951"/>
-            <a:r>
-              <a:rPr lang="en-US" sz="1400" dirty="0" smtClean="0">
-                <a:solidFill>
-                  <a:schemeClr val="bg2">
-                    <a:lumMod val="50000"/>
-                  </a:schemeClr>
-                </a:solidFill>
-                <a:cs typeface="Segoe UI" panose="020B0502040204020203" pitchFamily="34" charset="0"/>
-              </a:rPr>
-              <a:t>Each project should have standardized way to approach this requirement even thought they could be implemented separately</a:t>
-            </a:r>
-            <a:endParaRPr lang="en-US" sz="1400" dirty="0">
-              <a:solidFill>
-                <a:schemeClr val="bg2">
-                  <a:lumMod val="50000"/>
-                </a:schemeClr>
-              </a:solidFill>
-              <a:cs typeface="Segoe UI" panose="020B0502040204020203" pitchFamily="34" charset="0"/>
-            </a:endParaRPr>
+              <a:t>Timer jobs should be replaced by Azure Web jobs.</a:t>
+            </a:r>
           </a:p>
         </p:txBody>
       </p:sp>
@@ -25448,7 +26416,7 @@
         <p:spPr>
           <a:xfrm>
             <a:off x="5016134" y="1876755"/>
-            <a:ext cx="2081070" cy="4255104"/>
+            <a:ext cx="2081070" cy="3771010"/>
           </a:xfrm>
           <a:prstGeom prst="rect">
             <a:avLst/>
@@ -25478,9 +26446,9 @@
             <a:r>
               <a:rPr lang="en-US" sz="1400" dirty="0" smtClean="0">
                 <a:solidFill>
-                  <a:schemeClr val="bg2">
+                  <a:srgbClr val="797A7D">
                     <a:lumMod val="50000"/>
-                  </a:schemeClr>
+                  </a:srgbClr>
                 </a:solidFill>
                 <a:cs typeface="Segoe UI" panose="020B0502040204020203" pitchFamily="34" charset="0"/>
               </a:rPr>
@@ -25491,9 +26459,9 @@
             <a:pPr defTabSz="913951"/>
             <a:endParaRPr lang="en-US" sz="1400" dirty="0">
               <a:solidFill>
-                <a:schemeClr val="bg2">
+                <a:srgbClr val="797A7D">
                   <a:lumMod val="50000"/>
-                </a:schemeClr>
+                </a:srgbClr>
               </a:solidFill>
               <a:cs typeface="Segoe UI" panose="020B0502040204020203" pitchFamily="34" charset="0"/>
             </a:endParaRPr>
@@ -25503,9 +26471,9 @@
             <a:r>
               <a:rPr lang="en-US" sz="1400" dirty="0" smtClean="0">
                 <a:solidFill>
-                  <a:schemeClr val="bg2">
+                  <a:srgbClr val="797A7D">
                     <a:lumMod val="50000"/>
-                  </a:schemeClr>
+                  </a:srgbClr>
                 </a:solidFill>
                 <a:cs typeface="Segoe UI" panose="020B0502040204020203" pitchFamily="34" charset="0"/>
               </a:rPr>
@@ -25516,9 +26484,9 @@
             <a:pPr defTabSz="913951"/>
             <a:endParaRPr lang="en-US" sz="1400" dirty="0">
               <a:solidFill>
-                <a:schemeClr val="bg2">
+                <a:srgbClr val="797A7D">
                   <a:lumMod val="50000"/>
-                </a:schemeClr>
+                </a:srgbClr>
               </a:solidFill>
               <a:cs typeface="Segoe UI" panose="020B0502040204020203" pitchFamily="34" charset="0"/>
             </a:endParaRPr>
@@ -25528,22 +26496,22 @@
             <a:r>
               <a:rPr lang="en-US" sz="1400" dirty="0" smtClean="0">
                 <a:solidFill>
-                  <a:schemeClr val="bg2">
+                  <a:srgbClr val="797A7D">
                     <a:lumMod val="50000"/>
-                  </a:schemeClr>
+                  </a:srgbClr>
                 </a:solidFill>
                 <a:cs typeface="Segoe UI" panose="020B0502040204020203" pitchFamily="34" charset="0"/>
               </a:rPr>
-              <a:t>Example: Needed JavaScript for header and footer capability in the Single UI to avoid custom master page</a:t>
+              <a:t>Example: Use JavaScript for header and footer capability in the Branding solution to avoid need of custom master page</a:t>
             </a:r>
           </a:p>
           <a:p>
             <a:pPr defTabSz="913951"/>
             <a:endParaRPr lang="en-US" sz="1400" dirty="0">
               <a:solidFill>
-                <a:schemeClr val="bg2">
+                <a:srgbClr val="797A7D">
                   <a:lumMod val="50000"/>
-                </a:schemeClr>
+                </a:srgbClr>
               </a:solidFill>
               <a:cs typeface="Segoe UI" panose="020B0502040204020203" pitchFamily="34" charset="0"/>
             </a:endParaRPr>
@@ -25553,9 +26521,9 @@
             <a:r>
               <a:rPr lang="en-US" sz="1400" dirty="0" smtClean="0">
                 <a:solidFill>
-                  <a:schemeClr val="bg2">
+                  <a:srgbClr val="797A7D">
                     <a:lumMod val="50000"/>
-                  </a:schemeClr>
+                  </a:srgbClr>
                 </a:solidFill>
                 <a:cs typeface="Segoe UI" panose="020B0502040204020203" pitchFamily="34" charset="0"/>
               </a:rPr>
@@ -25563,9 +26531,9 @@
             </a:r>
             <a:endParaRPr lang="en-US" sz="1400" dirty="0">
               <a:solidFill>
-                <a:schemeClr val="bg2">
+                <a:srgbClr val="797A7D">
                   <a:lumMod val="50000"/>
-                </a:schemeClr>
+                </a:srgbClr>
               </a:solidFill>
               <a:cs typeface="Segoe UI" panose="020B0502040204020203" pitchFamily="34" charset="0"/>
             </a:endParaRPr>
@@ -25581,7 +26549,7 @@
         <p:spPr>
           <a:xfrm>
             <a:off x="7264644" y="1887231"/>
-            <a:ext cx="2081070" cy="4255104"/>
+            <a:ext cx="2081070" cy="3771010"/>
           </a:xfrm>
           <a:prstGeom prst="rect">
             <a:avLst/>
@@ -25611,44 +26579,44 @@
             <a:r>
               <a:rPr lang="en-US" sz="1400" dirty="0" smtClean="0">
                 <a:solidFill>
-                  <a:schemeClr val="bg2">
+                  <a:srgbClr val="797A7D">
                     <a:lumMod val="50000"/>
-                  </a:schemeClr>
+                  </a:srgbClr>
                 </a:solidFill>
                 <a:cs typeface="Segoe UI" panose="020B0502040204020203" pitchFamily="34" charset="0"/>
               </a:rPr>
-              <a:t>Chosen hosting platform impacts directly to the detailed design of the capabilities for </a:t>
-            </a:r>
-            <a:r>
-              <a:rPr lang="en-US" sz="1400" dirty="0" smtClean="0">
+              <a:t>Chosen hosting platform impacts the detailed design of the capabilities for Office 365 </a:t>
+            </a:r>
+            <a:r>
+              <a:rPr lang="en-US" sz="1400" dirty="0">
                 <a:solidFill>
-                  <a:schemeClr val="bg2">
+                  <a:srgbClr val="797A7D">
                     <a:lumMod val="50000"/>
-                  </a:schemeClr>
+                  </a:srgbClr>
                 </a:solidFill>
                 <a:cs typeface="Segoe UI" panose="020B0502040204020203" pitchFamily="34" charset="0"/>
               </a:rPr>
-              <a:t>Office 365 </a:t>
+              <a:t>apps </a:t>
             </a:r>
             <a:r>
               <a:rPr lang="en-US" sz="1400" dirty="0" smtClean="0">
                 <a:solidFill>
-                  <a:schemeClr val="bg2">
+                  <a:srgbClr val="797A7D">
                     <a:lumMod val="50000"/>
-                  </a:schemeClr>
+                  </a:srgbClr>
                 </a:solidFill>
                 <a:cs typeface="Segoe UI" panose="020B0502040204020203" pitchFamily="34" charset="0"/>
               </a:rPr>
-              <a:t>apps. Framework have to support both cloud and on-prem.</a:t>
+              <a:t>directly. Framework needs to support both cloud and on-prem.</a:t>
             </a:r>
           </a:p>
           <a:p>
             <a:pPr defTabSz="913951"/>
             <a:endParaRPr lang="en-US" sz="1400" dirty="0">
               <a:solidFill>
-                <a:schemeClr val="bg2">
+                <a:srgbClr val="797A7D">
                   <a:lumMod val="50000"/>
-                </a:schemeClr>
+                </a:srgbClr>
               </a:solidFill>
               <a:cs typeface="Segoe UI" panose="020B0502040204020203" pitchFamily="34" charset="0"/>
             </a:endParaRPr>
@@ -25658,19 +26626,19 @@
             <a:r>
               <a:rPr lang="en-US" sz="1400" dirty="0" smtClean="0">
                 <a:solidFill>
-                  <a:schemeClr val="bg2">
+                  <a:srgbClr val="797A7D">
                     <a:lumMod val="50000"/>
-                  </a:schemeClr>
+                  </a:srgbClr>
                 </a:solidFill>
                 <a:cs typeface="Segoe UI" panose="020B0502040204020203" pitchFamily="34" charset="0"/>
               </a:rPr>
-              <a:t>General design and guidance for the provider hosted app implementation. Typical topics are logging and caching techniques.</a:t>
+              <a:t>General design and guidance for the provider hosted app implementation missing. Typical topics are logging and caching techniques.</a:t>
             </a:r>
             <a:endParaRPr lang="en-US" sz="1400" dirty="0">
               <a:solidFill>
-                <a:schemeClr val="bg2">
+                <a:srgbClr val="797A7D">
                   <a:lumMod val="50000"/>
-                </a:schemeClr>
+                </a:srgbClr>
               </a:solidFill>
               <a:cs typeface="Segoe UI" panose="020B0502040204020203" pitchFamily="34" charset="0"/>
             </a:endParaRPr>
@@ -25686,7 +26654,7 @@
         <p:spPr>
           <a:xfrm>
             <a:off x="9513153" y="1876755"/>
-            <a:ext cx="2098014" cy="4255104"/>
+            <a:ext cx="2098014" cy="3771010"/>
           </a:xfrm>
           <a:prstGeom prst="rect">
             <a:avLst/>
@@ -25716,9 +26684,9 @@
             <a:r>
               <a:rPr lang="en-US" sz="1400" dirty="0" smtClean="0">
                 <a:solidFill>
-                  <a:schemeClr val="bg2">
+                  <a:srgbClr val="797A7D">
                     <a:lumMod val="50000"/>
-                  </a:schemeClr>
+                  </a:srgbClr>
                 </a:solidFill>
                 <a:cs typeface="Segoe UI" panose="020B0502040204020203" pitchFamily="34" charset="0"/>
               </a:rPr>
@@ -25729,9 +26697,9 @@
             <a:pPr defTabSz="913951"/>
             <a:endParaRPr lang="en-US" sz="1400" dirty="0">
               <a:solidFill>
-                <a:schemeClr val="bg2">
+                <a:srgbClr val="797A7D">
                   <a:lumMod val="50000"/>
-                </a:schemeClr>
+                </a:srgbClr>
               </a:solidFill>
               <a:cs typeface="Segoe UI" panose="020B0502040204020203" pitchFamily="34" charset="0"/>
             </a:endParaRPr>
@@ -25741,44 +26709,19 @@
             <a:r>
               <a:rPr lang="en-US" sz="1400" dirty="0" smtClean="0">
                 <a:solidFill>
-                  <a:schemeClr val="bg2">
+                  <a:srgbClr val="797A7D">
                     <a:lumMod val="50000"/>
-                  </a:schemeClr>
+                  </a:srgbClr>
                 </a:solidFill>
                 <a:cs typeface="Segoe UI" panose="020B0502040204020203" pitchFamily="34" charset="0"/>
               </a:rPr>
               <a:t>Transformation tooling, like updating existing master pages or transforming custom list templates to new app model format.</a:t>
             </a:r>
-          </a:p>
-          <a:p>
-            <a:pPr defTabSz="913951"/>
             <a:endParaRPr lang="en-US" sz="1400" dirty="0">
               <a:solidFill>
-                <a:schemeClr val="bg2">
+                <a:srgbClr val="797A7D">
                   <a:lumMod val="50000"/>
-                </a:schemeClr>
-              </a:solidFill>
-              <a:cs typeface="Segoe UI" panose="020B0502040204020203" pitchFamily="34" charset="0"/>
-            </a:endParaRPr>
-          </a:p>
-          <a:p>
-            <a:pPr defTabSz="913951"/>
-            <a:r>
-              <a:rPr lang="en-US" sz="1400" dirty="0" smtClean="0">
-                <a:solidFill>
-                  <a:schemeClr val="bg2">
-                    <a:lumMod val="50000"/>
-                  </a:schemeClr>
-                </a:solidFill>
-                <a:cs typeface="Segoe UI" panose="020B0502040204020203" pitchFamily="34" charset="0"/>
-              </a:rPr>
-              <a:t>MS and community driven PnP project will produce generic tooling, but they have to be owned by projects.</a:t>
-            </a:r>
-            <a:endParaRPr lang="en-US" sz="1400" dirty="0">
-              <a:solidFill>
-                <a:schemeClr val="bg2">
-                  <a:lumMod val="50000"/>
-                </a:schemeClr>
+                </a:srgbClr>
               </a:solidFill>
               <a:cs typeface="Segoe UI" panose="020B0502040204020203" pitchFamily="34" charset="0"/>
             </a:endParaRPr>
@@ -25788,7 +26731,7 @@
     </p:spTree>
     <p:extLst>
       <p:ext uri="{BB962C8B-B14F-4D97-AF65-F5344CB8AC3E}">
-        <p14:creationId xmlns:p14="http://schemas.microsoft.com/office/powerpoint/2010/main" val="946060397"/>
+        <p14:creationId xmlns:p14="http://schemas.microsoft.com/office/powerpoint/2010/main" val="295121909"/>
       </p:ext>
     </p:extLst>
   </p:cSld>
@@ -26127,11 +27070,7 @@
           <a:p>
             <a:r>
               <a:rPr lang="fi-FI" sz="4800" dirty="0" smtClean="0"/>
-              <a:t>Hosting platform for </a:t>
-            </a:r>
-            <a:r>
-              <a:rPr lang="fi-FI" sz="4800" dirty="0" smtClean="0"/>
-              <a:t>Office 365</a:t>
+              <a:t>Hosting platform for Office 365</a:t>
             </a:r>
             <a:endParaRPr lang="en-GB" sz="4800" dirty="0"/>
           </a:p>
@@ -26154,11 +27093,7 @@
           <a:p>
             <a:r>
               <a:rPr lang="en-US" sz="2400" dirty="0" smtClean="0"/>
-              <a:t>Office 365 </a:t>
-            </a:r>
-            <a:r>
-              <a:rPr lang="en-US" sz="2400" dirty="0" smtClean="0"/>
-              <a:t>has been designed to be used with Azure, so that should be the default approach</a:t>
+              <a:t>Office 365 has been designed to be used with Azure, so that should be the default approach</a:t>
             </a:r>
           </a:p>
           <a:p>
@@ -26172,7 +27107,7 @@
       </p:sp>
       <p:pic>
         <p:nvPicPr>
-          <p:cNvPr id="4" name="Picture 3"/>
+          <p:cNvPr id="6" name="Picture 5"/>
           <p:cNvPicPr>
             <a:picLocks noChangeAspect="1"/>
           </p:cNvPicPr>
@@ -26186,7 +27121,7 @@
         </p:blipFill>
         <p:spPr>
           <a:xfrm>
-            <a:off x="1069345" y="2881271"/>
+            <a:off x="1017587" y="2881271"/>
             <a:ext cx="4724400" cy="2667000"/>
           </a:xfrm>
           <a:prstGeom prst="rect">
@@ -26196,7 +27131,7 @@
       </p:pic>
       <p:pic>
         <p:nvPicPr>
-          <p:cNvPr id="5" name="Picture 4"/>
+          <p:cNvPr id="7" name="Picture 6"/>
           <p:cNvPicPr>
             <a:picLocks noChangeAspect="1"/>
           </p:cNvPicPr>
@@ -26210,8 +27145,8 @@
         </p:blipFill>
         <p:spPr>
           <a:xfrm>
-            <a:off x="6632574" y="2881271"/>
-            <a:ext cx="4600575" cy="2600325"/>
+            <a:off x="6240462" y="2857417"/>
+            <a:ext cx="4724400" cy="2667000"/>
           </a:xfrm>
           <a:prstGeom prst="rect">
             <a:avLst/>
@@ -28612,28 +29547,28 @@
                 <a:gridCol w="2794925">
                   <a:extLst>
                     <a:ext uri="{9D8B030D-6E8A-4147-A177-3AD203B41FA5}">
-                      <a16:colId xmlns="" xmlns:a16="http://schemas.microsoft.com/office/drawing/2014/main" val="20000"/>
+                      <a16:colId xmlns:a16="http://schemas.microsoft.com/office/drawing/2014/main" xmlns="" val="20000"/>
                     </a:ext>
                   </a:extLst>
                 </a:gridCol>
                 <a:gridCol w="2683565">
                   <a:extLst>
                     <a:ext uri="{9D8B030D-6E8A-4147-A177-3AD203B41FA5}">
-                      <a16:colId xmlns="" xmlns:a16="http://schemas.microsoft.com/office/drawing/2014/main" val="20001"/>
+                      <a16:colId xmlns:a16="http://schemas.microsoft.com/office/drawing/2014/main" xmlns="" val="20001"/>
                     </a:ext>
                   </a:extLst>
                 </a:gridCol>
                 <a:gridCol w="2623930">
                   <a:extLst>
                     <a:ext uri="{9D8B030D-6E8A-4147-A177-3AD203B41FA5}">
-                      <a16:colId xmlns="" xmlns:a16="http://schemas.microsoft.com/office/drawing/2014/main" val="20002"/>
+                      <a16:colId xmlns:a16="http://schemas.microsoft.com/office/drawing/2014/main" xmlns="" val="20002"/>
                     </a:ext>
                   </a:extLst>
                 </a:gridCol>
                 <a:gridCol w="2855843">
                   <a:extLst>
                     <a:ext uri="{9D8B030D-6E8A-4147-A177-3AD203B41FA5}">
-                      <a16:colId xmlns="" xmlns:a16="http://schemas.microsoft.com/office/drawing/2014/main" val="20003"/>
+                      <a16:colId xmlns:a16="http://schemas.microsoft.com/office/drawing/2014/main" xmlns="" val="20003"/>
                     </a:ext>
                   </a:extLst>
                 </a:gridCol>
@@ -28850,7 +29785,7 @@
                 </a:tc>
                 <a:extLst>
                   <a:ext uri="{0D108BD9-81ED-4DB2-BD59-A6C34878D82A}">
-                    <a16:rowId xmlns="" xmlns:a16="http://schemas.microsoft.com/office/drawing/2014/main" val="10000"/>
+                    <a16:rowId xmlns:a16="http://schemas.microsoft.com/office/drawing/2014/main" xmlns="" val="10000"/>
                   </a:ext>
                 </a:extLst>
               </a:tr>
@@ -29068,7 +30003,7 @@
                 </a:tc>
                 <a:extLst>
                   <a:ext uri="{0D108BD9-81ED-4DB2-BD59-A6C34878D82A}">
-                    <a16:rowId xmlns="" xmlns:a16="http://schemas.microsoft.com/office/drawing/2014/main" val="10001"/>
+                    <a16:rowId xmlns:a16="http://schemas.microsoft.com/office/drawing/2014/main" xmlns="" val="10001"/>
                   </a:ext>
                 </a:extLst>
               </a:tr>
@@ -29585,7 +30520,7 @@
                 </a:tc>
                 <a:extLst>
                   <a:ext uri="{0D108BD9-81ED-4DB2-BD59-A6C34878D82A}">
-                    <a16:rowId xmlns="" xmlns:a16="http://schemas.microsoft.com/office/drawing/2014/main" val="10002"/>
+                    <a16:rowId xmlns:a16="http://schemas.microsoft.com/office/drawing/2014/main" xmlns="" val="10002"/>
                   </a:ext>
                 </a:extLst>
               </a:tr>
@@ -30832,28 +31767,28 @@
                 <a:gridCol w="2794925">
                   <a:extLst>
                     <a:ext uri="{9D8B030D-6E8A-4147-A177-3AD203B41FA5}">
-                      <a16:colId xmlns="" xmlns:a16="http://schemas.microsoft.com/office/drawing/2014/main" val="20000"/>
+                      <a16:colId xmlns:a16="http://schemas.microsoft.com/office/drawing/2014/main" xmlns="" val="20000"/>
                     </a:ext>
                   </a:extLst>
                 </a:gridCol>
                 <a:gridCol w="2683565">
                   <a:extLst>
                     <a:ext uri="{9D8B030D-6E8A-4147-A177-3AD203B41FA5}">
-                      <a16:colId xmlns="" xmlns:a16="http://schemas.microsoft.com/office/drawing/2014/main" val="20001"/>
+                      <a16:colId xmlns:a16="http://schemas.microsoft.com/office/drawing/2014/main" xmlns="" val="20001"/>
                     </a:ext>
                   </a:extLst>
                 </a:gridCol>
                 <a:gridCol w="2782957">
                   <a:extLst>
                     <a:ext uri="{9D8B030D-6E8A-4147-A177-3AD203B41FA5}">
-                      <a16:colId xmlns="" xmlns:a16="http://schemas.microsoft.com/office/drawing/2014/main" val="20002"/>
+                      <a16:colId xmlns:a16="http://schemas.microsoft.com/office/drawing/2014/main" xmlns="" val="20002"/>
                     </a:ext>
                   </a:extLst>
                 </a:gridCol>
                 <a:gridCol w="2696816">
                   <a:extLst>
                     <a:ext uri="{9D8B030D-6E8A-4147-A177-3AD203B41FA5}">
-                      <a16:colId xmlns="" xmlns:a16="http://schemas.microsoft.com/office/drawing/2014/main" val="20003"/>
+                      <a16:colId xmlns:a16="http://schemas.microsoft.com/office/drawing/2014/main" xmlns="" val="20003"/>
                     </a:ext>
                   </a:extLst>
                 </a:gridCol>
@@ -31070,7 +32005,7 @@
                 </a:tc>
                 <a:extLst>
                   <a:ext uri="{0D108BD9-81ED-4DB2-BD59-A6C34878D82A}">
-                    <a16:rowId xmlns="" xmlns:a16="http://schemas.microsoft.com/office/drawing/2014/main" val="10000"/>
+                    <a16:rowId xmlns:a16="http://schemas.microsoft.com/office/drawing/2014/main" xmlns="" val="10000"/>
                   </a:ext>
                 </a:extLst>
               </a:tr>
@@ -31288,7 +32223,7 @@
                 </a:tc>
                 <a:extLst>
                   <a:ext uri="{0D108BD9-81ED-4DB2-BD59-A6C34878D82A}">
-                    <a16:rowId xmlns="" xmlns:a16="http://schemas.microsoft.com/office/drawing/2014/main" val="10001"/>
+                    <a16:rowId xmlns:a16="http://schemas.microsoft.com/office/drawing/2014/main" xmlns="" val="10001"/>
                   </a:ext>
                 </a:extLst>
               </a:tr>
@@ -31860,7 +32795,7 @@
                 </a:tc>
                 <a:extLst>
                   <a:ext uri="{0D108BD9-81ED-4DB2-BD59-A6C34878D82A}">
-                    <a16:rowId xmlns="" xmlns:a16="http://schemas.microsoft.com/office/drawing/2014/main" val="10002"/>
+                    <a16:rowId xmlns:a16="http://schemas.microsoft.com/office/drawing/2014/main" xmlns="" val="10002"/>
                   </a:ext>
                 </a:extLst>
               </a:tr>
@@ -33631,8 +34566,17 @@
             <a:pPr lvl="1"/>
             <a:r>
               <a:rPr lang="fi-FI" sz="2000" dirty="0" smtClean="0"/>
-              <a:t>Seperate weekly sync points with providers</a:t>
-            </a:r>
+              <a:t>Separate </a:t>
+            </a:r>
+            <a:r>
+              <a:rPr lang="fi-FI" sz="2000" dirty="0" smtClean="0"/>
+              <a:t>weekly </a:t>
+            </a:r>
+            <a:r>
+              <a:rPr lang="fi-FI" sz="2000" dirty="0" smtClean="0"/>
+              <a:t>meetings with third party providers</a:t>
+            </a:r>
+            <a:endParaRPr lang="fi-FI" sz="2000" dirty="0" smtClean="0"/>
           </a:p>
           <a:p>
             <a:r>
@@ -33776,15 +34720,7 @@
             </a:r>
             <a:r>
               <a:rPr lang="fi-FI" dirty="0" smtClean="0"/>
-              <a:t> –project manager for the </a:t>
-            </a:r>
-            <a:r>
-              <a:rPr lang="fi-FI" dirty="0" smtClean="0"/>
-              <a:t>Office 365 </a:t>
-            </a:r>
-            <a:r>
-              <a:rPr lang="fi-FI" dirty="0" smtClean="0"/>
-              <a:t>releated task </a:t>
+              <a:t> –project manager for the Office 365 releated task </a:t>
             </a:r>
           </a:p>
           <a:p>
@@ -33801,15 +34737,7 @@
             </a:r>
             <a:r>
               <a:rPr lang="fi-FI" dirty="0" smtClean="0"/>
-              <a:t>as the technical lead for the </a:t>
-            </a:r>
-            <a:r>
-              <a:rPr lang="fi-FI" dirty="0" smtClean="0"/>
-              <a:t>Office 365 </a:t>
-            </a:r>
-            <a:r>
-              <a:rPr lang="fi-FI" dirty="0" smtClean="0"/>
-              <a:t>transformation</a:t>
+              <a:t>as the technical lead for the Office 365 transformation</a:t>
             </a:r>
             <a:endParaRPr lang="en-GB" dirty="0"/>
           </a:p>
@@ -33872,11 +34800,7 @@
           <a:p>
             <a:r>
               <a:rPr lang="fi-FI" smtClean="0"/>
-              <a:t>Other </a:t>
-            </a:r>
-            <a:r>
-              <a:rPr lang="fi-FI" smtClean="0"/>
-              <a:t>Office 365 </a:t>
+              <a:t>Other Office 365 </a:t>
             </a:r>
             <a:r>
               <a:rPr lang="fi-FI" dirty="0" smtClean="0"/>
@@ -34598,15 +35522,7 @@
           <a:p>
             <a:r>
               <a:rPr lang="en-US" dirty="0" smtClean="0"/>
-              <a:t>Majority of the existing solutions in the farm can be transformed into the </a:t>
-            </a:r>
-            <a:r>
-              <a:rPr lang="en-US" dirty="0" smtClean="0"/>
-              <a:t>Office 365 </a:t>
-            </a:r>
-            <a:r>
-              <a:rPr lang="en-US" dirty="0" smtClean="0"/>
-              <a:t>platform</a:t>
+              <a:t>Majority of the existing solutions in the farm can be transformed into the Office 365 platform</a:t>
             </a:r>
           </a:p>
           <a:p>
@@ -34724,28 +35640,28 @@
                 <a:gridCol w="5965345">
                   <a:extLst>
                     <a:ext uri="{9D8B030D-6E8A-4147-A177-3AD203B41FA5}">
-                      <a16:colId xmlns:a16="http://schemas.microsoft.com/office/drawing/2014/main" xmlns="" val="20000"/>
+                      <a16:colId xmlns="" xmlns:a16="http://schemas.microsoft.com/office/drawing/2014/main" val="20000"/>
                     </a:ext>
                   </a:extLst>
                 </a:gridCol>
                 <a:gridCol w="568903">
                   <a:extLst>
                     <a:ext uri="{9D8B030D-6E8A-4147-A177-3AD203B41FA5}">
-                      <a16:colId xmlns:a16="http://schemas.microsoft.com/office/drawing/2014/main" xmlns="" val="20001"/>
+                      <a16:colId xmlns="" xmlns:a16="http://schemas.microsoft.com/office/drawing/2014/main" val="20001"/>
                     </a:ext>
                   </a:extLst>
                 </a:gridCol>
                 <a:gridCol w="520140">
                   <a:extLst>
                     <a:ext uri="{9D8B030D-6E8A-4147-A177-3AD203B41FA5}">
-                      <a16:colId xmlns:a16="http://schemas.microsoft.com/office/drawing/2014/main" xmlns="" val="20002"/>
+                      <a16:colId xmlns="" xmlns:a16="http://schemas.microsoft.com/office/drawing/2014/main" val="20002"/>
                     </a:ext>
                   </a:extLst>
                 </a:gridCol>
                 <a:gridCol w="520140">
                   <a:extLst>
                     <a:ext uri="{9D8B030D-6E8A-4147-A177-3AD203B41FA5}">
-                      <a16:colId xmlns:a16="http://schemas.microsoft.com/office/drawing/2014/main" xmlns="" val="2588272693"/>
+                      <a16:colId xmlns="" xmlns:a16="http://schemas.microsoft.com/office/drawing/2014/main" val="2588272693"/>
                     </a:ext>
                   </a:extLst>
                 </a:gridCol>
@@ -34851,7 +35767,7 @@
                 </a:tc>
                 <a:extLst>
                   <a:ext uri="{0D108BD9-81ED-4DB2-BD59-A6C34878D82A}">
-                    <a16:rowId xmlns:a16="http://schemas.microsoft.com/office/drawing/2014/main" xmlns="" val="10000"/>
+                    <a16:rowId xmlns="" xmlns:a16="http://schemas.microsoft.com/office/drawing/2014/main" val="10000"/>
                   </a:ext>
                 </a:extLst>
               </a:tr>
@@ -34968,7 +35884,7 @@
                 </a:tc>
                 <a:extLst>
                   <a:ext uri="{0D108BD9-81ED-4DB2-BD59-A6C34878D82A}">
-                    <a16:rowId xmlns:a16="http://schemas.microsoft.com/office/drawing/2014/main" xmlns="" val="10001"/>
+                    <a16:rowId xmlns="" xmlns:a16="http://schemas.microsoft.com/office/drawing/2014/main" val="10001"/>
                   </a:ext>
                 </a:extLst>
               </a:tr>
@@ -35090,7 +36006,7 @@
                 </a:tc>
                 <a:extLst>
                   <a:ext uri="{0D108BD9-81ED-4DB2-BD59-A6C34878D82A}">
-                    <a16:rowId xmlns:a16="http://schemas.microsoft.com/office/drawing/2014/main" xmlns="" val="10002"/>
+                    <a16:rowId xmlns="" xmlns:a16="http://schemas.microsoft.com/office/drawing/2014/main" val="10002"/>
                   </a:ext>
                 </a:extLst>
               </a:tr>
@@ -35212,7 +36128,7 @@
                 </a:tc>
                 <a:extLst>
                   <a:ext uri="{0D108BD9-81ED-4DB2-BD59-A6C34878D82A}">
-                    <a16:rowId xmlns:a16="http://schemas.microsoft.com/office/drawing/2014/main" xmlns="" val="10003"/>
+                    <a16:rowId xmlns="" xmlns:a16="http://schemas.microsoft.com/office/drawing/2014/main" val="10003"/>
                   </a:ext>
                 </a:extLst>
               </a:tr>
@@ -35334,7 +36250,7 @@
                 </a:tc>
                 <a:extLst>
                   <a:ext uri="{0D108BD9-81ED-4DB2-BD59-A6C34878D82A}">
-                    <a16:rowId xmlns:a16="http://schemas.microsoft.com/office/drawing/2014/main" xmlns="" val="10004"/>
+                    <a16:rowId xmlns="" xmlns:a16="http://schemas.microsoft.com/office/drawing/2014/main" val="10004"/>
                   </a:ext>
                 </a:extLst>
               </a:tr>
@@ -35456,7 +36372,7 @@
                 </a:tc>
                 <a:extLst>
                   <a:ext uri="{0D108BD9-81ED-4DB2-BD59-A6C34878D82A}">
-                    <a16:rowId xmlns:a16="http://schemas.microsoft.com/office/drawing/2014/main" xmlns="" val="10005"/>
+                    <a16:rowId xmlns="" xmlns:a16="http://schemas.microsoft.com/office/drawing/2014/main" val="10005"/>
                   </a:ext>
                 </a:extLst>
               </a:tr>
@@ -35578,7 +36494,7 @@
                 </a:tc>
                 <a:extLst>
                   <a:ext uri="{0D108BD9-81ED-4DB2-BD59-A6C34878D82A}">
-                    <a16:rowId xmlns:a16="http://schemas.microsoft.com/office/drawing/2014/main" xmlns="" val="10006"/>
+                    <a16:rowId xmlns="" xmlns:a16="http://schemas.microsoft.com/office/drawing/2014/main" val="10006"/>
                   </a:ext>
                 </a:extLst>
               </a:tr>
@@ -35941,7 +36857,7 @@
                 <a:r>
                   <a:rPr lang="en-US" dirty="0" smtClean="0">
                     <a:solidFill>
-                      <a:schemeClr val="bg2"/>
+                      <a:srgbClr val="797A7D"/>
                     </a:solidFill>
                     <a:ea typeface="Segoe UI" pitchFamily="34" charset="0"/>
                     <a:cs typeface="Segoe UI" pitchFamily="34" charset="0"/>
@@ -35950,7 +36866,7 @@
                 </a:r>
                 <a:endParaRPr lang="nl-BE" dirty="0" smtClean="0">
                   <a:solidFill>
-                    <a:schemeClr val="bg2"/>
+                    <a:srgbClr val="797A7D"/>
                   </a:solidFill>
                   <a:ea typeface="Segoe UI" pitchFamily="34" charset="0"/>
                   <a:cs typeface="Segoe UI" pitchFamily="34" charset="0"/>
@@ -35967,7 +36883,7 @@
               <p:nvPr/>
             </p:nvPicPr>
             <p:blipFill>
-              <a:blip r:embed="rId2"/>
+              <a:blip r:embed="rId3"/>
               <a:stretch>
                 <a:fillRect/>
               </a:stretch>
@@ -35991,7 +36907,7 @@
               <p:nvPr/>
             </p:nvPicPr>
             <p:blipFill>
-              <a:blip r:embed="rId3"/>
+              <a:blip r:embed="rId4"/>
               <a:stretch>
                 <a:fillRect/>
               </a:stretch>
@@ -36015,7 +36931,7 @@
               <p:nvPr/>
             </p:nvPicPr>
             <p:blipFill>
-              <a:blip r:embed="rId4"/>
+              <a:blip r:embed="rId5"/>
               <a:stretch>
                 <a:fillRect/>
               </a:stretch>
@@ -36055,14 +36971,14 @@
                 <a:r>
                   <a:rPr lang="en-US" sz="1200" spc="-70" dirty="0">
                     <a:solidFill>
-                      <a:schemeClr val="bg1"/>
+                      <a:srgbClr val="FFFFFF"/>
                     </a:solidFill>
                   </a:rPr>
                   <a:t>- Transform</a:t>
                 </a:r>
                 <a:endParaRPr lang="nl-BE" sz="1200" spc="-70" dirty="0">
                   <a:solidFill>
-                    <a:schemeClr val="bg1"/>
+                    <a:srgbClr val="FFFFFF"/>
                   </a:solidFill>
                 </a:endParaRPr>
               </a:p>
@@ -36093,14 +37009,14 @@
                 <a:r>
                   <a:rPr lang="en-US" sz="1200" spc="-70" dirty="0" smtClean="0">
                     <a:solidFill>
-                      <a:schemeClr val="bg1"/>
+                      <a:srgbClr val="FFFFFF"/>
                     </a:solidFill>
                   </a:rPr>
                   <a:t>- Abandon</a:t>
                 </a:r>
                 <a:endParaRPr lang="nl-BE" sz="1200" spc="-70" dirty="0" smtClean="0">
                   <a:solidFill>
-                    <a:schemeClr val="bg1"/>
+                    <a:srgbClr val="FFFFFF"/>
                   </a:solidFill>
                 </a:endParaRPr>
               </a:p>
@@ -36131,14 +37047,14 @@
                 <a:r>
                   <a:rPr lang="en-US" sz="1200" spc="-70" dirty="0" smtClean="0">
                     <a:solidFill>
-                      <a:schemeClr val="bg1"/>
+                      <a:srgbClr val="FFFFFF"/>
                     </a:solidFill>
                   </a:rPr>
                   <a:t>- Unclear</a:t>
                 </a:r>
                 <a:endParaRPr lang="nl-BE" sz="1200" spc="-70" dirty="0" smtClean="0">
                   <a:solidFill>
-                    <a:schemeClr val="bg1"/>
+                    <a:srgbClr val="FFFFFF"/>
                   </a:solidFill>
                 </a:endParaRPr>
               </a:p>
@@ -36395,14 +37311,14 @@
               <a:r>
                 <a:rPr lang="en-US" sz="1200" spc="-70" dirty="0" smtClean="0">
                   <a:solidFill>
-                    <a:schemeClr val="bg1"/>
+                    <a:srgbClr val="FFFFFF"/>
                   </a:solidFill>
                 </a:rPr>
                 <a:t>- Easy to do</a:t>
               </a:r>
               <a:endParaRPr lang="nl-BE" sz="1200" spc="-70" dirty="0" smtClean="0">
                 <a:solidFill>
-                  <a:schemeClr val="bg1"/>
+                  <a:srgbClr val="FFFFFF"/>
                 </a:solidFill>
               </a:endParaRPr>
             </a:p>
@@ -36433,14 +37349,14 @@
               <a:r>
                 <a:rPr lang="en-US" sz="1200" spc="-70" dirty="0" smtClean="0">
                   <a:solidFill>
-                    <a:schemeClr val="bg1"/>
+                    <a:srgbClr val="FFFFFF"/>
                   </a:solidFill>
                 </a:rPr>
                 <a:t>- Average </a:t>
               </a:r>
               <a:endParaRPr lang="nl-BE" sz="1200" spc="-70" dirty="0" smtClean="0">
                 <a:solidFill>
-                  <a:schemeClr val="bg1"/>
+                  <a:srgbClr val="FFFFFF"/>
                 </a:solidFill>
               </a:endParaRPr>
             </a:p>
@@ -36471,14 +37387,14 @@
               <a:r>
                 <a:rPr lang="en-US" sz="1200" spc="-70" dirty="0" smtClean="0">
                   <a:solidFill>
-                    <a:schemeClr val="bg1"/>
+                    <a:srgbClr val="FFFFFF"/>
                   </a:solidFill>
                 </a:rPr>
                 <a:t>- Hard one</a:t>
               </a:r>
               <a:endParaRPr lang="nl-BE" sz="1200" spc="-70" dirty="0" smtClean="0">
                 <a:solidFill>
-                  <a:schemeClr val="bg1"/>
+                  <a:srgbClr val="FFFFFF"/>
                 </a:solidFill>
               </a:endParaRPr>
             </a:p>
@@ -36494,7 +37410,7 @@
           <p:nvPr/>
         </p:nvPicPr>
         <p:blipFill>
-          <a:blip r:embed="rId3"/>
+          <a:blip r:embed="rId4"/>
           <a:stretch>
             <a:fillRect/>
           </a:stretch>
@@ -36518,7 +37434,7 @@
           <p:nvPr/>
         </p:nvPicPr>
         <p:blipFill>
-          <a:blip r:embed="rId3"/>
+          <a:blip r:embed="rId4"/>
           <a:stretch>
             <a:fillRect/>
           </a:stretch>
@@ -36542,7 +37458,7 @@
           <p:nvPr/>
         </p:nvPicPr>
         <p:blipFill>
-          <a:blip r:embed="rId3"/>
+          <a:blip r:embed="rId4"/>
           <a:stretch>
             <a:fillRect/>
           </a:stretch>
@@ -36566,7 +37482,7 @@
           <p:nvPr/>
         </p:nvPicPr>
         <p:blipFill>
-          <a:blip r:embed="rId2"/>
+          <a:blip r:embed="rId3"/>
           <a:stretch>
             <a:fillRect/>
           </a:stretch>
@@ -36590,7 +37506,7 @@
           <p:nvPr/>
         </p:nvPicPr>
         <p:blipFill>
-          <a:blip r:embed="rId3"/>
+          <a:blip r:embed="rId4"/>
           <a:stretch>
             <a:fillRect/>
           </a:stretch>
@@ -36614,7 +37530,7 @@
           <p:nvPr/>
         </p:nvPicPr>
         <p:blipFill>
-          <a:blip r:embed="rId3"/>
+          <a:blip r:embed="rId4"/>
           <a:stretch>
             <a:fillRect/>
           </a:stretch>
@@ -36632,7 +37548,7 @@
     </p:spTree>
     <p:extLst>
       <p:ext uri="{BB962C8B-B14F-4D97-AF65-F5344CB8AC3E}">
-        <p14:creationId xmlns:p14="http://schemas.microsoft.com/office/powerpoint/2010/main" val="2278489969"/>
+        <p14:creationId xmlns:p14="http://schemas.microsoft.com/office/powerpoint/2010/main" val="147181152"/>
       </p:ext>
     </p:extLst>
   </p:cSld>
@@ -36716,28 +37632,28 @@
                 <a:gridCol w="5965345">
                   <a:extLst>
                     <a:ext uri="{9D8B030D-6E8A-4147-A177-3AD203B41FA5}">
-                      <a16:colId xmlns:a16="http://schemas.microsoft.com/office/drawing/2014/main" xmlns="" val="20000"/>
+                      <a16:colId xmlns="" xmlns:a16="http://schemas.microsoft.com/office/drawing/2014/main" val="20000"/>
                     </a:ext>
                   </a:extLst>
                 </a:gridCol>
                 <a:gridCol w="568903">
                   <a:extLst>
                     <a:ext uri="{9D8B030D-6E8A-4147-A177-3AD203B41FA5}">
-                      <a16:colId xmlns:a16="http://schemas.microsoft.com/office/drawing/2014/main" xmlns="" val="20001"/>
+                      <a16:colId xmlns="" xmlns:a16="http://schemas.microsoft.com/office/drawing/2014/main" val="20001"/>
                     </a:ext>
                   </a:extLst>
                 </a:gridCol>
                 <a:gridCol w="520140">
                   <a:extLst>
                     <a:ext uri="{9D8B030D-6E8A-4147-A177-3AD203B41FA5}">
-                      <a16:colId xmlns:a16="http://schemas.microsoft.com/office/drawing/2014/main" xmlns="" val="20002"/>
+                      <a16:colId xmlns="" xmlns:a16="http://schemas.microsoft.com/office/drawing/2014/main" val="20002"/>
                     </a:ext>
                   </a:extLst>
                 </a:gridCol>
                 <a:gridCol w="520140">
                   <a:extLst>
                     <a:ext uri="{9D8B030D-6E8A-4147-A177-3AD203B41FA5}">
-                      <a16:colId xmlns:a16="http://schemas.microsoft.com/office/drawing/2014/main" xmlns="" val="1173184688"/>
+                      <a16:colId xmlns="" xmlns:a16="http://schemas.microsoft.com/office/drawing/2014/main" val="1173184688"/>
                     </a:ext>
                   </a:extLst>
                 </a:gridCol>
@@ -36843,7 +37759,7 @@
                 </a:tc>
                 <a:extLst>
                   <a:ext uri="{0D108BD9-81ED-4DB2-BD59-A6C34878D82A}">
-                    <a16:rowId xmlns:a16="http://schemas.microsoft.com/office/drawing/2014/main" xmlns="" val="10000"/>
+                    <a16:rowId xmlns="" xmlns:a16="http://schemas.microsoft.com/office/drawing/2014/main" val="10000"/>
                   </a:ext>
                 </a:extLst>
               </a:tr>
@@ -36961,7 +37877,7 @@
                 </a:tc>
                 <a:extLst>
                   <a:ext uri="{0D108BD9-81ED-4DB2-BD59-A6C34878D82A}">
-                    <a16:rowId xmlns:a16="http://schemas.microsoft.com/office/drawing/2014/main" xmlns="" val="10002"/>
+                    <a16:rowId xmlns="" xmlns:a16="http://schemas.microsoft.com/office/drawing/2014/main" val="10002"/>
                   </a:ext>
                 </a:extLst>
               </a:tr>
@@ -37084,7 +38000,7 @@
                 </a:tc>
                 <a:extLst>
                   <a:ext uri="{0D108BD9-81ED-4DB2-BD59-A6C34878D82A}">
-                    <a16:rowId xmlns:a16="http://schemas.microsoft.com/office/drawing/2014/main" xmlns="" val="10003"/>
+                    <a16:rowId xmlns="" xmlns:a16="http://schemas.microsoft.com/office/drawing/2014/main" val="10003"/>
                   </a:ext>
                 </a:extLst>
               </a:tr>
@@ -37208,7 +38124,7 @@
                 </a:tc>
                 <a:extLst>
                   <a:ext uri="{0D108BD9-81ED-4DB2-BD59-A6C34878D82A}">
-                    <a16:rowId xmlns:a16="http://schemas.microsoft.com/office/drawing/2014/main" xmlns="" val="10004"/>
+                    <a16:rowId xmlns="" xmlns:a16="http://schemas.microsoft.com/office/drawing/2014/main" val="10004"/>
                   </a:ext>
                 </a:extLst>
               </a:tr>
@@ -37348,7 +38264,7 @@
                 </a:tc>
                 <a:extLst>
                   <a:ext uri="{0D108BD9-81ED-4DB2-BD59-A6C34878D82A}">
-                    <a16:rowId xmlns:a16="http://schemas.microsoft.com/office/drawing/2014/main" xmlns="" val="10005"/>
+                    <a16:rowId xmlns="" xmlns:a16="http://schemas.microsoft.com/office/drawing/2014/main" val="10005"/>
                   </a:ext>
                 </a:extLst>
               </a:tr>
@@ -37365,7 +38281,7 @@
           <p:nvPr/>
         </p:nvPicPr>
         <p:blipFill>
-          <a:blip r:embed="rId2"/>
+          <a:blip r:embed="rId3"/>
           <a:stretch>
             <a:fillRect/>
           </a:stretch>
@@ -37735,7 +38651,7 @@
                 <a:r>
                   <a:rPr lang="en-US" dirty="0" smtClean="0">
                     <a:solidFill>
-                      <a:schemeClr val="bg2"/>
+                      <a:srgbClr val="797A7D"/>
                     </a:solidFill>
                     <a:ea typeface="Segoe UI" pitchFamily="34" charset="0"/>
                     <a:cs typeface="Segoe UI" pitchFamily="34" charset="0"/>
@@ -37744,7 +38660,7 @@
                 </a:r>
                 <a:endParaRPr lang="nl-BE" dirty="0" smtClean="0">
                   <a:solidFill>
-                    <a:schemeClr val="bg2"/>
+                    <a:srgbClr val="797A7D"/>
                   </a:solidFill>
                   <a:ea typeface="Segoe UI" pitchFamily="34" charset="0"/>
                   <a:cs typeface="Segoe UI" pitchFamily="34" charset="0"/>
@@ -37761,7 +38677,7 @@
               <p:nvPr/>
             </p:nvPicPr>
             <p:blipFill>
-              <a:blip r:embed="rId3"/>
+              <a:blip r:embed="rId4"/>
               <a:stretch>
                 <a:fillRect/>
               </a:stretch>
@@ -37785,7 +38701,7 @@
               <p:nvPr/>
             </p:nvPicPr>
             <p:blipFill>
-              <a:blip r:embed="rId2"/>
+              <a:blip r:embed="rId3"/>
               <a:stretch>
                 <a:fillRect/>
               </a:stretch>
@@ -37809,7 +38725,7 @@
               <p:nvPr/>
             </p:nvPicPr>
             <p:blipFill>
-              <a:blip r:embed="rId4"/>
+              <a:blip r:embed="rId5"/>
               <a:stretch>
                 <a:fillRect/>
               </a:stretch>
@@ -37849,14 +38765,14 @@
                 <a:r>
                   <a:rPr lang="en-US" sz="1200" spc="-70" dirty="0" smtClean="0">
                     <a:solidFill>
-                      <a:schemeClr val="bg1"/>
+                      <a:srgbClr val="FFFFFF"/>
                     </a:solidFill>
                   </a:rPr>
                   <a:t>- Transform</a:t>
                 </a:r>
                 <a:endParaRPr lang="nl-BE" sz="1200" spc="-70" dirty="0" smtClean="0">
                   <a:solidFill>
-                    <a:schemeClr val="bg1"/>
+                    <a:srgbClr val="FFFFFF"/>
                   </a:solidFill>
                 </a:endParaRPr>
               </a:p>
@@ -37887,14 +38803,14 @@
                 <a:r>
                   <a:rPr lang="en-US" sz="1200" spc="-70" dirty="0" smtClean="0">
                     <a:solidFill>
-                      <a:schemeClr val="bg1"/>
+                      <a:srgbClr val="FFFFFF"/>
                     </a:solidFill>
                   </a:rPr>
                   <a:t>- Abandon</a:t>
                 </a:r>
                 <a:endParaRPr lang="nl-BE" sz="1200" spc="-70" dirty="0" smtClean="0">
                   <a:solidFill>
-                    <a:schemeClr val="bg1"/>
+                    <a:srgbClr val="FFFFFF"/>
                   </a:solidFill>
                 </a:endParaRPr>
               </a:p>
@@ -37925,14 +38841,14 @@
                 <a:r>
                   <a:rPr lang="en-US" sz="1200" spc="-70" dirty="0" smtClean="0">
                     <a:solidFill>
-                      <a:schemeClr val="bg1"/>
+                      <a:srgbClr val="FFFFFF"/>
                     </a:solidFill>
                   </a:rPr>
                   <a:t>- Unclear</a:t>
                 </a:r>
                 <a:endParaRPr lang="nl-BE" sz="1200" spc="-70" dirty="0" smtClean="0">
                   <a:solidFill>
-                    <a:schemeClr val="bg1"/>
+                    <a:srgbClr val="FFFFFF"/>
                   </a:solidFill>
                 </a:endParaRPr>
               </a:p>
@@ -38189,14 +39105,14 @@
               <a:r>
                 <a:rPr lang="en-US" sz="1200" spc="-70" dirty="0" smtClean="0">
                   <a:solidFill>
-                    <a:schemeClr val="bg1"/>
+                    <a:srgbClr val="FFFFFF"/>
                   </a:solidFill>
                 </a:rPr>
                 <a:t>- Easy to do</a:t>
               </a:r>
               <a:endParaRPr lang="nl-BE" sz="1200" spc="-70" dirty="0" smtClean="0">
                 <a:solidFill>
-                  <a:schemeClr val="bg1"/>
+                  <a:srgbClr val="FFFFFF"/>
                 </a:solidFill>
               </a:endParaRPr>
             </a:p>
@@ -38227,14 +39143,14 @@
               <a:r>
                 <a:rPr lang="en-US" sz="1200" spc="-70" dirty="0" smtClean="0">
                   <a:solidFill>
-                    <a:schemeClr val="bg1"/>
+                    <a:srgbClr val="FFFFFF"/>
                   </a:solidFill>
                 </a:rPr>
                 <a:t>- Average </a:t>
               </a:r>
               <a:endParaRPr lang="nl-BE" sz="1200" spc="-70" dirty="0" smtClean="0">
                 <a:solidFill>
-                  <a:schemeClr val="bg1"/>
+                  <a:srgbClr val="FFFFFF"/>
                 </a:solidFill>
               </a:endParaRPr>
             </a:p>
@@ -38265,14 +39181,14 @@
               <a:r>
                 <a:rPr lang="en-US" sz="1200" spc="-70" dirty="0" smtClean="0">
                   <a:solidFill>
-                    <a:schemeClr val="bg1"/>
+                    <a:srgbClr val="FFFFFF"/>
                   </a:solidFill>
                 </a:rPr>
                 <a:t>- Hard one</a:t>
               </a:r>
               <a:endParaRPr lang="nl-BE" sz="1200" spc="-70" dirty="0" smtClean="0">
                 <a:solidFill>
-                  <a:schemeClr val="bg1"/>
+                  <a:srgbClr val="FFFFFF"/>
                 </a:solidFill>
               </a:endParaRPr>
             </a:p>
@@ -38288,7 +39204,7 @@
           <p:nvPr/>
         </p:nvPicPr>
         <p:blipFill>
-          <a:blip r:embed="rId2"/>
+          <a:blip r:embed="rId3"/>
           <a:stretch>
             <a:fillRect/>
           </a:stretch>
@@ -38312,7 +39228,7 @@
           <p:nvPr/>
         </p:nvPicPr>
         <p:blipFill>
-          <a:blip r:embed="rId3"/>
+          <a:blip r:embed="rId4"/>
           <a:stretch>
             <a:fillRect/>
           </a:stretch>
@@ -38336,7 +39252,7 @@
           <p:nvPr/>
         </p:nvPicPr>
         <p:blipFill>
-          <a:blip r:embed="rId2"/>
+          <a:blip r:embed="rId3"/>
           <a:stretch>
             <a:fillRect/>
           </a:stretch>
@@ -38354,7 +39270,7 @@
     </p:spTree>
     <p:extLst>
       <p:ext uri="{BB962C8B-B14F-4D97-AF65-F5344CB8AC3E}">
-        <p14:creationId xmlns:p14="http://schemas.microsoft.com/office/powerpoint/2010/main" val="1568078545"/>
+        <p14:creationId xmlns:p14="http://schemas.microsoft.com/office/powerpoint/2010/main" val="198198663"/>
       </p:ext>
     </p:extLst>
   </p:cSld>
@@ -38453,9 +39369,7 @@
             <a:r>
               <a:rPr lang="en-US" sz="1400" dirty="0" smtClean="0">
                 <a:solidFill>
-                  <a:schemeClr val="bg2">
-                    <a:lumMod val="50000"/>
-                  </a:schemeClr>
+                  <a:srgbClr val="797A7D"/>
                 </a:solidFill>
                 <a:cs typeface="Segoe UI" panose="020B0502040204020203" pitchFamily="34" charset="0"/>
               </a:rPr>
@@ -38466,23 +39380,24 @@
             <a:pPr defTabSz="913951"/>
             <a:endParaRPr lang="en-US" sz="1400" dirty="0">
               <a:solidFill>
-                <a:schemeClr val="bg2">
+                <a:srgbClr val="797A7D">
                   <a:lumMod val="50000"/>
-                </a:schemeClr>
+                </a:srgbClr>
               </a:solidFill>
               <a:cs typeface="Segoe UI" panose="020B0502040204020203" pitchFamily="34" charset="0"/>
             </a:endParaRPr>
           </a:p>
           <a:p>
             <a:pPr marL="342900" indent="-342900" defTabSz="913951">
+              <a:buFontTx/>
               <a:buAutoNum type="arabicPeriod"/>
             </a:pPr>
             <a:r>
               <a:rPr lang="en-US" sz="1400" dirty="0" smtClean="0">
                 <a:solidFill>
-                  <a:schemeClr val="bg2">
+                  <a:srgbClr val="797A7D">
                     <a:lumMod val="50000"/>
-                  </a:schemeClr>
+                  </a:srgbClr>
                 </a:solidFill>
                 <a:cs typeface="Segoe UI" panose="020B0502040204020203" pitchFamily="34" charset="0"/>
               </a:rPr>
@@ -38491,14 +39406,15 @@
           </a:p>
           <a:p>
             <a:pPr marL="342900" indent="-342900" defTabSz="913951">
+              <a:buFontTx/>
               <a:buAutoNum type="arabicPeriod"/>
             </a:pPr>
             <a:r>
               <a:rPr lang="en-US" sz="1400" dirty="0" smtClean="0">
                 <a:solidFill>
-                  <a:schemeClr val="bg2">
+                  <a:srgbClr val="797A7D">
                     <a:lumMod val="50000"/>
-                  </a:schemeClr>
+                  </a:srgbClr>
                 </a:solidFill>
                 <a:cs typeface="Segoe UI" panose="020B0502040204020203" pitchFamily="34" charset="0"/>
               </a:rPr>
@@ -38507,27 +39423,28 @@
           </a:p>
           <a:p>
             <a:pPr marL="342900" indent="-342900" defTabSz="913951">
+              <a:buFontTx/>
               <a:buAutoNum type="arabicPeriod"/>
             </a:pPr>
             <a:r>
               <a:rPr lang="en-US" sz="1400" dirty="0" smtClean="0">
                 <a:solidFill>
-                  <a:schemeClr val="bg2">
+                  <a:srgbClr val="797A7D">
                     <a:lumMod val="50000"/>
-                  </a:schemeClr>
+                  </a:srgbClr>
                 </a:solidFill>
                 <a:cs typeface="Segoe UI" panose="020B0502040204020203" pitchFamily="34" charset="0"/>
               </a:rPr>
-              <a:t>Deployment process in place for</a:t>
+              <a:t>Deployment process in place for SharePoint apps</a:t>
             </a:r>
           </a:p>
           <a:p>
             <a:pPr defTabSz="913951"/>
             <a:endParaRPr lang="en-US" sz="1400" dirty="0" smtClean="0">
               <a:solidFill>
-                <a:schemeClr val="bg2">
+                <a:srgbClr val="797A7D">
                   <a:lumMod val="50000"/>
-                </a:schemeClr>
+                </a:srgbClr>
               </a:solidFill>
               <a:cs typeface="Segoe UI" panose="020B0502040204020203" pitchFamily="34" charset="0"/>
             </a:endParaRPr>
@@ -38536,9 +39453,9 @@
             <a:pPr defTabSz="913951"/>
             <a:endParaRPr lang="en-US" sz="1400" dirty="0">
               <a:solidFill>
-                <a:schemeClr val="bg2">
+                <a:srgbClr val="797A7D">
                   <a:lumMod val="50000"/>
-                </a:schemeClr>
+                </a:srgbClr>
               </a:solidFill>
               <a:cs typeface="Segoe UI" panose="020B0502040204020203" pitchFamily="34" charset="0"/>
             </a:endParaRPr>
@@ -38689,6 +39606,336 @@
                 </a:spcAft>
               </a:pPr>
               <a:r>
+                <a:rPr lang="en-US" sz="2200" dirty="0" smtClean="0">
+                  <a:gradFill>
+                    <a:gsLst>
+                      <a:gs pos="0">
+                        <a:srgbClr val="FFFFFF"/>
+                      </a:gs>
+                      <a:gs pos="100000">
+                        <a:srgbClr val="FFFFFF"/>
+                      </a:gs>
+                    </a:gsLst>
+                    <a:lin ang="5400000" scaled="0"/>
+                  </a:gradFill>
+                  <a:ea typeface="Segoe UI" pitchFamily="34" charset="0"/>
+                  <a:cs typeface="Segoe UI" pitchFamily="34" charset="0"/>
+                </a:rPr>
+                <a:t>1</a:t>
+              </a:r>
+            </a:p>
+          </p:txBody>
+        </p:sp>
+      </p:grpSp>
+      <p:grpSp>
+        <p:nvGrpSpPr>
+          <p:cNvPr id="38" name="Group 37"/>
+          <p:cNvGrpSpPr/>
+          <p:nvPr/>
+        </p:nvGrpSpPr>
+        <p:grpSpPr>
+          <a:xfrm>
+            <a:off x="2767624" y="1350649"/>
+            <a:ext cx="2098010" cy="536582"/>
+            <a:chOff x="2767624" y="1350649"/>
+            <a:chExt cx="2098010" cy="536582"/>
+          </a:xfrm>
+        </p:grpSpPr>
+        <p:sp>
+          <p:nvSpPr>
+            <p:cNvPr id="22" name="Rectangle 21"/>
+            <p:cNvSpPr/>
+            <p:nvPr>
+              <p:custDataLst>
+                <p:tags r:id="rId4"/>
+              </p:custDataLst>
+            </p:nvPr>
+          </p:nvSpPr>
+          <p:spPr bwMode="auto">
+            <a:xfrm>
+              <a:off x="2767624" y="1350652"/>
+              <a:ext cx="1673748" cy="526103"/>
+            </a:xfrm>
+            <a:prstGeom prst="rect">
+              <a:avLst/>
+            </a:prstGeom>
+            <a:ln>
+              <a:headEnd type="none" w="med" len="med"/>
+              <a:tailEnd type="none" w="med" len="med"/>
+            </a:ln>
+          </p:spPr>
+          <p:style>
+            <a:lnRef idx="2">
+              <a:schemeClr val="accent1"/>
+            </a:lnRef>
+            <a:fillRef idx="1">
+              <a:schemeClr val="lt1"/>
+            </a:fillRef>
+            <a:effectRef idx="0">
+              <a:schemeClr val="accent1"/>
+            </a:effectRef>
+            <a:fontRef idx="minor">
+              <a:schemeClr val="dk1"/>
+            </a:fontRef>
+          </p:style>
+          <p:txBody>
+            <a:bodyPr rot="0" spcFirstLastPara="0" vertOverflow="overflow" horzOverflow="overflow" vert="horz" wrap="square" lIns="91416" tIns="45708" rIns="91416" bIns="45708" numCol="1" spcCol="0" rtlCol="0" fromWordArt="0" anchor="ctr" anchorCtr="0" forceAA="0" compatLnSpc="1">
+              <a:prstTxWarp prst="textNoShape">
+                <a:avLst/>
+              </a:prstTxWarp>
+              <a:noAutofit/>
+            </a:bodyPr>
+            <a:lstStyle/>
+            <a:p>
+              <a:pPr defTabSz="913650" fontAlgn="base">
+                <a:spcBef>
+                  <a:spcPct val="0"/>
+                </a:spcBef>
+                <a:spcAft>
+                  <a:spcPct val="0"/>
+                </a:spcAft>
+              </a:pPr>
+              <a:r>
+                <a:rPr lang="en-US" sz="1700" dirty="0" smtClean="0">
+                  <a:solidFill>
+                    <a:sysClr val="windowText" lastClr="000000"/>
+                  </a:solidFill>
+                  <a:ea typeface="Segoe UI" pitchFamily="34" charset="0"/>
+                  <a:cs typeface="Segoe UI Semibold" panose="020B0702040204020203" pitchFamily="34" charset="0"/>
+                </a:rPr>
+                <a:t>Branding</a:t>
+              </a:r>
+              <a:endParaRPr lang="en-US" sz="1700" dirty="0">
+                <a:solidFill>
+                  <a:sysClr val="windowText" lastClr="000000"/>
+                </a:solidFill>
+                <a:ea typeface="Segoe UI" pitchFamily="34" charset="0"/>
+                <a:cs typeface="Segoe UI Semibold" panose="020B0702040204020203" pitchFamily="34" charset="0"/>
+              </a:endParaRPr>
+            </a:p>
+          </p:txBody>
+        </p:sp>
+        <p:sp>
+          <p:nvSpPr>
+            <p:cNvPr id="24" name="Rectangle 23"/>
+            <p:cNvSpPr/>
+            <p:nvPr/>
+          </p:nvSpPr>
+          <p:spPr bwMode="auto">
+            <a:xfrm>
+              <a:off x="4441371" y="1350649"/>
+              <a:ext cx="424263" cy="536582"/>
+            </a:xfrm>
+            <a:prstGeom prst="rect">
+              <a:avLst/>
+            </a:prstGeom>
+            <a:solidFill>
+              <a:schemeClr val="accent1"/>
+            </a:solidFill>
+            <a:ln>
+              <a:noFill/>
+              <a:headEnd type="none" w="med" len="med"/>
+              <a:tailEnd type="none" w="med" len="med"/>
+            </a:ln>
+            <a:effectLst/>
+          </p:spPr>
+          <p:style>
+            <a:lnRef idx="1">
+              <a:schemeClr val="accent2"/>
+            </a:lnRef>
+            <a:fillRef idx="3">
+              <a:schemeClr val="accent2"/>
+            </a:fillRef>
+            <a:effectRef idx="2">
+              <a:schemeClr val="accent2"/>
+            </a:effectRef>
+            <a:fontRef idx="minor">
+              <a:schemeClr val="lt1"/>
+            </a:fontRef>
+          </p:style>
+          <p:txBody>
+            <a:bodyPr rot="0" spcFirstLastPara="0" vertOverflow="overflow" horzOverflow="overflow" vert="horz" wrap="square" lIns="45720" tIns="45720" rIns="45720" bIns="45720" numCol="1" spcCol="0" rtlCol="0" fromWordArt="0" anchor="ctr" anchorCtr="0" forceAA="0" compatLnSpc="1">
+              <a:prstTxWarp prst="textNoShape">
+                <a:avLst/>
+              </a:prstTxWarp>
+              <a:noAutofit/>
+            </a:bodyPr>
+            <a:lstStyle/>
+            <a:p>
+              <a:pPr algn="ctr" defTabSz="914099" fontAlgn="base">
+                <a:spcBef>
+                  <a:spcPct val="0"/>
+                </a:spcBef>
+                <a:spcAft>
+                  <a:spcPct val="0"/>
+                </a:spcAft>
+              </a:pPr>
+              <a:r>
+                <a:rPr lang="en-US" sz="2200" dirty="0" smtClean="0">
+                  <a:gradFill>
+                    <a:gsLst>
+                      <a:gs pos="0">
+                        <a:srgbClr val="FFFFFF"/>
+                      </a:gs>
+                      <a:gs pos="100000">
+                        <a:srgbClr val="FFFFFF"/>
+                      </a:gs>
+                    </a:gsLst>
+                    <a:lin ang="5400000" scaled="0"/>
+                  </a:gradFill>
+                  <a:ea typeface="Segoe UI" pitchFamily="34" charset="0"/>
+                  <a:cs typeface="Segoe UI" pitchFamily="34" charset="0"/>
+                </a:rPr>
+                <a:t>0</a:t>
+              </a:r>
+            </a:p>
+          </p:txBody>
+        </p:sp>
+      </p:grpSp>
+      <p:grpSp>
+        <p:nvGrpSpPr>
+          <p:cNvPr id="39" name="Group 38"/>
+          <p:cNvGrpSpPr/>
+          <p:nvPr/>
+        </p:nvGrpSpPr>
+        <p:grpSpPr>
+          <a:xfrm>
+            <a:off x="5016135" y="1350649"/>
+            <a:ext cx="2098010" cy="536582"/>
+            <a:chOff x="5016135" y="1350649"/>
+            <a:chExt cx="2098010" cy="536582"/>
+          </a:xfrm>
+        </p:grpSpPr>
+        <p:sp>
+          <p:nvSpPr>
+            <p:cNvPr id="25" name="Rectangle 24"/>
+            <p:cNvSpPr/>
+            <p:nvPr>
+              <p:custDataLst>
+                <p:tags r:id="rId3"/>
+              </p:custDataLst>
+            </p:nvPr>
+          </p:nvSpPr>
+          <p:spPr bwMode="auto">
+            <a:xfrm>
+              <a:off x="5016135" y="1350652"/>
+              <a:ext cx="1673748" cy="526103"/>
+            </a:xfrm>
+            <a:prstGeom prst="rect">
+              <a:avLst/>
+            </a:prstGeom>
+            <a:ln>
+              <a:headEnd type="none" w="med" len="med"/>
+              <a:tailEnd type="none" w="med" len="med"/>
+            </a:ln>
+          </p:spPr>
+          <p:style>
+            <a:lnRef idx="2">
+              <a:schemeClr val="accent1"/>
+            </a:lnRef>
+            <a:fillRef idx="1">
+              <a:schemeClr val="lt1"/>
+            </a:fillRef>
+            <a:effectRef idx="0">
+              <a:schemeClr val="accent1"/>
+            </a:effectRef>
+            <a:fontRef idx="minor">
+              <a:schemeClr val="dk1"/>
+            </a:fontRef>
+          </p:style>
+          <p:txBody>
+            <a:bodyPr rot="0" spcFirstLastPara="0" vertOverflow="overflow" horzOverflow="overflow" vert="horz" wrap="square" lIns="91416" tIns="45708" rIns="91416" bIns="45708" numCol="1" spcCol="0" rtlCol="0" fromWordArt="0" anchor="ctr" anchorCtr="0" forceAA="0" compatLnSpc="1">
+              <a:prstTxWarp prst="textNoShape">
+                <a:avLst/>
+              </a:prstTxWarp>
+              <a:noAutofit/>
+            </a:bodyPr>
+            <a:lstStyle/>
+            <a:p>
+              <a:pPr defTabSz="913650" fontAlgn="base">
+                <a:spcBef>
+                  <a:spcPct val="0"/>
+                </a:spcBef>
+                <a:spcAft>
+                  <a:spcPct val="0"/>
+                </a:spcAft>
+              </a:pPr>
+              <a:r>
+                <a:rPr lang="en-US" sz="1700" dirty="0" smtClean="0">
+                  <a:solidFill>
+                    <a:sysClr val="windowText" lastClr="000000"/>
+                  </a:solidFill>
+                  <a:ea typeface="Segoe UI" pitchFamily="34" charset="0"/>
+                  <a:cs typeface="Segoe UI Semibold" panose="020B0702040204020203" pitchFamily="34" charset="0"/>
+                </a:rPr>
+                <a:t>Remote provisioning</a:t>
+              </a:r>
+              <a:endParaRPr lang="en-US" sz="1700" dirty="0">
+                <a:solidFill>
+                  <a:sysClr val="windowText" lastClr="000000"/>
+                </a:solidFill>
+                <a:ea typeface="Segoe UI" pitchFamily="34" charset="0"/>
+                <a:cs typeface="Segoe UI Semibold" panose="020B0702040204020203" pitchFamily="34" charset="0"/>
+              </a:endParaRPr>
+            </a:p>
+          </p:txBody>
+        </p:sp>
+        <p:sp>
+          <p:nvSpPr>
+            <p:cNvPr id="27" name="Rectangle 26"/>
+            <p:cNvSpPr/>
+            <p:nvPr/>
+          </p:nvSpPr>
+          <p:spPr bwMode="auto">
+            <a:xfrm>
+              <a:off x="6689882" y="1350649"/>
+              <a:ext cx="424263" cy="536582"/>
+            </a:xfrm>
+            <a:prstGeom prst="rect">
+              <a:avLst/>
+            </a:prstGeom>
+            <a:solidFill>
+              <a:schemeClr val="accent1"/>
+            </a:solidFill>
+            <a:ln>
+              <a:noFill/>
+              <a:headEnd type="none" w="med" len="med"/>
+              <a:tailEnd type="none" w="med" len="med"/>
+            </a:ln>
+            <a:effectLst/>
+          </p:spPr>
+          <p:style>
+            <a:lnRef idx="1">
+              <a:schemeClr val="accent2"/>
+            </a:lnRef>
+            <a:fillRef idx="3">
+              <a:schemeClr val="accent2"/>
+            </a:fillRef>
+            <a:effectRef idx="2">
+              <a:schemeClr val="accent2"/>
+            </a:effectRef>
+            <a:fontRef idx="minor">
+              <a:schemeClr val="lt1"/>
+            </a:fontRef>
+          </p:style>
+          <p:txBody>
+            <a:bodyPr rot="0" spcFirstLastPara="0" vertOverflow="overflow" horzOverflow="overflow" vert="horz" wrap="square" lIns="45720" tIns="45720" rIns="45720" bIns="45720" numCol="1" spcCol="0" rtlCol="0" fromWordArt="0" anchor="ctr" anchorCtr="0" forceAA="0" compatLnSpc="1">
+              <a:prstTxWarp prst="textNoShape">
+                <a:avLst/>
+              </a:prstTxWarp>
+              <a:noAutofit/>
+            </a:bodyPr>
+            <a:lstStyle/>
+            <a:p>
+              <a:pPr algn="ctr" defTabSz="914099" fontAlgn="base">
+                <a:spcBef>
+                  <a:spcPct val="0"/>
+                </a:spcBef>
+                <a:spcAft>
+                  <a:spcPct val="0"/>
+                </a:spcAft>
+              </a:pPr>
+              <a:r>
                 <a:rPr lang="en-US" sz="2200" dirty="0">
                   <a:gradFill>
                     <a:gsLst>
@@ -38704,7 +39951,7 @@
                   <a:ea typeface="Segoe UI" pitchFamily="34" charset="0"/>
                   <a:cs typeface="Segoe UI" pitchFamily="34" charset="0"/>
                 </a:rPr>
-                <a:t>1</a:t>
+                <a:t>0</a:t>
               </a:r>
               <a:endParaRPr lang="en-US" sz="2200" dirty="0" smtClean="0">
                 <a:gradFill>
@@ -38725,154 +39972,6 @@
           </p:txBody>
         </p:sp>
       </p:grpSp>
-      <p:sp>
-        <p:nvSpPr>
-          <p:cNvPr id="22" name="Rectangle 21"/>
-          <p:cNvSpPr/>
-          <p:nvPr>
-            <p:custDataLst>
-              <p:tags r:id="rId1"/>
-            </p:custDataLst>
-          </p:nvPr>
-        </p:nvSpPr>
-        <p:spPr bwMode="auto">
-          <a:xfrm>
-            <a:off x="2767624" y="1350652"/>
-            <a:ext cx="1673748" cy="526103"/>
-          </a:xfrm>
-          <a:prstGeom prst="rect">
-            <a:avLst/>
-          </a:prstGeom>
-          <a:ln>
-            <a:headEnd type="none" w="med" len="med"/>
-            <a:tailEnd type="none" w="med" len="med"/>
-          </a:ln>
-        </p:spPr>
-        <p:style>
-          <a:lnRef idx="2">
-            <a:schemeClr val="accent1"/>
-          </a:lnRef>
-          <a:fillRef idx="1">
-            <a:schemeClr val="lt1"/>
-          </a:fillRef>
-          <a:effectRef idx="0">
-            <a:schemeClr val="accent1"/>
-          </a:effectRef>
-          <a:fontRef idx="minor">
-            <a:schemeClr val="dk1"/>
-          </a:fontRef>
-        </p:style>
-        <p:txBody>
-          <a:bodyPr rot="0" spcFirstLastPara="0" vertOverflow="overflow" horzOverflow="overflow" vert="horz" wrap="square" lIns="91416" tIns="45708" rIns="91416" bIns="45708" numCol="1" spcCol="0" rtlCol="0" fromWordArt="0" anchor="ctr" anchorCtr="0" forceAA="0" compatLnSpc="1">
-            <a:prstTxWarp prst="textNoShape">
-              <a:avLst/>
-            </a:prstTxWarp>
-            <a:noAutofit/>
-          </a:bodyPr>
-          <a:lstStyle/>
-          <a:p>
-            <a:pPr defTabSz="913650" fontAlgn="base">
-              <a:spcBef>
-                <a:spcPct val="0"/>
-              </a:spcBef>
-              <a:spcAft>
-                <a:spcPct val="0"/>
-              </a:spcAft>
-            </a:pPr>
-            <a:r>
-              <a:rPr lang="en-US" sz="1700" dirty="0" smtClean="0">
-                <a:solidFill>
-                  <a:sysClr val="windowText" lastClr="000000"/>
-                </a:solidFill>
-                <a:ea typeface="Segoe UI" pitchFamily="34" charset="0"/>
-                <a:cs typeface="Segoe UI Semibold" panose="020B0702040204020203" pitchFamily="34" charset="0"/>
-              </a:rPr>
-              <a:t>Branding</a:t>
-            </a:r>
-            <a:endParaRPr lang="en-US" sz="1700" dirty="0">
-              <a:solidFill>
-                <a:sysClr val="windowText" lastClr="000000"/>
-              </a:solidFill>
-              <a:ea typeface="Segoe UI" pitchFamily="34" charset="0"/>
-              <a:cs typeface="Segoe UI Semibold" panose="020B0702040204020203" pitchFamily="34" charset="0"/>
-            </a:endParaRPr>
-          </a:p>
-        </p:txBody>
-      </p:sp>
-      <p:sp>
-        <p:nvSpPr>
-          <p:cNvPr id="25" name="Rectangle 24"/>
-          <p:cNvSpPr/>
-          <p:nvPr>
-            <p:custDataLst>
-              <p:tags r:id="rId2"/>
-            </p:custDataLst>
-          </p:nvPr>
-        </p:nvSpPr>
-        <p:spPr bwMode="auto">
-          <a:xfrm>
-            <a:off x="5016135" y="1350652"/>
-            <a:ext cx="1673748" cy="526103"/>
-          </a:xfrm>
-          <a:prstGeom prst="rect">
-            <a:avLst/>
-          </a:prstGeom>
-          <a:ln>
-            <a:headEnd type="none" w="med" len="med"/>
-            <a:tailEnd type="none" w="med" len="med"/>
-          </a:ln>
-        </p:spPr>
-        <p:style>
-          <a:lnRef idx="2">
-            <a:schemeClr val="accent1"/>
-          </a:lnRef>
-          <a:fillRef idx="1">
-            <a:schemeClr val="lt1"/>
-          </a:fillRef>
-          <a:effectRef idx="0">
-            <a:schemeClr val="accent1"/>
-          </a:effectRef>
-          <a:fontRef idx="minor">
-            <a:schemeClr val="dk1"/>
-          </a:fontRef>
-        </p:style>
-        <p:txBody>
-          <a:bodyPr rot="0" spcFirstLastPara="0" vertOverflow="overflow" horzOverflow="overflow" vert="horz" wrap="square" lIns="91416" tIns="45708" rIns="91416" bIns="45708" numCol="1" spcCol="0" rtlCol="0" fromWordArt="0" anchor="ctr" anchorCtr="0" forceAA="0" compatLnSpc="1">
-            <a:prstTxWarp prst="textNoShape">
-              <a:avLst/>
-            </a:prstTxWarp>
-            <a:noAutofit/>
-          </a:bodyPr>
-          <a:lstStyle/>
-          <a:p>
-            <a:pPr defTabSz="913650" fontAlgn="base">
-              <a:spcBef>
-                <a:spcPct val="0"/>
-              </a:spcBef>
-              <a:spcAft>
-                <a:spcPct val="0"/>
-              </a:spcAft>
-            </a:pPr>
-            <a:r>
-              <a:rPr lang="en-US" sz="1700" dirty="0" smtClean="0">
-                <a:solidFill>
-                  <a:sysClr val="windowText" lastClr="000000"/>
-                </a:solidFill>
-                <a:ea typeface="Segoe UI" pitchFamily="34" charset="0"/>
-                <a:cs typeface="Segoe UI Semibold" panose="020B0702040204020203" pitchFamily="34" charset="0"/>
-              </a:rPr>
-              <a:t>Remote provisioning</a:t>
-            </a:r>
-            <a:endParaRPr lang="en-US" sz="1700" dirty="0">
-              <a:solidFill>
-                <a:sysClr val="windowText" lastClr="000000"/>
-              </a:solidFill>
-              <a:ea typeface="Segoe UI" pitchFamily="34" charset="0"/>
-              <a:cs typeface="Segoe UI Semibold" panose="020B0702040204020203" pitchFamily="34" charset="0"/>
-            </a:endParaRPr>
-          </a:p>
-        </p:txBody>
-      </p:sp>
       <p:grpSp>
         <p:nvGrpSpPr>
           <p:cNvPr id="40" name="Group 39"/>
@@ -38893,7 +39992,7 @@
             <p:cNvSpPr/>
             <p:nvPr>
               <p:custDataLst>
-                <p:tags r:id="rId4"/>
+                <p:tags r:id="rId2"/>
               </p:custDataLst>
             </p:nvPr>
           </p:nvSpPr>
@@ -39073,7 +40172,7 @@
             <p:cNvSpPr/>
             <p:nvPr>
               <p:custDataLst>
-                <p:tags r:id="rId3"/>
+                <p:tags r:id="rId1"/>
               </p:custDataLst>
             </p:nvPr>
           </p:nvSpPr>
@@ -39257,36 +40356,57 @@
             <a:r>
               <a:rPr lang="en-US" sz="1400" dirty="0" smtClean="0">
                 <a:solidFill>
-                  <a:schemeClr val="bg2">
-                    <a:lumMod val="50000"/>
-                  </a:schemeClr>
+                  <a:srgbClr val="797A7D"/>
                 </a:solidFill>
                 <a:cs typeface="Segoe UI" panose="020B0502040204020203" pitchFamily="34" charset="0"/>
               </a:rPr>
-              <a:t>Branding model impact to customizations.?</a:t>
+              <a:t>Branding model impact to customizations?</a:t>
             </a:r>
           </a:p>
           <a:p>
             <a:pPr defTabSz="913951"/>
             <a:endParaRPr lang="en-US" sz="1400" dirty="0" smtClean="0">
               <a:solidFill>
-                <a:schemeClr val="bg2">
+                <a:srgbClr val="797A7D">
                   <a:lumMod val="50000"/>
-                </a:schemeClr>
+                </a:srgbClr>
               </a:solidFill>
               <a:cs typeface="Segoe UI" panose="020B0502040204020203" pitchFamily="34" charset="0"/>
             </a:endParaRPr>
           </a:p>
           <a:p>
+            <a:pPr defTabSz="913951"/>
+            <a:endParaRPr lang="en-US" sz="1400" dirty="0">
+              <a:solidFill>
+                <a:srgbClr val="797A7D">
+                  <a:lumMod val="50000"/>
+                </a:srgbClr>
+              </a:solidFill>
+              <a:cs typeface="Segoe UI" panose="020B0502040204020203" pitchFamily="34" charset="0"/>
+            </a:endParaRPr>
+          </a:p>
+          <a:p>
+            <a:pPr defTabSz="913951"/>
+            <a:endParaRPr lang="en-US" sz="1400" dirty="0" smtClean="0">
+              <a:solidFill>
+                <a:srgbClr val="797A7D">
+                  <a:lumMod val="50000"/>
+                </a:srgbClr>
+              </a:solidFill>
+              <a:cs typeface="Segoe UI" panose="020B0502040204020203" pitchFamily="34" charset="0"/>
+            </a:endParaRPr>
+          </a:p>
+          <a:p>
             <a:pPr marL="342900" indent="-342900" defTabSz="913951">
+              <a:buFontTx/>
               <a:buAutoNum type="arabicPeriod"/>
             </a:pPr>
             <a:r>
               <a:rPr lang="en-US" sz="1400" dirty="0" smtClean="0">
                 <a:solidFill>
-                  <a:schemeClr val="bg2">
+                  <a:srgbClr val="797A7D">
                     <a:lumMod val="50000"/>
-                  </a:schemeClr>
+                  </a:srgbClr>
                 </a:solidFill>
                 <a:cs typeface="Segoe UI" panose="020B0502040204020203" pitchFamily="34" charset="0"/>
               </a:rPr>
@@ -39295,14 +40415,15 @@
           </a:p>
           <a:p>
             <a:pPr marL="342900" indent="-342900" defTabSz="913951">
+              <a:buFontTx/>
               <a:buAutoNum type="arabicPeriod"/>
             </a:pPr>
             <a:r>
               <a:rPr lang="en-US" sz="1400" dirty="0" smtClean="0">
                 <a:solidFill>
-                  <a:schemeClr val="bg2">
+                  <a:srgbClr val="797A7D">
                     <a:lumMod val="50000"/>
-                  </a:schemeClr>
+                  </a:srgbClr>
                 </a:solidFill>
                 <a:cs typeface="Segoe UI" panose="020B0502040204020203" pitchFamily="34" charset="0"/>
               </a:rPr>
@@ -39311,24 +40432,25 @@
           </a:p>
           <a:p>
             <a:pPr marL="342900" indent="-342900" defTabSz="913951">
+              <a:buFontTx/>
               <a:buAutoNum type="arabicPeriod"/>
             </a:pPr>
             <a:r>
               <a:rPr lang="en-US" sz="1400" dirty="0" smtClean="0">
                 <a:solidFill>
-                  <a:schemeClr val="bg2">
+                  <a:srgbClr val="797A7D">
                     <a:lumMod val="50000"/>
-                  </a:schemeClr>
+                  </a:srgbClr>
                 </a:solidFill>
                 <a:cs typeface="Segoe UI" panose="020B0502040204020203" pitchFamily="34" charset="0"/>
               </a:rPr>
-              <a:t>Documented process and guidance for projects on the structures</a:t>
+              <a:t>Documented process and guidance for projects on how to deal with branding</a:t>
             </a:r>
             <a:endParaRPr lang="en-US" sz="1400" dirty="0">
               <a:solidFill>
-                <a:schemeClr val="bg2">
+                <a:srgbClr val="797A7D">
                   <a:lumMod val="50000"/>
-                </a:schemeClr>
+                </a:srgbClr>
               </a:solidFill>
               <a:cs typeface="Segoe UI" panose="020B0502040204020203" pitchFamily="34" charset="0"/>
             </a:endParaRPr>
@@ -39374,9 +40496,7 @@
             <a:r>
               <a:rPr lang="en-US" sz="1400" dirty="0" smtClean="0">
                 <a:solidFill>
-                  <a:schemeClr val="bg2">
-                    <a:lumMod val="50000"/>
-                  </a:schemeClr>
+                  <a:srgbClr val="797A7D"/>
                 </a:solidFill>
                 <a:cs typeface="Segoe UI" panose="020B0502040204020203" pitchFamily="34" charset="0"/>
               </a:rPr>
@@ -39385,119 +40505,114 @@
           </a:p>
           <a:p>
             <a:pPr defTabSz="913951"/>
-            <a:endParaRPr lang="en-US" sz="1400" dirty="0">
+            <a:endParaRPr lang="en-US" sz="1400" dirty="0" smtClean="0">
               <a:solidFill>
-                <a:schemeClr val="bg2">
+                <a:srgbClr val="797A7D">
                   <a:lumMod val="50000"/>
-                </a:schemeClr>
+                </a:srgbClr>
               </a:solidFill>
               <a:cs typeface="Segoe UI" panose="020B0502040204020203" pitchFamily="34" charset="0"/>
             </a:endParaRPr>
           </a:p>
           <a:p>
             <a:pPr defTabSz="913951"/>
+            <a:endParaRPr lang="en-US" sz="1400" dirty="0">
+              <a:solidFill>
+                <a:srgbClr val="797A7D">
+                  <a:lumMod val="50000"/>
+                </a:srgbClr>
+              </a:solidFill>
+              <a:cs typeface="Segoe UI" panose="020B0502040204020203" pitchFamily="34" charset="0"/>
+            </a:endParaRPr>
+          </a:p>
+          <a:p>
+            <a:pPr marL="342900" indent="-342900" defTabSz="913951">
+              <a:buFont typeface="+mj-lt"/>
+              <a:buAutoNum type="arabicPeriod"/>
+            </a:pPr>
             <a:r>
               <a:rPr lang="en-US" sz="1400" dirty="0" smtClean="0">
                 <a:solidFill>
-                  <a:schemeClr val="bg2">
+                  <a:srgbClr val="797A7D">
                     <a:lumMod val="50000"/>
-                  </a:schemeClr>
+                  </a:srgbClr>
                 </a:solidFill>
                 <a:cs typeface="Segoe UI" panose="020B0502040204020203" pitchFamily="34" charset="0"/>
               </a:rPr>
-              <a:t>1. Site collections created using remote process</a:t>
-            </a:r>
-          </a:p>
-          <a:p>
-            <a:pPr defTabSz="913951"/>
+              <a:t>Site collections created using remove process</a:t>
+            </a:r>
+          </a:p>
+          <a:p>
+            <a:pPr marL="342900" indent="-342900" defTabSz="913951">
+              <a:buFont typeface="+mj-lt"/>
+              <a:buAutoNum type="arabicPeriod"/>
+            </a:pPr>
             <a:r>
               <a:rPr lang="en-US" sz="1400" dirty="0" smtClean="0">
                 <a:solidFill>
-                  <a:schemeClr val="bg2">
+                  <a:srgbClr val="797A7D">
                     <a:lumMod val="50000"/>
-                  </a:schemeClr>
+                  </a:srgbClr>
                 </a:solidFill>
                 <a:cs typeface="Segoe UI" panose="020B0502040204020203" pitchFamily="34" charset="0"/>
               </a:rPr>
-              <a:t>2. Assets (+content types) deployed </a:t>
+              <a:t>Assets (+content types) deployed during provisioning</a:t>
             </a:r>
             <a:endParaRPr lang="en-US" sz="1400" dirty="0">
               <a:solidFill>
-                <a:schemeClr val="bg2">
+                <a:srgbClr val="797A7D">
                   <a:lumMod val="50000"/>
-                </a:schemeClr>
+                </a:srgbClr>
               </a:solidFill>
               <a:cs typeface="Segoe UI" panose="020B0502040204020203" pitchFamily="34" charset="0"/>
             </a:endParaRPr>
           </a:p>
           <a:p>
-            <a:pPr defTabSz="913951"/>
+            <a:pPr marL="342900" indent="-342900" defTabSz="913951">
+              <a:buFont typeface="+mj-lt"/>
+              <a:buAutoNum type="arabicPeriod"/>
+            </a:pPr>
             <a:r>
               <a:rPr lang="en-US" sz="1400" dirty="0" smtClean="0">
                 <a:solidFill>
-                  <a:schemeClr val="bg2">
+                  <a:srgbClr val="797A7D">
                     <a:lumMod val="50000"/>
-                  </a:schemeClr>
+                  </a:srgbClr>
                 </a:solidFill>
                 <a:cs typeface="Segoe UI" panose="020B0502040204020203" pitchFamily="34" charset="0"/>
               </a:rPr>
-              <a:t>3. Sub sites creation</a:t>
+              <a:t>Sub site creation managed via the provisioning solution</a:t>
             </a:r>
           </a:p>
           <a:p>
             <a:pPr defTabSz="913951"/>
             <a:endParaRPr lang="en-US" sz="1400" dirty="0">
               <a:solidFill>
-                <a:schemeClr val="bg2">
+                <a:srgbClr val="797A7D">
                   <a:lumMod val="50000"/>
-                </a:schemeClr>
+                </a:srgbClr>
               </a:solidFill>
               <a:cs typeface="Segoe UI" panose="020B0502040204020203" pitchFamily="34" charset="0"/>
             </a:endParaRPr>
           </a:p>
           <a:p>
             <a:pPr defTabSz="913951"/>
-            <a:r>
-              <a:rPr lang="en-US" sz="1400" dirty="0">
-                <a:solidFill>
-                  <a:schemeClr val="bg2">
-                    <a:lumMod val="50000"/>
-                  </a:schemeClr>
-                </a:solidFill>
-                <a:cs typeface="Segoe UI" panose="020B0502040204020203" pitchFamily="34" charset="0"/>
-              </a:rPr>
-              <a:t>Existing solution is pretty sophisticated and could be used to tackle business requirements from the other customizations. Web templates should not be used in new </a:t>
-            </a:r>
-            <a:r>
-              <a:rPr lang="en-US" sz="1400" dirty="0" smtClean="0">
-                <a:solidFill>
-                  <a:schemeClr val="bg2">
-                    <a:lumMod val="50000"/>
-                  </a:schemeClr>
-                </a:solidFill>
-                <a:cs typeface="Segoe UI" panose="020B0502040204020203" pitchFamily="34" charset="0"/>
-              </a:rPr>
-              <a:t>Office 365 </a:t>
-            </a:r>
-            <a:r>
-              <a:rPr lang="en-US" sz="1400" dirty="0">
-                <a:solidFill>
-                  <a:schemeClr val="bg2">
-                    <a:lumMod val="50000"/>
-                  </a:schemeClr>
-                </a:solidFill>
-                <a:cs typeface="Segoe UI" panose="020B0502040204020203" pitchFamily="34" charset="0"/>
-              </a:rPr>
-              <a:t>platform.</a:t>
-            </a:r>
+            <a:endParaRPr lang="en-US" sz="1400" dirty="0">
+              <a:solidFill>
+                <a:srgbClr val="797A7D">
+                  <a:lumMod val="50000"/>
+                </a:srgbClr>
+              </a:solidFill>
+              <a:cs typeface="Segoe UI" panose="020B0502040204020203" pitchFamily="34" charset="0"/>
+            </a:endParaRPr>
           </a:p>
           <a:p>
             <a:pPr defTabSz="913951"/>
             <a:endParaRPr lang="en-US" sz="1400" dirty="0">
               <a:solidFill>
-                <a:schemeClr val="bg2">
+                <a:srgbClr val="797A7D">
                   <a:lumMod val="50000"/>
-                </a:schemeClr>
+                </a:srgbClr>
               </a:solidFill>
               <a:cs typeface="Segoe UI" panose="020B0502040204020203" pitchFamily="34" charset="0"/>
             </a:endParaRPr>
@@ -39543,9 +40658,7 @@
             <a:r>
               <a:rPr lang="en-US" sz="1400" dirty="0" smtClean="0">
                 <a:solidFill>
-                  <a:schemeClr val="bg2">
-                    <a:lumMod val="50000"/>
-                  </a:schemeClr>
+                  <a:srgbClr val="797A7D"/>
                 </a:solidFill>
                 <a:cs typeface="Segoe UI" panose="020B0502040204020203" pitchFamily="34" charset="0"/>
               </a:rPr>
@@ -39556,23 +40669,35 @@
             <a:pPr defTabSz="913951"/>
             <a:endParaRPr lang="en-US" sz="1400" dirty="0" smtClean="0">
               <a:solidFill>
-                <a:schemeClr val="bg2">
+                <a:srgbClr val="797A7D">
                   <a:lumMod val="50000"/>
-                </a:schemeClr>
+                </a:srgbClr>
               </a:solidFill>
               <a:cs typeface="Segoe UI" panose="020B0502040204020203" pitchFamily="34" charset="0"/>
             </a:endParaRPr>
           </a:p>
           <a:p>
+            <a:pPr defTabSz="913951"/>
+            <a:endParaRPr lang="en-US" sz="1400" dirty="0" smtClean="0">
+              <a:solidFill>
+                <a:srgbClr val="797A7D">
+                  <a:lumMod val="50000"/>
+                </a:srgbClr>
+              </a:solidFill>
+              <a:cs typeface="Segoe UI" panose="020B0502040204020203" pitchFamily="34" charset="0"/>
+            </a:endParaRPr>
+          </a:p>
+          <a:p>
             <a:pPr marL="342900" indent="-342900" defTabSz="913951">
+              <a:buFontTx/>
               <a:buAutoNum type="arabicPeriod"/>
             </a:pPr>
             <a:r>
               <a:rPr lang="en-US" sz="1400" dirty="0" smtClean="0">
                 <a:solidFill>
-                  <a:schemeClr val="bg2">
+                  <a:srgbClr val="797A7D">
                     <a:lumMod val="50000"/>
-                  </a:schemeClr>
+                  </a:srgbClr>
                 </a:solidFill>
                 <a:cs typeface="Segoe UI" panose="020B0502040204020203" pitchFamily="34" charset="0"/>
               </a:rPr>
@@ -39581,14 +40706,15 @@
           </a:p>
           <a:p>
             <a:pPr marL="342900" indent="-342900" defTabSz="913951">
+              <a:buFontTx/>
               <a:buAutoNum type="arabicPeriod"/>
             </a:pPr>
             <a:r>
               <a:rPr lang="en-US" sz="1400" dirty="0" smtClean="0">
                 <a:solidFill>
-                  <a:schemeClr val="bg2">
+                  <a:srgbClr val="797A7D">
                     <a:lumMod val="50000"/>
-                  </a:schemeClr>
+                  </a:srgbClr>
                 </a:solidFill>
                 <a:cs typeface="Segoe UI" panose="020B0502040204020203" pitchFamily="34" charset="0"/>
               </a:rPr>
@@ -39597,14 +40723,15 @@
           </a:p>
           <a:p>
             <a:pPr marL="342900" indent="-342900" defTabSz="913951">
+              <a:buFontTx/>
               <a:buAutoNum type="arabicPeriod"/>
             </a:pPr>
             <a:r>
               <a:rPr lang="en-US" sz="1400" dirty="0" smtClean="0">
                 <a:solidFill>
-                  <a:schemeClr val="bg2">
+                  <a:srgbClr val="797A7D">
                     <a:lumMod val="50000"/>
-                  </a:schemeClr>
+                  </a:srgbClr>
                 </a:solidFill>
                 <a:cs typeface="Segoe UI" panose="020B0502040204020203" pitchFamily="34" charset="0"/>
               </a:rPr>
@@ -39612,9 +40739,9 @@
             </a:r>
             <a:endParaRPr lang="en-US" sz="1400" dirty="0">
               <a:solidFill>
-                <a:schemeClr val="bg2">
+                <a:srgbClr val="797A7D">
                   <a:lumMod val="50000"/>
-                </a:schemeClr>
+                </a:srgbClr>
               </a:solidFill>
               <a:cs typeface="Segoe UI" panose="020B0502040204020203" pitchFamily="34" charset="0"/>
             </a:endParaRPr>
@@ -39660,9 +40787,7 @@
             <a:r>
               <a:rPr lang="en-US" sz="1400" dirty="0" smtClean="0">
                 <a:solidFill>
-                  <a:schemeClr val="bg2">
-                    <a:lumMod val="50000"/>
-                  </a:schemeClr>
+                  <a:srgbClr val="797A7D"/>
                 </a:solidFill>
                 <a:cs typeface="Segoe UI" panose="020B0502040204020203" pitchFamily="34" charset="0"/>
               </a:rPr>
@@ -39671,11 +40796,22 @@
           </a:p>
           <a:p>
             <a:pPr defTabSz="913951"/>
+            <a:endParaRPr lang="en-US" sz="1400" dirty="0" smtClean="0">
+              <a:solidFill>
+                <a:srgbClr val="797A7D">
+                  <a:lumMod val="50000"/>
+                </a:srgbClr>
+              </a:solidFill>
+              <a:cs typeface="Segoe UI" panose="020B0502040204020203" pitchFamily="34" charset="0"/>
+            </a:endParaRPr>
+          </a:p>
+          <a:p>
+            <a:pPr defTabSz="913951"/>
             <a:endParaRPr lang="en-US" sz="1400" dirty="0">
               <a:solidFill>
-                <a:schemeClr val="bg2">
+                <a:srgbClr val="797A7D">
                   <a:lumMod val="50000"/>
-                </a:schemeClr>
+                </a:srgbClr>
               </a:solidFill>
               <a:cs typeface="Segoe UI" panose="020B0502040204020203" pitchFamily="34" charset="0"/>
             </a:endParaRPr>
@@ -39688,9 +40824,9 @@
             <a:r>
               <a:rPr lang="en-US" sz="1400" dirty="0" smtClean="0">
                 <a:solidFill>
-                  <a:schemeClr val="bg2">
+                  <a:srgbClr val="797A7D">
                     <a:lumMod val="50000"/>
-                  </a:schemeClr>
+                  </a:srgbClr>
                 </a:solidFill>
                 <a:cs typeface="Segoe UI" panose="020B0502040204020203" pitchFamily="34" charset="0"/>
               </a:rPr>
@@ -39705,9 +40841,9 @@
             <a:r>
               <a:rPr lang="en-US" sz="1400" dirty="0" smtClean="0">
                 <a:solidFill>
-                  <a:schemeClr val="bg2">
+                  <a:srgbClr val="797A7D">
                     <a:lumMod val="50000"/>
-                  </a:schemeClr>
+                  </a:srgbClr>
                 </a:solidFill>
                 <a:cs typeface="Segoe UI" panose="020B0502040204020203" pitchFamily="34" charset="0"/>
               </a:rPr>
@@ -39722,9 +40858,9 @@
             <a:r>
               <a:rPr lang="en-US" sz="1400" dirty="0" smtClean="0">
                 <a:solidFill>
-                  <a:schemeClr val="bg2">
+                  <a:srgbClr val="797A7D">
                     <a:lumMod val="50000"/>
-                  </a:schemeClr>
+                  </a:srgbClr>
                 </a:solidFill>
                 <a:cs typeface="Segoe UI" panose="020B0502040204020203" pitchFamily="34" charset="0"/>
               </a:rPr>
@@ -39732,9 +40868,9 @@
             </a:r>
             <a:endParaRPr lang="en-US" sz="1400" dirty="0">
               <a:solidFill>
-                <a:schemeClr val="bg2">
+                <a:srgbClr val="797A7D">
                   <a:lumMod val="50000"/>
-                </a:schemeClr>
+                </a:srgbClr>
               </a:solidFill>
               <a:cs typeface="Segoe UI" panose="020B0502040204020203" pitchFamily="34" charset="0"/>
             </a:endParaRPr>
@@ -39743,20 +40879,23 @@
       </p:sp>
       <p:sp>
         <p:nvSpPr>
-          <p:cNvPr id="23" name="Rectangle 22"/>
+          <p:cNvPr id="4" name="Rectangular Callout 3"/>
           <p:cNvSpPr/>
           <p:nvPr/>
         </p:nvSpPr>
         <p:spPr bwMode="auto">
           <a:xfrm>
-            <a:off x="4441370" y="1340172"/>
-            <a:ext cx="424263" cy="536582"/>
+            <a:off x="8101448" y="682232"/>
+            <a:ext cx="3237112" cy="405264"/>
           </a:xfrm>
-          <a:prstGeom prst="rect">
-            <a:avLst/>
+          <a:prstGeom prst="wedgeRectCallout">
+            <a:avLst>
+              <a:gd name="adj1" fmla="val -32463"/>
+              <a:gd name="adj2" fmla="val 117919"/>
+            </a:avLst>
           </a:prstGeom>
           <a:solidFill>
-            <a:schemeClr val="tx2"/>
+            <a:schemeClr val="bg2"/>
           </a:solidFill>
           <a:ln>
             <a:noFill/>
@@ -39797,7 +40936,7 @@
               </a:spcAft>
             </a:pPr>
             <a:r>
-              <a:rPr lang="en-US" sz="2200" dirty="0">
+              <a:rPr lang="en-US" dirty="0" smtClean="0">
                 <a:gradFill>
                   <a:gsLst>
                     <a:gs pos="0">
@@ -39812,9 +40951,9 @@
                 <a:ea typeface="Segoe UI" pitchFamily="34" charset="0"/>
                 <a:cs typeface="Segoe UI" pitchFamily="34" charset="0"/>
               </a:rPr>
-              <a:t>0</a:t>
-            </a:r>
-            <a:endParaRPr lang="en-US" sz="2200" dirty="0" smtClean="0">
+              <a:t>Currently not used by Contoso</a:t>
+            </a:r>
+            <a:endParaRPr lang="nl-BE" dirty="0" smtClean="0">
               <a:gradFill>
                 <a:gsLst>
                   <a:gs pos="0">
@@ -39832,101 +40971,10 @@
           </a:p>
         </p:txBody>
       </p:sp>
-      <p:sp>
-        <p:nvSpPr>
-          <p:cNvPr id="26" name="Rectangle 25"/>
-          <p:cNvSpPr/>
-          <p:nvPr/>
-        </p:nvSpPr>
-        <p:spPr bwMode="auto">
-          <a:xfrm>
-            <a:off x="6706822" y="1340171"/>
-            <a:ext cx="424263" cy="536582"/>
-          </a:xfrm>
-          <a:prstGeom prst="rect">
-            <a:avLst/>
-          </a:prstGeom>
-          <a:solidFill>
-            <a:schemeClr val="tx2"/>
-          </a:solidFill>
-          <a:ln>
-            <a:noFill/>
-            <a:headEnd type="none" w="med" len="med"/>
-            <a:tailEnd type="none" w="med" len="med"/>
-          </a:ln>
-          <a:effectLst/>
-        </p:spPr>
-        <p:style>
-          <a:lnRef idx="1">
-            <a:schemeClr val="accent2"/>
-          </a:lnRef>
-          <a:fillRef idx="3">
-            <a:schemeClr val="accent2"/>
-          </a:fillRef>
-          <a:effectRef idx="2">
-            <a:schemeClr val="accent2"/>
-          </a:effectRef>
-          <a:fontRef idx="minor">
-            <a:schemeClr val="lt1"/>
-          </a:fontRef>
-        </p:style>
-        <p:txBody>
-          <a:bodyPr rot="0" spcFirstLastPara="0" vertOverflow="overflow" horzOverflow="overflow" vert="horz" wrap="square" lIns="45720" tIns="45720" rIns="45720" bIns="45720" numCol="1" spcCol="0" rtlCol="0" fromWordArt="0" anchor="ctr" anchorCtr="0" forceAA="0" compatLnSpc="1">
-            <a:prstTxWarp prst="textNoShape">
-              <a:avLst/>
-            </a:prstTxWarp>
-            <a:noAutofit/>
-          </a:bodyPr>
-          <a:lstStyle/>
-          <a:p>
-            <a:pPr algn="ctr" defTabSz="914099" fontAlgn="base">
-              <a:spcBef>
-                <a:spcPct val="0"/>
-              </a:spcBef>
-              <a:spcAft>
-                <a:spcPct val="0"/>
-              </a:spcAft>
-            </a:pPr>
-            <a:r>
-              <a:rPr lang="en-US" sz="2200" dirty="0">
-                <a:gradFill>
-                  <a:gsLst>
-                    <a:gs pos="0">
-                      <a:srgbClr val="FFFFFF"/>
-                    </a:gs>
-                    <a:gs pos="100000">
-                      <a:srgbClr val="FFFFFF"/>
-                    </a:gs>
-                  </a:gsLst>
-                  <a:lin ang="5400000" scaled="0"/>
-                </a:gradFill>
-                <a:ea typeface="Segoe UI" pitchFamily="34" charset="0"/>
-                <a:cs typeface="Segoe UI" pitchFamily="34" charset="0"/>
-              </a:rPr>
-              <a:t>0</a:t>
-            </a:r>
-            <a:endParaRPr lang="en-US" sz="2200" dirty="0" smtClean="0">
-              <a:gradFill>
-                <a:gsLst>
-                  <a:gs pos="0">
-                    <a:srgbClr val="FFFFFF"/>
-                  </a:gs>
-                  <a:gs pos="100000">
-                    <a:srgbClr val="FFFFFF"/>
-                  </a:gs>
-                </a:gsLst>
-                <a:lin ang="5400000" scaled="0"/>
-              </a:gradFill>
-              <a:ea typeface="Segoe UI" pitchFamily="34" charset="0"/>
-              <a:cs typeface="Segoe UI" pitchFamily="34" charset="0"/>
-            </a:endParaRPr>
-          </a:p>
-        </p:txBody>
-      </p:sp>
     </p:spTree>
     <p:extLst>
       <p:ext uri="{BB962C8B-B14F-4D97-AF65-F5344CB8AC3E}">
-        <p14:creationId xmlns:p14="http://schemas.microsoft.com/office/powerpoint/2010/main" val="3884629252"/>
+        <p14:creationId xmlns:p14="http://schemas.microsoft.com/office/powerpoint/2010/main" val="1575380972"/>
       </p:ext>
     </p:extLst>
   </p:cSld>
@@ -40015,25 +41063,7 @@
                 </a:solidFill>
                 <a:latin typeface="+mj-lt"/>
               </a:rPr>
-              <a:t>What will be now actually done for the </a:t>
-            </a:r>
-            <a:r>
-              <a:rPr lang="en-US" sz="2400" spc="-70" dirty="0" smtClean="0">
-                <a:solidFill>
-                  <a:schemeClr val="bg1"/>
-                </a:solidFill>
-                <a:latin typeface="+mj-lt"/>
-              </a:rPr>
-              <a:t>Office 365 to </a:t>
-            </a:r>
-            <a:r>
-              <a:rPr lang="en-US" sz="2400" spc="-70" dirty="0" smtClean="0">
-                <a:solidFill>
-                  <a:schemeClr val="bg1"/>
-                </a:solidFill>
-                <a:latin typeface="+mj-lt"/>
-              </a:rPr>
-              <a:t>enable app model based solutions…</a:t>
+              <a:t>What will be now actually done for the Office 365 to enable app model based solutions…</a:t>
             </a:r>
             <a:endParaRPr lang="en-GB" sz="2400" spc="-70" dirty="0" smtClean="0">
               <a:solidFill>
@@ -40129,8 +41159,13 @@
           <a:p>
             <a:r>
               <a:rPr lang="en-US" sz="2800" dirty="0" smtClean="0"/>
-              <a:t>Many of the solutions already heading in right direction with detailed plans to transform the solution to app model</a:t>
-            </a:r>
+              <a:t>Many of the solutions </a:t>
+            </a:r>
+            <a:r>
+              <a:rPr lang="en-US" sz="2800" dirty="0" smtClean="0"/>
+              <a:t>can be transformed to the new App model using proven techniques</a:t>
+            </a:r>
+            <a:endParaRPr lang="en-US" sz="2800" dirty="0" smtClean="0"/>
           </a:p>
           <a:p>
             <a:pPr marL="284162" lvl="1" indent="0">
@@ -40144,8 +41179,13 @@
           <a:p>
             <a:r>
               <a:rPr lang="en-US" sz="2800" dirty="0" smtClean="0"/>
-              <a:t>Only limited set of solutions have been abandoned because they can be implemented using other techniques</a:t>
-            </a:r>
+              <a:t>Only limited set of solutions have been abandoned because they can be implemented using </a:t>
+            </a:r>
+            <a:r>
+              <a:rPr lang="en-US" sz="2800" dirty="0" smtClean="0"/>
+              <a:t>CSOM techniques</a:t>
+            </a:r>
+            <a:endParaRPr lang="en-US" sz="2800" dirty="0" smtClean="0"/>
           </a:p>
           <a:p>
             <a:pPr marL="0" indent="0">
@@ -40184,13 +41224,8 @@
             <a:pPr lvl="1"/>
             <a:r>
               <a:rPr lang="en-US" sz="1600" dirty="0" smtClean="0"/>
-              <a:t>All known requirements can be implemented using the known APIs in the </a:t>
-            </a:r>
-            <a:r>
-              <a:rPr lang="en-US" sz="1600" dirty="0" smtClean="0"/>
-              <a:t>Office 365</a:t>
-            </a:r>
-            <a:endParaRPr lang="en-US" sz="1600" dirty="0" smtClean="0"/>
+              <a:t>All known requirements can be implemented using the known APIs in the Office 365</a:t>
+            </a:r>
           </a:p>
         </p:txBody>
       </p:sp>
@@ -40222,14 +41257,14 @@
                 <a:gridCol w="4229100">
                   <a:extLst>
                     <a:ext uri="{9D8B030D-6E8A-4147-A177-3AD203B41FA5}">
-                      <a16:colId xmlns="" xmlns:a16="http://schemas.microsoft.com/office/drawing/2014/main" val="20000"/>
+                      <a16:colId xmlns:a16="http://schemas.microsoft.com/office/drawing/2014/main" xmlns="" val="20000"/>
                     </a:ext>
                   </a:extLst>
                 </a:gridCol>
                 <a:gridCol w="542926">
                   <a:extLst>
                     <a:ext uri="{9D8B030D-6E8A-4147-A177-3AD203B41FA5}">
-                      <a16:colId xmlns="" xmlns:a16="http://schemas.microsoft.com/office/drawing/2014/main" val="20001"/>
+                      <a16:colId xmlns:a16="http://schemas.microsoft.com/office/drawing/2014/main" xmlns="" val="20001"/>
                     </a:ext>
                   </a:extLst>
                 </a:gridCol>
@@ -40291,7 +41326,7 @@
                 </a:tc>
                 <a:extLst>
                   <a:ext uri="{0D108BD9-81ED-4DB2-BD59-A6C34878D82A}">
-                    <a16:rowId xmlns="" xmlns:a16="http://schemas.microsoft.com/office/drawing/2014/main" val="10000"/>
+                    <a16:rowId xmlns:a16="http://schemas.microsoft.com/office/drawing/2014/main" xmlns="" val="10000"/>
                   </a:ext>
                 </a:extLst>
               </a:tr>
@@ -40361,7 +41396,7 @@
                 </a:tc>
                 <a:extLst>
                   <a:ext uri="{0D108BD9-81ED-4DB2-BD59-A6C34878D82A}">
-                    <a16:rowId xmlns="" xmlns:a16="http://schemas.microsoft.com/office/drawing/2014/main" val="10001"/>
+                    <a16:rowId xmlns:a16="http://schemas.microsoft.com/office/drawing/2014/main" xmlns="" val="10001"/>
                   </a:ext>
                 </a:extLst>
               </a:tr>
@@ -40429,7 +41464,7 @@
                 </a:tc>
                 <a:extLst>
                   <a:ext uri="{0D108BD9-81ED-4DB2-BD59-A6C34878D82A}">
-                    <a16:rowId xmlns="" xmlns:a16="http://schemas.microsoft.com/office/drawing/2014/main" val="10002"/>
+                    <a16:rowId xmlns:a16="http://schemas.microsoft.com/office/drawing/2014/main" xmlns="" val="10002"/>
                   </a:ext>
                 </a:extLst>
               </a:tr>
@@ -40502,7 +41537,7 @@
                 </a:tc>
                 <a:extLst>
                   <a:ext uri="{0D108BD9-81ED-4DB2-BD59-A6C34878D82A}">
-                    <a16:rowId xmlns="" xmlns:a16="http://schemas.microsoft.com/office/drawing/2014/main" val="10003"/>
+                    <a16:rowId xmlns:a16="http://schemas.microsoft.com/office/drawing/2014/main" xmlns="" val="10003"/>
                   </a:ext>
                 </a:extLst>
               </a:tr>
@@ -40584,7 +41619,7 @@
                 </a:tc>
                 <a:extLst>
                   <a:ext uri="{0D108BD9-81ED-4DB2-BD59-A6C34878D82A}">
-                    <a16:rowId xmlns="" xmlns:a16="http://schemas.microsoft.com/office/drawing/2014/main" val="10004"/>
+                    <a16:rowId xmlns:a16="http://schemas.microsoft.com/office/drawing/2014/main" xmlns="" val="10004"/>
                   </a:ext>
                 </a:extLst>
               </a:tr>
@@ -42263,21 +43298,6 @@
 </file>
 
 <file path=customXml/item1.xml><?xml version="1.0" encoding="utf-8"?>
-<?mso-contentType ?>
-<FormTemplates xmlns="http://schemas.microsoft.com/sharepoint/v3/contenttype/forms">
-  <Display>DocumentLibraryForm</Display>
-  <Edit>DocumentLibraryForm</Edit>
-  <New>DocumentLibraryForm</New>
-</FormTemplates>
-</file>
-
-<file path=customXml/item2.xml><?xml version="1.0" encoding="utf-8"?>
-<p:properties xmlns:p="http://schemas.microsoft.com/office/2006/metadata/properties" xmlns:xsi="http://www.w3.org/2001/XMLSchema-instance" xmlns:pc="http://schemas.microsoft.com/office/infopath/2007/PartnerControls">
-  <documentManagement/>
-</p:properties>
-</file>
-
-<file path=customXml/item3.xml><?xml version="1.0" encoding="utf-8"?>
 <ct:contentTypeSchema xmlns:ct="http://schemas.microsoft.com/office/2006/metadata/contentType" xmlns:ma="http://schemas.microsoft.com/office/2006/metadata/properties/metaAttributes" ct:_="" ma:_="" ma:contentTypeName="Document" ma:contentTypeID="0x01010055B2CD89C57E654B9987E9AA8CA4BF0D" ma:contentTypeVersion="0" ma:contentTypeDescription="Create a new document." ma:contentTypeScope="" ma:versionID="18de93eb0ee0f4f315a1ec1a884e13c6">
   <xsd:schema xmlns:xsd="http://www.w3.org/2001/XMLSchema" xmlns:xs="http://www.w3.org/2001/XMLSchema" xmlns:p="http://schemas.microsoft.com/office/2006/metadata/properties" targetNamespace="http://schemas.microsoft.com/office/2006/metadata/properties" ma:root="true" ma:fieldsID="a7c9ea3003598ff63be50cfc9788e6e2">
     <xsd:element name="properties">
@@ -42391,10 +43411,33 @@
 </ct:contentTypeSchema>
 </file>
 
+<file path=customXml/item2.xml><?xml version="1.0" encoding="utf-8"?>
+<p:properties xmlns:p="http://schemas.microsoft.com/office/2006/metadata/properties" xmlns:xsi="http://www.w3.org/2001/XMLSchema-instance" xmlns:pc="http://schemas.microsoft.com/office/infopath/2007/PartnerControls">
+  <documentManagement/>
+</p:properties>
+</file>
+
+<file path=customXml/item3.xml><?xml version="1.0" encoding="utf-8"?>
+<?mso-contentType ?>
+<FormTemplates xmlns="http://schemas.microsoft.com/sharepoint/v3/contenttype/forms">
+  <Display>DocumentLibraryForm</Display>
+  <Edit>DocumentLibraryForm</Edit>
+  <New>DocumentLibraryForm</New>
+</FormTemplates>
+</file>
+
 <file path=customXml/itemProps1.xml><?xml version="1.0" encoding="utf-8"?>
-<ds:datastoreItem xmlns:ds="http://schemas.openxmlformats.org/officeDocument/2006/customXml" ds:itemID="{B4606E04-852E-4880-8CD1-0B186F4087B1}">
+<ds:datastoreItem xmlns:ds="http://schemas.openxmlformats.org/officeDocument/2006/customXml" ds:itemID="{E2F29384-BD65-45EE-AC22-B03A76D49F37}">
   <ds:schemaRefs>
-    <ds:schemaRef ds:uri="http://schemas.microsoft.com/sharepoint/v3/contenttype/forms"/>
+    <ds:schemaRef ds:uri="http://schemas.microsoft.com/office/2006/metadata/contentType"/>
+    <ds:schemaRef ds:uri="http://schemas.microsoft.com/office/2006/metadata/properties/metaAttributes"/>
+    <ds:schemaRef ds:uri="http://www.w3.org/2001/XMLSchema"/>
+    <ds:schemaRef ds:uri="http://schemas.microsoft.com/office/2006/metadata/properties"/>
+    <ds:schemaRef ds:uri="http://schemas.openxmlformats.org/package/2006/metadata/core-properties"/>
+    <ds:schemaRef ds:uri="http://purl.org/dc/elements/1.1/"/>
+    <ds:schemaRef ds:uri="http://purl.org/dc/terms/"/>
+    <ds:schemaRef ds:uri="http://schemas.microsoft.com/internal/obd"/>
+    <ds:schemaRef ds:uri="http://schemas.microsoft.com/office/infopath/2007/PartnerControls"/>
   </ds:schemaRefs>
 </ds:datastoreItem>
 </file>
@@ -42415,17 +43458,9 @@
 </file>
 
 <file path=customXml/itemProps3.xml><?xml version="1.0" encoding="utf-8"?>
-<ds:datastoreItem xmlns:ds="http://schemas.openxmlformats.org/officeDocument/2006/customXml" ds:itemID="{E2F29384-BD65-45EE-AC22-B03A76D49F37}">
+<ds:datastoreItem xmlns:ds="http://schemas.openxmlformats.org/officeDocument/2006/customXml" ds:itemID="{B4606E04-852E-4880-8CD1-0B186F4087B1}">
   <ds:schemaRefs>
-    <ds:schemaRef ds:uri="http://schemas.microsoft.com/office/2006/metadata/contentType"/>
-    <ds:schemaRef ds:uri="http://schemas.microsoft.com/office/2006/metadata/properties/metaAttributes"/>
-    <ds:schemaRef ds:uri="http://www.w3.org/2001/XMLSchema"/>
-    <ds:schemaRef ds:uri="http://schemas.microsoft.com/office/2006/metadata/properties"/>
-    <ds:schemaRef ds:uri="http://schemas.openxmlformats.org/package/2006/metadata/core-properties"/>
-    <ds:schemaRef ds:uri="http://purl.org/dc/elements/1.1/"/>
-    <ds:schemaRef ds:uri="http://purl.org/dc/terms/"/>
-    <ds:schemaRef ds:uri="http://schemas.microsoft.com/internal/obd"/>
-    <ds:schemaRef ds:uri="http://schemas.microsoft.com/office/infopath/2007/PartnerControls"/>
+    <ds:schemaRef ds:uri="http://schemas.microsoft.com/sharepoint/v3/contenttype/forms"/>
   </ds:schemaRefs>
 </ds:datastoreItem>
 </file>
--- a/PnP Transformation Process/Samples/PnP Transformation - Solution Design Report - Contoso.pptx
+++ b/PnP Transformation Process/Samples/PnP Transformation - Solution Design Report - Contoso.pptx
@@ -6,10 +6,10 @@
     <p:sldMasterId id="2147484149" r:id="rId5"/>
   </p:sldMasterIdLst>
   <p:notesMasterIdLst>
-    <p:notesMasterId r:id="rId40"/>
+    <p:notesMasterId r:id="rId41"/>
   </p:notesMasterIdLst>
   <p:handoutMasterIdLst>
-    <p:handoutMasterId r:id="rId41"/>
+    <p:handoutMasterId r:id="rId42"/>
   </p:handoutMasterIdLst>
   <p:sldIdLst>
     <p:sldId id="1242" r:id="rId6"/>
@@ -26,26 +26,27 @@
     <p:sldId id="1333" r:id="rId17"/>
     <p:sldId id="1339" r:id="rId18"/>
     <p:sldId id="1340" r:id="rId19"/>
-    <p:sldId id="1347" r:id="rId20"/>
-    <p:sldId id="1334" r:id="rId21"/>
+    <p:sldId id="1352" r:id="rId20"/>
+    <p:sldId id="1347" r:id="rId21"/>
     <p:sldId id="1335" r:id="rId22"/>
-    <p:sldId id="1343" r:id="rId23"/>
-    <p:sldId id="1336" r:id="rId24"/>
-    <p:sldId id="1309" r:id="rId25"/>
-    <p:sldId id="1351" r:id="rId26"/>
-    <p:sldId id="1311" r:id="rId27"/>
-    <p:sldId id="1313" r:id="rId28"/>
-    <p:sldId id="1312" r:id="rId29"/>
-    <p:sldId id="1314" r:id="rId30"/>
-    <p:sldId id="1302" r:id="rId31"/>
-    <p:sldId id="1315" r:id="rId32"/>
-    <p:sldId id="1321" r:id="rId33"/>
-    <p:sldId id="1322" r:id="rId34"/>
-    <p:sldId id="1317" r:id="rId35"/>
-    <p:sldId id="1316" r:id="rId36"/>
-    <p:sldId id="1318" r:id="rId37"/>
-    <p:sldId id="1275" r:id="rId38"/>
-    <p:sldId id="1184" r:id="rId39"/>
+    <p:sldId id="1334" r:id="rId23"/>
+    <p:sldId id="1343" r:id="rId24"/>
+    <p:sldId id="1336" r:id="rId25"/>
+    <p:sldId id="1309" r:id="rId26"/>
+    <p:sldId id="1351" r:id="rId27"/>
+    <p:sldId id="1311" r:id="rId28"/>
+    <p:sldId id="1313" r:id="rId29"/>
+    <p:sldId id="1312" r:id="rId30"/>
+    <p:sldId id="1314" r:id="rId31"/>
+    <p:sldId id="1302" r:id="rId32"/>
+    <p:sldId id="1315" r:id="rId33"/>
+    <p:sldId id="1321" r:id="rId34"/>
+    <p:sldId id="1322" r:id="rId35"/>
+    <p:sldId id="1317" r:id="rId36"/>
+    <p:sldId id="1316" r:id="rId37"/>
+    <p:sldId id="1318" r:id="rId38"/>
+    <p:sldId id="1275" r:id="rId39"/>
+    <p:sldId id="1184" r:id="rId40"/>
   </p:sldIdLst>
   <p:sldSz cx="12188825" cy="6858000"/>
   <p:notesSz cx="7086600" cy="9372600"/>
@@ -163,9 +164,10 @@
             <p14:sldId id="1333"/>
             <p14:sldId id="1339"/>
             <p14:sldId id="1340"/>
+            <p14:sldId id="1352"/>
             <p14:sldId id="1347"/>
+            <p14:sldId id="1335"/>
             <p14:sldId id="1334"/>
-            <p14:sldId id="1335"/>
             <p14:sldId id="1343"/>
             <p14:sldId id="1336"/>
             <p14:sldId id="1309"/>
@@ -411,7 +413,7 @@
           <a:p>
             <a:fld id="{DE219B1A-AE41-483B-A766-69B9363DDA6A}" type="datetimeFigureOut">
               <a:rPr lang="en-US" smtClean="0"/>
-              <a:t>5/28/2015</a:t>
+              <a:t>6/2/2015</a:t>
             </a:fld>
             <a:endParaRPr lang="en-US"/>
           </a:p>
@@ -620,7 +622,7 @@
           <a:p>
             <a:fld id="{D51B1278-D92B-4AF3-A9C1-71DD298190CE}" type="datetimeFigureOut">
               <a:rPr lang="en-US" smtClean="0"/>
-              <a:t>5/28/2015</a:t>
+              <a:t>6/2/2015</a:t>
             </a:fld>
             <a:endParaRPr lang="en-US"/>
           </a:p>
@@ -1065,7 +1067,7 @@
                 </a:solidFill>
               </a:rPr>
               <a:pPr/>
-              <a:t>5/28/2015</a:t>
+              <a:t>6/2/2015</a:t>
             </a:fld>
             <a:endParaRPr lang="en-US" dirty="0">
               <a:solidFill>
@@ -1328,7 +1330,7 @@
           <a:p>
             <a:fld id="{EE679FBF-1C32-40EC-8A8D-F696D0F011B7}" type="datetime1">
               <a:rPr lang="en-US" smtClean="0"/>
-              <a:t>5/28/2015</a:t>
+              <a:t>6/2/2015</a:t>
             </a:fld>
             <a:endParaRPr lang="en-US"/>
           </a:p>
@@ -1560,9 +1562,9 @@
           <a:bodyPr/>
           <a:lstStyle/>
           <a:p>
-            <a:fld id="{D1138656-1104-4895-916A-3F46DB26BB9D}" type="datetime1">
+            <a:fld id="{EE679FBF-1C32-40EC-8A8D-F696D0F011B7}" type="datetime1">
               <a:rPr lang="en-US" smtClean="0"/>
-              <a:t>5/28/2015</a:t>
+              <a:t>6/2/2015</a:t>
             </a:fld>
             <a:endParaRPr lang="en-US"/>
           </a:p>
@@ -1693,7 +1695,7 @@
     </p:spTree>
     <p:extLst>
       <p:ext uri="{BB962C8B-B14F-4D97-AF65-F5344CB8AC3E}">
-        <p14:creationId xmlns:p14="http://schemas.microsoft.com/office/powerpoint/2010/main" val="154549087"/>
+        <p14:creationId xmlns:p14="http://schemas.microsoft.com/office/powerpoint/2010/main" val="4032935859"/>
       </p:ext>
     </p:extLst>
   </p:cSld>
@@ -1794,9 +1796,9 @@
           <a:bodyPr/>
           <a:lstStyle/>
           <a:p>
-            <a:fld id="{451D34E3-A4EB-4733-B7C0-D045AD3234C1}" type="datetime1">
+            <a:fld id="{D1138656-1104-4895-916A-3F46DB26BB9D}" type="datetime1">
               <a:rPr lang="en-US" smtClean="0"/>
-              <a:t>5/28/2015</a:t>
+              <a:t>6/2/2015</a:t>
             </a:fld>
             <a:endParaRPr lang="en-US"/>
           </a:p>
@@ -1927,7 +1929,7 @@
     </p:spTree>
     <p:extLst>
       <p:ext uri="{BB962C8B-B14F-4D97-AF65-F5344CB8AC3E}">
-        <p14:creationId xmlns:p14="http://schemas.microsoft.com/office/powerpoint/2010/main" val="3616709153"/>
+        <p14:creationId xmlns:p14="http://schemas.microsoft.com/office/powerpoint/2010/main" val="154549087"/>
       </p:ext>
     </p:extLst>
   </p:cSld>
@@ -2035,7 +2037,7 @@
                 </a:solidFill>
               </a:rPr>
               <a:pPr/>
-              <a:t>5/28/2015</a:t>
+              <a:t>6/2/2015</a:t>
             </a:fld>
             <a:endParaRPr lang="en-US">
               <a:solidFill>
@@ -2288,9 +2290,9 @@
           <a:bodyPr/>
           <a:lstStyle/>
           <a:p>
-            <a:fld id="{AA3AF75D-25C3-42E7-9971-69168E23937F}" type="datetime1">
+            <a:fld id="{451D34E3-A4EB-4733-B7C0-D045AD3234C1}" type="datetime1">
               <a:rPr lang="en-US" smtClean="0"/>
-              <a:t>5/28/2015</a:t>
+              <a:t>6/2/2015</a:t>
             </a:fld>
             <a:endParaRPr lang="en-US"/>
           </a:p>
@@ -2421,7 +2423,7 @@
     </p:spTree>
     <p:extLst>
       <p:ext uri="{BB962C8B-B14F-4D97-AF65-F5344CB8AC3E}">
-        <p14:creationId xmlns:p14="http://schemas.microsoft.com/office/powerpoint/2010/main" val="2889601872"/>
+        <p14:creationId xmlns:p14="http://schemas.microsoft.com/office/powerpoint/2010/main" val="3616709153"/>
       </p:ext>
     </p:extLst>
   </p:cSld>
@@ -2475,10 +2477,34 @@
           <a:bodyPr/>
           <a:lstStyle/>
           <a:p>
+            <a:pPr marL="0" marR="0" indent="0" algn="l" defTabSz="914363" rtl="0" eaLnBrk="1" fontAlgn="auto" latinLnBrk="0" hangingPunct="1">
+              <a:lnSpc>
+                <a:spcPct val="90000"/>
+              </a:lnSpc>
+              <a:spcBef>
+                <a:spcPts val="0"/>
+              </a:spcBef>
+              <a:spcAft>
+                <a:spcPts val="333"/>
+              </a:spcAft>
+              <a:buClrTx/>
+              <a:buSzTx/>
+              <a:buFontTx/>
+              <a:buNone/>
+              <a:tabLst/>
+              <a:defRPr/>
+            </a:pPr>
             <a:r>
               <a:rPr lang="en-NZ" dirty="0" smtClean="0"/>
-              <a:t>CDN – Content Delivery Network</a:t>
-            </a:r>
+              <a:t>The</a:t>
+            </a:r>
+            <a:r>
+              <a:rPr lang="en-NZ" baseline="0" dirty="0" smtClean="0"/>
+              <a:t> team responsible for transforming the solution has been identified in the “Owner” section.</a:t>
+            </a:r>
+            <a:endParaRPr lang="en-NZ" dirty="0" smtClean="0"/>
+          </a:p>
+          <a:p>
             <a:endParaRPr lang="en-NZ" dirty="0"/>
           </a:p>
         </p:txBody>
@@ -2498,20 +2524,11 @@
           <a:bodyPr/>
           <a:lstStyle/>
           <a:p>
-            <a:fld id="{309E6654-814A-4856-A67A-9683B5A2AE45}" type="datetime1">
-              <a:rPr lang="en-US" smtClean="0">
-                <a:solidFill>
-                  <a:prstClr val="black"/>
-                </a:solidFill>
-              </a:rPr>
-              <a:pPr/>
-              <a:t>5/28/2015</a:t>
+            <a:fld id="{AA3AF75D-25C3-42E7-9971-69168E23937F}" type="datetime1">
+              <a:rPr lang="en-US" smtClean="0"/>
+              <a:t>6/2/2015</a:t>
             </a:fld>
-            <a:endParaRPr lang="en-US">
-              <a:solidFill>
-                <a:prstClr val="black"/>
-              </a:solidFill>
-            </a:endParaRPr>
+            <a:endParaRPr lang="en-US"/>
           </a:p>
         </p:txBody>
       </p:sp>
@@ -2531,19 +2548,10 @@
           <a:lstStyle/>
           <a:p>
             <a:fld id="{B4008EB6-D09E-4580-8CD6-DDB14511944F}" type="slidenum">
-              <a:rPr lang="en-US" smtClean="0">
-                <a:solidFill>
-                  <a:prstClr val="black"/>
-                </a:solidFill>
-              </a:rPr>
-              <a:pPr/>
-              <a:t>21</a:t>
+              <a:rPr lang="en-US" smtClean="0"/>
+              <a:t>19</a:t>
             </a:fld>
-            <a:endParaRPr lang="en-US" dirty="0">
-              <a:solidFill>
-                <a:prstClr val="black"/>
-              </a:solidFill>
-            </a:endParaRPr>
+            <a:endParaRPr lang="en-US" dirty="0"/>
           </a:p>
         </p:txBody>
       </p:sp>
@@ -2563,18 +2571,10 @@
           <a:lstStyle/>
           <a:p>
             <a:r>
-              <a:rPr lang="en-US" smtClean="0">
-                <a:solidFill>
-                  <a:prstClr val="black"/>
-                </a:solidFill>
-              </a:rPr>
+              <a:rPr lang="en-US" smtClean="0"/>
               <a:t>Microsoft Office</a:t>
             </a:r>
-            <a:endParaRPr lang="en-US" dirty="0">
-              <a:solidFill>
-                <a:prstClr val="black"/>
-              </a:solidFill>
-            </a:endParaRPr>
+            <a:endParaRPr lang="en-US" dirty="0"/>
           </a:p>
         </p:txBody>
       </p:sp>
@@ -2599,10 +2599,10 @@
                 <a:gradFill>
                   <a:gsLst>
                     <a:gs pos="0">
-                      <a:prstClr val="black"/>
+                      <a:schemeClr val="tx1"/>
                     </a:gs>
                     <a:gs pos="100000">
-                      <a:prstClr val="black"/>
+                      <a:schemeClr val="tx1"/>
                     </a:gs>
                   </a:gsLst>
                   <a:lin ang="5400000" scaled="0"/>
@@ -2621,10 +2621,10 @@
                 <a:gradFill>
                   <a:gsLst>
                     <a:gs pos="0">
-                      <a:prstClr val="black"/>
+                      <a:schemeClr val="tx1"/>
                     </a:gs>
                     <a:gs pos="100000">
-                      <a:prstClr val="black"/>
+                      <a:schemeClr val="tx1"/>
                     </a:gs>
                   </a:gsLst>
                   <a:lin ang="5400000" scaled="0"/>
@@ -2639,10 +2639,10 @@
               <a:gradFill>
                 <a:gsLst>
                   <a:gs pos="0">
-                    <a:prstClr val="black"/>
+                    <a:schemeClr val="tx1"/>
                   </a:gs>
                   <a:gs pos="100000">
-                    <a:prstClr val="black"/>
+                    <a:schemeClr val="tx1"/>
                   </a:gs>
                 </a:gsLst>
                 <a:lin ang="5400000" scaled="0"/>
@@ -2657,7 +2657,7 @@
     </p:spTree>
     <p:extLst>
       <p:ext uri="{BB962C8B-B14F-4D97-AF65-F5344CB8AC3E}">
-        <p14:creationId xmlns:p14="http://schemas.microsoft.com/office/powerpoint/2010/main" val="1952288790"/>
+        <p14:creationId xmlns:p14="http://schemas.microsoft.com/office/powerpoint/2010/main" val="2889601872"/>
       </p:ext>
     </p:extLst>
   </p:cSld>
@@ -2711,7 +2711,11 @@
           <a:bodyPr/>
           <a:lstStyle/>
           <a:p>
-            <a:endParaRPr lang="en-GB"/>
+            <a:r>
+              <a:rPr lang="en-NZ" dirty="0" smtClean="0"/>
+              <a:t>CDN – Content Delivery Network</a:t>
+            </a:r>
+            <a:endParaRPr lang="en-NZ" dirty="0"/>
           </a:p>
         </p:txBody>
       </p:sp>
@@ -2730,11 +2734,20 @@
           <a:bodyPr/>
           <a:lstStyle/>
           <a:p>
-            <a:fld id="{0B49ECD6-2B5F-4BFE-A8F3-6C5940E5A932}" type="datetime1">
-              <a:rPr lang="en-US" smtClean="0"/>
-              <a:t>5/28/2015</a:t>
+            <a:fld id="{309E6654-814A-4856-A67A-9683B5A2AE45}" type="datetime1">
+              <a:rPr lang="en-US" smtClean="0">
+                <a:solidFill>
+                  <a:prstClr val="black"/>
+                </a:solidFill>
+              </a:rPr>
+              <a:pPr/>
+              <a:t>6/2/2015</a:t>
             </a:fld>
-            <a:endParaRPr lang="en-US"/>
+            <a:endParaRPr lang="en-US">
+              <a:solidFill>
+                <a:prstClr val="black"/>
+              </a:solidFill>
+            </a:endParaRPr>
           </a:p>
         </p:txBody>
       </p:sp>
@@ -2754,10 +2767,19 @@
           <a:lstStyle/>
           <a:p>
             <a:fld id="{B4008EB6-D09E-4580-8CD6-DDB14511944F}" type="slidenum">
-              <a:rPr lang="en-US" smtClean="0"/>
+              <a:rPr lang="en-US" smtClean="0">
+                <a:solidFill>
+                  <a:prstClr val="black"/>
+                </a:solidFill>
+              </a:rPr>
+              <a:pPr/>
               <a:t>22</a:t>
             </a:fld>
-            <a:endParaRPr lang="en-US" dirty="0"/>
+            <a:endParaRPr lang="en-US" dirty="0">
+              <a:solidFill>
+                <a:prstClr val="black"/>
+              </a:solidFill>
+            </a:endParaRPr>
           </a:p>
         </p:txBody>
       </p:sp>
@@ -2777,10 +2799,18 @@
           <a:lstStyle/>
           <a:p>
             <a:r>
-              <a:rPr lang="en-US" smtClean="0"/>
+              <a:rPr lang="en-US" smtClean="0">
+                <a:solidFill>
+                  <a:prstClr val="black"/>
+                </a:solidFill>
+              </a:rPr>
               <a:t>Microsoft Office</a:t>
             </a:r>
-            <a:endParaRPr lang="en-US" dirty="0"/>
+            <a:endParaRPr lang="en-US" dirty="0">
+              <a:solidFill>
+                <a:prstClr val="black"/>
+              </a:solidFill>
+            </a:endParaRPr>
           </a:p>
         </p:txBody>
       </p:sp>
@@ -2805,10 +2835,10 @@
                 <a:gradFill>
                   <a:gsLst>
                     <a:gs pos="0">
-                      <a:schemeClr val="tx1"/>
+                      <a:prstClr val="black"/>
                     </a:gs>
                     <a:gs pos="100000">
-                      <a:schemeClr val="tx1"/>
+                      <a:prstClr val="black"/>
                     </a:gs>
                   </a:gsLst>
                   <a:lin ang="5400000" scaled="0"/>
@@ -2827,10 +2857,10 @@
                 <a:gradFill>
                   <a:gsLst>
                     <a:gs pos="0">
-                      <a:schemeClr val="tx1"/>
+                      <a:prstClr val="black"/>
                     </a:gs>
                     <a:gs pos="100000">
-                      <a:schemeClr val="tx1"/>
+                      <a:prstClr val="black"/>
                     </a:gs>
                   </a:gsLst>
                   <a:lin ang="5400000" scaled="0"/>
@@ -2845,10 +2875,10 @@
               <a:gradFill>
                 <a:gsLst>
                   <a:gs pos="0">
-                    <a:schemeClr val="tx1"/>
+                    <a:prstClr val="black"/>
                   </a:gs>
                   <a:gs pos="100000">
-                    <a:schemeClr val="tx1"/>
+                    <a:prstClr val="black"/>
                   </a:gs>
                 </a:gsLst>
                 <a:lin ang="5400000" scaled="0"/>
@@ -2863,7 +2893,7 @@
     </p:spTree>
     <p:extLst>
       <p:ext uri="{BB962C8B-B14F-4D97-AF65-F5344CB8AC3E}">
-        <p14:creationId xmlns:p14="http://schemas.microsoft.com/office/powerpoint/2010/main" val="1866993919"/>
+        <p14:creationId xmlns:p14="http://schemas.microsoft.com/office/powerpoint/2010/main" val="1952288790"/>
       </p:ext>
     </p:extLst>
   </p:cSld>
@@ -2917,6 +2947,212 @@
           <a:bodyPr/>
           <a:lstStyle/>
           <a:p>
+            <a:endParaRPr lang="en-GB"/>
+          </a:p>
+        </p:txBody>
+      </p:sp>
+      <p:sp>
+        <p:nvSpPr>
+          <p:cNvPr id="4" name="Date Placeholder 3"/>
+          <p:cNvSpPr>
+            <a:spLocks noGrp="1"/>
+          </p:cNvSpPr>
+          <p:nvPr>
+            <p:ph type="dt" idx="10"/>
+          </p:nvPr>
+        </p:nvSpPr>
+        <p:spPr/>
+        <p:txBody>
+          <a:bodyPr/>
+          <a:lstStyle/>
+          <a:p>
+            <a:fld id="{0B49ECD6-2B5F-4BFE-A8F3-6C5940E5A932}" type="datetime1">
+              <a:rPr lang="en-US" smtClean="0"/>
+              <a:t>6/2/2015</a:t>
+            </a:fld>
+            <a:endParaRPr lang="en-US"/>
+          </a:p>
+        </p:txBody>
+      </p:sp>
+      <p:sp>
+        <p:nvSpPr>
+          <p:cNvPr id="5" name="Slide Number Placeholder 4"/>
+          <p:cNvSpPr>
+            <a:spLocks noGrp="1"/>
+          </p:cNvSpPr>
+          <p:nvPr>
+            <p:ph type="sldNum" sz="quarter" idx="11"/>
+          </p:nvPr>
+        </p:nvSpPr>
+        <p:spPr/>
+        <p:txBody>
+          <a:bodyPr/>
+          <a:lstStyle/>
+          <a:p>
+            <a:fld id="{B4008EB6-D09E-4580-8CD6-DDB14511944F}" type="slidenum">
+              <a:rPr lang="en-US" smtClean="0"/>
+              <a:t>23</a:t>
+            </a:fld>
+            <a:endParaRPr lang="en-US" dirty="0"/>
+          </a:p>
+        </p:txBody>
+      </p:sp>
+      <p:sp>
+        <p:nvSpPr>
+          <p:cNvPr id="6" name="Header Placeholder 5"/>
+          <p:cNvSpPr>
+            <a:spLocks noGrp="1"/>
+          </p:cNvSpPr>
+          <p:nvPr>
+            <p:ph type="hdr" sz="quarter" idx="12"/>
+          </p:nvPr>
+        </p:nvSpPr>
+        <p:spPr/>
+        <p:txBody>
+          <a:bodyPr/>
+          <a:lstStyle/>
+          <a:p>
+            <a:r>
+              <a:rPr lang="en-US" smtClean="0"/>
+              <a:t>Microsoft Office</a:t>
+            </a:r>
+            <a:endParaRPr lang="en-US" dirty="0"/>
+          </a:p>
+        </p:txBody>
+      </p:sp>
+      <p:sp>
+        <p:nvSpPr>
+          <p:cNvPr id="7" name="Footer Placeholder 6"/>
+          <p:cNvSpPr>
+            <a:spLocks noGrp="1"/>
+          </p:cNvSpPr>
+          <p:nvPr>
+            <p:ph type="ftr" sz="quarter" idx="13"/>
+          </p:nvPr>
+        </p:nvSpPr>
+        <p:spPr/>
+        <p:txBody>
+          <a:bodyPr/>
+          <a:lstStyle/>
+          <a:p>
+            <a:pPr marL="238375" defTabSz="940130" eaLnBrk="0" hangingPunct="0"/>
+            <a:r>
+              <a:rPr lang="en-US" sz="500" smtClean="0">
+                <a:gradFill>
+                  <a:gsLst>
+                    <a:gs pos="0">
+                      <a:schemeClr val="tx1"/>
+                    </a:gs>
+                    <a:gs pos="100000">
+                      <a:schemeClr val="tx1"/>
+                    </a:gs>
+                  </a:gsLst>
+                  <a:lin ang="5400000" scaled="0"/>
+                </a:gradFill>
+                <a:latin typeface="Segoe UI" pitchFamily="34" charset="0"/>
+                <a:ea typeface="Segoe UI" pitchFamily="34" charset="0"/>
+                <a:cs typeface="Segoe UI" pitchFamily="34" charset="0"/>
+              </a:rPr>
+              <a:t>© 2012 Microsoft Corporation. All rights reserved. Microsoft, Windows, and other product names are or may be registered trademarks and/or trademarks in the U.S. and/or other countries.</a:t>
+            </a:r>
+          </a:p>
+          <a:p>
+            <a:pPr marL="238375" defTabSz="940130" eaLnBrk="0" hangingPunct="0"/>
+            <a:r>
+              <a:rPr lang="en-US" sz="500" smtClean="0">
+                <a:gradFill>
+                  <a:gsLst>
+                    <a:gs pos="0">
+                      <a:schemeClr val="tx1"/>
+                    </a:gs>
+                    <a:gs pos="100000">
+                      <a:schemeClr val="tx1"/>
+                    </a:gs>
+                  </a:gsLst>
+                  <a:lin ang="5400000" scaled="0"/>
+                </a:gradFill>
+                <a:latin typeface="Segoe UI" pitchFamily="34" charset="0"/>
+                <a:ea typeface="Segoe UI" pitchFamily="34" charset="0"/>
+                <a:cs typeface="Segoe UI" pitchFamily="34" charset="0"/>
+              </a:rPr>
+              <a:t>The information herein is for informational purposes only and represents the current view of Microsoft Corporation as of the date of this presentation.  Because Microsoft must respond to changing market conditions, it should not be interpreted to be a commitment on the part of Microsoft, and Microsoft cannot guarantee the accuracy of any information provided after the date of this presentation.  MICROSOFT MAKES NO WARRANTIES, EXPRESS, IMPLIED OR STATUTORY, AS TO THE INFORMATION IN THIS PRESENTATION.</a:t>
+            </a:r>
+            <a:endParaRPr lang="en-US" sz="500" dirty="0">
+              <a:gradFill>
+                <a:gsLst>
+                  <a:gs pos="0">
+                    <a:schemeClr val="tx1"/>
+                  </a:gs>
+                  <a:gs pos="100000">
+                    <a:schemeClr val="tx1"/>
+                  </a:gs>
+                </a:gsLst>
+                <a:lin ang="5400000" scaled="0"/>
+              </a:gradFill>
+              <a:latin typeface="Segoe UI" pitchFamily="34" charset="0"/>
+              <a:ea typeface="Segoe UI" pitchFamily="34" charset="0"/>
+              <a:cs typeface="Segoe UI" pitchFamily="34" charset="0"/>
+            </a:endParaRPr>
+          </a:p>
+        </p:txBody>
+      </p:sp>
+    </p:spTree>
+    <p:extLst>
+      <p:ext uri="{BB962C8B-B14F-4D97-AF65-F5344CB8AC3E}">
+        <p14:creationId xmlns:p14="http://schemas.microsoft.com/office/powerpoint/2010/main" val="1866993919"/>
+      </p:ext>
+    </p:extLst>
+  </p:cSld>
+  <p:clrMapOvr>
+    <a:masterClrMapping/>
+  </p:clrMapOvr>
+</p:notes>
+</file>
+
+<file path=ppt/notesSlides/notesSlide18.xml><?xml version="1.0" encoding="utf-8"?>
+<p:notes xmlns:a="http://schemas.openxmlformats.org/drawingml/2006/main" xmlns:r="http://schemas.openxmlformats.org/officeDocument/2006/relationships" xmlns:p="http://schemas.openxmlformats.org/presentationml/2006/main">
+  <p:cSld>
+    <p:spTree>
+      <p:nvGrpSpPr>
+        <p:cNvPr id="1" name=""/>
+        <p:cNvGrpSpPr/>
+        <p:nvPr/>
+      </p:nvGrpSpPr>
+      <p:grpSpPr>
+        <a:xfrm>
+          <a:off x="0" y="0"/>
+          <a:ext cx="0" cy="0"/>
+          <a:chOff x="0" y="0"/>
+          <a:chExt cx="0" cy="0"/>
+        </a:xfrm>
+      </p:grpSpPr>
+      <p:sp>
+        <p:nvSpPr>
+          <p:cNvPr id="2" name="Slide Image Placeholder 1"/>
+          <p:cNvSpPr>
+            <a:spLocks noGrp="1" noRot="1" noChangeAspect="1"/>
+          </p:cNvSpPr>
+          <p:nvPr>
+            <p:ph type="sldImg"/>
+          </p:nvPr>
+        </p:nvSpPr>
+        <p:spPr/>
+      </p:sp>
+      <p:sp>
+        <p:nvSpPr>
+          <p:cNvPr id="3" name="Notes Placeholder 2"/>
+          <p:cNvSpPr>
+            <a:spLocks noGrp="1"/>
+          </p:cNvSpPr>
+          <p:nvPr>
+            <p:ph type="body" idx="1"/>
+          </p:nvPr>
+        </p:nvSpPr>
+        <p:spPr/>
+        <p:txBody>
+          <a:bodyPr/>
+          <a:lstStyle/>
+          <a:p>
             <a:endParaRPr lang="en-US" baseline="0" dirty="0" smtClean="0"/>
           </a:p>
         </p:txBody>
@@ -2946,7 +3182,7 @@
           <a:p>
             <a:fld id="{69A3D4EF-FC77-4542-8C22-63DD037305B0}" type="slidenum">
               <a:rPr lang="en-US" smtClean="0"/>
-              <a:t>27</a:t>
+              <a:t>28</a:t>
             </a:fld>
             <a:endParaRPr lang="en-US" dirty="0"/>
           </a:p>
@@ -2965,7 +3201,7 @@
 </p:notes>
 </file>
 
-<file path=ppt/notesSlides/notesSlide18.xml><?xml version="1.0" encoding="utf-8"?>
+<file path=ppt/notesSlides/notesSlide19.xml><?xml version="1.0" encoding="utf-8"?>
 <p:notes xmlns:a="http://schemas.openxmlformats.org/drawingml/2006/main" xmlns:r="http://schemas.openxmlformats.org/officeDocument/2006/relationships" xmlns:p="http://schemas.openxmlformats.org/presentationml/2006/main">
   <p:cSld>
     <p:spTree>
@@ -3061,7 +3297,7 @@
                 </a:solidFill>
               </a:rPr>
               <a:pPr/>
-              <a:t>5/28/2015</a:t>
+              <a:t>6/2/2015</a:t>
             </a:fld>
             <a:endParaRPr lang="en-US" dirty="0">
               <a:solidFill>
@@ -3170,7 +3406,7 @@
                 </a:solidFill>
               </a:rPr>
               <a:pPr/>
-              <a:t>34</a:t>
+              <a:t>35</a:t>
             </a:fld>
             <a:endParaRPr lang="en-US" dirty="0">
               <a:solidFill>
@@ -3310,7 +3546,7 @@
                 </a:solidFill>
               </a:rPr>
               <a:pPr/>
-              <a:t>5/28/2015</a:t>
+              <a:t>6/2/2015</a:t>
             </a:fld>
             <a:endParaRPr lang="en-US">
               <a:solidFill>
@@ -3550,7 +3786,7 @@
                 </a:solidFill>
               </a:rPr>
               <a:pPr/>
-              <a:t>5/28/2015</a:t>
+              <a:t>6/2/2015</a:t>
             </a:fld>
             <a:endParaRPr lang="en-US">
               <a:solidFill>
@@ -3773,19 +4009,11 @@
           <a:p>
             <a:r>
               <a:rPr lang="en-NZ" dirty="0" smtClean="0"/>
-              <a:t>From the </a:t>
-            </a:r>
-            <a:r>
-              <a:rPr lang="en-NZ" dirty="0" smtClean="0"/>
-              <a:t>kick-off</a:t>
+              <a:t>From the kick-off</a:t>
             </a:r>
             <a:r>
               <a:rPr lang="en-NZ" baseline="0" dirty="0" smtClean="0"/>
-              <a:t> </a:t>
-            </a:r>
-            <a:r>
-              <a:rPr lang="en-NZ" baseline="0" dirty="0" smtClean="0"/>
-              <a:t>meeting we have gathered that </a:t>
+              <a:t> meeting we have gathered that </a:t>
             </a:r>
             <a:r>
               <a:rPr lang="en-NZ" dirty="0" smtClean="0"/>
@@ -3829,7 +4057,7 @@
           <a:p>
             <a:fld id="{152427C8-1870-4D04-BF1C-4B85DC18AB6D}" type="datetime1">
               <a:rPr lang="en-US" smtClean="0"/>
-              <a:t>5/28/2015</a:t>
+              <a:t>6/2/2015</a:t>
             </a:fld>
             <a:endParaRPr lang="en-US"/>
           </a:p>
@@ -4039,7 +4267,7 @@
           <a:p>
             <a:fld id="{094F81B1-FE33-4866-9415-4EA33D10F9E8}" type="datetime1">
               <a:rPr lang="en-US" smtClean="0"/>
-              <a:t>5/28/2015</a:t>
+              <a:t>6/2/2015</a:t>
             </a:fld>
             <a:endParaRPr lang="en-US"/>
           </a:p>
@@ -4253,7 +4481,7 @@
           <a:p>
             <a:fld id="{D1138656-1104-4895-916A-3F46DB26BB9D}" type="datetime1">
               <a:rPr lang="en-US" smtClean="0"/>
-              <a:t>5/28/2015</a:t>
+              <a:t>6/2/2015</a:t>
             </a:fld>
             <a:endParaRPr lang="en-US"/>
           </a:p>
@@ -4487,7 +4715,7 @@
           <a:p>
             <a:fld id="{AE18C4A6-F14F-41E5-9C64-E690240F93F9}" type="datetime1">
               <a:rPr lang="en-US" smtClean="0"/>
-              <a:t>5/28/2015</a:t>
+              <a:t>6/2/2015</a:t>
             </a:fld>
             <a:endParaRPr lang="en-US"/>
           </a:p>
@@ -4726,7 +4954,7 @@
                 </a:solidFill>
               </a:rPr>
               <a:pPr/>
-              <a:t>5/28/2015</a:t>
+              <a:t>6/2/2015</a:t>
             </a:fld>
             <a:endParaRPr lang="en-US">
               <a:solidFill>
@@ -4981,7 +5209,7 @@
           <a:p>
             <a:fld id="{8E807F05-A7DA-4BF4-B992-4D1E30BA3021}" type="datetime1">
               <a:rPr lang="en-US" smtClean="0"/>
-              <a:t>5/28/2015</a:t>
+              <a:t>6/2/2015</a:t>
             </a:fld>
             <a:endParaRPr lang="en-US"/>
           </a:p>
@@ -16131,20 +16359,17 @@
           </a:p>
           <a:p>
             <a:pPr lvl="1"/>
+            <a:endParaRPr lang="en-US" sz="1800" dirty="0"/>
+          </a:p>
+          <a:p>
+            <a:pPr lvl="2"/>
             <a:r>
               <a:rPr lang="en-US" sz="1800" dirty="0" smtClean="0"/>
-              <a:t>Typical </a:t>
-            </a:r>
-            <a:r>
-              <a:rPr lang="en-US" sz="1800" dirty="0"/>
-              <a:t>Intranet features:</a:t>
-            </a:r>
-          </a:p>
-          <a:p>
-            <a:pPr lvl="2"/>
+              <a:t>Roll </a:t>
+            </a:r>
             <a:r>
               <a:rPr lang="en-US" sz="1800" dirty="0" smtClean="0"/>
-              <a:t>Rolls up </a:t>
+              <a:t>up </a:t>
             </a:r>
             <a:r>
               <a:rPr lang="en-US" sz="1800" dirty="0"/>
@@ -16152,14 +16377,31 @@
             </a:r>
             <a:r>
               <a:rPr lang="en-US" sz="1800" dirty="0" smtClean="0"/>
-              <a:t>afety news items from various sites and sub-sites</a:t>
-            </a:r>
+              <a:t>afety news </a:t>
+            </a:r>
+            <a:r>
+              <a:rPr lang="en-US" sz="1800" dirty="0" smtClean="0"/>
+              <a:t>from all </a:t>
+            </a:r>
+            <a:r>
+              <a:rPr lang="en-US" sz="1800" dirty="0" smtClean="0"/>
+              <a:t>sites and </a:t>
+            </a:r>
+            <a:r>
+              <a:rPr lang="en-US" sz="1800" dirty="0" smtClean="0"/>
+              <a:t>sub-sites within a site collection</a:t>
+            </a:r>
+            <a:endParaRPr lang="en-US" sz="1800" dirty="0" smtClean="0"/>
           </a:p>
           <a:p>
             <a:pPr lvl="2"/>
             <a:r>
               <a:rPr lang="en-US" sz="1800" dirty="0" smtClean="0"/>
-              <a:t>Providing a mobile friendly view of the news item when accessed from mobile devices.</a:t>
+              <a:t>Provide </a:t>
+            </a:r>
+            <a:r>
+              <a:rPr lang="en-US" sz="1800" dirty="0" smtClean="0"/>
+              <a:t>a mobile friendly view of the news item when accessed from mobile devices.</a:t>
             </a:r>
             <a:endParaRPr lang="en-US" sz="1800" dirty="0"/>
           </a:p>
@@ -16451,7 +16693,7 @@
                 <a:gridCol w="2373524">
                   <a:extLst>
                     <a:ext uri="{9D8B030D-6E8A-4147-A177-3AD203B41FA5}">
-                      <a16:colId xmlns:a16="http://schemas.microsoft.com/office/drawing/2014/main" xmlns="" val="20000"/>
+                      <a16:colId xmlns="" xmlns:a16="http://schemas.microsoft.com/office/drawing/2014/main" val="20000"/>
                     </a:ext>
                   </a:extLst>
                 </a:gridCol>
@@ -16514,7 +16756,7 @@
                 </a:tc>
                 <a:extLst>
                   <a:ext uri="{0D108BD9-81ED-4DB2-BD59-A6C34878D82A}">
-                    <a16:rowId xmlns:a16="http://schemas.microsoft.com/office/drawing/2014/main" xmlns="" val="10000"/>
+                    <a16:rowId xmlns="" xmlns:a16="http://schemas.microsoft.com/office/drawing/2014/main" val="10000"/>
                   </a:ext>
                 </a:extLst>
               </a:tr>
@@ -16575,7 +16817,7 @@
                 </a:tc>
                 <a:extLst>
                   <a:ext uri="{0D108BD9-81ED-4DB2-BD59-A6C34878D82A}">
-                    <a16:rowId xmlns:a16="http://schemas.microsoft.com/office/drawing/2014/main" xmlns="" val="10001"/>
+                    <a16:rowId xmlns="" xmlns:a16="http://schemas.microsoft.com/office/drawing/2014/main" val="10001"/>
                   </a:ext>
                 </a:extLst>
               </a:tr>
@@ -16645,7 +16887,7 @@
                 </a:tc>
                 <a:extLst>
                   <a:ext uri="{0D108BD9-81ED-4DB2-BD59-A6C34878D82A}">
-                    <a16:rowId xmlns:a16="http://schemas.microsoft.com/office/drawing/2014/main" xmlns="" val="10002"/>
+                    <a16:rowId xmlns="" xmlns:a16="http://schemas.microsoft.com/office/drawing/2014/main" val="10002"/>
                   </a:ext>
                 </a:extLst>
               </a:tr>
@@ -16723,7 +16965,7 @@
                 </a:tc>
                 <a:extLst>
                   <a:ext uri="{0D108BD9-81ED-4DB2-BD59-A6C34878D82A}">
-                    <a16:rowId xmlns:a16="http://schemas.microsoft.com/office/drawing/2014/main" xmlns="" val="10007"/>
+                    <a16:rowId xmlns="" xmlns:a16="http://schemas.microsoft.com/office/drawing/2014/main" val="10007"/>
                   </a:ext>
                 </a:extLst>
               </a:tr>
@@ -16781,7 +17023,7 @@
         <p:spPr>
           <a:xfrm>
             <a:off x="3173504" y="4436317"/>
-            <a:ext cx="8494619" cy="1822037"/>
+            <a:ext cx="8494619" cy="2160591"/>
           </a:xfrm>
           <a:prstGeom prst="rect">
             <a:avLst/>
@@ -16840,39 +17082,7 @@
                   <a:lin ang="5400000" scaled="0"/>
                 </a:gradFill>
               </a:rPr>
-              <a:t>Safety news will be </a:t>
-            </a:r>
-            <a:r>
-              <a:rPr lang="en-US" sz="2000" dirty="0" smtClean="0">
-                <a:gradFill>
-                  <a:gsLst>
-                    <a:gs pos="1250">
-                      <a:srgbClr val="797A7D"/>
-                    </a:gs>
-                    <a:gs pos="100000">
-                      <a:srgbClr val="797A7D"/>
-                    </a:gs>
-                  </a:gsLst>
-                  <a:lin ang="5400000" scaled="0"/>
-                </a:gradFill>
-              </a:rPr>
-              <a:t>created as </a:t>
-            </a:r>
-            <a:r>
-              <a:rPr lang="en-US" sz="2000" dirty="0" smtClean="0">
-                <a:gradFill>
-                  <a:gsLst>
-                    <a:gs pos="1250">
-                      <a:srgbClr val="797A7D"/>
-                    </a:gs>
-                    <a:gs pos="100000">
-                      <a:srgbClr val="797A7D"/>
-                    </a:gs>
-                  </a:gsLst>
-                  <a:lin ang="5400000" scaled="0"/>
-                </a:gradFill>
-              </a:rPr>
-              <a:t>announcements within Yammer.</a:t>
+              <a:t>Safety news will be created as announcements within Yammer.</a:t>
             </a:r>
           </a:p>
           <a:p>
@@ -16901,8 +17111,66 @@
                   <a:lin ang="5400000" scaled="0"/>
                 </a:gradFill>
               </a:rPr>
-              <a:t>The Yammer embedded code will replace the custom safety news web part on the homepage. The Yammer integration can also provide “sharing” and “like” options natively.</a:t>
-            </a:r>
+              <a:t>The Yammer embedded code will replace the custom safety news web part on the homepage. The Yammer integration can also provide “sharing” and “like” options natively</a:t>
+            </a:r>
+            <a:r>
+              <a:rPr lang="en-US" sz="2000" dirty="0" smtClean="0">
+                <a:gradFill>
+                  <a:gsLst>
+                    <a:gs pos="1250">
+                      <a:srgbClr val="797A7D"/>
+                    </a:gs>
+                    <a:gs pos="100000">
+                      <a:srgbClr val="797A7D"/>
+                    </a:gs>
+                  </a:gsLst>
+                  <a:lin ang="5400000" scaled="0"/>
+                </a:gradFill>
+              </a:rPr>
+              <a:t>.</a:t>
+            </a:r>
+          </a:p>
+          <a:p>
+            <a:pPr marL="517525" lvl="1" indent="-233363">
+              <a:lnSpc>
+                <a:spcPct val="90000"/>
+              </a:lnSpc>
+              <a:spcBef>
+                <a:spcPct val="20000"/>
+              </a:spcBef>
+              <a:buSzPct val="90000"/>
+              <a:buFont typeface="Wingdings" pitchFamily="2" charset="2"/>
+              <a:buChar char=""/>
+            </a:pPr>
+            <a:r>
+              <a:rPr lang="en-US" sz="2000" dirty="0" smtClean="0">
+                <a:gradFill>
+                  <a:gsLst>
+                    <a:gs pos="1250">
+                      <a:srgbClr val="797A7D"/>
+                    </a:gs>
+                    <a:gs pos="100000">
+                      <a:srgbClr val="797A7D"/>
+                    </a:gs>
+                  </a:gsLst>
+                  <a:lin ang="5400000" scaled="0"/>
+                </a:gradFill>
+              </a:rPr>
+              <a:t>Yammer mobile app will render mobile views natively.</a:t>
+            </a:r>
+            <a:endParaRPr lang="en-US" sz="2000" dirty="0" smtClean="0">
+              <a:gradFill>
+                <a:gsLst>
+                  <a:gs pos="1250">
+                    <a:srgbClr val="797A7D"/>
+                  </a:gs>
+                  <a:gs pos="100000">
+                    <a:srgbClr val="797A7D"/>
+                  </a:gs>
+                </a:gsLst>
+                <a:lin ang="5400000" scaled="0"/>
+              </a:gradFill>
+            </a:endParaRPr>
           </a:p>
         </p:txBody>
       </p:sp>
@@ -17057,15 +17325,24 @@
             <a:pPr lvl="2"/>
             <a:r>
               <a:rPr lang="en-US" sz="1800" dirty="0"/>
-              <a:t>Custom web controls + page layouts to facilitate page creation</a:t>
+              <a:t>Custom </a:t>
+            </a:r>
+            <a:r>
+              <a:rPr lang="en-US" sz="1800" dirty="0" smtClean="0"/>
+              <a:t>page </a:t>
+            </a:r>
+            <a:r>
+              <a:rPr lang="en-US" sz="1800" dirty="0"/>
+              <a:t>layouts </a:t>
             </a:r>
           </a:p>
           <a:p>
             <a:pPr lvl="2"/>
             <a:r>
-              <a:rPr lang="en-US" sz="1800" dirty="0"/>
-              <a:t>Custom branding (master page + CSS)</a:t>
-            </a:r>
+              <a:rPr lang="en-US" sz="1800" dirty="0" smtClean="0"/>
+              <a:t>A branded site theme.</a:t>
+            </a:r>
+            <a:endParaRPr lang="en-US" sz="1800" dirty="0"/>
           </a:p>
           <a:p>
             <a:pPr lvl="2"/>
@@ -17077,42 +17354,18 @@
           <a:p>
             <a:pPr lvl="2"/>
             <a:r>
-              <a:rPr lang="en-US" sz="1800" dirty="0"/>
-              <a:t>Language specific search center site collections</a:t>
-            </a:r>
+              <a:rPr lang="en-US" sz="1800" dirty="0" smtClean="0"/>
+              <a:t>Site Navigation</a:t>
+            </a:r>
+            <a:endParaRPr lang="en-US" sz="1800" dirty="0"/>
           </a:p>
           <a:p>
             <a:pPr lvl="2"/>
             <a:r>
-              <a:rPr lang="en-US" sz="1800" dirty="0"/>
-              <a:t>Custom </a:t>
-            </a:r>
-            <a:r>
               <a:rPr lang="en-US" sz="1800" dirty="0" smtClean="0"/>
-              <a:t>navigation</a:t>
-            </a:r>
-          </a:p>
-          <a:p>
-            <a:pPr lvl="2"/>
-            <a:r>
-              <a:rPr lang="en-US" sz="1800" dirty="0" smtClean="0"/>
-              <a:t>Dashboards on homepage</a:t>
+              <a:t>UI elements</a:t>
             </a:r>
             <a:endParaRPr lang="en-US" sz="1800" dirty="0"/>
-          </a:p>
-          <a:p>
-            <a:pPr lvl="2"/>
-            <a:r>
-              <a:rPr lang="en-US" sz="1800" dirty="0"/>
-              <a:t>Alerting of user </a:t>
-            </a:r>
-          </a:p>
-          <a:p>
-            <a:pPr lvl="2"/>
-            <a:r>
-              <a:rPr lang="en-US" sz="1800" dirty="0"/>
-              <a:t>Web parts / controls are use add functionality to the created pages</a:t>
-            </a:r>
           </a:p>
           <a:p>
             <a:pPr lvl="3"/>
@@ -17125,7 +17378,7 @@
             <a:pPr lvl="1"/>
             <a:r>
               <a:rPr lang="en-US" sz="1800" dirty="0"/>
-              <a:t>Unusual intranet features:</a:t>
+              <a:t>Other intranet features:</a:t>
             </a:r>
           </a:p>
           <a:p>
@@ -17138,12 +17391,12 @@
           <a:p>
             <a:pPr lvl="2"/>
             <a:r>
+              <a:rPr lang="en-US" sz="1800" dirty="0" err="1"/>
+              <a:t>MySite</a:t>
+            </a:r>
+            <a:r>
               <a:rPr lang="en-US" sz="1800" dirty="0"/>
-              <a:t>Team site metadata </a:t>
-            </a:r>
-            <a:r>
-              <a:rPr lang="en-US" sz="1800" dirty="0" smtClean="0"/>
-              <a:t>editing</a:t>
+              <a:t> customizations</a:t>
             </a:r>
             <a:endParaRPr lang="en-US" sz="1800" dirty="0"/>
           </a:p>
@@ -17435,7 +17688,7 @@
                 <a:gridCol w="2373524">
                   <a:extLst>
                     <a:ext uri="{9D8B030D-6E8A-4147-A177-3AD203B41FA5}">
-                      <a16:colId xmlns:a16="http://schemas.microsoft.com/office/drawing/2014/main" xmlns="" val="20000"/>
+                      <a16:colId xmlns="" xmlns:a16="http://schemas.microsoft.com/office/drawing/2014/main" val="20000"/>
                     </a:ext>
                   </a:extLst>
                 </a:gridCol>
@@ -17498,7 +17751,7 @@
                 </a:tc>
                 <a:extLst>
                   <a:ext uri="{0D108BD9-81ED-4DB2-BD59-A6C34878D82A}">
-                    <a16:rowId xmlns:a16="http://schemas.microsoft.com/office/drawing/2014/main" xmlns="" val="10000"/>
+                    <a16:rowId xmlns="" xmlns:a16="http://schemas.microsoft.com/office/drawing/2014/main" val="10000"/>
                   </a:ext>
                 </a:extLst>
               </a:tr>
@@ -17559,7 +17812,7 @@
                 </a:tc>
                 <a:extLst>
                   <a:ext uri="{0D108BD9-81ED-4DB2-BD59-A6C34878D82A}">
-                    <a16:rowId xmlns:a16="http://schemas.microsoft.com/office/drawing/2014/main" xmlns="" val="10001"/>
+                    <a16:rowId xmlns="" xmlns:a16="http://schemas.microsoft.com/office/drawing/2014/main" val="10001"/>
                   </a:ext>
                 </a:extLst>
               </a:tr>
@@ -17629,7 +17882,7 @@
                 </a:tc>
                 <a:extLst>
                   <a:ext uri="{0D108BD9-81ED-4DB2-BD59-A6C34878D82A}">
-                    <a16:rowId xmlns:a16="http://schemas.microsoft.com/office/drawing/2014/main" xmlns="" val="10002"/>
+                    <a16:rowId xmlns="" xmlns:a16="http://schemas.microsoft.com/office/drawing/2014/main" val="10002"/>
                   </a:ext>
                 </a:extLst>
               </a:tr>
@@ -17707,7 +17960,7 @@
                 </a:tc>
                 <a:extLst>
                   <a:ext uri="{0D108BD9-81ED-4DB2-BD59-A6C34878D82A}">
-                    <a16:rowId xmlns:a16="http://schemas.microsoft.com/office/drawing/2014/main" xmlns="" val="10007"/>
+                    <a16:rowId xmlns="" xmlns:a16="http://schemas.microsoft.com/office/drawing/2014/main" val="10007"/>
                   </a:ext>
                 </a:extLst>
               </a:tr>
@@ -17832,7 +18085,7 @@
         <p:spPr>
           <a:xfrm>
             <a:off x="3411630" y="1229508"/>
-            <a:ext cx="8494619" cy="4619626"/>
+            <a:ext cx="8494619" cy="5158592"/>
           </a:xfrm>
         </p:spPr>
         <p:txBody>
@@ -17962,8 +18215,13 @@
             </a:r>
             <a:r>
               <a:rPr lang="en-US" dirty="0"/>
-              <a:t>CSS and JS to achieve the same</a:t>
-            </a:r>
+              <a:t>CSS and JS to achieve the </a:t>
+            </a:r>
+            <a:r>
+              <a:rPr lang="en-US" dirty="0" smtClean="0"/>
+              <a:t>desired look and feel</a:t>
+            </a:r>
+            <a:endParaRPr lang="en-US" dirty="0"/>
           </a:p>
           <a:p>
             <a:pPr lvl="1"/>
@@ -17976,7 +18234,19 @@
             <a:pPr lvl="1"/>
             <a:r>
               <a:rPr lang="en-US" dirty="0" smtClean="0"/>
-              <a:t>Content Query web parts will be replaced by content search web parts.</a:t>
+              <a:t>Replace Content </a:t>
+            </a:r>
+            <a:r>
+              <a:rPr lang="en-US" dirty="0" smtClean="0"/>
+              <a:t>Query web parts </a:t>
+            </a:r>
+            <a:r>
+              <a:rPr lang="en-US" dirty="0" smtClean="0"/>
+              <a:t>with </a:t>
+            </a:r>
+            <a:r>
+              <a:rPr lang="en-US" dirty="0" smtClean="0"/>
+              <a:t>content search web parts.</a:t>
             </a:r>
             <a:endParaRPr lang="en-US" dirty="0"/>
           </a:p>
@@ -17984,7 +18254,23 @@
             <a:pPr lvl="1"/>
             <a:r>
               <a:rPr lang="en-US" dirty="0" smtClean="0"/>
-              <a:t>Dashboards on the homepage will be developed using out of the box lists and JS Link.</a:t>
+              <a:t>Dashboards on the homepage will be </a:t>
+            </a:r>
+            <a:r>
+              <a:rPr lang="en-US" dirty="0" smtClean="0"/>
+              <a:t>designed using </a:t>
+            </a:r>
+            <a:r>
+              <a:rPr lang="en-US" dirty="0" smtClean="0"/>
+              <a:t>out of the box lists </a:t>
+            </a:r>
+            <a:r>
+              <a:rPr lang="en-US" dirty="0" smtClean="0"/>
+              <a:t>with JS </a:t>
+            </a:r>
+            <a:r>
+              <a:rPr lang="en-US" dirty="0" smtClean="0"/>
+              <a:t>Link.</a:t>
             </a:r>
           </a:p>
           <a:p>
@@ -18278,7 +18564,7 @@
                 <a:gridCol w="2373524">
                   <a:extLst>
                     <a:ext uri="{9D8B030D-6E8A-4147-A177-3AD203B41FA5}">
-                      <a16:colId xmlns:a16="http://schemas.microsoft.com/office/drawing/2014/main" xmlns="" val="20000"/>
+                      <a16:colId xmlns="" xmlns:a16="http://schemas.microsoft.com/office/drawing/2014/main" val="20000"/>
                     </a:ext>
                   </a:extLst>
                 </a:gridCol>
@@ -18341,7 +18627,7 @@
                 </a:tc>
                 <a:extLst>
                   <a:ext uri="{0D108BD9-81ED-4DB2-BD59-A6C34878D82A}">
-                    <a16:rowId xmlns:a16="http://schemas.microsoft.com/office/drawing/2014/main" xmlns="" val="10000"/>
+                    <a16:rowId xmlns="" xmlns:a16="http://schemas.microsoft.com/office/drawing/2014/main" val="10000"/>
                   </a:ext>
                 </a:extLst>
               </a:tr>
@@ -18402,7 +18688,7 @@
                 </a:tc>
                 <a:extLst>
                   <a:ext uri="{0D108BD9-81ED-4DB2-BD59-A6C34878D82A}">
-                    <a16:rowId xmlns:a16="http://schemas.microsoft.com/office/drawing/2014/main" xmlns="" val="10001"/>
+                    <a16:rowId xmlns="" xmlns:a16="http://schemas.microsoft.com/office/drawing/2014/main" val="10001"/>
                   </a:ext>
                 </a:extLst>
               </a:tr>
@@ -18472,7 +18758,7 @@
                 </a:tc>
                 <a:extLst>
                   <a:ext uri="{0D108BD9-81ED-4DB2-BD59-A6C34878D82A}">
-                    <a16:rowId xmlns:a16="http://schemas.microsoft.com/office/drawing/2014/main" xmlns="" val="10002"/>
+                    <a16:rowId xmlns="" xmlns:a16="http://schemas.microsoft.com/office/drawing/2014/main" val="10002"/>
                   </a:ext>
                 </a:extLst>
               </a:tr>
@@ -18550,7 +18836,7 @@
                 </a:tc>
                 <a:extLst>
                   <a:ext uri="{0D108BD9-81ED-4DB2-BD59-A6C34878D82A}">
-                    <a16:rowId xmlns:a16="http://schemas.microsoft.com/office/drawing/2014/main" xmlns="" val="10007"/>
+                    <a16:rowId xmlns="" xmlns:a16="http://schemas.microsoft.com/office/drawing/2014/main" val="10007"/>
                   </a:ext>
                 </a:extLst>
               </a:tr>
@@ -18698,7 +18984,7 @@
         </p:nvSpPr>
         <p:spPr>
           <a:xfrm>
-            <a:off x="3173505" y="1752599"/>
+            <a:off x="3173504" y="1460499"/>
             <a:ext cx="8494619" cy="4619626"/>
           </a:xfrm>
         </p:spPr>
@@ -18725,64 +19011,79 @@
           <a:p>
             <a:pPr lvl="2"/>
             <a:r>
+              <a:rPr lang="en-US" sz="1800" dirty="0"/>
+              <a:t>Prevent </a:t>
+            </a:r>
+            <a:r>
               <a:rPr lang="en-US" sz="1800" dirty="0" smtClean="0"/>
-              <a:t>Prevent some custom actions</a:t>
-            </a:r>
+              <a:t>custom user actions</a:t>
+            </a:r>
+            <a:endParaRPr lang="en-US" sz="1800" dirty="0"/>
           </a:p>
           <a:p>
             <a:pPr lvl="2"/>
             <a:r>
               <a:rPr lang="en-US" sz="1800" dirty="0"/>
-              <a:t>Prevents the creation of </a:t>
-            </a:r>
-            <a:r>
-              <a:rPr lang="en-US" sz="1800" dirty="0" err="1" smtClean="0"/>
-              <a:t>subsites</a:t>
-            </a:r>
-            <a:endParaRPr lang="en-US" sz="1800" dirty="0" smtClean="0"/>
+              <a:t>Prevent the users from using certain </a:t>
+            </a:r>
+            <a:r>
+              <a:rPr lang="en-US" sz="1800" dirty="0" smtClean="0"/>
+              <a:t>site templates </a:t>
+            </a:r>
+            <a:endParaRPr lang="en-US" sz="1800" dirty="0"/>
           </a:p>
           <a:p>
             <a:pPr lvl="2"/>
             <a:r>
               <a:rPr lang="en-US" sz="1800" dirty="0" smtClean="0"/>
-              <a:t>Hide </a:t>
+              <a:t>Allow </a:t>
             </a:r>
             <a:r>
               <a:rPr lang="en-US" sz="1800" dirty="0"/>
-              <a:t>Sites and </a:t>
-            </a:r>
-            <a:r>
-              <a:rPr lang="en-US" sz="1800" dirty="0" err="1" smtClean="0"/>
-              <a:t>WorkSpaces</a:t>
-            </a:r>
+              <a:t>users to create sub sites through electronic requests</a:t>
+            </a:r>
+          </a:p>
+          <a:p>
+            <a:pPr lvl="2"/>
             <a:r>
               <a:rPr lang="en-US" sz="1800" dirty="0" smtClean="0"/>
-              <a:t> </a:t>
+              <a:t>Implement security around the sites so that they are visible only to the requestor</a:t>
             </a:r>
           </a:p>
           <a:p>
             <a:pPr lvl="2"/>
             <a:r>
               <a:rPr lang="en-US" sz="1800" dirty="0" smtClean="0"/>
-              <a:t>Hide </a:t>
+              <a:t>Allow </a:t>
             </a:r>
             <a:r>
               <a:rPr lang="en-US" sz="1800" dirty="0"/>
-              <a:t>Manage Site </a:t>
+              <a:t>auto activation of some site features during site provision</a:t>
+            </a:r>
+          </a:p>
+          <a:p>
+            <a:pPr lvl="2"/>
+            <a:r>
+              <a:rPr lang="en-US" sz="1800" dirty="0"/>
+              <a:t>My Sites </a:t>
             </a:r>
             <a:r>
               <a:rPr lang="en-US" sz="1800" dirty="0" smtClean="0"/>
-              <a:t>Features</a:t>
-            </a:r>
-          </a:p>
-          <a:p>
-            <a:pPr lvl="2"/>
-            <a:endParaRPr lang="en-US" sz="1800" dirty="0"/>
+              <a:t>should be </a:t>
+            </a:r>
+            <a:r>
+              <a:rPr lang="en-US" sz="1800" dirty="0"/>
+              <a:t>set to expire after one year</a:t>
+            </a:r>
           </a:p>
           <a:p>
             <a:r>
               <a:rPr lang="en-US" dirty="0" smtClean="0"/>
-              <a:t>Design and Notes:</a:t>
+              <a:t>Design </a:t>
+            </a:r>
+            <a:r>
+              <a:rPr lang="en-US" dirty="0" smtClean="0"/>
+              <a:t>and Notes:</a:t>
             </a:r>
           </a:p>
           <a:p>
@@ -18823,7 +19124,6 @@
               <a:rPr lang="en-US" altLang="en-US" sz="1800" dirty="0" smtClean="0"/>
               <a:t>choice of the App model (SharePoint hosted vs Provider hosted). </a:t>
             </a:r>
-            <a:endParaRPr lang="en-US" altLang="en-US" sz="1800" dirty="0" smtClean="0"/>
           </a:p>
           <a:p>
             <a:pPr lvl="2"/>
@@ -19139,7 +19439,11 @@
             <a:graphicFrameLocks noGrp="1"/>
           </p:cNvGraphicFramePr>
           <p:nvPr>
-            <p:extLst/>
+            <p:extLst>
+              <p:ext uri="{D42A27DB-BD31-4B8C-83A1-F6EECF244321}">
+                <p14:modId xmlns:p14="http://schemas.microsoft.com/office/powerpoint/2010/main" val="1621605782"/>
+              </p:ext>
+            </p:extLst>
           </p:nvPr>
         </p:nvGraphicFramePr>
         <p:xfrm>
@@ -19156,7 +19460,7 @@
                 <a:gridCol w="2373524">
                   <a:extLst>
                     <a:ext uri="{9D8B030D-6E8A-4147-A177-3AD203B41FA5}">
-                      <a16:colId xmlns:a16="http://schemas.microsoft.com/office/drawing/2014/main" xmlns="" val="20000"/>
+                      <a16:colId xmlns="" xmlns:a16="http://schemas.microsoft.com/office/drawing/2014/main" val="20000"/>
                     </a:ext>
                   </a:extLst>
                 </a:gridCol>
@@ -19169,8 +19473,8 @@
                     <a:p>
                       <a:pPr algn="ctr"/>
                       <a:r>
-                        <a:rPr lang="en-US" b="1" i="0" dirty="0" smtClean="0"/>
-                        <a:t>Branding</a:t>
+                        <a:rPr lang="en-US" b="1" i="0" smtClean="0"/>
+                        <a:t>Provisioning</a:t>
                       </a:r>
                       <a:endParaRPr lang="nl-BE" b="1" i="0" dirty="0"/>
                     </a:p>
@@ -19219,7 +19523,7 @@
                 </a:tc>
                 <a:extLst>
                   <a:ext uri="{0D108BD9-81ED-4DB2-BD59-A6C34878D82A}">
-                    <a16:rowId xmlns:a16="http://schemas.microsoft.com/office/drawing/2014/main" xmlns="" val="10000"/>
+                    <a16:rowId xmlns="" xmlns:a16="http://schemas.microsoft.com/office/drawing/2014/main" val="10000"/>
                   </a:ext>
                 </a:extLst>
               </a:tr>
@@ -19280,7 +19584,7 @@
                 </a:tc>
                 <a:extLst>
                   <a:ext uri="{0D108BD9-81ED-4DB2-BD59-A6C34878D82A}">
-                    <a16:rowId xmlns:a16="http://schemas.microsoft.com/office/drawing/2014/main" xmlns="" val="10001"/>
+                    <a16:rowId xmlns="" xmlns:a16="http://schemas.microsoft.com/office/drawing/2014/main" val="10001"/>
                   </a:ext>
                 </a:extLst>
               </a:tr>
@@ -19350,7 +19654,7 @@
                 </a:tc>
                 <a:extLst>
                   <a:ext uri="{0D108BD9-81ED-4DB2-BD59-A6C34878D82A}">
-                    <a16:rowId xmlns:a16="http://schemas.microsoft.com/office/drawing/2014/main" xmlns="" val="10002"/>
+                    <a16:rowId xmlns="" xmlns:a16="http://schemas.microsoft.com/office/drawing/2014/main" val="10002"/>
                   </a:ext>
                 </a:extLst>
               </a:tr>
@@ -19428,7 +19732,7 @@
                 </a:tc>
                 <a:extLst>
                   <a:ext uri="{0D108BD9-81ED-4DB2-BD59-A6C34878D82A}">
-                    <a16:rowId xmlns:a16="http://schemas.microsoft.com/office/drawing/2014/main" xmlns="" val="10007"/>
+                    <a16:rowId xmlns="" xmlns:a16="http://schemas.microsoft.com/office/drawing/2014/main" val="10007"/>
                   </a:ext>
                 </a:extLst>
               </a:tr>
@@ -19587,8 +19891,20 @@
             <a:pPr lvl="2"/>
             <a:r>
               <a:rPr lang="en-US" sz="1800" dirty="0" smtClean="0"/>
-              <a:t>Delete records that are more than 5 years old.</a:t>
-            </a:r>
+              <a:t>Delete records that are more than 5 years old</a:t>
+            </a:r>
+            <a:r>
+              <a:rPr lang="en-US" sz="1800" dirty="0" smtClean="0"/>
+              <a:t>.</a:t>
+            </a:r>
+          </a:p>
+          <a:p>
+            <a:pPr lvl="2"/>
+            <a:r>
+              <a:rPr lang="en-US" sz="1800" dirty="0" smtClean="0"/>
+              <a:t>Log action taken on expired documents</a:t>
+            </a:r>
+            <a:endParaRPr lang="en-US" sz="1800" dirty="0" smtClean="0"/>
           </a:p>
           <a:p>
             <a:pPr lvl="2"/>
@@ -19853,12 +20169,16 @@
             <a:graphicFrameLocks noGrp="1"/>
           </p:cNvGraphicFramePr>
           <p:nvPr>
-            <p:extLst/>
+            <p:extLst>
+              <p:ext uri="{D42A27DB-BD31-4B8C-83A1-F6EECF244321}">
+                <p14:modId xmlns:p14="http://schemas.microsoft.com/office/powerpoint/2010/main" val="3225620736"/>
+              </p:ext>
+            </p:extLst>
           </p:nvPr>
         </p:nvGraphicFramePr>
         <p:xfrm>
           <a:off x="291646" y="425158"/>
-          <a:ext cx="2373524" cy="1483360"/>
+          <a:ext cx="2591254" cy="1483360"/>
         </p:xfrm>
         <a:graphic>
           <a:graphicData uri="http://schemas.openxmlformats.org/drawingml/2006/table">
@@ -19867,10 +20187,10 @@
                 <a:tableStyleId>{2D5ABB26-0587-4C30-8999-92F81FD0307C}</a:tableStyleId>
               </a:tblPr>
               <a:tblGrid>
-                <a:gridCol w="2373524">
+                <a:gridCol w="2591254">
                   <a:extLst>
                     <a:ext uri="{9D8B030D-6E8A-4147-A177-3AD203B41FA5}">
-                      <a16:colId xmlns:a16="http://schemas.microsoft.com/office/drawing/2014/main" xmlns="" val="20000"/>
+                      <a16:colId xmlns="" xmlns:a16="http://schemas.microsoft.com/office/drawing/2014/main" val="20000"/>
                     </a:ext>
                   </a:extLst>
                 </a:gridCol>
@@ -19883,8 +20203,8 @@
                     <a:p>
                       <a:pPr algn="ctr"/>
                       <a:r>
-                        <a:rPr lang="en-US" b="1" i="0" dirty="0" smtClean="0"/>
-                        <a:t>Branding</a:t>
+                        <a:rPr lang="en-US" b="1" i="0" smtClean="0"/>
+                        <a:t>Records Management</a:t>
                       </a:r>
                       <a:endParaRPr lang="nl-BE" b="1" i="0" dirty="0"/>
                     </a:p>
@@ -19933,7 +20253,7 @@
                 </a:tc>
                 <a:extLst>
                   <a:ext uri="{0D108BD9-81ED-4DB2-BD59-A6C34878D82A}">
-                    <a16:rowId xmlns:a16="http://schemas.microsoft.com/office/drawing/2014/main" xmlns="" val="10000"/>
+                    <a16:rowId xmlns="" xmlns:a16="http://schemas.microsoft.com/office/drawing/2014/main" val="10000"/>
                   </a:ext>
                 </a:extLst>
               </a:tr>
@@ -19994,7 +20314,7 @@
                 </a:tc>
                 <a:extLst>
                   <a:ext uri="{0D108BD9-81ED-4DB2-BD59-A6C34878D82A}">
-                    <a16:rowId xmlns:a16="http://schemas.microsoft.com/office/drawing/2014/main" xmlns="" val="10001"/>
+                    <a16:rowId xmlns="" xmlns:a16="http://schemas.microsoft.com/office/drawing/2014/main" val="10001"/>
                   </a:ext>
                 </a:extLst>
               </a:tr>
@@ -20064,7 +20384,7 @@
                 </a:tc>
                 <a:extLst>
                   <a:ext uri="{0D108BD9-81ED-4DB2-BD59-A6C34878D82A}">
-                    <a16:rowId xmlns:a16="http://schemas.microsoft.com/office/drawing/2014/main" xmlns="" val="10002"/>
+                    <a16:rowId xmlns="" xmlns:a16="http://schemas.microsoft.com/office/drawing/2014/main" val="10002"/>
                   </a:ext>
                 </a:extLst>
               </a:tr>
@@ -20142,7 +20462,7 @@
                 </a:tc>
                 <a:extLst>
                   <a:ext uri="{0D108BD9-81ED-4DB2-BD59-A6C34878D82A}">
-                    <a16:rowId xmlns:a16="http://schemas.microsoft.com/office/drawing/2014/main" xmlns="" val="10007"/>
+                    <a16:rowId xmlns="" xmlns:a16="http://schemas.microsoft.com/office/drawing/2014/main" val="10007"/>
                   </a:ext>
                 </a:extLst>
               </a:tr>
@@ -20467,15 +20787,7 @@
             </a:r>
             <a:r>
               <a:rPr lang="en-US" sz="1800" dirty="0" smtClean="0"/>
-              <a:t> </a:t>
-            </a:r>
-            <a:r>
-              <a:rPr lang="en-US" sz="1800" dirty="0" smtClean="0"/>
-              <a:t>will be </a:t>
-            </a:r>
-            <a:r>
-              <a:rPr lang="en-US" sz="1800" dirty="0" smtClean="0"/>
-              <a:t>hosted on Azure</a:t>
+              <a:t> will be hosted on Azure</a:t>
             </a:r>
           </a:p>
           <a:p>
@@ -20562,66 +20874,16 @@
             <p:ph type="title"/>
           </p:nvPr>
         </p:nvSpPr>
-        <p:spPr>
-          <a:xfrm>
-            <a:off x="3173505" y="992992"/>
-            <a:ext cx="8494619" cy="747897"/>
-          </a:xfrm>
-        </p:spPr>
+        <p:spPr/>
         <p:txBody>
-          <a:bodyPr anchor="ctr"/>
+          <a:bodyPr/>
           <a:lstStyle/>
           <a:p>
             <a:r>
               <a:rPr lang="nl-BE" dirty="0" smtClean="0"/>
-              <a:t>News notifications</a:t>
-            </a:r>
-            <a:br>
-              <a:rPr lang="nl-BE" dirty="0" smtClean="0"/>
-            </a:br>
-            <a:r>
-              <a:rPr lang="en-US" sz="3600" dirty="0" err="1" smtClean="0">
-                <a:solidFill>
-                  <a:schemeClr val="accent1"/>
-                </a:solidFill>
-              </a:rPr>
-              <a:t>contoso.sharepoint.newsalerts.wsp</a:t>
-            </a:r>
-            <a:r>
-              <a:rPr lang="en-US" sz="3600" dirty="0">
-                <a:solidFill>
-                  <a:schemeClr val="accent1"/>
-                </a:solidFill>
-              </a:rPr>
-              <a:t/>
-            </a:r>
-            <a:br>
-              <a:rPr lang="en-US" sz="3600" dirty="0">
-                <a:solidFill>
-                  <a:schemeClr val="accent1"/>
-                </a:solidFill>
-              </a:rPr>
-            </a:br>
-            <a:r>
-              <a:rPr lang="en-US" sz="3600" dirty="0">
-                <a:solidFill>
-                  <a:schemeClr val="accent1"/>
-                </a:solidFill>
-              </a:rPr>
-              <a:t/>
-            </a:r>
-            <a:br>
-              <a:rPr lang="en-US" sz="3600" dirty="0">
-                <a:solidFill>
-                  <a:schemeClr val="accent1"/>
-                </a:solidFill>
-              </a:rPr>
-            </a:br>
-            <a:endParaRPr lang="nl-BE" sz="3600" dirty="0">
-              <a:solidFill>
-                <a:schemeClr val="accent1"/>
-              </a:solidFill>
-            </a:endParaRPr>
+              <a:t>Records Management</a:t>
+            </a:r>
+            <a:endParaRPr lang="nl-BE" dirty="0"/>
           </a:p>
         </p:txBody>
       </p:sp>
@@ -20637,8 +20899,8 @@
         </p:nvSpPr>
         <p:spPr>
           <a:xfrm>
-            <a:off x="3173505" y="2238374"/>
-            <a:ext cx="8494619" cy="4619626"/>
+            <a:off x="3173505" y="1243404"/>
+            <a:ext cx="8494619" cy="1585140"/>
           </a:xfrm>
         </p:spPr>
         <p:txBody>
@@ -20665,8 +20927,31 @@
             <a:pPr lvl="2"/>
             <a:r>
               <a:rPr lang="en-US" sz="1800" dirty="0" smtClean="0"/>
-              <a:t>Sends notification when a “featured” news article is added</a:t>
-            </a:r>
+              <a:t>Send notification emails when policies are due for revision.</a:t>
+            </a:r>
+          </a:p>
+          <a:p>
+            <a:pPr lvl="2"/>
+            <a:r>
+              <a:rPr lang="en-US" sz="1800" dirty="0" smtClean="0"/>
+              <a:t>Delete records that are more than 5 years old</a:t>
+            </a:r>
+            <a:r>
+              <a:rPr lang="en-US" sz="1800" dirty="0" smtClean="0"/>
+              <a:t>.</a:t>
+            </a:r>
+          </a:p>
+          <a:p>
+            <a:pPr lvl="2"/>
+            <a:r>
+              <a:rPr lang="en-US" sz="1800" dirty="0" smtClean="0"/>
+              <a:t>Log action taken on expired documents</a:t>
+            </a:r>
+            <a:endParaRPr lang="en-US" sz="1800" dirty="0" smtClean="0"/>
+          </a:p>
+          <a:p>
+            <a:pPr lvl="2"/>
+            <a:endParaRPr lang="en-US" sz="1800" dirty="0"/>
           </a:p>
         </p:txBody>
       </p:sp>
@@ -20916,19 +21201,7 @@
             </a:lvl9pPr>
           </a:lstStyle>
           <a:p>
-            <a:endParaRPr lang="en-US" dirty="0" smtClean="0">
-              <a:gradFill>
-                <a:gsLst>
-                  <a:gs pos="1250">
-                    <a:srgbClr val="797A7D"/>
-                  </a:gs>
-                  <a:gs pos="100000">
-                    <a:srgbClr val="797A7D"/>
-                  </a:gs>
-                </a:gsLst>
-                <a:lin ang="5400000" scaled="0"/>
-              </a:gradFill>
-            </a:endParaRPr>
+            <a:endParaRPr lang="en-US" dirty="0" smtClean="0"/>
           </a:p>
         </p:txBody>
       </p:sp>
@@ -20941,14 +21214,14 @@
           <p:nvPr>
             <p:extLst>
               <p:ext uri="{D42A27DB-BD31-4B8C-83A1-F6EECF244321}">
-                <p14:modId xmlns:p14="http://schemas.microsoft.com/office/powerpoint/2010/main" val="2671111374"/>
+                <p14:modId xmlns:p14="http://schemas.microsoft.com/office/powerpoint/2010/main" val="2167091898"/>
               </p:ext>
             </p:extLst>
           </p:nvPr>
         </p:nvGraphicFramePr>
         <p:xfrm>
-          <a:off x="291646" y="425158"/>
-          <a:ext cx="2373524" cy="1483360"/>
+          <a:off x="177800" y="425158"/>
+          <a:ext cx="2743200" cy="1752600"/>
         </p:xfrm>
         <a:graphic>
           <a:graphicData uri="http://schemas.openxmlformats.org/drawingml/2006/table">
@@ -20957,10 +21230,10 @@
                 <a:tableStyleId>{2D5ABB26-0587-4C30-8999-92F81FD0307C}</a:tableStyleId>
               </a:tblPr>
               <a:tblGrid>
-                <a:gridCol w="2373524">
+                <a:gridCol w="2743200">
                   <a:extLst>
                     <a:ext uri="{9D8B030D-6E8A-4147-A177-3AD203B41FA5}">
-                      <a16:colId xmlns:a16="http://schemas.microsoft.com/office/drawing/2014/main" xmlns="" val="20000"/>
+                      <a16:colId xmlns="" xmlns:a16="http://schemas.microsoft.com/office/drawing/2014/main" val="20000"/>
                     </a:ext>
                   </a:extLst>
                 </a:gridCol>
@@ -20971,11 +21244,31 @@
                     <a:bodyPr/>
                     <a:lstStyle/>
                     <a:p>
+                      <a:pPr marL="0" marR="0" indent="0" algn="ctr" defTabSz="914363" rtl="0" eaLnBrk="1" fontAlgn="auto" latinLnBrk="0" hangingPunct="1">
+                        <a:lnSpc>
+                          <a:spcPct val="100000"/>
+                        </a:lnSpc>
+                        <a:spcBef>
+                          <a:spcPts val="0"/>
+                        </a:spcBef>
+                        <a:spcAft>
+                          <a:spcPts val="0"/>
+                        </a:spcAft>
+                        <a:buClrTx/>
+                        <a:buSzTx/>
+                        <a:buFontTx/>
+                        <a:buNone/>
+                        <a:tabLst/>
+                        <a:defRPr/>
+                      </a:pPr>
+                      <a:r>
+                        <a:rPr lang="en-US" b="1" i="0" smtClean="0"/>
+                        <a:t>Records Management</a:t>
+                      </a:r>
+                      <a:endParaRPr lang="nl-BE" b="1" i="0" smtClean="0"/>
+                    </a:p>
+                    <a:p>
                       <a:pPr algn="ctr"/>
-                      <a:r>
-                        <a:rPr lang="en-US" b="1" i="0" dirty="0" smtClean="0"/>
-                        <a:t>Branding</a:t>
-                      </a:r>
                       <a:endParaRPr lang="nl-BE" b="1" i="0" dirty="0"/>
                     </a:p>
                   </a:txBody>
@@ -21023,7 +21316,7 @@
                 </a:tc>
                 <a:extLst>
                   <a:ext uri="{0D108BD9-81ED-4DB2-BD59-A6C34878D82A}">
-                    <a16:rowId xmlns:a16="http://schemas.microsoft.com/office/drawing/2014/main" xmlns="" val="10000"/>
+                    <a16:rowId xmlns="" xmlns:a16="http://schemas.microsoft.com/office/drawing/2014/main" val="10000"/>
                   </a:ext>
                 </a:extLst>
               </a:tr>
@@ -21084,7 +21377,7 @@
                 </a:tc>
                 <a:extLst>
                   <a:ext uri="{0D108BD9-81ED-4DB2-BD59-A6C34878D82A}">
-                    <a16:rowId xmlns:a16="http://schemas.microsoft.com/office/drawing/2014/main" xmlns="" val="10001"/>
+                    <a16:rowId xmlns="" xmlns:a16="http://schemas.microsoft.com/office/drawing/2014/main" val="10001"/>
                   </a:ext>
                 </a:extLst>
               </a:tr>
@@ -21101,7 +21394,7 @@
                             <a:schemeClr val="bg1"/>
                           </a:solidFill>
                         </a:rPr>
-                        <a:t>Easy</a:t>
+                        <a:t>Medium</a:t>
                       </a:r>
                       <a:endParaRPr lang="nl-BE" dirty="0">
                         <a:solidFill>
@@ -21148,13 +21441,13 @@
                       <a:tailEnd type="none" w="med" len="med"/>
                     </a:lnB>
                     <a:solidFill>
-                      <a:srgbClr val="00B050"/>
+                      <a:srgbClr val="FFC000"/>
                     </a:solidFill>
                   </a:tcPr>
                 </a:tc>
                 <a:extLst>
                   <a:ext uri="{0D108BD9-81ED-4DB2-BD59-A6C34878D82A}">
-                    <a16:rowId xmlns:a16="http://schemas.microsoft.com/office/drawing/2014/main" xmlns="" val="10002"/>
+                    <a16:rowId xmlns="" xmlns:a16="http://schemas.microsoft.com/office/drawing/2014/main" val="10002"/>
                   </a:ext>
                 </a:extLst>
               </a:tr>
@@ -21232,7 +21525,1089 @@
                 </a:tc>
                 <a:extLst>
                   <a:ext uri="{0D108BD9-81ED-4DB2-BD59-A6C34878D82A}">
-                    <a16:rowId xmlns:a16="http://schemas.microsoft.com/office/drawing/2014/main" xmlns="" val="10007"/>
+                    <a16:rowId xmlns="" xmlns:a16="http://schemas.microsoft.com/office/drawing/2014/main" val="10007"/>
+                  </a:ext>
+                </a:extLst>
+              </a:tr>
+            </a:tbl>
+          </a:graphicData>
+        </a:graphic>
+      </p:graphicFrame>
+      <p:pic>
+        <p:nvPicPr>
+          <p:cNvPr id="2052" name="Picture 4" descr="http://wordlabs.ru/wp-content/uploads/2015/02/Contoso-logo.png"/>
+          <p:cNvPicPr>
+            <a:picLocks noChangeAspect="1" noChangeArrowheads="1"/>
+          </p:cNvPicPr>
+          <p:nvPr/>
+        </p:nvPicPr>
+        <p:blipFill>
+          <a:blip r:embed="rId3">
+            <a:extLst>
+              <a:ext uri="{28A0092B-C50C-407E-A947-70E740481C1C}">
+                <a14:useLocalDpi xmlns:a14="http://schemas.microsoft.com/office/drawing/2010/main" val="0"/>
+              </a:ext>
+            </a:extLst>
+          </a:blip>
+          <a:srcRect/>
+          <a:stretch>
+            <a:fillRect/>
+          </a:stretch>
+        </p:blipFill>
+        <p:spPr bwMode="auto">
+          <a:xfrm>
+            <a:off x="208055" y="2265222"/>
+            <a:ext cx="1676400" cy="904876"/>
+          </a:xfrm>
+          <a:prstGeom prst="rect">
+            <a:avLst/>
+          </a:prstGeom>
+          <a:noFill/>
+          <a:extLst>
+            <a:ext uri="{909E8E84-426E-40DD-AFC4-6F175D3DCCD1}">
+              <a14:hiddenFill xmlns:a14="http://schemas.microsoft.com/office/drawing/2010/main">
+                <a:solidFill>
+                  <a:srgbClr val="FFFFFF"/>
+                </a:solidFill>
+              </a14:hiddenFill>
+            </a:ext>
+          </a:extLst>
+        </p:spPr>
+      </p:pic>
+      <p:sp>
+        <p:nvSpPr>
+          <p:cNvPr id="8" name="Text Placeholder 10"/>
+          <p:cNvSpPr txBox="1">
+            <a:spLocks/>
+          </p:cNvSpPr>
+          <p:nvPr/>
+        </p:nvSpPr>
+        <p:spPr>
+          <a:xfrm>
+            <a:off x="3295425" y="3095451"/>
+            <a:ext cx="8494619" cy="3341925"/>
+          </a:xfrm>
+          <a:prstGeom prst="rect">
+            <a:avLst/>
+          </a:prstGeom>
+        </p:spPr>
+        <p:txBody>
+          <a:bodyPr vert="horz" lIns="0" tIns="0" rIns="0" bIns="0" rtlCol="0">
+            <a:noAutofit/>
+          </a:bodyPr>
+          <a:lstStyle>
+            <a:lvl1pPr marL="284163" marR="0" indent="-284163" algn="l" defTabSz="914363" rtl="0" eaLnBrk="1" fontAlgn="auto" latinLnBrk="0" hangingPunct="1">
+              <a:lnSpc>
+                <a:spcPct val="90000"/>
+              </a:lnSpc>
+              <a:spcBef>
+                <a:spcPct val="20000"/>
+              </a:spcBef>
+              <a:spcAft>
+                <a:spcPts val="0"/>
+              </a:spcAft>
+              <a:buClrTx/>
+              <a:buSzPct val="80000"/>
+              <a:buFont typeface="Wingdings" pitchFamily="2" charset="2"/>
+              <a:buChar char=""/>
+              <a:tabLst/>
+              <a:defRPr sz="3600" kern="1200" spc="-70" baseline="0">
+                <a:solidFill>
+                  <a:schemeClr val="tx2"/>
+                </a:solidFill>
+                <a:latin typeface="+mj-lt"/>
+                <a:ea typeface="+mn-ea"/>
+                <a:cs typeface="+mn-cs"/>
+              </a:defRPr>
+            </a:lvl1pPr>
+            <a:lvl2pPr marL="517525" marR="0" indent="-233363" algn="l" defTabSz="914363" rtl="0" eaLnBrk="1" fontAlgn="auto" latinLnBrk="0" hangingPunct="1">
+              <a:lnSpc>
+                <a:spcPct val="90000"/>
+              </a:lnSpc>
+              <a:spcBef>
+                <a:spcPct val="20000"/>
+              </a:spcBef>
+              <a:spcAft>
+                <a:spcPts val="0"/>
+              </a:spcAft>
+              <a:buClrTx/>
+              <a:buSzPct val="90000"/>
+              <a:buFont typeface="Wingdings" pitchFamily="2" charset="2"/>
+              <a:buChar char=""/>
+              <a:tabLst/>
+              <a:defRPr sz="2000" kern="1200" spc="0" baseline="0">
+                <a:gradFill>
+                  <a:gsLst>
+                    <a:gs pos="1250">
+                      <a:schemeClr val="bg2"/>
+                    </a:gs>
+                    <a:gs pos="100000">
+                      <a:schemeClr val="bg2"/>
+                    </a:gs>
+                  </a:gsLst>
+                  <a:lin ang="5400000" scaled="0"/>
+                </a:gradFill>
+                <a:latin typeface="+mn-lt"/>
+                <a:ea typeface="+mn-ea"/>
+                <a:cs typeface="+mn-cs"/>
+              </a:defRPr>
+            </a:lvl2pPr>
+            <a:lvl3pPr marL="741363" marR="0" indent="-223838" algn="l" defTabSz="914363" rtl="0" eaLnBrk="1" fontAlgn="auto" latinLnBrk="0" hangingPunct="1">
+              <a:lnSpc>
+                <a:spcPct val="90000"/>
+              </a:lnSpc>
+              <a:spcBef>
+                <a:spcPct val="20000"/>
+              </a:spcBef>
+              <a:spcAft>
+                <a:spcPts val="0"/>
+              </a:spcAft>
+              <a:buClrTx/>
+              <a:buSzPct val="90000"/>
+              <a:buFont typeface="Wingdings" pitchFamily="2" charset="2"/>
+              <a:buChar char=""/>
+              <a:tabLst/>
+              <a:defRPr sz="2000" kern="1200" spc="0" baseline="0">
+                <a:gradFill>
+                  <a:gsLst>
+                    <a:gs pos="1250">
+                      <a:schemeClr val="bg2"/>
+                    </a:gs>
+                    <a:gs pos="100000">
+                      <a:schemeClr val="bg2"/>
+                    </a:gs>
+                  </a:gsLst>
+                  <a:lin ang="5400000" scaled="0"/>
+                </a:gradFill>
+                <a:latin typeface="+mn-lt"/>
+                <a:ea typeface="+mn-ea"/>
+                <a:cs typeface="+mn-cs"/>
+              </a:defRPr>
+            </a:lvl3pPr>
+            <a:lvl4pPr marL="914400" marR="0" indent="-173038" algn="l" defTabSz="914363" rtl="0" eaLnBrk="1" fontAlgn="auto" latinLnBrk="0" hangingPunct="1">
+              <a:lnSpc>
+                <a:spcPct val="90000"/>
+              </a:lnSpc>
+              <a:spcBef>
+                <a:spcPct val="20000"/>
+              </a:spcBef>
+              <a:spcAft>
+                <a:spcPts val="0"/>
+              </a:spcAft>
+              <a:buClrTx/>
+              <a:buSzPct val="90000"/>
+              <a:buFont typeface="Wingdings" pitchFamily="2" charset="2"/>
+              <a:buChar char=""/>
+              <a:tabLst/>
+              <a:defRPr sz="1800" kern="1200" spc="0" baseline="0">
+                <a:gradFill>
+                  <a:gsLst>
+                    <a:gs pos="1250">
+                      <a:schemeClr val="bg2"/>
+                    </a:gs>
+                    <a:gs pos="100000">
+                      <a:schemeClr val="bg2"/>
+                    </a:gs>
+                  </a:gsLst>
+                  <a:lin ang="5400000" scaled="0"/>
+                </a:gradFill>
+                <a:latin typeface="+mn-lt"/>
+                <a:ea typeface="+mn-ea"/>
+                <a:cs typeface="+mn-cs"/>
+              </a:defRPr>
+            </a:lvl4pPr>
+            <a:lvl5pPr marL="1087438" marR="0" indent="-173038" algn="l" defTabSz="914363" rtl="0" eaLnBrk="1" fontAlgn="auto" latinLnBrk="0" hangingPunct="1">
+              <a:lnSpc>
+                <a:spcPct val="90000"/>
+              </a:lnSpc>
+              <a:spcBef>
+                <a:spcPct val="20000"/>
+              </a:spcBef>
+              <a:spcAft>
+                <a:spcPts val="0"/>
+              </a:spcAft>
+              <a:buClrTx/>
+              <a:buSzPct val="90000"/>
+              <a:buFont typeface="Wingdings" pitchFamily="2" charset="2"/>
+              <a:buChar char=""/>
+              <a:tabLst/>
+              <a:defRPr sz="1800" kern="1200" spc="0" baseline="0">
+                <a:gradFill>
+                  <a:gsLst>
+                    <a:gs pos="1250">
+                      <a:schemeClr val="bg2"/>
+                    </a:gs>
+                    <a:gs pos="100000">
+                      <a:schemeClr val="bg2"/>
+                    </a:gs>
+                  </a:gsLst>
+                  <a:lin ang="5400000" scaled="0"/>
+                </a:gradFill>
+                <a:latin typeface="+mn-lt"/>
+                <a:ea typeface="+mn-ea"/>
+                <a:cs typeface="+mn-cs"/>
+              </a:defRPr>
+            </a:lvl5pPr>
+            <a:lvl6pPr marL="2514499" indent="-228591" algn="l" defTabSz="914363" rtl="0" eaLnBrk="1" latinLnBrk="0" hangingPunct="1">
+              <a:spcBef>
+                <a:spcPct val="20000"/>
+              </a:spcBef>
+              <a:buFont typeface="Arial" pitchFamily="34" charset="0"/>
+              <a:buChar char="•"/>
+              <a:defRPr sz="2000" kern="1200">
+                <a:solidFill>
+                  <a:schemeClr val="tx1"/>
+                </a:solidFill>
+                <a:latin typeface="+mn-lt"/>
+                <a:ea typeface="+mn-ea"/>
+                <a:cs typeface="+mn-cs"/>
+              </a:defRPr>
+            </a:lvl6pPr>
+            <a:lvl7pPr marL="2971681" indent="-228591" algn="l" defTabSz="914363" rtl="0" eaLnBrk="1" latinLnBrk="0" hangingPunct="1">
+              <a:spcBef>
+                <a:spcPct val="20000"/>
+              </a:spcBef>
+              <a:buFont typeface="Arial" pitchFamily="34" charset="0"/>
+              <a:buChar char="•"/>
+              <a:defRPr sz="2000" kern="1200">
+                <a:solidFill>
+                  <a:schemeClr val="tx1"/>
+                </a:solidFill>
+                <a:latin typeface="+mn-lt"/>
+                <a:ea typeface="+mn-ea"/>
+                <a:cs typeface="+mn-cs"/>
+              </a:defRPr>
+            </a:lvl7pPr>
+            <a:lvl8pPr marL="3428863" indent="-228591" algn="l" defTabSz="914363" rtl="0" eaLnBrk="1" latinLnBrk="0" hangingPunct="1">
+              <a:spcBef>
+                <a:spcPct val="20000"/>
+              </a:spcBef>
+              <a:buFont typeface="Arial" pitchFamily="34" charset="0"/>
+              <a:buChar char="•"/>
+              <a:defRPr sz="2000" kern="1200">
+                <a:solidFill>
+                  <a:schemeClr val="tx1"/>
+                </a:solidFill>
+                <a:latin typeface="+mn-lt"/>
+                <a:ea typeface="+mn-ea"/>
+                <a:cs typeface="+mn-cs"/>
+              </a:defRPr>
+            </a:lvl8pPr>
+            <a:lvl9pPr marL="3886045" indent="-228591" algn="l" defTabSz="914363" rtl="0" eaLnBrk="1" latinLnBrk="0" hangingPunct="1">
+              <a:spcBef>
+                <a:spcPct val="20000"/>
+              </a:spcBef>
+              <a:buFont typeface="Arial" pitchFamily="34" charset="0"/>
+              <a:buChar char="•"/>
+              <a:defRPr sz="2000" kern="1200">
+                <a:solidFill>
+                  <a:schemeClr val="tx1"/>
+                </a:solidFill>
+                <a:latin typeface="+mn-lt"/>
+                <a:ea typeface="+mn-ea"/>
+                <a:cs typeface="+mn-cs"/>
+              </a:defRPr>
+            </a:lvl9pPr>
+          </a:lstStyle>
+          <a:p>
+            <a:r>
+              <a:rPr lang="en-US" dirty="0" smtClean="0"/>
+              <a:t>Design and Notes</a:t>
+            </a:r>
+          </a:p>
+          <a:p>
+            <a:pPr lvl="1"/>
+            <a:r>
+              <a:rPr lang="en-US" sz="1800" dirty="0" smtClean="0"/>
+              <a:t>Business </a:t>
+            </a:r>
+            <a:r>
+              <a:rPr lang="en-US" sz="1800" dirty="0"/>
+              <a:t>logic could be factored to one or more </a:t>
+            </a:r>
+            <a:r>
+              <a:rPr lang="en-US" sz="1800" b="1" dirty="0" err="1"/>
+              <a:t>oData</a:t>
+            </a:r>
+            <a:r>
+              <a:rPr lang="en-US" sz="1800" b="1" dirty="0"/>
+              <a:t> Web </a:t>
+            </a:r>
+            <a:r>
+              <a:rPr lang="en-US" sz="1800" b="1" dirty="0" smtClean="0"/>
+              <a:t>Services</a:t>
+            </a:r>
+          </a:p>
+          <a:p>
+            <a:pPr lvl="1"/>
+            <a:r>
+              <a:rPr lang="en-US" sz="1800" dirty="0" smtClean="0"/>
+              <a:t>Scheduled </a:t>
+            </a:r>
+            <a:r>
+              <a:rPr lang="en-US" sz="1800" dirty="0"/>
+              <a:t>Web Job</a:t>
+            </a:r>
+            <a:r>
+              <a:rPr lang="en-US" sz="1800" dirty="0" smtClean="0"/>
+              <a:t> will be hosted on Azure</a:t>
+            </a:r>
+          </a:p>
+          <a:p>
+            <a:pPr lvl="1"/>
+            <a:r>
+              <a:rPr lang="en-US" sz="1800" dirty="0"/>
+              <a:t>A</a:t>
+            </a:r>
+            <a:r>
+              <a:rPr lang="en-US" sz="1800" dirty="0" smtClean="0"/>
+              <a:t> </a:t>
+            </a:r>
+            <a:r>
+              <a:rPr lang="en-US" sz="1800" dirty="0"/>
+              <a:t>trusted service account </a:t>
+            </a:r>
+            <a:r>
+              <a:rPr lang="en-US" sz="1800" dirty="0" smtClean="0"/>
+              <a:t>may be required </a:t>
+            </a:r>
+            <a:r>
+              <a:rPr lang="en-US" sz="1800" dirty="0"/>
+              <a:t>because there would be no concept of “Elevated Privileges” in the external hosting environment. </a:t>
+            </a:r>
+            <a:endParaRPr lang="en-US" sz="1800" dirty="0" smtClean="0"/>
+          </a:p>
+          <a:p>
+            <a:pPr lvl="1"/>
+            <a:endParaRPr lang="en-US" dirty="0" smtClean="0"/>
+          </a:p>
+          <a:p>
+            <a:pPr lvl="1"/>
+            <a:endParaRPr lang="en-US" dirty="0"/>
+          </a:p>
+        </p:txBody>
+      </p:sp>
+    </p:spTree>
+    <p:extLst>
+      <p:ext uri="{BB962C8B-B14F-4D97-AF65-F5344CB8AC3E}">
+        <p14:creationId xmlns:p14="http://schemas.microsoft.com/office/powerpoint/2010/main" val="2086378766"/>
+      </p:ext>
+    </p:extLst>
+  </p:cSld>
+  <p:clrMapOvr>
+    <a:masterClrMapping/>
+  </p:clrMapOvr>
+  <p:transition>
+    <p:fade/>
+  </p:transition>
+  <p:timing>
+    <p:tnLst>
+      <p:par>
+        <p:cTn id="1" dur="indefinite" restart="never" nodeType="tmRoot"/>
+      </p:par>
+    </p:tnLst>
+  </p:timing>
+</p:sld>
+</file>
+
+<file path=ppt/slides/slide16.xml><?xml version="1.0" encoding="utf-8"?>
+<p:sld xmlns:a="http://schemas.openxmlformats.org/drawingml/2006/main" xmlns:r="http://schemas.openxmlformats.org/officeDocument/2006/relationships" xmlns:p="http://schemas.openxmlformats.org/presentationml/2006/main">
+  <p:cSld>
+    <p:spTree>
+      <p:nvGrpSpPr>
+        <p:cNvPr id="1" name=""/>
+        <p:cNvGrpSpPr/>
+        <p:nvPr/>
+      </p:nvGrpSpPr>
+      <p:grpSpPr>
+        <a:xfrm>
+          <a:off x="0" y="0"/>
+          <a:ext cx="0" cy="0"/>
+          <a:chOff x="0" y="0"/>
+          <a:chExt cx="0" cy="0"/>
+        </a:xfrm>
+      </p:grpSpPr>
+      <p:sp>
+        <p:nvSpPr>
+          <p:cNvPr id="2" name="Title 1"/>
+          <p:cNvSpPr>
+            <a:spLocks noGrp="1"/>
+          </p:cNvSpPr>
+          <p:nvPr>
+            <p:ph type="title"/>
+          </p:nvPr>
+        </p:nvSpPr>
+        <p:spPr>
+          <a:xfrm>
+            <a:off x="3173505" y="992992"/>
+            <a:ext cx="8494619" cy="747897"/>
+          </a:xfrm>
+        </p:spPr>
+        <p:txBody>
+          <a:bodyPr anchor="ctr"/>
+          <a:lstStyle/>
+          <a:p>
+            <a:r>
+              <a:rPr lang="nl-BE" dirty="0" smtClean="0"/>
+              <a:t>News notifications</a:t>
+            </a:r>
+            <a:br>
+              <a:rPr lang="nl-BE" dirty="0" smtClean="0"/>
+            </a:br>
+            <a:r>
+              <a:rPr lang="en-US" sz="3600" dirty="0" err="1" smtClean="0">
+                <a:solidFill>
+                  <a:schemeClr val="accent1"/>
+                </a:solidFill>
+              </a:rPr>
+              <a:t>contoso.sharepoint.newsalerts.wsp</a:t>
+            </a:r>
+            <a:r>
+              <a:rPr lang="en-US" sz="3600" dirty="0">
+                <a:solidFill>
+                  <a:schemeClr val="accent1"/>
+                </a:solidFill>
+              </a:rPr>
+              <a:t/>
+            </a:r>
+            <a:br>
+              <a:rPr lang="en-US" sz="3600" dirty="0">
+                <a:solidFill>
+                  <a:schemeClr val="accent1"/>
+                </a:solidFill>
+              </a:rPr>
+            </a:br>
+            <a:r>
+              <a:rPr lang="en-US" sz="3600" dirty="0">
+                <a:solidFill>
+                  <a:schemeClr val="accent1"/>
+                </a:solidFill>
+              </a:rPr>
+              <a:t/>
+            </a:r>
+            <a:br>
+              <a:rPr lang="en-US" sz="3600" dirty="0">
+                <a:solidFill>
+                  <a:schemeClr val="accent1"/>
+                </a:solidFill>
+              </a:rPr>
+            </a:br>
+            <a:endParaRPr lang="nl-BE" sz="3600" dirty="0">
+              <a:solidFill>
+                <a:schemeClr val="accent1"/>
+              </a:solidFill>
+            </a:endParaRPr>
+          </a:p>
+        </p:txBody>
+      </p:sp>
+      <p:sp>
+        <p:nvSpPr>
+          <p:cNvPr id="11" name="Text Placeholder 10"/>
+          <p:cNvSpPr>
+            <a:spLocks noGrp="1"/>
+          </p:cNvSpPr>
+          <p:nvPr>
+            <p:ph type="body" sz="quarter" idx="10"/>
+          </p:nvPr>
+        </p:nvSpPr>
+        <p:spPr>
+          <a:xfrm>
+            <a:off x="3173505" y="2238374"/>
+            <a:ext cx="8494619" cy="4619626"/>
+          </a:xfrm>
+        </p:spPr>
+        <p:txBody>
+          <a:bodyPr/>
+          <a:lstStyle/>
+          <a:p>
+            <a:r>
+              <a:rPr lang="en-US" dirty="0"/>
+              <a:t>High level requirements:</a:t>
+            </a:r>
+          </a:p>
+          <a:p>
+            <a:pPr lvl="1"/>
+            <a:r>
+              <a:rPr lang="en-US" sz="1800" dirty="0" smtClean="0"/>
+              <a:t>Typical </a:t>
+            </a:r>
+            <a:r>
+              <a:rPr lang="en-US" sz="1800" dirty="0"/>
+              <a:t>Intranet features:</a:t>
+            </a:r>
+          </a:p>
+          <a:p>
+            <a:pPr lvl="2"/>
+            <a:r>
+              <a:rPr lang="en-US" sz="1800" dirty="0" smtClean="0"/>
+              <a:t>Sends notification when a “featured” news article is added</a:t>
+            </a:r>
+          </a:p>
+        </p:txBody>
+      </p:sp>
+      <p:sp>
+        <p:nvSpPr>
+          <p:cNvPr id="4" name="Text Placeholder 6"/>
+          <p:cNvSpPr txBox="1">
+            <a:spLocks/>
+          </p:cNvSpPr>
+          <p:nvPr/>
+        </p:nvSpPr>
+        <p:spPr>
+          <a:xfrm>
+            <a:off x="3173505" y="1243404"/>
+            <a:ext cx="8494619" cy="2043636"/>
+          </a:xfrm>
+          <a:prstGeom prst="rect">
+            <a:avLst/>
+          </a:prstGeom>
+        </p:spPr>
+        <p:txBody>
+          <a:bodyPr/>
+          <a:lstStyle>
+            <a:lvl1pPr marL="339725" marR="0" indent="-339725" algn="l" defTabSz="914363" rtl="0" eaLnBrk="1" fontAlgn="auto" latinLnBrk="0" hangingPunct="1">
+              <a:lnSpc>
+                <a:spcPct val="90000"/>
+              </a:lnSpc>
+              <a:spcBef>
+                <a:spcPct val="20000"/>
+              </a:spcBef>
+              <a:spcAft>
+                <a:spcPts val="0"/>
+              </a:spcAft>
+              <a:buClrTx/>
+              <a:buSzPct val="80000"/>
+              <a:buFont typeface="Arial" pitchFamily="34" charset="0"/>
+              <a:buChar char="•"/>
+              <a:tabLst/>
+              <a:defRPr sz="3600" kern="1200" spc="-70" baseline="0">
+                <a:gradFill>
+                  <a:gsLst>
+                    <a:gs pos="1250">
+                      <a:schemeClr val="bg2"/>
+                    </a:gs>
+                    <a:gs pos="100000">
+                      <a:schemeClr val="bg2"/>
+                    </a:gs>
+                  </a:gsLst>
+                  <a:lin ang="5400000" scaled="0"/>
+                </a:gradFill>
+                <a:latin typeface="+mj-lt"/>
+                <a:ea typeface="+mn-ea"/>
+                <a:cs typeface="+mn-cs"/>
+              </a:defRPr>
+            </a:lvl1pPr>
+            <a:lvl2pPr marL="573088" marR="0" indent="-233363" algn="l" defTabSz="914363" rtl="0" eaLnBrk="1" fontAlgn="auto" latinLnBrk="0" hangingPunct="1">
+              <a:lnSpc>
+                <a:spcPct val="90000"/>
+              </a:lnSpc>
+              <a:spcBef>
+                <a:spcPct val="20000"/>
+              </a:spcBef>
+              <a:spcAft>
+                <a:spcPts val="0"/>
+              </a:spcAft>
+              <a:buClrTx/>
+              <a:buSzPct val="90000"/>
+              <a:buFont typeface="Wingdings" pitchFamily="2" charset="2"/>
+              <a:buChar char=""/>
+              <a:tabLst/>
+              <a:defRPr sz="2400" kern="1200" spc="0" baseline="0">
+                <a:gradFill>
+                  <a:gsLst>
+                    <a:gs pos="1250">
+                      <a:schemeClr val="bg2"/>
+                    </a:gs>
+                    <a:gs pos="100000">
+                      <a:schemeClr val="bg2"/>
+                    </a:gs>
+                  </a:gsLst>
+                  <a:lin ang="5400000" scaled="0"/>
+                </a:gradFill>
+                <a:latin typeface="+mn-lt"/>
+                <a:ea typeface="+mn-ea"/>
+                <a:cs typeface="+mn-cs"/>
+              </a:defRPr>
+            </a:lvl2pPr>
+            <a:lvl3pPr marL="798513" marR="0" indent="-225425" algn="l" defTabSz="914363" rtl="0" eaLnBrk="1" fontAlgn="auto" latinLnBrk="0" hangingPunct="1">
+              <a:lnSpc>
+                <a:spcPct val="90000"/>
+              </a:lnSpc>
+              <a:spcBef>
+                <a:spcPct val="20000"/>
+              </a:spcBef>
+              <a:spcAft>
+                <a:spcPts val="0"/>
+              </a:spcAft>
+              <a:buClrTx/>
+              <a:buSzPct val="90000"/>
+              <a:buFont typeface="Wingdings" pitchFamily="2" charset="2"/>
+              <a:buChar char=""/>
+              <a:tabLst>
+                <a:tab pos="798513" algn="l"/>
+              </a:tabLst>
+              <a:defRPr sz="2400" kern="1200" spc="0" baseline="0">
+                <a:gradFill>
+                  <a:gsLst>
+                    <a:gs pos="1250">
+                      <a:schemeClr val="bg2"/>
+                    </a:gs>
+                    <a:gs pos="100000">
+                      <a:schemeClr val="bg2"/>
+                    </a:gs>
+                  </a:gsLst>
+                  <a:lin ang="5400000" scaled="0"/>
+                </a:gradFill>
+                <a:latin typeface="+mn-lt"/>
+                <a:ea typeface="+mn-ea"/>
+                <a:cs typeface="+mn-cs"/>
+              </a:defRPr>
+            </a:lvl3pPr>
+            <a:lvl4pPr marL="1030288" marR="0" indent="-231775" algn="l" defTabSz="914363" rtl="0" eaLnBrk="1" fontAlgn="auto" latinLnBrk="0" hangingPunct="1">
+              <a:lnSpc>
+                <a:spcPct val="90000"/>
+              </a:lnSpc>
+              <a:spcBef>
+                <a:spcPct val="20000"/>
+              </a:spcBef>
+              <a:spcAft>
+                <a:spcPts val="0"/>
+              </a:spcAft>
+              <a:buClrTx/>
+              <a:buSzPct val="90000"/>
+              <a:buFont typeface="Wingdings" pitchFamily="2" charset="2"/>
+              <a:buChar char=""/>
+              <a:tabLst/>
+              <a:defRPr sz="2000" kern="1200" spc="0" baseline="0">
+                <a:gradFill>
+                  <a:gsLst>
+                    <a:gs pos="1250">
+                      <a:schemeClr val="bg2"/>
+                    </a:gs>
+                    <a:gs pos="100000">
+                      <a:schemeClr val="bg2"/>
+                    </a:gs>
+                  </a:gsLst>
+                  <a:lin ang="5400000" scaled="0"/>
+                </a:gradFill>
+                <a:latin typeface="+mn-lt"/>
+                <a:ea typeface="+mn-ea"/>
+                <a:cs typeface="+mn-cs"/>
+              </a:defRPr>
+            </a:lvl4pPr>
+            <a:lvl5pPr marL="1255713" marR="0" indent="-225425" algn="l" defTabSz="914363" rtl="0" eaLnBrk="1" fontAlgn="auto" latinLnBrk="0" hangingPunct="1">
+              <a:lnSpc>
+                <a:spcPct val="90000"/>
+              </a:lnSpc>
+              <a:spcBef>
+                <a:spcPct val="20000"/>
+              </a:spcBef>
+              <a:spcAft>
+                <a:spcPts val="0"/>
+              </a:spcAft>
+              <a:buClrTx/>
+              <a:buSzPct val="90000"/>
+              <a:buFont typeface="Wingdings" pitchFamily="2" charset="2"/>
+              <a:buChar char=""/>
+              <a:tabLst>
+                <a:tab pos="1255713" algn="l"/>
+              </a:tabLst>
+              <a:defRPr sz="2000" kern="1200" spc="0" baseline="0">
+                <a:gradFill>
+                  <a:gsLst>
+                    <a:gs pos="1250">
+                      <a:schemeClr val="bg2"/>
+                    </a:gs>
+                    <a:gs pos="100000">
+                      <a:schemeClr val="bg2"/>
+                    </a:gs>
+                  </a:gsLst>
+                  <a:lin ang="5400000" scaled="0"/>
+                </a:gradFill>
+                <a:latin typeface="+mn-lt"/>
+                <a:ea typeface="+mn-ea"/>
+                <a:cs typeface="+mn-cs"/>
+              </a:defRPr>
+            </a:lvl5pPr>
+            <a:lvl6pPr marL="2514499" indent="-228591" algn="l" defTabSz="914363" rtl="0" eaLnBrk="1" latinLnBrk="0" hangingPunct="1">
+              <a:spcBef>
+                <a:spcPct val="20000"/>
+              </a:spcBef>
+              <a:buFont typeface="Arial" pitchFamily="34" charset="0"/>
+              <a:buChar char="•"/>
+              <a:defRPr sz="2000" kern="1200">
+                <a:solidFill>
+                  <a:schemeClr val="tx1"/>
+                </a:solidFill>
+                <a:latin typeface="+mn-lt"/>
+                <a:ea typeface="+mn-ea"/>
+                <a:cs typeface="+mn-cs"/>
+              </a:defRPr>
+            </a:lvl6pPr>
+            <a:lvl7pPr marL="2971681" indent="-228591" algn="l" defTabSz="914363" rtl="0" eaLnBrk="1" latinLnBrk="0" hangingPunct="1">
+              <a:spcBef>
+                <a:spcPct val="20000"/>
+              </a:spcBef>
+              <a:buFont typeface="Arial" pitchFamily="34" charset="0"/>
+              <a:buChar char="•"/>
+              <a:defRPr sz="2000" kern="1200">
+                <a:solidFill>
+                  <a:schemeClr val="tx1"/>
+                </a:solidFill>
+                <a:latin typeface="+mn-lt"/>
+                <a:ea typeface="+mn-ea"/>
+                <a:cs typeface="+mn-cs"/>
+              </a:defRPr>
+            </a:lvl7pPr>
+            <a:lvl8pPr marL="3428863" indent="-228591" algn="l" defTabSz="914363" rtl="0" eaLnBrk="1" latinLnBrk="0" hangingPunct="1">
+              <a:spcBef>
+                <a:spcPct val="20000"/>
+              </a:spcBef>
+              <a:buFont typeface="Arial" pitchFamily="34" charset="0"/>
+              <a:buChar char="•"/>
+              <a:defRPr sz="2000" kern="1200">
+                <a:solidFill>
+                  <a:schemeClr val="tx1"/>
+                </a:solidFill>
+                <a:latin typeface="+mn-lt"/>
+                <a:ea typeface="+mn-ea"/>
+                <a:cs typeface="+mn-cs"/>
+              </a:defRPr>
+            </a:lvl8pPr>
+            <a:lvl9pPr marL="3886045" indent="-228591" algn="l" defTabSz="914363" rtl="0" eaLnBrk="1" latinLnBrk="0" hangingPunct="1">
+              <a:spcBef>
+                <a:spcPct val="20000"/>
+              </a:spcBef>
+              <a:buFont typeface="Arial" pitchFamily="34" charset="0"/>
+              <a:buChar char="•"/>
+              <a:defRPr sz="2000" kern="1200">
+                <a:solidFill>
+                  <a:schemeClr val="tx1"/>
+                </a:solidFill>
+                <a:latin typeface="+mn-lt"/>
+                <a:ea typeface="+mn-ea"/>
+                <a:cs typeface="+mn-cs"/>
+              </a:defRPr>
+            </a:lvl9pPr>
+          </a:lstStyle>
+          <a:p>
+            <a:endParaRPr lang="en-US" dirty="0" smtClean="0">
+              <a:gradFill>
+                <a:gsLst>
+                  <a:gs pos="1250">
+                    <a:srgbClr val="797A7D"/>
+                  </a:gs>
+                  <a:gs pos="100000">
+                    <a:srgbClr val="797A7D"/>
+                  </a:gs>
+                </a:gsLst>
+                <a:lin ang="5400000" scaled="0"/>
+              </a:gradFill>
+            </a:endParaRPr>
+          </a:p>
+        </p:txBody>
+      </p:sp>
+      <p:graphicFrame>
+        <p:nvGraphicFramePr>
+          <p:cNvPr id="7" name="Table 7"/>
+          <p:cNvGraphicFramePr>
+            <a:graphicFrameLocks noGrp="1"/>
+          </p:cNvGraphicFramePr>
+          <p:nvPr>
+            <p:extLst>
+              <p:ext uri="{D42A27DB-BD31-4B8C-83A1-F6EECF244321}">
+                <p14:modId xmlns:p14="http://schemas.microsoft.com/office/powerpoint/2010/main" val="2914665889"/>
+              </p:ext>
+            </p:extLst>
+          </p:nvPr>
+        </p:nvGraphicFramePr>
+        <p:xfrm>
+          <a:off x="291646" y="425158"/>
+          <a:ext cx="2373524" cy="1483360"/>
+        </p:xfrm>
+        <a:graphic>
+          <a:graphicData uri="http://schemas.openxmlformats.org/drawingml/2006/table">
+            <a:tbl>
+              <a:tblPr>
+                <a:tableStyleId>{2D5ABB26-0587-4C30-8999-92F81FD0307C}</a:tableStyleId>
+              </a:tblPr>
+              <a:tblGrid>
+                <a:gridCol w="2373524">
+                  <a:extLst>
+                    <a:ext uri="{9D8B030D-6E8A-4147-A177-3AD203B41FA5}">
+                      <a16:colId xmlns="" xmlns:a16="http://schemas.microsoft.com/office/drawing/2014/main" val="20000"/>
+                    </a:ext>
+                  </a:extLst>
+                </a:gridCol>
+              </a:tblGrid>
+              <a:tr h="370840">
+                <a:tc>
+                  <a:txBody>
+                    <a:bodyPr/>
+                    <a:lstStyle/>
+                    <a:p>
+                      <a:pPr algn="ctr"/>
+                      <a:r>
+                        <a:rPr lang="en-US" b="1" i="0" smtClean="0"/>
+                        <a:t>News Notifications</a:t>
+                      </a:r>
+                      <a:endParaRPr lang="nl-BE" b="1" i="0" dirty="0"/>
+                    </a:p>
+                  </a:txBody>
+                  <a:tcPr>
+                    <a:lnL w="12700" cap="flat" cmpd="sng" algn="ctr">
+                      <a:solidFill>
+                        <a:schemeClr val="tx1"/>
+                      </a:solidFill>
+                      <a:prstDash val="solid"/>
+                      <a:round/>
+                      <a:headEnd type="none" w="med" len="med"/>
+                      <a:tailEnd type="none" w="med" len="med"/>
+                    </a:lnL>
+                    <a:lnR w="12700" cap="flat" cmpd="sng" algn="ctr">
+                      <a:solidFill>
+                        <a:schemeClr val="tx1"/>
+                      </a:solidFill>
+                      <a:prstDash val="solid"/>
+                      <a:round/>
+                      <a:headEnd type="none" w="med" len="med"/>
+                      <a:tailEnd type="none" w="med" len="med"/>
+                    </a:lnR>
+                    <a:lnT w="12700" cap="flat" cmpd="sng" algn="ctr">
+                      <a:solidFill>
+                        <a:schemeClr val="tx1"/>
+                      </a:solidFill>
+                      <a:prstDash val="solid"/>
+                      <a:round/>
+                      <a:headEnd type="none" w="med" len="med"/>
+                      <a:tailEnd type="none" w="med" len="med"/>
+                    </a:lnT>
+                    <a:lnB w="12700" cap="flat" cmpd="sng" algn="ctr">
+                      <a:solidFill>
+                        <a:schemeClr val="tx1"/>
+                      </a:solidFill>
+                      <a:prstDash val="solid"/>
+                      <a:round/>
+                      <a:headEnd type="none" w="med" len="med"/>
+                      <a:tailEnd type="none" w="med" len="med"/>
+                    </a:lnB>
+                    <a:solidFill>
+                      <a:schemeClr val="bg1"/>
+                    </a:solidFill>
+                  </a:tcPr>
+                </a:tc>
+                <a:extLst>
+                  <a:ext uri="{0D108BD9-81ED-4DB2-BD59-A6C34878D82A}">
+                    <a16:rowId xmlns="" xmlns:a16="http://schemas.microsoft.com/office/drawing/2014/main" val="10000"/>
+                  </a:ext>
+                </a:extLst>
+              </a:tr>
+              <a:tr h="370840">
+                <a:tc>
+                  <a:txBody>
+                    <a:bodyPr/>
+                    <a:lstStyle/>
+                    <a:p>
+                      <a:r>
+                        <a:rPr lang="en-US" i="1" dirty="0" smtClean="0"/>
+                        <a:t>Complexity:</a:t>
+                      </a:r>
+                      <a:endParaRPr lang="nl-BE" i="1" dirty="0"/>
+                    </a:p>
+                  </a:txBody>
+                  <a:tcPr>
+                    <a:lnL w="12700" cap="flat" cmpd="sng" algn="ctr">
+                      <a:solidFill>
+                        <a:schemeClr val="tx1"/>
+                      </a:solidFill>
+                      <a:prstDash val="solid"/>
+                      <a:round/>
+                      <a:headEnd type="none" w="med" len="med"/>
+                      <a:tailEnd type="none" w="med" len="med"/>
+                    </a:lnL>
+                    <a:lnR w="12700" cap="flat" cmpd="sng" algn="ctr">
+                      <a:solidFill>
+                        <a:schemeClr val="tx1"/>
+                      </a:solidFill>
+                      <a:prstDash val="solid"/>
+                      <a:round/>
+                      <a:headEnd type="none" w="med" len="med"/>
+                      <a:tailEnd type="none" w="med" len="med"/>
+                    </a:lnR>
+                    <a:lnT w="12700" cap="flat" cmpd="sng" algn="ctr">
+                      <a:solidFill>
+                        <a:schemeClr val="tx1"/>
+                      </a:solidFill>
+                      <a:prstDash val="solid"/>
+                      <a:round/>
+                      <a:headEnd type="none" w="med" len="med"/>
+                      <a:tailEnd type="none" w="med" len="med"/>
+                    </a:lnT>
+                    <a:lnB w="12700" cap="flat" cmpd="sng" algn="ctr">
+                      <a:solidFill>
+                        <a:schemeClr val="tx1"/>
+                      </a:solidFill>
+                      <a:prstDash val="solid"/>
+                      <a:round/>
+                      <a:headEnd type="none" w="med" len="med"/>
+                      <a:tailEnd type="none" w="med" len="med"/>
+                    </a:lnB>
+                    <a:solidFill>
+                      <a:schemeClr val="bg1"/>
+                    </a:solidFill>
+                  </a:tcPr>
+                </a:tc>
+                <a:extLst>
+                  <a:ext uri="{0D108BD9-81ED-4DB2-BD59-A6C34878D82A}">
+                    <a16:rowId xmlns="" xmlns:a16="http://schemas.microsoft.com/office/drawing/2014/main" val="10001"/>
+                  </a:ext>
+                </a:extLst>
+              </a:tr>
+              <a:tr h="370840">
+                <a:tc>
+                  <a:txBody>
+                    <a:bodyPr/>
+                    <a:lstStyle/>
+                    <a:p>
+                      <a:pPr algn="ctr"/>
+                      <a:r>
+                        <a:rPr lang="en-US" dirty="0" smtClean="0">
+                          <a:solidFill>
+                            <a:schemeClr val="bg1"/>
+                          </a:solidFill>
+                        </a:rPr>
+                        <a:t>Easy</a:t>
+                      </a:r>
+                      <a:endParaRPr lang="nl-BE" dirty="0">
+                        <a:solidFill>
+                          <a:schemeClr val="bg1"/>
+                        </a:solidFill>
+                      </a:endParaRPr>
+                    </a:p>
+                  </a:txBody>
+                  <a:tcPr>
+                    <a:lnL w="12700" cap="flat" cmpd="sng" algn="ctr">
+                      <a:solidFill>
+                        <a:schemeClr val="tx1"/>
+                      </a:solidFill>
+                      <a:prstDash val="solid"/>
+                      <a:round/>
+                      <a:headEnd type="none" w="med" len="med"/>
+                      <a:tailEnd type="none" w="med" len="med"/>
+                    </a:lnL>
+                    <a:lnR w="12700" cap="flat" cmpd="sng" algn="ctr">
+                      <a:solidFill>
+                        <a:schemeClr val="tx1"/>
+                      </a:solidFill>
+                      <a:prstDash val="solid"/>
+                      <a:round/>
+                      <a:headEnd type="none" w="med" len="med"/>
+                      <a:tailEnd type="none" w="med" len="med"/>
+                    </a:lnR>
+                    <a:lnT w="12700" cap="flat" cmpd="sng" algn="ctr">
+                      <a:solidFill>
+                        <a:schemeClr val="tx1"/>
+                      </a:solidFill>
+                      <a:prstDash val="solid"/>
+                      <a:round/>
+                      <a:headEnd type="none" w="med" len="med"/>
+                      <a:tailEnd type="none" w="med" len="med"/>
+                    </a:lnT>
+                    <a:lnB w="12700" cap="flat" cmpd="sng" algn="ctr">
+                      <a:solidFill>
+                        <a:schemeClr val="tx1"/>
+                      </a:solidFill>
+                      <a:prstDash val="solid"/>
+                      <a:round/>
+                      <a:headEnd type="none" w="med" len="med"/>
+                      <a:tailEnd type="none" w="med" len="med"/>
+                    </a:lnB>
+                    <a:solidFill>
+                      <a:srgbClr val="00B050"/>
+                    </a:solidFill>
+                  </a:tcPr>
+                </a:tc>
+                <a:extLst>
+                  <a:ext uri="{0D108BD9-81ED-4DB2-BD59-A6C34878D82A}">
+                    <a16:rowId xmlns="" xmlns:a16="http://schemas.microsoft.com/office/drawing/2014/main" val="10002"/>
+                  </a:ext>
+                </a:extLst>
+              </a:tr>
+              <a:tr h="370840">
+                <a:tc>
+                  <a:txBody>
+                    <a:bodyPr/>
+                    <a:lstStyle/>
+                    <a:p>
+                      <a:pPr marL="0" marR="0" indent="0" algn="l" defTabSz="914363" rtl="0" eaLnBrk="1" fontAlgn="auto" latinLnBrk="0" hangingPunct="1">
+                        <a:lnSpc>
+                          <a:spcPct val="100000"/>
+                        </a:lnSpc>
+                        <a:spcBef>
+                          <a:spcPts val="0"/>
+                        </a:spcBef>
+                        <a:spcAft>
+                          <a:spcPts val="0"/>
+                        </a:spcAft>
+                        <a:buClrTx/>
+                        <a:buSzTx/>
+                        <a:buFont typeface="Arial" panose="020B0604020202020204" pitchFamily="34" charset="0"/>
+                        <a:buNone/>
+                        <a:tabLst/>
+                        <a:defRPr/>
+                      </a:pPr>
+                      <a:r>
+                        <a:rPr lang="en-US" i="1" dirty="0" smtClean="0"/>
+                        <a:t>Owner: Contoso</a:t>
+                      </a:r>
+                      <a:endParaRPr lang="nl-BE" i="1" dirty="0" smtClean="0"/>
+                    </a:p>
+                  </a:txBody>
+                  <a:tcPr>
+                    <a:lnL w="12700" cap="flat" cmpd="sng" algn="ctr">
+                      <a:solidFill>
+                        <a:schemeClr val="tx1"/>
+                      </a:solidFill>
+                      <a:prstDash val="solid"/>
+                      <a:round/>
+                      <a:headEnd type="none" w="med" len="med"/>
+                      <a:tailEnd type="none" w="med" len="med"/>
+                    </a:lnL>
+                    <a:lnR w="12700" cap="flat" cmpd="sng" algn="ctr">
+                      <a:solidFill>
+                        <a:schemeClr val="tx1"/>
+                      </a:solidFill>
+                      <a:prstDash val="solid"/>
+                      <a:round/>
+                      <a:headEnd type="none" w="med" len="med"/>
+                      <a:tailEnd type="none" w="med" len="med"/>
+                    </a:lnR>
+                    <a:lnT w="12700" cap="flat" cmpd="sng" algn="ctr">
+                      <a:solidFill>
+                        <a:schemeClr val="tx1"/>
+                      </a:solidFill>
+                      <a:prstDash val="solid"/>
+                      <a:round/>
+                      <a:headEnd type="none" w="med" len="med"/>
+                      <a:tailEnd type="none" w="med" len="med"/>
+                    </a:lnT>
+                    <a:lnB w="12700" cap="flat" cmpd="sng" algn="ctr">
+                      <a:solidFill>
+                        <a:schemeClr val="tx1"/>
+                      </a:solidFill>
+                      <a:prstDash val="solid"/>
+                      <a:round/>
+                      <a:headEnd type="none" w="med" len="med"/>
+                      <a:tailEnd type="none" w="med" len="med"/>
+                    </a:lnB>
+                    <a:solidFill>
+                      <a:schemeClr val="bg1"/>
+                    </a:solidFill>
+                  </a:tcPr>
+                </a:tc>
+                <a:extLst>
+                  <a:ext uri="{0D108BD9-81ED-4DB2-BD59-A6C34878D82A}">
+                    <a16:rowId xmlns="" xmlns:a16="http://schemas.microsoft.com/office/drawing/2014/main" val="10007"/>
                   </a:ext>
                 </a:extLst>
               </a:tr>
@@ -21450,7 +22825,7 @@
 </p:sld>
 </file>
 
-<file path=ppt/slides/slide16.xml><?xml version="1.0" encoding="utf-8"?>
+<file path=ppt/slides/slide17.xml><?xml version="1.0" encoding="utf-8"?>
 <p:sld xmlns:a="http://schemas.openxmlformats.org/drawingml/2006/main" xmlns:r="http://schemas.openxmlformats.org/officeDocument/2006/relationships" xmlns:p="http://schemas.openxmlformats.org/presentationml/2006/main">
   <p:cSld>
     <p:spTree>
@@ -21484,7 +22859,7 @@
           <a:p>
             <a:r>
               <a:rPr lang="nl-BE" dirty="0" smtClean="0"/>
-              <a:t>Location Finder </a:t>
+              <a:t>Skill Finder</a:t>
             </a:r>
             <a:endParaRPr lang="nl-BE" dirty="0"/>
           </a:p>
@@ -21519,40 +22894,14 @@
             <a:pPr lvl="1"/>
             <a:r>
               <a:rPr lang="en-US" dirty="0" smtClean="0"/>
-              <a:t>Should allow users to search for </a:t>
-            </a:r>
-            <a:r>
-              <a:rPr lang="en-US" dirty="0" err="1" smtClean="0"/>
-              <a:t>Fabrikam</a:t>
-            </a:r>
+              <a:t>Allow users to search experts on the basis of their years of experience and past projects.</a:t>
+            </a:r>
+          </a:p>
+          <a:p>
+            <a:pPr lvl="1"/>
             <a:r>
               <a:rPr lang="en-US" dirty="0" smtClean="0"/>
-              <a:t> outlets</a:t>
-            </a:r>
-          </a:p>
-          <a:p>
-            <a:pPr lvl="1"/>
-            <a:r>
-              <a:rPr lang="en-US" dirty="0" smtClean="0"/>
-              <a:t>Should map the locations on interactive Bing Map</a:t>
-            </a:r>
-            <a:endParaRPr lang="en-US" dirty="0"/>
-          </a:p>
-          <a:p>
-            <a:pPr lvl="1"/>
-            <a:endParaRPr lang="en-US" dirty="0" smtClean="0"/>
-          </a:p>
-          <a:p>
-            <a:r>
-              <a:rPr lang="en-US" dirty="0"/>
-              <a:t>Migration:</a:t>
-            </a:r>
-          </a:p>
-          <a:p>
-            <a:pPr lvl="1"/>
-            <a:r>
-              <a:rPr lang="en-US" dirty="0" smtClean="0"/>
-              <a:t>Use search display templates to return search results.</a:t>
+              <a:t>Allow the users to be able to communicate with the experts using a tool.</a:t>
             </a:r>
             <a:endParaRPr lang="en-US" dirty="0"/>
           </a:p>
@@ -21562,8 +22911,12 @@
           </a:p>
           <a:p>
             <a:r>
+              <a:rPr lang="en-US" dirty="0"/>
+              <a:t>Design </a:t>
+            </a:r>
+            <a:r>
               <a:rPr lang="en-US" dirty="0" smtClean="0"/>
-              <a:t>Design notes and status</a:t>
+              <a:t>notes and status</a:t>
             </a:r>
             <a:endParaRPr lang="en-US" dirty="0"/>
           </a:p>
@@ -21571,26 +22924,292 @@
             <a:pPr lvl="1"/>
             <a:r>
               <a:rPr lang="en-US" dirty="0" smtClean="0"/>
-              <a:t>SharePoint search and display templates will be used to achieve the end goal.</a:t>
-            </a:r>
-          </a:p>
-          <a:p>
+              <a:t>The solution will be replaced using the SharePoint People search</a:t>
+            </a:r>
+          </a:p>
+          <a:p>
+            <a:pPr lvl="1"/>
+            <a:r>
+              <a:rPr lang="en-US" dirty="0" smtClean="0"/>
+              <a:t>The People search will provide integration with Lync which can then be used to communicate with the expert using messaging or voice call.</a:t>
+            </a:r>
             <a:endParaRPr lang="en-US" dirty="0"/>
+          </a:p>
+          <a:p>
+            <a:endParaRPr lang="en-US" dirty="0"/>
+          </a:p>
+        </p:txBody>
+      </p:sp>
+      <p:sp>
+        <p:nvSpPr>
+          <p:cNvPr id="4" name="Text Placeholder 6"/>
+          <p:cNvSpPr txBox="1">
+            <a:spLocks/>
+          </p:cNvSpPr>
+          <p:nvPr/>
+        </p:nvSpPr>
+        <p:spPr>
+          <a:xfrm>
+            <a:off x="3173505" y="1243404"/>
+            <a:ext cx="8494619" cy="2043636"/>
+          </a:xfrm>
+          <a:prstGeom prst="rect">
+            <a:avLst/>
+          </a:prstGeom>
+        </p:spPr>
+        <p:txBody>
+          <a:bodyPr/>
+          <a:lstStyle>
+            <a:lvl1pPr marL="339725" marR="0" indent="-339725" algn="l" defTabSz="914363" rtl="0" eaLnBrk="1" fontAlgn="auto" latinLnBrk="0" hangingPunct="1">
+              <a:lnSpc>
+                <a:spcPct val="90000"/>
+              </a:lnSpc>
+              <a:spcBef>
+                <a:spcPct val="20000"/>
+              </a:spcBef>
+              <a:spcAft>
+                <a:spcPts val="0"/>
+              </a:spcAft>
+              <a:buClrTx/>
+              <a:buSzPct val="80000"/>
+              <a:buFont typeface="Arial" pitchFamily="34" charset="0"/>
+              <a:buChar char="•"/>
+              <a:tabLst/>
+              <a:defRPr sz="3600" kern="1200" spc="-70" baseline="0">
+                <a:gradFill>
+                  <a:gsLst>
+                    <a:gs pos="1250">
+                      <a:schemeClr val="bg2"/>
+                    </a:gs>
+                    <a:gs pos="100000">
+                      <a:schemeClr val="bg2"/>
+                    </a:gs>
+                  </a:gsLst>
+                  <a:lin ang="5400000" scaled="0"/>
+                </a:gradFill>
+                <a:latin typeface="+mj-lt"/>
+                <a:ea typeface="+mn-ea"/>
+                <a:cs typeface="+mn-cs"/>
+              </a:defRPr>
+            </a:lvl1pPr>
+            <a:lvl2pPr marL="573088" marR="0" indent="-233363" algn="l" defTabSz="914363" rtl="0" eaLnBrk="1" fontAlgn="auto" latinLnBrk="0" hangingPunct="1">
+              <a:lnSpc>
+                <a:spcPct val="90000"/>
+              </a:lnSpc>
+              <a:spcBef>
+                <a:spcPct val="20000"/>
+              </a:spcBef>
+              <a:spcAft>
+                <a:spcPts val="0"/>
+              </a:spcAft>
+              <a:buClrTx/>
+              <a:buSzPct val="90000"/>
+              <a:buFont typeface="Wingdings" pitchFamily="2" charset="2"/>
+              <a:buChar char=""/>
+              <a:tabLst/>
+              <a:defRPr sz="2400" kern="1200" spc="0" baseline="0">
+                <a:gradFill>
+                  <a:gsLst>
+                    <a:gs pos="1250">
+                      <a:schemeClr val="bg2"/>
+                    </a:gs>
+                    <a:gs pos="100000">
+                      <a:schemeClr val="bg2"/>
+                    </a:gs>
+                  </a:gsLst>
+                  <a:lin ang="5400000" scaled="0"/>
+                </a:gradFill>
+                <a:latin typeface="+mn-lt"/>
+                <a:ea typeface="+mn-ea"/>
+                <a:cs typeface="+mn-cs"/>
+              </a:defRPr>
+            </a:lvl2pPr>
+            <a:lvl3pPr marL="798513" marR="0" indent="-225425" algn="l" defTabSz="914363" rtl="0" eaLnBrk="1" fontAlgn="auto" latinLnBrk="0" hangingPunct="1">
+              <a:lnSpc>
+                <a:spcPct val="90000"/>
+              </a:lnSpc>
+              <a:spcBef>
+                <a:spcPct val="20000"/>
+              </a:spcBef>
+              <a:spcAft>
+                <a:spcPts val="0"/>
+              </a:spcAft>
+              <a:buClrTx/>
+              <a:buSzPct val="90000"/>
+              <a:buFont typeface="Wingdings" pitchFamily="2" charset="2"/>
+              <a:buChar char=""/>
+              <a:tabLst>
+                <a:tab pos="798513" algn="l"/>
+              </a:tabLst>
+              <a:defRPr sz="2400" kern="1200" spc="0" baseline="0">
+                <a:gradFill>
+                  <a:gsLst>
+                    <a:gs pos="1250">
+                      <a:schemeClr val="bg2"/>
+                    </a:gs>
+                    <a:gs pos="100000">
+                      <a:schemeClr val="bg2"/>
+                    </a:gs>
+                  </a:gsLst>
+                  <a:lin ang="5400000" scaled="0"/>
+                </a:gradFill>
+                <a:latin typeface="+mn-lt"/>
+                <a:ea typeface="+mn-ea"/>
+                <a:cs typeface="+mn-cs"/>
+              </a:defRPr>
+            </a:lvl3pPr>
+            <a:lvl4pPr marL="1030288" marR="0" indent="-231775" algn="l" defTabSz="914363" rtl="0" eaLnBrk="1" fontAlgn="auto" latinLnBrk="0" hangingPunct="1">
+              <a:lnSpc>
+                <a:spcPct val="90000"/>
+              </a:lnSpc>
+              <a:spcBef>
+                <a:spcPct val="20000"/>
+              </a:spcBef>
+              <a:spcAft>
+                <a:spcPts val="0"/>
+              </a:spcAft>
+              <a:buClrTx/>
+              <a:buSzPct val="90000"/>
+              <a:buFont typeface="Wingdings" pitchFamily="2" charset="2"/>
+              <a:buChar char=""/>
+              <a:tabLst/>
+              <a:defRPr sz="2000" kern="1200" spc="0" baseline="0">
+                <a:gradFill>
+                  <a:gsLst>
+                    <a:gs pos="1250">
+                      <a:schemeClr val="bg2"/>
+                    </a:gs>
+                    <a:gs pos="100000">
+                      <a:schemeClr val="bg2"/>
+                    </a:gs>
+                  </a:gsLst>
+                  <a:lin ang="5400000" scaled="0"/>
+                </a:gradFill>
+                <a:latin typeface="+mn-lt"/>
+                <a:ea typeface="+mn-ea"/>
+                <a:cs typeface="+mn-cs"/>
+              </a:defRPr>
+            </a:lvl4pPr>
+            <a:lvl5pPr marL="1255713" marR="0" indent="-225425" algn="l" defTabSz="914363" rtl="0" eaLnBrk="1" fontAlgn="auto" latinLnBrk="0" hangingPunct="1">
+              <a:lnSpc>
+                <a:spcPct val="90000"/>
+              </a:lnSpc>
+              <a:spcBef>
+                <a:spcPct val="20000"/>
+              </a:spcBef>
+              <a:spcAft>
+                <a:spcPts val="0"/>
+              </a:spcAft>
+              <a:buClrTx/>
+              <a:buSzPct val="90000"/>
+              <a:buFont typeface="Wingdings" pitchFamily="2" charset="2"/>
+              <a:buChar char=""/>
+              <a:tabLst>
+                <a:tab pos="1255713" algn="l"/>
+              </a:tabLst>
+              <a:defRPr sz="2000" kern="1200" spc="0" baseline="0">
+                <a:gradFill>
+                  <a:gsLst>
+                    <a:gs pos="1250">
+                      <a:schemeClr val="bg2"/>
+                    </a:gs>
+                    <a:gs pos="100000">
+                      <a:schemeClr val="bg2"/>
+                    </a:gs>
+                  </a:gsLst>
+                  <a:lin ang="5400000" scaled="0"/>
+                </a:gradFill>
+                <a:latin typeface="+mn-lt"/>
+                <a:ea typeface="+mn-ea"/>
+                <a:cs typeface="+mn-cs"/>
+              </a:defRPr>
+            </a:lvl5pPr>
+            <a:lvl6pPr marL="2514499" indent="-228591" algn="l" defTabSz="914363" rtl="0" eaLnBrk="1" latinLnBrk="0" hangingPunct="1">
+              <a:spcBef>
+                <a:spcPct val="20000"/>
+              </a:spcBef>
+              <a:buFont typeface="Arial" pitchFamily="34" charset="0"/>
+              <a:buChar char="•"/>
+              <a:defRPr sz="2000" kern="1200">
+                <a:solidFill>
+                  <a:schemeClr val="tx1"/>
+                </a:solidFill>
+                <a:latin typeface="+mn-lt"/>
+                <a:ea typeface="+mn-ea"/>
+                <a:cs typeface="+mn-cs"/>
+              </a:defRPr>
+            </a:lvl6pPr>
+            <a:lvl7pPr marL="2971681" indent="-228591" algn="l" defTabSz="914363" rtl="0" eaLnBrk="1" latinLnBrk="0" hangingPunct="1">
+              <a:spcBef>
+                <a:spcPct val="20000"/>
+              </a:spcBef>
+              <a:buFont typeface="Arial" pitchFamily="34" charset="0"/>
+              <a:buChar char="•"/>
+              <a:defRPr sz="2000" kern="1200">
+                <a:solidFill>
+                  <a:schemeClr val="tx1"/>
+                </a:solidFill>
+                <a:latin typeface="+mn-lt"/>
+                <a:ea typeface="+mn-ea"/>
+                <a:cs typeface="+mn-cs"/>
+              </a:defRPr>
+            </a:lvl7pPr>
+            <a:lvl8pPr marL="3428863" indent="-228591" algn="l" defTabSz="914363" rtl="0" eaLnBrk="1" latinLnBrk="0" hangingPunct="1">
+              <a:spcBef>
+                <a:spcPct val="20000"/>
+              </a:spcBef>
+              <a:buFont typeface="Arial" pitchFamily="34" charset="0"/>
+              <a:buChar char="•"/>
+              <a:defRPr sz="2000" kern="1200">
+                <a:solidFill>
+                  <a:schemeClr val="tx1"/>
+                </a:solidFill>
+                <a:latin typeface="+mn-lt"/>
+                <a:ea typeface="+mn-ea"/>
+                <a:cs typeface="+mn-cs"/>
+              </a:defRPr>
+            </a:lvl8pPr>
+            <a:lvl9pPr marL="3886045" indent="-228591" algn="l" defTabSz="914363" rtl="0" eaLnBrk="1" latinLnBrk="0" hangingPunct="1">
+              <a:spcBef>
+                <a:spcPct val="20000"/>
+              </a:spcBef>
+              <a:buFont typeface="Arial" pitchFamily="34" charset="0"/>
+              <a:buChar char="•"/>
+              <a:defRPr sz="2000" kern="1200">
+                <a:solidFill>
+                  <a:schemeClr val="tx1"/>
+                </a:solidFill>
+                <a:latin typeface="+mn-lt"/>
+                <a:ea typeface="+mn-ea"/>
+                <a:cs typeface="+mn-cs"/>
+              </a:defRPr>
+            </a:lvl9pPr>
+          </a:lstStyle>
+          <a:p>
+            <a:endParaRPr lang="en-US" dirty="0" smtClean="0">
+              <a:gradFill>
+                <a:gsLst>
+                  <a:gs pos="1250">
+                    <a:srgbClr val="797A7D"/>
+                  </a:gs>
+                  <a:gs pos="100000">
+                    <a:srgbClr val="797A7D"/>
+                  </a:gs>
+                </a:gsLst>
+                <a:lin ang="5400000" scaled="0"/>
+              </a:gradFill>
+            </a:endParaRPr>
           </a:p>
         </p:txBody>
       </p:sp>
       <p:graphicFrame>
         <p:nvGraphicFramePr>
-          <p:cNvPr id="3" name="Table 7"/>
+          <p:cNvPr id="6" name="Table 7"/>
           <p:cNvGraphicFramePr>
             <a:graphicFrameLocks noGrp="1"/>
           </p:cNvGraphicFramePr>
           <p:nvPr>
-            <p:extLst>
-              <p:ext uri="{D42A27DB-BD31-4B8C-83A1-F6EECF244321}">
-                <p14:modId xmlns:p14="http://schemas.microsoft.com/office/powerpoint/2010/main" val="138622558"/>
-              </p:ext>
-            </p:extLst>
+            <p:extLst/>
           </p:nvPr>
         </p:nvGraphicFramePr>
         <p:xfrm>
@@ -21607,7 +23226,7 @@
                 <a:gridCol w="2373524">
                   <a:extLst>
                     <a:ext uri="{9D8B030D-6E8A-4147-A177-3AD203B41FA5}">
-                      <a16:colId xmlns:a16="http://schemas.microsoft.com/office/drawing/2014/main" xmlns="" val="20000"/>
+                      <a16:colId xmlns="" xmlns:a16="http://schemas.microsoft.com/office/drawing/2014/main" val="20000"/>
                     </a:ext>
                   </a:extLst>
                 </a:gridCol>
@@ -21621,7 +23240,7 @@
                       <a:pPr algn="ctr"/>
                       <a:r>
                         <a:rPr lang="en-US" b="1" i="0" dirty="0" smtClean="0"/>
-                        <a:t>LF</a:t>
+                        <a:t>Skill Finder</a:t>
                       </a:r>
                       <a:endParaRPr lang="nl-BE" b="1" i="0" dirty="0"/>
                     </a:p>
@@ -21670,7 +23289,7 @@
                 </a:tc>
                 <a:extLst>
                   <a:ext uri="{0D108BD9-81ED-4DB2-BD59-A6C34878D82A}">
-                    <a16:rowId xmlns:a16="http://schemas.microsoft.com/office/drawing/2014/main" xmlns="" val="10000"/>
+                    <a16:rowId xmlns="" xmlns:a16="http://schemas.microsoft.com/office/drawing/2014/main" val="10000"/>
                   </a:ext>
                 </a:extLst>
               </a:tr>
@@ -21731,7 +23350,507 @@
                 </a:tc>
                 <a:extLst>
                   <a:ext uri="{0D108BD9-81ED-4DB2-BD59-A6C34878D82A}">
-                    <a16:rowId xmlns:a16="http://schemas.microsoft.com/office/drawing/2014/main" xmlns="" val="10001"/>
+                    <a16:rowId xmlns="" xmlns:a16="http://schemas.microsoft.com/office/drawing/2014/main" val="10001"/>
+                  </a:ext>
+                </a:extLst>
+              </a:tr>
+              <a:tr h="370840">
+                <a:tc>
+                  <a:txBody>
+                    <a:bodyPr/>
+                    <a:lstStyle/>
+                    <a:p>
+                      <a:pPr algn="ctr"/>
+                      <a:r>
+                        <a:rPr lang="en-US" dirty="0" smtClean="0">
+                          <a:solidFill>
+                            <a:schemeClr val="bg1"/>
+                          </a:solidFill>
+                        </a:rPr>
+                        <a:t>Medium</a:t>
+                      </a:r>
+                      <a:endParaRPr lang="nl-BE" dirty="0">
+                        <a:solidFill>
+                          <a:schemeClr val="bg1"/>
+                        </a:solidFill>
+                      </a:endParaRPr>
+                    </a:p>
+                  </a:txBody>
+                  <a:tcPr>
+                    <a:lnL w="12700" cap="flat" cmpd="sng" algn="ctr">
+                      <a:solidFill>
+                        <a:schemeClr val="tx1"/>
+                      </a:solidFill>
+                      <a:prstDash val="solid"/>
+                      <a:round/>
+                      <a:headEnd type="none" w="med" len="med"/>
+                      <a:tailEnd type="none" w="med" len="med"/>
+                    </a:lnL>
+                    <a:lnR w="12700" cap="flat" cmpd="sng" algn="ctr">
+                      <a:solidFill>
+                        <a:schemeClr val="tx1"/>
+                      </a:solidFill>
+                      <a:prstDash val="solid"/>
+                      <a:round/>
+                      <a:headEnd type="none" w="med" len="med"/>
+                      <a:tailEnd type="none" w="med" len="med"/>
+                    </a:lnR>
+                    <a:lnT w="12700" cap="flat" cmpd="sng" algn="ctr">
+                      <a:solidFill>
+                        <a:schemeClr val="tx1"/>
+                      </a:solidFill>
+                      <a:prstDash val="solid"/>
+                      <a:round/>
+                      <a:headEnd type="none" w="med" len="med"/>
+                      <a:tailEnd type="none" w="med" len="med"/>
+                    </a:lnT>
+                    <a:lnB w="12700" cap="flat" cmpd="sng" algn="ctr">
+                      <a:solidFill>
+                        <a:schemeClr val="tx1"/>
+                      </a:solidFill>
+                      <a:prstDash val="solid"/>
+                      <a:round/>
+                      <a:headEnd type="none" w="med" len="med"/>
+                      <a:tailEnd type="none" w="med" len="med"/>
+                    </a:lnB>
+                    <a:solidFill>
+                      <a:srgbClr val="FFC000"/>
+                    </a:solidFill>
+                  </a:tcPr>
+                </a:tc>
+                <a:extLst>
+                  <a:ext uri="{0D108BD9-81ED-4DB2-BD59-A6C34878D82A}">
+                    <a16:rowId xmlns="" xmlns:a16="http://schemas.microsoft.com/office/drawing/2014/main" val="10002"/>
+                  </a:ext>
+                </a:extLst>
+              </a:tr>
+              <a:tr h="370840">
+                <a:tc>
+                  <a:txBody>
+                    <a:bodyPr/>
+                    <a:lstStyle/>
+                    <a:p>
+                      <a:pPr marL="0" marR="0" indent="0" algn="l" defTabSz="914363" rtl="0" eaLnBrk="1" fontAlgn="auto" latinLnBrk="0" hangingPunct="1">
+                        <a:lnSpc>
+                          <a:spcPct val="100000"/>
+                        </a:lnSpc>
+                        <a:spcBef>
+                          <a:spcPts val="0"/>
+                        </a:spcBef>
+                        <a:spcAft>
+                          <a:spcPts val="0"/>
+                        </a:spcAft>
+                        <a:buClrTx/>
+                        <a:buSzTx/>
+                        <a:buFont typeface="Arial" panose="020B0604020202020204" pitchFamily="34" charset="0"/>
+                        <a:buNone/>
+                        <a:tabLst/>
+                        <a:defRPr/>
+                      </a:pPr>
+                      <a:r>
+                        <a:rPr lang="en-US" i="1" dirty="0" smtClean="0"/>
+                        <a:t>Owner: Contoso</a:t>
+                      </a:r>
+                      <a:endParaRPr lang="nl-BE" i="1" dirty="0" smtClean="0"/>
+                    </a:p>
+                  </a:txBody>
+                  <a:tcPr>
+                    <a:lnL w="12700" cap="flat" cmpd="sng" algn="ctr">
+                      <a:solidFill>
+                        <a:schemeClr val="tx1"/>
+                      </a:solidFill>
+                      <a:prstDash val="solid"/>
+                      <a:round/>
+                      <a:headEnd type="none" w="med" len="med"/>
+                      <a:tailEnd type="none" w="med" len="med"/>
+                    </a:lnL>
+                    <a:lnR w="12700" cap="flat" cmpd="sng" algn="ctr">
+                      <a:solidFill>
+                        <a:schemeClr val="tx1"/>
+                      </a:solidFill>
+                      <a:prstDash val="solid"/>
+                      <a:round/>
+                      <a:headEnd type="none" w="med" len="med"/>
+                      <a:tailEnd type="none" w="med" len="med"/>
+                    </a:lnR>
+                    <a:lnT w="12700" cap="flat" cmpd="sng" algn="ctr">
+                      <a:solidFill>
+                        <a:schemeClr val="tx1"/>
+                      </a:solidFill>
+                      <a:prstDash val="solid"/>
+                      <a:round/>
+                      <a:headEnd type="none" w="med" len="med"/>
+                      <a:tailEnd type="none" w="med" len="med"/>
+                    </a:lnT>
+                    <a:lnB w="12700" cap="flat" cmpd="sng" algn="ctr">
+                      <a:solidFill>
+                        <a:schemeClr val="tx1"/>
+                      </a:solidFill>
+                      <a:prstDash val="solid"/>
+                      <a:round/>
+                      <a:headEnd type="none" w="med" len="med"/>
+                      <a:tailEnd type="none" w="med" len="med"/>
+                    </a:lnB>
+                    <a:solidFill>
+                      <a:schemeClr val="bg1"/>
+                    </a:solidFill>
+                  </a:tcPr>
+                </a:tc>
+                <a:extLst>
+                  <a:ext uri="{0D108BD9-81ED-4DB2-BD59-A6C34878D82A}">
+                    <a16:rowId xmlns="" xmlns:a16="http://schemas.microsoft.com/office/drawing/2014/main" val="10007"/>
+                  </a:ext>
+                </a:extLst>
+              </a:tr>
+            </a:tbl>
+          </a:graphicData>
+        </a:graphic>
+      </p:graphicFrame>
+      <p:sp>
+        <p:nvSpPr>
+          <p:cNvPr id="3" name="Rectangle 2"/>
+          <p:cNvSpPr/>
+          <p:nvPr/>
+        </p:nvSpPr>
+        <p:spPr>
+          <a:xfrm>
+            <a:off x="230528" y="2003612"/>
+            <a:ext cx="1580882" cy="523220"/>
+          </a:xfrm>
+          <a:prstGeom prst="rect">
+            <a:avLst/>
+          </a:prstGeom>
+        </p:spPr>
+        <p:txBody>
+          <a:bodyPr wrap="none">
+            <a:spAutoFit/>
+          </a:bodyPr>
+          <a:lstStyle/>
+          <a:p>
+            <a:pPr algn="ctr"/>
+            <a:r>
+              <a:rPr lang="en-US" sz="2800" b="1" dirty="0" err="1" smtClean="0">
+                <a:solidFill>
+                  <a:srgbClr val="000000"/>
+                </a:solidFill>
+                <a:latin typeface="Berlin Sans FB" panose="020E0602020502020306" pitchFamily="34" charset="0"/>
+              </a:rPr>
+              <a:t>TailSpin</a:t>
+            </a:r>
+            <a:endParaRPr lang="nl-BE" sz="2800" b="1" dirty="0">
+              <a:solidFill>
+                <a:srgbClr val="000000"/>
+              </a:solidFill>
+              <a:latin typeface="Berlin Sans FB" panose="020E0602020502020306" pitchFamily="34" charset="0"/>
+            </a:endParaRPr>
+          </a:p>
+        </p:txBody>
+      </p:sp>
+    </p:spTree>
+    <p:extLst>
+      <p:ext uri="{BB962C8B-B14F-4D97-AF65-F5344CB8AC3E}">
+        <p14:creationId xmlns:p14="http://schemas.microsoft.com/office/powerpoint/2010/main" val="1160665999"/>
+      </p:ext>
+    </p:extLst>
+  </p:cSld>
+  <p:clrMapOvr>
+    <a:masterClrMapping/>
+  </p:clrMapOvr>
+  <p:transition>
+    <p:fade/>
+  </p:transition>
+  <p:timing>
+    <p:tnLst>
+      <p:par>
+        <p:cTn id="1" dur="indefinite" restart="never" nodeType="tmRoot"/>
+      </p:par>
+    </p:tnLst>
+  </p:timing>
+</p:sld>
+</file>
+
+<file path=ppt/slides/slide18.xml><?xml version="1.0" encoding="utf-8"?>
+<p:sld xmlns:a="http://schemas.openxmlformats.org/drawingml/2006/main" xmlns:r="http://schemas.openxmlformats.org/officeDocument/2006/relationships" xmlns:p="http://schemas.openxmlformats.org/presentationml/2006/main">
+  <p:cSld>
+    <p:spTree>
+      <p:nvGrpSpPr>
+        <p:cNvPr id="1" name=""/>
+        <p:cNvGrpSpPr/>
+        <p:nvPr/>
+      </p:nvGrpSpPr>
+      <p:grpSpPr>
+        <a:xfrm>
+          <a:off x="0" y="0"/>
+          <a:ext cx="0" cy="0"/>
+          <a:chOff x="0" y="0"/>
+          <a:chExt cx="0" cy="0"/>
+        </a:xfrm>
+      </p:grpSpPr>
+      <p:sp>
+        <p:nvSpPr>
+          <p:cNvPr id="2" name="Title 1"/>
+          <p:cNvSpPr>
+            <a:spLocks noGrp="1"/>
+          </p:cNvSpPr>
+          <p:nvPr>
+            <p:ph type="title"/>
+          </p:nvPr>
+        </p:nvSpPr>
+        <p:spPr/>
+        <p:txBody>
+          <a:bodyPr/>
+          <a:lstStyle/>
+          <a:p>
+            <a:r>
+              <a:rPr lang="nl-BE" dirty="0" smtClean="0"/>
+              <a:t>Location Finder </a:t>
+            </a:r>
+            <a:endParaRPr lang="nl-BE" dirty="0"/>
+          </a:p>
+        </p:txBody>
+      </p:sp>
+      <p:sp>
+        <p:nvSpPr>
+          <p:cNvPr id="11" name="Text Placeholder 10"/>
+          <p:cNvSpPr>
+            <a:spLocks noGrp="1"/>
+          </p:cNvSpPr>
+          <p:nvPr>
+            <p:ph type="body" sz="quarter" idx="10"/>
+          </p:nvPr>
+        </p:nvSpPr>
+        <p:spPr>
+          <a:xfrm>
+            <a:off x="3173506" y="1447799"/>
+            <a:ext cx="8494619" cy="4619626"/>
+          </a:xfrm>
+        </p:spPr>
+        <p:txBody>
+          <a:bodyPr/>
+          <a:lstStyle/>
+          <a:p>
+            <a:r>
+              <a:rPr lang="en-US" dirty="0"/>
+              <a:t>High level requirements:</a:t>
+            </a:r>
+          </a:p>
+          <a:p>
+            <a:pPr lvl="1"/>
+            <a:r>
+              <a:rPr lang="en-US" dirty="0" smtClean="0"/>
+              <a:t>Should allow users to search for </a:t>
+            </a:r>
+            <a:r>
+              <a:rPr lang="en-US" dirty="0" err="1" smtClean="0"/>
+              <a:t>Fabrikam</a:t>
+            </a:r>
+            <a:r>
+              <a:rPr lang="en-US" dirty="0" smtClean="0"/>
+              <a:t> outlets</a:t>
+            </a:r>
+          </a:p>
+          <a:p>
+            <a:pPr lvl="1"/>
+            <a:r>
+              <a:rPr lang="en-US" dirty="0" smtClean="0"/>
+              <a:t>Should map the locations on interactive Bing Map</a:t>
+            </a:r>
+            <a:endParaRPr lang="en-US" dirty="0"/>
+          </a:p>
+          <a:p>
+            <a:pPr lvl="1"/>
+            <a:endParaRPr lang="en-US" dirty="0" smtClean="0"/>
+          </a:p>
+          <a:p>
+            <a:r>
+              <a:rPr lang="en-US" dirty="0"/>
+              <a:t>Migration:</a:t>
+            </a:r>
+          </a:p>
+          <a:p>
+            <a:pPr lvl="1"/>
+            <a:r>
+              <a:rPr lang="en-US" dirty="0" smtClean="0"/>
+              <a:t>Use search display templates to return search results.</a:t>
+            </a:r>
+            <a:endParaRPr lang="en-US" dirty="0"/>
+          </a:p>
+          <a:p>
+            <a:pPr lvl="1"/>
+            <a:endParaRPr lang="en-US" dirty="0"/>
+          </a:p>
+          <a:p>
+            <a:r>
+              <a:rPr lang="en-US" dirty="0" smtClean="0"/>
+              <a:t>Design notes and status</a:t>
+            </a:r>
+            <a:endParaRPr lang="en-US" dirty="0"/>
+          </a:p>
+          <a:p>
+            <a:pPr lvl="1"/>
+            <a:r>
+              <a:rPr lang="en-US" dirty="0" smtClean="0"/>
+              <a:t>SharePoint search and display templates will be used to achieve the end goal.</a:t>
+            </a:r>
+          </a:p>
+          <a:p>
+            <a:endParaRPr lang="en-US" dirty="0"/>
+          </a:p>
+        </p:txBody>
+      </p:sp>
+      <p:graphicFrame>
+        <p:nvGraphicFramePr>
+          <p:cNvPr id="3" name="Table 7"/>
+          <p:cNvGraphicFramePr>
+            <a:graphicFrameLocks noGrp="1"/>
+          </p:cNvGraphicFramePr>
+          <p:nvPr>
+            <p:extLst>
+              <p:ext uri="{D42A27DB-BD31-4B8C-83A1-F6EECF244321}">
+                <p14:modId xmlns:p14="http://schemas.microsoft.com/office/powerpoint/2010/main" val="3746458026"/>
+              </p:ext>
+            </p:extLst>
+          </p:nvPr>
+        </p:nvGraphicFramePr>
+        <p:xfrm>
+          <a:off x="291646" y="425158"/>
+          <a:ext cx="2373524" cy="1483360"/>
+        </p:xfrm>
+        <a:graphic>
+          <a:graphicData uri="http://schemas.openxmlformats.org/drawingml/2006/table">
+            <a:tbl>
+              <a:tblPr>
+                <a:tableStyleId>{2D5ABB26-0587-4C30-8999-92F81FD0307C}</a:tableStyleId>
+              </a:tblPr>
+              <a:tblGrid>
+                <a:gridCol w="2373524">
+                  <a:extLst>
+                    <a:ext uri="{9D8B030D-6E8A-4147-A177-3AD203B41FA5}">
+                      <a16:colId xmlns="" xmlns:a16="http://schemas.microsoft.com/office/drawing/2014/main" val="20000"/>
+                    </a:ext>
+                  </a:extLst>
+                </a:gridCol>
+              </a:tblGrid>
+              <a:tr h="370840">
+                <a:tc>
+                  <a:txBody>
+                    <a:bodyPr/>
+                    <a:lstStyle/>
+                    <a:p>
+                      <a:pPr algn="ctr"/>
+                      <a:r>
+                        <a:rPr lang="en-US" b="1" i="0" smtClean="0"/>
+                        <a:t>Location Finder</a:t>
+                      </a:r>
+                      <a:endParaRPr lang="nl-BE" b="1" i="0" dirty="0"/>
+                    </a:p>
+                  </a:txBody>
+                  <a:tcPr>
+                    <a:lnL w="12700" cap="flat" cmpd="sng" algn="ctr">
+                      <a:solidFill>
+                        <a:schemeClr val="tx1"/>
+                      </a:solidFill>
+                      <a:prstDash val="solid"/>
+                      <a:round/>
+                      <a:headEnd type="none" w="med" len="med"/>
+                      <a:tailEnd type="none" w="med" len="med"/>
+                    </a:lnL>
+                    <a:lnR w="12700" cap="flat" cmpd="sng" algn="ctr">
+                      <a:solidFill>
+                        <a:schemeClr val="tx1"/>
+                      </a:solidFill>
+                      <a:prstDash val="solid"/>
+                      <a:round/>
+                      <a:headEnd type="none" w="med" len="med"/>
+                      <a:tailEnd type="none" w="med" len="med"/>
+                    </a:lnR>
+                    <a:lnT w="12700" cap="flat" cmpd="sng" algn="ctr">
+                      <a:solidFill>
+                        <a:schemeClr val="tx1"/>
+                      </a:solidFill>
+                      <a:prstDash val="solid"/>
+                      <a:round/>
+                      <a:headEnd type="none" w="med" len="med"/>
+                      <a:tailEnd type="none" w="med" len="med"/>
+                    </a:lnT>
+                    <a:lnB w="12700" cap="flat" cmpd="sng" algn="ctr">
+                      <a:solidFill>
+                        <a:schemeClr val="tx1"/>
+                      </a:solidFill>
+                      <a:prstDash val="solid"/>
+                      <a:round/>
+                      <a:headEnd type="none" w="med" len="med"/>
+                      <a:tailEnd type="none" w="med" len="med"/>
+                    </a:lnB>
+                    <a:solidFill>
+                      <a:schemeClr val="bg1"/>
+                    </a:solidFill>
+                  </a:tcPr>
+                </a:tc>
+                <a:extLst>
+                  <a:ext uri="{0D108BD9-81ED-4DB2-BD59-A6C34878D82A}">
+                    <a16:rowId xmlns="" xmlns:a16="http://schemas.microsoft.com/office/drawing/2014/main" val="10000"/>
+                  </a:ext>
+                </a:extLst>
+              </a:tr>
+              <a:tr h="370840">
+                <a:tc>
+                  <a:txBody>
+                    <a:bodyPr/>
+                    <a:lstStyle/>
+                    <a:p>
+                      <a:r>
+                        <a:rPr lang="en-US" i="1" dirty="0" smtClean="0"/>
+                        <a:t>Complexity:</a:t>
+                      </a:r>
+                      <a:endParaRPr lang="nl-BE" i="1" dirty="0"/>
+                    </a:p>
+                  </a:txBody>
+                  <a:tcPr>
+                    <a:lnL w="12700" cap="flat" cmpd="sng" algn="ctr">
+                      <a:solidFill>
+                        <a:schemeClr val="tx1"/>
+                      </a:solidFill>
+                      <a:prstDash val="solid"/>
+                      <a:round/>
+                      <a:headEnd type="none" w="med" len="med"/>
+                      <a:tailEnd type="none" w="med" len="med"/>
+                    </a:lnL>
+                    <a:lnR w="12700" cap="flat" cmpd="sng" algn="ctr">
+                      <a:solidFill>
+                        <a:schemeClr val="tx1"/>
+                      </a:solidFill>
+                      <a:prstDash val="solid"/>
+                      <a:round/>
+                      <a:headEnd type="none" w="med" len="med"/>
+                      <a:tailEnd type="none" w="med" len="med"/>
+                    </a:lnR>
+                    <a:lnT w="12700" cap="flat" cmpd="sng" algn="ctr">
+                      <a:solidFill>
+                        <a:schemeClr val="tx1"/>
+                      </a:solidFill>
+                      <a:prstDash val="solid"/>
+                      <a:round/>
+                      <a:headEnd type="none" w="med" len="med"/>
+                      <a:tailEnd type="none" w="med" len="med"/>
+                    </a:lnT>
+                    <a:lnB w="12700" cap="flat" cmpd="sng" algn="ctr">
+                      <a:solidFill>
+                        <a:schemeClr val="tx1"/>
+                      </a:solidFill>
+                      <a:prstDash val="solid"/>
+                      <a:round/>
+                      <a:headEnd type="none" w="med" len="med"/>
+                      <a:tailEnd type="none" w="med" len="med"/>
+                    </a:lnB>
+                    <a:solidFill>
+                      <a:schemeClr val="bg1"/>
+                    </a:solidFill>
+                  </a:tcPr>
+                </a:tc>
+                <a:extLst>
+                  <a:ext uri="{0D108BD9-81ED-4DB2-BD59-A6C34878D82A}">
+                    <a16:rowId xmlns="" xmlns:a16="http://schemas.microsoft.com/office/drawing/2014/main" val="10001"/>
                   </a:ext>
                 </a:extLst>
               </a:tr>
@@ -21809,7 +23928,7 @@
                 </a:tc>
                 <a:extLst>
                   <a:ext uri="{0D108BD9-81ED-4DB2-BD59-A6C34878D82A}">
-                    <a16:rowId xmlns:a16="http://schemas.microsoft.com/office/drawing/2014/main" xmlns="" val="10002"/>
+                    <a16:rowId xmlns="" xmlns:a16="http://schemas.microsoft.com/office/drawing/2014/main" val="10002"/>
                   </a:ext>
                 </a:extLst>
               </a:tr>
@@ -21891,7 +24010,7 @@
                 </a:tc>
                 <a:extLst>
                   <a:ext uri="{0D108BD9-81ED-4DB2-BD59-A6C34878D82A}">
-                    <a16:rowId xmlns:a16="http://schemas.microsoft.com/office/drawing/2014/main" xmlns="" val="10007"/>
+                    <a16:rowId xmlns="" xmlns:a16="http://schemas.microsoft.com/office/drawing/2014/main" val="10007"/>
                   </a:ext>
                 </a:extLst>
               </a:tr>
@@ -22225,7 +24344,7 @@
 </p:sld>
 </file>
 
-<file path=ppt/slides/slide17.xml><?xml version="1.0" encoding="utf-8"?>
+<file path=ppt/slides/slide19.xml><?xml version="1.0" encoding="utf-8"?>
 <p:sld xmlns:a="http://schemas.openxmlformats.org/drawingml/2006/main" xmlns:r="http://schemas.openxmlformats.org/officeDocument/2006/relationships" xmlns:p="http://schemas.openxmlformats.org/presentationml/2006/main">
   <p:cSld>
     <p:spTree>
@@ -22259,7 +24378,7 @@
           <a:p>
             <a:r>
               <a:rPr lang="nl-BE" dirty="0" smtClean="0"/>
-              <a:t>Skill Finder</a:t>
+              <a:t>Web Analytics</a:t>
             </a:r>
             <a:endParaRPr lang="nl-BE" dirty="0"/>
           </a:p>
@@ -22294,14 +24413,49 @@
             <a:pPr lvl="1"/>
             <a:r>
               <a:rPr lang="en-US" dirty="0" smtClean="0"/>
-              <a:t>Allow users to search experts on the basis of their years of experience and past projects.</a:t>
+              <a:t>Discover </a:t>
+            </a:r>
+            <a:r>
+              <a:rPr lang="en-US" dirty="0"/>
+              <a:t>keywords, phrases and the most clicked-on results</a:t>
+            </a:r>
+            <a:r>
+              <a:rPr lang="en-US" dirty="0" smtClean="0"/>
+              <a:t>.</a:t>
             </a:r>
           </a:p>
           <a:p>
             <a:pPr lvl="1"/>
             <a:r>
               <a:rPr lang="en-US" dirty="0" smtClean="0"/>
-              <a:t>Allow the users to be able to communicate with the experts using a tool.</a:t>
+              <a:t>Provide </a:t>
+            </a:r>
+            <a:r>
+              <a:rPr lang="en-US" dirty="0"/>
+              <a:t>the session history of all </a:t>
+            </a:r>
+            <a:r>
+              <a:rPr lang="en-US" dirty="0" smtClean="0"/>
+              <a:t>SharePoint </a:t>
+            </a:r>
+            <a:r>
+              <a:rPr lang="en-US" dirty="0"/>
+              <a:t>users</a:t>
+            </a:r>
+            <a:r>
+              <a:rPr lang="en-US" dirty="0" smtClean="0"/>
+              <a:t>.</a:t>
+            </a:r>
+          </a:p>
+          <a:p>
+            <a:pPr lvl="1"/>
+            <a:r>
+              <a:rPr lang="en-US" dirty="0" smtClean="0"/>
+              <a:t>Provide </a:t>
+            </a:r>
+            <a:r>
+              <a:rPr lang="en-US" dirty="0" smtClean="0"/>
+              <a:t>information on popular content</a:t>
             </a:r>
             <a:endParaRPr lang="en-US" dirty="0"/>
           </a:p>
@@ -22324,18 +24478,34 @@
             <a:pPr lvl="1"/>
             <a:r>
               <a:rPr lang="en-US" dirty="0" smtClean="0"/>
-              <a:t>The solution will be replaced using the SharePoint People search</a:t>
+              <a:t>Contoso will make use of SharePoint 2013 usage Reports.</a:t>
             </a:r>
           </a:p>
           <a:p>
             <a:pPr lvl="1"/>
             <a:r>
               <a:rPr lang="en-US" dirty="0" smtClean="0"/>
-              <a:t>The People search will provide integration with Lync which can then be used to communicate with the expert using messaging or voice call.</a:t>
+              <a:t>Client side techniques will be used to inject JS using script blocks on master page.</a:t>
             </a:r>
             <a:endParaRPr lang="en-US" dirty="0"/>
           </a:p>
           <a:p>
+            <a:pPr lvl="1"/>
+            <a:endParaRPr lang="en-US" dirty="0"/>
+          </a:p>
+          <a:p>
+            <a:r>
+              <a:rPr lang="en-US" dirty="0" smtClean="0"/>
+              <a:t>Challenges</a:t>
+            </a:r>
+            <a:endParaRPr lang="en-US" dirty="0"/>
+          </a:p>
+          <a:p>
+            <a:pPr lvl="1"/>
+            <a:r>
+              <a:rPr lang="en-US" dirty="0" smtClean="0"/>
+              <a:t>None</a:t>
+            </a:r>
             <a:endParaRPr lang="en-US" dirty="0"/>
           </a:p>
         </p:txBody>
@@ -22586,797 +24756,6 @@
             </a:lvl9pPr>
           </a:lstStyle>
           <a:p>
-            <a:endParaRPr lang="en-US" dirty="0" smtClean="0">
-              <a:gradFill>
-                <a:gsLst>
-                  <a:gs pos="1250">
-                    <a:srgbClr val="797A7D"/>
-                  </a:gs>
-                  <a:gs pos="100000">
-                    <a:srgbClr val="797A7D"/>
-                  </a:gs>
-                </a:gsLst>
-                <a:lin ang="5400000" scaled="0"/>
-              </a:gradFill>
-            </a:endParaRPr>
-          </a:p>
-        </p:txBody>
-      </p:sp>
-      <p:graphicFrame>
-        <p:nvGraphicFramePr>
-          <p:cNvPr id="6" name="Table 7"/>
-          <p:cNvGraphicFramePr>
-            <a:graphicFrameLocks noGrp="1"/>
-          </p:cNvGraphicFramePr>
-          <p:nvPr>
-            <p:extLst/>
-          </p:nvPr>
-        </p:nvGraphicFramePr>
-        <p:xfrm>
-          <a:off x="291646" y="425158"/>
-          <a:ext cx="2373524" cy="1483360"/>
-        </p:xfrm>
-        <a:graphic>
-          <a:graphicData uri="http://schemas.openxmlformats.org/drawingml/2006/table">
-            <a:tbl>
-              <a:tblPr>
-                <a:tableStyleId>{2D5ABB26-0587-4C30-8999-92F81FD0307C}</a:tableStyleId>
-              </a:tblPr>
-              <a:tblGrid>
-                <a:gridCol w="2373524">
-                  <a:extLst>
-                    <a:ext uri="{9D8B030D-6E8A-4147-A177-3AD203B41FA5}">
-                      <a16:colId xmlns:a16="http://schemas.microsoft.com/office/drawing/2014/main" xmlns="" val="20000"/>
-                    </a:ext>
-                  </a:extLst>
-                </a:gridCol>
-              </a:tblGrid>
-              <a:tr h="370840">
-                <a:tc>
-                  <a:txBody>
-                    <a:bodyPr/>
-                    <a:lstStyle/>
-                    <a:p>
-                      <a:pPr algn="ctr"/>
-                      <a:r>
-                        <a:rPr lang="en-US" b="1" i="0" dirty="0" smtClean="0"/>
-                        <a:t>Skill Finder</a:t>
-                      </a:r>
-                      <a:endParaRPr lang="nl-BE" b="1" i="0" dirty="0"/>
-                    </a:p>
-                  </a:txBody>
-                  <a:tcPr>
-                    <a:lnL w="12700" cap="flat" cmpd="sng" algn="ctr">
-                      <a:solidFill>
-                        <a:schemeClr val="tx1"/>
-                      </a:solidFill>
-                      <a:prstDash val="solid"/>
-                      <a:round/>
-                      <a:headEnd type="none" w="med" len="med"/>
-                      <a:tailEnd type="none" w="med" len="med"/>
-                    </a:lnL>
-                    <a:lnR w="12700" cap="flat" cmpd="sng" algn="ctr">
-                      <a:solidFill>
-                        <a:schemeClr val="tx1"/>
-                      </a:solidFill>
-                      <a:prstDash val="solid"/>
-                      <a:round/>
-                      <a:headEnd type="none" w="med" len="med"/>
-                      <a:tailEnd type="none" w="med" len="med"/>
-                    </a:lnR>
-                    <a:lnT w="12700" cap="flat" cmpd="sng" algn="ctr">
-                      <a:solidFill>
-                        <a:schemeClr val="tx1"/>
-                      </a:solidFill>
-                      <a:prstDash val="solid"/>
-                      <a:round/>
-                      <a:headEnd type="none" w="med" len="med"/>
-                      <a:tailEnd type="none" w="med" len="med"/>
-                    </a:lnT>
-                    <a:lnB w="12700" cap="flat" cmpd="sng" algn="ctr">
-                      <a:solidFill>
-                        <a:schemeClr val="tx1"/>
-                      </a:solidFill>
-                      <a:prstDash val="solid"/>
-                      <a:round/>
-                      <a:headEnd type="none" w="med" len="med"/>
-                      <a:tailEnd type="none" w="med" len="med"/>
-                    </a:lnB>
-                    <a:solidFill>
-                      <a:schemeClr val="bg1"/>
-                    </a:solidFill>
-                  </a:tcPr>
-                </a:tc>
-                <a:extLst>
-                  <a:ext uri="{0D108BD9-81ED-4DB2-BD59-A6C34878D82A}">
-                    <a16:rowId xmlns:a16="http://schemas.microsoft.com/office/drawing/2014/main" xmlns="" val="10000"/>
-                  </a:ext>
-                </a:extLst>
-              </a:tr>
-              <a:tr h="370840">
-                <a:tc>
-                  <a:txBody>
-                    <a:bodyPr/>
-                    <a:lstStyle/>
-                    <a:p>
-                      <a:r>
-                        <a:rPr lang="en-US" i="1" dirty="0" smtClean="0"/>
-                        <a:t>Complexity:</a:t>
-                      </a:r>
-                      <a:endParaRPr lang="nl-BE" i="1" dirty="0"/>
-                    </a:p>
-                  </a:txBody>
-                  <a:tcPr>
-                    <a:lnL w="12700" cap="flat" cmpd="sng" algn="ctr">
-                      <a:solidFill>
-                        <a:schemeClr val="tx1"/>
-                      </a:solidFill>
-                      <a:prstDash val="solid"/>
-                      <a:round/>
-                      <a:headEnd type="none" w="med" len="med"/>
-                      <a:tailEnd type="none" w="med" len="med"/>
-                    </a:lnL>
-                    <a:lnR w="12700" cap="flat" cmpd="sng" algn="ctr">
-                      <a:solidFill>
-                        <a:schemeClr val="tx1"/>
-                      </a:solidFill>
-                      <a:prstDash val="solid"/>
-                      <a:round/>
-                      <a:headEnd type="none" w="med" len="med"/>
-                      <a:tailEnd type="none" w="med" len="med"/>
-                    </a:lnR>
-                    <a:lnT w="12700" cap="flat" cmpd="sng" algn="ctr">
-                      <a:solidFill>
-                        <a:schemeClr val="tx1"/>
-                      </a:solidFill>
-                      <a:prstDash val="solid"/>
-                      <a:round/>
-                      <a:headEnd type="none" w="med" len="med"/>
-                      <a:tailEnd type="none" w="med" len="med"/>
-                    </a:lnT>
-                    <a:lnB w="12700" cap="flat" cmpd="sng" algn="ctr">
-                      <a:solidFill>
-                        <a:schemeClr val="tx1"/>
-                      </a:solidFill>
-                      <a:prstDash val="solid"/>
-                      <a:round/>
-                      <a:headEnd type="none" w="med" len="med"/>
-                      <a:tailEnd type="none" w="med" len="med"/>
-                    </a:lnB>
-                    <a:solidFill>
-                      <a:schemeClr val="bg1"/>
-                    </a:solidFill>
-                  </a:tcPr>
-                </a:tc>
-                <a:extLst>
-                  <a:ext uri="{0D108BD9-81ED-4DB2-BD59-A6C34878D82A}">
-                    <a16:rowId xmlns:a16="http://schemas.microsoft.com/office/drawing/2014/main" xmlns="" val="10001"/>
-                  </a:ext>
-                </a:extLst>
-              </a:tr>
-              <a:tr h="370840">
-                <a:tc>
-                  <a:txBody>
-                    <a:bodyPr/>
-                    <a:lstStyle/>
-                    <a:p>
-                      <a:pPr algn="ctr"/>
-                      <a:r>
-                        <a:rPr lang="en-US" dirty="0" smtClean="0">
-                          <a:solidFill>
-                            <a:schemeClr val="bg1"/>
-                          </a:solidFill>
-                        </a:rPr>
-                        <a:t>Medium</a:t>
-                      </a:r>
-                      <a:endParaRPr lang="nl-BE" dirty="0">
-                        <a:solidFill>
-                          <a:schemeClr val="bg1"/>
-                        </a:solidFill>
-                      </a:endParaRPr>
-                    </a:p>
-                  </a:txBody>
-                  <a:tcPr>
-                    <a:lnL w="12700" cap="flat" cmpd="sng" algn="ctr">
-                      <a:solidFill>
-                        <a:schemeClr val="tx1"/>
-                      </a:solidFill>
-                      <a:prstDash val="solid"/>
-                      <a:round/>
-                      <a:headEnd type="none" w="med" len="med"/>
-                      <a:tailEnd type="none" w="med" len="med"/>
-                    </a:lnL>
-                    <a:lnR w="12700" cap="flat" cmpd="sng" algn="ctr">
-                      <a:solidFill>
-                        <a:schemeClr val="tx1"/>
-                      </a:solidFill>
-                      <a:prstDash val="solid"/>
-                      <a:round/>
-                      <a:headEnd type="none" w="med" len="med"/>
-                      <a:tailEnd type="none" w="med" len="med"/>
-                    </a:lnR>
-                    <a:lnT w="12700" cap="flat" cmpd="sng" algn="ctr">
-                      <a:solidFill>
-                        <a:schemeClr val="tx1"/>
-                      </a:solidFill>
-                      <a:prstDash val="solid"/>
-                      <a:round/>
-                      <a:headEnd type="none" w="med" len="med"/>
-                      <a:tailEnd type="none" w="med" len="med"/>
-                    </a:lnT>
-                    <a:lnB w="12700" cap="flat" cmpd="sng" algn="ctr">
-                      <a:solidFill>
-                        <a:schemeClr val="tx1"/>
-                      </a:solidFill>
-                      <a:prstDash val="solid"/>
-                      <a:round/>
-                      <a:headEnd type="none" w="med" len="med"/>
-                      <a:tailEnd type="none" w="med" len="med"/>
-                    </a:lnB>
-                    <a:solidFill>
-                      <a:srgbClr val="FFC000"/>
-                    </a:solidFill>
-                  </a:tcPr>
-                </a:tc>
-                <a:extLst>
-                  <a:ext uri="{0D108BD9-81ED-4DB2-BD59-A6C34878D82A}">
-                    <a16:rowId xmlns:a16="http://schemas.microsoft.com/office/drawing/2014/main" xmlns="" val="10002"/>
-                  </a:ext>
-                </a:extLst>
-              </a:tr>
-              <a:tr h="370840">
-                <a:tc>
-                  <a:txBody>
-                    <a:bodyPr/>
-                    <a:lstStyle/>
-                    <a:p>
-                      <a:pPr marL="0" marR="0" indent="0" algn="l" defTabSz="914363" rtl="0" eaLnBrk="1" fontAlgn="auto" latinLnBrk="0" hangingPunct="1">
-                        <a:lnSpc>
-                          <a:spcPct val="100000"/>
-                        </a:lnSpc>
-                        <a:spcBef>
-                          <a:spcPts val="0"/>
-                        </a:spcBef>
-                        <a:spcAft>
-                          <a:spcPts val="0"/>
-                        </a:spcAft>
-                        <a:buClrTx/>
-                        <a:buSzTx/>
-                        <a:buFont typeface="Arial" panose="020B0604020202020204" pitchFamily="34" charset="0"/>
-                        <a:buNone/>
-                        <a:tabLst/>
-                        <a:defRPr/>
-                      </a:pPr>
-                      <a:r>
-                        <a:rPr lang="en-US" i="1" dirty="0" smtClean="0"/>
-                        <a:t>Owner: Contoso</a:t>
-                      </a:r>
-                      <a:endParaRPr lang="nl-BE" i="1" dirty="0" smtClean="0"/>
-                    </a:p>
-                  </a:txBody>
-                  <a:tcPr>
-                    <a:lnL w="12700" cap="flat" cmpd="sng" algn="ctr">
-                      <a:solidFill>
-                        <a:schemeClr val="tx1"/>
-                      </a:solidFill>
-                      <a:prstDash val="solid"/>
-                      <a:round/>
-                      <a:headEnd type="none" w="med" len="med"/>
-                      <a:tailEnd type="none" w="med" len="med"/>
-                    </a:lnL>
-                    <a:lnR w="12700" cap="flat" cmpd="sng" algn="ctr">
-                      <a:solidFill>
-                        <a:schemeClr val="tx1"/>
-                      </a:solidFill>
-                      <a:prstDash val="solid"/>
-                      <a:round/>
-                      <a:headEnd type="none" w="med" len="med"/>
-                      <a:tailEnd type="none" w="med" len="med"/>
-                    </a:lnR>
-                    <a:lnT w="12700" cap="flat" cmpd="sng" algn="ctr">
-                      <a:solidFill>
-                        <a:schemeClr val="tx1"/>
-                      </a:solidFill>
-                      <a:prstDash val="solid"/>
-                      <a:round/>
-                      <a:headEnd type="none" w="med" len="med"/>
-                      <a:tailEnd type="none" w="med" len="med"/>
-                    </a:lnT>
-                    <a:lnB w="12700" cap="flat" cmpd="sng" algn="ctr">
-                      <a:solidFill>
-                        <a:schemeClr val="tx1"/>
-                      </a:solidFill>
-                      <a:prstDash val="solid"/>
-                      <a:round/>
-                      <a:headEnd type="none" w="med" len="med"/>
-                      <a:tailEnd type="none" w="med" len="med"/>
-                    </a:lnB>
-                    <a:solidFill>
-                      <a:schemeClr val="bg1"/>
-                    </a:solidFill>
-                  </a:tcPr>
-                </a:tc>
-                <a:extLst>
-                  <a:ext uri="{0D108BD9-81ED-4DB2-BD59-A6C34878D82A}">
-                    <a16:rowId xmlns:a16="http://schemas.microsoft.com/office/drawing/2014/main" xmlns="" val="10007"/>
-                  </a:ext>
-                </a:extLst>
-              </a:tr>
-            </a:tbl>
-          </a:graphicData>
-        </a:graphic>
-      </p:graphicFrame>
-      <p:sp>
-        <p:nvSpPr>
-          <p:cNvPr id="3" name="Rectangle 2"/>
-          <p:cNvSpPr/>
-          <p:nvPr/>
-        </p:nvSpPr>
-        <p:spPr>
-          <a:xfrm>
-            <a:off x="230528" y="2003612"/>
-            <a:ext cx="1580882" cy="523220"/>
-          </a:xfrm>
-          <a:prstGeom prst="rect">
-            <a:avLst/>
-          </a:prstGeom>
-        </p:spPr>
-        <p:txBody>
-          <a:bodyPr wrap="none">
-            <a:spAutoFit/>
-          </a:bodyPr>
-          <a:lstStyle/>
-          <a:p>
-            <a:pPr algn="ctr"/>
-            <a:r>
-              <a:rPr lang="en-US" sz="2800" b="1" dirty="0" err="1" smtClean="0">
-                <a:solidFill>
-                  <a:srgbClr val="000000"/>
-                </a:solidFill>
-                <a:latin typeface="Berlin Sans FB" panose="020E0602020502020306" pitchFamily="34" charset="0"/>
-              </a:rPr>
-              <a:t>TailSpin</a:t>
-            </a:r>
-            <a:endParaRPr lang="nl-BE" sz="2800" b="1" dirty="0">
-              <a:solidFill>
-                <a:srgbClr val="000000"/>
-              </a:solidFill>
-              <a:latin typeface="Berlin Sans FB" panose="020E0602020502020306" pitchFamily="34" charset="0"/>
-            </a:endParaRPr>
-          </a:p>
-        </p:txBody>
-      </p:sp>
-    </p:spTree>
-    <p:extLst>
-      <p:ext uri="{BB962C8B-B14F-4D97-AF65-F5344CB8AC3E}">
-        <p14:creationId xmlns:p14="http://schemas.microsoft.com/office/powerpoint/2010/main" val="1160665999"/>
-      </p:ext>
-    </p:extLst>
-  </p:cSld>
-  <p:clrMapOvr>
-    <a:masterClrMapping/>
-  </p:clrMapOvr>
-  <p:transition>
-    <p:fade/>
-  </p:transition>
-  <p:timing>
-    <p:tnLst>
-      <p:par>
-        <p:cTn id="1" dur="indefinite" restart="never" nodeType="tmRoot"/>
-      </p:par>
-    </p:tnLst>
-  </p:timing>
-</p:sld>
-</file>
-
-<file path=ppt/slides/slide18.xml><?xml version="1.0" encoding="utf-8"?>
-<p:sld xmlns:a="http://schemas.openxmlformats.org/drawingml/2006/main" xmlns:r="http://schemas.openxmlformats.org/officeDocument/2006/relationships" xmlns:p="http://schemas.openxmlformats.org/presentationml/2006/main">
-  <p:cSld>
-    <p:spTree>
-      <p:nvGrpSpPr>
-        <p:cNvPr id="1" name=""/>
-        <p:cNvGrpSpPr/>
-        <p:nvPr/>
-      </p:nvGrpSpPr>
-      <p:grpSpPr>
-        <a:xfrm>
-          <a:off x="0" y="0"/>
-          <a:ext cx="0" cy="0"/>
-          <a:chOff x="0" y="0"/>
-          <a:chExt cx="0" cy="0"/>
-        </a:xfrm>
-      </p:grpSpPr>
-      <p:sp>
-        <p:nvSpPr>
-          <p:cNvPr id="2" name="Title 1"/>
-          <p:cNvSpPr>
-            <a:spLocks noGrp="1"/>
-          </p:cNvSpPr>
-          <p:nvPr>
-            <p:ph type="title"/>
-          </p:nvPr>
-        </p:nvSpPr>
-        <p:spPr/>
-        <p:txBody>
-          <a:bodyPr/>
-          <a:lstStyle/>
-          <a:p>
-            <a:r>
-              <a:rPr lang="nl-BE" dirty="0" smtClean="0"/>
-              <a:t>Web Analytics</a:t>
-            </a:r>
-            <a:endParaRPr lang="nl-BE" dirty="0"/>
-          </a:p>
-        </p:txBody>
-      </p:sp>
-      <p:sp>
-        <p:nvSpPr>
-          <p:cNvPr id="11" name="Text Placeholder 10"/>
-          <p:cNvSpPr>
-            <a:spLocks noGrp="1"/>
-          </p:cNvSpPr>
-          <p:nvPr>
-            <p:ph type="body" sz="quarter" idx="10"/>
-          </p:nvPr>
-        </p:nvSpPr>
-        <p:spPr>
-          <a:xfrm>
-            <a:off x="3173506" y="1447799"/>
-            <a:ext cx="8494619" cy="4619626"/>
-          </a:xfrm>
-        </p:spPr>
-        <p:txBody>
-          <a:bodyPr/>
-          <a:lstStyle/>
-          <a:p>
-            <a:r>
-              <a:rPr lang="en-US" dirty="0"/>
-              <a:t>High level requirements:</a:t>
-            </a:r>
-          </a:p>
-          <a:p>
-            <a:pPr lvl="1"/>
-            <a:r>
-              <a:rPr lang="en-US" dirty="0" smtClean="0"/>
-              <a:t>Discovers </a:t>
-            </a:r>
-            <a:r>
-              <a:rPr lang="en-US" dirty="0"/>
-              <a:t>keywords, phrases and the most clicked-on results</a:t>
-            </a:r>
-            <a:r>
-              <a:rPr lang="en-US" dirty="0" smtClean="0"/>
-              <a:t>.</a:t>
-            </a:r>
-          </a:p>
-          <a:p>
-            <a:pPr lvl="1"/>
-            <a:r>
-              <a:rPr lang="en-US" dirty="0" smtClean="0"/>
-              <a:t>Provides </a:t>
-            </a:r>
-            <a:r>
-              <a:rPr lang="en-US" dirty="0"/>
-              <a:t>the session history of all </a:t>
-            </a:r>
-            <a:r>
-              <a:rPr lang="en-US" dirty="0" smtClean="0"/>
-              <a:t>SharePoint </a:t>
-            </a:r>
-            <a:r>
-              <a:rPr lang="en-US" dirty="0"/>
-              <a:t>users</a:t>
-            </a:r>
-            <a:r>
-              <a:rPr lang="en-US" dirty="0" smtClean="0"/>
-              <a:t>.</a:t>
-            </a:r>
-          </a:p>
-          <a:p>
-            <a:pPr lvl="1"/>
-            <a:r>
-              <a:rPr lang="en-US" dirty="0" smtClean="0"/>
-              <a:t>Provides information on popular content</a:t>
-            </a:r>
-            <a:endParaRPr lang="en-US" dirty="0"/>
-          </a:p>
-          <a:p>
-            <a:pPr lvl="1"/>
-            <a:endParaRPr lang="en-US" dirty="0"/>
-          </a:p>
-          <a:p>
-            <a:r>
-              <a:rPr lang="en-US" dirty="0"/>
-              <a:t>Design </a:t>
-            </a:r>
-            <a:r>
-              <a:rPr lang="en-US" dirty="0" smtClean="0"/>
-              <a:t>notes and status</a:t>
-            </a:r>
-            <a:endParaRPr lang="en-US" dirty="0"/>
-          </a:p>
-          <a:p>
-            <a:pPr lvl="1"/>
-            <a:r>
-              <a:rPr lang="en-US" dirty="0" smtClean="0"/>
-              <a:t>Contoso will make use of SharePoint 2013 usage Reports.</a:t>
-            </a:r>
-          </a:p>
-          <a:p>
-            <a:pPr lvl="1"/>
-            <a:r>
-              <a:rPr lang="en-US" dirty="0" smtClean="0"/>
-              <a:t>Client side techniques will be used to inject JS using script blocks on master page.</a:t>
-            </a:r>
-            <a:endParaRPr lang="en-US" dirty="0"/>
-          </a:p>
-          <a:p>
-            <a:pPr lvl="1"/>
-            <a:endParaRPr lang="en-US" dirty="0"/>
-          </a:p>
-          <a:p>
-            <a:r>
-              <a:rPr lang="en-US" dirty="0" smtClean="0"/>
-              <a:t>Challenges</a:t>
-            </a:r>
-            <a:endParaRPr lang="en-US" dirty="0"/>
-          </a:p>
-          <a:p>
-            <a:pPr lvl="1"/>
-            <a:r>
-              <a:rPr lang="en-US" dirty="0" smtClean="0"/>
-              <a:t>None</a:t>
-            </a:r>
-            <a:endParaRPr lang="en-US" dirty="0"/>
-          </a:p>
-        </p:txBody>
-      </p:sp>
-      <p:sp>
-        <p:nvSpPr>
-          <p:cNvPr id="4" name="Text Placeholder 6"/>
-          <p:cNvSpPr txBox="1">
-            <a:spLocks/>
-          </p:cNvSpPr>
-          <p:nvPr/>
-        </p:nvSpPr>
-        <p:spPr>
-          <a:xfrm>
-            <a:off x="3173505" y="1243404"/>
-            <a:ext cx="8494619" cy="2043636"/>
-          </a:xfrm>
-          <a:prstGeom prst="rect">
-            <a:avLst/>
-          </a:prstGeom>
-        </p:spPr>
-        <p:txBody>
-          <a:bodyPr/>
-          <a:lstStyle>
-            <a:lvl1pPr marL="339725" marR="0" indent="-339725" algn="l" defTabSz="914363" rtl="0" eaLnBrk="1" fontAlgn="auto" latinLnBrk="0" hangingPunct="1">
-              <a:lnSpc>
-                <a:spcPct val="90000"/>
-              </a:lnSpc>
-              <a:spcBef>
-                <a:spcPct val="20000"/>
-              </a:spcBef>
-              <a:spcAft>
-                <a:spcPts val="0"/>
-              </a:spcAft>
-              <a:buClrTx/>
-              <a:buSzPct val="80000"/>
-              <a:buFont typeface="Arial" pitchFamily="34" charset="0"/>
-              <a:buChar char="•"/>
-              <a:tabLst/>
-              <a:defRPr sz="3600" kern="1200" spc="-70" baseline="0">
-                <a:gradFill>
-                  <a:gsLst>
-                    <a:gs pos="1250">
-                      <a:schemeClr val="bg2"/>
-                    </a:gs>
-                    <a:gs pos="100000">
-                      <a:schemeClr val="bg2"/>
-                    </a:gs>
-                  </a:gsLst>
-                  <a:lin ang="5400000" scaled="0"/>
-                </a:gradFill>
-                <a:latin typeface="+mj-lt"/>
-                <a:ea typeface="+mn-ea"/>
-                <a:cs typeface="+mn-cs"/>
-              </a:defRPr>
-            </a:lvl1pPr>
-            <a:lvl2pPr marL="573088" marR="0" indent="-233363" algn="l" defTabSz="914363" rtl="0" eaLnBrk="1" fontAlgn="auto" latinLnBrk="0" hangingPunct="1">
-              <a:lnSpc>
-                <a:spcPct val="90000"/>
-              </a:lnSpc>
-              <a:spcBef>
-                <a:spcPct val="20000"/>
-              </a:spcBef>
-              <a:spcAft>
-                <a:spcPts val="0"/>
-              </a:spcAft>
-              <a:buClrTx/>
-              <a:buSzPct val="90000"/>
-              <a:buFont typeface="Wingdings" pitchFamily="2" charset="2"/>
-              <a:buChar char=""/>
-              <a:tabLst/>
-              <a:defRPr sz="2400" kern="1200" spc="0" baseline="0">
-                <a:gradFill>
-                  <a:gsLst>
-                    <a:gs pos="1250">
-                      <a:schemeClr val="bg2"/>
-                    </a:gs>
-                    <a:gs pos="100000">
-                      <a:schemeClr val="bg2"/>
-                    </a:gs>
-                  </a:gsLst>
-                  <a:lin ang="5400000" scaled="0"/>
-                </a:gradFill>
-                <a:latin typeface="+mn-lt"/>
-                <a:ea typeface="+mn-ea"/>
-                <a:cs typeface="+mn-cs"/>
-              </a:defRPr>
-            </a:lvl2pPr>
-            <a:lvl3pPr marL="798513" marR="0" indent="-225425" algn="l" defTabSz="914363" rtl="0" eaLnBrk="1" fontAlgn="auto" latinLnBrk="0" hangingPunct="1">
-              <a:lnSpc>
-                <a:spcPct val="90000"/>
-              </a:lnSpc>
-              <a:spcBef>
-                <a:spcPct val="20000"/>
-              </a:spcBef>
-              <a:spcAft>
-                <a:spcPts val="0"/>
-              </a:spcAft>
-              <a:buClrTx/>
-              <a:buSzPct val="90000"/>
-              <a:buFont typeface="Wingdings" pitchFamily="2" charset="2"/>
-              <a:buChar char=""/>
-              <a:tabLst>
-                <a:tab pos="798513" algn="l"/>
-              </a:tabLst>
-              <a:defRPr sz="2400" kern="1200" spc="0" baseline="0">
-                <a:gradFill>
-                  <a:gsLst>
-                    <a:gs pos="1250">
-                      <a:schemeClr val="bg2"/>
-                    </a:gs>
-                    <a:gs pos="100000">
-                      <a:schemeClr val="bg2"/>
-                    </a:gs>
-                  </a:gsLst>
-                  <a:lin ang="5400000" scaled="0"/>
-                </a:gradFill>
-                <a:latin typeface="+mn-lt"/>
-                <a:ea typeface="+mn-ea"/>
-                <a:cs typeface="+mn-cs"/>
-              </a:defRPr>
-            </a:lvl3pPr>
-            <a:lvl4pPr marL="1030288" marR="0" indent="-231775" algn="l" defTabSz="914363" rtl="0" eaLnBrk="1" fontAlgn="auto" latinLnBrk="0" hangingPunct="1">
-              <a:lnSpc>
-                <a:spcPct val="90000"/>
-              </a:lnSpc>
-              <a:spcBef>
-                <a:spcPct val="20000"/>
-              </a:spcBef>
-              <a:spcAft>
-                <a:spcPts val="0"/>
-              </a:spcAft>
-              <a:buClrTx/>
-              <a:buSzPct val="90000"/>
-              <a:buFont typeface="Wingdings" pitchFamily="2" charset="2"/>
-              <a:buChar char=""/>
-              <a:tabLst/>
-              <a:defRPr sz="2000" kern="1200" spc="0" baseline="0">
-                <a:gradFill>
-                  <a:gsLst>
-                    <a:gs pos="1250">
-                      <a:schemeClr val="bg2"/>
-                    </a:gs>
-                    <a:gs pos="100000">
-                      <a:schemeClr val="bg2"/>
-                    </a:gs>
-                  </a:gsLst>
-                  <a:lin ang="5400000" scaled="0"/>
-                </a:gradFill>
-                <a:latin typeface="+mn-lt"/>
-                <a:ea typeface="+mn-ea"/>
-                <a:cs typeface="+mn-cs"/>
-              </a:defRPr>
-            </a:lvl4pPr>
-            <a:lvl5pPr marL="1255713" marR="0" indent="-225425" algn="l" defTabSz="914363" rtl="0" eaLnBrk="1" fontAlgn="auto" latinLnBrk="0" hangingPunct="1">
-              <a:lnSpc>
-                <a:spcPct val="90000"/>
-              </a:lnSpc>
-              <a:spcBef>
-                <a:spcPct val="20000"/>
-              </a:spcBef>
-              <a:spcAft>
-                <a:spcPts val="0"/>
-              </a:spcAft>
-              <a:buClrTx/>
-              <a:buSzPct val="90000"/>
-              <a:buFont typeface="Wingdings" pitchFamily="2" charset="2"/>
-              <a:buChar char=""/>
-              <a:tabLst>
-                <a:tab pos="1255713" algn="l"/>
-              </a:tabLst>
-              <a:defRPr sz="2000" kern="1200" spc="0" baseline="0">
-                <a:gradFill>
-                  <a:gsLst>
-                    <a:gs pos="1250">
-                      <a:schemeClr val="bg2"/>
-                    </a:gs>
-                    <a:gs pos="100000">
-                      <a:schemeClr val="bg2"/>
-                    </a:gs>
-                  </a:gsLst>
-                  <a:lin ang="5400000" scaled="0"/>
-                </a:gradFill>
-                <a:latin typeface="+mn-lt"/>
-                <a:ea typeface="+mn-ea"/>
-                <a:cs typeface="+mn-cs"/>
-              </a:defRPr>
-            </a:lvl5pPr>
-            <a:lvl6pPr marL="2514499" indent="-228591" algn="l" defTabSz="914363" rtl="0" eaLnBrk="1" latinLnBrk="0" hangingPunct="1">
-              <a:spcBef>
-                <a:spcPct val="20000"/>
-              </a:spcBef>
-              <a:buFont typeface="Arial" pitchFamily="34" charset="0"/>
-              <a:buChar char="•"/>
-              <a:defRPr sz="2000" kern="1200">
-                <a:solidFill>
-                  <a:schemeClr val="tx1"/>
-                </a:solidFill>
-                <a:latin typeface="+mn-lt"/>
-                <a:ea typeface="+mn-ea"/>
-                <a:cs typeface="+mn-cs"/>
-              </a:defRPr>
-            </a:lvl6pPr>
-            <a:lvl7pPr marL="2971681" indent="-228591" algn="l" defTabSz="914363" rtl="0" eaLnBrk="1" latinLnBrk="0" hangingPunct="1">
-              <a:spcBef>
-                <a:spcPct val="20000"/>
-              </a:spcBef>
-              <a:buFont typeface="Arial" pitchFamily="34" charset="0"/>
-              <a:buChar char="•"/>
-              <a:defRPr sz="2000" kern="1200">
-                <a:solidFill>
-                  <a:schemeClr val="tx1"/>
-                </a:solidFill>
-                <a:latin typeface="+mn-lt"/>
-                <a:ea typeface="+mn-ea"/>
-                <a:cs typeface="+mn-cs"/>
-              </a:defRPr>
-            </a:lvl7pPr>
-            <a:lvl8pPr marL="3428863" indent="-228591" algn="l" defTabSz="914363" rtl="0" eaLnBrk="1" latinLnBrk="0" hangingPunct="1">
-              <a:spcBef>
-                <a:spcPct val="20000"/>
-              </a:spcBef>
-              <a:buFont typeface="Arial" pitchFamily="34" charset="0"/>
-              <a:buChar char="•"/>
-              <a:defRPr sz="2000" kern="1200">
-                <a:solidFill>
-                  <a:schemeClr val="tx1"/>
-                </a:solidFill>
-                <a:latin typeface="+mn-lt"/>
-                <a:ea typeface="+mn-ea"/>
-                <a:cs typeface="+mn-cs"/>
-              </a:defRPr>
-            </a:lvl8pPr>
-            <a:lvl9pPr marL="3886045" indent="-228591" algn="l" defTabSz="914363" rtl="0" eaLnBrk="1" latinLnBrk="0" hangingPunct="1">
-              <a:spcBef>
-                <a:spcPct val="20000"/>
-              </a:spcBef>
-              <a:buFont typeface="Arial" pitchFamily="34" charset="0"/>
-              <a:buChar char="•"/>
-              <a:defRPr sz="2000" kern="1200">
-                <a:solidFill>
-                  <a:schemeClr val="tx1"/>
-                </a:solidFill>
-                <a:latin typeface="+mn-lt"/>
-                <a:ea typeface="+mn-ea"/>
-                <a:cs typeface="+mn-cs"/>
-              </a:defRPr>
-            </a:lvl9pPr>
-          </a:lstStyle>
-          <a:p>
             <a:endParaRPr lang="en-US" dirty="0" smtClean="0"/>
           </a:p>
         </p:txBody>
@@ -23409,7 +24788,7 @@
                 <a:gridCol w="2743200">
                   <a:extLst>
                     <a:ext uri="{9D8B030D-6E8A-4147-A177-3AD203B41FA5}">
-                      <a16:colId xmlns:a16="http://schemas.microsoft.com/office/drawing/2014/main" xmlns="" val="20000"/>
+                      <a16:colId xmlns="" xmlns:a16="http://schemas.microsoft.com/office/drawing/2014/main" val="20000"/>
                     </a:ext>
                   </a:extLst>
                 </a:gridCol>
@@ -23472,7 +24851,7 @@
                 </a:tc>
                 <a:extLst>
                   <a:ext uri="{0D108BD9-81ED-4DB2-BD59-A6C34878D82A}">
-                    <a16:rowId xmlns:a16="http://schemas.microsoft.com/office/drawing/2014/main" xmlns="" val="10000"/>
+                    <a16:rowId xmlns="" xmlns:a16="http://schemas.microsoft.com/office/drawing/2014/main" val="10000"/>
                   </a:ext>
                 </a:extLst>
               </a:tr>
@@ -23533,7 +24912,7 @@
                 </a:tc>
                 <a:extLst>
                   <a:ext uri="{0D108BD9-81ED-4DB2-BD59-A6C34878D82A}">
-                    <a16:rowId xmlns:a16="http://schemas.microsoft.com/office/drawing/2014/main" xmlns="" val="10001"/>
+                    <a16:rowId xmlns="" xmlns:a16="http://schemas.microsoft.com/office/drawing/2014/main" val="10001"/>
                   </a:ext>
                 </a:extLst>
               </a:tr>
@@ -23603,7 +24982,7 @@
                 </a:tc>
                 <a:extLst>
                   <a:ext uri="{0D108BD9-81ED-4DB2-BD59-A6C34878D82A}">
-                    <a16:rowId xmlns:a16="http://schemas.microsoft.com/office/drawing/2014/main" xmlns="" val="10002"/>
+                    <a16:rowId xmlns="" xmlns:a16="http://schemas.microsoft.com/office/drawing/2014/main" val="10002"/>
                   </a:ext>
                 </a:extLst>
               </a:tr>
@@ -23685,7 +25064,7 @@
                 </a:tc>
                 <a:extLst>
                   <a:ext uri="{0D108BD9-81ED-4DB2-BD59-A6C34878D82A}">
-                    <a16:rowId xmlns:a16="http://schemas.microsoft.com/office/drawing/2014/main" xmlns="" val="10007"/>
+                    <a16:rowId xmlns="" xmlns:a16="http://schemas.microsoft.com/office/drawing/2014/main" val="10007"/>
                   </a:ext>
                 </a:extLst>
               </a:tr>
@@ -23756,7 +25135,126 @@
 </p:sld>
 </file>
 
-<file path=ppt/slides/slide19.xml><?xml version="1.0" encoding="utf-8"?>
+<file path=ppt/slides/slide2.xml><?xml version="1.0" encoding="utf-8"?>
+<p:sld xmlns:a="http://schemas.openxmlformats.org/drawingml/2006/main" xmlns:r="http://schemas.openxmlformats.org/officeDocument/2006/relationships" xmlns:p="http://schemas.openxmlformats.org/presentationml/2006/main">
+  <p:cSld>
+    <p:spTree>
+      <p:nvGrpSpPr>
+        <p:cNvPr id="1" name=""/>
+        <p:cNvGrpSpPr/>
+        <p:nvPr/>
+      </p:nvGrpSpPr>
+      <p:grpSpPr>
+        <a:xfrm>
+          <a:off x="0" y="0"/>
+          <a:ext cx="0" cy="0"/>
+          <a:chOff x="0" y="0"/>
+          <a:chExt cx="0" cy="0"/>
+        </a:xfrm>
+      </p:grpSpPr>
+      <p:sp>
+        <p:nvSpPr>
+          <p:cNvPr id="6" name="Title 5"/>
+          <p:cNvSpPr>
+            <a:spLocks noGrp="1"/>
+          </p:cNvSpPr>
+          <p:nvPr>
+            <p:ph type="title"/>
+          </p:nvPr>
+        </p:nvSpPr>
+        <p:spPr/>
+        <p:txBody>
+          <a:bodyPr/>
+          <a:lstStyle/>
+          <a:p>
+            <a:r>
+              <a:rPr lang="en-US" dirty="0" smtClean="0"/>
+              <a:t>Agenda</a:t>
+            </a:r>
+            <a:endParaRPr lang="en-US" dirty="0"/>
+          </a:p>
+        </p:txBody>
+      </p:sp>
+      <p:sp>
+        <p:nvSpPr>
+          <p:cNvPr id="8" name="Text Placeholder 7"/>
+          <p:cNvSpPr>
+            <a:spLocks noGrp="1"/>
+          </p:cNvSpPr>
+          <p:nvPr>
+            <p:ph type="body" sz="quarter" idx="10"/>
+          </p:nvPr>
+        </p:nvSpPr>
+        <p:spPr/>
+        <p:txBody>
+          <a:bodyPr/>
+          <a:lstStyle/>
+          <a:p>
+            <a:r>
+              <a:rPr lang="en-US" dirty="0" smtClean="0"/>
+              <a:t>Assessment summary</a:t>
+            </a:r>
+          </a:p>
+          <a:p>
+            <a:r>
+              <a:rPr lang="en-US" dirty="0" smtClean="0"/>
+              <a:t>Solutions that will be redesigned</a:t>
+            </a:r>
+          </a:p>
+          <a:p>
+            <a:pPr lvl="1"/>
+            <a:r>
+              <a:rPr lang="en-US" dirty="0" smtClean="0"/>
+              <a:t>Detailed approach per solution</a:t>
+            </a:r>
+          </a:p>
+          <a:p>
+            <a:r>
+              <a:rPr lang="en-US" dirty="0" smtClean="0"/>
+              <a:t>Support for the app transformation</a:t>
+            </a:r>
+          </a:p>
+          <a:p>
+            <a:pPr lvl="1"/>
+            <a:r>
+              <a:rPr lang="en-US" dirty="0" smtClean="0"/>
+              <a:t>Roles and involved people</a:t>
+            </a:r>
+          </a:p>
+          <a:p>
+            <a:pPr lvl="1"/>
+            <a:r>
+              <a:rPr lang="en-US" dirty="0" smtClean="0"/>
+              <a:t>Responsibilities on both sides</a:t>
+            </a:r>
+            <a:endParaRPr lang="en-US" dirty="0"/>
+          </a:p>
+        </p:txBody>
+      </p:sp>
+    </p:spTree>
+    <p:extLst>
+      <p:ext uri="{BB962C8B-B14F-4D97-AF65-F5344CB8AC3E}">
+        <p14:creationId xmlns:p14="http://schemas.microsoft.com/office/powerpoint/2010/main" val="3168679415"/>
+      </p:ext>
+    </p:extLst>
+  </p:cSld>
+  <p:clrMapOvr>
+    <a:masterClrMapping/>
+  </p:clrMapOvr>
+  <p:transition>
+    <p:fade/>
+  </p:transition>
+  <p:timing>
+    <p:tnLst>
+      <p:par>
+        <p:cTn id="1" dur="indefinite" restart="never" nodeType="tmRoot"/>
+      </p:par>
+    </p:tnLst>
+  </p:timing>
+</p:sld>
+</file>
+
+<file path=ppt/slides/slide20.xml><?xml version="1.0" encoding="utf-8"?>
 <p:sld xmlns:a="http://schemas.openxmlformats.org/drawingml/2006/main" xmlns:r="http://schemas.openxmlformats.org/officeDocument/2006/relationships" xmlns:p="http://schemas.openxmlformats.org/presentationml/2006/main">
   <p:cSld>
     <p:spTree>
@@ -25167,126 +26665,7 @@
 </p:sld>
 </file>
 
-<file path=ppt/slides/slide2.xml><?xml version="1.0" encoding="utf-8"?>
-<p:sld xmlns:a="http://schemas.openxmlformats.org/drawingml/2006/main" xmlns:r="http://schemas.openxmlformats.org/officeDocument/2006/relationships" xmlns:p="http://schemas.openxmlformats.org/presentationml/2006/main">
-  <p:cSld>
-    <p:spTree>
-      <p:nvGrpSpPr>
-        <p:cNvPr id="1" name=""/>
-        <p:cNvGrpSpPr/>
-        <p:nvPr/>
-      </p:nvGrpSpPr>
-      <p:grpSpPr>
-        <a:xfrm>
-          <a:off x="0" y="0"/>
-          <a:ext cx="0" cy="0"/>
-          <a:chOff x="0" y="0"/>
-          <a:chExt cx="0" cy="0"/>
-        </a:xfrm>
-      </p:grpSpPr>
-      <p:sp>
-        <p:nvSpPr>
-          <p:cNvPr id="6" name="Title 5"/>
-          <p:cNvSpPr>
-            <a:spLocks noGrp="1"/>
-          </p:cNvSpPr>
-          <p:nvPr>
-            <p:ph type="title"/>
-          </p:nvPr>
-        </p:nvSpPr>
-        <p:spPr/>
-        <p:txBody>
-          <a:bodyPr/>
-          <a:lstStyle/>
-          <a:p>
-            <a:r>
-              <a:rPr lang="en-US" dirty="0" smtClean="0"/>
-              <a:t>Agenda</a:t>
-            </a:r>
-            <a:endParaRPr lang="en-US" dirty="0"/>
-          </a:p>
-        </p:txBody>
-      </p:sp>
-      <p:sp>
-        <p:nvSpPr>
-          <p:cNvPr id="8" name="Text Placeholder 7"/>
-          <p:cNvSpPr>
-            <a:spLocks noGrp="1"/>
-          </p:cNvSpPr>
-          <p:nvPr>
-            <p:ph type="body" sz="quarter" idx="10"/>
-          </p:nvPr>
-        </p:nvSpPr>
-        <p:spPr/>
-        <p:txBody>
-          <a:bodyPr/>
-          <a:lstStyle/>
-          <a:p>
-            <a:r>
-              <a:rPr lang="en-US" dirty="0" smtClean="0"/>
-              <a:t>Assessment summary</a:t>
-            </a:r>
-          </a:p>
-          <a:p>
-            <a:r>
-              <a:rPr lang="en-US" dirty="0" smtClean="0"/>
-              <a:t>Solutions that will be redesigned</a:t>
-            </a:r>
-          </a:p>
-          <a:p>
-            <a:pPr lvl="1"/>
-            <a:r>
-              <a:rPr lang="en-US" dirty="0" smtClean="0"/>
-              <a:t>Detailed approach per solution</a:t>
-            </a:r>
-          </a:p>
-          <a:p>
-            <a:r>
-              <a:rPr lang="en-US" dirty="0" smtClean="0"/>
-              <a:t>Support for the app transformation</a:t>
-            </a:r>
-          </a:p>
-          <a:p>
-            <a:pPr lvl="1"/>
-            <a:r>
-              <a:rPr lang="en-US" dirty="0" smtClean="0"/>
-              <a:t>Roles and involved people</a:t>
-            </a:r>
-          </a:p>
-          <a:p>
-            <a:pPr lvl="1"/>
-            <a:r>
-              <a:rPr lang="en-US" dirty="0" smtClean="0"/>
-              <a:t>Responsibilities on both sides</a:t>
-            </a:r>
-            <a:endParaRPr lang="en-US" dirty="0"/>
-          </a:p>
-        </p:txBody>
-      </p:sp>
-    </p:spTree>
-    <p:extLst>
-      <p:ext uri="{BB962C8B-B14F-4D97-AF65-F5344CB8AC3E}">
-        <p14:creationId xmlns:p14="http://schemas.microsoft.com/office/powerpoint/2010/main" val="3168679415"/>
-      </p:ext>
-    </p:extLst>
-  </p:cSld>
-  <p:clrMapOvr>
-    <a:masterClrMapping/>
-  </p:clrMapOvr>
-  <p:transition>
-    <p:fade/>
-  </p:transition>
-  <p:timing>
-    <p:tnLst>
-      <p:par>
-        <p:cTn id="1" dur="indefinite" restart="never" nodeType="tmRoot"/>
-      </p:par>
-    </p:tnLst>
-  </p:timing>
-</p:sld>
-</file>
-
-<file path=ppt/slides/slide20.xml><?xml version="1.0" encoding="utf-8"?>
+<file path=ppt/slides/slide21.xml><?xml version="1.0" encoding="utf-8"?>
 <p:sld xmlns:a="http://schemas.openxmlformats.org/drawingml/2006/main" xmlns:r="http://schemas.openxmlformats.org/officeDocument/2006/relationships" xmlns:p="http://schemas.openxmlformats.org/presentationml/2006/main">
   <p:cSld>
     <p:spTree>
@@ -25399,7 +26778,7 @@
 </p:sld>
 </file>
 
-<file path=ppt/slides/slide21.xml><?xml version="1.0" encoding="utf-8"?>
+<file path=ppt/slides/slide22.xml><?xml version="1.0" encoding="utf-8"?>
 <p:sld xmlns:a="http://schemas.openxmlformats.org/drawingml/2006/main" xmlns:r="http://schemas.openxmlformats.org/officeDocument/2006/relationships" xmlns:p="http://schemas.openxmlformats.org/presentationml/2006/main">
   <p:cSld>
     <p:spTree>
@@ -26751,7 +28130,7 @@
 </p:sld>
 </file>
 
-<file path=ppt/slides/slide22.xml><?xml version="1.0" encoding="utf-8"?>
+<file path=ppt/slides/slide23.xml><?xml version="1.0" encoding="utf-8"?>
 <p:sld xmlns:a="http://schemas.openxmlformats.org/drawingml/2006/main" xmlns:r="http://schemas.openxmlformats.org/officeDocument/2006/relationships" xmlns:p="http://schemas.openxmlformats.org/presentationml/2006/main">
   <p:cSld>
     <p:spTree>
@@ -26854,7 +28233,7 @@
 </p:sld>
 </file>
 
-<file path=ppt/slides/slide23.xml><?xml version="1.0" encoding="utf-8"?>
+<file path=ppt/slides/slide24.xml><?xml version="1.0" encoding="utf-8"?>
 <p:sld xmlns:a="http://schemas.openxmlformats.org/drawingml/2006/main" xmlns:r="http://schemas.openxmlformats.org/officeDocument/2006/relationships" xmlns:p="http://schemas.openxmlformats.org/presentationml/2006/main">
   <p:cSld>
     <p:spTree>
@@ -27036,7 +28415,7 @@
 </p:sld>
 </file>
 
-<file path=ppt/slides/slide24.xml><?xml version="1.0" encoding="utf-8"?>
+<file path=ppt/slides/slide25.xml><?xml version="1.0" encoding="utf-8"?>
 <p:sld xmlns:a="http://schemas.openxmlformats.org/drawingml/2006/main" xmlns:r="http://schemas.openxmlformats.org/officeDocument/2006/relationships" xmlns:p="http://schemas.openxmlformats.org/presentationml/2006/main">
   <p:cSld>
     <p:spTree>
@@ -27176,7 +28555,7 @@
 </p:sld>
 </file>
 
-<file path=ppt/slides/slide25.xml><?xml version="1.0" encoding="utf-8"?>
+<file path=ppt/slides/slide26.xml><?xml version="1.0" encoding="utf-8"?>
 <p:sld xmlns:a="http://schemas.openxmlformats.org/drawingml/2006/main" xmlns:r="http://schemas.openxmlformats.org/officeDocument/2006/relationships" xmlns:p="http://schemas.openxmlformats.org/presentationml/2006/main">
   <p:cSld>
     <p:spTree>
@@ -27369,7 +28748,7 @@
 </p:sld>
 </file>
 
-<file path=ppt/slides/slide26.xml><?xml version="1.0" encoding="utf-8"?>
+<file path=ppt/slides/slide27.xml><?xml version="1.0" encoding="utf-8"?>
 <p:sld xmlns:a="http://schemas.openxmlformats.org/drawingml/2006/main" xmlns:r="http://schemas.openxmlformats.org/officeDocument/2006/relationships" xmlns:p="http://schemas.openxmlformats.org/presentationml/2006/main">
   <p:cSld>
     <p:spTree>
@@ -27432,7 +28811,7 @@
 </p:sld>
 </file>
 
-<file path=ppt/slides/slide27.xml><?xml version="1.0" encoding="utf-8"?>
+<file path=ppt/slides/slide28.xml><?xml version="1.0" encoding="utf-8"?>
 <p:sld xmlns:a="http://schemas.openxmlformats.org/drawingml/2006/main" xmlns:r="http://schemas.openxmlformats.org/officeDocument/2006/relationships" xmlns:p="http://schemas.openxmlformats.org/presentationml/2006/main">
   <p:cSld>
     <p:spTree>
@@ -29376,7 +30755,7 @@
 </p:sld>
 </file>
 
-<file path=ppt/slides/slide28.xml><?xml version="1.0" encoding="utf-8"?>
+<file path=ppt/slides/slide29.xml><?xml version="1.0" encoding="utf-8"?>
 <p:sld xmlns:a="http://schemas.openxmlformats.org/drawingml/2006/main" xmlns:r="http://schemas.openxmlformats.org/officeDocument/2006/relationships" xmlns:p="http://schemas.openxmlformats.org/presentationml/2006/main">
   <p:cSld>
     <p:spTree>
@@ -29547,28 +30926,28 @@
                 <a:gridCol w="2794925">
                   <a:extLst>
                     <a:ext uri="{9D8B030D-6E8A-4147-A177-3AD203B41FA5}">
-                      <a16:colId xmlns:a16="http://schemas.microsoft.com/office/drawing/2014/main" xmlns="" val="20000"/>
+                      <a16:colId xmlns="" xmlns:a16="http://schemas.microsoft.com/office/drawing/2014/main" val="20000"/>
                     </a:ext>
                   </a:extLst>
                 </a:gridCol>
                 <a:gridCol w="2683565">
                   <a:extLst>
                     <a:ext uri="{9D8B030D-6E8A-4147-A177-3AD203B41FA5}">
-                      <a16:colId xmlns:a16="http://schemas.microsoft.com/office/drawing/2014/main" xmlns="" val="20001"/>
+                      <a16:colId xmlns="" xmlns:a16="http://schemas.microsoft.com/office/drawing/2014/main" val="20001"/>
                     </a:ext>
                   </a:extLst>
                 </a:gridCol>
                 <a:gridCol w="2623930">
                   <a:extLst>
                     <a:ext uri="{9D8B030D-6E8A-4147-A177-3AD203B41FA5}">
-                      <a16:colId xmlns:a16="http://schemas.microsoft.com/office/drawing/2014/main" xmlns="" val="20002"/>
+                      <a16:colId xmlns="" xmlns:a16="http://schemas.microsoft.com/office/drawing/2014/main" val="20002"/>
                     </a:ext>
                   </a:extLst>
                 </a:gridCol>
                 <a:gridCol w="2855843">
                   <a:extLst>
                     <a:ext uri="{9D8B030D-6E8A-4147-A177-3AD203B41FA5}">
-                      <a16:colId xmlns:a16="http://schemas.microsoft.com/office/drawing/2014/main" xmlns="" val="20003"/>
+                      <a16:colId xmlns="" xmlns:a16="http://schemas.microsoft.com/office/drawing/2014/main" val="20003"/>
                     </a:ext>
                   </a:extLst>
                 </a:gridCol>
@@ -29785,7 +31164,7 @@
                 </a:tc>
                 <a:extLst>
                   <a:ext uri="{0D108BD9-81ED-4DB2-BD59-A6C34878D82A}">
-                    <a16:rowId xmlns:a16="http://schemas.microsoft.com/office/drawing/2014/main" xmlns="" val="10000"/>
+                    <a16:rowId xmlns="" xmlns:a16="http://schemas.microsoft.com/office/drawing/2014/main" val="10000"/>
                   </a:ext>
                 </a:extLst>
               </a:tr>
@@ -30003,7 +31382,7 @@
                 </a:tc>
                 <a:extLst>
                   <a:ext uri="{0D108BD9-81ED-4DB2-BD59-A6C34878D82A}">
-                    <a16:rowId xmlns:a16="http://schemas.microsoft.com/office/drawing/2014/main" xmlns="" val="10001"/>
+                    <a16:rowId xmlns="" xmlns:a16="http://schemas.microsoft.com/office/drawing/2014/main" val="10001"/>
                   </a:ext>
                 </a:extLst>
               </a:tr>
@@ -30520,7 +31899,7 @@
                 </a:tc>
                 <a:extLst>
                   <a:ext uri="{0D108BD9-81ED-4DB2-BD59-A6C34878D82A}">
-                    <a16:rowId xmlns:a16="http://schemas.microsoft.com/office/drawing/2014/main" xmlns="" val="10002"/>
+                    <a16:rowId xmlns="" xmlns:a16="http://schemas.microsoft.com/office/drawing/2014/main" val="10002"/>
                   </a:ext>
                 </a:extLst>
               </a:tr>
@@ -31596,7 +32975,70 @@
 </p:sld>
 </file>
 
-<file path=ppt/slides/slide29.xml><?xml version="1.0" encoding="utf-8"?>
+<file path=ppt/slides/slide3.xml><?xml version="1.0" encoding="utf-8"?>
+<p:sld xmlns:a="http://schemas.openxmlformats.org/drawingml/2006/main" xmlns:r="http://schemas.openxmlformats.org/officeDocument/2006/relationships" xmlns:p="http://schemas.openxmlformats.org/presentationml/2006/main">
+  <p:cSld>
+    <p:spTree>
+      <p:nvGrpSpPr>
+        <p:cNvPr id="1" name=""/>
+        <p:cNvGrpSpPr/>
+        <p:nvPr/>
+      </p:nvGrpSpPr>
+      <p:grpSpPr>
+        <a:xfrm>
+          <a:off x="0" y="0"/>
+          <a:ext cx="0" cy="0"/>
+          <a:chOff x="0" y="0"/>
+          <a:chExt cx="0" cy="0"/>
+        </a:xfrm>
+      </p:grpSpPr>
+      <p:sp>
+        <p:nvSpPr>
+          <p:cNvPr id="4" name="Title 3"/>
+          <p:cNvSpPr>
+            <a:spLocks noGrp="1"/>
+          </p:cNvSpPr>
+          <p:nvPr>
+            <p:ph type="title"/>
+          </p:nvPr>
+        </p:nvSpPr>
+        <p:spPr/>
+        <p:txBody>
+          <a:bodyPr/>
+          <a:lstStyle/>
+          <a:p>
+            <a:r>
+              <a:rPr lang="fi-FI" dirty="0" smtClean="0"/>
+              <a:t>Assessment summary</a:t>
+            </a:r>
+            <a:endParaRPr lang="en-GB" dirty="0"/>
+          </a:p>
+        </p:txBody>
+      </p:sp>
+    </p:spTree>
+    <p:extLst>
+      <p:ext uri="{BB962C8B-B14F-4D97-AF65-F5344CB8AC3E}">
+        <p14:creationId xmlns:p14="http://schemas.microsoft.com/office/powerpoint/2010/main" val="2860377917"/>
+      </p:ext>
+    </p:extLst>
+  </p:cSld>
+  <p:clrMapOvr>
+    <a:masterClrMapping/>
+  </p:clrMapOvr>
+  <p:transition>
+    <p:fade/>
+  </p:transition>
+  <p:timing>
+    <p:tnLst>
+      <p:par>
+        <p:cTn id="1" dur="indefinite" restart="never" nodeType="tmRoot"/>
+      </p:par>
+    </p:tnLst>
+  </p:timing>
+</p:sld>
+</file>
+
+<file path=ppt/slides/slide30.xml><?xml version="1.0" encoding="utf-8"?>
 <p:sld xmlns:a="http://schemas.openxmlformats.org/drawingml/2006/main" xmlns:r="http://schemas.openxmlformats.org/officeDocument/2006/relationships" xmlns:p="http://schemas.openxmlformats.org/presentationml/2006/main">
   <p:cSld>
     <p:spTree>
@@ -31767,28 +33209,28 @@
                 <a:gridCol w="2794925">
                   <a:extLst>
                     <a:ext uri="{9D8B030D-6E8A-4147-A177-3AD203B41FA5}">
-                      <a16:colId xmlns:a16="http://schemas.microsoft.com/office/drawing/2014/main" xmlns="" val="20000"/>
+                      <a16:colId xmlns="" xmlns:a16="http://schemas.microsoft.com/office/drawing/2014/main" val="20000"/>
                     </a:ext>
                   </a:extLst>
                 </a:gridCol>
                 <a:gridCol w="2683565">
                   <a:extLst>
                     <a:ext uri="{9D8B030D-6E8A-4147-A177-3AD203B41FA5}">
-                      <a16:colId xmlns:a16="http://schemas.microsoft.com/office/drawing/2014/main" xmlns="" val="20001"/>
+                      <a16:colId xmlns="" xmlns:a16="http://schemas.microsoft.com/office/drawing/2014/main" val="20001"/>
                     </a:ext>
                   </a:extLst>
                 </a:gridCol>
                 <a:gridCol w="2782957">
                   <a:extLst>
                     <a:ext uri="{9D8B030D-6E8A-4147-A177-3AD203B41FA5}">
-                      <a16:colId xmlns:a16="http://schemas.microsoft.com/office/drawing/2014/main" xmlns="" val="20002"/>
+                      <a16:colId xmlns="" xmlns:a16="http://schemas.microsoft.com/office/drawing/2014/main" val="20002"/>
                     </a:ext>
                   </a:extLst>
                 </a:gridCol>
                 <a:gridCol w="2696816">
                   <a:extLst>
                     <a:ext uri="{9D8B030D-6E8A-4147-A177-3AD203B41FA5}">
-                      <a16:colId xmlns:a16="http://schemas.microsoft.com/office/drawing/2014/main" xmlns="" val="20003"/>
+                      <a16:colId xmlns="" xmlns:a16="http://schemas.microsoft.com/office/drawing/2014/main" val="20003"/>
                     </a:ext>
                   </a:extLst>
                 </a:gridCol>
@@ -32005,7 +33447,7 @@
                 </a:tc>
                 <a:extLst>
                   <a:ext uri="{0D108BD9-81ED-4DB2-BD59-A6C34878D82A}">
-                    <a16:rowId xmlns:a16="http://schemas.microsoft.com/office/drawing/2014/main" xmlns="" val="10000"/>
+                    <a16:rowId xmlns="" xmlns:a16="http://schemas.microsoft.com/office/drawing/2014/main" val="10000"/>
                   </a:ext>
                 </a:extLst>
               </a:tr>
@@ -32223,7 +33665,7 @@
                 </a:tc>
                 <a:extLst>
                   <a:ext uri="{0D108BD9-81ED-4DB2-BD59-A6C34878D82A}">
-                    <a16:rowId xmlns:a16="http://schemas.microsoft.com/office/drawing/2014/main" xmlns="" val="10001"/>
+                    <a16:rowId xmlns="" xmlns:a16="http://schemas.microsoft.com/office/drawing/2014/main" val="10001"/>
                   </a:ext>
                 </a:extLst>
               </a:tr>
@@ -32795,7 +34237,7 @@
                 </a:tc>
                 <a:extLst>
                   <a:ext uri="{0D108BD9-81ED-4DB2-BD59-A6C34878D82A}">
-                    <a16:rowId xmlns:a16="http://schemas.microsoft.com/office/drawing/2014/main" xmlns="" val="10002"/>
+                    <a16:rowId xmlns="" xmlns:a16="http://schemas.microsoft.com/office/drawing/2014/main" val="10002"/>
                   </a:ext>
                 </a:extLst>
               </a:tr>
@@ -34420,70 +35862,7 @@
 </p:sld>
 </file>
 
-<file path=ppt/slides/slide3.xml><?xml version="1.0" encoding="utf-8"?>
-<p:sld xmlns:a="http://schemas.openxmlformats.org/drawingml/2006/main" xmlns:r="http://schemas.openxmlformats.org/officeDocument/2006/relationships" xmlns:p="http://schemas.openxmlformats.org/presentationml/2006/main">
-  <p:cSld>
-    <p:spTree>
-      <p:nvGrpSpPr>
-        <p:cNvPr id="1" name=""/>
-        <p:cNvGrpSpPr/>
-        <p:nvPr/>
-      </p:nvGrpSpPr>
-      <p:grpSpPr>
-        <a:xfrm>
-          <a:off x="0" y="0"/>
-          <a:ext cx="0" cy="0"/>
-          <a:chOff x="0" y="0"/>
-          <a:chExt cx="0" cy="0"/>
-        </a:xfrm>
-      </p:grpSpPr>
-      <p:sp>
-        <p:nvSpPr>
-          <p:cNvPr id="4" name="Title 3"/>
-          <p:cNvSpPr>
-            <a:spLocks noGrp="1"/>
-          </p:cNvSpPr>
-          <p:nvPr>
-            <p:ph type="title"/>
-          </p:nvPr>
-        </p:nvSpPr>
-        <p:spPr/>
-        <p:txBody>
-          <a:bodyPr/>
-          <a:lstStyle/>
-          <a:p>
-            <a:r>
-              <a:rPr lang="fi-FI" dirty="0" smtClean="0"/>
-              <a:t>Assessment summary</a:t>
-            </a:r>
-            <a:endParaRPr lang="en-GB" dirty="0"/>
-          </a:p>
-        </p:txBody>
-      </p:sp>
-    </p:spTree>
-    <p:extLst>
-      <p:ext uri="{BB962C8B-B14F-4D97-AF65-F5344CB8AC3E}">
-        <p14:creationId xmlns:p14="http://schemas.microsoft.com/office/powerpoint/2010/main" val="2860377917"/>
-      </p:ext>
-    </p:extLst>
-  </p:cSld>
-  <p:clrMapOvr>
-    <a:masterClrMapping/>
-  </p:clrMapOvr>
-  <p:transition>
-    <p:fade/>
-  </p:transition>
-  <p:timing>
-    <p:tnLst>
-      <p:par>
-        <p:cTn id="1" dur="indefinite" restart="never" nodeType="tmRoot"/>
-      </p:par>
-    </p:tnLst>
-  </p:timing>
-</p:sld>
-</file>
-
-<file path=ppt/slides/slide30.xml><?xml version="1.0" encoding="utf-8"?>
+<file path=ppt/slides/slide31.xml><?xml version="1.0" encoding="utf-8"?>
 <p:sld xmlns:a="http://schemas.openxmlformats.org/drawingml/2006/main" xmlns:r="http://schemas.openxmlformats.org/officeDocument/2006/relationships" xmlns:p="http://schemas.openxmlformats.org/presentationml/2006/main">
   <p:cSld>
     <p:spTree>
@@ -34566,17 +35945,8 @@
             <a:pPr lvl="1"/>
             <a:r>
               <a:rPr lang="fi-FI" sz="2000" dirty="0" smtClean="0"/>
-              <a:t>Separate </a:t>
-            </a:r>
-            <a:r>
-              <a:rPr lang="fi-FI" sz="2000" dirty="0" smtClean="0"/>
-              <a:t>weekly </a:t>
-            </a:r>
-            <a:r>
-              <a:rPr lang="fi-FI" sz="2000" dirty="0" smtClean="0"/>
-              <a:t>meetings with third party providers</a:t>
-            </a:r>
-            <a:endParaRPr lang="fi-FI" sz="2000" dirty="0" smtClean="0"/>
+              <a:t>Separate weekly meetings with third party providers</a:t>
+            </a:r>
           </a:p>
           <a:p>
             <a:r>
@@ -34598,155 +35968,6 @@
     <p:extLst>
       <p:ext uri="{BB962C8B-B14F-4D97-AF65-F5344CB8AC3E}">
         <p14:creationId xmlns:p14="http://schemas.microsoft.com/office/powerpoint/2010/main" val="2522433627"/>
-      </p:ext>
-    </p:extLst>
-  </p:cSld>
-  <p:clrMapOvr>
-    <a:masterClrMapping/>
-  </p:clrMapOvr>
-  <p:transition>
-    <p:fade/>
-  </p:transition>
-  <p:timing>
-    <p:tnLst>
-      <p:par>
-        <p:cTn id="1" dur="indefinite" restart="never" nodeType="tmRoot"/>
-      </p:par>
-    </p:tnLst>
-  </p:timing>
-</p:sld>
-</file>
-
-<file path=ppt/slides/slide31.xml><?xml version="1.0" encoding="utf-8"?>
-<p:sld xmlns:a="http://schemas.openxmlformats.org/drawingml/2006/main" xmlns:r="http://schemas.openxmlformats.org/officeDocument/2006/relationships" xmlns:p="http://schemas.openxmlformats.org/presentationml/2006/main">
-  <p:cSld>
-    <p:spTree>
-      <p:nvGrpSpPr>
-        <p:cNvPr id="1" name=""/>
-        <p:cNvGrpSpPr/>
-        <p:nvPr/>
-      </p:nvGrpSpPr>
-      <p:grpSpPr>
-        <a:xfrm>
-          <a:off x="0" y="0"/>
-          <a:ext cx="0" cy="0"/>
-          <a:chOff x="0" y="0"/>
-          <a:chExt cx="0" cy="0"/>
-        </a:xfrm>
-      </p:grpSpPr>
-      <p:sp>
-        <p:nvSpPr>
-          <p:cNvPr id="2" name="Title 1"/>
-          <p:cNvSpPr>
-            <a:spLocks noGrp="1"/>
-          </p:cNvSpPr>
-          <p:nvPr>
-            <p:ph type="title"/>
-          </p:nvPr>
-        </p:nvSpPr>
-        <p:spPr/>
-        <p:txBody>
-          <a:bodyPr/>
-          <a:lstStyle/>
-          <a:p>
-            <a:r>
-              <a:rPr lang="fi-FI" dirty="0" smtClean="0"/>
-              <a:t>Key Contacts</a:t>
-            </a:r>
-            <a:endParaRPr lang="en-GB" dirty="0"/>
-          </a:p>
-        </p:txBody>
-      </p:sp>
-      <p:sp>
-        <p:nvSpPr>
-          <p:cNvPr id="3" name="Text Placeholder 2"/>
-          <p:cNvSpPr>
-            <a:spLocks noGrp="1"/>
-          </p:cNvSpPr>
-          <p:nvPr>
-            <p:ph type="body" sz="quarter" idx="10"/>
-          </p:nvPr>
-        </p:nvSpPr>
-        <p:spPr/>
-        <p:txBody>
-          <a:bodyPr/>
-          <a:lstStyle/>
-          <a:p>
-            <a:r>
-              <a:rPr lang="fi-FI" dirty="0" smtClean="0"/>
-              <a:t>PnP Transformation Program</a:t>
-            </a:r>
-          </a:p>
-          <a:p>
-            <a:pPr lvl="1"/>
-            <a:r>
-              <a:rPr lang="fi-FI" dirty="0"/>
-              <a:t>Pavel Bansky </a:t>
-            </a:r>
-            <a:r>
-              <a:rPr lang="fi-FI" dirty="0" smtClean="0"/>
-              <a:t>– EMEA lead and SME support for assigned project</a:t>
-            </a:r>
-          </a:p>
-          <a:p>
-            <a:pPr lvl="1"/>
-            <a:r>
-              <a:rPr lang="fi-FI" dirty="0" smtClean="0"/>
-              <a:t>Belinda Newman – SME support for assigned projects </a:t>
-            </a:r>
-          </a:p>
-          <a:p>
-            <a:pPr lvl="1"/>
-            <a:r>
-              <a:rPr lang="fi-FI" dirty="0" smtClean="0"/>
-              <a:t>Rob Young – Global technical lead</a:t>
-            </a:r>
-          </a:p>
-          <a:p>
-            <a:r>
-              <a:rPr lang="fi-FI" dirty="0" smtClean="0"/>
-              <a:t>Project Manager</a:t>
-            </a:r>
-          </a:p>
-          <a:p>
-            <a:pPr lvl="1"/>
-            <a:r>
-              <a:rPr lang="en-GB" dirty="0"/>
-              <a:t>Denis </a:t>
-            </a:r>
-            <a:r>
-              <a:rPr lang="en-GB" dirty="0" err="1" smtClean="0"/>
-              <a:t>Dehenne</a:t>
-            </a:r>
-            <a:r>
-              <a:rPr lang="fi-FI" dirty="0" smtClean="0"/>
-              <a:t> –project manager for the Office 365 releated task </a:t>
-            </a:r>
-          </a:p>
-          <a:p>
-            <a:r>
-              <a:rPr lang="fi-FI" dirty="0" smtClean="0"/>
-              <a:t>Other</a:t>
-            </a:r>
-          </a:p>
-          <a:p>
-            <a:pPr lvl="1"/>
-            <a:r>
-              <a:rPr lang="fi-FI" dirty="0"/>
-              <a:t>Pavel Bansky works </a:t>
-            </a:r>
-            <a:r>
-              <a:rPr lang="fi-FI" dirty="0" smtClean="0"/>
-              <a:t>as the technical lead for the Office 365 transformation</a:t>
-            </a:r>
-            <a:endParaRPr lang="en-GB" dirty="0"/>
-          </a:p>
-        </p:txBody>
-      </p:sp>
-    </p:spTree>
-    <p:extLst>
-      <p:ext uri="{BB962C8B-B14F-4D97-AF65-F5344CB8AC3E}">
-        <p14:creationId xmlns:p14="http://schemas.microsoft.com/office/powerpoint/2010/main" val="3207921996"/>
       </p:ext>
     </p:extLst>
   </p:cSld>
@@ -34799,6 +36020,155 @@
           <a:lstStyle/>
           <a:p>
             <a:r>
+              <a:rPr lang="fi-FI" dirty="0" smtClean="0"/>
+              <a:t>Key Contacts</a:t>
+            </a:r>
+            <a:endParaRPr lang="en-GB" dirty="0"/>
+          </a:p>
+        </p:txBody>
+      </p:sp>
+      <p:sp>
+        <p:nvSpPr>
+          <p:cNvPr id="3" name="Text Placeholder 2"/>
+          <p:cNvSpPr>
+            <a:spLocks noGrp="1"/>
+          </p:cNvSpPr>
+          <p:nvPr>
+            <p:ph type="body" sz="quarter" idx="10"/>
+          </p:nvPr>
+        </p:nvSpPr>
+        <p:spPr/>
+        <p:txBody>
+          <a:bodyPr/>
+          <a:lstStyle/>
+          <a:p>
+            <a:r>
+              <a:rPr lang="fi-FI" dirty="0" smtClean="0"/>
+              <a:t>PnP Transformation Program</a:t>
+            </a:r>
+          </a:p>
+          <a:p>
+            <a:pPr lvl="1"/>
+            <a:r>
+              <a:rPr lang="fi-FI" dirty="0"/>
+              <a:t>Pavel Bansky </a:t>
+            </a:r>
+            <a:r>
+              <a:rPr lang="fi-FI" dirty="0" smtClean="0"/>
+              <a:t>– EMEA lead and SME support for assigned project</a:t>
+            </a:r>
+          </a:p>
+          <a:p>
+            <a:pPr lvl="1"/>
+            <a:r>
+              <a:rPr lang="fi-FI" dirty="0" smtClean="0"/>
+              <a:t>Belinda Newman – SME support for assigned projects </a:t>
+            </a:r>
+          </a:p>
+          <a:p>
+            <a:pPr lvl="1"/>
+            <a:r>
+              <a:rPr lang="fi-FI" dirty="0" smtClean="0"/>
+              <a:t>Rob Young – Global technical lead</a:t>
+            </a:r>
+          </a:p>
+          <a:p>
+            <a:r>
+              <a:rPr lang="fi-FI" dirty="0" smtClean="0"/>
+              <a:t>Project Manager</a:t>
+            </a:r>
+          </a:p>
+          <a:p>
+            <a:pPr lvl="1"/>
+            <a:r>
+              <a:rPr lang="en-GB" dirty="0"/>
+              <a:t>Denis </a:t>
+            </a:r>
+            <a:r>
+              <a:rPr lang="en-GB" dirty="0" err="1" smtClean="0"/>
+              <a:t>Dehenne</a:t>
+            </a:r>
+            <a:r>
+              <a:rPr lang="fi-FI" dirty="0" smtClean="0"/>
+              <a:t> –project manager for the Office 365 releated task </a:t>
+            </a:r>
+          </a:p>
+          <a:p>
+            <a:r>
+              <a:rPr lang="fi-FI" dirty="0" smtClean="0"/>
+              <a:t>Other</a:t>
+            </a:r>
+          </a:p>
+          <a:p>
+            <a:pPr lvl="1"/>
+            <a:r>
+              <a:rPr lang="fi-FI" dirty="0"/>
+              <a:t>Pavel Bansky works </a:t>
+            </a:r>
+            <a:r>
+              <a:rPr lang="fi-FI" dirty="0" smtClean="0"/>
+              <a:t>as the technical lead for the Office 365 transformation</a:t>
+            </a:r>
+            <a:endParaRPr lang="en-GB" dirty="0"/>
+          </a:p>
+        </p:txBody>
+      </p:sp>
+    </p:spTree>
+    <p:extLst>
+      <p:ext uri="{BB962C8B-B14F-4D97-AF65-F5344CB8AC3E}">
+        <p14:creationId xmlns:p14="http://schemas.microsoft.com/office/powerpoint/2010/main" val="3207921996"/>
+      </p:ext>
+    </p:extLst>
+  </p:cSld>
+  <p:clrMapOvr>
+    <a:masterClrMapping/>
+  </p:clrMapOvr>
+  <p:transition>
+    <p:fade/>
+  </p:transition>
+  <p:timing>
+    <p:tnLst>
+      <p:par>
+        <p:cTn id="1" dur="indefinite" restart="never" nodeType="tmRoot"/>
+      </p:par>
+    </p:tnLst>
+  </p:timing>
+</p:sld>
+</file>
+
+<file path=ppt/slides/slide33.xml><?xml version="1.0" encoding="utf-8"?>
+<p:sld xmlns:a="http://schemas.openxmlformats.org/drawingml/2006/main" xmlns:r="http://schemas.openxmlformats.org/officeDocument/2006/relationships" xmlns:p="http://schemas.openxmlformats.org/presentationml/2006/main">
+  <p:cSld>
+    <p:spTree>
+      <p:nvGrpSpPr>
+        <p:cNvPr id="1" name=""/>
+        <p:cNvGrpSpPr/>
+        <p:nvPr/>
+      </p:nvGrpSpPr>
+      <p:grpSpPr>
+        <a:xfrm>
+          <a:off x="0" y="0"/>
+          <a:ext cx="0" cy="0"/>
+          <a:chOff x="0" y="0"/>
+          <a:chExt cx="0" cy="0"/>
+        </a:xfrm>
+      </p:grpSpPr>
+      <p:sp>
+        <p:nvSpPr>
+          <p:cNvPr id="2" name="Title 1"/>
+          <p:cNvSpPr>
+            <a:spLocks noGrp="1"/>
+          </p:cNvSpPr>
+          <p:nvPr>
+            <p:ph type="title"/>
+          </p:nvPr>
+        </p:nvSpPr>
+        <p:spPr/>
+        <p:txBody>
+          <a:bodyPr/>
+          <a:lstStyle/>
+          <a:p>
+            <a:r>
               <a:rPr lang="fi-FI" smtClean="0"/>
               <a:t>Other Office 365 </a:t>
             </a:r>
@@ -34894,7 +36264,7 @@
 </p:sld>
 </file>
 
-<file path=ppt/slides/slide33.xml><?xml version="1.0" encoding="utf-8"?>
+<file path=ppt/slides/slide34.xml><?xml version="1.0" encoding="utf-8"?>
 <p:sld xmlns:a="http://schemas.openxmlformats.org/drawingml/2006/main" xmlns:r="http://schemas.openxmlformats.org/officeDocument/2006/relationships" xmlns:p="http://schemas.openxmlformats.org/presentationml/2006/main">
   <p:cSld>
     <p:spTree>
@@ -35114,7 +36484,7 @@
 </p:sld>
 </file>
 
-<file path=ppt/slides/slide34.xml><?xml version="1.0" encoding="utf-8"?>
+<file path=ppt/slides/slide35.xml><?xml version="1.0" encoding="utf-8"?>
 <p:sld xmlns:a="http://schemas.openxmlformats.org/drawingml/2006/main" xmlns:r="http://schemas.openxmlformats.org/officeDocument/2006/relationships" xmlns:p="http://schemas.openxmlformats.org/presentationml/2006/main">
   <p:cSld>
     <p:spTree>
@@ -35640,28 +37010,28 @@
                 <a:gridCol w="5965345">
                   <a:extLst>
                     <a:ext uri="{9D8B030D-6E8A-4147-A177-3AD203B41FA5}">
-                      <a16:colId xmlns="" xmlns:a16="http://schemas.microsoft.com/office/drawing/2014/main" val="20000"/>
+                      <a16:colId xmlns:a16="http://schemas.microsoft.com/office/drawing/2014/main" xmlns="" val="20000"/>
                     </a:ext>
                   </a:extLst>
                 </a:gridCol>
                 <a:gridCol w="568903">
                   <a:extLst>
                     <a:ext uri="{9D8B030D-6E8A-4147-A177-3AD203B41FA5}">
-                      <a16:colId xmlns="" xmlns:a16="http://schemas.microsoft.com/office/drawing/2014/main" val="20001"/>
+                      <a16:colId xmlns:a16="http://schemas.microsoft.com/office/drawing/2014/main" xmlns="" val="20001"/>
                     </a:ext>
                   </a:extLst>
                 </a:gridCol>
                 <a:gridCol w="520140">
                   <a:extLst>
                     <a:ext uri="{9D8B030D-6E8A-4147-A177-3AD203B41FA5}">
-                      <a16:colId xmlns="" xmlns:a16="http://schemas.microsoft.com/office/drawing/2014/main" val="20002"/>
+                      <a16:colId xmlns:a16="http://schemas.microsoft.com/office/drawing/2014/main" xmlns="" val="20002"/>
                     </a:ext>
                   </a:extLst>
                 </a:gridCol>
                 <a:gridCol w="520140">
                   <a:extLst>
                     <a:ext uri="{9D8B030D-6E8A-4147-A177-3AD203B41FA5}">
-                      <a16:colId xmlns="" xmlns:a16="http://schemas.microsoft.com/office/drawing/2014/main" val="2588272693"/>
+                      <a16:colId xmlns:a16="http://schemas.microsoft.com/office/drawing/2014/main" xmlns="" val="2588272693"/>
                     </a:ext>
                   </a:extLst>
                 </a:gridCol>
@@ -35767,7 +37137,7 @@
                 </a:tc>
                 <a:extLst>
                   <a:ext uri="{0D108BD9-81ED-4DB2-BD59-A6C34878D82A}">
-                    <a16:rowId xmlns="" xmlns:a16="http://schemas.microsoft.com/office/drawing/2014/main" val="10000"/>
+                    <a16:rowId xmlns:a16="http://schemas.microsoft.com/office/drawing/2014/main" xmlns="" val="10000"/>
                   </a:ext>
                 </a:extLst>
               </a:tr>
@@ -35884,7 +37254,7 @@
                 </a:tc>
                 <a:extLst>
                   <a:ext uri="{0D108BD9-81ED-4DB2-BD59-A6C34878D82A}">
-                    <a16:rowId xmlns="" xmlns:a16="http://schemas.microsoft.com/office/drawing/2014/main" val="10001"/>
+                    <a16:rowId xmlns:a16="http://schemas.microsoft.com/office/drawing/2014/main" xmlns="" val="10001"/>
                   </a:ext>
                 </a:extLst>
               </a:tr>
@@ -36006,7 +37376,7 @@
                 </a:tc>
                 <a:extLst>
                   <a:ext uri="{0D108BD9-81ED-4DB2-BD59-A6C34878D82A}">
-                    <a16:rowId xmlns="" xmlns:a16="http://schemas.microsoft.com/office/drawing/2014/main" val="10002"/>
+                    <a16:rowId xmlns:a16="http://schemas.microsoft.com/office/drawing/2014/main" xmlns="" val="10002"/>
                   </a:ext>
                 </a:extLst>
               </a:tr>
@@ -36128,7 +37498,7 @@
                 </a:tc>
                 <a:extLst>
                   <a:ext uri="{0D108BD9-81ED-4DB2-BD59-A6C34878D82A}">
-                    <a16:rowId xmlns="" xmlns:a16="http://schemas.microsoft.com/office/drawing/2014/main" val="10003"/>
+                    <a16:rowId xmlns:a16="http://schemas.microsoft.com/office/drawing/2014/main" xmlns="" val="10003"/>
                   </a:ext>
                 </a:extLst>
               </a:tr>
@@ -36250,7 +37620,7 @@
                 </a:tc>
                 <a:extLst>
                   <a:ext uri="{0D108BD9-81ED-4DB2-BD59-A6C34878D82A}">
-                    <a16:rowId xmlns="" xmlns:a16="http://schemas.microsoft.com/office/drawing/2014/main" val="10004"/>
+                    <a16:rowId xmlns:a16="http://schemas.microsoft.com/office/drawing/2014/main" xmlns="" val="10004"/>
                   </a:ext>
                 </a:extLst>
               </a:tr>
@@ -36372,7 +37742,7 @@
                 </a:tc>
                 <a:extLst>
                   <a:ext uri="{0D108BD9-81ED-4DB2-BD59-A6C34878D82A}">
-                    <a16:rowId xmlns="" xmlns:a16="http://schemas.microsoft.com/office/drawing/2014/main" val="10005"/>
+                    <a16:rowId xmlns:a16="http://schemas.microsoft.com/office/drawing/2014/main" xmlns="" val="10005"/>
                   </a:ext>
                 </a:extLst>
               </a:tr>
@@ -36494,7 +37864,7 @@
                 </a:tc>
                 <a:extLst>
                   <a:ext uri="{0D108BD9-81ED-4DB2-BD59-A6C34878D82A}">
-                    <a16:rowId xmlns="" xmlns:a16="http://schemas.microsoft.com/office/drawing/2014/main" val="10006"/>
+                    <a16:rowId xmlns:a16="http://schemas.microsoft.com/office/drawing/2014/main" xmlns="" val="10006"/>
                   </a:ext>
                 </a:extLst>
               </a:tr>
@@ -37632,28 +39002,28 @@
                 <a:gridCol w="5965345">
                   <a:extLst>
                     <a:ext uri="{9D8B030D-6E8A-4147-A177-3AD203B41FA5}">
-                      <a16:colId xmlns="" xmlns:a16="http://schemas.microsoft.com/office/drawing/2014/main" val="20000"/>
+                      <a16:colId xmlns:a16="http://schemas.microsoft.com/office/drawing/2014/main" xmlns="" val="20000"/>
                     </a:ext>
                   </a:extLst>
                 </a:gridCol>
                 <a:gridCol w="568903">
                   <a:extLst>
                     <a:ext uri="{9D8B030D-6E8A-4147-A177-3AD203B41FA5}">
-                      <a16:colId xmlns="" xmlns:a16="http://schemas.microsoft.com/office/drawing/2014/main" val="20001"/>
+                      <a16:colId xmlns:a16="http://schemas.microsoft.com/office/drawing/2014/main" xmlns="" val="20001"/>
                     </a:ext>
                   </a:extLst>
                 </a:gridCol>
                 <a:gridCol w="520140">
                   <a:extLst>
                     <a:ext uri="{9D8B030D-6E8A-4147-A177-3AD203B41FA5}">
-                      <a16:colId xmlns="" xmlns:a16="http://schemas.microsoft.com/office/drawing/2014/main" val="20002"/>
+                      <a16:colId xmlns:a16="http://schemas.microsoft.com/office/drawing/2014/main" xmlns="" val="20002"/>
                     </a:ext>
                   </a:extLst>
                 </a:gridCol>
                 <a:gridCol w="520140">
                   <a:extLst>
                     <a:ext uri="{9D8B030D-6E8A-4147-A177-3AD203B41FA5}">
-                      <a16:colId xmlns="" xmlns:a16="http://schemas.microsoft.com/office/drawing/2014/main" val="1173184688"/>
+                      <a16:colId xmlns:a16="http://schemas.microsoft.com/office/drawing/2014/main" xmlns="" val="1173184688"/>
                     </a:ext>
                   </a:extLst>
                 </a:gridCol>
@@ -37759,7 +39129,7 @@
                 </a:tc>
                 <a:extLst>
                   <a:ext uri="{0D108BD9-81ED-4DB2-BD59-A6C34878D82A}">
-                    <a16:rowId xmlns="" xmlns:a16="http://schemas.microsoft.com/office/drawing/2014/main" val="10000"/>
+                    <a16:rowId xmlns:a16="http://schemas.microsoft.com/office/drawing/2014/main" xmlns="" val="10000"/>
                   </a:ext>
                 </a:extLst>
               </a:tr>
@@ -37877,7 +39247,7 @@
                 </a:tc>
                 <a:extLst>
                   <a:ext uri="{0D108BD9-81ED-4DB2-BD59-A6C34878D82A}">
-                    <a16:rowId xmlns="" xmlns:a16="http://schemas.microsoft.com/office/drawing/2014/main" val="10002"/>
+                    <a16:rowId xmlns:a16="http://schemas.microsoft.com/office/drawing/2014/main" xmlns="" val="10002"/>
                   </a:ext>
                 </a:extLst>
               </a:tr>
@@ -38000,7 +39370,7 @@
                 </a:tc>
                 <a:extLst>
                   <a:ext uri="{0D108BD9-81ED-4DB2-BD59-A6C34878D82A}">
-                    <a16:rowId xmlns="" xmlns:a16="http://schemas.microsoft.com/office/drawing/2014/main" val="10003"/>
+                    <a16:rowId xmlns:a16="http://schemas.microsoft.com/office/drawing/2014/main" xmlns="" val="10003"/>
                   </a:ext>
                 </a:extLst>
               </a:tr>
@@ -38124,7 +39494,7 @@
                 </a:tc>
                 <a:extLst>
                   <a:ext uri="{0D108BD9-81ED-4DB2-BD59-A6C34878D82A}">
-                    <a16:rowId xmlns="" xmlns:a16="http://schemas.microsoft.com/office/drawing/2014/main" val="10004"/>
+                    <a16:rowId xmlns:a16="http://schemas.microsoft.com/office/drawing/2014/main" xmlns="" val="10004"/>
                   </a:ext>
                 </a:extLst>
               </a:tr>
@@ -38264,7 +39634,7 @@
                 </a:tc>
                 <a:extLst>
                   <a:ext uri="{0D108BD9-81ED-4DB2-BD59-A6C34878D82A}">
-                    <a16:rowId xmlns="" xmlns:a16="http://schemas.microsoft.com/office/drawing/2014/main" val="10005"/>
+                    <a16:rowId xmlns:a16="http://schemas.microsoft.com/office/drawing/2014/main" xmlns="" val="10005"/>
                   </a:ext>
                 </a:extLst>
               </a:tr>
@@ -41159,13 +42529,8 @@
           <a:p>
             <a:r>
               <a:rPr lang="en-US" sz="2800" dirty="0" smtClean="0"/>
-              <a:t>Many of the solutions </a:t>
-            </a:r>
-            <a:r>
-              <a:rPr lang="en-US" sz="2800" dirty="0" smtClean="0"/>
-              <a:t>can be transformed to the new App model using proven techniques</a:t>
-            </a:r>
-            <a:endParaRPr lang="en-US" sz="2800" dirty="0" smtClean="0"/>
+              <a:t>Many of the solutions can be transformed to the new App model using proven techniques</a:t>
+            </a:r>
           </a:p>
           <a:p>
             <a:pPr marL="284162" lvl="1" indent="0">
@@ -41179,13 +42544,8 @@
           <a:p>
             <a:r>
               <a:rPr lang="en-US" sz="2800" dirty="0" smtClean="0"/>
-              <a:t>Only limited set of solutions have been abandoned because they can be implemented using </a:t>
-            </a:r>
-            <a:r>
-              <a:rPr lang="en-US" sz="2800" dirty="0" smtClean="0"/>
-              <a:t>CSOM techniques</a:t>
-            </a:r>
-            <a:endParaRPr lang="en-US" sz="2800" dirty="0" smtClean="0"/>
+              <a:t>Only limited set of solutions have been abandoned because they can be implemented using CSOM techniques</a:t>
+            </a:r>
           </a:p>
           <a:p>
             <a:pPr marL="0" indent="0">
@@ -41257,14 +42617,14 @@
                 <a:gridCol w="4229100">
                   <a:extLst>
                     <a:ext uri="{9D8B030D-6E8A-4147-A177-3AD203B41FA5}">
-                      <a16:colId xmlns:a16="http://schemas.microsoft.com/office/drawing/2014/main" xmlns="" val="20000"/>
+                      <a16:colId xmlns="" xmlns:a16="http://schemas.microsoft.com/office/drawing/2014/main" val="20000"/>
                     </a:ext>
                   </a:extLst>
                 </a:gridCol>
                 <a:gridCol w="542926">
                   <a:extLst>
                     <a:ext uri="{9D8B030D-6E8A-4147-A177-3AD203B41FA5}">
-                      <a16:colId xmlns:a16="http://schemas.microsoft.com/office/drawing/2014/main" xmlns="" val="20001"/>
+                      <a16:colId xmlns="" xmlns:a16="http://schemas.microsoft.com/office/drawing/2014/main" val="20001"/>
                     </a:ext>
                   </a:extLst>
                 </a:gridCol>
@@ -41326,7 +42686,7 @@
                 </a:tc>
                 <a:extLst>
                   <a:ext uri="{0D108BD9-81ED-4DB2-BD59-A6C34878D82A}">
-                    <a16:rowId xmlns:a16="http://schemas.microsoft.com/office/drawing/2014/main" xmlns="" val="10000"/>
+                    <a16:rowId xmlns="" xmlns:a16="http://schemas.microsoft.com/office/drawing/2014/main" val="10000"/>
                   </a:ext>
                 </a:extLst>
               </a:tr>
@@ -41396,7 +42756,7 @@
                 </a:tc>
                 <a:extLst>
                   <a:ext uri="{0D108BD9-81ED-4DB2-BD59-A6C34878D82A}">
-                    <a16:rowId xmlns:a16="http://schemas.microsoft.com/office/drawing/2014/main" xmlns="" val="10001"/>
+                    <a16:rowId xmlns="" xmlns:a16="http://schemas.microsoft.com/office/drawing/2014/main" val="10001"/>
                   </a:ext>
                 </a:extLst>
               </a:tr>
@@ -41464,7 +42824,7 @@
                 </a:tc>
                 <a:extLst>
                   <a:ext uri="{0D108BD9-81ED-4DB2-BD59-A6C34878D82A}">
-                    <a16:rowId xmlns:a16="http://schemas.microsoft.com/office/drawing/2014/main" xmlns="" val="10002"/>
+                    <a16:rowId xmlns="" xmlns:a16="http://schemas.microsoft.com/office/drawing/2014/main" val="10002"/>
                   </a:ext>
                 </a:extLst>
               </a:tr>
@@ -41537,7 +42897,7 @@
                 </a:tc>
                 <a:extLst>
                   <a:ext uri="{0D108BD9-81ED-4DB2-BD59-A6C34878D82A}">
-                    <a16:rowId xmlns:a16="http://schemas.microsoft.com/office/drawing/2014/main" xmlns="" val="10003"/>
+                    <a16:rowId xmlns="" xmlns:a16="http://schemas.microsoft.com/office/drawing/2014/main" val="10003"/>
                   </a:ext>
                 </a:extLst>
               </a:tr>
@@ -41619,7 +42979,7 @@
                 </a:tc>
                 <a:extLst>
                   <a:ext uri="{0D108BD9-81ED-4DB2-BD59-A6C34878D82A}">
-                    <a16:rowId xmlns:a16="http://schemas.microsoft.com/office/drawing/2014/main" xmlns="" val="10004"/>
+                    <a16:rowId xmlns="" xmlns:a16="http://schemas.microsoft.com/office/drawing/2014/main" val="10004"/>
                   </a:ext>
                 </a:extLst>
               </a:tr>
@@ -43298,6 +44658,12 @@
 </file>
 
 <file path=customXml/item1.xml><?xml version="1.0" encoding="utf-8"?>
+<p:properties xmlns:p="http://schemas.microsoft.com/office/2006/metadata/properties" xmlns:xsi="http://www.w3.org/2001/XMLSchema-instance" xmlns:pc="http://schemas.microsoft.com/office/infopath/2007/PartnerControls">
+  <documentManagement/>
+</p:properties>
+</file>
+
+<file path=customXml/item2.xml><?xml version="1.0" encoding="utf-8"?>
 <ct:contentTypeSchema xmlns:ct="http://schemas.microsoft.com/office/2006/metadata/contentType" xmlns:ma="http://schemas.microsoft.com/office/2006/metadata/properties/metaAttributes" ct:_="" ma:_="" ma:contentTypeName="Document" ma:contentTypeID="0x01010055B2CD89C57E654B9987E9AA8CA4BF0D" ma:contentTypeVersion="0" ma:contentTypeDescription="Create a new document." ma:contentTypeScope="" ma:versionID="18de93eb0ee0f4f315a1ec1a884e13c6">
   <xsd:schema xmlns:xsd="http://www.w3.org/2001/XMLSchema" xmlns:xs="http://www.w3.org/2001/XMLSchema" xmlns:p="http://schemas.microsoft.com/office/2006/metadata/properties" targetNamespace="http://schemas.microsoft.com/office/2006/metadata/properties" ma:root="true" ma:fieldsID="a7c9ea3003598ff63be50cfc9788e6e2">
     <xsd:element name="properties">
@@ -43411,12 +44777,6 @@
 </ct:contentTypeSchema>
 </file>
 
-<file path=customXml/item2.xml><?xml version="1.0" encoding="utf-8"?>
-<p:properties xmlns:p="http://schemas.microsoft.com/office/2006/metadata/properties" xmlns:xsi="http://www.w3.org/2001/XMLSchema-instance" xmlns:pc="http://schemas.microsoft.com/office/infopath/2007/PartnerControls">
-  <documentManagement/>
-</p:properties>
-</file>
-
 <file path=customXml/item3.xml><?xml version="1.0" encoding="utf-8"?>
 <?mso-contentType ?>
 <FormTemplates xmlns="http://schemas.microsoft.com/sharepoint/v3/contenttype/forms">
@@ -43427,6 +44787,21 @@
 </file>
 
 <file path=customXml/itemProps1.xml><?xml version="1.0" encoding="utf-8"?>
+<ds:datastoreItem xmlns:ds="http://schemas.openxmlformats.org/officeDocument/2006/customXml" ds:itemID="{F1AEA8A7-A694-4DB0-82AB-EF48F2E9B6F9}">
+  <ds:schemaRefs>
+    <ds:schemaRef ds:uri="http://purl.org/dc/terms/"/>
+    <ds:schemaRef ds:uri="http://schemas.openxmlformats.org/package/2006/metadata/core-properties"/>
+    <ds:schemaRef ds:uri="http://schemas.microsoft.com/office/2006/documentManagement/types"/>
+    <ds:schemaRef ds:uri="http://schemas.microsoft.com/office/infopath/2007/PartnerControls"/>
+    <ds:schemaRef ds:uri="http://purl.org/dc/elements/1.1/"/>
+    <ds:schemaRef ds:uri="http://schemas.microsoft.com/office/2006/metadata/properties"/>
+    <ds:schemaRef ds:uri="http://www.w3.org/XML/1998/namespace"/>
+    <ds:schemaRef ds:uri="http://purl.org/dc/dcmitype/"/>
+  </ds:schemaRefs>
+</ds:datastoreItem>
+</file>
+
+<file path=customXml/itemProps2.xml><?xml version="1.0" encoding="utf-8"?>
 <ds:datastoreItem xmlns:ds="http://schemas.openxmlformats.org/officeDocument/2006/customXml" ds:itemID="{E2F29384-BD65-45EE-AC22-B03A76D49F37}">
   <ds:schemaRefs>
     <ds:schemaRef ds:uri="http://schemas.microsoft.com/office/2006/metadata/contentType"/>
@@ -43442,21 +44817,6 @@
 </ds:datastoreItem>
 </file>
 
-<file path=customXml/itemProps2.xml><?xml version="1.0" encoding="utf-8"?>
-<ds:datastoreItem xmlns:ds="http://schemas.openxmlformats.org/officeDocument/2006/customXml" ds:itemID="{F1AEA8A7-A694-4DB0-82AB-EF48F2E9B6F9}">
-  <ds:schemaRefs>
-    <ds:schemaRef ds:uri="http://purl.org/dc/terms/"/>
-    <ds:schemaRef ds:uri="http://schemas.openxmlformats.org/package/2006/metadata/core-properties"/>
-    <ds:schemaRef ds:uri="http://schemas.microsoft.com/office/2006/documentManagement/types"/>
-    <ds:schemaRef ds:uri="http://schemas.microsoft.com/office/infopath/2007/PartnerControls"/>
-    <ds:schemaRef ds:uri="http://purl.org/dc/elements/1.1/"/>
-    <ds:schemaRef ds:uri="http://schemas.microsoft.com/office/2006/metadata/properties"/>
-    <ds:schemaRef ds:uri="http://www.w3.org/XML/1998/namespace"/>
-    <ds:schemaRef ds:uri="http://purl.org/dc/dcmitype/"/>
-  </ds:schemaRefs>
-</ds:datastoreItem>
-</file>
-
 <file path=customXml/itemProps3.xml><?xml version="1.0" encoding="utf-8"?>
 <ds:datastoreItem xmlns:ds="http://schemas.openxmlformats.org/officeDocument/2006/customXml" ds:itemID="{B4606E04-852E-4880-8CD1-0B186F4087B1}">
   <ds:schemaRefs>

--- a/PnP Transformation Process/Samples/PnP Transformation - Solution Design Report - Contoso.pptx
+++ b/PnP Transformation Process/Samples/PnP Transformation - Solution Design Report - Contoso.pptx
@@ -6,10 +6,10 @@
     <p:sldMasterId id="2147484149" r:id="rId5"/>
   </p:sldMasterIdLst>
   <p:notesMasterIdLst>
-    <p:notesMasterId r:id="rId41"/>
+    <p:notesMasterId r:id="rId42"/>
   </p:notesMasterIdLst>
   <p:handoutMasterIdLst>
-    <p:handoutMasterId r:id="rId42"/>
+    <p:handoutMasterId r:id="rId43"/>
   </p:handoutMasterIdLst>
   <p:sldIdLst>
     <p:sldId id="1242" r:id="rId6"/>
@@ -27,26 +27,27 @@
     <p:sldId id="1339" r:id="rId18"/>
     <p:sldId id="1340" r:id="rId19"/>
     <p:sldId id="1352" r:id="rId20"/>
-    <p:sldId id="1347" r:id="rId21"/>
-    <p:sldId id="1335" r:id="rId22"/>
-    <p:sldId id="1334" r:id="rId23"/>
-    <p:sldId id="1343" r:id="rId24"/>
-    <p:sldId id="1336" r:id="rId25"/>
-    <p:sldId id="1309" r:id="rId26"/>
-    <p:sldId id="1351" r:id="rId27"/>
-    <p:sldId id="1311" r:id="rId28"/>
-    <p:sldId id="1313" r:id="rId29"/>
-    <p:sldId id="1312" r:id="rId30"/>
-    <p:sldId id="1314" r:id="rId31"/>
-    <p:sldId id="1302" r:id="rId32"/>
-    <p:sldId id="1315" r:id="rId33"/>
-    <p:sldId id="1321" r:id="rId34"/>
-    <p:sldId id="1322" r:id="rId35"/>
-    <p:sldId id="1317" r:id="rId36"/>
-    <p:sldId id="1316" r:id="rId37"/>
-    <p:sldId id="1318" r:id="rId38"/>
-    <p:sldId id="1275" r:id="rId39"/>
-    <p:sldId id="1184" r:id="rId40"/>
+    <p:sldId id="1353" r:id="rId21"/>
+    <p:sldId id="1347" r:id="rId22"/>
+    <p:sldId id="1335" r:id="rId23"/>
+    <p:sldId id="1334" r:id="rId24"/>
+    <p:sldId id="1343" r:id="rId25"/>
+    <p:sldId id="1336" r:id="rId26"/>
+    <p:sldId id="1309" r:id="rId27"/>
+    <p:sldId id="1351" r:id="rId28"/>
+    <p:sldId id="1311" r:id="rId29"/>
+    <p:sldId id="1313" r:id="rId30"/>
+    <p:sldId id="1312" r:id="rId31"/>
+    <p:sldId id="1314" r:id="rId32"/>
+    <p:sldId id="1302" r:id="rId33"/>
+    <p:sldId id="1315" r:id="rId34"/>
+    <p:sldId id="1321" r:id="rId35"/>
+    <p:sldId id="1322" r:id="rId36"/>
+    <p:sldId id="1317" r:id="rId37"/>
+    <p:sldId id="1316" r:id="rId38"/>
+    <p:sldId id="1318" r:id="rId39"/>
+    <p:sldId id="1275" r:id="rId40"/>
+    <p:sldId id="1184" r:id="rId41"/>
   </p:sldIdLst>
   <p:sldSz cx="12188825" cy="6858000"/>
   <p:notesSz cx="7086600" cy="9372600"/>
@@ -165,6 +166,7 @@
             <p14:sldId id="1339"/>
             <p14:sldId id="1340"/>
             <p14:sldId id="1352"/>
+            <p14:sldId id="1353"/>
             <p14:sldId id="1347"/>
             <p14:sldId id="1335"/>
             <p14:sldId id="1334"/>
@@ -1929,7 +1931,7 @@
     </p:spTree>
     <p:extLst>
       <p:ext uri="{BB962C8B-B14F-4D97-AF65-F5344CB8AC3E}">
-        <p14:creationId xmlns:p14="http://schemas.microsoft.com/office/powerpoint/2010/main" val="154549087"/>
+        <p14:creationId xmlns:p14="http://schemas.microsoft.com/office/powerpoint/2010/main" val="1716940289"/>
       </p:ext>
     </p:extLst>
   </p:cSld>
@@ -2030,20 +2032,11 @@
           <a:bodyPr/>
           <a:lstStyle/>
           <a:p>
-            <a:fld id="{AA3AF75D-25C3-42E7-9971-69168E23937F}" type="datetime1">
-              <a:rPr lang="en-US" smtClean="0">
-                <a:solidFill>
-                  <a:prstClr val="black"/>
-                </a:solidFill>
-              </a:rPr>
-              <a:pPr/>
+            <a:fld id="{D1138656-1104-4895-916A-3F46DB26BB9D}" type="datetime1">
+              <a:rPr lang="en-US" smtClean="0"/>
               <a:t>6/2/2015</a:t>
             </a:fld>
-            <a:endParaRPr lang="en-US">
-              <a:solidFill>
-                <a:prstClr val="black"/>
-              </a:solidFill>
-            </a:endParaRPr>
+            <a:endParaRPr lang="en-US"/>
           </a:p>
         </p:txBody>
       </p:sp>
@@ -2063,19 +2056,10 @@
           <a:lstStyle/>
           <a:p>
             <a:fld id="{B4008EB6-D09E-4580-8CD6-DDB14511944F}" type="slidenum">
-              <a:rPr lang="en-US" smtClean="0">
-                <a:solidFill>
-                  <a:prstClr val="black"/>
-                </a:solidFill>
-              </a:rPr>
-              <a:pPr/>
+              <a:rPr lang="en-US" smtClean="0"/>
               <a:t>17</a:t>
             </a:fld>
-            <a:endParaRPr lang="en-US" dirty="0">
-              <a:solidFill>
-                <a:prstClr val="black"/>
-              </a:solidFill>
-            </a:endParaRPr>
+            <a:endParaRPr lang="en-US" dirty="0"/>
           </a:p>
         </p:txBody>
       </p:sp>
@@ -2095,18 +2079,10 @@
           <a:lstStyle/>
           <a:p>
             <a:r>
-              <a:rPr lang="en-US" smtClean="0">
-                <a:solidFill>
-                  <a:prstClr val="black"/>
-                </a:solidFill>
-              </a:rPr>
+              <a:rPr lang="en-US" smtClean="0"/>
               <a:t>Microsoft Office</a:t>
             </a:r>
-            <a:endParaRPr lang="en-US" dirty="0">
-              <a:solidFill>
-                <a:prstClr val="black"/>
-              </a:solidFill>
-            </a:endParaRPr>
+            <a:endParaRPr lang="en-US" dirty="0"/>
           </a:p>
         </p:txBody>
       </p:sp>
@@ -2131,10 +2107,10 @@
                 <a:gradFill>
                   <a:gsLst>
                     <a:gs pos="0">
-                      <a:prstClr val="black"/>
+                      <a:schemeClr val="tx1"/>
                     </a:gs>
                     <a:gs pos="100000">
-                      <a:prstClr val="black"/>
+                      <a:schemeClr val="tx1"/>
                     </a:gs>
                   </a:gsLst>
                   <a:lin ang="5400000" scaled="0"/>
@@ -2153,10 +2129,10 @@
                 <a:gradFill>
                   <a:gsLst>
                     <a:gs pos="0">
-                      <a:prstClr val="black"/>
+                      <a:schemeClr val="tx1"/>
                     </a:gs>
                     <a:gs pos="100000">
-                      <a:prstClr val="black"/>
+                      <a:schemeClr val="tx1"/>
                     </a:gs>
                   </a:gsLst>
                   <a:lin ang="5400000" scaled="0"/>
@@ -2171,10 +2147,10 @@
               <a:gradFill>
                 <a:gsLst>
                   <a:gs pos="0">
-                    <a:prstClr val="black"/>
+                    <a:schemeClr val="tx1"/>
                   </a:gs>
                   <a:gs pos="100000">
-                    <a:prstClr val="black"/>
+                    <a:schemeClr val="tx1"/>
                   </a:gs>
                 </a:gsLst>
                 <a:lin ang="5400000" scaled="0"/>
@@ -2189,7 +2165,7 @@
     </p:spTree>
     <p:extLst>
       <p:ext uri="{BB962C8B-B14F-4D97-AF65-F5344CB8AC3E}">
-        <p14:creationId xmlns:p14="http://schemas.microsoft.com/office/powerpoint/2010/main" val="3338814252"/>
+        <p14:creationId xmlns:p14="http://schemas.microsoft.com/office/powerpoint/2010/main" val="154549087"/>
       </p:ext>
     </p:extLst>
   </p:cSld>
@@ -2290,11 +2266,20 @@
           <a:bodyPr/>
           <a:lstStyle/>
           <a:p>
-            <a:fld id="{451D34E3-A4EB-4733-B7C0-D045AD3234C1}" type="datetime1">
-              <a:rPr lang="en-US" smtClean="0"/>
+            <a:fld id="{AA3AF75D-25C3-42E7-9971-69168E23937F}" type="datetime1">
+              <a:rPr lang="en-US" smtClean="0">
+                <a:solidFill>
+                  <a:prstClr val="black"/>
+                </a:solidFill>
+              </a:rPr>
+              <a:pPr/>
               <a:t>6/2/2015</a:t>
             </a:fld>
-            <a:endParaRPr lang="en-US"/>
+            <a:endParaRPr lang="en-US">
+              <a:solidFill>
+                <a:prstClr val="black"/>
+              </a:solidFill>
+            </a:endParaRPr>
           </a:p>
         </p:txBody>
       </p:sp>
@@ -2314,10 +2299,19 @@
           <a:lstStyle/>
           <a:p>
             <a:fld id="{B4008EB6-D09E-4580-8CD6-DDB14511944F}" type="slidenum">
-              <a:rPr lang="en-US" smtClean="0"/>
+              <a:rPr lang="en-US" smtClean="0">
+                <a:solidFill>
+                  <a:prstClr val="black"/>
+                </a:solidFill>
+              </a:rPr>
+              <a:pPr/>
               <a:t>18</a:t>
             </a:fld>
-            <a:endParaRPr lang="en-US" dirty="0"/>
+            <a:endParaRPr lang="en-US" dirty="0">
+              <a:solidFill>
+                <a:prstClr val="black"/>
+              </a:solidFill>
+            </a:endParaRPr>
           </a:p>
         </p:txBody>
       </p:sp>
@@ -2337,10 +2331,18 @@
           <a:lstStyle/>
           <a:p>
             <a:r>
-              <a:rPr lang="en-US" smtClean="0"/>
+              <a:rPr lang="en-US" smtClean="0">
+                <a:solidFill>
+                  <a:prstClr val="black"/>
+                </a:solidFill>
+              </a:rPr>
               <a:t>Microsoft Office</a:t>
             </a:r>
-            <a:endParaRPr lang="en-US" dirty="0"/>
+            <a:endParaRPr lang="en-US" dirty="0">
+              <a:solidFill>
+                <a:prstClr val="black"/>
+              </a:solidFill>
+            </a:endParaRPr>
           </a:p>
         </p:txBody>
       </p:sp>
@@ -2365,10 +2367,10 @@
                 <a:gradFill>
                   <a:gsLst>
                     <a:gs pos="0">
-                      <a:schemeClr val="tx1"/>
+                      <a:prstClr val="black"/>
                     </a:gs>
                     <a:gs pos="100000">
-                      <a:schemeClr val="tx1"/>
+                      <a:prstClr val="black"/>
                     </a:gs>
                   </a:gsLst>
                   <a:lin ang="5400000" scaled="0"/>
@@ -2387,10 +2389,10 @@
                 <a:gradFill>
                   <a:gsLst>
                     <a:gs pos="0">
-                      <a:schemeClr val="tx1"/>
+                      <a:prstClr val="black"/>
                     </a:gs>
                     <a:gs pos="100000">
-                      <a:schemeClr val="tx1"/>
+                      <a:prstClr val="black"/>
                     </a:gs>
                   </a:gsLst>
                   <a:lin ang="5400000" scaled="0"/>
@@ -2405,10 +2407,10 @@
               <a:gradFill>
                 <a:gsLst>
                   <a:gs pos="0">
-                    <a:schemeClr val="tx1"/>
+                    <a:prstClr val="black"/>
                   </a:gs>
                   <a:gs pos="100000">
-                    <a:schemeClr val="tx1"/>
+                    <a:prstClr val="black"/>
                   </a:gs>
                 </a:gsLst>
                 <a:lin ang="5400000" scaled="0"/>
@@ -2423,7 +2425,7 @@
     </p:spTree>
     <p:extLst>
       <p:ext uri="{BB962C8B-B14F-4D97-AF65-F5344CB8AC3E}">
-        <p14:creationId xmlns:p14="http://schemas.microsoft.com/office/powerpoint/2010/main" val="3616709153"/>
+        <p14:creationId xmlns:p14="http://schemas.microsoft.com/office/powerpoint/2010/main" val="3338814252"/>
       </p:ext>
     </p:extLst>
   </p:cSld>
@@ -2524,7 +2526,7 @@
           <a:bodyPr/>
           <a:lstStyle/>
           <a:p>
-            <a:fld id="{AA3AF75D-25C3-42E7-9971-69168E23937F}" type="datetime1">
+            <a:fld id="{451D34E3-A4EB-4733-B7C0-D045AD3234C1}" type="datetime1">
               <a:rPr lang="en-US" smtClean="0"/>
               <a:t>6/2/2015</a:t>
             </a:fld>
@@ -2657,7 +2659,7 @@
     </p:spTree>
     <p:extLst>
       <p:ext uri="{BB962C8B-B14F-4D97-AF65-F5344CB8AC3E}">
-        <p14:creationId xmlns:p14="http://schemas.microsoft.com/office/powerpoint/2010/main" val="2889601872"/>
+        <p14:creationId xmlns:p14="http://schemas.microsoft.com/office/powerpoint/2010/main" val="3616709153"/>
       </p:ext>
     </p:extLst>
   </p:cSld>
@@ -2711,10 +2713,34 @@
           <a:bodyPr/>
           <a:lstStyle/>
           <a:p>
+            <a:pPr marL="0" marR="0" indent="0" algn="l" defTabSz="914363" rtl="0" eaLnBrk="1" fontAlgn="auto" latinLnBrk="0" hangingPunct="1">
+              <a:lnSpc>
+                <a:spcPct val="90000"/>
+              </a:lnSpc>
+              <a:spcBef>
+                <a:spcPts val="0"/>
+              </a:spcBef>
+              <a:spcAft>
+                <a:spcPts val="333"/>
+              </a:spcAft>
+              <a:buClrTx/>
+              <a:buSzTx/>
+              <a:buFontTx/>
+              <a:buNone/>
+              <a:tabLst/>
+              <a:defRPr/>
+            </a:pPr>
             <a:r>
               <a:rPr lang="en-NZ" dirty="0" smtClean="0"/>
-              <a:t>CDN – Content Delivery Network</a:t>
-            </a:r>
+              <a:t>The</a:t>
+            </a:r>
+            <a:r>
+              <a:rPr lang="en-NZ" baseline="0" dirty="0" smtClean="0"/>
+              <a:t> team responsible for transforming the solution has been identified in the “Owner” section.</a:t>
+            </a:r>
+            <a:endParaRPr lang="en-NZ" dirty="0" smtClean="0"/>
+          </a:p>
+          <a:p>
             <a:endParaRPr lang="en-NZ" dirty="0"/>
           </a:p>
         </p:txBody>
@@ -2734,20 +2760,11 @@
           <a:bodyPr/>
           <a:lstStyle/>
           <a:p>
-            <a:fld id="{309E6654-814A-4856-A67A-9683B5A2AE45}" type="datetime1">
-              <a:rPr lang="en-US" smtClean="0">
-                <a:solidFill>
-                  <a:prstClr val="black"/>
-                </a:solidFill>
-              </a:rPr>
-              <a:pPr/>
+            <a:fld id="{AA3AF75D-25C3-42E7-9971-69168E23937F}" type="datetime1">
+              <a:rPr lang="en-US" smtClean="0"/>
               <a:t>6/2/2015</a:t>
             </a:fld>
-            <a:endParaRPr lang="en-US">
-              <a:solidFill>
-                <a:prstClr val="black"/>
-              </a:solidFill>
-            </a:endParaRPr>
+            <a:endParaRPr lang="en-US"/>
           </a:p>
         </p:txBody>
       </p:sp>
@@ -2767,19 +2784,10 @@
           <a:lstStyle/>
           <a:p>
             <a:fld id="{B4008EB6-D09E-4580-8CD6-DDB14511944F}" type="slidenum">
-              <a:rPr lang="en-US" smtClean="0">
-                <a:solidFill>
-                  <a:prstClr val="black"/>
-                </a:solidFill>
-              </a:rPr>
-              <a:pPr/>
-              <a:t>22</a:t>
+              <a:rPr lang="en-US" smtClean="0"/>
+              <a:t>20</a:t>
             </a:fld>
-            <a:endParaRPr lang="en-US" dirty="0">
-              <a:solidFill>
-                <a:prstClr val="black"/>
-              </a:solidFill>
-            </a:endParaRPr>
+            <a:endParaRPr lang="en-US" dirty="0"/>
           </a:p>
         </p:txBody>
       </p:sp>
@@ -2799,18 +2807,10 @@
           <a:lstStyle/>
           <a:p>
             <a:r>
-              <a:rPr lang="en-US" smtClean="0">
-                <a:solidFill>
-                  <a:prstClr val="black"/>
-                </a:solidFill>
-              </a:rPr>
+              <a:rPr lang="en-US" smtClean="0"/>
               <a:t>Microsoft Office</a:t>
             </a:r>
-            <a:endParaRPr lang="en-US" dirty="0">
-              <a:solidFill>
-                <a:prstClr val="black"/>
-              </a:solidFill>
-            </a:endParaRPr>
+            <a:endParaRPr lang="en-US" dirty="0"/>
           </a:p>
         </p:txBody>
       </p:sp>
@@ -2835,10 +2835,10 @@
                 <a:gradFill>
                   <a:gsLst>
                     <a:gs pos="0">
-                      <a:prstClr val="black"/>
+                      <a:schemeClr val="tx1"/>
                     </a:gs>
                     <a:gs pos="100000">
-                      <a:prstClr val="black"/>
+                      <a:schemeClr val="tx1"/>
                     </a:gs>
                   </a:gsLst>
                   <a:lin ang="5400000" scaled="0"/>
@@ -2857,10 +2857,10 @@
                 <a:gradFill>
                   <a:gsLst>
                     <a:gs pos="0">
-                      <a:prstClr val="black"/>
+                      <a:schemeClr val="tx1"/>
                     </a:gs>
                     <a:gs pos="100000">
-                      <a:prstClr val="black"/>
+                      <a:schemeClr val="tx1"/>
                     </a:gs>
                   </a:gsLst>
                   <a:lin ang="5400000" scaled="0"/>
@@ -2875,10 +2875,10 @@
               <a:gradFill>
                 <a:gsLst>
                   <a:gs pos="0">
-                    <a:prstClr val="black"/>
+                    <a:schemeClr val="tx1"/>
                   </a:gs>
                   <a:gs pos="100000">
-                    <a:prstClr val="black"/>
+                    <a:schemeClr val="tx1"/>
                   </a:gs>
                 </a:gsLst>
                 <a:lin ang="5400000" scaled="0"/>
@@ -2893,7 +2893,7 @@
     </p:spTree>
     <p:extLst>
       <p:ext uri="{BB962C8B-B14F-4D97-AF65-F5344CB8AC3E}">
-        <p14:creationId xmlns:p14="http://schemas.microsoft.com/office/powerpoint/2010/main" val="1952288790"/>
+        <p14:creationId xmlns:p14="http://schemas.microsoft.com/office/powerpoint/2010/main" val="2889601872"/>
       </p:ext>
     </p:extLst>
   </p:cSld>
@@ -2947,7 +2947,11 @@
           <a:bodyPr/>
           <a:lstStyle/>
           <a:p>
-            <a:endParaRPr lang="en-GB"/>
+            <a:r>
+              <a:rPr lang="en-NZ" dirty="0" smtClean="0"/>
+              <a:t>CDN – Content Delivery Network</a:t>
+            </a:r>
+            <a:endParaRPr lang="en-NZ" dirty="0"/>
           </a:p>
         </p:txBody>
       </p:sp>
@@ -2966,11 +2970,20 @@
           <a:bodyPr/>
           <a:lstStyle/>
           <a:p>
-            <a:fld id="{0B49ECD6-2B5F-4BFE-A8F3-6C5940E5A932}" type="datetime1">
-              <a:rPr lang="en-US" smtClean="0"/>
+            <a:fld id="{309E6654-814A-4856-A67A-9683B5A2AE45}" type="datetime1">
+              <a:rPr lang="en-US" smtClean="0">
+                <a:solidFill>
+                  <a:prstClr val="black"/>
+                </a:solidFill>
+              </a:rPr>
+              <a:pPr/>
               <a:t>6/2/2015</a:t>
             </a:fld>
-            <a:endParaRPr lang="en-US"/>
+            <a:endParaRPr lang="en-US">
+              <a:solidFill>
+                <a:prstClr val="black"/>
+              </a:solidFill>
+            </a:endParaRPr>
           </a:p>
         </p:txBody>
       </p:sp>
@@ -2990,10 +3003,19 @@
           <a:lstStyle/>
           <a:p>
             <a:fld id="{B4008EB6-D09E-4580-8CD6-DDB14511944F}" type="slidenum">
-              <a:rPr lang="en-US" smtClean="0"/>
+              <a:rPr lang="en-US" smtClean="0">
+                <a:solidFill>
+                  <a:prstClr val="black"/>
+                </a:solidFill>
+              </a:rPr>
+              <a:pPr/>
               <a:t>23</a:t>
             </a:fld>
-            <a:endParaRPr lang="en-US" dirty="0"/>
+            <a:endParaRPr lang="en-US" dirty="0">
+              <a:solidFill>
+                <a:prstClr val="black"/>
+              </a:solidFill>
+            </a:endParaRPr>
           </a:p>
         </p:txBody>
       </p:sp>
@@ -3013,10 +3035,18 @@
           <a:lstStyle/>
           <a:p>
             <a:r>
-              <a:rPr lang="en-US" smtClean="0"/>
+              <a:rPr lang="en-US" smtClean="0">
+                <a:solidFill>
+                  <a:prstClr val="black"/>
+                </a:solidFill>
+              </a:rPr>
               <a:t>Microsoft Office</a:t>
             </a:r>
-            <a:endParaRPr lang="en-US" dirty="0"/>
+            <a:endParaRPr lang="en-US" dirty="0">
+              <a:solidFill>
+                <a:prstClr val="black"/>
+              </a:solidFill>
+            </a:endParaRPr>
           </a:p>
         </p:txBody>
       </p:sp>
@@ -3041,10 +3071,10 @@
                 <a:gradFill>
                   <a:gsLst>
                     <a:gs pos="0">
-                      <a:schemeClr val="tx1"/>
+                      <a:prstClr val="black"/>
                     </a:gs>
                     <a:gs pos="100000">
-                      <a:schemeClr val="tx1"/>
+                      <a:prstClr val="black"/>
                     </a:gs>
                   </a:gsLst>
                   <a:lin ang="5400000" scaled="0"/>
@@ -3063,10 +3093,10 @@
                 <a:gradFill>
                   <a:gsLst>
                     <a:gs pos="0">
-                      <a:schemeClr val="tx1"/>
+                      <a:prstClr val="black"/>
                     </a:gs>
                     <a:gs pos="100000">
-                      <a:schemeClr val="tx1"/>
+                      <a:prstClr val="black"/>
                     </a:gs>
                   </a:gsLst>
                   <a:lin ang="5400000" scaled="0"/>
@@ -3081,10 +3111,10 @@
               <a:gradFill>
                 <a:gsLst>
                   <a:gs pos="0">
-                    <a:schemeClr val="tx1"/>
+                    <a:prstClr val="black"/>
                   </a:gs>
                   <a:gs pos="100000">
-                    <a:schemeClr val="tx1"/>
+                    <a:prstClr val="black"/>
                   </a:gs>
                 </a:gsLst>
                 <a:lin ang="5400000" scaled="0"/>
@@ -3099,7 +3129,7 @@
     </p:spTree>
     <p:extLst>
       <p:ext uri="{BB962C8B-B14F-4D97-AF65-F5344CB8AC3E}">
-        <p14:creationId xmlns:p14="http://schemas.microsoft.com/office/powerpoint/2010/main" val="1866993919"/>
+        <p14:creationId xmlns:p14="http://schemas.microsoft.com/office/powerpoint/2010/main" val="1952288790"/>
       </p:ext>
     </p:extLst>
   </p:cSld>
@@ -3153,6 +3183,212 @@
           <a:bodyPr/>
           <a:lstStyle/>
           <a:p>
+            <a:endParaRPr lang="en-GB"/>
+          </a:p>
+        </p:txBody>
+      </p:sp>
+      <p:sp>
+        <p:nvSpPr>
+          <p:cNvPr id="4" name="Date Placeholder 3"/>
+          <p:cNvSpPr>
+            <a:spLocks noGrp="1"/>
+          </p:cNvSpPr>
+          <p:nvPr>
+            <p:ph type="dt" idx="10"/>
+          </p:nvPr>
+        </p:nvSpPr>
+        <p:spPr/>
+        <p:txBody>
+          <a:bodyPr/>
+          <a:lstStyle/>
+          <a:p>
+            <a:fld id="{0B49ECD6-2B5F-4BFE-A8F3-6C5940E5A932}" type="datetime1">
+              <a:rPr lang="en-US" smtClean="0"/>
+              <a:t>6/2/2015</a:t>
+            </a:fld>
+            <a:endParaRPr lang="en-US"/>
+          </a:p>
+        </p:txBody>
+      </p:sp>
+      <p:sp>
+        <p:nvSpPr>
+          <p:cNvPr id="5" name="Slide Number Placeholder 4"/>
+          <p:cNvSpPr>
+            <a:spLocks noGrp="1"/>
+          </p:cNvSpPr>
+          <p:nvPr>
+            <p:ph type="sldNum" sz="quarter" idx="11"/>
+          </p:nvPr>
+        </p:nvSpPr>
+        <p:spPr/>
+        <p:txBody>
+          <a:bodyPr/>
+          <a:lstStyle/>
+          <a:p>
+            <a:fld id="{B4008EB6-D09E-4580-8CD6-DDB14511944F}" type="slidenum">
+              <a:rPr lang="en-US" smtClean="0"/>
+              <a:t>24</a:t>
+            </a:fld>
+            <a:endParaRPr lang="en-US" dirty="0"/>
+          </a:p>
+        </p:txBody>
+      </p:sp>
+      <p:sp>
+        <p:nvSpPr>
+          <p:cNvPr id="6" name="Header Placeholder 5"/>
+          <p:cNvSpPr>
+            <a:spLocks noGrp="1"/>
+          </p:cNvSpPr>
+          <p:nvPr>
+            <p:ph type="hdr" sz="quarter" idx="12"/>
+          </p:nvPr>
+        </p:nvSpPr>
+        <p:spPr/>
+        <p:txBody>
+          <a:bodyPr/>
+          <a:lstStyle/>
+          <a:p>
+            <a:r>
+              <a:rPr lang="en-US" smtClean="0"/>
+              <a:t>Microsoft Office</a:t>
+            </a:r>
+            <a:endParaRPr lang="en-US" dirty="0"/>
+          </a:p>
+        </p:txBody>
+      </p:sp>
+      <p:sp>
+        <p:nvSpPr>
+          <p:cNvPr id="7" name="Footer Placeholder 6"/>
+          <p:cNvSpPr>
+            <a:spLocks noGrp="1"/>
+          </p:cNvSpPr>
+          <p:nvPr>
+            <p:ph type="ftr" sz="quarter" idx="13"/>
+          </p:nvPr>
+        </p:nvSpPr>
+        <p:spPr/>
+        <p:txBody>
+          <a:bodyPr/>
+          <a:lstStyle/>
+          <a:p>
+            <a:pPr marL="238375" defTabSz="940130" eaLnBrk="0" hangingPunct="0"/>
+            <a:r>
+              <a:rPr lang="en-US" sz="500" smtClean="0">
+                <a:gradFill>
+                  <a:gsLst>
+                    <a:gs pos="0">
+                      <a:schemeClr val="tx1"/>
+                    </a:gs>
+                    <a:gs pos="100000">
+                      <a:schemeClr val="tx1"/>
+                    </a:gs>
+                  </a:gsLst>
+                  <a:lin ang="5400000" scaled="0"/>
+                </a:gradFill>
+                <a:latin typeface="Segoe UI" pitchFamily="34" charset="0"/>
+                <a:ea typeface="Segoe UI" pitchFamily="34" charset="0"/>
+                <a:cs typeface="Segoe UI" pitchFamily="34" charset="0"/>
+              </a:rPr>
+              <a:t>© 2012 Microsoft Corporation. All rights reserved. Microsoft, Windows, and other product names are or may be registered trademarks and/or trademarks in the U.S. and/or other countries.</a:t>
+            </a:r>
+          </a:p>
+          <a:p>
+            <a:pPr marL="238375" defTabSz="940130" eaLnBrk="0" hangingPunct="0"/>
+            <a:r>
+              <a:rPr lang="en-US" sz="500" smtClean="0">
+                <a:gradFill>
+                  <a:gsLst>
+                    <a:gs pos="0">
+                      <a:schemeClr val="tx1"/>
+                    </a:gs>
+                    <a:gs pos="100000">
+                      <a:schemeClr val="tx1"/>
+                    </a:gs>
+                  </a:gsLst>
+                  <a:lin ang="5400000" scaled="0"/>
+                </a:gradFill>
+                <a:latin typeface="Segoe UI" pitchFamily="34" charset="0"/>
+                <a:ea typeface="Segoe UI" pitchFamily="34" charset="0"/>
+                <a:cs typeface="Segoe UI" pitchFamily="34" charset="0"/>
+              </a:rPr>
+              <a:t>The information herein is for informational purposes only and represents the current view of Microsoft Corporation as of the date of this presentation.  Because Microsoft must respond to changing market conditions, it should not be interpreted to be a commitment on the part of Microsoft, and Microsoft cannot guarantee the accuracy of any information provided after the date of this presentation.  MICROSOFT MAKES NO WARRANTIES, EXPRESS, IMPLIED OR STATUTORY, AS TO THE INFORMATION IN THIS PRESENTATION.</a:t>
+            </a:r>
+            <a:endParaRPr lang="en-US" sz="500" dirty="0">
+              <a:gradFill>
+                <a:gsLst>
+                  <a:gs pos="0">
+                    <a:schemeClr val="tx1"/>
+                  </a:gs>
+                  <a:gs pos="100000">
+                    <a:schemeClr val="tx1"/>
+                  </a:gs>
+                </a:gsLst>
+                <a:lin ang="5400000" scaled="0"/>
+              </a:gradFill>
+              <a:latin typeface="Segoe UI" pitchFamily="34" charset="0"/>
+              <a:ea typeface="Segoe UI" pitchFamily="34" charset="0"/>
+              <a:cs typeface="Segoe UI" pitchFamily="34" charset="0"/>
+            </a:endParaRPr>
+          </a:p>
+        </p:txBody>
+      </p:sp>
+    </p:spTree>
+    <p:extLst>
+      <p:ext uri="{BB962C8B-B14F-4D97-AF65-F5344CB8AC3E}">
+        <p14:creationId xmlns:p14="http://schemas.microsoft.com/office/powerpoint/2010/main" val="1866993919"/>
+      </p:ext>
+    </p:extLst>
+  </p:cSld>
+  <p:clrMapOvr>
+    <a:masterClrMapping/>
+  </p:clrMapOvr>
+</p:notes>
+</file>
+
+<file path=ppt/notesSlides/notesSlide19.xml><?xml version="1.0" encoding="utf-8"?>
+<p:notes xmlns:a="http://schemas.openxmlformats.org/drawingml/2006/main" xmlns:r="http://schemas.openxmlformats.org/officeDocument/2006/relationships" xmlns:p="http://schemas.openxmlformats.org/presentationml/2006/main">
+  <p:cSld>
+    <p:spTree>
+      <p:nvGrpSpPr>
+        <p:cNvPr id="1" name=""/>
+        <p:cNvGrpSpPr/>
+        <p:nvPr/>
+      </p:nvGrpSpPr>
+      <p:grpSpPr>
+        <a:xfrm>
+          <a:off x="0" y="0"/>
+          <a:ext cx="0" cy="0"/>
+          <a:chOff x="0" y="0"/>
+          <a:chExt cx="0" cy="0"/>
+        </a:xfrm>
+      </p:grpSpPr>
+      <p:sp>
+        <p:nvSpPr>
+          <p:cNvPr id="2" name="Slide Image Placeholder 1"/>
+          <p:cNvSpPr>
+            <a:spLocks noGrp="1" noRot="1" noChangeAspect="1"/>
+          </p:cNvSpPr>
+          <p:nvPr>
+            <p:ph type="sldImg"/>
+          </p:nvPr>
+        </p:nvSpPr>
+        <p:spPr/>
+      </p:sp>
+      <p:sp>
+        <p:nvSpPr>
+          <p:cNvPr id="3" name="Notes Placeholder 2"/>
+          <p:cNvSpPr>
+            <a:spLocks noGrp="1"/>
+          </p:cNvSpPr>
+          <p:nvPr>
+            <p:ph type="body" idx="1"/>
+          </p:nvPr>
+        </p:nvSpPr>
+        <p:spPr/>
+        <p:txBody>
+          <a:bodyPr/>
+          <a:lstStyle/>
+          <a:p>
             <a:endParaRPr lang="en-US" baseline="0" dirty="0" smtClean="0"/>
           </a:p>
         </p:txBody>
@@ -3182,7 +3418,7 @@
           <a:p>
             <a:fld id="{69A3D4EF-FC77-4542-8C22-63DD037305B0}" type="slidenum">
               <a:rPr lang="en-US" smtClean="0"/>
-              <a:t>28</a:t>
+              <a:t>29</a:t>
             </a:fld>
             <a:endParaRPr lang="en-US" dirty="0"/>
           </a:p>
@@ -3201,7 +3437,247 @@
 </p:notes>
 </file>
 
-<file path=ppt/notesSlides/notesSlide19.xml><?xml version="1.0" encoding="utf-8"?>
+<file path=ppt/notesSlides/notesSlide2.xml><?xml version="1.0" encoding="utf-8"?>
+<p:notes xmlns:a="http://schemas.openxmlformats.org/drawingml/2006/main" xmlns:r="http://schemas.openxmlformats.org/officeDocument/2006/relationships" xmlns:p="http://schemas.openxmlformats.org/presentationml/2006/main">
+  <p:cSld>
+    <p:spTree>
+      <p:nvGrpSpPr>
+        <p:cNvPr id="1" name=""/>
+        <p:cNvGrpSpPr/>
+        <p:nvPr/>
+      </p:nvGrpSpPr>
+      <p:grpSpPr>
+        <a:xfrm>
+          <a:off x="0" y="0"/>
+          <a:ext cx="0" cy="0"/>
+          <a:chOff x="0" y="0"/>
+          <a:chExt cx="0" cy="0"/>
+        </a:xfrm>
+      </p:grpSpPr>
+      <p:sp>
+        <p:nvSpPr>
+          <p:cNvPr id="2" name="Slide Image Placeholder 1"/>
+          <p:cNvSpPr>
+            <a:spLocks noGrp="1" noRot="1" noChangeAspect="1"/>
+          </p:cNvSpPr>
+          <p:nvPr>
+            <p:ph type="sldImg"/>
+          </p:nvPr>
+        </p:nvSpPr>
+        <p:spPr/>
+      </p:sp>
+      <p:sp>
+        <p:nvSpPr>
+          <p:cNvPr id="3" name="Notes Placeholder 2"/>
+          <p:cNvSpPr>
+            <a:spLocks noGrp="1"/>
+          </p:cNvSpPr>
+          <p:nvPr>
+            <p:ph type="body" idx="1"/>
+          </p:nvPr>
+        </p:nvSpPr>
+        <p:spPr/>
+        <p:txBody>
+          <a:bodyPr/>
+          <a:lstStyle/>
+          <a:p>
+            <a:r>
+              <a:rPr lang="en-NZ" dirty="0" smtClean="0"/>
+              <a:t>News alerts feature</a:t>
+            </a:r>
+            <a:r>
+              <a:rPr lang="en-NZ" baseline="0" dirty="0" smtClean="0"/>
+              <a:t> will be abandoned since Yammer can fulfil Contoso’s requirements natively.</a:t>
+            </a:r>
+            <a:endParaRPr lang="en-NZ" dirty="0"/>
+          </a:p>
+        </p:txBody>
+      </p:sp>
+      <p:sp>
+        <p:nvSpPr>
+          <p:cNvPr id="4" name="Date Placeholder 3"/>
+          <p:cNvSpPr>
+            <a:spLocks noGrp="1"/>
+          </p:cNvSpPr>
+          <p:nvPr>
+            <p:ph type="dt" idx="10"/>
+          </p:nvPr>
+        </p:nvSpPr>
+        <p:spPr/>
+        <p:txBody>
+          <a:bodyPr/>
+          <a:lstStyle/>
+          <a:p>
+            <a:fld id="{610543A5-0CF9-4E2E-A715-69AA16194555}" type="datetime1">
+              <a:rPr lang="en-US" smtClean="0">
+                <a:solidFill>
+                  <a:prstClr val="black"/>
+                </a:solidFill>
+              </a:rPr>
+              <a:pPr/>
+              <a:t>6/2/2015</a:t>
+            </a:fld>
+            <a:endParaRPr lang="en-US">
+              <a:solidFill>
+                <a:prstClr val="black"/>
+              </a:solidFill>
+            </a:endParaRPr>
+          </a:p>
+        </p:txBody>
+      </p:sp>
+      <p:sp>
+        <p:nvSpPr>
+          <p:cNvPr id="5" name="Slide Number Placeholder 4"/>
+          <p:cNvSpPr>
+            <a:spLocks noGrp="1"/>
+          </p:cNvSpPr>
+          <p:nvPr>
+            <p:ph type="sldNum" sz="quarter" idx="11"/>
+          </p:nvPr>
+        </p:nvSpPr>
+        <p:spPr/>
+        <p:txBody>
+          <a:bodyPr/>
+          <a:lstStyle/>
+          <a:p>
+            <a:fld id="{B4008EB6-D09E-4580-8CD6-DDB14511944F}" type="slidenum">
+              <a:rPr lang="en-US" smtClean="0">
+                <a:solidFill>
+                  <a:prstClr val="black"/>
+                </a:solidFill>
+              </a:rPr>
+              <a:pPr/>
+              <a:t>5</a:t>
+            </a:fld>
+            <a:endParaRPr lang="en-US" dirty="0">
+              <a:solidFill>
+                <a:prstClr val="black"/>
+              </a:solidFill>
+            </a:endParaRPr>
+          </a:p>
+        </p:txBody>
+      </p:sp>
+      <p:sp>
+        <p:nvSpPr>
+          <p:cNvPr id="6" name="Header Placeholder 5"/>
+          <p:cNvSpPr>
+            <a:spLocks noGrp="1"/>
+          </p:cNvSpPr>
+          <p:nvPr>
+            <p:ph type="hdr" sz="quarter" idx="12"/>
+          </p:nvPr>
+        </p:nvSpPr>
+        <p:spPr/>
+        <p:txBody>
+          <a:bodyPr/>
+          <a:lstStyle/>
+          <a:p>
+            <a:r>
+              <a:rPr lang="en-US" smtClean="0">
+                <a:solidFill>
+                  <a:prstClr val="black"/>
+                </a:solidFill>
+              </a:rPr>
+              <a:t>Microsoft Office</a:t>
+            </a:r>
+            <a:endParaRPr lang="en-US" dirty="0">
+              <a:solidFill>
+                <a:prstClr val="black"/>
+              </a:solidFill>
+            </a:endParaRPr>
+          </a:p>
+        </p:txBody>
+      </p:sp>
+      <p:sp>
+        <p:nvSpPr>
+          <p:cNvPr id="7" name="Footer Placeholder 6"/>
+          <p:cNvSpPr>
+            <a:spLocks noGrp="1"/>
+          </p:cNvSpPr>
+          <p:nvPr>
+            <p:ph type="ftr" sz="quarter" idx="13"/>
+          </p:nvPr>
+        </p:nvSpPr>
+        <p:spPr/>
+        <p:txBody>
+          <a:bodyPr/>
+          <a:lstStyle/>
+          <a:p>
+            <a:pPr marL="238375" defTabSz="940130" eaLnBrk="0" hangingPunct="0"/>
+            <a:r>
+              <a:rPr lang="en-US" sz="500" smtClean="0">
+                <a:gradFill>
+                  <a:gsLst>
+                    <a:gs pos="0">
+                      <a:prstClr val="black"/>
+                    </a:gs>
+                    <a:gs pos="100000">
+                      <a:prstClr val="black"/>
+                    </a:gs>
+                  </a:gsLst>
+                  <a:lin ang="5400000" scaled="0"/>
+                </a:gradFill>
+                <a:latin typeface="Segoe UI" pitchFamily="34" charset="0"/>
+                <a:ea typeface="Segoe UI" pitchFamily="34" charset="0"/>
+                <a:cs typeface="Segoe UI" pitchFamily="34" charset="0"/>
+              </a:rPr>
+              <a:t>© 2012 Microsoft Corporation. All rights reserved. Microsoft, Windows, and other product names are or may be registered trademarks and/or trademarks in the U.S. and/or other countries.</a:t>
+            </a:r>
+          </a:p>
+          <a:p>
+            <a:pPr marL="238375" defTabSz="940130" eaLnBrk="0" hangingPunct="0"/>
+            <a:r>
+              <a:rPr lang="en-US" sz="500" smtClean="0">
+                <a:gradFill>
+                  <a:gsLst>
+                    <a:gs pos="0">
+                      <a:prstClr val="black"/>
+                    </a:gs>
+                    <a:gs pos="100000">
+                      <a:prstClr val="black"/>
+                    </a:gs>
+                  </a:gsLst>
+                  <a:lin ang="5400000" scaled="0"/>
+                </a:gradFill>
+                <a:latin typeface="Segoe UI" pitchFamily="34" charset="0"/>
+                <a:ea typeface="Segoe UI" pitchFamily="34" charset="0"/>
+                <a:cs typeface="Segoe UI" pitchFamily="34" charset="0"/>
+              </a:rPr>
+              <a:t>The information herein is for informational purposes only and represents the current view of Microsoft Corporation as of the date of this presentation.  Because Microsoft must respond to changing market conditions, it should not be interpreted to be a commitment on the part of Microsoft, and Microsoft cannot guarantee the accuracy of any information provided after the date of this presentation.  MICROSOFT MAKES NO WARRANTIES, EXPRESS, IMPLIED OR STATUTORY, AS TO THE INFORMATION IN THIS PRESENTATION.</a:t>
+            </a:r>
+            <a:endParaRPr lang="en-US" sz="500" dirty="0">
+              <a:gradFill>
+                <a:gsLst>
+                  <a:gs pos="0">
+                    <a:prstClr val="black"/>
+                  </a:gs>
+                  <a:gs pos="100000">
+                    <a:prstClr val="black"/>
+                  </a:gs>
+                </a:gsLst>
+                <a:lin ang="5400000" scaled="0"/>
+              </a:gradFill>
+              <a:latin typeface="Segoe UI" pitchFamily="34" charset="0"/>
+              <a:ea typeface="Segoe UI" pitchFamily="34" charset="0"/>
+              <a:cs typeface="Segoe UI" pitchFamily="34" charset="0"/>
+            </a:endParaRPr>
+          </a:p>
+        </p:txBody>
+      </p:sp>
+    </p:spTree>
+    <p:extLst>
+      <p:ext uri="{BB962C8B-B14F-4D97-AF65-F5344CB8AC3E}">
+        <p14:creationId xmlns:p14="http://schemas.microsoft.com/office/powerpoint/2010/main" val="4068659383"/>
+      </p:ext>
+    </p:extLst>
+  </p:cSld>
+  <p:clrMapOvr>
+    <a:masterClrMapping/>
+  </p:clrMapOvr>
+</p:notes>
+</file>
+
+<file path=ppt/notesSlides/notesSlide20.xml><?xml version="1.0" encoding="utf-8"?>
 <p:notes xmlns:a="http://schemas.openxmlformats.org/drawingml/2006/main" xmlns:r="http://schemas.openxmlformats.org/officeDocument/2006/relationships" xmlns:p="http://schemas.openxmlformats.org/presentationml/2006/main">
   <p:cSld>
     <p:spTree>
@@ -3406,7 +3882,7 @@
                 </a:solidFill>
               </a:rPr>
               <a:pPr/>
-              <a:t>35</a:t>
+              <a:t>36</a:t>
             </a:fld>
             <a:endParaRPr lang="en-US" dirty="0">
               <a:solidFill>
@@ -3459,246 +3935,6 @@
     <p:extLst>
       <p:ext uri="{BB962C8B-B14F-4D97-AF65-F5344CB8AC3E}">
         <p14:creationId xmlns:p14="http://schemas.microsoft.com/office/powerpoint/2010/main" val="4229292070"/>
-      </p:ext>
-    </p:extLst>
-  </p:cSld>
-  <p:clrMapOvr>
-    <a:masterClrMapping/>
-  </p:clrMapOvr>
-</p:notes>
-</file>
-
-<file path=ppt/notesSlides/notesSlide2.xml><?xml version="1.0" encoding="utf-8"?>
-<p:notes xmlns:a="http://schemas.openxmlformats.org/drawingml/2006/main" xmlns:r="http://schemas.openxmlformats.org/officeDocument/2006/relationships" xmlns:p="http://schemas.openxmlformats.org/presentationml/2006/main">
-  <p:cSld>
-    <p:spTree>
-      <p:nvGrpSpPr>
-        <p:cNvPr id="1" name=""/>
-        <p:cNvGrpSpPr/>
-        <p:nvPr/>
-      </p:nvGrpSpPr>
-      <p:grpSpPr>
-        <a:xfrm>
-          <a:off x="0" y="0"/>
-          <a:ext cx="0" cy="0"/>
-          <a:chOff x="0" y="0"/>
-          <a:chExt cx="0" cy="0"/>
-        </a:xfrm>
-      </p:grpSpPr>
-      <p:sp>
-        <p:nvSpPr>
-          <p:cNvPr id="2" name="Slide Image Placeholder 1"/>
-          <p:cNvSpPr>
-            <a:spLocks noGrp="1" noRot="1" noChangeAspect="1"/>
-          </p:cNvSpPr>
-          <p:nvPr>
-            <p:ph type="sldImg"/>
-          </p:nvPr>
-        </p:nvSpPr>
-        <p:spPr/>
-      </p:sp>
-      <p:sp>
-        <p:nvSpPr>
-          <p:cNvPr id="3" name="Notes Placeholder 2"/>
-          <p:cNvSpPr>
-            <a:spLocks noGrp="1"/>
-          </p:cNvSpPr>
-          <p:nvPr>
-            <p:ph type="body" idx="1"/>
-          </p:nvPr>
-        </p:nvSpPr>
-        <p:spPr/>
-        <p:txBody>
-          <a:bodyPr/>
-          <a:lstStyle/>
-          <a:p>
-            <a:r>
-              <a:rPr lang="en-NZ" dirty="0" smtClean="0"/>
-              <a:t>News alerts feature</a:t>
-            </a:r>
-            <a:r>
-              <a:rPr lang="en-NZ" baseline="0" dirty="0" smtClean="0"/>
-              <a:t> will be abandoned since Yammer can fulfil Contoso’s requirements natively.</a:t>
-            </a:r>
-            <a:endParaRPr lang="en-NZ" dirty="0"/>
-          </a:p>
-        </p:txBody>
-      </p:sp>
-      <p:sp>
-        <p:nvSpPr>
-          <p:cNvPr id="4" name="Date Placeholder 3"/>
-          <p:cNvSpPr>
-            <a:spLocks noGrp="1"/>
-          </p:cNvSpPr>
-          <p:nvPr>
-            <p:ph type="dt" idx="10"/>
-          </p:nvPr>
-        </p:nvSpPr>
-        <p:spPr/>
-        <p:txBody>
-          <a:bodyPr/>
-          <a:lstStyle/>
-          <a:p>
-            <a:fld id="{610543A5-0CF9-4E2E-A715-69AA16194555}" type="datetime1">
-              <a:rPr lang="en-US" smtClean="0">
-                <a:solidFill>
-                  <a:prstClr val="black"/>
-                </a:solidFill>
-              </a:rPr>
-              <a:pPr/>
-              <a:t>6/2/2015</a:t>
-            </a:fld>
-            <a:endParaRPr lang="en-US">
-              <a:solidFill>
-                <a:prstClr val="black"/>
-              </a:solidFill>
-            </a:endParaRPr>
-          </a:p>
-        </p:txBody>
-      </p:sp>
-      <p:sp>
-        <p:nvSpPr>
-          <p:cNvPr id="5" name="Slide Number Placeholder 4"/>
-          <p:cNvSpPr>
-            <a:spLocks noGrp="1"/>
-          </p:cNvSpPr>
-          <p:nvPr>
-            <p:ph type="sldNum" sz="quarter" idx="11"/>
-          </p:nvPr>
-        </p:nvSpPr>
-        <p:spPr/>
-        <p:txBody>
-          <a:bodyPr/>
-          <a:lstStyle/>
-          <a:p>
-            <a:fld id="{B4008EB6-D09E-4580-8CD6-DDB14511944F}" type="slidenum">
-              <a:rPr lang="en-US" smtClean="0">
-                <a:solidFill>
-                  <a:prstClr val="black"/>
-                </a:solidFill>
-              </a:rPr>
-              <a:pPr/>
-              <a:t>5</a:t>
-            </a:fld>
-            <a:endParaRPr lang="en-US" dirty="0">
-              <a:solidFill>
-                <a:prstClr val="black"/>
-              </a:solidFill>
-            </a:endParaRPr>
-          </a:p>
-        </p:txBody>
-      </p:sp>
-      <p:sp>
-        <p:nvSpPr>
-          <p:cNvPr id="6" name="Header Placeholder 5"/>
-          <p:cNvSpPr>
-            <a:spLocks noGrp="1"/>
-          </p:cNvSpPr>
-          <p:nvPr>
-            <p:ph type="hdr" sz="quarter" idx="12"/>
-          </p:nvPr>
-        </p:nvSpPr>
-        <p:spPr/>
-        <p:txBody>
-          <a:bodyPr/>
-          <a:lstStyle/>
-          <a:p>
-            <a:r>
-              <a:rPr lang="en-US" smtClean="0">
-                <a:solidFill>
-                  <a:prstClr val="black"/>
-                </a:solidFill>
-              </a:rPr>
-              <a:t>Microsoft Office</a:t>
-            </a:r>
-            <a:endParaRPr lang="en-US" dirty="0">
-              <a:solidFill>
-                <a:prstClr val="black"/>
-              </a:solidFill>
-            </a:endParaRPr>
-          </a:p>
-        </p:txBody>
-      </p:sp>
-      <p:sp>
-        <p:nvSpPr>
-          <p:cNvPr id="7" name="Footer Placeholder 6"/>
-          <p:cNvSpPr>
-            <a:spLocks noGrp="1"/>
-          </p:cNvSpPr>
-          <p:nvPr>
-            <p:ph type="ftr" sz="quarter" idx="13"/>
-          </p:nvPr>
-        </p:nvSpPr>
-        <p:spPr/>
-        <p:txBody>
-          <a:bodyPr/>
-          <a:lstStyle/>
-          <a:p>
-            <a:pPr marL="238375" defTabSz="940130" eaLnBrk="0" hangingPunct="0"/>
-            <a:r>
-              <a:rPr lang="en-US" sz="500" smtClean="0">
-                <a:gradFill>
-                  <a:gsLst>
-                    <a:gs pos="0">
-                      <a:prstClr val="black"/>
-                    </a:gs>
-                    <a:gs pos="100000">
-                      <a:prstClr val="black"/>
-                    </a:gs>
-                  </a:gsLst>
-                  <a:lin ang="5400000" scaled="0"/>
-                </a:gradFill>
-                <a:latin typeface="Segoe UI" pitchFamily="34" charset="0"/>
-                <a:ea typeface="Segoe UI" pitchFamily="34" charset="0"/>
-                <a:cs typeface="Segoe UI" pitchFamily="34" charset="0"/>
-              </a:rPr>
-              <a:t>© 2012 Microsoft Corporation. All rights reserved. Microsoft, Windows, and other product names are or may be registered trademarks and/or trademarks in the U.S. and/or other countries.</a:t>
-            </a:r>
-          </a:p>
-          <a:p>
-            <a:pPr marL="238375" defTabSz="940130" eaLnBrk="0" hangingPunct="0"/>
-            <a:r>
-              <a:rPr lang="en-US" sz="500" smtClean="0">
-                <a:gradFill>
-                  <a:gsLst>
-                    <a:gs pos="0">
-                      <a:prstClr val="black"/>
-                    </a:gs>
-                    <a:gs pos="100000">
-                      <a:prstClr val="black"/>
-                    </a:gs>
-                  </a:gsLst>
-                  <a:lin ang="5400000" scaled="0"/>
-                </a:gradFill>
-                <a:latin typeface="Segoe UI" pitchFamily="34" charset="0"/>
-                <a:ea typeface="Segoe UI" pitchFamily="34" charset="0"/>
-                <a:cs typeface="Segoe UI" pitchFamily="34" charset="0"/>
-              </a:rPr>
-              <a:t>The information herein is for informational purposes only and represents the current view of Microsoft Corporation as of the date of this presentation.  Because Microsoft must respond to changing market conditions, it should not be interpreted to be a commitment on the part of Microsoft, and Microsoft cannot guarantee the accuracy of any information provided after the date of this presentation.  MICROSOFT MAKES NO WARRANTIES, EXPRESS, IMPLIED OR STATUTORY, AS TO THE INFORMATION IN THIS PRESENTATION.</a:t>
-            </a:r>
-            <a:endParaRPr lang="en-US" sz="500" dirty="0">
-              <a:gradFill>
-                <a:gsLst>
-                  <a:gs pos="0">
-                    <a:prstClr val="black"/>
-                  </a:gs>
-                  <a:gs pos="100000">
-                    <a:prstClr val="black"/>
-                  </a:gs>
-                </a:gsLst>
-                <a:lin ang="5400000" scaled="0"/>
-              </a:gradFill>
-              <a:latin typeface="Segoe UI" pitchFamily="34" charset="0"/>
-              <a:ea typeface="Segoe UI" pitchFamily="34" charset="0"/>
-              <a:cs typeface="Segoe UI" pitchFamily="34" charset="0"/>
-            </a:endParaRPr>
-          </a:p>
-        </p:txBody>
-      </p:sp>
-    </p:spTree>
-    <p:extLst>
-      <p:ext uri="{BB962C8B-B14F-4D97-AF65-F5344CB8AC3E}">
-        <p14:creationId xmlns:p14="http://schemas.microsoft.com/office/powerpoint/2010/main" val="4068659383"/>
       </p:ext>
     </p:extLst>
   </p:cSld>
@@ -16365,43 +16601,41 @@
             <a:pPr lvl="2"/>
             <a:r>
               <a:rPr lang="en-US" sz="1800" dirty="0" smtClean="0"/>
-              <a:t>Roll </a:t>
-            </a:r>
+              <a:t>Display safety news on the landing page.</a:t>
+            </a:r>
+          </a:p>
+          <a:p>
+            <a:pPr lvl="2"/>
             <a:r>
               <a:rPr lang="en-US" sz="1800" dirty="0" smtClean="0"/>
-              <a:t>up </a:t>
-            </a:r>
-            <a:r>
-              <a:rPr lang="en-US" sz="1800" dirty="0"/>
-              <a:t>s</a:t>
-            </a:r>
+              <a:t>Should display safety incidents irrespective of department</a:t>
+            </a:r>
+            <a:endParaRPr lang="en-US" sz="1800" dirty="0" smtClean="0"/>
+          </a:p>
+          <a:p>
+            <a:pPr lvl="2"/>
             <a:r>
               <a:rPr lang="en-US" sz="1800" dirty="0" smtClean="0"/>
-              <a:t>afety news </a:t>
+              <a:t>Provide a mobile friendly view of the </a:t>
             </a:r>
             <a:r>
               <a:rPr lang="en-US" sz="1800" dirty="0" smtClean="0"/>
-              <a:t>from all </a:t>
+              <a:t>safety news </a:t>
             </a:r>
             <a:r>
               <a:rPr lang="en-US" sz="1800" dirty="0" smtClean="0"/>
-              <a:t>sites and </a:t>
+              <a:t>item when accessed from mobile devices</a:t>
             </a:r>
             <a:r>
               <a:rPr lang="en-US" sz="1800" dirty="0" smtClean="0"/>
-              <a:t>sub-sites within a site collection</a:t>
-            </a:r>
-            <a:endParaRPr lang="en-US" sz="1800" dirty="0" smtClean="0"/>
+              <a:t>.</a:t>
+            </a:r>
           </a:p>
           <a:p>
             <a:pPr lvl="2"/>
             <a:r>
               <a:rPr lang="en-US" sz="1800" dirty="0" smtClean="0"/>
-              <a:t>Provide </a:t>
-            </a:r>
-            <a:r>
-              <a:rPr lang="en-US" sz="1800" dirty="0" smtClean="0"/>
-              <a:t>a mobile friendly view of the news item when accessed from mobile devices.</a:t>
+              <a:t>Ability to like and share the news article will be a good to have.</a:t>
             </a:r>
             <a:endParaRPr lang="en-US" sz="1800" dirty="0"/>
           </a:p>
@@ -16693,7 +16927,7 @@
                 <a:gridCol w="2373524">
                   <a:extLst>
                     <a:ext uri="{9D8B030D-6E8A-4147-A177-3AD203B41FA5}">
-                      <a16:colId xmlns="" xmlns:a16="http://schemas.microsoft.com/office/drawing/2014/main" val="20000"/>
+                      <a16:colId xmlns:a16="http://schemas.microsoft.com/office/drawing/2014/main" xmlns="" val="20000"/>
                     </a:ext>
                   </a:extLst>
                 </a:gridCol>
@@ -16756,7 +16990,7 @@
                 </a:tc>
                 <a:extLst>
                   <a:ext uri="{0D108BD9-81ED-4DB2-BD59-A6C34878D82A}">
-                    <a16:rowId xmlns="" xmlns:a16="http://schemas.microsoft.com/office/drawing/2014/main" val="10000"/>
+                    <a16:rowId xmlns:a16="http://schemas.microsoft.com/office/drawing/2014/main" xmlns="" val="10000"/>
                   </a:ext>
                 </a:extLst>
               </a:tr>
@@ -16817,7 +17051,7 @@
                 </a:tc>
                 <a:extLst>
                   <a:ext uri="{0D108BD9-81ED-4DB2-BD59-A6C34878D82A}">
-                    <a16:rowId xmlns="" xmlns:a16="http://schemas.microsoft.com/office/drawing/2014/main" val="10001"/>
+                    <a16:rowId xmlns:a16="http://schemas.microsoft.com/office/drawing/2014/main" xmlns="" val="10001"/>
                   </a:ext>
                 </a:extLst>
               </a:tr>
@@ -16887,7 +17121,7 @@
                 </a:tc>
                 <a:extLst>
                   <a:ext uri="{0D108BD9-81ED-4DB2-BD59-A6C34878D82A}">
-                    <a16:rowId xmlns="" xmlns:a16="http://schemas.microsoft.com/office/drawing/2014/main" val="10002"/>
+                    <a16:rowId xmlns:a16="http://schemas.microsoft.com/office/drawing/2014/main" xmlns="" val="10002"/>
                   </a:ext>
                 </a:extLst>
               </a:tr>
@@ -16965,7 +17199,7 @@
                 </a:tc>
                 <a:extLst>
                   <a:ext uri="{0D108BD9-81ED-4DB2-BD59-A6C34878D82A}">
-                    <a16:rowId xmlns="" xmlns:a16="http://schemas.microsoft.com/office/drawing/2014/main" val="10007"/>
+                    <a16:rowId xmlns:a16="http://schemas.microsoft.com/office/drawing/2014/main" xmlns="" val="10007"/>
                   </a:ext>
                 </a:extLst>
               </a:tr>
@@ -17111,23 +17345,7 @@
                   <a:lin ang="5400000" scaled="0"/>
                 </a:gradFill>
               </a:rPr>
-              <a:t>The Yammer embedded code will replace the custom safety news web part on the homepage. The Yammer integration can also provide “sharing” and “like” options natively</a:t>
-            </a:r>
-            <a:r>
-              <a:rPr lang="en-US" sz="2000" dirty="0" smtClean="0">
-                <a:gradFill>
-                  <a:gsLst>
-                    <a:gs pos="1250">
-                      <a:srgbClr val="797A7D"/>
-                    </a:gs>
-                    <a:gs pos="100000">
-                      <a:srgbClr val="797A7D"/>
-                    </a:gs>
-                  </a:gsLst>
-                  <a:lin ang="5400000" scaled="0"/>
-                </a:gradFill>
-              </a:rPr>
-              <a:t>.</a:t>
+              <a:t>The Yammer embedded code will replace the custom safety news web part on the homepage. The Yammer integration can also provide “sharing” and “like” options natively.</a:t>
             </a:r>
           </a:p>
           <a:p>
@@ -17158,19 +17376,6 @@
               </a:rPr>
               <a:t>Yammer mobile app will render mobile views natively.</a:t>
             </a:r>
-            <a:endParaRPr lang="en-US" sz="2000" dirty="0" smtClean="0">
-              <a:gradFill>
-                <a:gsLst>
-                  <a:gs pos="1250">
-                    <a:srgbClr val="797A7D"/>
-                  </a:gs>
-                  <a:gs pos="100000">
-                    <a:srgbClr val="797A7D"/>
-                  </a:gs>
-                </a:gsLst>
-                <a:lin ang="5400000" scaled="0"/>
-              </a:gradFill>
-            </a:endParaRPr>
           </a:p>
         </p:txBody>
       </p:sp>
@@ -17398,7 +17603,6 @@
               <a:rPr lang="en-US" sz="1800" dirty="0"/>
               <a:t> customizations</a:t>
             </a:r>
-            <a:endParaRPr lang="en-US" sz="1800" dirty="0"/>
           </a:p>
         </p:txBody>
       </p:sp>
@@ -17688,7 +17892,7 @@
                 <a:gridCol w="2373524">
                   <a:extLst>
                     <a:ext uri="{9D8B030D-6E8A-4147-A177-3AD203B41FA5}">
-                      <a16:colId xmlns="" xmlns:a16="http://schemas.microsoft.com/office/drawing/2014/main" val="20000"/>
+                      <a16:colId xmlns:a16="http://schemas.microsoft.com/office/drawing/2014/main" xmlns="" val="20000"/>
                     </a:ext>
                   </a:extLst>
                 </a:gridCol>
@@ -17751,7 +17955,7 @@
                 </a:tc>
                 <a:extLst>
                   <a:ext uri="{0D108BD9-81ED-4DB2-BD59-A6C34878D82A}">
-                    <a16:rowId xmlns="" xmlns:a16="http://schemas.microsoft.com/office/drawing/2014/main" val="10000"/>
+                    <a16:rowId xmlns:a16="http://schemas.microsoft.com/office/drawing/2014/main" xmlns="" val="10000"/>
                   </a:ext>
                 </a:extLst>
               </a:tr>
@@ -17812,7 +18016,7 @@
                 </a:tc>
                 <a:extLst>
                   <a:ext uri="{0D108BD9-81ED-4DB2-BD59-A6C34878D82A}">
-                    <a16:rowId xmlns="" xmlns:a16="http://schemas.microsoft.com/office/drawing/2014/main" val="10001"/>
+                    <a16:rowId xmlns:a16="http://schemas.microsoft.com/office/drawing/2014/main" xmlns="" val="10001"/>
                   </a:ext>
                 </a:extLst>
               </a:tr>
@@ -17882,7 +18086,7 @@
                 </a:tc>
                 <a:extLst>
                   <a:ext uri="{0D108BD9-81ED-4DB2-BD59-A6C34878D82A}">
-                    <a16:rowId xmlns="" xmlns:a16="http://schemas.microsoft.com/office/drawing/2014/main" val="10002"/>
+                    <a16:rowId xmlns:a16="http://schemas.microsoft.com/office/drawing/2014/main" xmlns="" val="10002"/>
                   </a:ext>
                 </a:extLst>
               </a:tr>
@@ -17960,7 +18164,7 @@
                 </a:tc>
                 <a:extLst>
                   <a:ext uri="{0D108BD9-81ED-4DB2-BD59-A6C34878D82A}">
-                    <a16:rowId xmlns="" xmlns:a16="http://schemas.microsoft.com/office/drawing/2014/main" val="10007"/>
+                    <a16:rowId xmlns:a16="http://schemas.microsoft.com/office/drawing/2014/main" xmlns="" val="10007"/>
                   </a:ext>
                 </a:extLst>
               </a:tr>
@@ -18234,43 +18438,15 @@
             <a:pPr lvl="1"/>
             <a:r>
               <a:rPr lang="en-US" dirty="0" smtClean="0"/>
-              <a:t>Replace Content </a:t>
-            </a:r>
+              <a:t>Replace Content Query web parts with content search web parts.</a:t>
+            </a:r>
+            <a:endParaRPr lang="en-US" dirty="0"/>
+          </a:p>
+          <a:p>
+            <a:pPr lvl="1"/>
             <a:r>
               <a:rPr lang="en-US" dirty="0" smtClean="0"/>
-              <a:t>Query web parts </a:t>
-            </a:r>
-            <a:r>
-              <a:rPr lang="en-US" dirty="0" smtClean="0"/>
-              <a:t>with </a:t>
-            </a:r>
-            <a:r>
-              <a:rPr lang="en-US" dirty="0" smtClean="0"/>
-              <a:t>content search web parts.</a:t>
-            </a:r>
-            <a:endParaRPr lang="en-US" dirty="0"/>
-          </a:p>
-          <a:p>
-            <a:pPr lvl="1"/>
-            <a:r>
-              <a:rPr lang="en-US" dirty="0" smtClean="0"/>
-              <a:t>Dashboards on the homepage will be </a:t>
-            </a:r>
-            <a:r>
-              <a:rPr lang="en-US" dirty="0" smtClean="0"/>
-              <a:t>designed using </a:t>
-            </a:r>
-            <a:r>
-              <a:rPr lang="en-US" dirty="0" smtClean="0"/>
-              <a:t>out of the box lists </a:t>
-            </a:r>
-            <a:r>
-              <a:rPr lang="en-US" dirty="0" smtClean="0"/>
-              <a:t>with JS </a:t>
-            </a:r>
-            <a:r>
-              <a:rPr lang="en-US" dirty="0" smtClean="0"/>
-              <a:t>Link.</a:t>
+              <a:t>Dashboards on the homepage will be designed using out of the box lists with JS Link.</a:t>
             </a:r>
           </a:p>
           <a:p>
@@ -18564,7 +18740,7 @@
                 <a:gridCol w="2373524">
                   <a:extLst>
                     <a:ext uri="{9D8B030D-6E8A-4147-A177-3AD203B41FA5}">
-                      <a16:colId xmlns="" xmlns:a16="http://schemas.microsoft.com/office/drawing/2014/main" val="20000"/>
+                      <a16:colId xmlns:a16="http://schemas.microsoft.com/office/drawing/2014/main" xmlns="" val="20000"/>
                     </a:ext>
                   </a:extLst>
                 </a:gridCol>
@@ -18627,7 +18803,7 @@
                 </a:tc>
                 <a:extLst>
                   <a:ext uri="{0D108BD9-81ED-4DB2-BD59-A6C34878D82A}">
-                    <a16:rowId xmlns="" xmlns:a16="http://schemas.microsoft.com/office/drawing/2014/main" val="10000"/>
+                    <a16:rowId xmlns:a16="http://schemas.microsoft.com/office/drawing/2014/main" xmlns="" val="10000"/>
                   </a:ext>
                 </a:extLst>
               </a:tr>
@@ -18688,7 +18864,7 @@
                 </a:tc>
                 <a:extLst>
                   <a:ext uri="{0D108BD9-81ED-4DB2-BD59-A6C34878D82A}">
-                    <a16:rowId xmlns="" xmlns:a16="http://schemas.microsoft.com/office/drawing/2014/main" val="10001"/>
+                    <a16:rowId xmlns:a16="http://schemas.microsoft.com/office/drawing/2014/main" xmlns="" val="10001"/>
                   </a:ext>
                 </a:extLst>
               </a:tr>
@@ -18758,7 +18934,7 @@
                 </a:tc>
                 <a:extLst>
                   <a:ext uri="{0D108BD9-81ED-4DB2-BD59-A6C34878D82A}">
-                    <a16:rowId xmlns="" xmlns:a16="http://schemas.microsoft.com/office/drawing/2014/main" val="10002"/>
+                    <a16:rowId xmlns:a16="http://schemas.microsoft.com/office/drawing/2014/main" xmlns="" val="10002"/>
                   </a:ext>
                 </a:extLst>
               </a:tr>
@@ -18836,7 +19012,7 @@
                 </a:tc>
                 <a:extLst>
                   <a:ext uri="{0D108BD9-81ED-4DB2-BD59-A6C34878D82A}">
-                    <a16:rowId xmlns="" xmlns:a16="http://schemas.microsoft.com/office/drawing/2014/main" val="10007"/>
+                    <a16:rowId xmlns:a16="http://schemas.microsoft.com/office/drawing/2014/main" xmlns="" val="10007"/>
                   </a:ext>
                 </a:extLst>
               </a:tr>
@@ -19001,12 +19177,9 @@
             <a:pPr lvl="1"/>
             <a:r>
               <a:rPr lang="en-US" sz="1800" dirty="0" smtClean="0"/>
-              <a:t>Typical </a:t>
-            </a:r>
-            <a:r>
-              <a:rPr lang="en-US" sz="1800" dirty="0"/>
-              <a:t>Intranet features:</a:t>
-            </a:r>
+              <a:t>To be able to:</a:t>
+            </a:r>
+            <a:endParaRPr lang="en-US" sz="1800" dirty="0"/>
           </a:p>
           <a:p>
             <a:pPr lvl="2"/>
@@ -19079,11 +19252,7 @@
           <a:p>
             <a:r>
               <a:rPr lang="en-US" dirty="0" smtClean="0"/>
-              <a:t>Design </a:t>
-            </a:r>
-            <a:r>
-              <a:rPr lang="en-US" dirty="0" smtClean="0"/>
-              <a:t>and Notes:</a:t>
+              <a:t>Design and Notes:</a:t>
             </a:r>
           </a:p>
           <a:p>
@@ -19109,21 +19278,6 @@
               <a:t>template </a:t>
             </a:r>
             <a:endParaRPr lang="en-US" altLang="en-US" sz="1800" dirty="0" smtClean="0"/>
-          </a:p>
-          <a:p>
-            <a:pPr lvl="2"/>
-            <a:r>
-              <a:rPr lang="en-US" altLang="en-US" sz="1800" dirty="0" smtClean="0"/>
-              <a:t>Detailed </a:t>
-            </a:r>
-            <a:r>
-              <a:rPr lang="en-US" altLang="en-US" sz="1800" dirty="0"/>
-              <a:t>configuration and options are dependent on the </a:t>
-            </a:r>
-            <a:r>
-              <a:rPr lang="en-US" altLang="en-US" sz="1800" dirty="0" smtClean="0"/>
-              <a:t>choice of the App model (SharePoint hosted vs Provider hosted). </a:t>
-            </a:r>
           </a:p>
           <a:p>
             <a:pPr lvl="2"/>
@@ -19460,7 +19614,7 @@
                 <a:gridCol w="2373524">
                   <a:extLst>
                     <a:ext uri="{9D8B030D-6E8A-4147-A177-3AD203B41FA5}">
-                      <a16:colId xmlns="" xmlns:a16="http://schemas.microsoft.com/office/drawing/2014/main" val="20000"/>
+                      <a16:colId xmlns:a16="http://schemas.microsoft.com/office/drawing/2014/main" xmlns="" val="20000"/>
                     </a:ext>
                   </a:extLst>
                 </a:gridCol>
@@ -19473,7 +19627,7 @@
                     <a:p>
                       <a:pPr algn="ctr"/>
                       <a:r>
-                        <a:rPr lang="en-US" b="1" i="0" smtClean="0"/>
+                        <a:rPr lang="en-US" b="1" i="0" dirty="0" smtClean="0"/>
                         <a:t>Provisioning</a:t>
                       </a:r>
                       <a:endParaRPr lang="nl-BE" b="1" i="0" dirty="0"/>
@@ -19523,7 +19677,7 @@
                 </a:tc>
                 <a:extLst>
                   <a:ext uri="{0D108BD9-81ED-4DB2-BD59-A6C34878D82A}">
-                    <a16:rowId xmlns="" xmlns:a16="http://schemas.microsoft.com/office/drawing/2014/main" val="10000"/>
+                    <a16:rowId xmlns:a16="http://schemas.microsoft.com/office/drawing/2014/main" xmlns="" val="10000"/>
                   </a:ext>
                 </a:extLst>
               </a:tr>
@@ -19584,7 +19738,7 @@
                 </a:tc>
                 <a:extLst>
                   <a:ext uri="{0D108BD9-81ED-4DB2-BD59-A6C34878D82A}">
-                    <a16:rowId xmlns="" xmlns:a16="http://schemas.microsoft.com/office/drawing/2014/main" val="10001"/>
+                    <a16:rowId xmlns:a16="http://schemas.microsoft.com/office/drawing/2014/main" xmlns="" val="10001"/>
                   </a:ext>
                 </a:extLst>
               </a:tr>
@@ -19654,7 +19808,7 @@
                 </a:tc>
                 <a:extLst>
                   <a:ext uri="{0D108BD9-81ED-4DB2-BD59-A6C34878D82A}">
-                    <a16:rowId xmlns="" xmlns:a16="http://schemas.microsoft.com/office/drawing/2014/main" val="10002"/>
+                    <a16:rowId xmlns:a16="http://schemas.microsoft.com/office/drawing/2014/main" xmlns="" val="10002"/>
                   </a:ext>
                 </a:extLst>
               </a:tr>
@@ -19732,7 +19886,7 @@
                 </a:tc>
                 <a:extLst>
                   <a:ext uri="{0D108BD9-81ED-4DB2-BD59-A6C34878D82A}">
-                    <a16:rowId xmlns="" xmlns:a16="http://schemas.microsoft.com/office/drawing/2014/main" val="10007"/>
+                    <a16:rowId xmlns:a16="http://schemas.microsoft.com/office/drawing/2014/main" xmlns="" val="10007"/>
                   </a:ext>
                 </a:extLst>
               </a:tr>
@@ -19891,19 +20045,77 @@
             <a:pPr lvl="2"/>
             <a:r>
               <a:rPr lang="en-US" sz="1800" dirty="0" smtClean="0"/>
-              <a:t>Delete records that are more than 5 years old</a:t>
-            </a:r>
+              <a:t>Delete records that are more than 5 years old.</a:t>
+            </a:r>
+          </a:p>
+          <a:p>
+            <a:pPr lvl="2"/>
             <a:r>
               <a:rPr lang="en-US" sz="1800" dirty="0" smtClean="0"/>
-              <a:t>.</a:t>
+              <a:t>Log action taken on expired </a:t>
+            </a:r>
+            <a:r>
+              <a:rPr lang="en-US" sz="1800" dirty="0" smtClean="0"/>
+              <a:t>documents</a:t>
             </a:r>
           </a:p>
           <a:p>
             <a:pPr lvl="2"/>
-            <a:r>
-              <a:rPr lang="en-US" sz="1800" dirty="0" smtClean="0"/>
-              <a:t>Log action taken on expired documents</a:t>
-            </a:r>
+            <a:endParaRPr lang="en-US" sz="1800" dirty="0" smtClean="0"/>
+          </a:p>
+          <a:p>
+            <a:r>
+              <a:rPr lang="en-US" dirty="0" smtClean="0"/>
+              <a:t>Design </a:t>
+            </a:r>
+            <a:r>
+              <a:rPr lang="en-US" dirty="0"/>
+              <a:t>and Notes</a:t>
+            </a:r>
+          </a:p>
+          <a:p>
+            <a:pPr lvl="1"/>
+            <a:r>
+              <a:rPr lang="en-US" sz="1800" dirty="0"/>
+              <a:t>Business logic could be factored to one or more </a:t>
+            </a:r>
+            <a:r>
+              <a:rPr lang="en-US" sz="1800" b="1" dirty="0" err="1"/>
+              <a:t>oData</a:t>
+            </a:r>
+            <a:r>
+              <a:rPr lang="en-US" sz="1800" b="1" dirty="0"/>
+              <a:t> Web Services</a:t>
+            </a:r>
+          </a:p>
+          <a:p>
+            <a:pPr lvl="1"/>
+            <a:r>
+              <a:rPr lang="en-US" sz="1800" dirty="0"/>
+              <a:t>Scheduled Web Job will be hosted on Azure</a:t>
+            </a:r>
+          </a:p>
+          <a:p>
+            <a:pPr lvl="1"/>
+            <a:r>
+              <a:rPr lang="en-US" sz="1800" dirty="0"/>
+              <a:t>A trusted service account may be required because there would be no concept of “Elevated Privileges” in the external hosting environment. </a:t>
+            </a:r>
+          </a:p>
+          <a:p>
+            <a:pPr lvl="1"/>
+            <a:endParaRPr lang="en-US" dirty="0"/>
+          </a:p>
+          <a:p>
+            <a:pPr lvl="1"/>
+            <a:endParaRPr lang="en-US" dirty="0"/>
+          </a:p>
+          <a:p>
+            <a:pPr lvl="2"/>
+            <a:endParaRPr lang="en-US" sz="1800" dirty="0" smtClean="0"/>
+          </a:p>
+          <a:p>
+            <a:pPr lvl="2"/>
             <a:endParaRPr lang="en-US" sz="1800" dirty="0" smtClean="0"/>
           </a:p>
           <a:p>
@@ -20190,7 +20402,7 @@
                 <a:gridCol w="2591254">
                   <a:extLst>
                     <a:ext uri="{9D8B030D-6E8A-4147-A177-3AD203B41FA5}">
-                      <a16:colId xmlns="" xmlns:a16="http://schemas.microsoft.com/office/drawing/2014/main" val="20000"/>
+                      <a16:colId xmlns:a16="http://schemas.microsoft.com/office/drawing/2014/main" xmlns="" val="20000"/>
                     </a:ext>
                   </a:extLst>
                 </a:gridCol>
@@ -20203,7 +20415,7 @@
                     <a:p>
                       <a:pPr algn="ctr"/>
                       <a:r>
-                        <a:rPr lang="en-US" b="1" i="0" smtClean="0"/>
+                        <a:rPr lang="en-US" b="1" i="0" dirty="0" smtClean="0"/>
                         <a:t>Records Management</a:t>
                       </a:r>
                       <a:endParaRPr lang="nl-BE" b="1" i="0" dirty="0"/>
@@ -20253,7 +20465,7 @@
                 </a:tc>
                 <a:extLst>
                   <a:ext uri="{0D108BD9-81ED-4DB2-BD59-A6C34878D82A}">
-                    <a16:rowId xmlns="" xmlns:a16="http://schemas.microsoft.com/office/drawing/2014/main" val="10000"/>
+                    <a16:rowId xmlns:a16="http://schemas.microsoft.com/office/drawing/2014/main" xmlns="" val="10000"/>
                   </a:ext>
                 </a:extLst>
               </a:tr>
@@ -20314,7 +20526,7 @@
                 </a:tc>
                 <a:extLst>
                   <a:ext uri="{0D108BD9-81ED-4DB2-BD59-A6C34878D82A}">
-                    <a16:rowId xmlns="" xmlns:a16="http://schemas.microsoft.com/office/drawing/2014/main" val="10001"/>
+                    <a16:rowId xmlns:a16="http://schemas.microsoft.com/office/drawing/2014/main" xmlns="" val="10001"/>
                   </a:ext>
                 </a:extLst>
               </a:tr>
@@ -20384,7 +20596,7 @@
                 </a:tc>
                 <a:extLst>
                   <a:ext uri="{0D108BD9-81ED-4DB2-BD59-A6C34878D82A}">
-                    <a16:rowId xmlns="" xmlns:a16="http://schemas.microsoft.com/office/drawing/2014/main" val="10002"/>
+                    <a16:rowId xmlns:a16="http://schemas.microsoft.com/office/drawing/2014/main" xmlns="" val="10002"/>
                   </a:ext>
                 </a:extLst>
               </a:tr>
@@ -20462,7 +20674,7 @@
                 </a:tc>
                 <a:extLst>
                   <a:ext uri="{0D108BD9-81ED-4DB2-BD59-A6C34878D82A}">
-                    <a16:rowId xmlns="" xmlns:a16="http://schemas.microsoft.com/office/drawing/2014/main" val="10007"/>
+                    <a16:rowId xmlns:a16="http://schemas.microsoft.com/office/drawing/2014/main" xmlns="" val="10007"/>
                   </a:ext>
                 </a:extLst>
               </a:tr>
@@ -20747,78 +20959,6 @@
             </a:lvl9pPr>
           </a:lstStyle>
           <a:p>
-            <a:r>
-              <a:rPr lang="en-US" dirty="0" smtClean="0"/>
-              <a:t>Design and Notes</a:t>
-            </a:r>
-          </a:p>
-          <a:p>
-            <a:pPr lvl="1"/>
-            <a:r>
-              <a:rPr lang="en-US" sz="1800" dirty="0" smtClean="0"/>
-              <a:t>Business </a:t>
-            </a:r>
-            <a:r>
-              <a:rPr lang="en-US" sz="1800" dirty="0"/>
-              <a:t>logic could be factored to one or more </a:t>
-            </a:r>
-            <a:r>
-              <a:rPr lang="en-US" sz="1800" b="1" dirty="0" err="1"/>
-              <a:t>oData</a:t>
-            </a:r>
-            <a:r>
-              <a:rPr lang="en-US" sz="1800" b="1" dirty="0"/>
-              <a:t> Web </a:t>
-            </a:r>
-            <a:r>
-              <a:rPr lang="en-US" sz="1800" b="1" dirty="0" smtClean="0"/>
-              <a:t>Services</a:t>
-            </a:r>
-          </a:p>
-          <a:p>
-            <a:pPr lvl="1"/>
-            <a:r>
-              <a:rPr lang="en-US" sz="1800" dirty="0" smtClean="0"/>
-              <a:t>Scheduled </a:t>
-            </a:r>
-            <a:r>
-              <a:rPr lang="en-US" sz="1800" dirty="0"/>
-              <a:t>Web Job</a:t>
-            </a:r>
-            <a:r>
-              <a:rPr lang="en-US" sz="1800" dirty="0" smtClean="0"/>
-              <a:t> will be hosted on Azure</a:t>
-            </a:r>
-          </a:p>
-          <a:p>
-            <a:pPr lvl="1"/>
-            <a:r>
-              <a:rPr lang="en-US" sz="1800" dirty="0"/>
-              <a:t>A</a:t>
-            </a:r>
-            <a:r>
-              <a:rPr lang="en-US" sz="1800" dirty="0" smtClean="0"/>
-              <a:t> </a:t>
-            </a:r>
-            <a:r>
-              <a:rPr lang="en-US" sz="1800" dirty="0"/>
-              <a:t>trusted service account </a:t>
-            </a:r>
-            <a:r>
-              <a:rPr lang="en-US" sz="1800" dirty="0" smtClean="0"/>
-              <a:t>may be required </a:t>
-            </a:r>
-            <a:r>
-              <a:rPr lang="en-US" sz="1800" dirty="0"/>
-              <a:t>because there would be no concept of “Elevated Privileges” in the external hosting environment. </a:t>
-            </a:r>
-            <a:endParaRPr lang="en-US" sz="1800" dirty="0" smtClean="0"/>
-          </a:p>
-          <a:p>
-            <a:pPr lvl="1"/>
-            <a:endParaRPr lang="en-US" dirty="0" smtClean="0"/>
-          </a:p>
-          <a:p>
             <a:pPr lvl="1"/>
             <a:endParaRPr lang="en-US" dirty="0"/>
           </a:p>
@@ -20934,11 +21074,7 @@
             <a:pPr lvl="2"/>
             <a:r>
               <a:rPr lang="en-US" sz="1800" dirty="0" smtClean="0"/>
-              <a:t>Delete records that are more than 5 years old</a:t>
-            </a:r>
-            <a:r>
-              <a:rPr lang="en-US" sz="1800" dirty="0" smtClean="0"/>
-              <a:t>.</a:t>
+              <a:t>Delete records that are more than 5 years old.</a:t>
             </a:r>
           </a:p>
           <a:p>
@@ -20947,7 +21083,6 @@
               <a:rPr lang="en-US" sz="1800" dirty="0" smtClean="0"/>
               <a:t>Log action taken on expired documents</a:t>
             </a:r>
-            <a:endParaRPr lang="en-US" sz="1800" dirty="0" smtClean="0"/>
           </a:p>
           <a:p>
             <a:pPr lvl="2"/>
@@ -21233,7 +21368,7 @@
                 <a:gridCol w="2743200">
                   <a:extLst>
                     <a:ext uri="{9D8B030D-6E8A-4147-A177-3AD203B41FA5}">
-                      <a16:colId xmlns="" xmlns:a16="http://schemas.microsoft.com/office/drawing/2014/main" val="20000"/>
+                      <a16:colId xmlns:a16="http://schemas.microsoft.com/office/drawing/2014/main" xmlns="" val="20000"/>
                     </a:ext>
                   </a:extLst>
                 </a:gridCol>
@@ -21262,10 +21397,10 @@
                         <a:defRPr/>
                       </a:pPr>
                       <a:r>
-                        <a:rPr lang="en-US" b="1" i="0" smtClean="0"/>
+                        <a:rPr lang="en-US" b="1" i="0" dirty="0" smtClean="0"/>
                         <a:t>Records Management</a:t>
                       </a:r>
-                      <a:endParaRPr lang="nl-BE" b="1" i="0" smtClean="0"/>
+                      <a:endParaRPr lang="nl-BE" b="1" i="0" dirty="0" smtClean="0"/>
                     </a:p>
                     <a:p>
                       <a:pPr algn="ctr"/>
@@ -21316,7 +21451,7 @@
                 </a:tc>
                 <a:extLst>
                   <a:ext uri="{0D108BD9-81ED-4DB2-BD59-A6C34878D82A}">
-                    <a16:rowId xmlns="" xmlns:a16="http://schemas.microsoft.com/office/drawing/2014/main" val="10000"/>
+                    <a16:rowId xmlns:a16="http://schemas.microsoft.com/office/drawing/2014/main" xmlns="" val="10000"/>
                   </a:ext>
                 </a:extLst>
               </a:tr>
@@ -21377,7 +21512,7 @@
                 </a:tc>
                 <a:extLst>
                   <a:ext uri="{0D108BD9-81ED-4DB2-BD59-A6C34878D82A}">
-                    <a16:rowId xmlns="" xmlns:a16="http://schemas.microsoft.com/office/drawing/2014/main" val="10001"/>
+                    <a16:rowId xmlns:a16="http://schemas.microsoft.com/office/drawing/2014/main" xmlns="" val="10001"/>
                   </a:ext>
                 </a:extLst>
               </a:tr>
@@ -21447,7 +21582,7 @@
                 </a:tc>
                 <a:extLst>
                   <a:ext uri="{0D108BD9-81ED-4DB2-BD59-A6C34878D82A}">
-                    <a16:rowId xmlns="" xmlns:a16="http://schemas.microsoft.com/office/drawing/2014/main" val="10002"/>
+                    <a16:rowId xmlns:a16="http://schemas.microsoft.com/office/drawing/2014/main" xmlns="" val="10002"/>
                   </a:ext>
                 </a:extLst>
               </a:tr>
@@ -21525,7 +21660,7 @@
                 </a:tc>
                 <a:extLst>
                   <a:ext uri="{0D108BD9-81ED-4DB2-BD59-A6C34878D82A}">
-                    <a16:rowId xmlns="" xmlns:a16="http://schemas.microsoft.com/office/drawing/2014/main" val="10007"/>
+                    <a16:rowId xmlns:a16="http://schemas.microsoft.com/office/drawing/2014/main" xmlns="" val="10007"/>
                   </a:ext>
                 </a:extLst>
               </a:tr>
@@ -21949,7 +22084,7 @@
           <a:p>
             <a:r>
               <a:rPr lang="nl-BE" dirty="0" smtClean="0"/>
-              <a:t>News notifications</a:t>
+              <a:t>Event handlers</a:t>
             </a:r>
             <a:br>
               <a:rPr lang="nl-BE" dirty="0" smtClean="0"/>
@@ -21960,7 +22095,7 @@
                   <a:schemeClr val="accent1"/>
                 </a:solidFill>
               </a:rPr>
-              <a:t>contoso.sharepoint.newsalerts.wsp</a:t>
+              <a:t>contoso.sharepoint.eventreceivers.wsp</a:t>
             </a:r>
             <a:r>
               <a:rPr lang="en-US" sz="3600" dirty="0">
@@ -22012,7 +22147,7 @@
         </p:nvSpPr>
         <p:spPr>
           <a:xfrm>
-            <a:off x="3173505" y="2238374"/>
+            <a:off x="3173505" y="2052637"/>
             <a:ext cx="8494619" cy="4619626"/>
           </a:xfrm>
         </p:spPr>
@@ -22021,27 +22156,286 @@
           <a:lstStyle/>
           <a:p>
             <a:r>
+              <a:rPr lang="en-US" dirty="0" smtClean="0"/>
+              <a:t>High </a:t>
+            </a:r>
+            <a:r>
               <a:rPr lang="en-US" dirty="0"/>
-              <a:t>High level requirements:</a:t>
-            </a:r>
+              <a:t>level </a:t>
+            </a:r>
+            <a:r>
+              <a:rPr lang="en-US" dirty="0" smtClean="0"/>
+              <a:t>requirements</a:t>
+            </a:r>
+          </a:p>
+          <a:p>
+            <a:pPr lvl="0"/>
+            <a:r>
+              <a:rPr lang="en-US" sz="2000" spc="0" dirty="0">
+                <a:gradFill>
+                  <a:gsLst>
+                    <a:gs pos="1250">
+                      <a:srgbClr val="797A7D"/>
+                    </a:gs>
+                    <a:gs pos="100000">
+                      <a:srgbClr val="797A7D"/>
+                    </a:gs>
+                  </a:gsLst>
+                  <a:lin ang="5400000" scaled="0"/>
+                </a:gradFill>
+                <a:latin typeface="+mn-lt"/>
+              </a:rPr>
+              <a:t>List Event </a:t>
+            </a:r>
+            <a:r>
+              <a:rPr lang="en-US" sz="2000" spc="0" dirty="0" smtClean="0">
+                <a:gradFill>
+                  <a:gsLst>
+                    <a:gs pos="1250">
+                      <a:srgbClr val="797A7D"/>
+                    </a:gs>
+                    <a:gs pos="100000">
+                      <a:srgbClr val="797A7D"/>
+                    </a:gs>
+                  </a:gsLst>
+                  <a:lin ang="5400000" scaled="0"/>
+                </a:gradFill>
+                <a:latin typeface="+mn-lt"/>
+              </a:rPr>
+              <a:t>Receivers to capture list metadata</a:t>
+            </a:r>
+            <a:endParaRPr lang="en-NZ" sz="2000" spc="0" dirty="0">
+              <a:gradFill>
+                <a:gsLst>
+                  <a:gs pos="1250">
+                    <a:srgbClr val="797A7D"/>
+                  </a:gs>
+                  <a:gs pos="100000">
+                    <a:srgbClr val="797A7D"/>
+                  </a:gs>
+                </a:gsLst>
+                <a:lin ang="5400000" scaled="0"/>
+              </a:gradFill>
+              <a:latin typeface="+mn-lt"/>
+            </a:endParaRPr>
+          </a:p>
+          <a:p>
+            <a:pPr lvl="0"/>
+            <a:r>
+              <a:rPr lang="en-US" sz="2000" spc="0" dirty="0">
+                <a:gradFill>
+                  <a:gsLst>
+                    <a:gs pos="1250">
+                      <a:srgbClr val="797A7D"/>
+                    </a:gs>
+                    <a:gs pos="100000">
+                      <a:srgbClr val="797A7D"/>
+                    </a:gs>
+                  </a:gsLst>
+                  <a:lin ang="5400000" scaled="0"/>
+                </a:gradFill>
+                <a:latin typeface="+mn-lt"/>
+              </a:rPr>
+              <a:t>Web creation and deletion </a:t>
+            </a:r>
+            <a:r>
+              <a:rPr lang="en-US" sz="2000" spc="0" dirty="0" smtClean="0">
+                <a:gradFill>
+                  <a:gsLst>
+                    <a:gs pos="1250">
+                      <a:srgbClr val="797A7D"/>
+                    </a:gs>
+                    <a:gs pos="100000">
+                      <a:srgbClr val="797A7D"/>
+                    </a:gs>
+                  </a:gsLst>
+                  <a:lin ang="5400000" scaled="0"/>
+                </a:gradFill>
+                <a:latin typeface="+mn-lt"/>
+              </a:rPr>
+              <a:t>events as per business rules</a:t>
+            </a:r>
+            <a:endParaRPr lang="en-NZ" sz="2000" spc="0" dirty="0">
+              <a:gradFill>
+                <a:gsLst>
+                  <a:gs pos="1250">
+                    <a:srgbClr val="797A7D"/>
+                  </a:gs>
+                  <a:gs pos="100000">
+                    <a:srgbClr val="797A7D"/>
+                  </a:gs>
+                </a:gsLst>
+                <a:lin ang="5400000" scaled="0"/>
+              </a:gradFill>
+              <a:latin typeface="+mn-lt"/>
+            </a:endParaRPr>
+          </a:p>
+          <a:p>
+            <a:r>
+              <a:rPr lang="en-US" sz="2000" spc="0" dirty="0" smtClean="0">
+                <a:gradFill>
+                  <a:gsLst>
+                    <a:gs pos="1250">
+                      <a:srgbClr val="797A7D"/>
+                    </a:gs>
+                    <a:gs pos="100000">
+                      <a:srgbClr val="797A7D"/>
+                    </a:gs>
+                  </a:gsLst>
+                  <a:lin ang="5400000" scaled="0"/>
+                </a:gradFill>
+                <a:latin typeface="+mn-lt"/>
+              </a:rPr>
+              <a:t>Site columns and content type creation on </a:t>
+            </a:r>
+            <a:r>
+              <a:rPr lang="en-US" sz="2000" spc="0" dirty="0">
+                <a:gradFill>
+                  <a:gsLst>
+                    <a:gs pos="1250">
+                      <a:srgbClr val="797A7D"/>
+                    </a:gs>
+                    <a:gs pos="100000">
+                      <a:srgbClr val="797A7D"/>
+                    </a:gs>
+                  </a:gsLst>
+                  <a:lin ang="5400000" scaled="0"/>
+                </a:gradFill>
+                <a:latin typeface="+mn-lt"/>
+              </a:rPr>
+              <a:t>f</a:t>
+            </a:r>
+            <a:r>
+              <a:rPr lang="en-US" sz="2000" spc="0" dirty="0" smtClean="0">
+                <a:gradFill>
+                  <a:gsLst>
+                    <a:gs pos="1250">
+                      <a:srgbClr val="797A7D"/>
+                    </a:gs>
+                    <a:gs pos="100000">
+                      <a:srgbClr val="797A7D"/>
+                    </a:gs>
+                  </a:gsLst>
+                  <a:lin ang="5400000" scaled="0"/>
+                </a:gradFill>
+                <a:latin typeface="+mn-lt"/>
+              </a:rPr>
+              <a:t>eature activation</a:t>
+            </a:r>
+            <a:endParaRPr lang="en-US" sz="2000" spc="0" dirty="0">
+              <a:gradFill>
+                <a:gsLst>
+                  <a:gs pos="1250">
+                    <a:srgbClr val="797A7D"/>
+                  </a:gs>
+                  <a:gs pos="100000">
+                    <a:srgbClr val="797A7D"/>
+                  </a:gs>
+                </a:gsLst>
+                <a:lin ang="5400000" scaled="0"/>
+              </a:gradFill>
+              <a:latin typeface="+mn-lt"/>
+            </a:endParaRPr>
+          </a:p>
+          <a:p>
+            <a:pPr lvl="0"/>
+            <a:r>
+              <a:rPr lang="en-US" dirty="0" smtClean="0">
+                <a:solidFill>
+                  <a:srgbClr val="EB3C00"/>
+                </a:solidFill>
+              </a:rPr>
+              <a:t>Migration</a:t>
+            </a:r>
+            <a:endParaRPr lang="en-US" dirty="0">
+              <a:solidFill>
+                <a:srgbClr val="EB3C00"/>
+              </a:solidFill>
+            </a:endParaRPr>
           </a:p>
           <a:p>
             <a:pPr lvl="1"/>
             <a:r>
-              <a:rPr lang="en-US" sz="1800" dirty="0" smtClean="0"/>
-              <a:t>Typical </a:t>
-            </a:r>
-            <a:r>
-              <a:rPr lang="en-US" sz="1800" dirty="0"/>
-              <a:t>Intranet features:</a:t>
-            </a:r>
-          </a:p>
-          <a:p>
-            <a:pPr lvl="2"/>
-            <a:r>
-              <a:rPr lang="en-US" sz="1800" dirty="0" smtClean="0"/>
-              <a:t>Sends notification when a “featured” news article is added</a:t>
-            </a:r>
+              <a:rPr lang="en-US" dirty="0" smtClean="0">
+                <a:gradFill>
+                  <a:gsLst>
+                    <a:gs pos="1250">
+                      <a:srgbClr val="797A7D"/>
+                    </a:gs>
+                    <a:gs pos="100000">
+                      <a:srgbClr val="797A7D"/>
+                    </a:gs>
+                  </a:gsLst>
+                  <a:lin ang="5400000" scaled="0"/>
+                </a:gradFill>
+              </a:rPr>
+              <a:t>Remote event receivers can be used that can be invoked through a provider hosted app</a:t>
+            </a:r>
+            <a:r>
+              <a:rPr lang="en-US" dirty="0" smtClean="0">
+                <a:gradFill>
+                  <a:gsLst>
+                    <a:gs pos="1250">
+                      <a:srgbClr val="797A7D"/>
+                    </a:gs>
+                    <a:gs pos="100000">
+                      <a:srgbClr val="797A7D"/>
+                    </a:gs>
+                  </a:gsLst>
+                  <a:lin ang="5400000" scaled="0"/>
+                </a:gradFill>
+              </a:rPr>
+              <a:t>.</a:t>
+            </a:r>
+          </a:p>
+          <a:p>
+            <a:pPr lvl="0"/>
+            <a:r>
+              <a:rPr lang="en-US" dirty="0">
+                <a:solidFill>
+                  <a:srgbClr val="EB3C00"/>
+                </a:solidFill>
+              </a:rPr>
+              <a:t>Challenges</a:t>
+            </a:r>
+          </a:p>
+          <a:p>
+            <a:pPr lvl="1"/>
+            <a:r>
+              <a:rPr lang="en-US" dirty="0">
+                <a:gradFill>
+                  <a:gsLst>
+                    <a:gs pos="1250">
+                      <a:srgbClr val="797A7D"/>
+                    </a:gs>
+                    <a:gs pos="100000">
+                      <a:srgbClr val="797A7D"/>
+                    </a:gs>
+                  </a:gsLst>
+                  <a:lin ang="5400000" scaled="0"/>
+                </a:gradFill>
+              </a:rPr>
+              <a:t>None</a:t>
+            </a:r>
+          </a:p>
+          <a:p>
+            <a:pPr lvl="1"/>
+            <a:endParaRPr lang="en-US" dirty="0">
+              <a:gradFill>
+                <a:gsLst>
+                  <a:gs pos="1250">
+                    <a:srgbClr val="797A7D"/>
+                  </a:gs>
+                  <a:gs pos="100000">
+                    <a:srgbClr val="797A7D"/>
+                  </a:gs>
+                </a:gsLst>
+                <a:lin ang="5400000" scaled="0"/>
+              </a:gradFill>
+            </a:endParaRPr>
+          </a:p>
+          <a:p>
+            <a:endParaRPr lang="en-US" dirty="0"/>
           </a:p>
         </p:txBody>
       </p:sp>
@@ -22316,7 +22710,7 @@
           <p:nvPr>
             <p:extLst>
               <p:ext uri="{D42A27DB-BD31-4B8C-83A1-F6EECF244321}">
-                <p14:modId xmlns:p14="http://schemas.microsoft.com/office/powerpoint/2010/main" val="2914665889"/>
+                <p14:modId xmlns:p14="http://schemas.microsoft.com/office/powerpoint/2010/main" val="260274076"/>
               </p:ext>
             </p:extLst>
           </p:nvPr>
@@ -22335,7 +22729,7 @@
                 <a:gridCol w="2373524">
                   <a:extLst>
                     <a:ext uri="{9D8B030D-6E8A-4147-A177-3AD203B41FA5}">
-                      <a16:colId xmlns="" xmlns:a16="http://schemas.microsoft.com/office/drawing/2014/main" val="20000"/>
+                      <a16:colId xmlns:a16="http://schemas.microsoft.com/office/drawing/2014/main" xmlns="" val="20000"/>
                     </a:ext>
                   </a:extLst>
                 </a:gridCol>
@@ -22348,8 +22742,8 @@
                     <a:p>
                       <a:pPr algn="ctr"/>
                       <a:r>
-                        <a:rPr lang="en-US" b="1" i="0" smtClean="0"/>
-                        <a:t>News Notifications</a:t>
+                        <a:rPr lang="en-US" b="1" i="0" dirty="0" smtClean="0"/>
+                        <a:t>Event Receivers</a:t>
                       </a:r>
                       <a:endParaRPr lang="nl-BE" b="1" i="0" dirty="0"/>
                     </a:p>
@@ -22398,7 +22792,7 @@
                 </a:tc>
                 <a:extLst>
                   <a:ext uri="{0D108BD9-81ED-4DB2-BD59-A6C34878D82A}">
-                    <a16:rowId xmlns="" xmlns:a16="http://schemas.microsoft.com/office/drawing/2014/main" val="10000"/>
+                    <a16:rowId xmlns:a16="http://schemas.microsoft.com/office/drawing/2014/main" xmlns="" val="10000"/>
                   </a:ext>
                 </a:extLst>
               </a:tr>
@@ -22459,7 +22853,7 @@
                 </a:tc>
                 <a:extLst>
                   <a:ext uri="{0D108BD9-81ED-4DB2-BD59-A6C34878D82A}">
-                    <a16:rowId xmlns="" xmlns:a16="http://schemas.microsoft.com/office/drawing/2014/main" val="10001"/>
+                    <a16:rowId xmlns:a16="http://schemas.microsoft.com/office/drawing/2014/main" xmlns="" val="10001"/>
                   </a:ext>
                 </a:extLst>
               </a:tr>
@@ -22476,7 +22870,7 @@
                             <a:schemeClr val="bg1"/>
                           </a:solidFill>
                         </a:rPr>
-                        <a:t>Easy</a:t>
+                        <a:t>Medium</a:t>
                       </a:r>
                       <a:endParaRPr lang="nl-BE" dirty="0">
                         <a:solidFill>
@@ -22523,13 +22917,13 @@
                       <a:tailEnd type="none" w="med" len="med"/>
                     </a:lnB>
                     <a:solidFill>
-                      <a:srgbClr val="00B050"/>
+                      <a:schemeClr val="accent2"/>
                     </a:solidFill>
                   </a:tcPr>
                 </a:tc>
                 <a:extLst>
                   <a:ext uri="{0D108BD9-81ED-4DB2-BD59-A6C34878D82A}">
-                    <a16:rowId xmlns="" xmlns:a16="http://schemas.microsoft.com/office/drawing/2014/main" val="10002"/>
+                    <a16:rowId xmlns:a16="http://schemas.microsoft.com/office/drawing/2014/main" xmlns="" val="10002"/>
                   </a:ext>
                 </a:extLst>
               </a:tr>
@@ -22607,7 +23001,7 @@
                 </a:tc>
                 <a:extLst>
                   <a:ext uri="{0D108BD9-81ED-4DB2-BD59-A6C34878D82A}">
-                    <a16:rowId xmlns="" xmlns:a16="http://schemas.microsoft.com/office/drawing/2014/main" val="10007"/>
+                    <a16:rowId xmlns:a16="http://schemas.microsoft.com/office/drawing/2014/main" xmlns="" val="10007"/>
                   </a:ext>
                 </a:extLst>
               </a:tr>
@@ -22656,156 +23050,10 @@
           </a:extLst>
         </p:spPr>
       </p:pic>
-      <p:sp>
-        <p:nvSpPr>
-          <p:cNvPr id="8" name="Rectangle 7"/>
-          <p:cNvSpPr/>
-          <p:nvPr/>
-        </p:nvSpPr>
-        <p:spPr>
-          <a:xfrm>
-            <a:off x="3063777" y="3784525"/>
-            <a:ext cx="8494619" cy="1206484"/>
-          </a:xfrm>
-          <a:prstGeom prst="rect">
-            <a:avLst/>
-          </a:prstGeom>
-        </p:spPr>
-        <p:txBody>
-          <a:bodyPr wrap="square">
-            <a:spAutoFit/>
-          </a:bodyPr>
-          <a:lstStyle/>
-          <a:p>
-            <a:pPr marL="284163" lvl="0" indent="-284163">
-              <a:lnSpc>
-                <a:spcPct val="90000"/>
-              </a:lnSpc>
-              <a:spcBef>
-                <a:spcPct val="20000"/>
-              </a:spcBef>
-              <a:buSzPct val="80000"/>
-              <a:buFont typeface="Wingdings" pitchFamily="2" charset="2"/>
-              <a:buChar char=""/>
-            </a:pPr>
-            <a:r>
-              <a:rPr lang="en-US" sz="3600" spc="-70" dirty="0" smtClean="0">
-                <a:solidFill>
-                  <a:srgbClr val="EB3C00"/>
-                </a:solidFill>
-                <a:latin typeface="Segoe UI Light"/>
-              </a:rPr>
-              <a:t>Migration</a:t>
-            </a:r>
-          </a:p>
-          <a:p>
-            <a:pPr marL="517525" lvl="1" indent="-233363">
-              <a:lnSpc>
-                <a:spcPct val="90000"/>
-              </a:lnSpc>
-              <a:spcBef>
-                <a:spcPct val="20000"/>
-              </a:spcBef>
-              <a:buSzPct val="90000"/>
-              <a:buFont typeface="Wingdings" pitchFamily="2" charset="2"/>
-              <a:buChar char=""/>
-            </a:pPr>
-            <a:r>
-              <a:rPr lang="en-US" sz="2000" dirty="0" smtClean="0">
-                <a:gradFill>
-                  <a:gsLst>
-                    <a:gs pos="1250">
-                      <a:srgbClr val="797A7D"/>
-                    </a:gs>
-                    <a:gs pos="100000">
-                      <a:srgbClr val="797A7D"/>
-                    </a:gs>
-                  </a:gsLst>
-                  <a:lin ang="5400000" scaled="0"/>
-                </a:gradFill>
-              </a:rPr>
-              <a:t>The solution will be abandoned. Yammer sends automated emails when an announcement is added.</a:t>
-            </a:r>
-          </a:p>
-        </p:txBody>
-      </p:sp>
-      <p:sp>
-        <p:nvSpPr>
-          <p:cNvPr id="5" name="Rectangle 4"/>
-          <p:cNvSpPr/>
-          <p:nvPr/>
-        </p:nvSpPr>
-        <p:spPr>
-          <a:xfrm>
-            <a:off x="3173505" y="5313341"/>
-            <a:ext cx="6092825" cy="929485"/>
-          </a:xfrm>
-          <a:prstGeom prst="rect">
-            <a:avLst/>
-          </a:prstGeom>
-        </p:spPr>
-        <p:txBody>
-          <a:bodyPr>
-            <a:spAutoFit/>
-          </a:bodyPr>
-          <a:lstStyle/>
-          <a:p>
-            <a:pPr marL="284163" lvl="0" indent="-284163">
-              <a:lnSpc>
-                <a:spcPct val="90000"/>
-              </a:lnSpc>
-              <a:spcBef>
-                <a:spcPct val="20000"/>
-              </a:spcBef>
-              <a:buSzPct val="80000"/>
-              <a:buFont typeface="Wingdings" pitchFamily="2" charset="2"/>
-              <a:buChar char=""/>
-            </a:pPr>
-            <a:r>
-              <a:rPr lang="en-US" sz="3600" spc="-70" dirty="0">
-                <a:solidFill>
-                  <a:srgbClr val="EB3C00"/>
-                </a:solidFill>
-                <a:latin typeface="Segoe UI Light"/>
-              </a:rPr>
-              <a:t>Challenges</a:t>
-            </a:r>
-          </a:p>
-          <a:p>
-            <a:pPr marL="517525" lvl="1" indent="-233363">
-              <a:lnSpc>
-                <a:spcPct val="90000"/>
-              </a:lnSpc>
-              <a:spcBef>
-                <a:spcPct val="20000"/>
-              </a:spcBef>
-              <a:buSzPct val="90000"/>
-              <a:buFont typeface="Wingdings" pitchFamily="2" charset="2"/>
-              <a:buChar char=""/>
-            </a:pPr>
-            <a:r>
-              <a:rPr lang="en-US" sz="2000" dirty="0">
-                <a:gradFill>
-                  <a:gsLst>
-                    <a:gs pos="1250">
-                      <a:srgbClr val="797A7D"/>
-                    </a:gs>
-                    <a:gs pos="100000">
-                      <a:srgbClr val="797A7D"/>
-                    </a:gs>
-                  </a:gsLst>
-                  <a:lin ang="5400000" scaled="0"/>
-                </a:gradFill>
-              </a:rPr>
-              <a:t>None</a:t>
-            </a:r>
-          </a:p>
-        </p:txBody>
-      </p:sp>
     </p:spTree>
     <p:extLst>
       <p:ext uri="{BB962C8B-B14F-4D97-AF65-F5344CB8AC3E}">
-        <p14:creationId xmlns:p14="http://schemas.microsoft.com/office/powerpoint/2010/main" val="5726756"/>
+        <p14:creationId xmlns:p14="http://schemas.microsoft.com/office/powerpoint/2010/main" val="1419473570"/>
       </p:ext>
     </p:extLst>
   </p:cSld>
@@ -22852,16 +23100,66 @@
             <p:ph type="title"/>
           </p:nvPr>
         </p:nvSpPr>
-        <p:spPr/>
+        <p:spPr>
+          <a:xfrm>
+            <a:off x="3173505" y="992992"/>
+            <a:ext cx="8494619" cy="747897"/>
+          </a:xfrm>
+        </p:spPr>
         <p:txBody>
-          <a:bodyPr/>
+          <a:bodyPr anchor="ctr"/>
           <a:lstStyle/>
           <a:p>
             <a:r>
               <a:rPr lang="nl-BE" dirty="0" smtClean="0"/>
-              <a:t>Skill Finder</a:t>
-            </a:r>
-            <a:endParaRPr lang="nl-BE" dirty="0"/>
+              <a:t>News notifications</a:t>
+            </a:r>
+            <a:br>
+              <a:rPr lang="nl-BE" dirty="0" smtClean="0"/>
+            </a:br>
+            <a:r>
+              <a:rPr lang="en-US" sz="3600" dirty="0" err="1" smtClean="0">
+                <a:solidFill>
+                  <a:schemeClr val="accent1"/>
+                </a:solidFill>
+              </a:rPr>
+              <a:t>contoso.sharepoint.newsalerts.wsp</a:t>
+            </a:r>
+            <a:r>
+              <a:rPr lang="en-US" sz="3600" dirty="0">
+                <a:solidFill>
+                  <a:schemeClr val="accent1"/>
+                </a:solidFill>
+              </a:rPr>
+              <a:t/>
+            </a:r>
+            <a:br>
+              <a:rPr lang="en-US" sz="3600" dirty="0">
+                <a:solidFill>
+                  <a:schemeClr val="accent1"/>
+                </a:solidFill>
+              </a:rPr>
+            </a:br>
+            <a:r>
+              <a:rPr lang="en-US" sz="3600" dirty="0">
+                <a:solidFill>
+                  <a:schemeClr val="accent1"/>
+                </a:solidFill>
+              </a:rPr>
+              <a:t/>
+            </a:r>
+            <a:br>
+              <a:rPr lang="en-US" sz="3600" dirty="0">
+                <a:solidFill>
+                  <a:schemeClr val="accent1"/>
+                </a:solidFill>
+              </a:rPr>
+            </a:br>
+            <a:endParaRPr lang="nl-BE" sz="3600" dirty="0">
+              <a:solidFill>
+                <a:schemeClr val="accent1"/>
+              </a:solidFill>
+            </a:endParaRPr>
           </a:p>
         </p:txBody>
       </p:sp>
@@ -22877,7 +23175,7 @@
         </p:nvSpPr>
         <p:spPr>
           <a:xfrm>
-            <a:off x="3173506" y="1447799"/>
+            <a:off x="3173505" y="2238374"/>
             <a:ext cx="8494619" cy="4619626"/>
           </a:xfrm>
         </p:spPr>
@@ -22893,50 +23191,25 @@
           <a:p>
             <a:pPr lvl="1"/>
             <a:r>
-              <a:rPr lang="en-US" dirty="0" smtClean="0"/>
-              <a:t>Allow users to search experts on the basis of their years of experience and past projects.</a:t>
-            </a:r>
-          </a:p>
-          <a:p>
-            <a:pPr lvl="1"/>
-            <a:r>
-              <a:rPr lang="en-US" dirty="0" smtClean="0"/>
-              <a:t>Allow the users to be able to communicate with the experts using a tool.</a:t>
-            </a:r>
-            <a:endParaRPr lang="en-US" dirty="0"/>
-          </a:p>
-          <a:p>
-            <a:pPr lvl="1"/>
-            <a:endParaRPr lang="en-US" dirty="0"/>
-          </a:p>
-          <a:p>
-            <a:r>
-              <a:rPr lang="en-US" dirty="0"/>
-              <a:t>Design </a:t>
-            </a:r>
-            <a:r>
-              <a:rPr lang="en-US" dirty="0" smtClean="0"/>
-              <a:t>notes and status</a:t>
-            </a:r>
-            <a:endParaRPr lang="en-US" dirty="0"/>
-          </a:p>
-          <a:p>
-            <a:pPr lvl="1"/>
-            <a:r>
-              <a:rPr lang="en-US" dirty="0" smtClean="0"/>
-              <a:t>The solution will be replaced using the SharePoint People search</a:t>
-            </a:r>
-          </a:p>
-          <a:p>
-            <a:pPr lvl="1"/>
-            <a:r>
-              <a:rPr lang="en-US" dirty="0" smtClean="0"/>
-              <a:t>The People search will provide integration with Lync which can then be used to communicate with the expert using messaging or voice call.</a:t>
-            </a:r>
-            <a:endParaRPr lang="en-US" dirty="0"/>
-          </a:p>
-          <a:p>
-            <a:endParaRPr lang="en-US" dirty="0"/>
+              <a:rPr lang="en-US" sz="1800" dirty="0" smtClean="0"/>
+              <a:t>Typical </a:t>
+            </a:r>
+            <a:r>
+              <a:rPr lang="en-US" sz="1800" dirty="0"/>
+              <a:t>Intranet </a:t>
+            </a:r>
+            <a:r>
+              <a:rPr lang="en-US" sz="1800" dirty="0" smtClean="0"/>
+              <a:t>features:</a:t>
+            </a:r>
+          </a:p>
+          <a:p>
+            <a:pPr lvl="2"/>
+            <a:r>
+              <a:rPr lang="en-US" sz="1800" dirty="0" smtClean="0"/>
+              <a:t>To be able to inform users about a major safety incident instantly</a:t>
+            </a:r>
+            <a:endParaRPr lang="en-US" sz="1800" dirty="0" smtClean="0"/>
           </a:p>
         </p:txBody>
       </p:sp>
@@ -23204,12 +23477,16 @@
       </p:sp>
       <p:graphicFrame>
         <p:nvGraphicFramePr>
-          <p:cNvPr id="6" name="Table 7"/>
+          <p:cNvPr id="7" name="Table 7"/>
           <p:cNvGraphicFramePr>
             <a:graphicFrameLocks noGrp="1"/>
           </p:cNvGraphicFramePr>
           <p:nvPr>
-            <p:extLst/>
+            <p:extLst>
+              <p:ext uri="{D42A27DB-BD31-4B8C-83A1-F6EECF244321}">
+                <p14:modId xmlns:p14="http://schemas.microsoft.com/office/powerpoint/2010/main" val="2914665889"/>
+              </p:ext>
+            </p:extLst>
           </p:nvPr>
         </p:nvGraphicFramePr>
         <p:xfrm>
@@ -23226,7 +23503,7 @@
                 <a:gridCol w="2373524">
                   <a:extLst>
                     <a:ext uri="{9D8B030D-6E8A-4147-A177-3AD203B41FA5}">
-                      <a16:colId xmlns="" xmlns:a16="http://schemas.microsoft.com/office/drawing/2014/main" val="20000"/>
+                      <a16:colId xmlns:a16="http://schemas.microsoft.com/office/drawing/2014/main" xmlns="" val="20000"/>
                     </a:ext>
                   </a:extLst>
                 </a:gridCol>
@@ -23240,7 +23517,7 @@
                       <a:pPr algn="ctr"/>
                       <a:r>
                         <a:rPr lang="en-US" b="1" i="0" dirty="0" smtClean="0"/>
-                        <a:t>Skill Finder</a:t>
+                        <a:t>News Notifications</a:t>
                       </a:r>
                       <a:endParaRPr lang="nl-BE" b="1" i="0" dirty="0"/>
                     </a:p>
@@ -23289,7 +23566,7 @@
                 </a:tc>
                 <a:extLst>
                   <a:ext uri="{0D108BD9-81ED-4DB2-BD59-A6C34878D82A}">
-                    <a16:rowId xmlns="" xmlns:a16="http://schemas.microsoft.com/office/drawing/2014/main" val="10000"/>
+                    <a16:rowId xmlns:a16="http://schemas.microsoft.com/office/drawing/2014/main" xmlns="" val="10000"/>
                   </a:ext>
                 </a:extLst>
               </a:tr>
@@ -23350,7 +23627,7 @@
                 </a:tc>
                 <a:extLst>
                   <a:ext uri="{0D108BD9-81ED-4DB2-BD59-A6C34878D82A}">
-                    <a16:rowId xmlns="" xmlns:a16="http://schemas.microsoft.com/office/drawing/2014/main" val="10001"/>
+                    <a16:rowId xmlns:a16="http://schemas.microsoft.com/office/drawing/2014/main" xmlns="" val="10001"/>
                   </a:ext>
                 </a:extLst>
               </a:tr>
@@ -23367,7 +23644,7 @@
                             <a:schemeClr val="bg1"/>
                           </a:solidFill>
                         </a:rPr>
-                        <a:t>Medium</a:t>
+                        <a:t>Easy</a:t>
                       </a:r>
                       <a:endParaRPr lang="nl-BE" dirty="0">
                         <a:solidFill>
@@ -23414,13 +23691,13 @@
                       <a:tailEnd type="none" w="med" len="med"/>
                     </a:lnB>
                     <a:solidFill>
-                      <a:srgbClr val="FFC000"/>
+                      <a:srgbClr val="00B050"/>
                     </a:solidFill>
                   </a:tcPr>
                 </a:tc>
                 <a:extLst>
                   <a:ext uri="{0D108BD9-81ED-4DB2-BD59-A6C34878D82A}">
-                    <a16:rowId xmlns="" xmlns:a16="http://schemas.microsoft.com/office/drawing/2014/main" val="10002"/>
+                    <a16:rowId xmlns:a16="http://schemas.microsoft.com/office/drawing/2014/main" xmlns="" val="10002"/>
                   </a:ext>
                 </a:extLst>
               </a:tr>
@@ -23498,7 +23775,7 @@
                 </a:tc>
                 <a:extLst>
                   <a:ext uri="{0D108BD9-81ED-4DB2-BD59-A6C34878D82A}">
-                    <a16:rowId xmlns="" xmlns:a16="http://schemas.microsoft.com/office/drawing/2014/main" val="10007"/>
+                    <a16:rowId xmlns:a16="http://schemas.microsoft.com/office/drawing/2014/main" xmlns="" val="10007"/>
                   </a:ext>
                 </a:extLst>
               </a:tr>
@@ -23506,50 +23783,197 @@
           </a:graphicData>
         </a:graphic>
       </p:graphicFrame>
+      <p:pic>
+        <p:nvPicPr>
+          <p:cNvPr id="2052" name="Picture 4" descr="http://wordlabs.ru/wp-content/uploads/2015/02/Contoso-logo.png"/>
+          <p:cNvPicPr>
+            <a:picLocks noChangeAspect="1" noChangeArrowheads="1"/>
+          </p:cNvPicPr>
+          <p:nvPr/>
+        </p:nvPicPr>
+        <p:blipFill>
+          <a:blip r:embed="rId3">
+            <a:extLst>
+              <a:ext uri="{28A0092B-C50C-407E-A947-70E740481C1C}">
+                <a14:useLocalDpi xmlns:a14="http://schemas.microsoft.com/office/drawing/2010/main" val="0"/>
+              </a:ext>
+            </a:extLst>
+          </a:blip>
+          <a:srcRect/>
+          <a:stretch>
+            <a:fillRect/>
+          </a:stretch>
+        </p:blipFill>
+        <p:spPr bwMode="auto">
+          <a:xfrm>
+            <a:off x="296955" y="2052637"/>
+            <a:ext cx="1676400" cy="904876"/>
+          </a:xfrm>
+          <a:prstGeom prst="rect">
+            <a:avLst/>
+          </a:prstGeom>
+          <a:noFill/>
+          <a:extLst>
+            <a:ext uri="{909E8E84-426E-40DD-AFC4-6F175D3DCCD1}">
+              <a14:hiddenFill xmlns:a14="http://schemas.microsoft.com/office/drawing/2010/main">
+                <a:solidFill>
+                  <a:srgbClr val="FFFFFF"/>
+                </a:solidFill>
+              </a14:hiddenFill>
+            </a:ext>
+          </a:extLst>
+        </p:spPr>
+      </p:pic>
       <p:sp>
         <p:nvSpPr>
-          <p:cNvPr id="3" name="Rectangle 2"/>
+          <p:cNvPr id="8" name="Rectangle 7"/>
           <p:cNvSpPr/>
           <p:nvPr/>
         </p:nvSpPr>
         <p:spPr>
           <a:xfrm>
-            <a:off x="230528" y="2003612"/>
-            <a:ext cx="1580882" cy="523220"/>
+            <a:off x="3063777" y="3784525"/>
+            <a:ext cx="8494619" cy="1206484"/>
           </a:xfrm>
           <a:prstGeom prst="rect">
             <a:avLst/>
           </a:prstGeom>
         </p:spPr>
         <p:txBody>
-          <a:bodyPr wrap="none">
+          <a:bodyPr wrap="square">
             <a:spAutoFit/>
           </a:bodyPr>
           <a:lstStyle/>
           <a:p>
-            <a:pPr algn="ctr"/>
-            <a:r>
-              <a:rPr lang="en-US" sz="2800" b="1" dirty="0" err="1" smtClean="0">
+            <a:pPr marL="284163" lvl="0" indent="-284163">
+              <a:lnSpc>
+                <a:spcPct val="90000"/>
+              </a:lnSpc>
+              <a:spcBef>
+                <a:spcPct val="20000"/>
+              </a:spcBef>
+              <a:buSzPct val="80000"/>
+              <a:buFont typeface="Wingdings" pitchFamily="2" charset="2"/>
+              <a:buChar char=""/>
+            </a:pPr>
+            <a:r>
+              <a:rPr lang="en-US" sz="3600" spc="-70" dirty="0" smtClean="0">
                 <a:solidFill>
-                  <a:srgbClr val="000000"/>
+                  <a:srgbClr val="EB3C00"/>
                 </a:solidFill>
-                <a:latin typeface="Berlin Sans FB" panose="020E0602020502020306" pitchFamily="34" charset="0"/>
+                <a:latin typeface="Segoe UI Light"/>
               </a:rPr>
-              <a:t>TailSpin</a:t>
-            </a:r>
-            <a:endParaRPr lang="nl-BE" sz="2800" b="1" dirty="0">
-              <a:solidFill>
-                <a:srgbClr val="000000"/>
-              </a:solidFill>
-              <a:latin typeface="Berlin Sans FB" panose="020E0602020502020306" pitchFamily="34" charset="0"/>
-            </a:endParaRPr>
+              <a:t>Migration</a:t>
+            </a:r>
+          </a:p>
+          <a:p>
+            <a:pPr marL="517525" lvl="1" indent="-233363">
+              <a:lnSpc>
+                <a:spcPct val="90000"/>
+              </a:lnSpc>
+              <a:spcBef>
+                <a:spcPct val="20000"/>
+              </a:spcBef>
+              <a:buSzPct val="90000"/>
+              <a:buFont typeface="Wingdings" pitchFamily="2" charset="2"/>
+              <a:buChar char=""/>
+            </a:pPr>
+            <a:r>
+              <a:rPr lang="en-US" sz="2000" dirty="0" smtClean="0">
+                <a:gradFill>
+                  <a:gsLst>
+                    <a:gs pos="1250">
+                      <a:srgbClr val="797A7D"/>
+                    </a:gs>
+                    <a:gs pos="100000">
+                      <a:srgbClr val="797A7D"/>
+                    </a:gs>
+                  </a:gsLst>
+                  <a:lin ang="5400000" scaled="0"/>
+                </a:gradFill>
+              </a:rPr>
+              <a:t>The solution will be abandoned. Yammer sends automated emails when an announcement is added.</a:t>
+            </a:r>
+          </a:p>
+        </p:txBody>
+      </p:sp>
+      <p:sp>
+        <p:nvSpPr>
+          <p:cNvPr id="5" name="Rectangle 4"/>
+          <p:cNvSpPr/>
+          <p:nvPr/>
+        </p:nvSpPr>
+        <p:spPr>
+          <a:xfrm>
+            <a:off x="3173505" y="5313341"/>
+            <a:ext cx="6092825" cy="929485"/>
+          </a:xfrm>
+          <a:prstGeom prst="rect">
+            <a:avLst/>
+          </a:prstGeom>
+        </p:spPr>
+        <p:txBody>
+          <a:bodyPr>
+            <a:spAutoFit/>
+          </a:bodyPr>
+          <a:lstStyle/>
+          <a:p>
+            <a:pPr marL="284163" lvl="0" indent="-284163">
+              <a:lnSpc>
+                <a:spcPct val="90000"/>
+              </a:lnSpc>
+              <a:spcBef>
+                <a:spcPct val="20000"/>
+              </a:spcBef>
+              <a:buSzPct val="80000"/>
+              <a:buFont typeface="Wingdings" pitchFamily="2" charset="2"/>
+              <a:buChar char=""/>
+            </a:pPr>
+            <a:r>
+              <a:rPr lang="en-US" sz="3600" spc="-70" dirty="0">
+                <a:solidFill>
+                  <a:srgbClr val="EB3C00"/>
+                </a:solidFill>
+                <a:latin typeface="Segoe UI Light"/>
+              </a:rPr>
+              <a:t>Challenges</a:t>
+            </a:r>
+          </a:p>
+          <a:p>
+            <a:pPr marL="517525" lvl="1" indent="-233363">
+              <a:lnSpc>
+                <a:spcPct val="90000"/>
+              </a:lnSpc>
+              <a:spcBef>
+                <a:spcPct val="20000"/>
+              </a:spcBef>
+              <a:buSzPct val="90000"/>
+              <a:buFont typeface="Wingdings" pitchFamily="2" charset="2"/>
+              <a:buChar char=""/>
+            </a:pPr>
+            <a:r>
+              <a:rPr lang="en-US" sz="2000" dirty="0">
+                <a:gradFill>
+                  <a:gsLst>
+                    <a:gs pos="1250">
+                      <a:srgbClr val="797A7D"/>
+                    </a:gs>
+                    <a:gs pos="100000">
+                      <a:srgbClr val="797A7D"/>
+                    </a:gs>
+                  </a:gsLst>
+                  <a:lin ang="5400000" scaled="0"/>
+                </a:gradFill>
+              </a:rPr>
+              <a:t>None</a:t>
+            </a:r>
           </a:p>
         </p:txBody>
       </p:sp>
     </p:spTree>
     <p:extLst>
       <p:ext uri="{BB962C8B-B14F-4D97-AF65-F5344CB8AC3E}">
-        <p14:creationId xmlns:p14="http://schemas.microsoft.com/office/powerpoint/2010/main" val="1160665999"/>
+        <p14:creationId xmlns:p14="http://schemas.microsoft.com/office/powerpoint/2010/main" val="5726756"/>
       </p:ext>
     </p:extLst>
   </p:cSld>
@@ -23603,7 +24027,7 @@
           <a:p>
             <a:r>
               <a:rPr lang="nl-BE" dirty="0" smtClean="0"/>
-              <a:t>Location Finder </a:t>
+              <a:t>Skill Finder</a:t>
             </a:r>
             <a:endParaRPr lang="nl-BE" dirty="0"/>
           </a:p>
@@ -23638,40 +24062,14 @@
             <a:pPr lvl="1"/>
             <a:r>
               <a:rPr lang="en-US" dirty="0" smtClean="0"/>
-              <a:t>Should allow users to search for </a:t>
-            </a:r>
-            <a:r>
-              <a:rPr lang="en-US" dirty="0" err="1" smtClean="0"/>
-              <a:t>Fabrikam</a:t>
-            </a:r>
+              <a:t>Allow users to search experts on the basis of their years of experience and past projects.</a:t>
+            </a:r>
+          </a:p>
+          <a:p>
+            <a:pPr lvl="1"/>
             <a:r>
               <a:rPr lang="en-US" dirty="0" smtClean="0"/>
-              <a:t> outlets</a:t>
-            </a:r>
-          </a:p>
-          <a:p>
-            <a:pPr lvl="1"/>
-            <a:r>
-              <a:rPr lang="en-US" dirty="0" smtClean="0"/>
-              <a:t>Should map the locations on interactive Bing Map</a:t>
-            </a:r>
-            <a:endParaRPr lang="en-US" dirty="0"/>
-          </a:p>
-          <a:p>
-            <a:pPr lvl="1"/>
-            <a:endParaRPr lang="en-US" dirty="0" smtClean="0"/>
-          </a:p>
-          <a:p>
-            <a:r>
-              <a:rPr lang="en-US" dirty="0"/>
-              <a:t>Migration:</a:t>
-            </a:r>
-          </a:p>
-          <a:p>
-            <a:pPr lvl="1"/>
-            <a:r>
-              <a:rPr lang="en-US" dirty="0" smtClean="0"/>
-              <a:t>Use search display templates to return search results.</a:t>
+              <a:t>Allow the users to be able to communicate with the experts using a tool.</a:t>
             </a:r>
             <a:endParaRPr lang="en-US" dirty="0"/>
           </a:p>
@@ -23681,8 +24079,12 @@
           </a:p>
           <a:p>
             <a:r>
+              <a:rPr lang="en-US" dirty="0"/>
+              <a:t>Design </a:t>
+            </a:r>
+            <a:r>
               <a:rPr lang="en-US" dirty="0" smtClean="0"/>
-              <a:t>Design notes and status</a:t>
+              <a:t>notes and status</a:t>
             </a:r>
             <a:endParaRPr lang="en-US" dirty="0"/>
           </a:p>
@@ -23690,26 +24092,292 @@
             <a:pPr lvl="1"/>
             <a:r>
               <a:rPr lang="en-US" dirty="0" smtClean="0"/>
-              <a:t>SharePoint search and display templates will be used to achieve the end goal.</a:t>
-            </a:r>
-          </a:p>
-          <a:p>
+              <a:t>The solution will be replaced using the SharePoint People search</a:t>
+            </a:r>
+          </a:p>
+          <a:p>
+            <a:pPr lvl="1"/>
+            <a:r>
+              <a:rPr lang="en-US" dirty="0" smtClean="0"/>
+              <a:t>The People search will provide integration with Lync which can then be used to communicate with the expert using messaging or voice call.</a:t>
+            </a:r>
             <a:endParaRPr lang="en-US" dirty="0"/>
+          </a:p>
+          <a:p>
+            <a:endParaRPr lang="en-US" dirty="0"/>
+          </a:p>
+        </p:txBody>
+      </p:sp>
+      <p:sp>
+        <p:nvSpPr>
+          <p:cNvPr id="4" name="Text Placeholder 6"/>
+          <p:cNvSpPr txBox="1">
+            <a:spLocks/>
+          </p:cNvSpPr>
+          <p:nvPr/>
+        </p:nvSpPr>
+        <p:spPr>
+          <a:xfrm>
+            <a:off x="3173505" y="1243404"/>
+            <a:ext cx="8494619" cy="2043636"/>
+          </a:xfrm>
+          <a:prstGeom prst="rect">
+            <a:avLst/>
+          </a:prstGeom>
+        </p:spPr>
+        <p:txBody>
+          <a:bodyPr/>
+          <a:lstStyle>
+            <a:lvl1pPr marL="339725" marR="0" indent="-339725" algn="l" defTabSz="914363" rtl="0" eaLnBrk="1" fontAlgn="auto" latinLnBrk="0" hangingPunct="1">
+              <a:lnSpc>
+                <a:spcPct val="90000"/>
+              </a:lnSpc>
+              <a:spcBef>
+                <a:spcPct val="20000"/>
+              </a:spcBef>
+              <a:spcAft>
+                <a:spcPts val="0"/>
+              </a:spcAft>
+              <a:buClrTx/>
+              <a:buSzPct val="80000"/>
+              <a:buFont typeface="Arial" pitchFamily="34" charset="0"/>
+              <a:buChar char="•"/>
+              <a:tabLst/>
+              <a:defRPr sz="3600" kern="1200" spc="-70" baseline="0">
+                <a:gradFill>
+                  <a:gsLst>
+                    <a:gs pos="1250">
+                      <a:schemeClr val="bg2"/>
+                    </a:gs>
+                    <a:gs pos="100000">
+                      <a:schemeClr val="bg2"/>
+                    </a:gs>
+                  </a:gsLst>
+                  <a:lin ang="5400000" scaled="0"/>
+                </a:gradFill>
+                <a:latin typeface="+mj-lt"/>
+                <a:ea typeface="+mn-ea"/>
+                <a:cs typeface="+mn-cs"/>
+              </a:defRPr>
+            </a:lvl1pPr>
+            <a:lvl2pPr marL="573088" marR="0" indent="-233363" algn="l" defTabSz="914363" rtl="0" eaLnBrk="1" fontAlgn="auto" latinLnBrk="0" hangingPunct="1">
+              <a:lnSpc>
+                <a:spcPct val="90000"/>
+              </a:lnSpc>
+              <a:spcBef>
+                <a:spcPct val="20000"/>
+              </a:spcBef>
+              <a:spcAft>
+                <a:spcPts val="0"/>
+              </a:spcAft>
+              <a:buClrTx/>
+              <a:buSzPct val="90000"/>
+              <a:buFont typeface="Wingdings" pitchFamily="2" charset="2"/>
+              <a:buChar char=""/>
+              <a:tabLst/>
+              <a:defRPr sz="2400" kern="1200" spc="0" baseline="0">
+                <a:gradFill>
+                  <a:gsLst>
+                    <a:gs pos="1250">
+                      <a:schemeClr val="bg2"/>
+                    </a:gs>
+                    <a:gs pos="100000">
+                      <a:schemeClr val="bg2"/>
+                    </a:gs>
+                  </a:gsLst>
+                  <a:lin ang="5400000" scaled="0"/>
+                </a:gradFill>
+                <a:latin typeface="+mn-lt"/>
+                <a:ea typeface="+mn-ea"/>
+                <a:cs typeface="+mn-cs"/>
+              </a:defRPr>
+            </a:lvl2pPr>
+            <a:lvl3pPr marL="798513" marR="0" indent="-225425" algn="l" defTabSz="914363" rtl="0" eaLnBrk="1" fontAlgn="auto" latinLnBrk="0" hangingPunct="1">
+              <a:lnSpc>
+                <a:spcPct val="90000"/>
+              </a:lnSpc>
+              <a:spcBef>
+                <a:spcPct val="20000"/>
+              </a:spcBef>
+              <a:spcAft>
+                <a:spcPts val="0"/>
+              </a:spcAft>
+              <a:buClrTx/>
+              <a:buSzPct val="90000"/>
+              <a:buFont typeface="Wingdings" pitchFamily="2" charset="2"/>
+              <a:buChar char=""/>
+              <a:tabLst>
+                <a:tab pos="798513" algn="l"/>
+              </a:tabLst>
+              <a:defRPr sz="2400" kern="1200" spc="0" baseline="0">
+                <a:gradFill>
+                  <a:gsLst>
+                    <a:gs pos="1250">
+                      <a:schemeClr val="bg2"/>
+                    </a:gs>
+                    <a:gs pos="100000">
+                      <a:schemeClr val="bg2"/>
+                    </a:gs>
+                  </a:gsLst>
+                  <a:lin ang="5400000" scaled="0"/>
+                </a:gradFill>
+                <a:latin typeface="+mn-lt"/>
+                <a:ea typeface="+mn-ea"/>
+                <a:cs typeface="+mn-cs"/>
+              </a:defRPr>
+            </a:lvl3pPr>
+            <a:lvl4pPr marL="1030288" marR="0" indent="-231775" algn="l" defTabSz="914363" rtl="0" eaLnBrk="1" fontAlgn="auto" latinLnBrk="0" hangingPunct="1">
+              <a:lnSpc>
+                <a:spcPct val="90000"/>
+              </a:lnSpc>
+              <a:spcBef>
+                <a:spcPct val="20000"/>
+              </a:spcBef>
+              <a:spcAft>
+                <a:spcPts val="0"/>
+              </a:spcAft>
+              <a:buClrTx/>
+              <a:buSzPct val="90000"/>
+              <a:buFont typeface="Wingdings" pitchFamily="2" charset="2"/>
+              <a:buChar char=""/>
+              <a:tabLst/>
+              <a:defRPr sz="2000" kern="1200" spc="0" baseline="0">
+                <a:gradFill>
+                  <a:gsLst>
+                    <a:gs pos="1250">
+                      <a:schemeClr val="bg2"/>
+                    </a:gs>
+                    <a:gs pos="100000">
+                      <a:schemeClr val="bg2"/>
+                    </a:gs>
+                  </a:gsLst>
+                  <a:lin ang="5400000" scaled="0"/>
+                </a:gradFill>
+                <a:latin typeface="+mn-lt"/>
+                <a:ea typeface="+mn-ea"/>
+                <a:cs typeface="+mn-cs"/>
+              </a:defRPr>
+            </a:lvl4pPr>
+            <a:lvl5pPr marL="1255713" marR="0" indent="-225425" algn="l" defTabSz="914363" rtl="0" eaLnBrk="1" fontAlgn="auto" latinLnBrk="0" hangingPunct="1">
+              <a:lnSpc>
+                <a:spcPct val="90000"/>
+              </a:lnSpc>
+              <a:spcBef>
+                <a:spcPct val="20000"/>
+              </a:spcBef>
+              <a:spcAft>
+                <a:spcPts val="0"/>
+              </a:spcAft>
+              <a:buClrTx/>
+              <a:buSzPct val="90000"/>
+              <a:buFont typeface="Wingdings" pitchFamily="2" charset="2"/>
+              <a:buChar char=""/>
+              <a:tabLst>
+                <a:tab pos="1255713" algn="l"/>
+              </a:tabLst>
+              <a:defRPr sz="2000" kern="1200" spc="0" baseline="0">
+                <a:gradFill>
+                  <a:gsLst>
+                    <a:gs pos="1250">
+                      <a:schemeClr val="bg2"/>
+                    </a:gs>
+                    <a:gs pos="100000">
+                      <a:schemeClr val="bg2"/>
+                    </a:gs>
+                  </a:gsLst>
+                  <a:lin ang="5400000" scaled="0"/>
+                </a:gradFill>
+                <a:latin typeface="+mn-lt"/>
+                <a:ea typeface="+mn-ea"/>
+                <a:cs typeface="+mn-cs"/>
+              </a:defRPr>
+            </a:lvl5pPr>
+            <a:lvl6pPr marL="2514499" indent="-228591" algn="l" defTabSz="914363" rtl="0" eaLnBrk="1" latinLnBrk="0" hangingPunct="1">
+              <a:spcBef>
+                <a:spcPct val="20000"/>
+              </a:spcBef>
+              <a:buFont typeface="Arial" pitchFamily="34" charset="0"/>
+              <a:buChar char="•"/>
+              <a:defRPr sz="2000" kern="1200">
+                <a:solidFill>
+                  <a:schemeClr val="tx1"/>
+                </a:solidFill>
+                <a:latin typeface="+mn-lt"/>
+                <a:ea typeface="+mn-ea"/>
+                <a:cs typeface="+mn-cs"/>
+              </a:defRPr>
+            </a:lvl6pPr>
+            <a:lvl7pPr marL="2971681" indent="-228591" algn="l" defTabSz="914363" rtl="0" eaLnBrk="1" latinLnBrk="0" hangingPunct="1">
+              <a:spcBef>
+                <a:spcPct val="20000"/>
+              </a:spcBef>
+              <a:buFont typeface="Arial" pitchFamily="34" charset="0"/>
+              <a:buChar char="•"/>
+              <a:defRPr sz="2000" kern="1200">
+                <a:solidFill>
+                  <a:schemeClr val="tx1"/>
+                </a:solidFill>
+                <a:latin typeface="+mn-lt"/>
+                <a:ea typeface="+mn-ea"/>
+                <a:cs typeface="+mn-cs"/>
+              </a:defRPr>
+            </a:lvl7pPr>
+            <a:lvl8pPr marL="3428863" indent="-228591" algn="l" defTabSz="914363" rtl="0" eaLnBrk="1" latinLnBrk="0" hangingPunct="1">
+              <a:spcBef>
+                <a:spcPct val="20000"/>
+              </a:spcBef>
+              <a:buFont typeface="Arial" pitchFamily="34" charset="0"/>
+              <a:buChar char="•"/>
+              <a:defRPr sz="2000" kern="1200">
+                <a:solidFill>
+                  <a:schemeClr val="tx1"/>
+                </a:solidFill>
+                <a:latin typeface="+mn-lt"/>
+                <a:ea typeface="+mn-ea"/>
+                <a:cs typeface="+mn-cs"/>
+              </a:defRPr>
+            </a:lvl8pPr>
+            <a:lvl9pPr marL="3886045" indent="-228591" algn="l" defTabSz="914363" rtl="0" eaLnBrk="1" latinLnBrk="0" hangingPunct="1">
+              <a:spcBef>
+                <a:spcPct val="20000"/>
+              </a:spcBef>
+              <a:buFont typeface="Arial" pitchFamily="34" charset="0"/>
+              <a:buChar char="•"/>
+              <a:defRPr sz="2000" kern="1200">
+                <a:solidFill>
+                  <a:schemeClr val="tx1"/>
+                </a:solidFill>
+                <a:latin typeface="+mn-lt"/>
+                <a:ea typeface="+mn-ea"/>
+                <a:cs typeface="+mn-cs"/>
+              </a:defRPr>
+            </a:lvl9pPr>
+          </a:lstStyle>
+          <a:p>
+            <a:endParaRPr lang="en-US" dirty="0" smtClean="0">
+              <a:gradFill>
+                <a:gsLst>
+                  <a:gs pos="1250">
+                    <a:srgbClr val="797A7D"/>
+                  </a:gs>
+                  <a:gs pos="100000">
+                    <a:srgbClr val="797A7D"/>
+                  </a:gs>
+                </a:gsLst>
+                <a:lin ang="5400000" scaled="0"/>
+              </a:gradFill>
+            </a:endParaRPr>
           </a:p>
         </p:txBody>
       </p:sp>
       <p:graphicFrame>
         <p:nvGraphicFramePr>
-          <p:cNvPr id="3" name="Table 7"/>
+          <p:cNvPr id="6" name="Table 7"/>
           <p:cNvGraphicFramePr>
             <a:graphicFrameLocks noGrp="1"/>
           </p:cNvGraphicFramePr>
           <p:nvPr>
-            <p:extLst>
-              <p:ext uri="{D42A27DB-BD31-4B8C-83A1-F6EECF244321}">
-                <p14:modId xmlns:p14="http://schemas.microsoft.com/office/powerpoint/2010/main" val="3746458026"/>
-              </p:ext>
-            </p:extLst>
+            <p:extLst/>
           </p:nvPr>
         </p:nvGraphicFramePr>
         <p:xfrm>
@@ -23726,7 +24394,7 @@
                 <a:gridCol w="2373524">
                   <a:extLst>
                     <a:ext uri="{9D8B030D-6E8A-4147-A177-3AD203B41FA5}">
-                      <a16:colId xmlns="" xmlns:a16="http://schemas.microsoft.com/office/drawing/2014/main" val="20000"/>
+                      <a16:colId xmlns:a16="http://schemas.microsoft.com/office/drawing/2014/main" xmlns="" val="20000"/>
                     </a:ext>
                   </a:extLst>
                 </a:gridCol>
@@ -23739,8 +24407,8 @@
                     <a:p>
                       <a:pPr algn="ctr"/>
                       <a:r>
-                        <a:rPr lang="en-US" b="1" i="0" smtClean="0"/>
-                        <a:t>Location Finder</a:t>
+                        <a:rPr lang="en-US" b="1" i="0" dirty="0" smtClean="0"/>
+                        <a:t>Skill Finder</a:t>
                       </a:r>
                       <a:endParaRPr lang="nl-BE" b="1" i="0" dirty="0"/>
                     </a:p>
@@ -23789,7 +24457,7 @@
                 </a:tc>
                 <a:extLst>
                   <a:ext uri="{0D108BD9-81ED-4DB2-BD59-A6C34878D82A}">
-                    <a16:rowId xmlns="" xmlns:a16="http://schemas.microsoft.com/office/drawing/2014/main" val="10000"/>
+                    <a16:rowId xmlns:a16="http://schemas.microsoft.com/office/drawing/2014/main" xmlns="" val="10000"/>
                   </a:ext>
                 </a:extLst>
               </a:tr>
@@ -23850,7 +24518,507 @@
                 </a:tc>
                 <a:extLst>
                   <a:ext uri="{0D108BD9-81ED-4DB2-BD59-A6C34878D82A}">
-                    <a16:rowId xmlns="" xmlns:a16="http://schemas.microsoft.com/office/drawing/2014/main" val="10001"/>
+                    <a16:rowId xmlns:a16="http://schemas.microsoft.com/office/drawing/2014/main" xmlns="" val="10001"/>
+                  </a:ext>
+                </a:extLst>
+              </a:tr>
+              <a:tr h="370840">
+                <a:tc>
+                  <a:txBody>
+                    <a:bodyPr/>
+                    <a:lstStyle/>
+                    <a:p>
+                      <a:pPr algn="ctr"/>
+                      <a:r>
+                        <a:rPr lang="en-US" dirty="0" smtClean="0">
+                          <a:solidFill>
+                            <a:schemeClr val="bg1"/>
+                          </a:solidFill>
+                        </a:rPr>
+                        <a:t>Medium</a:t>
+                      </a:r>
+                      <a:endParaRPr lang="nl-BE" dirty="0">
+                        <a:solidFill>
+                          <a:schemeClr val="bg1"/>
+                        </a:solidFill>
+                      </a:endParaRPr>
+                    </a:p>
+                  </a:txBody>
+                  <a:tcPr>
+                    <a:lnL w="12700" cap="flat" cmpd="sng" algn="ctr">
+                      <a:solidFill>
+                        <a:schemeClr val="tx1"/>
+                      </a:solidFill>
+                      <a:prstDash val="solid"/>
+                      <a:round/>
+                      <a:headEnd type="none" w="med" len="med"/>
+                      <a:tailEnd type="none" w="med" len="med"/>
+                    </a:lnL>
+                    <a:lnR w="12700" cap="flat" cmpd="sng" algn="ctr">
+                      <a:solidFill>
+                        <a:schemeClr val="tx1"/>
+                      </a:solidFill>
+                      <a:prstDash val="solid"/>
+                      <a:round/>
+                      <a:headEnd type="none" w="med" len="med"/>
+                      <a:tailEnd type="none" w="med" len="med"/>
+                    </a:lnR>
+                    <a:lnT w="12700" cap="flat" cmpd="sng" algn="ctr">
+                      <a:solidFill>
+                        <a:schemeClr val="tx1"/>
+                      </a:solidFill>
+                      <a:prstDash val="solid"/>
+                      <a:round/>
+                      <a:headEnd type="none" w="med" len="med"/>
+                      <a:tailEnd type="none" w="med" len="med"/>
+                    </a:lnT>
+                    <a:lnB w="12700" cap="flat" cmpd="sng" algn="ctr">
+                      <a:solidFill>
+                        <a:schemeClr val="tx1"/>
+                      </a:solidFill>
+                      <a:prstDash val="solid"/>
+                      <a:round/>
+                      <a:headEnd type="none" w="med" len="med"/>
+                      <a:tailEnd type="none" w="med" len="med"/>
+                    </a:lnB>
+                    <a:solidFill>
+                      <a:srgbClr val="FFC000"/>
+                    </a:solidFill>
+                  </a:tcPr>
+                </a:tc>
+                <a:extLst>
+                  <a:ext uri="{0D108BD9-81ED-4DB2-BD59-A6C34878D82A}">
+                    <a16:rowId xmlns:a16="http://schemas.microsoft.com/office/drawing/2014/main" xmlns="" val="10002"/>
+                  </a:ext>
+                </a:extLst>
+              </a:tr>
+              <a:tr h="370840">
+                <a:tc>
+                  <a:txBody>
+                    <a:bodyPr/>
+                    <a:lstStyle/>
+                    <a:p>
+                      <a:pPr marL="0" marR="0" indent="0" algn="l" defTabSz="914363" rtl="0" eaLnBrk="1" fontAlgn="auto" latinLnBrk="0" hangingPunct="1">
+                        <a:lnSpc>
+                          <a:spcPct val="100000"/>
+                        </a:lnSpc>
+                        <a:spcBef>
+                          <a:spcPts val="0"/>
+                        </a:spcBef>
+                        <a:spcAft>
+                          <a:spcPts val="0"/>
+                        </a:spcAft>
+                        <a:buClrTx/>
+                        <a:buSzTx/>
+                        <a:buFont typeface="Arial" panose="020B0604020202020204" pitchFamily="34" charset="0"/>
+                        <a:buNone/>
+                        <a:tabLst/>
+                        <a:defRPr/>
+                      </a:pPr>
+                      <a:r>
+                        <a:rPr lang="en-US" i="1" dirty="0" smtClean="0"/>
+                        <a:t>Owner: Contoso</a:t>
+                      </a:r>
+                      <a:endParaRPr lang="nl-BE" i="1" dirty="0" smtClean="0"/>
+                    </a:p>
+                  </a:txBody>
+                  <a:tcPr>
+                    <a:lnL w="12700" cap="flat" cmpd="sng" algn="ctr">
+                      <a:solidFill>
+                        <a:schemeClr val="tx1"/>
+                      </a:solidFill>
+                      <a:prstDash val="solid"/>
+                      <a:round/>
+                      <a:headEnd type="none" w="med" len="med"/>
+                      <a:tailEnd type="none" w="med" len="med"/>
+                    </a:lnL>
+                    <a:lnR w="12700" cap="flat" cmpd="sng" algn="ctr">
+                      <a:solidFill>
+                        <a:schemeClr val="tx1"/>
+                      </a:solidFill>
+                      <a:prstDash val="solid"/>
+                      <a:round/>
+                      <a:headEnd type="none" w="med" len="med"/>
+                      <a:tailEnd type="none" w="med" len="med"/>
+                    </a:lnR>
+                    <a:lnT w="12700" cap="flat" cmpd="sng" algn="ctr">
+                      <a:solidFill>
+                        <a:schemeClr val="tx1"/>
+                      </a:solidFill>
+                      <a:prstDash val="solid"/>
+                      <a:round/>
+                      <a:headEnd type="none" w="med" len="med"/>
+                      <a:tailEnd type="none" w="med" len="med"/>
+                    </a:lnT>
+                    <a:lnB w="12700" cap="flat" cmpd="sng" algn="ctr">
+                      <a:solidFill>
+                        <a:schemeClr val="tx1"/>
+                      </a:solidFill>
+                      <a:prstDash val="solid"/>
+                      <a:round/>
+                      <a:headEnd type="none" w="med" len="med"/>
+                      <a:tailEnd type="none" w="med" len="med"/>
+                    </a:lnB>
+                    <a:solidFill>
+                      <a:schemeClr val="bg1"/>
+                    </a:solidFill>
+                  </a:tcPr>
+                </a:tc>
+                <a:extLst>
+                  <a:ext uri="{0D108BD9-81ED-4DB2-BD59-A6C34878D82A}">
+                    <a16:rowId xmlns:a16="http://schemas.microsoft.com/office/drawing/2014/main" xmlns="" val="10007"/>
+                  </a:ext>
+                </a:extLst>
+              </a:tr>
+            </a:tbl>
+          </a:graphicData>
+        </a:graphic>
+      </p:graphicFrame>
+      <p:sp>
+        <p:nvSpPr>
+          <p:cNvPr id="3" name="Rectangle 2"/>
+          <p:cNvSpPr/>
+          <p:nvPr/>
+        </p:nvSpPr>
+        <p:spPr>
+          <a:xfrm>
+            <a:off x="230528" y="2003612"/>
+            <a:ext cx="1580882" cy="523220"/>
+          </a:xfrm>
+          <a:prstGeom prst="rect">
+            <a:avLst/>
+          </a:prstGeom>
+        </p:spPr>
+        <p:txBody>
+          <a:bodyPr wrap="none">
+            <a:spAutoFit/>
+          </a:bodyPr>
+          <a:lstStyle/>
+          <a:p>
+            <a:pPr algn="ctr"/>
+            <a:r>
+              <a:rPr lang="en-US" sz="2800" b="1" dirty="0" err="1" smtClean="0">
+                <a:solidFill>
+                  <a:srgbClr val="000000"/>
+                </a:solidFill>
+                <a:latin typeface="Berlin Sans FB" panose="020E0602020502020306" pitchFamily="34" charset="0"/>
+              </a:rPr>
+              <a:t>TailSpin</a:t>
+            </a:r>
+            <a:endParaRPr lang="nl-BE" sz="2800" b="1" dirty="0">
+              <a:solidFill>
+                <a:srgbClr val="000000"/>
+              </a:solidFill>
+              <a:latin typeface="Berlin Sans FB" panose="020E0602020502020306" pitchFamily="34" charset="0"/>
+            </a:endParaRPr>
+          </a:p>
+        </p:txBody>
+      </p:sp>
+    </p:spTree>
+    <p:extLst>
+      <p:ext uri="{BB962C8B-B14F-4D97-AF65-F5344CB8AC3E}">
+        <p14:creationId xmlns:p14="http://schemas.microsoft.com/office/powerpoint/2010/main" val="1160665999"/>
+      </p:ext>
+    </p:extLst>
+  </p:cSld>
+  <p:clrMapOvr>
+    <a:masterClrMapping/>
+  </p:clrMapOvr>
+  <p:transition>
+    <p:fade/>
+  </p:transition>
+  <p:timing>
+    <p:tnLst>
+      <p:par>
+        <p:cTn id="1" dur="indefinite" restart="never" nodeType="tmRoot"/>
+      </p:par>
+    </p:tnLst>
+  </p:timing>
+</p:sld>
+</file>
+
+<file path=ppt/slides/slide19.xml><?xml version="1.0" encoding="utf-8"?>
+<p:sld xmlns:a="http://schemas.openxmlformats.org/drawingml/2006/main" xmlns:r="http://schemas.openxmlformats.org/officeDocument/2006/relationships" xmlns:p="http://schemas.openxmlformats.org/presentationml/2006/main">
+  <p:cSld>
+    <p:spTree>
+      <p:nvGrpSpPr>
+        <p:cNvPr id="1" name=""/>
+        <p:cNvGrpSpPr/>
+        <p:nvPr/>
+      </p:nvGrpSpPr>
+      <p:grpSpPr>
+        <a:xfrm>
+          <a:off x="0" y="0"/>
+          <a:ext cx="0" cy="0"/>
+          <a:chOff x="0" y="0"/>
+          <a:chExt cx="0" cy="0"/>
+        </a:xfrm>
+      </p:grpSpPr>
+      <p:sp>
+        <p:nvSpPr>
+          <p:cNvPr id="2" name="Title 1"/>
+          <p:cNvSpPr>
+            <a:spLocks noGrp="1"/>
+          </p:cNvSpPr>
+          <p:nvPr>
+            <p:ph type="title"/>
+          </p:nvPr>
+        </p:nvSpPr>
+        <p:spPr/>
+        <p:txBody>
+          <a:bodyPr/>
+          <a:lstStyle/>
+          <a:p>
+            <a:r>
+              <a:rPr lang="nl-BE" dirty="0" smtClean="0"/>
+              <a:t>Location Finder </a:t>
+            </a:r>
+            <a:endParaRPr lang="nl-BE" dirty="0"/>
+          </a:p>
+        </p:txBody>
+      </p:sp>
+      <p:sp>
+        <p:nvSpPr>
+          <p:cNvPr id="11" name="Text Placeholder 10"/>
+          <p:cNvSpPr>
+            <a:spLocks noGrp="1"/>
+          </p:cNvSpPr>
+          <p:nvPr>
+            <p:ph type="body" sz="quarter" idx="10"/>
+          </p:nvPr>
+        </p:nvSpPr>
+        <p:spPr>
+          <a:xfrm>
+            <a:off x="3173506" y="1447799"/>
+            <a:ext cx="8494619" cy="4619626"/>
+          </a:xfrm>
+        </p:spPr>
+        <p:txBody>
+          <a:bodyPr/>
+          <a:lstStyle/>
+          <a:p>
+            <a:r>
+              <a:rPr lang="en-US" dirty="0"/>
+              <a:t>High level requirements:</a:t>
+            </a:r>
+          </a:p>
+          <a:p>
+            <a:pPr lvl="1"/>
+            <a:r>
+              <a:rPr lang="en-US" dirty="0" smtClean="0"/>
+              <a:t>Should allow users to search for </a:t>
+            </a:r>
+            <a:r>
+              <a:rPr lang="en-US" dirty="0" err="1" smtClean="0"/>
+              <a:t>Fabrikam</a:t>
+            </a:r>
+            <a:r>
+              <a:rPr lang="en-US" dirty="0" smtClean="0"/>
+              <a:t> outlets</a:t>
+            </a:r>
+          </a:p>
+          <a:p>
+            <a:pPr lvl="1"/>
+            <a:r>
+              <a:rPr lang="en-US" dirty="0" smtClean="0"/>
+              <a:t>Should map the locations on interactive Bing Map</a:t>
+            </a:r>
+            <a:endParaRPr lang="en-US" dirty="0"/>
+          </a:p>
+          <a:p>
+            <a:pPr lvl="1"/>
+            <a:endParaRPr lang="en-US" dirty="0" smtClean="0"/>
+          </a:p>
+          <a:p>
+            <a:r>
+              <a:rPr lang="en-US" dirty="0"/>
+              <a:t>Migration:</a:t>
+            </a:r>
+          </a:p>
+          <a:p>
+            <a:pPr lvl="1"/>
+            <a:r>
+              <a:rPr lang="en-US" dirty="0" smtClean="0"/>
+              <a:t>Use search display templates to return search results.</a:t>
+            </a:r>
+            <a:endParaRPr lang="en-US" dirty="0"/>
+          </a:p>
+          <a:p>
+            <a:pPr lvl="1"/>
+            <a:endParaRPr lang="en-US" dirty="0"/>
+          </a:p>
+          <a:p>
+            <a:r>
+              <a:rPr lang="en-US" dirty="0" smtClean="0"/>
+              <a:t>Design notes and status</a:t>
+            </a:r>
+            <a:endParaRPr lang="en-US" dirty="0"/>
+          </a:p>
+          <a:p>
+            <a:pPr lvl="1"/>
+            <a:r>
+              <a:rPr lang="en-US" dirty="0" smtClean="0"/>
+              <a:t>SharePoint search and display templates will be used to achieve the end goal.</a:t>
+            </a:r>
+          </a:p>
+          <a:p>
+            <a:endParaRPr lang="en-US" dirty="0"/>
+          </a:p>
+        </p:txBody>
+      </p:sp>
+      <p:graphicFrame>
+        <p:nvGraphicFramePr>
+          <p:cNvPr id="3" name="Table 7"/>
+          <p:cNvGraphicFramePr>
+            <a:graphicFrameLocks noGrp="1"/>
+          </p:cNvGraphicFramePr>
+          <p:nvPr>
+            <p:extLst>
+              <p:ext uri="{D42A27DB-BD31-4B8C-83A1-F6EECF244321}">
+                <p14:modId xmlns:p14="http://schemas.microsoft.com/office/powerpoint/2010/main" val="3746458026"/>
+              </p:ext>
+            </p:extLst>
+          </p:nvPr>
+        </p:nvGraphicFramePr>
+        <p:xfrm>
+          <a:off x="291646" y="425158"/>
+          <a:ext cx="2373524" cy="1483360"/>
+        </p:xfrm>
+        <a:graphic>
+          <a:graphicData uri="http://schemas.openxmlformats.org/drawingml/2006/table">
+            <a:tbl>
+              <a:tblPr>
+                <a:tableStyleId>{2D5ABB26-0587-4C30-8999-92F81FD0307C}</a:tableStyleId>
+              </a:tblPr>
+              <a:tblGrid>
+                <a:gridCol w="2373524">
+                  <a:extLst>
+                    <a:ext uri="{9D8B030D-6E8A-4147-A177-3AD203B41FA5}">
+                      <a16:colId xmlns:a16="http://schemas.microsoft.com/office/drawing/2014/main" xmlns="" val="20000"/>
+                    </a:ext>
+                  </a:extLst>
+                </a:gridCol>
+              </a:tblGrid>
+              <a:tr h="370840">
+                <a:tc>
+                  <a:txBody>
+                    <a:bodyPr/>
+                    <a:lstStyle/>
+                    <a:p>
+                      <a:pPr algn="ctr"/>
+                      <a:r>
+                        <a:rPr lang="en-US" b="1" i="0" dirty="0" smtClean="0"/>
+                        <a:t>Location Finder</a:t>
+                      </a:r>
+                      <a:endParaRPr lang="nl-BE" b="1" i="0" dirty="0"/>
+                    </a:p>
+                  </a:txBody>
+                  <a:tcPr>
+                    <a:lnL w="12700" cap="flat" cmpd="sng" algn="ctr">
+                      <a:solidFill>
+                        <a:schemeClr val="tx1"/>
+                      </a:solidFill>
+                      <a:prstDash val="solid"/>
+                      <a:round/>
+                      <a:headEnd type="none" w="med" len="med"/>
+                      <a:tailEnd type="none" w="med" len="med"/>
+                    </a:lnL>
+                    <a:lnR w="12700" cap="flat" cmpd="sng" algn="ctr">
+                      <a:solidFill>
+                        <a:schemeClr val="tx1"/>
+                      </a:solidFill>
+                      <a:prstDash val="solid"/>
+                      <a:round/>
+                      <a:headEnd type="none" w="med" len="med"/>
+                      <a:tailEnd type="none" w="med" len="med"/>
+                    </a:lnR>
+                    <a:lnT w="12700" cap="flat" cmpd="sng" algn="ctr">
+                      <a:solidFill>
+                        <a:schemeClr val="tx1"/>
+                      </a:solidFill>
+                      <a:prstDash val="solid"/>
+                      <a:round/>
+                      <a:headEnd type="none" w="med" len="med"/>
+                      <a:tailEnd type="none" w="med" len="med"/>
+                    </a:lnT>
+                    <a:lnB w="12700" cap="flat" cmpd="sng" algn="ctr">
+                      <a:solidFill>
+                        <a:schemeClr val="tx1"/>
+                      </a:solidFill>
+                      <a:prstDash val="solid"/>
+                      <a:round/>
+                      <a:headEnd type="none" w="med" len="med"/>
+                      <a:tailEnd type="none" w="med" len="med"/>
+                    </a:lnB>
+                    <a:solidFill>
+                      <a:schemeClr val="bg1"/>
+                    </a:solidFill>
+                  </a:tcPr>
+                </a:tc>
+                <a:extLst>
+                  <a:ext uri="{0D108BD9-81ED-4DB2-BD59-A6C34878D82A}">
+                    <a16:rowId xmlns:a16="http://schemas.microsoft.com/office/drawing/2014/main" xmlns="" val="10000"/>
+                  </a:ext>
+                </a:extLst>
+              </a:tr>
+              <a:tr h="370840">
+                <a:tc>
+                  <a:txBody>
+                    <a:bodyPr/>
+                    <a:lstStyle/>
+                    <a:p>
+                      <a:r>
+                        <a:rPr lang="en-US" i="1" dirty="0" smtClean="0"/>
+                        <a:t>Complexity:</a:t>
+                      </a:r>
+                      <a:endParaRPr lang="nl-BE" i="1" dirty="0"/>
+                    </a:p>
+                  </a:txBody>
+                  <a:tcPr>
+                    <a:lnL w="12700" cap="flat" cmpd="sng" algn="ctr">
+                      <a:solidFill>
+                        <a:schemeClr val="tx1"/>
+                      </a:solidFill>
+                      <a:prstDash val="solid"/>
+                      <a:round/>
+                      <a:headEnd type="none" w="med" len="med"/>
+                      <a:tailEnd type="none" w="med" len="med"/>
+                    </a:lnL>
+                    <a:lnR w="12700" cap="flat" cmpd="sng" algn="ctr">
+                      <a:solidFill>
+                        <a:schemeClr val="tx1"/>
+                      </a:solidFill>
+                      <a:prstDash val="solid"/>
+                      <a:round/>
+                      <a:headEnd type="none" w="med" len="med"/>
+                      <a:tailEnd type="none" w="med" len="med"/>
+                    </a:lnR>
+                    <a:lnT w="12700" cap="flat" cmpd="sng" algn="ctr">
+                      <a:solidFill>
+                        <a:schemeClr val="tx1"/>
+                      </a:solidFill>
+                      <a:prstDash val="solid"/>
+                      <a:round/>
+                      <a:headEnd type="none" w="med" len="med"/>
+                      <a:tailEnd type="none" w="med" len="med"/>
+                    </a:lnT>
+                    <a:lnB w="12700" cap="flat" cmpd="sng" algn="ctr">
+                      <a:solidFill>
+                        <a:schemeClr val="tx1"/>
+                      </a:solidFill>
+                      <a:prstDash val="solid"/>
+                      <a:round/>
+                      <a:headEnd type="none" w="med" len="med"/>
+                      <a:tailEnd type="none" w="med" len="med"/>
+                    </a:lnB>
+                    <a:solidFill>
+                      <a:schemeClr val="bg1"/>
+                    </a:solidFill>
+                  </a:tcPr>
+                </a:tc>
+                <a:extLst>
+                  <a:ext uri="{0D108BD9-81ED-4DB2-BD59-A6C34878D82A}">
+                    <a16:rowId xmlns:a16="http://schemas.microsoft.com/office/drawing/2014/main" xmlns="" val="10001"/>
                   </a:ext>
                 </a:extLst>
               </a:tr>
@@ -23928,7 +25096,7 @@
                 </a:tc>
                 <a:extLst>
                   <a:ext uri="{0D108BD9-81ED-4DB2-BD59-A6C34878D82A}">
-                    <a16:rowId xmlns="" xmlns:a16="http://schemas.microsoft.com/office/drawing/2014/main" val="10002"/>
+                    <a16:rowId xmlns:a16="http://schemas.microsoft.com/office/drawing/2014/main" xmlns="" val="10002"/>
                   </a:ext>
                 </a:extLst>
               </a:tr>
@@ -24010,7 +25178,7 @@
                 </a:tc>
                 <a:extLst>
                   <a:ext uri="{0D108BD9-81ED-4DB2-BD59-A6C34878D82A}">
-                    <a16:rowId xmlns="" xmlns:a16="http://schemas.microsoft.com/office/drawing/2014/main" val="10007"/>
+                    <a16:rowId xmlns:a16="http://schemas.microsoft.com/office/drawing/2014/main" xmlns="" val="10007"/>
                   </a:ext>
                 </a:extLst>
               </a:tr>
@@ -24344,7 +25512,126 @@
 </p:sld>
 </file>
 
-<file path=ppt/slides/slide19.xml><?xml version="1.0" encoding="utf-8"?>
+<file path=ppt/slides/slide2.xml><?xml version="1.0" encoding="utf-8"?>
+<p:sld xmlns:a="http://schemas.openxmlformats.org/drawingml/2006/main" xmlns:r="http://schemas.openxmlformats.org/officeDocument/2006/relationships" xmlns:p="http://schemas.openxmlformats.org/presentationml/2006/main">
+  <p:cSld>
+    <p:spTree>
+      <p:nvGrpSpPr>
+        <p:cNvPr id="1" name=""/>
+        <p:cNvGrpSpPr/>
+        <p:nvPr/>
+      </p:nvGrpSpPr>
+      <p:grpSpPr>
+        <a:xfrm>
+          <a:off x="0" y="0"/>
+          <a:ext cx="0" cy="0"/>
+          <a:chOff x="0" y="0"/>
+          <a:chExt cx="0" cy="0"/>
+        </a:xfrm>
+      </p:grpSpPr>
+      <p:sp>
+        <p:nvSpPr>
+          <p:cNvPr id="6" name="Title 5"/>
+          <p:cNvSpPr>
+            <a:spLocks noGrp="1"/>
+          </p:cNvSpPr>
+          <p:nvPr>
+            <p:ph type="title"/>
+          </p:nvPr>
+        </p:nvSpPr>
+        <p:spPr/>
+        <p:txBody>
+          <a:bodyPr/>
+          <a:lstStyle/>
+          <a:p>
+            <a:r>
+              <a:rPr lang="en-US" dirty="0" smtClean="0"/>
+              <a:t>Agenda</a:t>
+            </a:r>
+            <a:endParaRPr lang="en-US" dirty="0"/>
+          </a:p>
+        </p:txBody>
+      </p:sp>
+      <p:sp>
+        <p:nvSpPr>
+          <p:cNvPr id="8" name="Text Placeholder 7"/>
+          <p:cNvSpPr>
+            <a:spLocks noGrp="1"/>
+          </p:cNvSpPr>
+          <p:nvPr>
+            <p:ph type="body" sz="quarter" idx="10"/>
+          </p:nvPr>
+        </p:nvSpPr>
+        <p:spPr/>
+        <p:txBody>
+          <a:bodyPr/>
+          <a:lstStyle/>
+          <a:p>
+            <a:r>
+              <a:rPr lang="en-US" dirty="0" smtClean="0"/>
+              <a:t>Assessment summary</a:t>
+            </a:r>
+          </a:p>
+          <a:p>
+            <a:r>
+              <a:rPr lang="en-US" dirty="0" smtClean="0"/>
+              <a:t>Solutions that will be redesigned</a:t>
+            </a:r>
+          </a:p>
+          <a:p>
+            <a:pPr lvl="1"/>
+            <a:r>
+              <a:rPr lang="en-US" dirty="0" smtClean="0"/>
+              <a:t>Detailed approach per solution</a:t>
+            </a:r>
+          </a:p>
+          <a:p>
+            <a:r>
+              <a:rPr lang="en-US" dirty="0" smtClean="0"/>
+              <a:t>Support for the app transformation</a:t>
+            </a:r>
+          </a:p>
+          <a:p>
+            <a:pPr lvl="1"/>
+            <a:r>
+              <a:rPr lang="en-US" dirty="0" smtClean="0"/>
+              <a:t>Roles and involved people</a:t>
+            </a:r>
+          </a:p>
+          <a:p>
+            <a:pPr lvl="1"/>
+            <a:r>
+              <a:rPr lang="en-US" dirty="0" smtClean="0"/>
+              <a:t>Responsibilities on both sides</a:t>
+            </a:r>
+            <a:endParaRPr lang="en-US" dirty="0"/>
+          </a:p>
+        </p:txBody>
+      </p:sp>
+    </p:spTree>
+    <p:extLst>
+      <p:ext uri="{BB962C8B-B14F-4D97-AF65-F5344CB8AC3E}">
+        <p14:creationId xmlns:p14="http://schemas.microsoft.com/office/powerpoint/2010/main" val="3168679415"/>
+      </p:ext>
+    </p:extLst>
+  </p:cSld>
+  <p:clrMapOvr>
+    <a:masterClrMapping/>
+  </p:clrMapOvr>
+  <p:transition>
+    <p:fade/>
+  </p:transition>
+  <p:timing>
+    <p:tnLst>
+      <p:par>
+        <p:cTn id="1" dur="indefinite" restart="never" nodeType="tmRoot"/>
+      </p:par>
+    </p:tnLst>
+  </p:timing>
+</p:sld>
+</file>
+
+<file path=ppt/slides/slide20.xml><?xml version="1.0" encoding="utf-8"?>
 <p:sld xmlns:a="http://schemas.openxmlformats.org/drawingml/2006/main" xmlns:r="http://schemas.openxmlformats.org/officeDocument/2006/relationships" xmlns:p="http://schemas.openxmlformats.org/presentationml/2006/main">
   <p:cSld>
     <p:spTree>
@@ -24451,11 +25738,7 @@
             <a:pPr lvl="1"/>
             <a:r>
               <a:rPr lang="en-US" dirty="0" smtClean="0"/>
-              <a:t>Provide </a:t>
-            </a:r>
-            <a:r>
-              <a:rPr lang="en-US" dirty="0" smtClean="0"/>
-              <a:t>information on popular content</a:t>
+              <a:t>Provide information on popular content</a:t>
             </a:r>
             <a:endParaRPr lang="en-US" dirty="0"/>
           </a:p>
@@ -24788,7 +26071,7 @@
                 <a:gridCol w="2743200">
                   <a:extLst>
                     <a:ext uri="{9D8B030D-6E8A-4147-A177-3AD203B41FA5}">
-                      <a16:colId xmlns="" xmlns:a16="http://schemas.microsoft.com/office/drawing/2014/main" val="20000"/>
+                      <a16:colId xmlns:a16="http://schemas.microsoft.com/office/drawing/2014/main" xmlns="" val="20000"/>
                     </a:ext>
                   </a:extLst>
                 </a:gridCol>
@@ -24851,7 +26134,7 @@
                 </a:tc>
                 <a:extLst>
                   <a:ext uri="{0D108BD9-81ED-4DB2-BD59-A6C34878D82A}">
-                    <a16:rowId xmlns="" xmlns:a16="http://schemas.microsoft.com/office/drawing/2014/main" val="10000"/>
+                    <a16:rowId xmlns:a16="http://schemas.microsoft.com/office/drawing/2014/main" xmlns="" val="10000"/>
                   </a:ext>
                 </a:extLst>
               </a:tr>
@@ -24912,7 +26195,7 @@
                 </a:tc>
                 <a:extLst>
                   <a:ext uri="{0D108BD9-81ED-4DB2-BD59-A6C34878D82A}">
-                    <a16:rowId xmlns="" xmlns:a16="http://schemas.microsoft.com/office/drawing/2014/main" val="10001"/>
+                    <a16:rowId xmlns:a16="http://schemas.microsoft.com/office/drawing/2014/main" xmlns="" val="10001"/>
                   </a:ext>
                 </a:extLst>
               </a:tr>
@@ -24982,7 +26265,7 @@
                 </a:tc>
                 <a:extLst>
                   <a:ext uri="{0D108BD9-81ED-4DB2-BD59-A6C34878D82A}">
-                    <a16:rowId xmlns="" xmlns:a16="http://schemas.microsoft.com/office/drawing/2014/main" val="10002"/>
+                    <a16:rowId xmlns:a16="http://schemas.microsoft.com/office/drawing/2014/main" xmlns="" val="10002"/>
                   </a:ext>
                 </a:extLst>
               </a:tr>
@@ -25064,7 +26347,7 @@
                 </a:tc>
                 <a:extLst>
                   <a:ext uri="{0D108BD9-81ED-4DB2-BD59-A6C34878D82A}">
-                    <a16:rowId xmlns="" xmlns:a16="http://schemas.microsoft.com/office/drawing/2014/main" val="10007"/>
+                    <a16:rowId xmlns:a16="http://schemas.microsoft.com/office/drawing/2014/main" xmlns="" val="10007"/>
                   </a:ext>
                 </a:extLst>
               </a:tr>
@@ -25135,126 +26418,7 @@
 </p:sld>
 </file>
 
-<file path=ppt/slides/slide2.xml><?xml version="1.0" encoding="utf-8"?>
-<p:sld xmlns:a="http://schemas.openxmlformats.org/drawingml/2006/main" xmlns:r="http://schemas.openxmlformats.org/officeDocument/2006/relationships" xmlns:p="http://schemas.openxmlformats.org/presentationml/2006/main">
-  <p:cSld>
-    <p:spTree>
-      <p:nvGrpSpPr>
-        <p:cNvPr id="1" name=""/>
-        <p:cNvGrpSpPr/>
-        <p:nvPr/>
-      </p:nvGrpSpPr>
-      <p:grpSpPr>
-        <a:xfrm>
-          <a:off x="0" y="0"/>
-          <a:ext cx="0" cy="0"/>
-          <a:chOff x="0" y="0"/>
-          <a:chExt cx="0" cy="0"/>
-        </a:xfrm>
-      </p:grpSpPr>
-      <p:sp>
-        <p:nvSpPr>
-          <p:cNvPr id="6" name="Title 5"/>
-          <p:cNvSpPr>
-            <a:spLocks noGrp="1"/>
-          </p:cNvSpPr>
-          <p:nvPr>
-            <p:ph type="title"/>
-          </p:nvPr>
-        </p:nvSpPr>
-        <p:spPr/>
-        <p:txBody>
-          <a:bodyPr/>
-          <a:lstStyle/>
-          <a:p>
-            <a:r>
-              <a:rPr lang="en-US" dirty="0" smtClean="0"/>
-              <a:t>Agenda</a:t>
-            </a:r>
-            <a:endParaRPr lang="en-US" dirty="0"/>
-          </a:p>
-        </p:txBody>
-      </p:sp>
-      <p:sp>
-        <p:nvSpPr>
-          <p:cNvPr id="8" name="Text Placeholder 7"/>
-          <p:cNvSpPr>
-            <a:spLocks noGrp="1"/>
-          </p:cNvSpPr>
-          <p:nvPr>
-            <p:ph type="body" sz="quarter" idx="10"/>
-          </p:nvPr>
-        </p:nvSpPr>
-        <p:spPr/>
-        <p:txBody>
-          <a:bodyPr/>
-          <a:lstStyle/>
-          <a:p>
-            <a:r>
-              <a:rPr lang="en-US" dirty="0" smtClean="0"/>
-              <a:t>Assessment summary</a:t>
-            </a:r>
-          </a:p>
-          <a:p>
-            <a:r>
-              <a:rPr lang="en-US" dirty="0" smtClean="0"/>
-              <a:t>Solutions that will be redesigned</a:t>
-            </a:r>
-          </a:p>
-          <a:p>
-            <a:pPr lvl="1"/>
-            <a:r>
-              <a:rPr lang="en-US" dirty="0" smtClean="0"/>
-              <a:t>Detailed approach per solution</a:t>
-            </a:r>
-          </a:p>
-          <a:p>
-            <a:r>
-              <a:rPr lang="en-US" dirty="0" smtClean="0"/>
-              <a:t>Support for the app transformation</a:t>
-            </a:r>
-          </a:p>
-          <a:p>
-            <a:pPr lvl="1"/>
-            <a:r>
-              <a:rPr lang="en-US" dirty="0" smtClean="0"/>
-              <a:t>Roles and involved people</a:t>
-            </a:r>
-          </a:p>
-          <a:p>
-            <a:pPr lvl="1"/>
-            <a:r>
-              <a:rPr lang="en-US" dirty="0" smtClean="0"/>
-              <a:t>Responsibilities on both sides</a:t>
-            </a:r>
-            <a:endParaRPr lang="en-US" dirty="0"/>
-          </a:p>
-        </p:txBody>
-      </p:sp>
-    </p:spTree>
-    <p:extLst>
-      <p:ext uri="{BB962C8B-B14F-4D97-AF65-F5344CB8AC3E}">
-        <p14:creationId xmlns:p14="http://schemas.microsoft.com/office/powerpoint/2010/main" val="3168679415"/>
-      </p:ext>
-    </p:extLst>
-  </p:cSld>
-  <p:clrMapOvr>
-    <a:masterClrMapping/>
-  </p:clrMapOvr>
-  <p:transition>
-    <p:fade/>
-  </p:transition>
-  <p:timing>
-    <p:tnLst>
-      <p:par>
-        <p:cTn id="1" dur="indefinite" restart="never" nodeType="tmRoot"/>
-      </p:par>
-    </p:tnLst>
-  </p:timing>
-</p:sld>
-</file>
-
-<file path=ppt/slides/slide20.xml><?xml version="1.0" encoding="utf-8"?>
+<file path=ppt/slides/slide21.xml><?xml version="1.0" encoding="utf-8"?>
 <p:sld xmlns:a="http://schemas.openxmlformats.org/drawingml/2006/main" xmlns:r="http://schemas.openxmlformats.org/officeDocument/2006/relationships" xmlns:p="http://schemas.openxmlformats.org/presentationml/2006/main">
   <p:cSld>
     <p:spTree>
@@ -26665,7 +27829,7 @@
 </p:sld>
 </file>
 
-<file path=ppt/slides/slide21.xml><?xml version="1.0" encoding="utf-8"?>
+<file path=ppt/slides/slide22.xml><?xml version="1.0" encoding="utf-8"?>
 <p:sld xmlns:a="http://schemas.openxmlformats.org/drawingml/2006/main" xmlns:r="http://schemas.openxmlformats.org/officeDocument/2006/relationships" xmlns:p="http://schemas.openxmlformats.org/presentationml/2006/main">
   <p:cSld>
     <p:spTree>
@@ -26778,7 +27942,7 @@
 </p:sld>
 </file>
 
-<file path=ppt/slides/slide22.xml><?xml version="1.0" encoding="utf-8"?>
+<file path=ppt/slides/slide23.xml><?xml version="1.0" encoding="utf-8"?>
 <p:sld xmlns:a="http://schemas.openxmlformats.org/drawingml/2006/main" xmlns:r="http://schemas.openxmlformats.org/officeDocument/2006/relationships" xmlns:p="http://schemas.openxmlformats.org/presentationml/2006/main">
   <p:cSld>
     <p:spTree>
@@ -28130,7 +29294,7 @@
 </p:sld>
 </file>
 
-<file path=ppt/slides/slide23.xml><?xml version="1.0" encoding="utf-8"?>
+<file path=ppt/slides/slide24.xml><?xml version="1.0" encoding="utf-8"?>
 <p:sld xmlns:a="http://schemas.openxmlformats.org/drawingml/2006/main" xmlns:r="http://schemas.openxmlformats.org/officeDocument/2006/relationships" xmlns:p="http://schemas.openxmlformats.org/presentationml/2006/main">
   <p:cSld>
     <p:spTree>
@@ -28233,7 +29397,7 @@
 </p:sld>
 </file>
 
-<file path=ppt/slides/slide24.xml><?xml version="1.0" encoding="utf-8"?>
+<file path=ppt/slides/slide25.xml><?xml version="1.0" encoding="utf-8"?>
 <p:sld xmlns:a="http://schemas.openxmlformats.org/drawingml/2006/main" xmlns:r="http://schemas.openxmlformats.org/officeDocument/2006/relationships" xmlns:p="http://schemas.openxmlformats.org/presentationml/2006/main">
   <p:cSld>
     <p:spTree>
@@ -28415,7 +29579,7 @@
 </p:sld>
 </file>
 
-<file path=ppt/slides/slide25.xml><?xml version="1.0" encoding="utf-8"?>
+<file path=ppt/slides/slide26.xml><?xml version="1.0" encoding="utf-8"?>
 <p:sld xmlns:a="http://schemas.openxmlformats.org/drawingml/2006/main" xmlns:r="http://schemas.openxmlformats.org/officeDocument/2006/relationships" xmlns:p="http://schemas.openxmlformats.org/presentationml/2006/main">
   <p:cSld>
     <p:spTree>
@@ -28555,7 +29719,7 @@
 </p:sld>
 </file>
 
-<file path=ppt/slides/slide26.xml><?xml version="1.0" encoding="utf-8"?>
+<file path=ppt/slides/slide27.xml><?xml version="1.0" encoding="utf-8"?>
 <p:sld xmlns:a="http://schemas.openxmlformats.org/drawingml/2006/main" xmlns:r="http://schemas.openxmlformats.org/officeDocument/2006/relationships" xmlns:p="http://schemas.openxmlformats.org/presentationml/2006/main">
   <p:cSld>
     <p:spTree>
@@ -28748,7 +29912,7 @@
 </p:sld>
 </file>
 
-<file path=ppt/slides/slide27.xml><?xml version="1.0" encoding="utf-8"?>
+<file path=ppt/slides/slide28.xml><?xml version="1.0" encoding="utf-8"?>
 <p:sld xmlns:a="http://schemas.openxmlformats.org/drawingml/2006/main" xmlns:r="http://schemas.openxmlformats.org/officeDocument/2006/relationships" xmlns:p="http://schemas.openxmlformats.org/presentationml/2006/main">
   <p:cSld>
     <p:spTree>
@@ -28811,7 +29975,7 @@
 </p:sld>
 </file>
 
-<file path=ppt/slides/slide28.xml><?xml version="1.0" encoding="utf-8"?>
+<file path=ppt/slides/slide29.xml><?xml version="1.0" encoding="utf-8"?>
 <p:sld xmlns:a="http://schemas.openxmlformats.org/drawingml/2006/main" xmlns:r="http://schemas.openxmlformats.org/officeDocument/2006/relationships" xmlns:p="http://schemas.openxmlformats.org/presentationml/2006/main">
   <p:cSld>
     <p:spTree>
@@ -30755,7 +31919,70 @@
 </p:sld>
 </file>
 
-<file path=ppt/slides/slide29.xml><?xml version="1.0" encoding="utf-8"?>
+<file path=ppt/slides/slide3.xml><?xml version="1.0" encoding="utf-8"?>
+<p:sld xmlns:a="http://schemas.openxmlformats.org/drawingml/2006/main" xmlns:r="http://schemas.openxmlformats.org/officeDocument/2006/relationships" xmlns:p="http://schemas.openxmlformats.org/presentationml/2006/main">
+  <p:cSld>
+    <p:spTree>
+      <p:nvGrpSpPr>
+        <p:cNvPr id="1" name=""/>
+        <p:cNvGrpSpPr/>
+        <p:nvPr/>
+      </p:nvGrpSpPr>
+      <p:grpSpPr>
+        <a:xfrm>
+          <a:off x="0" y="0"/>
+          <a:ext cx="0" cy="0"/>
+          <a:chOff x="0" y="0"/>
+          <a:chExt cx="0" cy="0"/>
+        </a:xfrm>
+      </p:grpSpPr>
+      <p:sp>
+        <p:nvSpPr>
+          <p:cNvPr id="4" name="Title 3"/>
+          <p:cNvSpPr>
+            <a:spLocks noGrp="1"/>
+          </p:cNvSpPr>
+          <p:nvPr>
+            <p:ph type="title"/>
+          </p:nvPr>
+        </p:nvSpPr>
+        <p:spPr/>
+        <p:txBody>
+          <a:bodyPr/>
+          <a:lstStyle/>
+          <a:p>
+            <a:r>
+              <a:rPr lang="fi-FI" dirty="0" smtClean="0"/>
+              <a:t>Assessment summary</a:t>
+            </a:r>
+            <a:endParaRPr lang="en-GB" dirty="0"/>
+          </a:p>
+        </p:txBody>
+      </p:sp>
+    </p:spTree>
+    <p:extLst>
+      <p:ext uri="{BB962C8B-B14F-4D97-AF65-F5344CB8AC3E}">
+        <p14:creationId xmlns:p14="http://schemas.microsoft.com/office/powerpoint/2010/main" val="2860377917"/>
+      </p:ext>
+    </p:extLst>
+  </p:cSld>
+  <p:clrMapOvr>
+    <a:masterClrMapping/>
+  </p:clrMapOvr>
+  <p:transition>
+    <p:fade/>
+  </p:transition>
+  <p:timing>
+    <p:tnLst>
+      <p:par>
+        <p:cTn id="1" dur="indefinite" restart="never" nodeType="tmRoot"/>
+      </p:par>
+    </p:tnLst>
+  </p:timing>
+</p:sld>
+</file>
+
+<file path=ppt/slides/slide30.xml><?xml version="1.0" encoding="utf-8"?>
 <p:sld xmlns:a="http://schemas.openxmlformats.org/drawingml/2006/main" xmlns:r="http://schemas.openxmlformats.org/officeDocument/2006/relationships" xmlns:p="http://schemas.openxmlformats.org/presentationml/2006/main">
   <p:cSld>
     <p:spTree>
@@ -30926,28 +32153,28 @@
                 <a:gridCol w="2794925">
                   <a:extLst>
                     <a:ext uri="{9D8B030D-6E8A-4147-A177-3AD203B41FA5}">
-                      <a16:colId xmlns="" xmlns:a16="http://schemas.microsoft.com/office/drawing/2014/main" val="20000"/>
+                      <a16:colId xmlns:a16="http://schemas.microsoft.com/office/drawing/2014/main" xmlns="" val="20000"/>
                     </a:ext>
                   </a:extLst>
                 </a:gridCol>
                 <a:gridCol w="2683565">
                   <a:extLst>
                     <a:ext uri="{9D8B030D-6E8A-4147-A177-3AD203B41FA5}">
-                      <a16:colId xmlns="" xmlns:a16="http://schemas.microsoft.com/office/drawing/2014/main" val="20001"/>
+                      <a16:colId xmlns:a16="http://schemas.microsoft.com/office/drawing/2014/main" xmlns="" val="20001"/>
                     </a:ext>
                   </a:extLst>
                 </a:gridCol>
                 <a:gridCol w="2623930">
                   <a:extLst>
                     <a:ext uri="{9D8B030D-6E8A-4147-A177-3AD203B41FA5}">
-                      <a16:colId xmlns="" xmlns:a16="http://schemas.microsoft.com/office/drawing/2014/main" val="20002"/>
+                      <a16:colId xmlns:a16="http://schemas.microsoft.com/office/drawing/2014/main" xmlns="" val="20002"/>
                     </a:ext>
                   </a:extLst>
                 </a:gridCol>
                 <a:gridCol w="2855843">
                   <a:extLst>
                     <a:ext uri="{9D8B030D-6E8A-4147-A177-3AD203B41FA5}">
-                      <a16:colId xmlns="" xmlns:a16="http://schemas.microsoft.com/office/drawing/2014/main" val="20003"/>
+                      <a16:colId xmlns:a16="http://schemas.microsoft.com/office/drawing/2014/main" xmlns="" val="20003"/>
                     </a:ext>
                   </a:extLst>
                 </a:gridCol>
@@ -31164,7 +32391,7 @@
                 </a:tc>
                 <a:extLst>
                   <a:ext uri="{0D108BD9-81ED-4DB2-BD59-A6C34878D82A}">
-                    <a16:rowId xmlns="" xmlns:a16="http://schemas.microsoft.com/office/drawing/2014/main" val="10000"/>
+                    <a16:rowId xmlns:a16="http://schemas.microsoft.com/office/drawing/2014/main" xmlns="" val="10000"/>
                   </a:ext>
                 </a:extLst>
               </a:tr>
@@ -31382,7 +32609,7 @@
                 </a:tc>
                 <a:extLst>
                   <a:ext uri="{0D108BD9-81ED-4DB2-BD59-A6C34878D82A}">
-                    <a16:rowId xmlns="" xmlns:a16="http://schemas.microsoft.com/office/drawing/2014/main" val="10001"/>
+                    <a16:rowId xmlns:a16="http://schemas.microsoft.com/office/drawing/2014/main" xmlns="" val="10001"/>
                   </a:ext>
                 </a:extLst>
               </a:tr>
@@ -31899,7 +33126,7 @@
                 </a:tc>
                 <a:extLst>
                   <a:ext uri="{0D108BD9-81ED-4DB2-BD59-A6C34878D82A}">
-                    <a16:rowId xmlns="" xmlns:a16="http://schemas.microsoft.com/office/drawing/2014/main" val="10002"/>
+                    <a16:rowId xmlns:a16="http://schemas.microsoft.com/office/drawing/2014/main" xmlns="" val="10002"/>
                   </a:ext>
                 </a:extLst>
               </a:tr>
@@ -32975,70 +34202,7 @@
 </p:sld>
 </file>
 
-<file path=ppt/slides/slide3.xml><?xml version="1.0" encoding="utf-8"?>
-<p:sld xmlns:a="http://schemas.openxmlformats.org/drawingml/2006/main" xmlns:r="http://schemas.openxmlformats.org/officeDocument/2006/relationships" xmlns:p="http://schemas.openxmlformats.org/presentationml/2006/main">
-  <p:cSld>
-    <p:spTree>
-      <p:nvGrpSpPr>
-        <p:cNvPr id="1" name=""/>
-        <p:cNvGrpSpPr/>
-        <p:nvPr/>
-      </p:nvGrpSpPr>
-      <p:grpSpPr>
-        <a:xfrm>
-          <a:off x="0" y="0"/>
-          <a:ext cx="0" cy="0"/>
-          <a:chOff x="0" y="0"/>
-          <a:chExt cx="0" cy="0"/>
-        </a:xfrm>
-      </p:grpSpPr>
-      <p:sp>
-        <p:nvSpPr>
-          <p:cNvPr id="4" name="Title 3"/>
-          <p:cNvSpPr>
-            <a:spLocks noGrp="1"/>
-          </p:cNvSpPr>
-          <p:nvPr>
-            <p:ph type="title"/>
-          </p:nvPr>
-        </p:nvSpPr>
-        <p:spPr/>
-        <p:txBody>
-          <a:bodyPr/>
-          <a:lstStyle/>
-          <a:p>
-            <a:r>
-              <a:rPr lang="fi-FI" dirty="0" smtClean="0"/>
-              <a:t>Assessment summary</a:t>
-            </a:r>
-            <a:endParaRPr lang="en-GB" dirty="0"/>
-          </a:p>
-        </p:txBody>
-      </p:sp>
-    </p:spTree>
-    <p:extLst>
-      <p:ext uri="{BB962C8B-B14F-4D97-AF65-F5344CB8AC3E}">
-        <p14:creationId xmlns:p14="http://schemas.microsoft.com/office/powerpoint/2010/main" val="2860377917"/>
-      </p:ext>
-    </p:extLst>
-  </p:cSld>
-  <p:clrMapOvr>
-    <a:masterClrMapping/>
-  </p:clrMapOvr>
-  <p:transition>
-    <p:fade/>
-  </p:transition>
-  <p:timing>
-    <p:tnLst>
-      <p:par>
-        <p:cTn id="1" dur="indefinite" restart="never" nodeType="tmRoot"/>
-      </p:par>
-    </p:tnLst>
-  </p:timing>
-</p:sld>
-</file>
-
-<file path=ppt/slides/slide30.xml><?xml version="1.0" encoding="utf-8"?>
+<file path=ppt/slides/slide31.xml><?xml version="1.0" encoding="utf-8"?>
 <p:sld xmlns:a="http://schemas.openxmlformats.org/drawingml/2006/main" xmlns:r="http://schemas.openxmlformats.org/officeDocument/2006/relationships" xmlns:p="http://schemas.openxmlformats.org/presentationml/2006/main">
   <p:cSld>
     <p:spTree>
@@ -33209,28 +34373,28 @@
                 <a:gridCol w="2794925">
                   <a:extLst>
                     <a:ext uri="{9D8B030D-6E8A-4147-A177-3AD203B41FA5}">
-                      <a16:colId xmlns="" xmlns:a16="http://schemas.microsoft.com/office/drawing/2014/main" val="20000"/>
+                      <a16:colId xmlns:a16="http://schemas.microsoft.com/office/drawing/2014/main" xmlns="" val="20000"/>
                     </a:ext>
                   </a:extLst>
                 </a:gridCol>
                 <a:gridCol w="2683565">
                   <a:extLst>
                     <a:ext uri="{9D8B030D-6E8A-4147-A177-3AD203B41FA5}">
-                      <a16:colId xmlns="" xmlns:a16="http://schemas.microsoft.com/office/drawing/2014/main" val="20001"/>
+                      <a16:colId xmlns:a16="http://schemas.microsoft.com/office/drawing/2014/main" xmlns="" val="20001"/>
                     </a:ext>
                   </a:extLst>
                 </a:gridCol>
                 <a:gridCol w="2782957">
                   <a:extLst>
                     <a:ext uri="{9D8B030D-6E8A-4147-A177-3AD203B41FA5}">
-                      <a16:colId xmlns="" xmlns:a16="http://schemas.microsoft.com/office/drawing/2014/main" val="20002"/>
+                      <a16:colId xmlns:a16="http://schemas.microsoft.com/office/drawing/2014/main" xmlns="" val="20002"/>
                     </a:ext>
                   </a:extLst>
                 </a:gridCol>
                 <a:gridCol w="2696816">
                   <a:extLst>
                     <a:ext uri="{9D8B030D-6E8A-4147-A177-3AD203B41FA5}">
-                      <a16:colId xmlns="" xmlns:a16="http://schemas.microsoft.com/office/drawing/2014/main" val="20003"/>
+                      <a16:colId xmlns:a16="http://schemas.microsoft.com/office/drawing/2014/main" xmlns="" val="20003"/>
                     </a:ext>
                   </a:extLst>
                 </a:gridCol>
@@ -33447,7 +34611,7 @@
                 </a:tc>
                 <a:extLst>
                   <a:ext uri="{0D108BD9-81ED-4DB2-BD59-A6C34878D82A}">
-                    <a16:rowId xmlns="" xmlns:a16="http://schemas.microsoft.com/office/drawing/2014/main" val="10000"/>
+                    <a16:rowId xmlns:a16="http://schemas.microsoft.com/office/drawing/2014/main" xmlns="" val="10000"/>
                   </a:ext>
                 </a:extLst>
               </a:tr>
@@ -33665,7 +34829,7 @@
                 </a:tc>
                 <a:extLst>
                   <a:ext uri="{0D108BD9-81ED-4DB2-BD59-A6C34878D82A}">
-                    <a16:rowId xmlns="" xmlns:a16="http://schemas.microsoft.com/office/drawing/2014/main" val="10001"/>
+                    <a16:rowId xmlns:a16="http://schemas.microsoft.com/office/drawing/2014/main" xmlns="" val="10001"/>
                   </a:ext>
                 </a:extLst>
               </a:tr>
@@ -34237,7 +35401,7 @@
                 </a:tc>
                 <a:extLst>
                   <a:ext uri="{0D108BD9-81ED-4DB2-BD59-A6C34878D82A}">
-                    <a16:rowId xmlns="" xmlns:a16="http://schemas.microsoft.com/office/drawing/2014/main" val="10002"/>
+                    <a16:rowId xmlns:a16="http://schemas.microsoft.com/office/drawing/2014/main" xmlns="" val="10002"/>
                   </a:ext>
                 </a:extLst>
               </a:tr>
@@ -35862,7 +37026,7 @@
 </p:sld>
 </file>
 
-<file path=ppt/slides/slide31.xml><?xml version="1.0" encoding="utf-8"?>
+<file path=ppt/slides/slide32.xml><?xml version="1.0" encoding="utf-8"?>
 <p:sld xmlns:a="http://schemas.openxmlformats.org/drawingml/2006/main" xmlns:r="http://schemas.openxmlformats.org/officeDocument/2006/relationships" xmlns:p="http://schemas.openxmlformats.org/presentationml/2006/main">
   <p:cSld>
     <p:spTree>
@@ -35968,155 +37132,6 @@
     <p:extLst>
       <p:ext uri="{BB962C8B-B14F-4D97-AF65-F5344CB8AC3E}">
         <p14:creationId xmlns:p14="http://schemas.microsoft.com/office/powerpoint/2010/main" val="2522433627"/>
-      </p:ext>
-    </p:extLst>
-  </p:cSld>
-  <p:clrMapOvr>
-    <a:masterClrMapping/>
-  </p:clrMapOvr>
-  <p:transition>
-    <p:fade/>
-  </p:transition>
-  <p:timing>
-    <p:tnLst>
-      <p:par>
-        <p:cTn id="1" dur="indefinite" restart="never" nodeType="tmRoot"/>
-      </p:par>
-    </p:tnLst>
-  </p:timing>
-</p:sld>
-</file>
-
-<file path=ppt/slides/slide32.xml><?xml version="1.0" encoding="utf-8"?>
-<p:sld xmlns:a="http://schemas.openxmlformats.org/drawingml/2006/main" xmlns:r="http://schemas.openxmlformats.org/officeDocument/2006/relationships" xmlns:p="http://schemas.openxmlformats.org/presentationml/2006/main">
-  <p:cSld>
-    <p:spTree>
-      <p:nvGrpSpPr>
-        <p:cNvPr id="1" name=""/>
-        <p:cNvGrpSpPr/>
-        <p:nvPr/>
-      </p:nvGrpSpPr>
-      <p:grpSpPr>
-        <a:xfrm>
-          <a:off x="0" y="0"/>
-          <a:ext cx="0" cy="0"/>
-          <a:chOff x="0" y="0"/>
-          <a:chExt cx="0" cy="0"/>
-        </a:xfrm>
-      </p:grpSpPr>
-      <p:sp>
-        <p:nvSpPr>
-          <p:cNvPr id="2" name="Title 1"/>
-          <p:cNvSpPr>
-            <a:spLocks noGrp="1"/>
-          </p:cNvSpPr>
-          <p:nvPr>
-            <p:ph type="title"/>
-          </p:nvPr>
-        </p:nvSpPr>
-        <p:spPr/>
-        <p:txBody>
-          <a:bodyPr/>
-          <a:lstStyle/>
-          <a:p>
-            <a:r>
-              <a:rPr lang="fi-FI" dirty="0" smtClean="0"/>
-              <a:t>Key Contacts</a:t>
-            </a:r>
-            <a:endParaRPr lang="en-GB" dirty="0"/>
-          </a:p>
-        </p:txBody>
-      </p:sp>
-      <p:sp>
-        <p:nvSpPr>
-          <p:cNvPr id="3" name="Text Placeholder 2"/>
-          <p:cNvSpPr>
-            <a:spLocks noGrp="1"/>
-          </p:cNvSpPr>
-          <p:nvPr>
-            <p:ph type="body" sz="quarter" idx="10"/>
-          </p:nvPr>
-        </p:nvSpPr>
-        <p:spPr/>
-        <p:txBody>
-          <a:bodyPr/>
-          <a:lstStyle/>
-          <a:p>
-            <a:r>
-              <a:rPr lang="fi-FI" dirty="0" smtClean="0"/>
-              <a:t>PnP Transformation Program</a:t>
-            </a:r>
-          </a:p>
-          <a:p>
-            <a:pPr lvl="1"/>
-            <a:r>
-              <a:rPr lang="fi-FI" dirty="0"/>
-              <a:t>Pavel Bansky </a:t>
-            </a:r>
-            <a:r>
-              <a:rPr lang="fi-FI" dirty="0" smtClean="0"/>
-              <a:t>– EMEA lead and SME support for assigned project</a:t>
-            </a:r>
-          </a:p>
-          <a:p>
-            <a:pPr lvl="1"/>
-            <a:r>
-              <a:rPr lang="fi-FI" dirty="0" smtClean="0"/>
-              <a:t>Belinda Newman – SME support for assigned projects </a:t>
-            </a:r>
-          </a:p>
-          <a:p>
-            <a:pPr lvl="1"/>
-            <a:r>
-              <a:rPr lang="fi-FI" dirty="0" smtClean="0"/>
-              <a:t>Rob Young – Global technical lead</a:t>
-            </a:r>
-          </a:p>
-          <a:p>
-            <a:r>
-              <a:rPr lang="fi-FI" dirty="0" smtClean="0"/>
-              <a:t>Project Manager</a:t>
-            </a:r>
-          </a:p>
-          <a:p>
-            <a:pPr lvl="1"/>
-            <a:r>
-              <a:rPr lang="en-GB" dirty="0"/>
-              <a:t>Denis </a:t>
-            </a:r>
-            <a:r>
-              <a:rPr lang="en-GB" dirty="0" err="1" smtClean="0"/>
-              <a:t>Dehenne</a:t>
-            </a:r>
-            <a:r>
-              <a:rPr lang="fi-FI" dirty="0" smtClean="0"/>
-              <a:t> –project manager for the Office 365 releated task </a:t>
-            </a:r>
-          </a:p>
-          <a:p>
-            <a:r>
-              <a:rPr lang="fi-FI" dirty="0" smtClean="0"/>
-              <a:t>Other</a:t>
-            </a:r>
-          </a:p>
-          <a:p>
-            <a:pPr lvl="1"/>
-            <a:r>
-              <a:rPr lang="fi-FI" dirty="0"/>
-              <a:t>Pavel Bansky works </a:t>
-            </a:r>
-            <a:r>
-              <a:rPr lang="fi-FI" dirty="0" smtClean="0"/>
-              <a:t>as the technical lead for the Office 365 transformation</a:t>
-            </a:r>
-            <a:endParaRPr lang="en-GB" dirty="0"/>
-          </a:p>
-        </p:txBody>
-      </p:sp>
-    </p:spTree>
-    <p:extLst>
-      <p:ext uri="{BB962C8B-B14F-4D97-AF65-F5344CB8AC3E}">
-        <p14:creationId xmlns:p14="http://schemas.microsoft.com/office/powerpoint/2010/main" val="3207921996"/>
       </p:ext>
     </p:extLst>
   </p:cSld>
@@ -36169,6 +37184,155 @@
           <a:lstStyle/>
           <a:p>
             <a:r>
+              <a:rPr lang="fi-FI" dirty="0" smtClean="0"/>
+              <a:t>Key Contacts</a:t>
+            </a:r>
+            <a:endParaRPr lang="en-GB" dirty="0"/>
+          </a:p>
+        </p:txBody>
+      </p:sp>
+      <p:sp>
+        <p:nvSpPr>
+          <p:cNvPr id="3" name="Text Placeholder 2"/>
+          <p:cNvSpPr>
+            <a:spLocks noGrp="1"/>
+          </p:cNvSpPr>
+          <p:nvPr>
+            <p:ph type="body" sz="quarter" idx="10"/>
+          </p:nvPr>
+        </p:nvSpPr>
+        <p:spPr/>
+        <p:txBody>
+          <a:bodyPr/>
+          <a:lstStyle/>
+          <a:p>
+            <a:r>
+              <a:rPr lang="fi-FI" dirty="0" smtClean="0"/>
+              <a:t>PnP Transformation Program</a:t>
+            </a:r>
+          </a:p>
+          <a:p>
+            <a:pPr lvl="1"/>
+            <a:r>
+              <a:rPr lang="fi-FI" dirty="0"/>
+              <a:t>Pavel Bansky </a:t>
+            </a:r>
+            <a:r>
+              <a:rPr lang="fi-FI" dirty="0" smtClean="0"/>
+              <a:t>– EMEA lead and SME support for assigned project</a:t>
+            </a:r>
+          </a:p>
+          <a:p>
+            <a:pPr lvl="1"/>
+            <a:r>
+              <a:rPr lang="fi-FI" dirty="0" smtClean="0"/>
+              <a:t>Belinda Newman – SME support for assigned projects </a:t>
+            </a:r>
+          </a:p>
+          <a:p>
+            <a:pPr lvl="1"/>
+            <a:r>
+              <a:rPr lang="fi-FI" dirty="0" smtClean="0"/>
+              <a:t>Rob Young – Global technical lead</a:t>
+            </a:r>
+          </a:p>
+          <a:p>
+            <a:r>
+              <a:rPr lang="fi-FI" dirty="0" smtClean="0"/>
+              <a:t>Project Manager</a:t>
+            </a:r>
+          </a:p>
+          <a:p>
+            <a:pPr lvl="1"/>
+            <a:r>
+              <a:rPr lang="en-GB" dirty="0"/>
+              <a:t>Denis </a:t>
+            </a:r>
+            <a:r>
+              <a:rPr lang="en-GB" dirty="0" err="1" smtClean="0"/>
+              <a:t>Dehenne</a:t>
+            </a:r>
+            <a:r>
+              <a:rPr lang="fi-FI" dirty="0" smtClean="0"/>
+              <a:t> –project manager for the Office 365 releated task </a:t>
+            </a:r>
+          </a:p>
+          <a:p>
+            <a:r>
+              <a:rPr lang="fi-FI" dirty="0" smtClean="0"/>
+              <a:t>Other</a:t>
+            </a:r>
+          </a:p>
+          <a:p>
+            <a:pPr lvl="1"/>
+            <a:r>
+              <a:rPr lang="fi-FI" dirty="0"/>
+              <a:t>Pavel Bansky works </a:t>
+            </a:r>
+            <a:r>
+              <a:rPr lang="fi-FI" dirty="0" smtClean="0"/>
+              <a:t>as the technical lead for the Office 365 transformation</a:t>
+            </a:r>
+            <a:endParaRPr lang="en-GB" dirty="0"/>
+          </a:p>
+        </p:txBody>
+      </p:sp>
+    </p:spTree>
+    <p:extLst>
+      <p:ext uri="{BB962C8B-B14F-4D97-AF65-F5344CB8AC3E}">
+        <p14:creationId xmlns:p14="http://schemas.microsoft.com/office/powerpoint/2010/main" val="3207921996"/>
+      </p:ext>
+    </p:extLst>
+  </p:cSld>
+  <p:clrMapOvr>
+    <a:masterClrMapping/>
+  </p:clrMapOvr>
+  <p:transition>
+    <p:fade/>
+  </p:transition>
+  <p:timing>
+    <p:tnLst>
+      <p:par>
+        <p:cTn id="1" dur="indefinite" restart="never" nodeType="tmRoot"/>
+      </p:par>
+    </p:tnLst>
+  </p:timing>
+</p:sld>
+</file>
+
+<file path=ppt/slides/slide34.xml><?xml version="1.0" encoding="utf-8"?>
+<p:sld xmlns:a="http://schemas.openxmlformats.org/drawingml/2006/main" xmlns:r="http://schemas.openxmlformats.org/officeDocument/2006/relationships" xmlns:p="http://schemas.openxmlformats.org/presentationml/2006/main">
+  <p:cSld>
+    <p:spTree>
+      <p:nvGrpSpPr>
+        <p:cNvPr id="1" name=""/>
+        <p:cNvGrpSpPr/>
+        <p:nvPr/>
+      </p:nvGrpSpPr>
+      <p:grpSpPr>
+        <a:xfrm>
+          <a:off x="0" y="0"/>
+          <a:ext cx="0" cy="0"/>
+          <a:chOff x="0" y="0"/>
+          <a:chExt cx="0" cy="0"/>
+        </a:xfrm>
+      </p:grpSpPr>
+      <p:sp>
+        <p:nvSpPr>
+          <p:cNvPr id="2" name="Title 1"/>
+          <p:cNvSpPr>
+            <a:spLocks noGrp="1"/>
+          </p:cNvSpPr>
+          <p:nvPr>
+            <p:ph type="title"/>
+          </p:nvPr>
+        </p:nvSpPr>
+        <p:spPr/>
+        <p:txBody>
+          <a:bodyPr/>
+          <a:lstStyle/>
+          <a:p>
+            <a:r>
               <a:rPr lang="fi-FI" smtClean="0"/>
               <a:t>Other Office 365 </a:t>
             </a:r>
@@ -36264,7 +37428,7 @@
 </p:sld>
 </file>
 
-<file path=ppt/slides/slide34.xml><?xml version="1.0" encoding="utf-8"?>
+<file path=ppt/slides/slide35.xml><?xml version="1.0" encoding="utf-8"?>
 <p:sld xmlns:a="http://schemas.openxmlformats.org/drawingml/2006/main" xmlns:r="http://schemas.openxmlformats.org/officeDocument/2006/relationships" xmlns:p="http://schemas.openxmlformats.org/presentationml/2006/main">
   <p:cSld>
     <p:spTree>
@@ -36484,7 +37648,7 @@
 </p:sld>
 </file>
 
-<file path=ppt/slides/slide35.xml><?xml version="1.0" encoding="utf-8"?>
+<file path=ppt/slides/slide36.xml><?xml version="1.0" encoding="utf-8"?>
 <p:sld xmlns:a="http://schemas.openxmlformats.org/drawingml/2006/main" xmlns:r="http://schemas.openxmlformats.org/officeDocument/2006/relationships" xmlns:p="http://schemas.openxmlformats.org/presentationml/2006/main">
   <p:cSld>
     <p:spTree>
@@ -37010,28 +38174,28 @@
                 <a:gridCol w="5965345">
                   <a:extLst>
                     <a:ext uri="{9D8B030D-6E8A-4147-A177-3AD203B41FA5}">
-                      <a16:colId xmlns:a16="http://schemas.microsoft.com/office/drawing/2014/main" xmlns="" val="20000"/>
+                      <a16:colId xmlns="" xmlns:a16="http://schemas.microsoft.com/office/drawing/2014/main" val="20000"/>
                     </a:ext>
                   </a:extLst>
                 </a:gridCol>
                 <a:gridCol w="568903">
                   <a:extLst>
                     <a:ext uri="{9D8B030D-6E8A-4147-A177-3AD203B41FA5}">
-                      <a16:colId xmlns:a16="http://schemas.microsoft.com/office/drawing/2014/main" xmlns="" val="20001"/>
+                      <a16:colId xmlns="" xmlns:a16="http://schemas.microsoft.com/office/drawing/2014/main" val="20001"/>
                     </a:ext>
                   </a:extLst>
                 </a:gridCol>
                 <a:gridCol w="520140">
                   <a:extLst>
                     <a:ext uri="{9D8B030D-6E8A-4147-A177-3AD203B41FA5}">
-                      <a16:colId xmlns:a16="http://schemas.microsoft.com/office/drawing/2014/main" xmlns="" val="20002"/>
+                      <a16:colId xmlns="" xmlns:a16="http://schemas.microsoft.com/office/drawing/2014/main" val="20002"/>
                     </a:ext>
                   </a:extLst>
                 </a:gridCol>
                 <a:gridCol w="520140">
                   <a:extLst>
                     <a:ext uri="{9D8B030D-6E8A-4147-A177-3AD203B41FA5}">
-                      <a16:colId xmlns:a16="http://schemas.microsoft.com/office/drawing/2014/main" xmlns="" val="2588272693"/>
+                      <a16:colId xmlns="" xmlns:a16="http://schemas.microsoft.com/office/drawing/2014/main" val="2588272693"/>
                     </a:ext>
                   </a:extLst>
                 </a:gridCol>
@@ -37137,7 +38301,7 @@
                 </a:tc>
                 <a:extLst>
                   <a:ext uri="{0D108BD9-81ED-4DB2-BD59-A6C34878D82A}">
-                    <a16:rowId xmlns:a16="http://schemas.microsoft.com/office/drawing/2014/main" xmlns="" val="10000"/>
+                    <a16:rowId xmlns="" xmlns:a16="http://schemas.microsoft.com/office/drawing/2014/main" val="10000"/>
                   </a:ext>
                 </a:extLst>
               </a:tr>
@@ -37254,7 +38418,7 @@
                 </a:tc>
                 <a:extLst>
                   <a:ext uri="{0D108BD9-81ED-4DB2-BD59-A6C34878D82A}">
-                    <a16:rowId xmlns:a16="http://schemas.microsoft.com/office/drawing/2014/main" xmlns="" val="10001"/>
+                    <a16:rowId xmlns="" xmlns:a16="http://schemas.microsoft.com/office/drawing/2014/main" val="10001"/>
                   </a:ext>
                 </a:extLst>
               </a:tr>
@@ -37376,7 +38540,7 @@
                 </a:tc>
                 <a:extLst>
                   <a:ext uri="{0D108BD9-81ED-4DB2-BD59-A6C34878D82A}">
-                    <a16:rowId xmlns:a16="http://schemas.microsoft.com/office/drawing/2014/main" xmlns="" val="10002"/>
+                    <a16:rowId xmlns="" xmlns:a16="http://schemas.microsoft.com/office/drawing/2014/main" val="10002"/>
                   </a:ext>
                 </a:extLst>
               </a:tr>
@@ -37498,7 +38662,7 @@
                 </a:tc>
                 <a:extLst>
                   <a:ext uri="{0D108BD9-81ED-4DB2-BD59-A6C34878D82A}">
-                    <a16:rowId xmlns:a16="http://schemas.microsoft.com/office/drawing/2014/main" xmlns="" val="10003"/>
+                    <a16:rowId xmlns="" xmlns:a16="http://schemas.microsoft.com/office/drawing/2014/main" val="10003"/>
                   </a:ext>
                 </a:extLst>
               </a:tr>
@@ -37620,7 +38784,7 @@
                 </a:tc>
                 <a:extLst>
                   <a:ext uri="{0D108BD9-81ED-4DB2-BD59-A6C34878D82A}">
-                    <a16:rowId xmlns:a16="http://schemas.microsoft.com/office/drawing/2014/main" xmlns="" val="10004"/>
+                    <a16:rowId xmlns="" xmlns:a16="http://schemas.microsoft.com/office/drawing/2014/main" val="10004"/>
                   </a:ext>
                 </a:extLst>
               </a:tr>
@@ -37742,7 +38906,7 @@
                 </a:tc>
                 <a:extLst>
                   <a:ext uri="{0D108BD9-81ED-4DB2-BD59-A6C34878D82A}">
-                    <a16:rowId xmlns:a16="http://schemas.microsoft.com/office/drawing/2014/main" xmlns="" val="10005"/>
+                    <a16:rowId xmlns="" xmlns:a16="http://schemas.microsoft.com/office/drawing/2014/main" val="10005"/>
                   </a:ext>
                 </a:extLst>
               </a:tr>
@@ -37864,7 +39028,7 @@
                 </a:tc>
                 <a:extLst>
                   <a:ext uri="{0D108BD9-81ED-4DB2-BD59-A6C34878D82A}">
-                    <a16:rowId xmlns:a16="http://schemas.microsoft.com/office/drawing/2014/main" xmlns="" val="10006"/>
+                    <a16:rowId xmlns="" xmlns:a16="http://schemas.microsoft.com/office/drawing/2014/main" val="10006"/>
                   </a:ext>
                 </a:extLst>
               </a:tr>
@@ -39002,28 +40166,28 @@
                 <a:gridCol w="5965345">
                   <a:extLst>
                     <a:ext uri="{9D8B030D-6E8A-4147-A177-3AD203B41FA5}">
-                      <a16:colId xmlns:a16="http://schemas.microsoft.com/office/drawing/2014/main" xmlns="" val="20000"/>
+                      <a16:colId xmlns="" xmlns:a16="http://schemas.microsoft.com/office/drawing/2014/main" val="20000"/>
                     </a:ext>
                   </a:extLst>
                 </a:gridCol>
                 <a:gridCol w="568903">
                   <a:extLst>
                     <a:ext uri="{9D8B030D-6E8A-4147-A177-3AD203B41FA5}">
-                      <a16:colId xmlns:a16="http://schemas.microsoft.com/office/drawing/2014/main" xmlns="" val="20001"/>
+                      <a16:colId xmlns="" xmlns:a16="http://schemas.microsoft.com/office/drawing/2014/main" val="20001"/>
                     </a:ext>
                   </a:extLst>
                 </a:gridCol>
                 <a:gridCol w="520140">
                   <a:extLst>
                     <a:ext uri="{9D8B030D-6E8A-4147-A177-3AD203B41FA5}">
-                      <a16:colId xmlns:a16="http://schemas.microsoft.com/office/drawing/2014/main" xmlns="" val="20002"/>
+                      <a16:colId xmlns="" xmlns:a16="http://schemas.microsoft.com/office/drawing/2014/main" val="20002"/>
                     </a:ext>
                   </a:extLst>
                 </a:gridCol>
                 <a:gridCol w="520140">
                   <a:extLst>
                     <a:ext uri="{9D8B030D-6E8A-4147-A177-3AD203B41FA5}">
-                      <a16:colId xmlns:a16="http://schemas.microsoft.com/office/drawing/2014/main" xmlns="" val="1173184688"/>
+                      <a16:colId xmlns="" xmlns:a16="http://schemas.microsoft.com/office/drawing/2014/main" val="1173184688"/>
                     </a:ext>
                   </a:extLst>
                 </a:gridCol>
@@ -39129,7 +40293,7 @@
                 </a:tc>
                 <a:extLst>
                   <a:ext uri="{0D108BD9-81ED-4DB2-BD59-A6C34878D82A}">
-                    <a16:rowId xmlns:a16="http://schemas.microsoft.com/office/drawing/2014/main" xmlns="" val="10000"/>
+                    <a16:rowId xmlns="" xmlns:a16="http://schemas.microsoft.com/office/drawing/2014/main" val="10000"/>
                   </a:ext>
                 </a:extLst>
               </a:tr>
@@ -39247,7 +40411,7 @@
                 </a:tc>
                 <a:extLst>
                   <a:ext uri="{0D108BD9-81ED-4DB2-BD59-A6C34878D82A}">
-                    <a16:rowId xmlns:a16="http://schemas.microsoft.com/office/drawing/2014/main" xmlns="" val="10002"/>
+                    <a16:rowId xmlns="" xmlns:a16="http://schemas.microsoft.com/office/drawing/2014/main" val="10002"/>
                   </a:ext>
                 </a:extLst>
               </a:tr>
@@ -39370,7 +40534,7 @@
                 </a:tc>
                 <a:extLst>
                   <a:ext uri="{0D108BD9-81ED-4DB2-BD59-A6C34878D82A}">
-                    <a16:rowId xmlns:a16="http://schemas.microsoft.com/office/drawing/2014/main" xmlns="" val="10003"/>
+                    <a16:rowId xmlns="" xmlns:a16="http://schemas.microsoft.com/office/drawing/2014/main" val="10003"/>
                   </a:ext>
                 </a:extLst>
               </a:tr>
@@ -39494,7 +40658,7 @@
                 </a:tc>
                 <a:extLst>
                   <a:ext uri="{0D108BD9-81ED-4DB2-BD59-A6C34878D82A}">
-                    <a16:rowId xmlns:a16="http://schemas.microsoft.com/office/drawing/2014/main" xmlns="" val="10004"/>
+                    <a16:rowId xmlns="" xmlns:a16="http://schemas.microsoft.com/office/drawing/2014/main" val="10004"/>
                   </a:ext>
                 </a:extLst>
               </a:tr>
@@ -39634,7 +40798,7 @@
                 </a:tc>
                 <a:extLst>
                   <a:ext uri="{0D108BD9-81ED-4DB2-BD59-A6C34878D82A}">
-                    <a16:rowId xmlns:a16="http://schemas.microsoft.com/office/drawing/2014/main" xmlns="" val="10005"/>
+                    <a16:rowId xmlns="" xmlns:a16="http://schemas.microsoft.com/office/drawing/2014/main" val="10005"/>
                   </a:ext>
                 </a:extLst>
               </a:tr>
@@ -42617,14 +43781,14 @@
                 <a:gridCol w="4229100">
                   <a:extLst>
                     <a:ext uri="{9D8B030D-6E8A-4147-A177-3AD203B41FA5}">
-                      <a16:colId xmlns="" xmlns:a16="http://schemas.microsoft.com/office/drawing/2014/main" val="20000"/>
+                      <a16:colId xmlns:a16="http://schemas.microsoft.com/office/drawing/2014/main" xmlns="" val="20000"/>
                     </a:ext>
                   </a:extLst>
                 </a:gridCol>
                 <a:gridCol w="542926">
                   <a:extLst>
                     <a:ext uri="{9D8B030D-6E8A-4147-A177-3AD203B41FA5}">
-                      <a16:colId xmlns="" xmlns:a16="http://schemas.microsoft.com/office/drawing/2014/main" val="20001"/>
+                      <a16:colId xmlns:a16="http://schemas.microsoft.com/office/drawing/2014/main" xmlns="" val="20001"/>
                     </a:ext>
                   </a:extLst>
                 </a:gridCol>
@@ -42686,7 +43850,7 @@
                 </a:tc>
                 <a:extLst>
                   <a:ext uri="{0D108BD9-81ED-4DB2-BD59-A6C34878D82A}">
-                    <a16:rowId xmlns="" xmlns:a16="http://schemas.microsoft.com/office/drawing/2014/main" val="10000"/>
+                    <a16:rowId xmlns:a16="http://schemas.microsoft.com/office/drawing/2014/main" xmlns="" val="10000"/>
                   </a:ext>
                 </a:extLst>
               </a:tr>
@@ -42756,7 +43920,7 @@
                 </a:tc>
                 <a:extLst>
                   <a:ext uri="{0D108BD9-81ED-4DB2-BD59-A6C34878D82A}">
-                    <a16:rowId xmlns="" xmlns:a16="http://schemas.microsoft.com/office/drawing/2014/main" val="10001"/>
+                    <a16:rowId xmlns:a16="http://schemas.microsoft.com/office/drawing/2014/main" xmlns="" val="10001"/>
                   </a:ext>
                 </a:extLst>
               </a:tr>
@@ -42824,7 +43988,7 @@
                 </a:tc>
                 <a:extLst>
                   <a:ext uri="{0D108BD9-81ED-4DB2-BD59-A6C34878D82A}">
-                    <a16:rowId xmlns="" xmlns:a16="http://schemas.microsoft.com/office/drawing/2014/main" val="10002"/>
+                    <a16:rowId xmlns:a16="http://schemas.microsoft.com/office/drawing/2014/main" xmlns="" val="10002"/>
                   </a:ext>
                 </a:extLst>
               </a:tr>
@@ -42897,7 +44061,7 @@
                 </a:tc>
                 <a:extLst>
                   <a:ext uri="{0D108BD9-81ED-4DB2-BD59-A6C34878D82A}">
-                    <a16:rowId xmlns="" xmlns:a16="http://schemas.microsoft.com/office/drawing/2014/main" val="10003"/>
+                    <a16:rowId xmlns:a16="http://schemas.microsoft.com/office/drawing/2014/main" xmlns="" val="10003"/>
                   </a:ext>
                 </a:extLst>
               </a:tr>
@@ -42979,7 +44143,7 @@
                 </a:tc>
                 <a:extLst>
                   <a:ext uri="{0D108BD9-81ED-4DB2-BD59-A6C34878D82A}">
-                    <a16:rowId xmlns="" xmlns:a16="http://schemas.microsoft.com/office/drawing/2014/main" val="10004"/>
+                    <a16:rowId xmlns:a16="http://schemas.microsoft.com/office/drawing/2014/main" xmlns="" val="10004"/>
                   </a:ext>
                 </a:extLst>
               </a:tr>
@@ -44658,12 +45822,6 @@
 </file>
 
 <file path=customXml/item1.xml><?xml version="1.0" encoding="utf-8"?>
-<p:properties xmlns:p="http://schemas.microsoft.com/office/2006/metadata/properties" xmlns:xsi="http://www.w3.org/2001/XMLSchema-instance" xmlns:pc="http://schemas.microsoft.com/office/infopath/2007/PartnerControls">
-  <documentManagement/>
-</p:properties>
-</file>
-
-<file path=customXml/item2.xml><?xml version="1.0" encoding="utf-8"?>
 <ct:contentTypeSchema xmlns:ct="http://schemas.microsoft.com/office/2006/metadata/contentType" xmlns:ma="http://schemas.microsoft.com/office/2006/metadata/properties/metaAttributes" ct:_="" ma:_="" ma:contentTypeName="Document" ma:contentTypeID="0x01010055B2CD89C57E654B9987E9AA8CA4BF0D" ma:contentTypeVersion="0" ma:contentTypeDescription="Create a new document." ma:contentTypeScope="" ma:versionID="18de93eb0ee0f4f315a1ec1a884e13c6">
   <xsd:schema xmlns:xsd="http://www.w3.org/2001/XMLSchema" xmlns:xs="http://www.w3.org/2001/XMLSchema" xmlns:p="http://schemas.microsoft.com/office/2006/metadata/properties" targetNamespace="http://schemas.microsoft.com/office/2006/metadata/properties" ma:root="true" ma:fieldsID="a7c9ea3003598ff63be50cfc9788e6e2">
     <xsd:element name="properties">
@@ -44777,6 +45935,12 @@
 </ct:contentTypeSchema>
 </file>
 
+<file path=customXml/item2.xml><?xml version="1.0" encoding="utf-8"?>
+<p:properties xmlns:p="http://schemas.microsoft.com/office/2006/metadata/properties" xmlns:xsi="http://www.w3.org/2001/XMLSchema-instance" xmlns:pc="http://schemas.microsoft.com/office/infopath/2007/PartnerControls">
+  <documentManagement/>
+</p:properties>
+</file>
+
 <file path=customXml/item3.xml><?xml version="1.0" encoding="utf-8"?>
 <?mso-contentType ?>
 <FormTemplates xmlns="http://schemas.microsoft.com/sharepoint/v3/contenttype/forms">
@@ -44787,21 +45951,6 @@
 </file>
 
 <file path=customXml/itemProps1.xml><?xml version="1.0" encoding="utf-8"?>
-<ds:datastoreItem xmlns:ds="http://schemas.openxmlformats.org/officeDocument/2006/customXml" ds:itemID="{F1AEA8A7-A694-4DB0-82AB-EF48F2E9B6F9}">
-  <ds:schemaRefs>
-    <ds:schemaRef ds:uri="http://purl.org/dc/terms/"/>
-    <ds:schemaRef ds:uri="http://schemas.openxmlformats.org/package/2006/metadata/core-properties"/>
-    <ds:schemaRef ds:uri="http://schemas.microsoft.com/office/2006/documentManagement/types"/>
-    <ds:schemaRef ds:uri="http://schemas.microsoft.com/office/infopath/2007/PartnerControls"/>
-    <ds:schemaRef ds:uri="http://purl.org/dc/elements/1.1/"/>
-    <ds:schemaRef ds:uri="http://schemas.microsoft.com/office/2006/metadata/properties"/>
-    <ds:schemaRef ds:uri="http://www.w3.org/XML/1998/namespace"/>
-    <ds:schemaRef ds:uri="http://purl.org/dc/dcmitype/"/>
-  </ds:schemaRefs>
-</ds:datastoreItem>
-</file>
-
-<file path=customXml/itemProps2.xml><?xml version="1.0" encoding="utf-8"?>
 <ds:datastoreItem xmlns:ds="http://schemas.openxmlformats.org/officeDocument/2006/customXml" ds:itemID="{E2F29384-BD65-45EE-AC22-B03A76D49F37}">
   <ds:schemaRefs>
     <ds:schemaRef ds:uri="http://schemas.microsoft.com/office/2006/metadata/contentType"/>
@@ -44817,6 +45966,21 @@
 </ds:datastoreItem>
 </file>
 
+<file path=customXml/itemProps2.xml><?xml version="1.0" encoding="utf-8"?>
+<ds:datastoreItem xmlns:ds="http://schemas.openxmlformats.org/officeDocument/2006/customXml" ds:itemID="{F1AEA8A7-A694-4DB0-82AB-EF48F2E9B6F9}">
+  <ds:schemaRefs>
+    <ds:schemaRef ds:uri="http://purl.org/dc/terms/"/>
+    <ds:schemaRef ds:uri="http://schemas.openxmlformats.org/package/2006/metadata/core-properties"/>
+    <ds:schemaRef ds:uri="http://schemas.microsoft.com/office/2006/documentManagement/types"/>
+    <ds:schemaRef ds:uri="http://schemas.microsoft.com/office/infopath/2007/PartnerControls"/>
+    <ds:schemaRef ds:uri="http://purl.org/dc/elements/1.1/"/>
+    <ds:schemaRef ds:uri="http://schemas.microsoft.com/office/2006/metadata/properties"/>
+    <ds:schemaRef ds:uri="http://www.w3.org/XML/1998/namespace"/>
+    <ds:schemaRef ds:uri="http://purl.org/dc/dcmitype/"/>
+  </ds:schemaRefs>
+</ds:datastoreItem>
+</file>
+
 <file path=customXml/itemProps3.xml><?xml version="1.0" encoding="utf-8"?>
 <ds:datastoreItem xmlns:ds="http://schemas.openxmlformats.org/officeDocument/2006/customXml" ds:itemID="{B4606E04-852E-4880-8CD1-0B186F4087B1}">
   <ds:schemaRefs>

--- a/PnP Transformation Process/Samples/PnP Transformation - Solution Design Report - Contoso.pptx
+++ b/PnP Transformation Process/Samples/PnP Transformation - Solution Design Report - Contoso.pptx
@@ -21,13 +21,13 @@
     <p:sldId id="1350" r:id="rId12"/>
     <p:sldId id="1300" r:id="rId13"/>
     <p:sldId id="1319" r:id="rId14"/>
-    <p:sldId id="1346" r:id="rId15"/>
-    <p:sldId id="1332" r:id="rId16"/>
-    <p:sldId id="1333" r:id="rId17"/>
-    <p:sldId id="1339" r:id="rId18"/>
-    <p:sldId id="1340" r:id="rId19"/>
-    <p:sldId id="1352" r:id="rId20"/>
-    <p:sldId id="1353" r:id="rId21"/>
+    <p:sldId id="1332" r:id="rId15"/>
+    <p:sldId id="1333" r:id="rId16"/>
+    <p:sldId id="1339" r:id="rId17"/>
+    <p:sldId id="1340" r:id="rId18"/>
+    <p:sldId id="1352" r:id="rId19"/>
+    <p:sldId id="1353" r:id="rId20"/>
+    <p:sldId id="1346" r:id="rId21"/>
     <p:sldId id="1347" r:id="rId22"/>
     <p:sldId id="1335" r:id="rId23"/>
     <p:sldId id="1334" r:id="rId24"/>
@@ -160,13 +160,13 @@
             <p14:sldId id="1350"/>
             <p14:sldId id="1300"/>
             <p14:sldId id="1319"/>
-            <p14:sldId id="1346"/>
             <p14:sldId id="1332"/>
             <p14:sldId id="1333"/>
             <p14:sldId id="1339"/>
             <p14:sldId id="1340"/>
             <p14:sldId id="1352"/>
             <p14:sldId id="1353"/>
+            <p14:sldId id="1346"/>
             <p14:sldId id="1347"/>
             <p14:sldId id="1335"/>
             <p14:sldId id="1334"/>
@@ -415,7 +415,7 @@
           <a:p>
             <a:fld id="{DE219B1A-AE41-483B-A766-69B9363DDA6A}" type="datetimeFigureOut">
               <a:rPr lang="en-US" smtClean="0"/>
-              <a:t>6/2/2015</a:t>
+              <a:t>6/3/2015</a:t>
             </a:fld>
             <a:endParaRPr lang="en-US"/>
           </a:p>
@@ -624,7 +624,7 @@
           <a:p>
             <a:fld id="{D51B1278-D92B-4AF3-A9C1-71DD298190CE}" type="datetimeFigureOut">
               <a:rPr lang="en-US" smtClean="0"/>
-              <a:t>6/2/2015</a:t>
+              <a:t>6/3/2015</a:t>
             </a:fld>
             <a:endParaRPr lang="en-US"/>
           </a:p>
@@ -1069,7 +1069,7 @@
                 </a:solidFill>
               </a:rPr>
               <a:pPr/>
-              <a:t>6/2/2015</a:t>
+              <a:t>6/3/2015</a:t>
             </a:fld>
             <a:endParaRPr lang="en-US" dirty="0">
               <a:solidFill>
@@ -1332,7 +1332,7 @@
           <a:p>
             <a:fld id="{EE679FBF-1C32-40EC-8A8D-F696D0F011B7}" type="datetime1">
               <a:rPr lang="en-US" smtClean="0"/>
-              <a:t>6/2/2015</a:t>
+              <a:t>6/3/2015</a:t>
             </a:fld>
             <a:endParaRPr lang="en-US"/>
           </a:p>
@@ -1463,7 +1463,7 @@
     </p:spTree>
     <p:extLst>
       <p:ext uri="{BB962C8B-B14F-4D97-AF65-F5344CB8AC3E}">
-        <p14:creationId xmlns:p14="http://schemas.microsoft.com/office/powerpoint/2010/main" val="1578588675"/>
+        <p14:creationId xmlns:p14="http://schemas.microsoft.com/office/powerpoint/2010/main" val="4032935859"/>
       </p:ext>
     </p:extLst>
   </p:cSld>
@@ -1564,9 +1564,9 @@
           <a:bodyPr/>
           <a:lstStyle/>
           <a:p>
-            <a:fld id="{EE679FBF-1C32-40EC-8A8D-F696D0F011B7}" type="datetime1">
+            <a:fld id="{D1138656-1104-4895-916A-3F46DB26BB9D}" type="datetime1">
               <a:rPr lang="en-US" smtClean="0"/>
-              <a:t>6/2/2015</a:t>
+              <a:t>6/3/2015</a:t>
             </a:fld>
             <a:endParaRPr lang="en-US"/>
           </a:p>
@@ -1697,7 +1697,7 @@
     </p:spTree>
     <p:extLst>
       <p:ext uri="{BB962C8B-B14F-4D97-AF65-F5344CB8AC3E}">
-        <p14:creationId xmlns:p14="http://schemas.microsoft.com/office/powerpoint/2010/main" val="4032935859"/>
+        <p14:creationId xmlns:p14="http://schemas.microsoft.com/office/powerpoint/2010/main" val="1716940289"/>
       </p:ext>
     </p:extLst>
   </p:cSld>
@@ -1751,23 +1751,6 @@
           <a:bodyPr/>
           <a:lstStyle/>
           <a:p>
-            <a:pPr marL="0" marR="0" indent="0" algn="l" defTabSz="914363" rtl="0" eaLnBrk="1" fontAlgn="auto" latinLnBrk="0" hangingPunct="1">
-              <a:lnSpc>
-                <a:spcPct val="90000"/>
-              </a:lnSpc>
-              <a:spcBef>
-                <a:spcPts val="0"/>
-              </a:spcBef>
-              <a:spcAft>
-                <a:spcPts val="333"/>
-              </a:spcAft>
-              <a:buClrTx/>
-              <a:buSzTx/>
-              <a:buFontTx/>
-              <a:buNone/>
-              <a:tabLst/>
-              <a:defRPr/>
-            </a:pPr>
             <a:r>
               <a:rPr lang="en-NZ" dirty="0" smtClean="0"/>
               <a:t>The</a:t>
@@ -1776,9 +1759,6 @@
               <a:rPr lang="en-NZ" baseline="0" dirty="0" smtClean="0"/>
               <a:t> team responsible for transforming the solution has been identified in the “Owner” section.</a:t>
             </a:r>
-            <a:endParaRPr lang="en-NZ" dirty="0" smtClean="0"/>
-          </a:p>
-          <a:p>
             <a:endParaRPr lang="en-NZ" dirty="0"/>
           </a:p>
         </p:txBody>
@@ -1800,7 +1780,7 @@
           <a:p>
             <a:fld id="{D1138656-1104-4895-916A-3F46DB26BB9D}" type="datetime1">
               <a:rPr lang="en-US" smtClean="0"/>
-              <a:t>6/2/2015</a:t>
+              <a:t>6/3/2015</a:t>
             </a:fld>
             <a:endParaRPr lang="en-US"/>
           </a:p>
@@ -1931,7 +1911,7 @@
     </p:spTree>
     <p:extLst>
       <p:ext uri="{BB962C8B-B14F-4D97-AF65-F5344CB8AC3E}">
-        <p14:creationId xmlns:p14="http://schemas.microsoft.com/office/powerpoint/2010/main" val="1716940289"/>
+        <p14:creationId xmlns:p14="http://schemas.microsoft.com/office/powerpoint/2010/main" val="2338391053"/>
       </p:ext>
     </p:extLst>
   </p:cSld>
@@ -2034,7 +2014,7 @@
           <a:p>
             <a:fld id="{D1138656-1104-4895-916A-3F46DB26BB9D}" type="datetime1">
               <a:rPr lang="en-US" smtClean="0"/>
-              <a:t>6/2/2015</a:t>
+              <a:t>6/3/2015</a:t>
             </a:fld>
             <a:endParaRPr lang="en-US"/>
           </a:p>
@@ -2273,7 +2253,7 @@
                 </a:solidFill>
               </a:rPr>
               <a:pPr/>
-              <a:t>6/2/2015</a:t>
+              <a:t>6/3/2015</a:t>
             </a:fld>
             <a:endParaRPr lang="en-US">
               <a:solidFill>
@@ -2528,7 +2508,7 @@
           <a:p>
             <a:fld id="{451D34E3-A4EB-4733-B7C0-D045AD3234C1}" type="datetime1">
               <a:rPr lang="en-US" smtClean="0"/>
-              <a:t>6/2/2015</a:t>
+              <a:t>6/3/2015</a:t>
             </a:fld>
             <a:endParaRPr lang="en-US"/>
           </a:p>
@@ -2762,7 +2742,7 @@
           <a:p>
             <a:fld id="{AA3AF75D-25C3-42E7-9971-69168E23937F}" type="datetime1">
               <a:rPr lang="en-US" smtClean="0"/>
-              <a:t>6/2/2015</a:t>
+              <a:t>6/3/2015</a:t>
             </a:fld>
             <a:endParaRPr lang="en-US"/>
           </a:p>
@@ -2977,7 +2957,7 @@
                 </a:solidFill>
               </a:rPr>
               <a:pPr/>
-              <a:t>6/2/2015</a:t>
+              <a:t>6/3/2015</a:t>
             </a:fld>
             <a:endParaRPr lang="en-US">
               <a:solidFill>
@@ -3204,7 +3184,7 @@
           <a:p>
             <a:fld id="{0B49ECD6-2B5F-4BFE-A8F3-6C5940E5A932}" type="datetime1">
               <a:rPr lang="en-US" smtClean="0"/>
-              <a:t>6/2/2015</a:t>
+              <a:t>6/3/2015</a:t>
             </a:fld>
             <a:endParaRPr lang="en-US"/>
           </a:p>
@@ -3515,7 +3495,7 @@
                 </a:solidFill>
               </a:rPr>
               <a:pPr/>
-              <a:t>6/2/2015</a:t>
+              <a:t>6/3/2015</a:t>
             </a:fld>
             <a:endParaRPr lang="en-US">
               <a:solidFill>
@@ -3773,7 +3753,7 @@
                 </a:solidFill>
               </a:rPr>
               <a:pPr/>
-              <a:t>6/2/2015</a:t>
+              <a:t>6/3/2015</a:t>
             </a:fld>
             <a:endParaRPr lang="en-US" dirty="0">
               <a:solidFill>
@@ -4022,7 +4002,7 @@
                 </a:solidFill>
               </a:rPr>
               <a:pPr/>
-              <a:t>6/2/2015</a:t>
+              <a:t>6/3/2015</a:t>
             </a:fld>
             <a:endParaRPr lang="en-US">
               <a:solidFill>
@@ -4293,7 +4273,7 @@
           <a:p>
             <a:fld id="{152427C8-1870-4D04-BF1C-4B85DC18AB6D}" type="datetime1">
               <a:rPr lang="en-US" smtClean="0"/>
-              <a:t>6/2/2015</a:t>
+              <a:t>6/3/2015</a:t>
             </a:fld>
             <a:endParaRPr lang="en-US"/>
           </a:p>
@@ -4480,7 +4460,21 @@
           <a:p>
             <a:r>
               <a:rPr lang="en-NZ" dirty="0" smtClean="0"/>
-              <a:t>The colours on the right indicate the simplicity with regards to the transformation process.</a:t>
+              <a:t>The colours on the right indicate the simplicity with regards to the transformation process</a:t>
+            </a:r>
+            <a:r>
+              <a:rPr lang="en-NZ" dirty="0" smtClean="0"/>
+              <a:t>.</a:t>
+            </a:r>
+          </a:p>
+          <a:p>
+            <a:r>
+              <a:rPr lang="en-NZ" dirty="0" smtClean="0"/>
+              <a:t>News Notifications</a:t>
+            </a:r>
+            <a:r>
+              <a:rPr lang="en-NZ" baseline="0" dirty="0" smtClean="0"/>
+              <a:t> and Content Migration solutions will be abandoned because they cannot be moved to Office 365</a:t>
             </a:r>
             <a:endParaRPr lang="en-NZ" dirty="0"/>
           </a:p>
@@ -4503,7 +4497,7 @@
           <a:p>
             <a:fld id="{094F81B1-FE33-4866-9415-4EA33D10F9E8}" type="datetime1">
               <a:rPr lang="en-US" smtClean="0"/>
-              <a:t>6/2/2015</a:t>
+              <a:t>6/3/2015</a:t>
             </a:fld>
             <a:endParaRPr lang="en-US"/>
           </a:p>
@@ -4688,6 +4682,23 @@
           <a:bodyPr/>
           <a:lstStyle/>
           <a:p>
+            <a:pPr marL="0" marR="0" indent="0" algn="l" defTabSz="914363" rtl="0" eaLnBrk="1" fontAlgn="auto" latinLnBrk="0" hangingPunct="1">
+              <a:lnSpc>
+                <a:spcPct val="90000"/>
+              </a:lnSpc>
+              <a:spcBef>
+                <a:spcPts val="0"/>
+              </a:spcBef>
+              <a:spcAft>
+                <a:spcPts val="333"/>
+              </a:spcAft>
+              <a:buClrTx/>
+              <a:buSzTx/>
+              <a:buFontTx/>
+              <a:buNone/>
+              <a:tabLst/>
+              <a:defRPr/>
+            </a:pPr>
             <a:r>
               <a:rPr lang="en-NZ" dirty="0" smtClean="0"/>
               <a:t>The</a:t>
@@ -4696,6 +4707,9 @@
               <a:rPr lang="en-NZ" baseline="0" dirty="0" smtClean="0"/>
               <a:t> team responsible for transforming the solution has been identified in the “Owner” section.</a:t>
             </a:r>
+            <a:endParaRPr lang="en-NZ" dirty="0" smtClean="0"/>
+          </a:p>
+          <a:p>
             <a:endParaRPr lang="en-NZ" dirty="0"/>
           </a:p>
         </p:txBody>
@@ -4715,9 +4729,9 @@
           <a:bodyPr/>
           <a:lstStyle/>
           <a:p>
-            <a:fld id="{D1138656-1104-4895-916A-3F46DB26BB9D}" type="datetime1">
+            <a:fld id="{AE18C4A6-F14F-41E5-9C64-E690240F93F9}" type="datetime1">
               <a:rPr lang="en-US" smtClean="0"/>
-              <a:t>6/2/2015</a:t>
+              <a:t>6/3/2015</a:t>
             </a:fld>
             <a:endParaRPr lang="en-US"/>
           </a:p>
@@ -4848,7 +4862,7 @@
     </p:spTree>
     <p:extLst>
       <p:ext uri="{BB962C8B-B14F-4D97-AF65-F5344CB8AC3E}">
-        <p14:creationId xmlns:p14="http://schemas.microsoft.com/office/powerpoint/2010/main" val="2338391053"/>
+        <p14:creationId xmlns:p14="http://schemas.microsoft.com/office/powerpoint/2010/main" val="879643190"/>
       </p:ext>
     </p:extLst>
   </p:cSld>
@@ -4949,11 +4963,20 @@
           <a:bodyPr/>
           <a:lstStyle/>
           <a:p>
-            <a:fld id="{AE18C4A6-F14F-41E5-9C64-E690240F93F9}" type="datetime1">
-              <a:rPr lang="en-US" smtClean="0"/>
-              <a:t>6/2/2015</a:t>
+            <a:fld id="{4AE8C4F7-4397-4161-9F22-0B4AD96909C7}" type="datetime1">
+              <a:rPr lang="en-US" smtClean="0">
+                <a:solidFill>
+                  <a:prstClr val="black"/>
+                </a:solidFill>
+              </a:rPr>
+              <a:pPr/>
+              <a:t>6/3/2015</a:t>
             </a:fld>
-            <a:endParaRPr lang="en-US"/>
+            <a:endParaRPr lang="en-US">
+              <a:solidFill>
+                <a:prstClr val="black"/>
+              </a:solidFill>
+            </a:endParaRPr>
           </a:p>
         </p:txBody>
       </p:sp>
@@ -4973,10 +4996,19 @@
           <a:lstStyle/>
           <a:p>
             <a:fld id="{B4008EB6-D09E-4580-8CD6-DDB14511944F}" type="slidenum">
-              <a:rPr lang="en-US" smtClean="0"/>
+              <a:rPr lang="en-US" smtClean="0">
+                <a:solidFill>
+                  <a:prstClr val="black"/>
+                </a:solidFill>
+              </a:rPr>
+              <a:pPr/>
               <a:t>11</a:t>
             </a:fld>
-            <a:endParaRPr lang="en-US" dirty="0"/>
+            <a:endParaRPr lang="en-US" dirty="0">
+              <a:solidFill>
+                <a:prstClr val="black"/>
+              </a:solidFill>
+            </a:endParaRPr>
           </a:p>
         </p:txBody>
       </p:sp>
@@ -4996,10 +5028,18 @@
           <a:lstStyle/>
           <a:p>
             <a:r>
-              <a:rPr lang="en-US" smtClean="0"/>
+              <a:rPr lang="en-US" smtClean="0">
+                <a:solidFill>
+                  <a:prstClr val="black"/>
+                </a:solidFill>
+              </a:rPr>
               <a:t>Microsoft Office</a:t>
             </a:r>
-            <a:endParaRPr lang="en-US" dirty="0"/>
+            <a:endParaRPr lang="en-US" dirty="0">
+              <a:solidFill>
+                <a:prstClr val="black"/>
+              </a:solidFill>
+            </a:endParaRPr>
           </a:p>
         </p:txBody>
       </p:sp>
@@ -5024,10 +5064,10 @@
                 <a:gradFill>
                   <a:gsLst>
                     <a:gs pos="0">
-                      <a:schemeClr val="tx1"/>
+                      <a:prstClr val="black"/>
                     </a:gs>
                     <a:gs pos="100000">
-                      <a:schemeClr val="tx1"/>
+                      <a:prstClr val="black"/>
                     </a:gs>
                   </a:gsLst>
                   <a:lin ang="5400000" scaled="0"/>
@@ -5046,10 +5086,10 @@
                 <a:gradFill>
                   <a:gsLst>
                     <a:gs pos="0">
-                      <a:schemeClr val="tx1"/>
+                      <a:prstClr val="black"/>
                     </a:gs>
                     <a:gs pos="100000">
-                      <a:schemeClr val="tx1"/>
+                      <a:prstClr val="black"/>
                     </a:gs>
                   </a:gsLst>
                   <a:lin ang="5400000" scaled="0"/>
@@ -5064,10 +5104,10 @@
               <a:gradFill>
                 <a:gsLst>
                   <a:gs pos="0">
-                    <a:schemeClr val="tx1"/>
+                    <a:prstClr val="black"/>
                   </a:gs>
                   <a:gs pos="100000">
-                    <a:schemeClr val="tx1"/>
+                    <a:prstClr val="black"/>
                   </a:gs>
                 </a:gsLst>
                 <a:lin ang="5400000" scaled="0"/>
@@ -5082,7 +5122,7 @@
     </p:spTree>
     <p:extLst>
       <p:ext uri="{BB962C8B-B14F-4D97-AF65-F5344CB8AC3E}">
-        <p14:creationId xmlns:p14="http://schemas.microsoft.com/office/powerpoint/2010/main" val="879643190"/>
+        <p14:creationId xmlns:p14="http://schemas.microsoft.com/office/powerpoint/2010/main" val="2159873985"/>
       </p:ext>
     </p:extLst>
   </p:cSld>
@@ -5183,20 +5223,11 @@
           <a:bodyPr/>
           <a:lstStyle/>
           <a:p>
-            <a:fld id="{4AE8C4F7-4397-4161-9F22-0B4AD96909C7}" type="datetime1">
-              <a:rPr lang="en-US" smtClean="0">
-                <a:solidFill>
-                  <a:prstClr val="black"/>
-                </a:solidFill>
-              </a:rPr>
-              <a:pPr/>
-              <a:t>6/2/2015</a:t>
+            <a:fld id="{8E807F05-A7DA-4BF4-B992-4D1E30BA3021}" type="datetime1">
+              <a:rPr lang="en-US" smtClean="0"/>
+              <a:t>6/3/2015</a:t>
             </a:fld>
-            <a:endParaRPr lang="en-US">
-              <a:solidFill>
-                <a:prstClr val="black"/>
-              </a:solidFill>
-            </a:endParaRPr>
+            <a:endParaRPr lang="en-US"/>
           </a:p>
         </p:txBody>
       </p:sp>
@@ -5216,19 +5247,10 @@
           <a:lstStyle/>
           <a:p>
             <a:fld id="{B4008EB6-D09E-4580-8CD6-DDB14511944F}" type="slidenum">
-              <a:rPr lang="en-US" smtClean="0">
-                <a:solidFill>
-                  <a:prstClr val="black"/>
-                </a:solidFill>
-              </a:rPr>
-              <a:pPr/>
+              <a:rPr lang="en-US" smtClean="0"/>
               <a:t>12</a:t>
             </a:fld>
-            <a:endParaRPr lang="en-US" dirty="0">
-              <a:solidFill>
-                <a:prstClr val="black"/>
-              </a:solidFill>
-            </a:endParaRPr>
+            <a:endParaRPr lang="en-US" dirty="0"/>
           </a:p>
         </p:txBody>
       </p:sp>
@@ -5248,18 +5270,10 @@
           <a:lstStyle/>
           <a:p>
             <a:r>
-              <a:rPr lang="en-US" smtClean="0">
-                <a:solidFill>
-                  <a:prstClr val="black"/>
-                </a:solidFill>
-              </a:rPr>
+              <a:rPr lang="en-US" smtClean="0"/>
               <a:t>Microsoft Office</a:t>
             </a:r>
-            <a:endParaRPr lang="en-US" dirty="0">
-              <a:solidFill>
-                <a:prstClr val="black"/>
-              </a:solidFill>
-            </a:endParaRPr>
+            <a:endParaRPr lang="en-US" dirty="0"/>
           </a:p>
         </p:txBody>
       </p:sp>
@@ -5284,10 +5298,10 @@
                 <a:gradFill>
                   <a:gsLst>
                     <a:gs pos="0">
-                      <a:prstClr val="black"/>
+                      <a:schemeClr val="tx1"/>
                     </a:gs>
                     <a:gs pos="100000">
-                      <a:prstClr val="black"/>
+                      <a:schemeClr val="tx1"/>
                     </a:gs>
                   </a:gsLst>
                   <a:lin ang="5400000" scaled="0"/>
@@ -5306,10 +5320,10 @@
                 <a:gradFill>
                   <a:gsLst>
                     <a:gs pos="0">
-                      <a:prstClr val="black"/>
+                      <a:schemeClr val="tx1"/>
                     </a:gs>
                     <a:gs pos="100000">
-                      <a:prstClr val="black"/>
+                      <a:schemeClr val="tx1"/>
                     </a:gs>
                   </a:gsLst>
                   <a:lin ang="5400000" scaled="0"/>
@@ -5324,10 +5338,10 @@
               <a:gradFill>
                 <a:gsLst>
                   <a:gs pos="0">
-                    <a:prstClr val="black"/>
+                    <a:schemeClr val="tx1"/>
                   </a:gs>
                   <a:gs pos="100000">
-                    <a:prstClr val="black"/>
+                    <a:schemeClr val="tx1"/>
                   </a:gs>
                 </a:gsLst>
                 <a:lin ang="5400000" scaled="0"/>
@@ -5342,7 +5356,7 @@
     </p:spTree>
     <p:extLst>
       <p:ext uri="{BB962C8B-B14F-4D97-AF65-F5344CB8AC3E}">
-        <p14:creationId xmlns:p14="http://schemas.microsoft.com/office/powerpoint/2010/main" val="2159873985"/>
+        <p14:creationId xmlns:p14="http://schemas.microsoft.com/office/powerpoint/2010/main" val="2675710392"/>
       </p:ext>
     </p:extLst>
   </p:cSld>
@@ -5443,9 +5457,9 @@
           <a:bodyPr/>
           <a:lstStyle/>
           <a:p>
-            <a:fld id="{8E807F05-A7DA-4BF4-B992-4D1E30BA3021}" type="datetime1">
+            <a:fld id="{EE679FBF-1C32-40EC-8A8D-F696D0F011B7}" type="datetime1">
               <a:rPr lang="en-US" smtClean="0"/>
-              <a:t>6/2/2015</a:t>
+              <a:t>6/3/2015</a:t>
             </a:fld>
             <a:endParaRPr lang="en-US"/>
           </a:p>
@@ -5576,7 +5590,7 @@
     </p:spTree>
     <p:extLst>
       <p:ext uri="{BB962C8B-B14F-4D97-AF65-F5344CB8AC3E}">
-        <p14:creationId xmlns:p14="http://schemas.microsoft.com/office/powerpoint/2010/main" val="2675710392"/>
+        <p14:creationId xmlns:p14="http://schemas.microsoft.com/office/powerpoint/2010/main" val="1578588675"/>
       </p:ext>
     </p:extLst>
   </p:cSld>
@@ -16505,66 +16519,16 @@
             <p:ph type="title"/>
           </p:nvPr>
         </p:nvSpPr>
-        <p:spPr>
-          <a:xfrm>
-            <a:off x="3173505" y="992992"/>
-            <a:ext cx="8494619" cy="747897"/>
-          </a:xfrm>
-        </p:spPr>
+        <p:spPr/>
         <p:txBody>
-          <a:bodyPr anchor="ctr"/>
+          <a:bodyPr/>
           <a:lstStyle/>
           <a:p>
             <a:r>
               <a:rPr lang="nl-BE" dirty="0" smtClean="0"/>
-              <a:t>Safety News Rollups</a:t>
-            </a:r>
-            <a:br>
-              <a:rPr lang="nl-BE" dirty="0" smtClean="0"/>
-            </a:br>
-            <a:r>
-              <a:rPr lang="en-US" sz="3600" dirty="0" err="1" smtClean="0">
-                <a:solidFill>
-                  <a:schemeClr val="accent1"/>
-                </a:solidFill>
-              </a:rPr>
-              <a:t>contoso.sharepoint.safetynews.wsp</a:t>
-            </a:r>
-            <a:r>
-              <a:rPr lang="en-US" sz="3600" dirty="0">
-                <a:solidFill>
-                  <a:schemeClr val="accent1"/>
-                </a:solidFill>
-              </a:rPr>
-              <a:t/>
-            </a:r>
-            <a:br>
-              <a:rPr lang="en-US" sz="3600" dirty="0">
-                <a:solidFill>
-                  <a:schemeClr val="accent1"/>
-                </a:solidFill>
-              </a:rPr>
-            </a:br>
-            <a:r>
-              <a:rPr lang="en-US" sz="3600" dirty="0">
-                <a:solidFill>
-                  <a:schemeClr val="accent1"/>
-                </a:solidFill>
-              </a:rPr>
-              <a:t/>
-            </a:r>
-            <a:br>
-              <a:rPr lang="en-US" sz="3600" dirty="0">
-                <a:solidFill>
-                  <a:schemeClr val="accent1"/>
-                </a:solidFill>
-              </a:rPr>
-            </a:br>
-            <a:endParaRPr lang="nl-BE" sz="3600" dirty="0">
-              <a:solidFill>
-                <a:schemeClr val="accent1"/>
-              </a:solidFill>
-            </a:endParaRPr>
+              <a:t>Branding</a:t>
+            </a:r>
+            <a:endParaRPr lang="nl-BE" dirty="0"/>
           </a:p>
         </p:txBody>
       </p:sp>
@@ -16580,7 +16544,7 @@
         </p:nvSpPr>
         <p:spPr>
           <a:xfrm>
-            <a:off x="3173505" y="2238374"/>
+            <a:off x="3173506" y="1447799"/>
             <a:ext cx="8494619" cy="4619626"/>
           </a:xfrm>
         </p:spPr>
@@ -16595,49 +16559,92 @@
           </a:p>
           <a:p>
             <a:pPr lvl="1"/>
+            <a:r>
+              <a:rPr lang="en-US" sz="1800" dirty="0" smtClean="0"/>
+              <a:t>Typical </a:t>
+            </a:r>
+            <a:r>
+              <a:rPr lang="en-US" sz="1800" dirty="0"/>
+              <a:t>Intranet features:</a:t>
+            </a:r>
+          </a:p>
+          <a:p>
+            <a:pPr lvl="2"/>
+            <a:r>
+              <a:rPr lang="en-US" sz="1800" dirty="0"/>
+              <a:t>Custom </a:t>
+            </a:r>
+            <a:r>
+              <a:rPr lang="en-US" sz="1800" dirty="0" smtClean="0"/>
+              <a:t>page </a:t>
+            </a:r>
+            <a:r>
+              <a:rPr lang="en-US" sz="1800" dirty="0"/>
+              <a:t>layouts </a:t>
+            </a:r>
+          </a:p>
+          <a:p>
+            <a:pPr lvl="2"/>
+            <a:r>
+              <a:rPr lang="en-US" sz="1800" dirty="0" smtClean="0"/>
+              <a:t>A branded site theme.</a:t>
+            </a:r>
             <a:endParaRPr lang="en-US" sz="1800" dirty="0"/>
           </a:p>
           <a:p>
             <a:pPr lvl="2"/>
             <a:r>
+              <a:rPr lang="en-US" sz="1800" dirty="0"/>
+              <a:t>Social features (commenting, tag cloud)</a:t>
+            </a:r>
+          </a:p>
+          <a:p>
+            <a:pPr lvl="2"/>
+            <a:r>
               <a:rPr lang="en-US" sz="1800" dirty="0" smtClean="0"/>
-              <a:t>Display safety news on the landing page.</a:t>
-            </a:r>
+              <a:t>Site Navigation</a:t>
+            </a:r>
+            <a:endParaRPr lang="en-US" sz="1800" dirty="0"/>
           </a:p>
           <a:p>
             <a:pPr lvl="2"/>
             <a:r>
               <a:rPr lang="en-US" sz="1800" dirty="0" smtClean="0"/>
-              <a:t>Should display safety incidents irrespective of department</a:t>
-            </a:r>
-            <a:endParaRPr lang="en-US" sz="1800" dirty="0" smtClean="0"/>
+              <a:t>UI elements</a:t>
+            </a:r>
+            <a:endParaRPr lang="en-US" sz="1800" dirty="0"/>
+          </a:p>
+          <a:p>
+            <a:pPr lvl="3"/>
+            <a:r>
+              <a:rPr lang="en-US" sz="1600" dirty="0"/>
+              <a:t>Share price, world clock, weather, emergency information, image rotator</a:t>
+            </a:r>
+          </a:p>
+          <a:p>
+            <a:pPr lvl="1"/>
+            <a:r>
+              <a:rPr lang="en-US" sz="1800" dirty="0"/>
+              <a:t>Other intranet features:</a:t>
+            </a:r>
           </a:p>
           <a:p>
             <a:pPr lvl="2"/>
             <a:r>
-              <a:rPr lang="en-US" sz="1800" dirty="0" smtClean="0"/>
-              <a:t>Provide a mobile friendly view of the </a:t>
-            </a:r>
-            <a:r>
-              <a:rPr lang="en-US" sz="1800" dirty="0" smtClean="0"/>
-              <a:t>safety news </a:t>
-            </a:r>
-            <a:r>
-              <a:rPr lang="en-US" sz="1800" dirty="0" smtClean="0"/>
-              <a:t>item when accessed from mobile devices</a:t>
-            </a:r>
-            <a:r>
-              <a:rPr lang="en-US" sz="1800" dirty="0" smtClean="0"/>
-              <a:t>.</a:t>
+              <a:rPr lang="en-US" sz="1800" dirty="0"/>
+              <a:t>Site provisioning for collaborative sites</a:t>
             </a:r>
           </a:p>
           <a:p>
             <a:pPr lvl="2"/>
             <a:r>
-              <a:rPr lang="en-US" sz="1800" dirty="0" smtClean="0"/>
-              <a:t>Ability to like and share the news article will be a good to have.</a:t>
-            </a:r>
-            <a:endParaRPr lang="en-US" sz="1800" dirty="0"/>
+              <a:rPr lang="en-US" sz="1800" dirty="0" err="1"/>
+              <a:t>MySite</a:t>
+            </a:r>
+            <a:r>
+              <a:rPr lang="en-US" sz="1800" dirty="0"/>
+              <a:t> customizations</a:t>
+            </a:r>
           </a:p>
         </p:txBody>
       </p:sp>
@@ -16927,7 +16934,7 @@
                 <a:gridCol w="2373524">
                   <a:extLst>
                     <a:ext uri="{9D8B030D-6E8A-4147-A177-3AD203B41FA5}">
-                      <a16:colId xmlns:a16="http://schemas.microsoft.com/office/drawing/2014/main" xmlns="" val="20000"/>
+                      <a16:colId xmlns="" xmlns:a16="http://schemas.microsoft.com/office/drawing/2014/main" val="20000"/>
                     </a:ext>
                   </a:extLst>
                 </a:gridCol>
@@ -16990,7 +16997,7 @@
                 </a:tc>
                 <a:extLst>
                   <a:ext uri="{0D108BD9-81ED-4DB2-BD59-A6C34878D82A}">
-                    <a16:rowId xmlns:a16="http://schemas.microsoft.com/office/drawing/2014/main" xmlns="" val="10000"/>
+                    <a16:rowId xmlns="" xmlns:a16="http://schemas.microsoft.com/office/drawing/2014/main" val="10000"/>
                   </a:ext>
                 </a:extLst>
               </a:tr>
@@ -17051,7 +17058,7 @@
                 </a:tc>
                 <a:extLst>
                   <a:ext uri="{0D108BD9-81ED-4DB2-BD59-A6C34878D82A}">
-                    <a16:rowId xmlns:a16="http://schemas.microsoft.com/office/drawing/2014/main" xmlns="" val="10001"/>
+                    <a16:rowId xmlns="" xmlns:a16="http://schemas.microsoft.com/office/drawing/2014/main" val="10001"/>
                   </a:ext>
                 </a:extLst>
               </a:tr>
@@ -17115,13 +17122,13 @@
                       <a:tailEnd type="none" w="med" len="med"/>
                     </a:lnB>
                     <a:solidFill>
-                      <a:srgbClr val="00B050"/>
+                      <a:srgbClr val="FFC000"/>
                     </a:solidFill>
                   </a:tcPr>
                 </a:tc>
                 <a:extLst>
                   <a:ext uri="{0D108BD9-81ED-4DB2-BD59-A6C34878D82A}">
-                    <a16:rowId xmlns:a16="http://schemas.microsoft.com/office/drawing/2014/main" xmlns="" val="10002"/>
+                    <a16:rowId xmlns="" xmlns:a16="http://schemas.microsoft.com/office/drawing/2014/main" val="10002"/>
                   </a:ext>
                 </a:extLst>
               </a:tr>
@@ -17199,7 +17206,7 @@
                 </a:tc>
                 <a:extLst>
                   <a:ext uri="{0D108BD9-81ED-4DB2-BD59-A6C34878D82A}">
-                    <a16:rowId xmlns:a16="http://schemas.microsoft.com/office/drawing/2014/main" xmlns="" val="10007"/>
+                    <a16:rowId xmlns="" xmlns:a16="http://schemas.microsoft.com/office/drawing/2014/main" val="10007"/>
                   </a:ext>
                 </a:extLst>
               </a:tr>
@@ -17248,189 +17255,10 @@
           </a:extLst>
         </p:spPr>
       </p:pic>
-      <p:sp>
-        <p:nvSpPr>
-          <p:cNvPr id="8" name="Rectangle 7"/>
-          <p:cNvSpPr/>
-          <p:nvPr/>
-        </p:nvSpPr>
-        <p:spPr>
-          <a:xfrm>
-            <a:off x="3173504" y="4436317"/>
-            <a:ext cx="8494619" cy="2160591"/>
-          </a:xfrm>
-          <a:prstGeom prst="rect">
-            <a:avLst/>
-          </a:prstGeom>
-        </p:spPr>
-        <p:txBody>
-          <a:bodyPr wrap="square">
-            <a:spAutoFit/>
-          </a:bodyPr>
-          <a:lstStyle/>
-          <a:p>
-            <a:pPr marL="284163" lvl="0" indent="-284163">
-              <a:lnSpc>
-                <a:spcPct val="90000"/>
-              </a:lnSpc>
-              <a:spcBef>
-                <a:spcPct val="20000"/>
-              </a:spcBef>
-              <a:buSzPct val="80000"/>
-              <a:buFont typeface="Wingdings" pitchFamily="2" charset="2"/>
-              <a:buChar char=""/>
-            </a:pPr>
-            <a:r>
-              <a:rPr lang="en-US" sz="3600" spc="-70" dirty="0" smtClean="0">
-                <a:solidFill>
-                  <a:srgbClr val="EB3C00"/>
-                </a:solidFill>
-                <a:latin typeface="Segoe UI Light"/>
-              </a:rPr>
-              <a:t>Design and Notes</a:t>
-            </a:r>
-          </a:p>
-          <a:p>
-            <a:pPr marL="517525" lvl="1" indent="-233363">
-              <a:lnSpc>
-                <a:spcPct val="90000"/>
-              </a:lnSpc>
-              <a:spcBef>
-                <a:spcPct val="20000"/>
-              </a:spcBef>
-              <a:buSzPct val="90000"/>
-              <a:buFont typeface="Wingdings" pitchFamily="2" charset="2"/>
-              <a:buChar char=""/>
-            </a:pPr>
-            <a:r>
-              <a:rPr lang="en-US" sz="2000" dirty="0" smtClean="0">
-                <a:gradFill>
-                  <a:gsLst>
-                    <a:gs pos="1250">
-                      <a:srgbClr val="797A7D"/>
-                    </a:gs>
-                    <a:gs pos="100000">
-                      <a:srgbClr val="797A7D"/>
-                    </a:gs>
-                  </a:gsLst>
-                  <a:lin ang="5400000" scaled="0"/>
-                </a:gradFill>
-              </a:rPr>
-              <a:t>Safety news will be created as announcements within Yammer.</a:t>
-            </a:r>
-          </a:p>
-          <a:p>
-            <a:pPr marL="517525" lvl="1" indent="-233363">
-              <a:lnSpc>
-                <a:spcPct val="90000"/>
-              </a:lnSpc>
-              <a:spcBef>
-                <a:spcPct val="20000"/>
-              </a:spcBef>
-              <a:buSzPct val="90000"/>
-              <a:buFont typeface="Wingdings" pitchFamily="2" charset="2"/>
-              <a:buChar char=""/>
-            </a:pPr>
-            <a:r>
-              <a:rPr lang="en-US" sz="2000" dirty="0" smtClean="0">
-                <a:gradFill>
-                  <a:gsLst>
-                    <a:gs pos="1250">
-                      <a:srgbClr val="797A7D"/>
-                    </a:gs>
-                    <a:gs pos="100000">
-                      <a:srgbClr val="797A7D"/>
-                    </a:gs>
-                  </a:gsLst>
-                  <a:lin ang="5400000" scaled="0"/>
-                </a:gradFill>
-              </a:rPr>
-              <a:t>The Yammer embedded code will replace the custom safety news web part on the homepage. The Yammer integration can also provide “sharing” and “like” options natively.</a:t>
-            </a:r>
-          </a:p>
-          <a:p>
-            <a:pPr marL="517525" lvl="1" indent="-233363">
-              <a:lnSpc>
-                <a:spcPct val="90000"/>
-              </a:lnSpc>
-              <a:spcBef>
-                <a:spcPct val="20000"/>
-              </a:spcBef>
-              <a:buSzPct val="90000"/>
-              <a:buFont typeface="Wingdings" pitchFamily="2" charset="2"/>
-              <a:buChar char=""/>
-            </a:pPr>
-            <a:r>
-              <a:rPr lang="en-US" sz="2000" dirty="0" smtClean="0">
-                <a:gradFill>
-                  <a:gsLst>
-                    <a:gs pos="1250">
-                      <a:srgbClr val="797A7D"/>
-                    </a:gs>
-                    <a:gs pos="100000">
-                      <a:srgbClr val="797A7D"/>
-                    </a:gs>
-                  </a:gsLst>
-                  <a:lin ang="5400000" scaled="0"/>
-                </a:gradFill>
-              </a:rPr>
-              <a:t>Yammer mobile app will render mobile views natively.</a:t>
-            </a:r>
-          </a:p>
-        </p:txBody>
-      </p:sp>
-      <p:sp>
-        <p:nvSpPr>
-          <p:cNvPr id="5" name="Rectangle 4"/>
-          <p:cNvSpPr/>
-          <p:nvPr/>
-        </p:nvSpPr>
-        <p:spPr>
-          <a:xfrm>
-            <a:off x="3173505" y="5792802"/>
-            <a:ext cx="6092825" cy="369332"/>
-          </a:xfrm>
-          <a:prstGeom prst="rect">
-            <a:avLst/>
-          </a:prstGeom>
-        </p:spPr>
-        <p:txBody>
-          <a:bodyPr>
-            <a:spAutoFit/>
-          </a:bodyPr>
-          <a:lstStyle/>
-          <a:p>
-            <a:pPr marL="284163" lvl="0" indent="-284163">
-              <a:lnSpc>
-                <a:spcPct val="90000"/>
-              </a:lnSpc>
-              <a:spcBef>
-                <a:spcPct val="20000"/>
-              </a:spcBef>
-              <a:buSzPct val="80000"/>
-              <a:buFont typeface="Wingdings" pitchFamily="2" charset="2"/>
-              <a:buChar char=""/>
-            </a:pPr>
-            <a:endParaRPr lang="en-US" sz="2000" dirty="0">
-              <a:gradFill>
-                <a:gsLst>
-                  <a:gs pos="1250">
-                    <a:srgbClr val="797A7D"/>
-                  </a:gs>
-                  <a:gs pos="100000">
-                    <a:srgbClr val="797A7D"/>
-                  </a:gs>
-                </a:gsLst>
-                <a:lin ang="5400000" scaled="0"/>
-              </a:gradFill>
-            </a:endParaRPr>
-          </a:p>
-        </p:txBody>
-      </p:sp>
     </p:spTree>
     <p:extLst>
       <p:ext uri="{BB962C8B-B14F-4D97-AF65-F5344CB8AC3E}">
-        <p14:creationId xmlns:p14="http://schemas.microsoft.com/office/powerpoint/2010/main" val="3010572049"/>
+        <p14:creationId xmlns:p14="http://schemas.microsoft.com/office/powerpoint/2010/main" val="886232877"/>
       </p:ext>
     </p:extLst>
   </p:cSld>
@@ -17502,8 +17330,8 @@
         </p:nvSpPr>
         <p:spPr>
           <a:xfrm>
-            <a:off x="3173506" y="1447799"/>
-            <a:ext cx="8494619" cy="4619626"/>
+            <a:off x="3411630" y="1229508"/>
+            <a:ext cx="8494619" cy="5158592"/>
           </a:xfrm>
         </p:spPr>
         <p:txBody>
@@ -17511,98 +17339,160 @@
           <a:lstStyle/>
           <a:p>
             <a:r>
+              <a:rPr lang="en-US" dirty="0" smtClean="0"/>
+              <a:t>Design and Notes</a:t>
+            </a:r>
+            <a:endParaRPr lang="en-US" dirty="0"/>
+          </a:p>
+          <a:p>
+            <a:pPr lvl="1"/>
+            <a:r>
+              <a:rPr lang="en-US" dirty="0" smtClean="0"/>
+              <a:t>Branding </a:t>
+            </a:r>
+            <a:r>
               <a:rPr lang="en-US" dirty="0"/>
-              <a:t>High level requirements:</a:t>
+              <a:t>on </a:t>
+            </a:r>
+            <a:r>
+              <a:rPr lang="en-US" dirty="0" smtClean="0"/>
+              <a:t>the master </a:t>
+            </a:r>
+            <a:r>
+              <a:rPr lang="en-US" dirty="0"/>
+              <a:t>page </a:t>
+            </a:r>
+            <a:r>
+              <a:rPr lang="en-US" dirty="0" smtClean="0"/>
+              <a:t>will </a:t>
+            </a:r>
+            <a:r>
+              <a:rPr lang="en-US" dirty="0"/>
+              <a:t>be achieved through the use of alternate CSS.</a:t>
             </a:r>
           </a:p>
           <a:p>
             <a:pPr lvl="1"/>
             <a:r>
-              <a:rPr lang="en-US" sz="1800" dirty="0" smtClean="0"/>
-              <a:t>Typical </a:t>
-            </a:r>
-            <a:r>
-              <a:rPr lang="en-US" sz="1800" dirty="0"/>
-              <a:t>Intranet features:</a:t>
+              <a:rPr lang="en-US" dirty="0">
+                <a:hlinkClick r:id="rId3"/>
+              </a:rPr>
+              <a:t>SP Color tool</a:t>
+            </a:r>
+            <a:r>
+              <a:rPr lang="en-US" dirty="0"/>
+              <a:t> </a:t>
+            </a:r>
+            <a:r>
+              <a:rPr lang="en-US" dirty="0" smtClean="0"/>
+              <a:t>will be used to create the “</a:t>
+            </a:r>
+            <a:r>
+              <a:rPr lang="en-US" dirty="0" err="1" smtClean="0"/>
+              <a:t>spcolor</a:t>
+            </a:r>
+            <a:r>
+              <a:rPr lang="en-US" dirty="0" smtClean="0"/>
+              <a:t>” file which can then be referenced in the Theme</a:t>
+            </a:r>
+            <a:r>
+              <a:rPr lang="en-US" dirty="0"/>
+              <a:t>. </a:t>
+            </a:r>
+            <a:endParaRPr lang="en-US" dirty="0" smtClean="0"/>
+          </a:p>
+          <a:p>
+            <a:pPr lvl="1"/>
+            <a:r>
+              <a:rPr lang="en-US" dirty="0" smtClean="0"/>
+              <a:t>Replace web </a:t>
+            </a:r>
+            <a:r>
+              <a:rPr lang="en-US" dirty="0"/>
+              <a:t>parts </a:t>
+            </a:r>
+            <a:r>
+              <a:rPr lang="en-US" dirty="0" smtClean="0"/>
+              <a:t>with </a:t>
+            </a:r>
+            <a:r>
+              <a:rPr lang="en-US" dirty="0"/>
+              <a:t>following approaches</a:t>
             </a:r>
           </a:p>
           <a:p>
             <a:pPr lvl="2"/>
             <a:r>
-              <a:rPr lang="en-US" sz="1800" dirty="0"/>
-              <a:t>Custom </a:t>
-            </a:r>
-            <a:r>
-              <a:rPr lang="en-US" sz="1800" dirty="0" smtClean="0"/>
-              <a:t>page </a:t>
-            </a:r>
-            <a:r>
-              <a:rPr lang="en-US" sz="1800" dirty="0"/>
-              <a:t>layouts </a:t>
+              <a:rPr lang="en-US" dirty="0"/>
+              <a:t>Content by query and content by search OOB web parts</a:t>
             </a:r>
           </a:p>
           <a:p>
             <a:pPr lvl="2"/>
             <a:r>
-              <a:rPr lang="en-US" sz="1800" dirty="0" smtClean="0"/>
-              <a:t>A branded site theme.</a:t>
-            </a:r>
-            <a:endParaRPr lang="en-US" sz="1800" dirty="0"/>
+              <a:rPr lang="en-US" dirty="0"/>
+              <a:t>JS based reading and updating of data</a:t>
+            </a:r>
           </a:p>
           <a:p>
             <a:pPr lvl="2"/>
             <a:r>
-              <a:rPr lang="en-US" sz="1800" dirty="0"/>
-              <a:t>Social features (commenting, tag cloud)</a:t>
-            </a:r>
+              <a:rPr lang="en-US" dirty="0" smtClean="0"/>
+              <a:t>Provider </a:t>
+            </a:r>
+            <a:r>
+              <a:rPr lang="en-US" dirty="0"/>
+              <a:t>hosted apps with app parts</a:t>
+            </a:r>
+          </a:p>
+          <a:p>
+            <a:pPr lvl="1"/>
+            <a:r>
+              <a:rPr lang="en-US" dirty="0"/>
+              <a:t>Avoid using custom master page for collaboration sites </a:t>
+            </a:r>
+            <a:endParaRPr lang="en-US" dirty="0" smtClean="0"/>
           </a:p>
           <a:p>
             <a:pPr lvl="2"/>
             <a:r>
-              <a:rPr lang="en-US" sz="1800" dirty="0" smtClean="0"/>
-              <a:t>Site Navigation</a:t>
-            </a:r>
-            <a:endParaRPr lang="en-US" sz="1800" dirty="0"/>
-          </a:p>
-          <a:p>
-            <a:pPr lvl="2"/>
-            <a:r>
-              <a:rPr lang="en-US" sz="1800" dirty="0" smtClean="0"/>
-              <a:t>UI elements</a:t>
-            </a:r>
-            <a:endParaRPr lang="en-US" sz="1800" dirty="0"/>
-          </a:p>
-          <a:p>
-            <a:pPr lvl="3"/>
-            <a:r>
-              <a:rPr lang="en-US" sz="1600" dirty="0"/>
-              <a:t>Share price, world clock, weather, emergency information, image rotator</a:t>
-            </a:r>
+              <a:rPr lang="en-US" dirty="0" smtClean="0"/>
+              <a:t>Use </a:t>
+            </a:r>
+            <a:r>
+              <a:rPr lang="en-US" dirty="0"/>
+              <a:t>CSS and JS to achieve the </a:t>
+            </a:r>
+            <a:r>
+              <a:rPr lang="en-US" dirty="0" smtClean="0"/>
+              <a:t>desired look and feel</a:t>
+            </a:r>
+            <a:endParaRPr lang="en-US" dirty="0"/>
           </a:p>
           <a:p>
             <a:pPr lvl="1"/>
             <a:r>
-              <a:rPr lang="en-US" sz="1800" dirty="0"/>
-              <a:t>Other intranet features:</a:t>
-            </a:r>
-          </a:p>
-          <a:p>
-            <a:pPr lvl="2"/>
-            <a:r>
-              <a:rPr lang="en-US" sz="1800" dirty="0"/>
-              <a:t>Site provisioning for collaborative sites</a:t>
-            </a:r>
-          </a:p>
-          <a:p>
-            <a:pPr lvl="2"/>
-            <a:r>
-              <a:rPr lang="en-US" sz="1800" dirty="0" err="1"/>
-              <a:t>MySite</a:t>
-            </a:r>
-            <a:r>
-              <a:rPr lang="en-US" sz="1800" dirty="0"/>
-              <a:t> customizations</a:t>
-            </a:r>
+              <a:rPr lang="en-US" dirty="0"/>
+              <a:t>Replace (delegate) controls with JS based implementations</a:t>
+            </a:r>
+          </a:p>
+          <a:p>
+            <a:pPr lvl="1"/>
+            <a:r>
+              <a:rPr lang="en-US" dirty="0" smtClean="0"/>
+              <a:t>Replace Content Query web parts with content search web parts.</a:t>
+            </a:r>
+            <a:endParaRPr lang="en-US" dirty="0"/>
+          </a:p>
+          <a:p>
+            <a:pPr lvl="1"/>
+            <a:r>
+              <a:rPr lang="en-US" dirty="0" smtClean="0"/>
+              <a:t>Dashboards on the homepage will be designed using out of the box lists with JS Link.</a:t>
+            </a:r>
+          </a:p>
+          <a:p>
+            <a:endParaRPr lang="en-US" dirty="0"/>
           </a:p>
         </p:txBody>
       </p:sp>
@@ -17892,7 +17782,7 @@
                 <a:gridCol w="2373524">
                   <a:extLst>
                     <a:ext uri="{9D8B030D-6E8A-4147-A177-3AD203B41FA5}">
-                      <a16:colId xmlns:a16="http://schemas.microsoft.com/office/drawing/2014/main" xmlns="" val="20000"/>
+                      <a16:colId xmlns="" xmlns:a16="http://schemas.microsoft.com/office/drawing/2014/main" val="20000"/>
                     </a:ext>
                   </a:extLst>
                 </a:gridCol>
@@ -17955,7 +17845,7 @@
                 </a:tc>
                 <a:extLst>
                   <a:ext uri="{0D108BD9-81ED-4DB2-BD59-A6C34878D82A}">
-                    <a16:rowId xmlns:a16="http://schemas.microsoft.com/office/drawing/2014/main" xmlns="" val="10000"/>
+                    <a16:rowId xmlns="" xmlns:a16="http://schemas.microsoft.com/office/drawing/2014/main" val="10000"/>
                   </a:ext>
                 </a:extLst>
               </a:tr>
@@ -18016,7 +17906,7 @@
                 </a:tc>
                 <a:extLst>
                   <a:ext uri="{0D108BD9-81ED-4DB2-BD59-A6C34878D82A}">
-                    <a16:rowId xmlns:a16="http://schemas.microsoft.com/office/drawing/2014/main" xmlns="" val="10001"/>
+                    <a16:rowId xmlns="" xmlns:a16="http://schemas.microsoft.com/office/drawing/2014/main" val="10001"/>
                   </a:ext>
                 </a:extLst>
               </a:tr>
@@ -18086,7 +17976,7 @@
                 </a:tc>
                 <a:extLst>
                   <a:ext uri="{0D108BD9-81ED-4DB2-BD59-A6C34878D82A}">
-                    <a16:rowId xmlns:a16="http://schemas.microsoft.com/office/drawing/2014/main" xmlns="" val="10002"/>
+                    <a16:rowId xmlns="" xmlns:a16="http://schemas.microsoft.com/office/drawing/2014/main" val="10002"/>
                   </a:ext>
                 </a:extLst>
               </a:tr>
@@ -18164,7 +18054,7 @@
                 </a:tc>
                 <a:extLst>
                   <a:ext uri="{0D108BD9-81ED-4DB2-BD59-A6C34878D82A}">
-                    <a16:rowId xmlns:a16="http://schemas.microsoft.com/office/drawing/2014/main" xmlns="" val="10007"/>
+                    <a16:rowId xmlns="" xmlns:a16="http://schemas.microsoft.com/office/drawing/2014/main" val="10007"/>
                   </a:ext>
                 </a:extLst>
               </a:tr>
@@ -18181,7 +18071,7 @@
           <p:nvPr/>
         </p:nvPicPr>
         <p:blipFill>
-          <a:blip r:embed="rId3">
+          <a:blip r:embed="rId4">
             <a:extLst>
               <a:ext uri="{28A0092B-C50C-407E-A947-70E740481C1C}">
                 <a14:useLocalDpi xmlns:a14="http://schemas.microsoft.com/office/drawing/2010/main" val="0"/>
@@ -18216,7 +18106,7 @@
     </p:spTree>
     <p:extLst>
       <p:ext uri="{BB962C8B-B14F-4D97-AF65-F5344CB8AC3E}">
-        <p14:creationId xmlns:p14="http://schemas.microsoft.com/office/powerpoint/2010/main" val="886232877"/>
+        <p14:creationId xmlns:p14="http://schemas.microsoft.com/office/powerpoint/2010/main" val="4066019390"/>
       </p:ext>
     </p:extLst>
   </p:cSld>
@@ -18270,9 +18160,33 @@
           <a:p>
             <a:r>
               <a:rPr lang="nl-BE" dirty="0" smtClean="0"/>
-              <a:t>Branding</a:t>
-            </a:r>
-            <a:endParaRPr lang="nl-BE" dirty="0"/>
+              <a:t>Provisioning</a:t>
+            </a:r>
+            <a:br>
+              <a:rPr lang="nl-BE" dirty="0" smtClean="0"/>
+            </a:br>
+            <a:r>
+              <a:rPr lang="en-US" sz="6000" dirty="0">
+                <a:solidFill>
+                  <a:schemeClr val="accent1"/>
+                </a:solidFill>
+                <a:latin typeface="Calibri" panose="020F0502020204030204" pitchFamily="34" charset="0"/>
+              </a:rPr>
+              <a:t/>
+            </a:r>
+            <a:br>
+              <a:rPr lang="en-US" sz="6000" dirty="0">
+                <a:solidFill>
+                  <a:schemeClr val="accent1"/>
+                </a:solidFill>
+                <a:latin typeface="Calibri" panose="020F0502020204030204" pitchFamily="34" charset="0"/>
+              </a:rPr>
+            </a:br>
+            <a:endParaRPr lang="nl-BE" dirty="0">
+              <a:solidFill>
+                <a:schemeClr val="accent1"/>
+              </a:solidFill>
+            </a:endParaRPr>
           </a:p>
         </p:txBody>
       </p:sp>
@@ -18288,8 +18202,8 @@
         </p:nvSpPr>
         <p:spPr>
           <a:xfrm>
-            <a:off x="3411630" y="1229508"/>
-            <a:ext cx="8494619" cy="5158592"/>
+            <a:off x="3173504" y="1460499"/>
+            <a:ext cx="8494619" cy="4619626"/>
           </a:xfrm>
         </p:spPr>
         <p:txBody>
@@ -18297,160 +18211,170 @@
           <a:lstStyle/>
           <a:p>
             <a:r>
+              <a:rPr lang="en-US" dirty="0"/>
+              <a:t>High level requirements:</a:t>
+            </a:r>
+          </a:p>
+          <a:p>
+            <a:pPr lvl="1"/>
+            <a:r>
+              <a:rPr lang="en-US" sz="1800" dirty="0" smtClean="0"/>
+              <a:t>To be able to:</a:t>
+            </a:r>
+            <a:endParaRPr lang="en-US" sz="1800" dirty="0"/>
+          </a:p>
+          <a:p>
+            <a:pPr lvl="2"/>
+            <a:r>
+              <a:rPr lang="en-US" sz="1800" dirty="0"/>
+              <a:t>Prevent </a:t>
+            </a:r>
+            <a:r>
+              <a:rPr lang="en-US" sz="1800" dirty="0" smtClean="0"/>
+              <a:t>custom user actions</a:t>
+            </a:r>
+            <a:endParaRPr lang="en-US" sz="1800" dirty="0"/>
+          </a:p>
+          <a:p>
+            <a:pPr lvl="2"/>
+            <a:r>
+              <a:rPr lang="en-US" sz="1800" dirty="0"/>
+              <a:t>Prevent the users from using certain </a:t>
+            </a:r>
+            <a:r>
+              <a:rPr lang="en-US" sz="1800" dirty="0" smtClean="0"/>
+              <a:t>site templates </a:t>
+            </a:r>
+            <a:endParaRPr lang="en-US" sz="1800" dirty="0"/>
+          </a:p>
+          <a:p>
+            <a:pPr lvl="2"/>
+            <a:r>
+              <a:rPr lang="en-US" sz="1800" dirty="0" smtClean="0"/>
+              <a:t>Allow </a:t>
+            </a:r>
+            <a:r>
+              <a:rPr lang="en-US" sz="1800" dirty="0"/>
+              <a:t>users to create sub sites through electronic requests</a:t>
+            </a:r>
+          </a:p>
+          <a:p>
+            <a:pPr lvl="2"/>
+            <a:r>
+              <a:rPr lang="en-US" sz="1800" dirty="0" smtClean="0"/>
+              <a:t>Implement security around the sites so that they are visible only to the requestor</a:t>
+            </a:r>
+          </a:p>
+          <a:p>
+            <a:pPr lvl="2"/>
+            <a:r>
+              <a:rPr lang="en-US" sz="1800" dirty="0" smtClean="0"/>
+              <a:t>Allow </a:t>
+            </a:r>
+            <a:r>
+              <a:rPr lang="en-US" sz="1800" dirty="0"/>
+              <a:t>auto activation of some site features during site provision</a:t>
+            </a:r>
+          </a:p>
+          <a:p>
+            <a:pPr lvl="2"/>
+            <a:r>
+              <a:rPr lang="en-US" sz="1800" dirty="0"/>
+              <a:t>My Sites </a:t>
+            </a:r>
+            <a:r>
+              <a:rPr lang="en-US" sz="1800" dirty="0" smtClean="0"/>
+              <a:t>should be </a:t>
+            </a:r>
+            <a:r>
+              <a:rPr lang="en-US" sz="1800" dirty="0"/>
+              <a:t>set to expire after one year</a:t>
+            </a:r>
+          </a:p>
+          <a:p>
+            <a:r>
               <a:rPr lang="en-US" dirty="0" smtClean="0"/>
-              <a:t>Design and Notes</a:t>
-            </a:r>
-            <a:endParaRPr lang="en-US" dirty="0"/>
-          </a:p>
-          <a:p>
-            <a:pPr lvl="1"/>
-            <a:r>
-              <a:rPr lang="en-US" dirty="0" smtClean="0"/>
-              <a:t>Branding </a:t>
-            </a:r>
-            <a:r>
-              <a:rPr lang="en-US" dirty="0"/>
-              <a:t>on </a:t>
-            </a:r>
-            <a:r>
-              <a:rPr lang="en-US" dirty="0" smtClean="0"/>
-              <a:t>the master </a:t>
-            </a:r>
-            <a:r>
-              <a:rPr lang="en-US" dirty="0"/>
-              <a:t>page </a:t>
-            </a:r>
-            <a:r>
-              <a:rPr lang="en-US" dirty="0" smtClean="0"/>
-              <a:t>will </a:t>
-            </a:r>
-            <a:r>
-              <a:rPr lang="en-US" dirty="0"/>
-              <a:t>be achieved through the use of alternate CSS.</a:t>
-            </a:r>
-          </a:p>
-          <a:p>
-            <a:pPr lvl="1"/>
-            <a:r>
-              <a:rPr lang="en-US" dirty="0">
-                <a:hlinkClick r:id="rId3"/>
-              </a:rPr>
-              <a:t>SP Color tool</a:t>
-            </a:r>
-            <a:r>
-              <a:rPr lang="en-US" dirty="0"/>
-              <a:t> </a:t>
-            </a:r>
-            <a:r>
-              <a:rPr lang="en-US" dirty="0" smtClean="0"/>
-              <a:t>will be used to create the “</a:t>
-            </a:r>
-            <a:r>
-              <a:rPr lang="en-US" dirty="0" err="1" smtClean="0"/>
-              <a:t>spcolor</a:t>
-            </a:r>
-            <a:r>
-              <a:rPr lang="en-US" dirty="0" smtClean="0"/>
-              <a:t>” file which can then be referenced in the Theme</a:t>
-            </a:r>
-            <a:r>
-              <a:rPr lang="en-US" dirty="0"/>
-              <a:t>. </a:t>
-            </a:r>
-            <a:endParaRPr lang="en-US" dirty="0" smtClean="0"/>
-          </a:p>
-          <a:p>
-            <a:pPr lvl="1"/>
-            <a:r>
-              <a:rPr lang="en-US" dirty="0" smtClean="0"/>
-              <a:t>Replace web </a:t>
-            </a:r>
-            <a:r>
-              <a:rPr lang="en-US" dirty="0"/>
-              <a:t>parts </a:t>
-            </a:r>
-            <a:r>
-              <a:rPr lang="en-US" dirty="0" smtClean="0"/>
-              <a:t>with </a:t>
-            </a:r>
-            <a:r>
-              <a:rPr lang="en-US" dirty="0"/>
-              <a:t>following approaches</a:t>
+              <a:t>Design and Notes:</a:t>
             </a:r>
           </a:p>
           <a:p>
             <a:pPr lvl="2"/>
             <a:r>
-              <a:rPr lang="en-US" dirty="0"/>
-              <a:t>Content by query and content by search OOB web parts</a:t>
-            </a:r>
+              <a:rPr lang="en-US" altLang="en-US" sz="1800" dirty="0"/>
+              <a:t>UI </a:t>
+            </a:r>
+            <a:r>
+              <a:rPr lang="en-US" altLang="en-US" sz="1800" dirty="0" smtClean="0"/>
+              <a:t>required for </a:t>
+            </a:r>
+            <a:r>
+              <a:rPr lang="en-US" altLang="en-US" sz="1800" dirty="0"/>
+              <a:t>the end users to select the type of </a:t>
+            </a:r>
+            <a:r>
+              <a:rPr lang="en-US" altLang="en-US" sz="1800" dirty="0" smtClean="0"/>
+              <a:t>the site </a:t>
+            </a:r>
+            <a:r>
+              <a:rPr lang="en-US" altLang="en-US" sz="1800" dirty="0"/>
+              <a:t>template </a:t>
+            </a:r>
+            <a:endParaRPr lang="en-US" altLang="en-US" sz="1800" dirty="0" smtClean="0"/>
           </a:p>
           <a:p>
             <a:pPr lvl="2"/>
             <a:r>
-              <a:rPr lang="en-US" dirty="0"/>
-              <a:t>JS based reading and updating of data</a:t>
-            </a:r>
+              <a:rPr lang="en-US" altLang="en-US" sz="1800" dirty="0" smtClean="0"/>
+              <a:t>Actual </a:t>
+            </a:r>
+            <a:r>
+              <a:rPr lang="en-US" altLang="en-US" sz="1800" dirty="0"/>
+              <a:t>provisioning of the site collection </a:t>
+            </a:r>
+            <a:r>
+              <a:rPr lang="en-US" altLang="en-US" sz="1800" dirty="0" smtClean="0"/>
+              <a:t>will be done using </a:t>
+            </a:r>
+            <a:r>
+              <a:rPr lang="en-US" altLang="en-US" sz="1800" dirty="0"/>
+              <a:t>CSOM. You can use CSOM or REST for additional configurations </a:t>
+            </a:r>
+          </a:p>
+          <a:p>
+            <a:endParaRPr lang="en-US" sz="1800" spc="0" dirty="0">
+              <a:gradFill>
+                <a:gsLst>
+                  <a:gs pos="1250">
+                    <a:schemeClr val="bg2"/>
+                  </a:gs>
+                  <a:gs pos="100000">
+                    <a:schemeClr val="bg2"/>
+                  </a:gs>
+                </a:gsLst>
+                <a:lin ang="5400000" scaled="0"/>
+              </a:gradFill>
+              <a:latin typeface="+mn-lt"/>
+            </a:endParaRPr>
+          </a:p>
+          <a:p>
+            <a:endParaRPr lang="en-US" sz="1800" spc="0" dirty="0">
+              <a:gradFill>
+                <a:gsLst>
+                  <a:gs pos="1250">
+                    <a:schemeClr val="bg2"/>
+                  </a:gs>
+                  <a:gs pos="100000">
+                    <a:schemeClr val="bg2"/>
+                  </a:gs>
+                </a:gsLst>
+                <a:lin ang="5400000" scaled="0"/>
+              </a:gradFill>
+              <a:latin typeface="+mn-lt"/>
+            </a:endParaRPr>
           </a:p>
           <a:p>
             <a:pPr lvl="2"/>
-            <a:r>
-              <a:rPr lang="en-US" dirty="0" smtClean="0"/>
-              <a:t>Provider </a:t>
-            </a:r>
-            <a:r>
-              <a:rPr lang="en-US" dirty="0"/>
-              <a:t>hosted apps with app parts</a:t>
-            </a:r>
-          </a:p>
-          <a:p>
-            <a:pPr lvl="1"/>
-            <a:r>
-              <a:rPr lang="en-US" dirty="0"/>
-              <a:t>Avoid using custom master page for collaboration sites </a:t>
-            </a:r>
-            <a:endParaRPr lang="en-US" dirty="0" smtClean="0"/>
-          </a:p>
-          <a:p>
-            <a:pPr lvl="2"/>
-            <a:r>
-              <a:rPr lang="en-US" dirty="0" smtClean="0"/>
-              <a:t>Use </a:t>
-            </a:r>
-            <a:r>
-              <a:rPr lang="en-US" dirty="0"/>
-              <a:t>CSS and JS to achieve the </a:t>
-            </a:r>
-            <a:r>
-              <a:rPr lang="en-US" dirty="0" smtClean="0"/>
-              <a:t>desired look and feel</a:t>
-            </a:r>
-            <a:endParaRPr lang="en-US" dirty="0"/>
-          </a:p>
-          <a:p>
-            <a:pPr lvl="1"/>
-            <a:r>
-              <a:rPr lang="en-US" dirty="0"/>
-              <a:t>Replace (delegate) controls with JS based implementations</a:t>
-            </a:r>
-          </a:p>
-          <a:p>
-            <a:pPr lvl="1"/>
-            <a:r>
-              <a:rPr lang="en-US" dirty="0" smtClean="0"/>
-              <a:t>Replace Content Query web parts with content search web parts.</a:t>
-            </a:r>
-            <a:endParaRPr lang="en-US" dirty="0"/>
-          </a:p>
-          <a:p>
-            <a:pPr lvl="1"/>
-            <a:r>
-              <a:rPr lang="en-US" dirty="0" smtClean="0"/>
-              <a:t>Dashboards on the homepage will be designed using out of the box lists with JS Link.</a:t>
-            </a:r>
-          </a:p>
-          <a:p>
-            <a:endParaRPr lang="en-US" dirty="0"/>
+            <a:endParaRPr lang="en-US" sz="1800" dirty="0"/>
           </a:p>
         </p:txBody>
       </p:sp>
@@ -18700,19 +18624,7 @@
             </a:lvl9pPr>
           </a:lstStyle>
           <a:p>
-            <a:endParaRPr lang="en-US" dirty="0" smtClean="0">
-              <a:gradFill>
-                <a:gsLst>
-                  <a:gs pos="1250">
-                    <a:srgbClr val="797A7D"/>
-                  </a:gs>
-                  <a:gs pos="100000">
-                    <a:srgbClr val="797A7D"/>
-                  </a:gs>
-                </a:gsLst>
-                <a:lin ang="5400000" scaled="0"/>
-              </a:gradFill>
-            </a:endParaRPr>
+            <a:endParaRPr lang="en-US" dirty="0" smtClean="0"/>
           </a:p>
         </p:txBody>
       </p:sp>
@@ -18723,7 +18635,11 @@
             <a:graphicFrameLocks noGrp="1"/>
           </p:cNvGraphicFramePr>
           <p:nvPr>
-            <p:extLst/>
+            <p:extLst>
+              <p:ext uri="{D42A27DB-BD31-4B8C-83A1-F6EECF244321}">
+                <p14:modId xmlns:p14="http://schemas.microsoft.com/office/powerpoint/2010/main" val="1621605782"/>
+              </p:ext>
+            </p:extLst>
           </p:nvPr>
         </p:nvGraphicFramePr>
         <p:xfrm>
@@ -18740,7 +18656,7 @@
                 <a:gridCol w="2373524">
                   <a:extLst>
                     <a:ext uri="{9D8B030D-6E8A-4147-A177-3AD203B41FA5}">
-                      <a16:colId xmlns:a16="http://schemas.microsoft.com/office/drawing/2014/main" xmlns="" val="20000"/>
+                      <a16:colId xmlns="" xmlns:a16="http://schemas.microsoft.com/office/drawing/2014/main" val="20000"/>
                     </a:ext>
                   </a:extLst>
                 </a:gridCol>
@@ -18754,7 +18670,7 @@
                       <a:pPr algn="ctr"/>
                       <a:r>
                         <a:rPr lang="en-US" b="1" i="0" dirty="0" smtClean="0"/>
-                        <a:t>Branding</a:t>
+                        <a:t>Provisioning</a:t>
                       </a:r>
                       <a:endParaRPr lang="nl-BE" b="1" i="0" dirty="0"/>
                     </a:p>
@@ -18803,7 +18719,7 @@
                 </a:tc>
                 <a:extLst>
                   <a:ext uri="{0D108BD9-81ED-4DB2-BD59-A6C34878D82A}">
-                    <a16:rowId xmlns:a16="http://schemas.microsoft.com/office/drawing/2014/main" xmlns="" val="10000"/>
+                    <a16:rowId xmlns="" xmlns:a16="http://schemas.microsoft.com/office/drawing/2014/main" val="10000"/>
                   </a:ext>
                 </a:extLst>
               </a:tr>
@@ -18864,7 +18780,7 @@
                 </a:tc>
                 <a:extLst>
                   <a:ext uri="{0D108BD9-81ED-4DB2-BD59-A6C34878D82A}">
-                    <a16:rowId xmlns:a16="http://schemas.microsoft.com/office/drawing/2014/main" xmlns="" val="10001"/>
+                    <a16:rowId xmlns="" xmlns:a16="http://schemas.microsoft.com/office/drawing/2014/main" val="10001"/>
                   </a:ext>
                 </a:extLst>
               </a:tr>
@@ -18934,7 +18850,7 @@
                 </a:tc>
                 <a:extLst>
                   <a:ext uri="{0D108BD9-81ED-4DB2-BD59-A6C34878D82A}">
-                    <a16:rowId xmlns:a16="http://schemas.microsoft.com/office/drawing/2014/main" xmlns="" val="10002"/>
+                    <a16:rowId xmlns="" xmlns:a16="http://schemas.microsoft.com/office/drawing/2014/main" val="10002"/>
                   </a:ext>
                 </a:extLst>
               </a:tr>
@@ -19012,7 +18928,7 @@
                 </a:tc>
                 <a:extLst>
                   <a:ext uri="{0D108BD9-81ED-4DB2-BD59-A6C34878D82A}">
-                    <a16:rowId xmlns:a16="http://schemas.microsoft.com/office/drawing/2014/main" xmlns="" val="10007"/>
+                    <a16:rowId xmlns="" xmlns:a16="http://schemas.microsoft.com/office/drawing/2014/main" val="10007"/>
                   </a:ext>
                 </a:extLst>
               </a:tr>
@@ -19029,7 +18945,7 @@
           <p:nvPr/>
         </p:nvPicPr>
         <p:blipFill>
-          <a:blip r:embed="rId4">
+          <a:blip r:embed="rId3">
             <a:extLst>
               <a:ext uri="{28A0092B-C50C-407E-A947-70E740481C1C}">
                 <a14:useLocalDpi xmlns:a14="http://schemas.microsoft.com/office/drawing/2010/main" val="0"/>
@@ -19064,7 +18980,7 @@
     </p:spTree>
     <p:extLst>
       <p:ext uri="{BB962C8B-B14F-4D97-AF65-F5344CB8AC3E}">
-        <p14:creationId xmlns:p14="http://schemas.microsoft.com/office/powerpoint/2010/main" val="4066019390"/>
+        <p14:creationId xmlns:p14="http://schemas.microsoft.com/office/powerpoint/2010/main" val="3237123265"/>
       </p:ext>
     </p:extLst>
   </p:cSld>
@@ -19118,33 +19034,9 @@
           <a:p>
             <a:r>
               <a:rPr lang="nl-BE" dirty="0" smtClean="0"/>
-              <a:t>Provisioning</a:t>
-            </a:r>
-            <a:br>
-              <a:rPr lang="nl-BE" dirty="0" smtClean="0"/>
-            </a:br>
-            <a:r>
-              <a:rPr lang="en-US" sz="6000" dirty="0">
-                <a:solidFill>
-                  <a:schemeClr val="accent1"/>
-                </a:solidFill>
-                <a:latin typeface="Calibri" panose="020F0502020204030204" pitchFamily="34" charset="0"/>
-              </a:rPr>
-              <a:t/>
-            </a:r>
-            <a:br>
-              <a:rPr lang="en-US" sz="6000" dirty="0">
-                <a:solidFill>
-                  <a:schemeClr val="accent1"/>
-                </a:solidFill>
-                <a:latin typeface="Calibri" panose="020F0502020204030204" pitchFamily="34" charset="0"/>
-              </a:rPr>
-            </a:br>
-            <a:endParaRPr lang="nl-BE" dirty="0">
-              <a:solidFill>
-                <a:schemeClr val="accent1"/>
-              </a:solidFill>
-            </a:endParaRPr>
+              <a:t>Records Management</a:t>
+            </a:r>
+            <a:endParaRPr lang="nl-BE" dirty="0"/>
           </a:p>
         </p:txBody>
       </p:sp>
@@ -19160,8 +19052,8 @@
         </p:nvSpPr>
         <p:spPr>
           <a:xfrm>
-            <a:off x="3173504" y="1460499"/>
-            <a:ext cx="8494619" cy="4619626"/>
+            <a:off x="3173505" y="1243404"/>
+            <a:ext cx="8494619" cy="1585140"/>
           </a:xfrm>
         </p:spPr>
         <p:txBody>
@@ -19177,158 +19069,92 @@
             <a:pPr lvl="1"/>
             <a:r>
               <a:rPr lang="en-US" sz="1800" dirty="0" smtClean="0"/>
-              <a:t>To be able to:</a:t>
-            </a:r>
-            <a:endParaRPr lang="en-US" sz="1800" dirty="0"/>
+              <a:t>Typical </a:t>
+            </a:r>
+            <a:r>
+              <a:rPr lang="en-US" sz="1800" dirty="0"/>
+              <a:t>Intranet features:</a:t>
+            </a:r>
           </a:p>
           <a:p>
             <a:pPr lvl="2"/>
             <a:r>
+              <a:rPr lang="en-US" sz="1800" dirty="0" smtClean="0"/>
+              <a:t>Send notification emails when policies are due for revision.</a:t>
+            </a:r>
+          </a:p>
+          <a:p>
+            <a:pPr lvl="2"/>
+            <a:r>
+              <a:rPr lang="en-US" sz="1800" dirty="0" smtClean="0"/>
+              <a:t>Delete records that are more than 5 years old.</a:t>
+            </a:r>
+          </a:p>
+          <a:p>
+            <a:pPr lvl="2"/>
+            <a:r>
+              <a:rPr lang="en-US" sz="1800" dirty="0" smtClean="0"/>
+              <a:t>Log action taken on expired documents</a:t>
+            </a:r>
+          </a:p>
+          <a:p>
+            <a:pPr lvl="2"/>
+            <a:endParaRPr lang="en-US" sz="1800" dirty="0" smtClean="0"/>
+          </a:p>
+          <a:p>
+            <a:r>
+              <a:rPr lang="en-US" dirty="0" smtClean="0"/>
+              <a:t>Design </a:t>
+            </a:r>
+            <a:r>
+              <a:rPr lang="en-US" dirty="0"/>
+              <a:t>and Notes</a:t>
+            </a:r>
+          </a:p>
+          <a:p>
+            <a:pPr lvl="1"/>
+            <a:r>
               <a:rPr lang="en-US" sz="1800" dirty="0"/>
-              <a:t>Prevent </a:t>
-            </a:r>
-            <a:r>
-              <a:rPr lang="en-US" sz="1800" dirty="0" smtClean="0"/>
-              <a:t>custom user actions</a:t>
-            </a:r>
-            <a:endParaRPr lang="en-US" sz="1800" dirty="0"/>
+              <a:t>Business logic could be factored to one or more </a:t>
+            </a:r>
+            <a:r>
+              <a:rPr lang="en-US" sz="1800" b="1" dirty="0" err="1"/>
+              <a:t>oData</a:t>
+            </a:r>
+            <a:r>
+              <a:rPr lang="en-US" sz="1800" b="1" dirty="0"/>
+              <a:t> Web Services</a:t>
+            </a:r>
+          </a:p>
+          <a:p>
+            <a:pPr lvl="1"/>
+            <a:r>
+              <a:rPr lang="en-US" sz="1800" dirty="0"/>
+              <a:t>Scheduled Web Job will be hosted on Azure</a:t>
+            </a:r>
+          </a:p>
+          <a:p>
+            <a:pPr lvl="1"/>
+            <a:r>
+              <a:rPr lang="en-US" sz="1800" dirty="0"/>
+              <a:t>A trusted service account may be required because there would be no concept of “Elevated Privileges” in the external hosting environment. </a:t>
+            </a:r>
+          </a:p>
+          <a:p>
+            <a:pPr lvl="1"/>
+            <a:endParaRPr lang="en-US" dirty="0"/>
+          </a:p>
+          <a:p>
+            <a:pPr lvl="1"/>
+            <a:endParaRPr lang="en-US" dirty="0"/>
           </a:p>
           <a:p>
             <a:pPr lvl="2"/>
-            <a:r>
-              <a:rPr lang="en-US" sz="1800" dirty="0"/>
-              <a:t>Prevent the users from using certain </a:t>
-            </a:r>
-            <a:r>
-              <a:rPr lang="en-US" sz="1800" dirty="0" smtClean="0"/>
-              <a:t>site templates </a:t>
-            </a:r>
-            <a:endParaRPr lang="en-US" sz="1800" dirty="0"/>
+            <a:endParaRPr lang="en-US" sz="1800" dirty="0" smtClean="0"/>
           </a:p>
           <a:p>
             <a:pPr lvl="2"/>
-            <a:r>
-              <a:rPr lang="en-US" sz="1800" dirty="0" smtClean="0"/>
-              <a:t>Allow </a:t>
-            </a:r>
-            <a:r>
-              <a:rPr lang="en-US" sz="1800" dirty="0"/>
-              <a:t>users to create sub sites through electronic requests</a:t>
-            </a:r>
-          </a:p>
-          <a:p>
-            <a:pPr lvl="2"/>
-            <a:r>
-              <a:rPr lang="en-US" sz="1800" dirty="0" smtClean="0"/>
-              <a:t>Implement security around the sites so that they are visible only to the requestor</a:t>
-            </a:r>
-          </a:p>
-          <a:p>
-            <a:pPr lvl="2"/>
-            <a:r>
-              <a:rPr lang="en-US" sz="1800" dirty="0" smtClean="0"/>
-              <a:t>Allow </a:t>
-            </a:r>
-            <a:r>
-              <a:rPr lang="en-US" sz="1800" dirty="0"/>
-              <a:t>auto activation of some site features during site provision</a:t>
-            </a:r>
-          </a:p>
-          <a:p>
-            <a:pPr lvl="2"/>
-            <a:r>
-              <a:rPr lang="en-US" sz="1800" dirty="0"/>
-              <a:t>My Sites </a:t>
-            </a:r>
-            <a:r>
-              <a:rPr lang="en-US" sz="1800" dirty="0" smtClean="0"/>
-              <a:t>should be </a:t>
-            </a:r>
-            <a:r>
-              <a:rPr lang="en-US" sz="1800" dirty="0"/>
-              <a:t>set to expire after one year</a:t>
-            </a:r>
-          </a:p>
-          <a:p>
-            <a:r>
-              <a:rPr lang="en-US" dirty="0" smtClean="0"/>
-              <a:t>Design and Notes:</a:t>
-            </a:r>
-          </a:p>
-          <a:p>
-            <a:pPr lvl="2"/>
-            <a:r>
-              <a:rPr lang="en-US" altLang="en-US" sz="1800" dirty="0"/>
-              <a:t>UI </a:t>
-            </a:r>
-            <a:r>
-              <a:rPr lang="en-US" altLang="en-US" sz="1800" dirty="0" smtClean="0"/>
-              <a:t>required for </a:t>
-            </a:r>
-            <a:r>
-              <a:rPr lang="en-US" altLang="en-US" sz="1800" dirty="0"/>
-              <a:t>the end users to select the type of </a:t>
-            </a:r>
-            <a:r>
-              <a:rPr lang="en-US" altLang="en-US" sz="1800" dirty="0" smtClean="0"/>
-              <a:t>the site </a:t>
-            </a:r>
-            <a:r>
-              <a:rPr lang="en-US" altLang="en-US" sz="1800" dirty="0"/>
-              <a:t>template </a:t>
-            </a:r>
-            <a:endParaRPr lang="en-US" altLang="en-US" sz="1800" dirty="0" smtClean="0"/>
-          </a:p>
-          <a:p>
-            <a:pPr lvl="2"/>
-            <a:r>
-              <a:rPr lang="en-US" altLang="en-US" sz="1800" dirty="0" smtClean="0"/>
-              <a:t>Actual </a:t>
-            </a:r>
-            <a:r>
-              <a:rPr lang="en-US" altLang="en-US" sz="1800" dirty="0"/>
-              <a:t>provisioning of the site collection </a:t>
-            </a:r>
-            <a:r>
-              <a:rPr lang="en-US" altLang="en-US" sz="1800" dirty="0" smtClean="0"/>
-              <a:t>will be done using </a:t>
-            </a:r>
-            <a:r>
-              <a:rPr lang="en-US" altLang="en-US" sz="1800" dirty="0"/>
-              <a:t>CSOM. You can use CSOM or REST for additional configurations </a:t>
-            </a:r>
-          </a:p>
-          <a:p>
-            <a:endParaRPr lang="en-US" sz="1800" spc="0" dirty="0">
-              <a:gradFill>
-                <a:gsLst>
-                  <a:gs pos="1250">
-                    <a:schemeClr val="bg2"/>
-                  </a:gs>
-                  <a:gs pos="100000">
-                    <a:schemeClr val="bg2"/>
-                  </a:gs>
-                </a:gsLst>
-                <a:lin ang="5400000" scaled="0"/>
-              </a:gradFill>
-              <a:latin typeface="+mn-lt"/>
-            </a:endParaRPr>
-          </a:p>
-          <a:p>
-            <a:endParaRPr lang="en-US" sz="1800" spc="0" dirty="0">
-              <a:gradFill>
-                <a:gsLst>
-                  <a:gs pos="1250">
-                    <a:schemeClr val="bg2"/>
-                  </a:gs>
-                  <a:gs pos="100000">
-                    <a:schemeClr val="bg2"/>
-                  </a:gs>
-                </a:gsLst>
-                <a:lin ang="5400000" scaled="0"/>
-              </a:gradFill>
-              <a:latin typeface="+mn-lt"/>
-            </a:endParaRPr>
+            <a:endParaRPr lang="en-US" sz="1800" dirty="0" smtClean="0"/>
           </a:p>
           <a:p>
             <a:pPr lvl="2"/>
@@ -19595,14 +19421,14 @@
           <p:nvPr>
             <p:extLst>
               <p:ext uri="{D42A27DB-BD31-4B8C-83A1-F6EECF244321}">
-                <p14:modId xmlns:p14="http://schemas.microsoft.com/office/powerpoint/2010/main" val="1621605782"/>
+                <p14:modId xmlns:p14="http://schemas.microsoft.com/office/powerpoint/2010/main" val="3225620736"/>
               </p:ext>
             </p:extLst>
           </p:nvPr>
         </p:nvGraphicFramePr>
         <p:xfrm>
           <a:off x="291646" y="425158"/>
-          <a:ext cx="2373524" cy="1483360"/>
+          <a:ext cx="2591254" cy="1483360"/>
         </p:xfrm>
         <a:graphic>
           <a:graphicData uri="http://schemas.openxmlformats.org/drawingml/2006/table">
@@ -19611,10 +19437,10 @@
                 <a:tableStyleId>{2D5ABB26-0587-4C30-8999-92F81FD0307C}</a:tableStyleId>
               </a:tblPr>
               <a:tblGrid>
-                <a:gridCol w="2373524">
+                <a:gridCol w="2591254">
                   <a:extLst>
                     <a:ext uri="{9D8B030D-6E8A-4147-A177-3AD203B41FA5}">
-                      <a16:colId xmlns:a16="http://schemas.microsoft.com/office/drawing/2014/main" xmlns="" val="20000"/>
+                      <a16:colId xmlns="" xmlns:a16="http://schemas.microsoft.com/office/drawing/2014/main" val="20000"/>
                     </a:ext>
                   </a:extLst>
                 </a:gridCol>
@@ -19628,7 +19454,7 @@
                       <a:pPr algn="ctr"/>
                       <a:r>
                         <a:rPr lang="en-US" b="1" i="0" dirty="0" smtClean="0"/>
-                        <a:t>Provisioning</a:t>
+                        <a:t>Records Management</a:t>
                       </a:r>
                       <a:endParaRPr lang="nl-BE" b="1" i="0" dirty="0"/>
                     </a:p>
@@ -19677,7 +19503,7 @@
                 </a:tc>
                 <a:extLst>
                   <a:ext uri="{0D108BD9-81ED-4DB2-BD59-A6C34878D82A}">
-                    <a16:rowId xmlns:a16="http://schemas.microsoft.com/office/drawing/2014/main" xmlns="" val="10000"/>
+                    <a16:rowId xmlns="" xmlns:a16="http://schemas.microsoft.com/office/drawing/2014/main" val="10000"/>
                   </a:ext>
                 </a:extLst>
               </a:tr>
@@ -19738,7 +19564,7 @@
                 </a:tc>
                 <a:extLst>
                   <a:ext uri="{0D108BD9-81ED-4DB2-BD59-A6C34878D82A}">
-                    <a16:rowId xmlns:a16="http://schemas.microsoft.com/office/drawing/2014/main" xmlns="" val="10001"/>
+                    <a16:rowId xmlns="" xmlns:a16="http://schemas.microsoft.com/office/drawing/2014/main" val="10001"/>
                   </a:ext>
                 </a:extLst>
               </a:tr>
@@ -19808,7 +19634,7 @@
                 </a:tc>
                 <a:extLst>
                   <a:ext uri="{0D108BD9-81ED-4DB2-BD59-A6C34878D82A}">
-                    <a16:rowId xmlns:a16="http://schemas.microsoft.com/office/drawing/2014/main" xmlns="" val="10002"/>
+                    <a16:rowId xmlns="" xmlns:a16="http://schemas.microsoft.com/office/drawing/2014/main" val="10002"/>
                   </a:ext>
                 </a:extLst>
               </a:tr>
@@ -19886,795 +19712,7 @@
                 </a:tc>
                 <a:extLst>
                   <a:ext uri="{0D108BD9-81ED-4DB2-BD59-A6C34878D82A}">
-                    <a16:rowId xmlns:a16="http://schemas.microsoft.com/office/drawing/2014/main" xmlns="" val="10007"/>
-                  </a:ext>
-                </a:extLst>
-              </a:tr>
-            </a:tbl>
-          </a:graphicData>
-        </a:graphic>
-      </p:graphicFrame>
-      <p:pic>
-        <p:nvPicPr>
-          <p:cNvPr id="2052" name="Picture 4" descr="http://wordlabs.ru/wp-content/uploads/2015/02/Contoso-logo.png"/>
-          <p:cNvPicPr>
-            <a:picLocks noChangeAspect="1" noChangeArrowheads="1"/>
-          </p:cNvPicPr>
-          <p:nvPr/>
-        </p:nvPicPr>
-        <p:blipFill>
-          <a:blip r:embed="rId3">
-            <a:extLst>
-              <a:ext uri="{28A0092B-C50C-407E-A947-70E740481C1C}">
-                <a14:useLocalDpi xmlns:a14="http://schemas.microsoft.com/office/drawing/2010/main" val="0"/>
-              </a:ext>
-            </a:extLst>
-          </a:blip>
-          <a:srcRect/>
-          <a:stretch>
-            <a:fillRect/>
-          </a:stretch>
-        </p:blipFill>
-        <p:spPr bwMode="auto">
-          <a:xfrm>
-            <a:off x="296955" y="2052637"/>
-            <a:ext cx="1676400" cy="904876"/>
-          </a:xfrm>
-          <a:prstGeom prst="rect">
-            <a:avLst/>
-          </a:prstGeom>
-          <a:noFill/>
-          <a:extLst>
-            <a:ext uri="{909E8E84-426E-40DD-AFC4-6F175D3DCCD1}">
-              <a14:hiddenFill xmlns:a14="http://schemas.microsoft.com/office/drawing/2010/main">
-                <a:solidFill>
-                  <a:srgbClr val="FFFFFF"/>
-                </a:solidFill>
-              </a14:hiddenFill>
-            </a:ext>
-          </a:extLst>
-        </p:spPr>
-      </p:pic>
-    </p:spTree>
-    <p:extLst>
-      <p:ext uri="{BB962C8B-B14F-4D97-AF65-F5344CB8AC3E}">
-        <p14:creationId xmlns:p14="http://schemas.microsoft.com/office/powerpoint/2010/main" val="3237123265"/>
-      </p:ext>
-    </p:extLst>
-  </p:cSld>
-  <p:clrMapOvr>
-    <a:masterClrMapping/>
-  </p:clrMapOvr>
-  <p:transition>
-    <p:fade/>
-  </p:transition>
-  <p:timing>
-    <p:tnLst>
-      <p:par>
-        <p:cTn id="1" dur="indefinite" restart="never" nodeType="tmRoot"/>
-      </p:par>
-    </p:tnLst>
-  </p:timing>
-</p:sld>
-</file>
-
-<file path=ppt/slides/slide14.xml><?xml version="1.0" encoding="utf-8"?>
-<p:sld xmlns:a="http://schemas.openxmlformats.org/drawingml/2006/main" xmlns:r="http://schemas.openxmlformats.org/officeDocument/2006/relationships" xmlns:p="http://schemas.openxmlformats.org/presentationml/2006/main">
-  <p:cSld>
-    <p:spTree>
-      <p:nvGrpSpPr>
-        <p:cNvPr id="1" name=""/>
-        <p:cNvGrpSpPr/>
-        <p:nvPr/>
-      </p:nvGrpSpPr>
-      <p:grpSpPr>
-        <a:xfrm>
-          <a:off x="0" y="0"/>
-          <a:ext cx="0" cy="0"/>
-          <a:chOff x="0" y="0"/>
-          <a:chExt cx="0" cy="0"/>
-        </a:xfrm>
-      </p:grpSpPr>
-      <p:sp>
-        <p:nvSpPr>
-          <p:cNvPr id="2" name="Title 1"/>
-          <p:cNvSpPr>
-            <a:spLocks noGrp="1"/>
-          </p:cNvSpPr>
-          <p:nvPr>
-            <p:ph type="title"/>
-          </p:nvPr>
-        </p:nvSpPr>
-        <p:spPr/>
-        <p:txBody>
-          <a:bodyPr/>
-          <a:lstStyle/>
-          <a:p>
-            <a:r>
-              <a:rPr lang="nl-BE" dirty="0" smtClean="0"/>
-              <a:t>Records Management</a:t>
-            </a:r>
-            <a:endParaRPr lang="nl-BE" dirty="0"/>
-          </a:p>
-        </p:txBody>
-      </p:sp>
-      <p:sp>
-        <p:nvSpPr>
-          <p:cNvPr id="11" name="Text Placeholder 10"/>
-          <p:cNvSpPr>
-            <a:spLocks noGrp="1"/>
-          </p:cNvSpPr>
-          <p:nvPr>
-            <p:ph type="body" sz="quarter" idx="10"/>
-          </p:nvPr>
-        </p:nvSpPr>
-        <p:spPr>
-          <a:xfrm>
-            <a:off x="3173505" y="1243404"/>
-            <a:ext cx="8494619" cy="1585140"/>
-          </a:xfrm>
-        </p:spPr>
-        <p:txBody>
-          <a:bodyPr/>
-          <a:lstStyle/>
-          <a:p>
-            <a:r>
-              <a:rPr lang="en-US" dirty="0"/>
-              <a:t>High level requirements:</a:t>
-            </a:r>
-          </a:p>
-          <a:p>
-            <a:pPr lvl="1"/>
-            <a:r>
-              <a:rPr lang="en-US" sz="1800" dirty="0" smtClean="0"/>
-              <a:t>Typical </a:t>
-            </a:r>
-            <a:r>
-              <a:rPr lang="en-US" sz="1800" dirty="0"/>
-              <a:t>Intranet features:</a:t>
-            </a:r>
-          </a:p>
-          <a:p>
-            <a:pPr lvl="2"/>
-            <a:r>
-              <a:rPr lang="en-US" sz="1800" dirty="0" smtClean="0"/>
-              <a:t>Send notification emails when policies are due for revision.</a:t>
-            </a:r>
-          </a:p>
-          <a:p>
-            <a:pPr lvl="2"/>
-            <a:r>
-              <a:rPr lang="en-US" sz="1800" dirty="0" smtClean="0"/>
-              <a:t>Delete records that are more than 5 years old.</a:t>
-            </a:r>
-          </a:p>
-          <a:p>
-            <a:pPr lvl="2"/>
-            <a:r>
-              <a:rPr lang="en-US" sz="1800" dirty="0" smtClean="0"/>
-              <a:t>Log action taken on expired </a:t>
-            </a:r>
-            <a:r>
-              <a:rPr lang="en-US" sz="1800" dirty="0" smtClean="0"/>
-              <a:t>documents</a:t>
-            </a:r>
-          </a:p>
-          <a:p>
-            <a:pPr lvl="2"/>
-            <a:endParaRPr lang="en-US" sz="1800" dirty="0" smtClean="0"/>
-          </a:p>
-          <a:p>
-            <a:r>
-              <a:rPr lang="en-US" dirty="0" smtClean="0"/>
-              <a:t>Design </a:t>
-            </a:r>
-            <a:r>
-              <a:rPr lang="en-US" dirty="0"/>
-              <a:t>and Notes</a:t>
-            </a:r>
-          </a:p>
-          <a:p>
-            <a:pPr lvl="1"/>
-            <a:r>
-              <a:rPr lang="en-US" sz="1800" dirty="0"/>
-              <a:t>Business logic could be factored to one or more </a:t>
-            </a:r>
-            <a:r>
-              <a:rPr lang="en-US" sz="1800" b="1" dirty="0" err="1"/>
-              <a:t>oData</a:t>
-            </a:r>
-            <a:r>
-              <a:rPr lang="en-US" sz="1800" b="1" dirty="0"/>
-              <a:t> Web Services</a:t>
-            </a:r>
-          </a:p>
-          <a:p>
-            <a:pPr lvl="1"/>
-            <a:r>
-              <a:rPr lang="en-US" sz="1800" dirty="0"/>
-              <a:t>Scheduled Web Job will be hosted on Azure</a:t>
-            </a:r>
-          </a:p>
-          <a:p>
-            <a:pPr lvl="1"/>
-            <a:r>
-              <a:rPr lang="en-US" sz="1800" dirty="0"/>
-              <a:t>A trusted service account may be required because there would be no concept of “Elevated Privileges” in the external hosting environment. </a:t>
-            </a:r>
-          </a:p>
-          <a:p>
-            <a:pPr lvl="1"/>
-            <a:endParaRPr lang="en-US" dirty="0"/>
-          </a:p>
-          <a:p>
-            <a:pPr lvl="1"/>
-            <a:endParaRPr lang="en-US" dirty="0"/>
-          </a:p>
-          <a:p>
-            <a:pPr lvl="2"/>
-            <a:endParaRPr lang="en-US" sz="1800" dirty="0" smtClean="0"/>
-          </a:p>
-          <a:p>
-            <a:pPr lvl="2"/>
-            <a:endParaRPr lang="en-US" sz="1800" dirty="0" smtClean="0"/>
-          </a:p>
-          <a:p>
-            <a:pPr lvl="2"/>
-            <a:endParaRPr lang="en-US" sz="1800" dirty="0"/>
-          </a:p>
-        </p:txBody>
-      </p:sp>
-      <p:sp>
-        <p:nvSpPr>
-          <p:cNvPr id="4" name="Text Placeholder 6"/>
-          <p:cNvSpPr txBox="1">
-            <a:spLocks/>
-          </p:cNvSpPr>
-          <p:nvPr/>
-        </p:nvSpPr>
-        <p:spPr>
-          <a:xfrm>
-            <a:off x="3173505" y="1243404"/>
-            <a:ext cx="8494619" cy="2043636"/>
-          </a:xfrm>
-          <a:prstGeom prst="rect">
-            <a:avLst/>
-          </a:prstGeom>
-        </p:spPr>
-        <p:txBody>
-          <a:bodyPr/>
-          <a:lstStyle>
-            <a:lvl1pPr marL="339725" marR="0" indent="-339725" algn="l" defTabSz="914363" rtl="0" eaLnBrk="1" fontAlgn="auto" latinLnBrk="0" hangingPunct="1">
-              <a:lnSpc>
-                <a:spcPct val="90000"/>
-              </a:lnSpc>
-              <a:spcBef>
-                <a:spcPct val="20000"/>
-              </a:spcBef>
-              <a:spcAft>
-                <a:spcPts val="0"/>
-              </a:spcAft>
-              <a:buClrTx/>
-              <a:buSzPct val="80000"/>
-              <a:buFont typeface="Arial" pitchFamily="34" charset="0"/>
-              <a:buChar char="•"/>
-              <a:tabLst/>
-              <a:defRPr sz="3600" kern="1200" spc="-70" baseline="0">
-                <a:gradFill>
-                  <a:gsLst>
-                    <a:gs pos="1250">
-                      <a:schemeClr val="bg2"/>
-                    </a:gs>
-                    <a:gs pos="100000">
-                      <a:schemeClr val="bg2"/>
-                    </a:gs>
-                  </a:gsLst>
-                  <a:lin ang="5400000" scaled="0"/>
-                </a:gradFill>
-                <a:latin typeface="+mj-lt"/>
-                <a:ea typeface="+mn-ea"/>
-                <a:cs typeface="+mn-cs"/>
-              </a:defRPr>
-            </a:lvl1pPr>
-            <a:lvl2pPr marL="573088" marR="0" indent="-233363" algn="l" defTabSz="914363" rtl="0" eaLnBrk="1" fontAlgn="auto" latinLnBrk="0" hangingPunct="1">
-              <a:lnSpc>
-                <a:spcPct val="90000"/>
-              </a:lnSpc>
-              <a:spcBef>
-                <a:spcPct val="20000"/>
-              </a:spcBef>
-              <a:spcAft>
-                <a:spcPts val="0"/>
-              </a:spcAft>
-              <a:buClrTx/>
-              <a:buSzPct val="90000"/>
-              <a:buFont typeface="Wingdings" pitchFamily="2" charset="2"/>
-              <a:buChar char=""/>
-              <a:tabLst/>
-              <a:defRPr sz="2400" kern="1200" spc="0" baseline="0">
-                <a:gradFill>
-                  <a:gsLst>
-                    <a:gs pos="1250">
-                      <a:schemeClr val="bg2"/>
-                    </a:gs>
-                    <a:gs pos="100000">
-                      <a:schemeClr val="bg2"/>
-                    </a:gs>
-                  </a:gsLst>
-                  <a:lin ang="5400000" scaled="0"/>
-                </a:gradFill>
-                <a:latin typeface="+mn-lt"/>
-                <a:ea typeface="+mn-ea"/>
-                <a:cs typeface="+mn-cs"/>
-              </a:defRPr>
-            </a:lvl2pPr>
-            <a:lvl3pPr marL="798513" marR="0" indent="-225425" algn="l" defTabSz="914363" rtl="0" eaLnBrk="1" fontAlgn="auto" latinLnBrk="0" hangingPunct="1">
-              <a:lnSpc>
-                <a:spcPct val="90000"/>
-              </a:lnSpc>
-              <a:spcBef>
-                <a:spcPct val="20000"/>
-              </a:spcBef>
-              <a:spcAft>
-                <a:spcPts val="0"/>
-              </a:spcAft>
-              <a:buClrTx/>
-              <a:buSzPct val="90000"/>
-              <a:buFont typeface="Wingdings" pitchFamily="2" charset="2"/>
-              <a:buChar char=""/>
-              <a:tabLst>
-                <a:tab pos="798513" algn="l"/>
-              </a:tabLst>
-              <a:defRPr sz="2400" kern="1200" spc="0" baseline="0">
-                <a:gradFill>
-                  <a:gsLst>
-                    <a:gs pos="1250">
-                      <a:schemeClr val="bg2"/>
-                    </a:gs>
-                    <a:gs pos="100000">
-                      <a:schemeClr val="bg2"/>
-                    </a:gs>
-                  </a:gsLst>
-                  <a:lin ang="5400000" scaled="0"/>
-                </a:gradFill>
-                <a:latin typeface="+mn-lt"/>
-                <a:ea typeface="+mn-ea"/>
-                <a:cs typeface="+mn-cs"/>
-              </a:defRPr>
-            </a:lvl3pPr>
-            <a:lvl4pPr marL="1030288" marR="0" indent="-231775" algn="l" defTabSz="914363" rtl="0" eaLnBrk="1" fontAlgn="auto" latinLnBrk="0" hangingPunct="1">
-              <a:lnSpc>
-                <a:spcPct val="90000"/>
-              </a:lnSpc>
-              <a:spcBef>
-                <a:spcPct val="20000"/>
-              </a:spcBef>
-              <a:spcAft>
-                <a:spcPts val="0"/>
-              </a:spcAft>
-              <a:buClrTx/>
-              <a:buSzPct val="90000"/>
-              <a:buFont typeface="Wingdings" pitchFamily="2" charset="2"/>
-              <a:buChar char=""/>
-              <a:tabLst/>
-              <a:defRPr sz="2000" kern="1200" spc="0" baseline="0">
-                <a:gradFill>
-                  <a:gsLst>
-                    <a:gs pos="1250">
-                      <a:schemeClr val="bg2"/>
-                    </a:gs>
-                    <a:gs pos="100000">
-                      <a:schemeClr val="bg2"/>
-                    </a:gs>
-                  </a:gsLst>
-                  <a:lin ang="5400000" scaled="0"/>
-                </a:gradFill>
-                <a:latin typeface="+mn-lt"/>
-                <a:ea typeface="+mn-ea"/>
-                <a:cs typeface="+mn-cs"/>
-              </a:defRPr>
-            </a:lvl4pPr>
-            <a:lvl5pPr marL="1255713" marR="0" indent="-225425" algn="l" defTabSz="914363" rtl="0" eaLnBrk="1" fontAlgn="auto" latinLnBrk="0" hangingPunct="1">
-              <a:lnSpc>
-                <a:spcPct val="90000"/>
-              </a:lnSpc>
-              <a:spcBef>
-                <a:spcPct val="20000"/>
-              </a:spcBef>
-              <a:spcAft>
-                <a:spcPts val="0"/>
-              </a:spcAft>
-              <a:buClrTx/>
-              <a:buSzPct val="90000"/>
-              <a:buFont typeface="Wingdings" pitchFamily="2" charset="2"/>
-              <a:buChar char=""/>
-              <a:tabLst>
-                <a:tab pos="1255713" algn="l"/>
-              </a:tabLst>
-              <a:defRPr sz="2000" kern="1200" spc="0" baseline="0">
-                <a:gradFill>
-                  <a:gsLst>
-                    <a:gs pos="1250">
-                      <a:schemeClr val="bg2"/>
-                    </a:gs>
-                    <a:gs pos="100000">
-                      <a:schemeClr val="bg2"/>
-                    </a:gs>
-                  </a:gsLst>
-                  <a:lin ang="5400000" scaled="0"/>
-                </a:gradFill>
-                <a:latin typeface="+mn-lt"/>
-                <a:ea typeface="+mn-ea"/>
-                <a:cs typeface="+mn-cs"/>
-              </a:defRPr>
-            </a:lvl5pPr>
-            <a:lvl6pPr marL="2514499" indent="-228591" algn="l" defTabSz="914363" rtl="0" eaLnBrk="1" latinLnBrk="0" hangingPunct="1">
-              <a:spcBef>
-                <a:spcPct val="20000"/>
-              </a:spcBef>
-              <a:buFont typeface="Arial" pitchFamily="34" charset="0"/>
-              <a:buChar char="•"/>
-              <a:defRPr sz="2000" kern="1200">
-                <a:solidFill>
-                  <a:schemeClr val="tx1"/>
-                </a:solidFill>
-                <a:latin typeface="+mn-lt"/>
-                <a:ea typeface="+mn-ea"/>
-                <a:cs typeface="+mn-cs"/>
-              </a:defRPr>
-            </a:lvl6pPr>
-            <a:lvl7pPr marL="2971681" indent="-228591" algn="l" defTabSz="914363" rtl="0" eaLnBrk="1" latinLnBrk="0" hangingPunct="1">
-              <a:spcBef>
-                <a:spcPct val="20000"/>
-              </a:spcBef>
-              <a:buFont typeface="Arial" pitchFamily="34" charset="0"/>
-              <a:buChar char="•"/>
-              <a:defRPr sz="2000" kern="1200">
-                <a:solidFill>
-                  <a:schemeClr val="tx1"/>
-                </a:solidFill>
-                <a:latin typeface="+mn-lt"/>
-                <a:ea typeface="+mn-ea"/>
-                <a:cs typeface="+mn-cs"/>
-              </a:defRPr>
-            </a:lvl7pPr>
-            <a:lvl8pPr marL="3428863" indent="-228591" algn="l" defTabSz="914363" rtl="0" eaLnBrk="1" latinLnBrk="0" hangingPunct="1">
-              <a:spcBef>
-                <a:spcPct val="20000"/>
-              </a:spcBef>
-              <a:buFont typeface="Arial" pitchFamily="34" charset="0"/>
-              <a:buChar char="•"/>
-              <a:defRPr sz="2000" kern="1200">
-                <a:solidFill>
-                  <a:schemeClr val="tx1"/>
-                </a:solidFill>
-                <a:latin typeface="+mn-lt"/>
-                <a:ea typeface="+mn-ea"/>
-                <a:cs typeface="+mn-cs"/>
-              </a:defRPr>
-            </a:lvl8pPr>
-            <a:lvl9pPr marL="3886045" indent="-228591" algn="l" defTabSz="914363" rtl="0" eaLnBrk="1" latinLnBrk="0" hangingPunct="1">
-              <a:spcBef>
-                <a:spcPct val="20000"/>
-              </a:spcBef>
-              <a:buFont typeface="Arial" pitchFamily="34" charset="0"/>
-              <a:buChar char="•"/>
-              <a:defRPr sz="2000" kern="1200">
-                <a:solidFill>
-                  <a:schemeClr val="tx1"/>
-                </a:solidFill>
-                <a:latin typeface="+mn-lt"/>
-                <a:ea typeface="+mn-ea"/>
-                <a:cs typeface="+mn-cs"/>
-              </a:defRPr>
-            </a:lvl9pPr>
-          </a:lstStyle>
-          <a:p>
-            <a:endParaRPr lang="en-US" dirty="0" smtClean="0"/>
-          </a:p>
-        </p:txBody>
-      </p:sp>
-      <p:graphicFrame>
-        <p:nvGraphicFramePr>
-          <p:cNvPr id="7" name="Table 7"/>
-          <p:cNvGraphicFramePr>
-            <a:graphicFrameLocks noGrp="1"/>
-          </p:cNvGraphicFramePr>
-          <p:nvPr>
-            <p:extLst>
-              <p:ext uri="{D42A27DB-BD31-4B8C-83A1-F6EECF244321}">
-                <p14:modId xmlns:p14="http://schemas.microsoft.com/office/powerpoint/2010/main" val="3225620736"/>
-              </p:ext>
-            </p:extLst>
-          </p:nvPr>
-        </p:nvGraphicFramePr>
-        <p:xfrm>
-          <a:off x="291646" y="425158"/>
-          <a:ext cx="2591254" cy="1483360"/>
-        </p:xfrm>
-        <a:graphic>
-          <a:graphicData uri="http://schemas.openxmlformats.org/drawingml/2006/table">
-            <a:tbl>
-              <a:tblPr>
-                <a:tableStyleId>{2D5ABB26-0587-4C30-8999-92F81FD0307C}</a:tableStyleId>
-              </a:tblPr>
-              <a:tblGrid>
-                <a:gridCol w="2591254">
-                  <a:extLst>
-                    <a:ext uri="{9D8B030D-6E8A-4147-A177-3AD203B41FA5}">
-                      <a16:colId xmlns:a16="http://schemas.microsoft.com/office/drawing/2014/main" xmlns="" val="20000"/>
-                    </a:ext>
-                  </a:extLst>
-                </a:gridCol>
-              </a:tblGrid>
-              <a:tr h="370840">
-                <a:tc>
-                  <a:txBody>
-                    <a:bodyPr/>
-                    <a:lstStyle/>
-                    <a:p>
-                      <a:pPr algn="ctr"/>
-                      <a:r>
-                        <a:rPr lang="en-US" b="1" i="0" dirty="0" smtClean="0"/>
-                        <a:t>Records Management</a:t>
-                      </a:r>
-                      <a:endParaRPr lang="nl-BE" b="1" i="0" dirty="0"/>
-                    </a:p>
-                  </a:txBody>
-                  <a:tcPr>
-                    <a:lnL w="12700" cap="flat" cmpd="sng" algn="ctr">
-                      <a:solidFill>
-                        <a:schemeClr val="tx1"/>
-                      </a:solidFill>
-                      <a:prstDash val="solid"/>
-                      <a:round/>
-                      <a:headEnd type="none" w="med" len="med"/>
-                      <a:tailEnd type="none" w="med" len="med"/>
-                    </a:lnL>
-                    <a:lnR w="12700" cap="flat" cmpd="sng" algn="ctr">
-                      <a:solidFill>
-                        <a:schemeClr val="tx1"/>
-                      </a:solidFill>
-                      <a:prstDash val="solid"/>
-                      <a:round/>
-                      <a:headEnd type="none" w="med" len="med"/>
-                      <a:tailEnd type="none" w="med" len="med"/>
-                    </a:lnR>
-                    <a:lnT w="12700" cap="flat" cmpd="sng" algn="ctr">
-                      <a:solidFill>
-                        <a:schemeClr val="tx1"/>
-                      </a:solidFill>
-                      <a:prstDash val="solid"/>
-                      <a:round/>
-                      <a:headEnd type="none" w="med" len="med"/>
-                      <a:tailEnd type="none" w="med" len="med"/>
-                    </a:lnT>
-                    <a:lnB w="12700" cap="flat" cmpd="sng" algn="ctr">
-                      <a:solidFill>
-                        <a:schemeClr val="tx1"/>
-                      </a:solidFill>
-                      <a:prstDash val="solid"/>
-                      <a:round/>
-                      <a:headEnd type="none" w="med" len="med"/>
-                      <a:tailEnd type="none" w="med" len="med"/>
-                    </a:lnB>
-                    <a:solidFill>
-                      <a:schemeClr val="bg1"/>
-                    </a:solidFill>
-                  </a:tcPr>
-                </a:tc>
-                <a:extLst>
-                  <a:ext uri="{0D108BD9-81ED-4DB2-BD59-A6C34878D82A}">
-                    <a16:rowId xmlns:a16="http://schemas.microsoft.com/office/drawing/2014/main" xmlns="" val="10000"/>
-                  </a:ext>
-                </a:extLst>
-              </a:tr>
-              <a:tr h="370840">
-                <a:tc>
-                  <a:txBody>
-                    <a:bodyPr/>
-                    <a:lstStyle/>
-                    <a:p>
-                      <a:r>
-                        <a:rPr lang="en-US" i="1" dirty="0" smtClean="0"/>
-                        <a:t>Complexity:</a:t>
-                      </a:r>
-                      <a:endParaRPr lang="nl-BE" i="1" dirty="0"/>
-                    </a:p>
-                  </a:txBody>
-                  <a:tcPr>
-                    <a:lnL w="12700" cap="flat" cmpd="sng" algn="ctr">
-                      <a:solidFill>
-                        <a:schemeClr val="tx1"/>
-                      </a:solidFill>
-                      <a:prstDash val="solid"/>
-                      <a:round/>
-                      <a:headEnd type="none" w="med" len="med"/>
-                      <a:tailEnd type="none" w="med" len="med"/>
-                    </a:lnL>
-                    <a:lnR w="12700" cap="flat" cmpd="sng" algn="ctr">
-                      <a:solidFill>
-                        <a:schemeClr val="tx1"/>
-                      </a:solidFill>
-                      <a:prstDash val="solid"/>
-                      <a:round/>
-                      <a:headEnd type="none" w="med" len="med"/>
-                      <a:tailEnd type="none" w="med" len="med"/>
-                    </a:lnR>
-                    <a:lnT w="12700" cap="flat" cmpd="sng" algn="ctr">
-                      <a:solidFill>
-                        <a:schemeClr val="tx1"/>
-                      </a:solidFill>
-                      <a:prstDash val="solid"/>
-                      <a:round/>
-                      <a:headEnd type="none" w="med" len="med"/>
-                      <a:tailEnd type="none" w="med" len="med"/>
-                    </a:lnT>
-                    <a:lnB w="12700" cap="flat" cmpd="sng" algn="ctr">
-                      <a:solidFill>
-                        <a:schemeClr val="tx1"/>
-                      </a:solidFill>
-                      <a:prstDash val="solid"/>
-                      <a:round/>
-                      <a:headEnd type="none" w="med" len="med"/>
-                      <a:tailEnd type="none" w="med" len="med"/>
-                    </a:lnB>
-                    <a:solidFill>
-                      <a:schemeClr val="bg1"/>
-                    </a:solidFill>
-                  </a:tcPr>
-                </a:tc>
-                <a:extLst>
-                  <a:ext uri="{0D108BD9-81ED-4DB2-BD59-A6C34878D82A}">
-                    <a16:rowId xmlns:a16="http://schemas.microsoft.com/office/drawing/2014/main" xmlns="" val="10001"/>
-                  </a:ext>
-                </a:extLst>
-              </a:tr>
-              <a:tr h="370840">
-                <a:tc>
-                  <a:txBody>
-                    <a:bodyPr/>
-                    <a:lstStyle/>
-                    <a:p>
-                      <a:pPr algn="ctr"/>
-                      <a:r>
-                        <a:rPr lang="en-US" dirty="0" smtClean="0">
-                          <a:solidFill>
-                            <a:schemeClr val="bg1"/>
-                          </a:solidFill>
-                        </a:rPr>
-                        <a:t>Medium</a:t>
-                      </a:r>
-                      <a:endParaRPr lang="nl-BE" dirty="0">
-                        <a:solidFill>
-                          <a:schemeClr val="bg1"/>
-                        </a:solidFill>
-                      </a:endParaRPr>
-                    </a:p>
-                  </a:txBody>
-                  <a:tcPr>
-                    <a:lnL w="12700" cap="flat" cmpd="sng" algn="ctr">
-                      <a:solidFill>
-                        <a:schemeClr val="tx1"/>
-                      </a:solidFill>
-                      <a:prstDash val="solid"/>
-                      <a:round/>
-                      <a:headEnd type="none" w="med" len="med"/>
-                      <a:tailEnd type="none" w="med" len="med"/>
-                    </a:lnL>
-                    <a:lnR w="12700" cap="flat" cmpd="sng" algn="ctr">
-                      <a:solidFill>
-                        <a:schemeClr val="tx1"/>
-                      </a:solidFill>
-                      <a:prstDash val="solid"/>
-                      <a:round/>
-                      <a:headEnd type="none" w="med" len="med"/>
-                      <a:tailEnd type="none" w="med" len="med"/>
-                    </a:lnR>
-                    <a:lnT w="12700" cap="flat" cmpd="sng" algn="ctr">
-                      <a:solidFill>
-                        <a:schemeClr val="tx1"/>
-                      </a:solidFill>
-                      <a:prstDash val="solid"/>
-                      <a:round/>
-                      <a:headEnd type="none" w="med" len="med"/>
-                      <a:tailEnd type="none" w="med" len="med"/>
-                    </a:lnT>
-                    <a:lnB w="12700" cap="flat" cmpd="sng" algn="ctr">
-                      <a:solidFill>
-                        <a:schemeClr val="tx1"/>
-                      </a:solidFill>
-                      <a:prstDash val="solid"/>
-                      <a:round/>
-                      <a:headEnd type="none" w="med" len="med"/>
-                      <a:tailEnd type="none" w="med" len="med"/>
-                    </a:lnB>
-                    <a:solidFill>
-                      <a:srgbClr val="FFC000"/>
-                    </a:solidFill>
-                  </a:tcPr>
-                </a:tc>
-                <a:extLst>
-                  <a:ext uri="{0D108BD9-81ED-4DB2-BD59-A6C34878D82A}">
-                    <a16:rowId xmlns:a16="http://schemas.microsoft.com/office/drawing/2014/main" xmlns="" val="10002"/>
-                  </a:ext>
-                </a:extLst>
-              </a:tr>
-              <a:tr h="370840">
-                <a:tc>
-                  <a:txBody>
-                    <a:bodyPr/>
-                    <a:lstStyle/>
-                    <a:p>
-                      <a:pPr marL="0" marR="0" indent="0" algn="l" defTabSz="914363" rtl="0" eaLnBrk="1" fontAlgn="auto" latinLnBrk="0" hangingPunct="1">
-                        <a:lnSpc>
-                          <a:spcPct val="100000"/>
-                        </a:lnSpc>
-                        <a:spcBef>
-                          <a:spcPts val="0"/>
-                        </a:spcBef>
-                        <a:spcAft>
-                          <a:spcPts val="0"/>
-                        </a:spcAft>
-                        <a:buClrTx/>
-                        <a:buSzTx/>
-                        <a:buFont typeface="Arial" panose="020B0604020202020204" pitchFamily="34" charset="0"/>
-                        <a:buNone/>
-                        <a:tabLst/>
-                        <a:defRPr/>
-                      </a:pPr>
-                      <a:r>
-                        <a:rPr lang="en-US" i="1" dirty="0" smtClean="0"/>
-                        <a:t>Owner: Contoso</a:t>
-                      </a:r>
-                      <a:endParaRPr lang="nl-BE" i="1" dirty="0" smtClean="0"/>
-                    </a:p>
-                  </a:txBody>
-                  <a:tcPr>
-                    <a:lnL w="12700" cap="flat" cmpd="sng" algn="ctr">
-                      <a:solidFill>
-                        <a:schemeClr val="tx1"/>
-                      </a:solidFill>
-                      <a:prstDash val="solid"/>
-                      <a:round/>
-                      <a:headEnd type="none" w="med" len="med"/>
-                      <a:tailEnd type="none" w="med" len="med"/>
-                    </a:lnL>
-                    <a:lnR w="12700" cap="flat" cmpd="sng" algn="ctr">
-                      <a:solidFill>
-                        <a:schemeClr val="tx1"/>
-                      </a:solidFill>
-                      <a:prstDash val="solid"/>
-                      <a:round/>
-                      <a:headEnd type="none" w="med" len="med"/>
-                      <a:tailEnd type="none" w="med" len="med"/>
-                    </a:lnR>
-                    <a:lnT w="12700" cap="flat" cmpd="sng" algn="ctr">
-                      <a:solidFill>
-                        <a:schemeClr val="tx1"/>
-                      </a:solidFill>
-                      <a:prstDash val="solid"/>
-                      <a:round/>
-                      <a:headEnd type="none" w="med" len="med"/>
-                      <a:tailEnd type="none" w="med" len="med"/>
-                    </a:lnT>
-                    <a:lnB w="12700" cap="flat" cmpd="sng" algn="ctr">
-                      <a:solidFill>
-                        <a:schemeClr val="tx1"/>
-                      </a:solidFill>
-                      <a:prstDash val="solid"/>
-                      <a:round/>
-                      <a:headEnd type="none" w="med" len="med"/>
-                      <a:tailEnd type="none" w="med" len="med"/>
-                    </a:lnB>
-                    <a:solidFill>
-                      <a:schemeClr val="bg1"/>
-                    </a:solidFill>
-                  </a:tcPr>
-                </a:tc>
-                <a:extLst>
-                  <a:ext uri="{0D108BD9-81ED-4DB2-BD59-A6C34878D82A}">
-                    <a16:rowId xmlns:a16="http://schemas.microsoft.com/office/drawing/2014/main" xmlns="" val="10007"/>
+                    <a16:rowId xmlns="" xmlns:a16="http://schemas.microsoft.com/office/drawing/2014/main" val="10007"/>
                   </a:ext>
                 </a:extLst>
               </a:tr>
@@ -20987,7 +20025,7 @@
 </p:sld>
 </file>
 
-<file path=ppt/slides/slide15.xml><?xml version="1.0" encoding="utf-8"?>
+<file path=ppt/slides/slide14.xml><?xml version="1.0" encoding="utf-8"?>
 <p:sld xmlns:a="http://schemas.openxmlformats.org/drawingml/2006/main" xmlns:r="http://schemas.openxmlformats.org/officeDocument/2006/relationships" xmlns:p="http://schemas.openxmlformats.org/presentationml/2006/main">
   <p:cSld>
     <p:spTree>
@@ -21368,7 +20406,7 @@
                 <a:gridCol w="2743200">
                   <a:extLst>
                     <a:ext uri="{9D8B030D-6E8A-4147-A177-3AD203B41FA5}">
-                      <a16:colId xmlns:a16="http://schemas.microsoft.com/office/drawing/2014/main" xmlns="" val="20000"/>
+                      <a16:colId xmlns="" xmlns:a16="http://schemas.microsoft.com/office/drawing/2014/main" val="20000"/>
                     </a:ext>
                   </a:extLst>
                 </a:gridCol>
@@ -21451,7 +20489,7 @@
                 </a:tc>
                 <a:extLst>
                   <a:ext uri="{0D108BD9-81ED-4DB2-BD59-A6C34878D82A}">
-                    <a16:rowId xmlns:a16="http://schemas.microsoft.com/office/drawing/2014/main" xmlns="" val="10000"/>
+                    <a16:rowId xmlns="" xmlns:a16="http://schemas.microsoft.com/office/drawing/2014/main" val="10000"/>
                   </a:ext>
                 </a:extLst>
               </a:tr>
@@ -21512,7 +20550,7 @@
                 </a:tc>
                 <a:extLst>
                   <a:ext uri="{0D108BD9-81ED-4DB2-BD59-A6C34878D82A}">
-                    <a16:rowId xmlns:a16="http://schemas.microsoft.com/office/drawing/2014/main" xmlns="" val="10001"/>
+                    <a16:rowId xmlns="" xmlns:a16="http://schemas.microsoft.com/office/drawing/2014/main" val="10001"/>
                   </a:ext>
                 </a:extLst>
               </a:tr>
@@ -21582,7 +20620,7 @@
                 </a:tc>
                 <a:extLst>
                   <a:ext uri="{0D108BD9-81ED-4DB2-BD59-A6C34878D82A}">
-                    <a16:rowId xmlns:a16="http://schemas.microsoft.com/office/drawing/2014/main" xmlns="" val="10002"/>
+                    <a16:rowId xmlns="" xmlns:a16="http://schemas.microsoft.com/office/drawing/2014/main" val="10002"/>
                   </a:ext>
                 </a:extLst>
               </a:tr>
@@ -21660,7 +20698,7 @@
                 </a:tc>
                 <a:extLst>
                   <a:ext uri="{0D108BD9-81ED-4DB2-BD59-A6C34878D82A}">
-                    <a16:rowId xmlns:a16="http://schemas.microsoft.com/office/drawing/2014/main" xmlns="" val="10007"/>
+                    <a16:rowId xmlns="" xmlns:a16="http://schemas.microsoft.com/office/drawing/2014/main" val="10007"/>
                   </a:ext>
                 </a:extLst>
               </a:tr>
@@ -22045,7 +21083,7 @@
 </p:sld>
 </file>
 
-<file path=ppt/slides/slide16.xml><?xml version="1.0" encoding="utf-8"?>
+<file path=ppt/slides/slide15.xml><?xml version="1.0" encoding="utf-8"?>
 <p:sld xmlns:a="http://schemas.openxmlformats.org/drawingml/2006/main" xmlns:r="http://schemas.openxmlformats.org/officeDocument/2006/relationships" xmlns:p="http://schemas.openxmlformats.org/presentationml/2006/main">
   <p:cSld>
     <p:spTree>
@@ -22338,20 +21376,10 @@
             </a:endParaRPr>
           </a:p>
           <a:p>
-            <a:pPr lvl="0"/>
-            <a:r>
-              <a:rPr lang="en-US" dirty="0" smtClean="0">
-                <a:solidFill>
-                  <a:srgbClr val="EB3C00"/>
-                </a:solidFill>
-              </a:rPr>
-              <a:t>Migration</a:t>
-            </a:r>
-            <a:endParaRPr lang="en-US" dirty="0">
-              <a:solidFill>
-                <a:srgbClr val="EB3C00"/>
-              </a:solidFill>
-            </a:endParaRPr>
+            <a:r>
+              <a:rPr lang="en-US" dirty="0"/>
+              <a:t>Design and Notes</a:t>
+            </a:r>
           </a:p>
           <a:p>
             <a:pPr lvl="1"/>
@@ -22369,7 +21397,7 @@
                   <a:lin ang="5400000" scaled="0"/>
                 </a:gradFill>
               </a:rPr>
-              <a:t>Remote event receivers can be used that can be invoked through a provider hosted app</a:t>
+              <a:t>Remote </a:t>
             </a:r>
             <a:r>
               <a:rPr lang="en-US" dirty="0" smtClean="0">
@@ -22385,37 +21413,7 @@
                   <a:lin ang="5400000" scaled="0"/>
                 </a:gradFill>
               </a:rPr>
-              <a:t>.</a:t>
-            </a:r>
-          </a:p>
-          <a:p>
-            <a:pPr lvl="0"/>
-            <a:r>
-              <a:rPr lang="en-US" dirty="0">
-                <a:solidFill>
-                  <a:srgbClr val="EB3C00"/>
-                </a:solidFill>
-              </a:rPr>
-              <a:t>Challenges</a:t>
-            </a:r>
-          </a:p>
-          <a:p>
-            <a:pPr lvl="1"/>
-            <a:r>
-              <a:rPr lang="en-US" dirty="0">
-                <a:gradFill>
-                  <a:gsLst>
-                    <a:gs pos="1250">
-                      <a:srgbClr val="797A7D"/>
-                    </a:gs>
-                    <a:gs pos="100000">
-                      <a:srgbClr val="797A7D"/>
-                    </a:gs>
-                  </a:gsLst>
-                  <a:lin ang="5400000" scaled="0"/>
-                </a:gradFill>
-              </a:rPr>
-              <a:t>None</a:t>
+              <a:t>event receivers can be used that can be invoked through a provider hosted app.</a:t>
             </a:r>
           </a:p>
           <a:p>
@@ -22729,7 +21727,7 @@
                 <a:gridCol w="2373524">
                   <a:extLst>
                     <a:ext uri="{9D8B030D-6E8A-4147-A177-3AD203B41FA5}">
-                      <a16:colId xmlns:a16="http://schemas.microsoft.com/office/drawing/2014/main" xmlns="" val="20000"/>
+                      <a16:colId xmlns="" xmlns:a16="http://schemas.microsoft.com/office/drawing/2014/main" val="20000"/>
                     </a:ext>
                   </a:extLst>
                 </a:gridCol>
@@ -22792,7 +21790,7 @@
                 </a:tc>
                 <a:extLst>
                   <a:ext uri="{0D108BD9-81ED-4DB2-BD59-A6C34878D82A}">
-                    <a16:rowId xmlns:a16="http://schemas.microsoft.com/office/drawing/2014/main" xmlns="" val="10000"/>
+                    <a16:rowId xmlns="" xmlns:a16="http://schemas.microsoft.com/office/drawing/2014/main" val="10000"/>
                   </a:ext>
                 </a:extLst>
               </a:tr>
@@ -22853,7 +21851,7 @@
                 </a:tc>
                 <a:extLst>
                   <a:ext uri="{0D108BD9-81ED-4DB2-BD59-A6C34878D82A}">
-                    <a16:rowId xmlns:a16="http://schemas.microsoft.com/office/drawing/2014/main" xmlns="" val="10001"/>
+                    <a16:rowId xmlns="" xmlns:a16="http://schemas.microsoft.com/office/drawing/2014/main" val="10001"/>
                   </a:ext>
                 </a:extLst>
               </a:tr>
@@ -22923,7 +21921,7 @@
                 </a:tc>
                 <a:extLst>
                   <a:ext uri="{0D108BD9-81ED-4DB2-BD59-A6C34878D82A}">
-                    <a16:rowId xmlns:a16="http://schemas.microsoft.com/office/drawing/2014/main" xmlns="" val="10002"/>
+                    <a16:rowId xmlns="" xmlns:a16="http://schemas.microsoft.com/office/drawing/2014/main" val="10002"/>
                   </a:ext>
                 </a:extLst>
               </a:tr>
@@ -23001,7 +21999,7 @@
                 </a:tc>
                 <a:extLst>
                   <a:ext uri="{0D108BD9-81ED-4DB2-BD59-A6C34878D82A}">
-                    <a16:rowId xmlns:a16="http://schemas.microsoft.com/office/drawing/2014/main" xmlns="" val="10007"/>
+                    <a16:rowId xmlns="" xmlns:a16="http://schemas.microsoft.com/office/drawing/2014/main" val="10007"/>
                   </a:ext>
                 </a:extLst>
               </a:tr>
@@ -23073,7 +22071,7 @@
 </p:sld>
 </file>
 
-<file path=ppt/slides/slide17.xml><?xml version="1.0" encoding="utf-8"?>
+<file path=ppt/slides/slide16.xml><?xml version="1.0" encoding="utf-8"?>
 <p:sld xmlns:a="http://schemas.openxmlformats.org/drawingml/2006/main" xmlns:r="http://schemas.openxmlformats.org/officeDocument/2006/relationships" xmlns:p="http://schemas.openxmlformats.org/presentationml/2006/main">
   <p:cSld>
     <p:spTree>
@@ -23112,7 +22110,7 @@
           <a:p>
             <a:r>
               <a:rPr lang="nl-BE" dirty="0" smtClean="0"/>
-              <a:t>News notifications</a:t>
+              <a:t>Safety News Rollups</a:t>
             </a:r>
             <a:br>
               <a:rPr lang="nl-BE" dirty="0" smtClean="0"/>
@@ -23123,7 +22121,7 @@
                   <a:schemeClr val="accent1"/>
                 </a:solidFill>
               </a:rPr>
-              <a:t>contoso.sharepoint.newsalerts.wsp</a:t>
+              <a:t>contoso.sharepoint.safetynews.wsp</a:t>
             </a:r>
             <a:r>
               <a:rPr lang="en-US" sz="3600" dirty="0">
@@ -23189,27 +22187,41 @@
             </a:r>
           </a:p>
           <a:p>
-            <a:pPr lvl="1"/>
+            <a:pPr lvl="2"/>
             <a:r>
               <a:rPr lang="en-US" sz="1800" dirty="0" smtClean="0"/>
-              <a:t>Typical </a:t>
+              <a:t>Displays </a:t>
             </a:r>
             <a:r>
               <a:rPr lang="en-US" sz="1800" dirty="0"/>
-              <a:t>Intranet </a:t>
-            </a:r>
+              <a:t>news related to safety incidents </a:t>
+            </a:r>
+          </a:p>
+          <a:p>
+            <a:pPr lvl="2"/>
+            <a:r>
+              <a:rPr lang="en-US" sz="1800" dirty="0"/>
+              <a:t>Web part can be configured to see safety incidents even from other units/departments</a:t>
+            </a:r>
+          </a:p>
+          <a:p>
+            <a:pPr lvl="2"/>
+            <a:r>
+              <a:rPr lang="en-US" sz="1800" dirty="0"/>
+              <a:t>Allow users to view safety news from mobile devices.</a:t>
+            </a:r>
+          </a:p>
+          <a:p>
+            <a:pPr lvl="2"/>
             <a:r>
               <a:rPr lang="en-US" sz="1800" dirty="0" smtClean="0"/>
-              <a:t>features:</a:t>
-            </a:r>
-          </a:p>
-          <a:p>
-            <a:pPr lvl="2"/>
+              <a:t>Ability </a:t>
+            </a:r>
             <a:r>
               <a:rPr lang="en-US" sz="1800" dirty="0" smtClean="0"/>
-              <a:t>To be able to inform users about a major safety incident instantly</a:t>
-            </a:r>
-            <a:endParaRPr lang="en-US" sz="1800" dirty="0" smtClean="0"/>
+              <a:t>to like and share the news article will be a good to have.</a:t>
+            </a:r>
+            <a:endParaRPr lang="en-US" sz="1800" dirty="0"/>
           </a:p>
         </p:txBody>
       </p:sp>
@@ -23482,11 +22494,7 @@
             <a:graphicFrameLocks noGrp="1"/>
           </p:cNvGraphicFramePr>
           <p:nvPr>
-            <p:extLst>
-              <p:ext uri="{D42A27DB-BD31-4B8C-83A1-F6EECF244321}">
-                <p14:modId xmlns:p14="http://schemas.microsoft.com/office/powerpoint/2010/main" val="2914665889"/>
-              </p:ext>
-            </p:extLst>
+            <p:extLst/>
           </p:nvPr>
         </p:nvGraphicFramePr>
         <p:xfrm>
@@ -23503,7 +22511,7 @@
                 <a:gridCol w="2373524">
                   <a:extLst>
                     <a:ext uri="{9D8B030D-6E8A-4147-A177-3AD203B41FA5}">
-                      <a16:colId xmlns:a16="http://schemas.microsoft.com/office/drawing/2014/main" xmlns="" val="20000"/>
+                      <a16:colId xmlns="" xmlns:a16="http://schemas.microsoft.com/office/drawing/2014/main" val="20000"/>
                     </a:ext>
                   </a:extLst>
                 </a:gridCol>
@@ -23517,7 +22525,7 @@
                       <a:pPr algn="ctr"/>
                       <a:r>
                         <a:rPr lang="en-US" b="1" i="0" dirty="0" smtClean="0"/>
-                        <a:t>News Notifications</a:t>
+                        <a:t>Branding</a:t>
                       </a:r>
                       <a:endParaRPr lang="nl-BE" b="1" i="0" dirty="0"/>
                     </a:p>
@@ -23566,7 +22574,7 @@
                 </a:tc>
                 <a:extLst>
                   <a:ext uri="{0D108BD9-81ED-4DB2-BD59-A6C34878D82A}">
-                    <a16:rowId xmlns:a16="http://schemas.microsoft.com/office/drawing/2014/main" xmlns="" val="10000"/>
+                    <a16:rowId xmlns="" xmlns:a16="http://schemas.microsoft.com/office/drawing/2014/main" val="10000"/>
                   </a:ext>
                 </a:extLst>
               </a:tr>
@@ -23627,7 +22635,7 @@
                 </a:tc>
                 <a:extLst>
                   <a:ext uri="{0D108BD9-81ED-4DB2-BD59-A6C34878D82A}">
-                    <a16:rowId xmlns:a16="http://schemas.microsoft.com/office/drawing/2014/main" xmlns="" val="10001"/>
+                    <a16:rowId xmlns="" xmlns:a16="http://schemas.microsoft.com/office/drawing/2014/main" val="10001"/>
                   </a:ext>
                 </a:extLst>
               </a:tr>
@@ -23644,7 +22652,7 @@
                             <a:schemeClr val="bg1"/>
                           </a:solidFill>
                         </a:rPr>
-                        <a:t>Easy</a:t>
+                        <a:t>Medium</a:t>
                       </a:r>
                       <a:endParaRPr lang="nl-BE" dirty="0">
                         <a:solidFill>
@@ -23697,7 +22705,7 @@
                 </a:tc>
                 <a:extLst>
                   <a:ext uri="{0D108BD9-81ED-4DB2-BD59-A6C34878D82A}">
-                    <a16:rowId xmlns:a16="http://schemas.microsoft.com/office/drawing/2014/main" xmlns="" val="10002"/>
+                    <a16:rowId xmlns="" xmlns:a16="http://schemas.microsoft.com/office/drawing/2014/main" val="10002"/>
                   </a:ext>
                 </a:extLst>
               </a:tr>
@@ -23775,7 +22783,7 @@
                 </a:tc>
                 <a:extLst>
                   <a:ext uri="{0D108BD9-81ED-4DB2-BD59-A6C34878D82A}">
-                    <a16:rowId xmlns:a16="http://schemas.microsoft.com/office/drawing/2014/main" xmlns="" val="10007"/>
+                    <a16:rowId xmlns="" xmlns:a16="http://schemas.microsoft.com/office/drawing/2014/main" val="10007"/>
                   </a:ext>
                 </a:extLst>
               </a:tr>
@@ -23832,8 +22840,8 @@
         </p:nvSpPr>
         <p:spPr>
           <a:xfrm>
-            <a:off x="3063777" y="3784525"/>
-            <a:ext cx="8494619" cy="1206484"/>
+            <a:off x="3173504" y="4436317"/>
+            <a:ext cx="8494619" cy="2160591"/>
           </a:xfrm>
           <a:prstGeom prst="rect">
             <a:avLst/>
@@ -23863,7 +22871,7 @@
                 </a:solidFill>
                 <a:latin typeface="Segoe UI Light"/>
               </a:rPr>
-              <a:t>Migration</a:t>
+              <a:t>Design and Notes</a:t>
             </a:r>
           </a:p>
           <a:p>
@@ -23892,7 +22900,94 @@
                   <a:lin ang="5400000" scaled="0"/>
                 </a:gradFill>
               </a:rPr>
-              <a:t>The solution will be abandoned. Yammer sends automated emails when an announcement is added.</a:t>
+              <a:t>Safety news will be created as announcements within Yammer.</a:t>
+            </a:r>
+          </a:p>
+          <a:p>
+            <a:pPr marL="517525" lvl="1" indent="-233363">
+              <a:lnSpc>
+                <a:spcPct val="90000"/>
+              </a:lnSpc>
+              <a:spcBef>
+                <a:spcPct val="20000"/>
+              </a:spcBef>
+              <a:buSzPct val="90000"/>
+              <a:buFont typeface="Wingdings" pitchFamily="2" charset="2"/>
+              <a:buChar char=""/>
+            </a:pPr>
+            <a:r>
+              <a:rPr lang="en-US" sz="2000" dirty="0" smtClean="0">
+                <a:gradFill>
+                  <a:gsLst>
+                    <a:gs pos="1250">
+                      <a:srgbClr val="797A7D"/>
+                    </a:gs>
+                    <a:gs pos="100000">
+                      <a:srgbClr val="797A7D"/>
+                    </a:gs>
+                  </a:gsLst>
+                  <a:lin ang="5400000" scaled="0"/>
+                </a:gradFill>
+              </a:rPr>
+              <a:t>The Yammer embedded code will replace the custom safety news web part on the homepage. The Yammer integration can also provide “sharing” and “like” options </a:t>
+            </a:r>
+            <a:r>
+              <a:rPr lang="en-US" sz="2000" dirty="0" smtClean="0">
+                <a:gradFill>
+                  <a:gsLst>
+                    <a:gs pos="1250">
+                      <a:srgbClr val="797A7D"/>
+                    </a:gs>
+                    <a:gs pos="100000">
+                      <a:srgbClr val="797A7D"/>
+                    </a:gs>
+                  </a:gsLst>
+                  <a:lin ang="5400000" scaled="0"/>
+                </a:gradFill>
+              </a:rPr>
+              <a:t>out of the box.</a:t>
+            </a:r>
+            <a:endParaRPr lang="en-US" sz="2000" dirty="0" smtClean="0">
+              <a:gradFill>
+                <a:gsLst>
+                  <a:gs pos="1250">
+                    <a:srgbClr val="797A7D"/>
+                  </a:gs>
+                  <a:gs pos="100000">
+                    <a:srgbClr val="797A7D"/>
+                  </a:gs>
+                </a:gsLst>
+                <a:lin ang="5400000" scaled="0"/>
+              </a:gradFill>
+            </a:endParaRPr>
+          </a:p>
+          <a:p>
+            <a:pPr marL="517525" lvl="1" indent="-233363">
+              <a:lnSpc>
+                <a:spcPct val="90000"/>
+              </a:lnSpc>
+              <a:spcBef>
+                <a:spcPct val="20000"/>
+              </a:spcBef>
+              <a:buSzPct val="90000"/>
+              <a:buFont typeface="Wingdings" pitchFamily="2" charset="2"/>
+              <a:buChar char=""/>
+            </a:pPr>
+            <a:r>
+              <a:rPr lang="en-US" sz="2000" dirty="0" smtClean="0">
+                <a:gradFill>
+                  <a:gsLst>
+                    <a:gs pos="1250">
+                      <a:srgbClr val="797A7D"/>
+                    </a:gs>
+                    <a:gs pos="100000">
+                      <a:srgbClr val="797A7D"/>
+                    </a:gs>
+                  </a:gsLst>
+                  <a:lin ang="5400000" scaled="0"/>
+                </a:gradFill>
+              </a:rPr>
+              <a:t>Yammer mobile app will render mobile views natively.</a:t>
             </a:r>
           </a:p>
         </p:txBody>
@@ -23905,8 +23000,8 @@
         </p:nvSpPr>
         <p:spPr>
           <a:xfrm>
-            <a:off x="3173505" y="5313341"/>
-            <a:ext cx="6092825" cy="929485"/>
+            <a:off x="3173505" y="5792802"/>
+            <a:ext cx="6092825" cy="369332"/>
           </a:xfrm>
           <a:prstGeom prst="rect">
             <a:avLst/>
@@ -23929,51 +23024,26 @@
               <a:buFont typeface="Wingdings" pitchFamily="2" charset="2"/>
               <a:buChar char=""/>
             </a:pPr>
-            <a:r>
-              <a:rPr lang="en-US" sz="3600" spc="-70" dirty="0">
-                <a:solidFill>
-                  <a:srgbClr val="EB3C00"/>
-                </a:solidFill>
-                <a:latin typeface="Segoe UI Light"/>
-              </a:rPr>
-              <a:t>Challenges</a:t>
-            </a:r>
-          </a:p>
-          <a:p>
-            <a:pPr marL="517525" lvl="1" indent="-233363">
-              <a:lnSpc>
-                <a:spcPct val="90000"/>
-              </a:lnSpc>
-              <a:spcBef>
-                <a:spcPct val="20000"/>
-              </a:spcBef>
-              <a:buSzPct val="90000"/>
-              <a:buFont typeface="Wingdings" pitchFamily="2" charset="2"/>
-              <a:buChar char=""/>
-            </a:pPr>
-            <a:r>
-              <a:rPr lang="en-US" sz="2000" dirty="0">
-                <a:gradFill>
-                  <a:gsLst>
-                    <a:gs pos="1250">
-                      <a:srgbClr val="797A7D"/>
-                    </a:gs>
-                    <a:gs pos="100000">
-                      <a:srgbClr val="797A7D"/>
-                    </a:gs>
-                  </a:gsLst>
-                  <a:lin ang="5400000" scaled="0"/>
-                </a:gradFill>
-              </a:rPr>
-              <a:t>None</a:t>
-            </a:r>
+            <a:endParaRPr lang="en-US" sz="2000" dirty="0">
+              <a:gradFill>
+                <a:gsLst>
+                  <a:gs pos="1250">
+                    <a:srgbClr val="797A7D"/>
+                  </a:gs>
+                  <a:gs pos="100000">
+                    <a:srgbClr val="797A7D"/>
+                  </a:gs>
+                </a:gsLst>
+                <a:lin ang="5400000" scaled="0"/>
+              </a:gradFill>
+            </a:endParaRPr>
           </a:p>
         </p:txBody>
       </p:sp>
     </p:spTree>
     <p:extLst>
       <p:ext uri="{BB962C8B-B14F-4D97-AF65-F5344CB8AC3E}">
-        <p14:creationId xmlns:p14="http://schemas.microsoft.com/office/powerpoint/2010/main" val="5726756"/>
+        <p14:creationId xmlns:p14="http://schemas.microsoft.com/office/powerpoint/2010/main" val="3010572049"/>
       </p:ext>
     </p:extLst>
   </p:cSld>
@@ -23993,7 +23063,7 @@
 </p:sld>
 </file>
 
-<file path=ppt/slides/slide18.xml><?xml version="1.0" encoding="utf-8"?>
+<file path=ppt/slides/slide17.xml><?xml version="1.0" encoding="utf-8"?>
 <p:sld xmlns:a="http://schemas.openxmlformats.org/drawingml/2006/main" xmlns:r="http://schemas.openxmlformats.org/officeDocument/2006/relationships" xmlns:p="http://schemas.openxmlformats.org/presentationml/2006/main">
   <p:cSld>
     <p:spTree>
@@ -24020,16 +23090,66 @@
             <p:ph type="title"/>
           </p:nvPr>
         </p:nvSpPr>
-        <p:spPr/>
+        <p:spPr>
+          <a:xfrm>
+            <a:off x="3173505" y="992992"/>
+            <a:ext cx="8494619" cy="747897"/>
+          </a:xfrm>
+        </p:spPr>
         <p:txBody>
-          <a:bodyPr/>
+          <a:bodyPr anchor="ctr"/>
           <a:lstStyle/>
           <a:p>
             <a:r>
               <a:rPr lang="nl-BE" dirty="0" smtClean="0"/>
-              <a:t>Skill Finder</a:t>
-            </a:r>
-            <a:endParaRPr lang="nl-BE" dirty="0"/>
+              <a:t>News notifications</a:t>
+            </a:r>
+            <a:br>
+              <a:rPr lang="nl-BE" dirty="0" smtClean="0"/>
+            </a:br>
+            <a:r>
+              <a:rPr lang="en-US" sz="3600" dirty="0" err="1" smtClean="0">
+                <a:solidFill>
+                  <a:schemeClr val="accent1"/>
+                </a:solidFill>
+              </a:rPr>
+              <a:t>contoso.sharepoint.newsalerts.wsp</a:t>
+            </a:r>
+            <a:r>
+              <a:rPr lang="en-US" sz="3600" dirty="0">
+                <a:solidFill>
+                  <a:schemeClr val="accent1"/>
+                </a:solidFill>
+              </a:rPr>
+              <a:t/>
+            </a:r>
+            <a:br>
+              <a:rPr lang="en-US" sz="3600" dirty="0">
+                <a:solidFill>
+                  <a:schemeClr val="accent1"/>
+                </a:solidFill>
+              </a:rPr>
+            </a:br>
+            <a:r>
+              <a:rPr lang="en-US" sz="3600" dirty="0">
+                <a:solidFill>
+                  <a:schemeClr val="accent1"/>
+                </a:solidFill>
+              </a:rPr>
+              <a:t/>
+            </a:r>
+            <a:br>
+              <a:rPr lang="en-US" sz="3600" dirty="0">
+                <a:solidFill>
+                  <a:schemeClr val="accent1"/>
+                </a:solidFill>
+              </a:rPr>
+            </a:br>
+            <a:endParaRPr lang="nl-BE" sz="3600" dirty="0">
+              <a:solidFill>
+                <a:schemeClr val="accent1"/>
+              </a:solidFill>
+            </a:endParaRPr>
           </a:p>
         </p:txBody>
       </p:sp>
@@ -24045,7 +23165,7 @@
         </p:nvSpPr>
         <p:spPr>
           <a:xfrm>
-            <a:off x="3173506" y="1447799"/>
+            <a:off x="3173505" y="2238374"/>
             <a:ext cx="8494619" cy="4619626"/>
           </a:xfrm>
         </p:spPr>
@@ -24061,50 +23181,24 @@
           <a:p>
             <a:pPr lvl="1"/>
             <a:r>
-              <a:rPr lang="en-US" dirty="0" smtClean="0"/>
-              <a:t>Allow users to search experts on the basis of their years of experience and past projects.</a:t>
-            </a:r>
-          </a:p>
-          <a:p>
-            <a:pPr lvl="1"/>
-            <a:r>
-              <a:rPr lang="en-US" dirty="0" smtClean="0"/>
-              <a:t>Allow the users to be able to communicate with the experts using a tool.</a:t>
-            </a:r>
-            <a:endParaRPr lang="en-US" dirty="0"/>
-          </a:p>
-          <a:p>
-            <a:pPr lvl="1"/>
-            <a:endParaRPr lang="en-US" dirty="0"/>
-          </a:p>
-          <a:p>
-            <a:r>
-              <a:rPr lang="en-US" dirty="0"/>
-              <a:t>Design </a:t>
-            </a:r>
-            <a:r>
-              <a:rPr lang="en-US" dirty="0" smtClean="0"/>
-              <a:t>notes and status</a:t>
-            </a:r>
-            <a:endParaRPr lang="en-US" dirty="0"/>
-          </a:p>
-          <a:p>
-            <a:pPr lvl="1"/>
-            <a:r>
-              <a:rPr lang="en-US" dirty="0" smtClean="0"/>
-              <a:t>The solution will be replaced using the SharePoint People search</a:t>
-            </a:r>
-          </a:p>
-          <a:p>
-            <a:pPr lvl="1"/>
-            <a:r>
-              <a:rPr lang="en-US" dirty="0" smtClean="0"/>
-              <a:t>The People search will provide integration with Lync which can then be used to communicate with the expert using messaging or voice call.</a:t>
-            </a:r>
-            <a:endParaRPr lang="en-US" dirty="0"/>
-          </a:p>
-          <a:p>
-            <a:endParaRPr lang="en-US" dirty="0"/>
+              <a:rPr lang="en-US" sz="1800" dirty="0" smtClean="0"/>
+              <a:t>Typical </a:t>
+            </a:r>
+            <a:r>
+              <a:rPr lang="en-US" sz="1800" dirty="0"/>
+              <a:t>Intranet </a:t>
+            </a:r>
+            <a:r>
+              <a:rPr lang="en-US" sz="1800" dirty="0" smtClean="0"/>
+              <a:t>features:</a:t>
+            </a:r>
+          </a:p>
+          <a:p>
+            <a:pPr lvl="2"/>
+            <a:r>
+              <a:rPr lang="en-US" sz="1800" dirty="0" smtClean="0"/>
+              <a:t>To be able to inform users about a major safety incident instantly</a:t>
+            </a:r>
           </a:p>
         </p:txBody>
       </p:sp>
@@ -24372,12 +23466,16 @@
       </p:sp>
       <p:graphicFrame>
         <p:nvGraphicFramePr>
-          <p:cNvPr id="6" name="Table 7"/>
+          <p:cNvPr id="7" name="Table 7"/>
           <p:cNvGraphicFramePr>
             <a:graphicFrameLocks noGrp="1"/>
           </p:cNvGraphicFramePr>
           <p:nvPr>
-            <p:extLst/>
+            <p:extLst>
+              <p:ext uri="{D42A27DB-BD31-4B8C-83A1-F6EECF244321}">
+                <p14:modId xmlns:p14="http://schemas.microsoft.com/office/powerpoint/2010/main" val="2914665889"/>
+              </p:ext>
+            </p:extLst>
           </p:nvPr>
         </p:nvGraphicFramePr>
         <p:xfrm>
@@ -24394,7 +23492,7 @@
                 <a:gridCol w="2373524">
                   <a:extLst>
                     <a:ext uri="{9D8B030D-6E8A-4147-A177-3AD203B41FA5}">
-                      <a16:colId xmlns:a16="http://schemas.microsoft.com/office/drawing/2014/main" xmlns="" val="20000"/>
+                      <a16:colId xmlns="" xmlns:a16="http://schemas.microsoft.com/office/drawing/2014/main" val="20000"/>
                     </a:ext>
                   </a:extLst>
                 </a:gridCol>
@@ -24408,7 +23506,7 @@
                       <a:pPr algn="ctr"/>
                       <a:r>
                         <a:rPr lang="en-US" b="1" i="0" dirty="0" smtClean="0"/>
-                        <a:t>Skill Finder</a:t>
+                        <a:t>News Notifications</a:t>
                       </a:r>
                       <a:endParaRPr lang="nl-BE" b="1" i="0" dirty="0"/>
                     </a:p>
@@ -24457,7 +23555,7 @@
                 </a:tc>
                 <a:extLst>
                   <a:ext uri="{0D108BD9-81ED-4DB2-BD59-A6C34878D82A}">
-                    <a16:rowId xmlns:a16="http://schemas.microsoft.com/office/drawing/2014/main" xmlns="" val="10000"/>
+                    <a16:rowId xmlns="" xmlns:a16="http://schemas.microsoft.com/office/drawing/2014/main" val="10000"/>
                   </a:ext>
                 </a:extLst>
               </a:tr>
@@ -24518,7 +23616,7 @@
                 </a:tc>
                 <a:extLst>
                   <a:ext uri="{0D108BD9-81ED-4DB2-BD59-A6C34878D82A}">
-                    <a16:rowId xmlns:a16="http://schemas.microsoft.com/office/drawing/2014/main" xmlns="" val="10001"/>
+                    <a16:rowId xmlns="" xmlns:a16="http://schemas.microsoft.com/office/drawing/2014/main" val="10001"/>
                   </a:ext>
                 </a:extLst>
               </a:tr>
@@ -24535,7 +23633,7 @@
                             <a:schemeClr val="bg1"/>
                           </a:solidFill>
                         </a:rPr>
-                        <a:t>Medium</a:t>
+                        <a:t>Easy</a:t>
                       </a:r>
                       <a:endParaRPr lang="nl-BE" dirty="0">
                         <a:solidFill>
@@ -24582,13 +23680,13 @@
                       <a:tailEnd type="none" w="med" len="med"/>
                     </a:lnB>
                     <a:solidFill>
-                      <a:srgbClr val="FFC000"/>
+                      <a:srgbClr val="00B050"/>
                     </a:solidFill>
                   </a:tcPr>
                 </a:tc>
                 <a:extLst>
                   <a:ext uri="{0D108BD9-81ED-4DB2-BD59-A6C34878D82A}">
-                    <a16:rowId xmlns:a16="http://schemas.microsoft.com/office/drawing/2014/main" xmlns="" val="10002"/>
+                    <a16:rowId xmlns="" xmlns:a16="http://schemas.microsoft.com/office/drawing/2014/main" val="10002"/>
                   </a:ext>
                 </a:extLst>
               </a:tr>
@@ -24666,7 +23764,841 @@
                 </a:tc>
                 <a:extLst>
                   <a:ext uri="{0D108BD9-81ED-4DB2-BD59-A6C34878D82A}">
-                    <a16:rowId xmlns:a16="http://schemas.microsoft.com/office/drawing/2014/main" xmlns="" val="10007"/>
+                    <a16:rowId xmlns="" xmlns:a16="http://schemas.microsoft.com/office/drawing/2014/main" val="10007"/>
+                  </a:ext>
+                </a:extLst>
+              </a:tr>
+            </a:tbl>
+          </a:graphicData>
+        </a:graphic>
+      </p:graphicFrame>
+      <p:pic>
+        <p:nvPicPr>
+          <p:cNvPr id="2052" name="Picture 4" descr="http://wordlabs.ru/wp-content/uploads/2015/02/Contoso-logo.png"/>
+          <p:cNvPicPr>
+            <a:picLocks noChangeAspect="1" noChangeArrowheads="1"/>
+          </p:cNvPicPr>
+          <p:nvPr/>
+        </p:nvPicPr>
+        <p:blipFill>
+          <a:blip r:embed="rId3">
+            <a:extLst>
+              <a:ext uri="{28A0092B-C50C-407E-A947-70E740481C1C}">
+                <a14:useLocalDpi xmlns:a14="http://schemas.microsoft.com/office/drawing/2010/main" val="0"/>
+              </a:ext>
+            </a:extLst>
+          </a:blip>
+          <a:srcRect/>
+          <a:stretch>
+            <a:fillRect/>
+          </a:stretch>
+        </p:blipFill>
+        <p:spPr bwMode="auto">
+          <a:xfrm>
+            <a:off x="296955" y="2052637"/>
+            <a:ext cx="1676400" cy="904876"/>
+          </a:xfrm>
+          <a:prstGeom prst="rect">
+            <a:avLst/>
+          </a:prstGeom>
+          <a:noFill/>
+          <a:extLst>
+            <a:ext uri="{909E8E84-426E-40DD-AFC4-6F175D3DCCD1}">
+              <a14:hiddenFill xmlns:a14="http://schemas.microsoft.com/office/drawing/2010/main">
+                <a:solidFill>
+                  <a:srgbClr val="FFFFFF"/>
+                </a:solidFill>
+              </a14:hiddenFill>
+            </a:ext>
+          </a:extLst>
+        </p:spPr>
+      </p:pic>
+      <p:sp>
+        <p:nvSpPr>
+          <p:cNvPr id="8" name="Rectangle 7"/>
+          <p:cNvSpPr/>
+          <p:nvPr/>
+        </p:nvSpPr>
+        <p:spPr>
+          <a:xfrm>
+            <a:off x="3063777" y="3784525"/>
+            <a:ext cx="8494619" cy="1206484"/>
+          </a:xfrm>
+          <a:prstGeom prst="rect">
+            <a:avLst/>
+          </a:prstGeom>
+        </p:spPr>
+        <p:txBody>
+          <a:bodyPr wrap="square">
+            <a:spAutoFit/>
+          </a:bodyPr>
+          <a:lstStyle/>
+          <a:p>
+            <a:pPr marL="284163" lvl="0" indent="-284163">
+              <a:lnSpc>
+                <a:spcPct val="90000"/>
+              </a:lnSpc>
+              <a:spcBef>
+                <a:spcPct val="20000"/>
+              </a:spcBef>
+              <a:buSzPct val="80000"/>
+              <a:buFont typeface="Wingdings" pitchFamily="2" charset="2"/>
+              <a:buChar char=""/>
+            </a:pPr>
+            <a:r>
+              <a:rPr lang="en-US" sz="3600" spc="-70" dirty="0">
+                <a:solidFill>
+                  <a:srgbClr val="EB3C00"/>
+                </a:solidFill>
+                <a:latin typeface="Segoe UI Light"/>
+              </a:rPr>
+              <a:t>Design and Notes</a:t>
+            </a:r>
+          </a:p>
+          <a:p>
+            <a:pPr marL="517525" lvl="1" indent="-233363">
+              <a:lnSpc>
+                <a:spcPct val="90000"/>
+              </a:lnSpc>
+              <a:spcBef>
+                <a:spcPct val="20000"/>
+              </a:spcBef>
+              <a:buSzPct val="90000"/>
+              <a:buFont typeface="Wingdings" pitchFamily="2" charset="2"/>
+              <a:buChar char=""/>
+            </a:pPr>
+            <a:r>
+              <a:rPr lang="en-US" sz="2000" dirty="0" smtClean="0">
+                <a:gradFill>
+                  <a:gsLst>
+                    <a:gs pos="1250">
+                      <a:srgbClr val="797A7D"/>
+                    </a:gs>
+                    <a:gs pos="100000">
+                      <a:srgbClr val="797A7D"/>
+                    </a:gs>
+                  </a:gsLst>
+                  <a:lin ang="5400000" scaled="0"/>
+                </a:gradFill>
+              </a:rPr>
+              <a:t>The </a:t>
+            </a:r>
+            <a:r>
+              <a:rPr lang="en-US" sz="2000" dirty="0" smtClean="0">
+                <a:gradFill>
+                  <a:gsLst>
+                    <a:gs pos="1250">
+                      <a:srgbClr val="797A7D"/>
+                    </a:gs>
+                    <a:gs pos="100000">
+                      <a:srgbClr val="797A7D"/>
+                    </a:gs>
+                  </a:gsLst>
+                  <a:lin ang="5400000" scaled="0"/>
+                </a:gradFill>
+              </a:rPr>
+              <a:t>solution will be abandoned. Yammer sends automated emails when an announcement is added.</a:t>
+            </a:r>
+          </a:p>
+        </p:txBody>
+      </p:sp>
+    </p:spTree>
+    <p:extLst>
+      <p:ext uri="{BB962C8B-B14F-4D97-AF65-F5344CB8AC3E}">
+        <p14:creationId xmlns:p14="http://schemas.microsoft.com/office/powerpoint/2010/main" val="5726756"/>
+      </p:ext>
+    </p:extLst>
+  </p:cSld>
+  <p:clrMapOvr>
+    <a:masterClrMapping/>
+  </p:clrMapOvr>
+  <p:transition>
+    <p:fade/>
+  </p:transition>
+  <p:timing>
+    <p:tnLst>
+      <p:par>
+        <p:cTn id="1" dur="indefinite" restart="never" nodeType="tmRoot"/>
+      </p:par>
+    </p:tnLst>
+  </p:timing>
+</p:sld>
+</file>
+
+<file path=ppt/slides/slide18.xml><?xml version="1.0" encoding="utf-8"?>
+<p:sld xmlns:a="http://schemas.openxmlformats.org/drawingml/2006/main" xmlns:r="http://schemas.openxmlformats.org/officeDocument/2006/relationships" xmlns:p="http://schemas.openxmlformats.org/presentationml/2006/main">
+  <p:cSld>
+    <p:spTree>
+      <p:nvGrpSpPr>
+        <p:cNvPr id="1" name=""/>
+        <p:cNvGrpSpPr/>
+        <p:nvPr/>
+      </p:nvGrpSpPr>
+      <p:grpSpPr>
+        <a:xfrm>
+          <a:off x="0" y="0"/>
+          <a:ext cx="0" cy="0"/>
+          <a:chOff x="0" y="0"/>
+          <a:chExt cx="0" cy="0"/>
+        </a:xfrm>
+      </p:grpSpPr>
+      <p:sp>
+        <p:nvSpPr>
+          <p:cNvPr id="2" name="Title 1"/>
+          <p:cNvSpPr>
+            <a:spLocks noGrp="1"/>
+          </p:cNvSpPr>
+          <p:nvPr>
+            <p:ph type="title"/>
+          </p:nvPr>
+        </p:nvSpPr>
+        <p:spPr/>
+        <p:txBody>
+          <a:bodyPr/>
+          <a:lstStyle/>
+          <a:p>
+            <a:r>
+              <a:rPr lang="nl-BE" dirty="0" smtClean="0"/>
+              <a:t>Skill Finder</a:t>
+            </a:r>
+            <a:endParaRPr lang="nl-BE" dirty="0"/>
+          </a:p>
+        </p:txBody>
+      </p:sp>
+      <p:sp>
+        <p:nvSpPr>
+          <p:cNvPr id="11" name="Text Placeholder 10"/>
+          <p:cNvSpPr>
+            <a:spLocks noGrp="1"/>
+          </p:cNvSpPr>
+          <p:nvPr>
+            <p:ph type="body" sz="quarter" idx="10"/>
+          </p:nvPr>
+        </p:nvSpPr>
+        <p:spPr>
+          <a:xfrm>
+            <a:off x="3173506" y="1447799"/>
+            <a:ext cx="8494619" cy="4619626"/>
+          </a:xfrm>
+        </p:spPr>
+        <p:txBody>
+          <a:bodyPr/>
+          <a:lstStyle/>
+          <a:p>
+            <a:r>
+              <a:rPr lang="en-US" dirty="0"/>
+              <a:t>High level requirements:</a:t>
+            </a:r>
+          </a:p>
+          <a:p>
+            <a:pPr lvl="1"/>
+            <a:r>
+              <a:rPr lang="en-US" dirty="0" smtClean="0"/>
+              <a:t>Allow users to search experts on the basis of their years of experience and past projects.</a:t>
+            </a:r>
+          </a:p>
+          <a:p>
+            <a:pPr lvl="1"/>
+            <a:r>
+              <a:rPr lang="en-US" dirty="0" smtClean="0"/>
+              <a:t>Allow the users to be able to communicate with the experts using a tool.</a:t>
+            </a:r>
+            <a:endParaRPr lang="en-US" dirty="0"/>
+          </a:p>
+          <a:p>
+            <a:pPr lvl="1"/>
+            <a:endParaRPr lang="en-US" dirty="0"/>
+          </a:p>
+          <a:p>
+            <a:r>
+              <a:rPr lang="en-US" dirty="0"/>
+              <a:t>Design </a:t>
+            </a:r>
+            <a:r>
+              <a:rPr lang="en-US" dirty="0" smtClean="0"/>
+              <a:t>notes and status</a:t>
+            </a:r>
+            <a:endParaRPr lang="en-US" dirty="0"/>
+          </a:p>
+          <a:p>
+            <a:pPr lvl="1"/>
+            <a:r>
+              <a:rPr lang="en-US" dirty="0" smtClean="0"/>
+              <a:t>The solution will be replaced using the SharePoint People search</a:t>
+            </a:r>
+          </a:p>
+          <a:p>
+            <a:pPr lvl="1"/>
+            <a:r>
+              <a:rPr lang="en-US" dirty="0" smtClean="0"/>
+              <a:t>The People search will provide integration with Lync which can then be used to communicate with the expert using messaging or voice call.</a:t>
+            </a:r>
+            <a:endParaRPr lang="en-US" dirty="0"/>
+          </a:p>
+          <a:p>
+            <a:endParaRPr lang="en-US" dirty="0"/>
+          </a:p>
+        </p:txBody>
+      </p:sp>
+      <p:sp>
+        <p:nvSpPr>
+          <p:cNvPr id="4" name="Text Placeholder 6"/>
+          <p:cNvSpPr txBox="1">
+            <a:spLocks/>
+          </p:cNvSpPr>
+          <p:nvPr/>
+        </p:nvSpPr>
+        <p:spPr>
+          <a:xfrm>
+            <a:off x="3173505" y="1243404"/>
+            <a:ext cx="8494619" cy="2043636"/>
+          </a:xfrm>
+          <a:prstGeom prst="rect">
+            <a:avLst/>
+          </a:prstGeom>
+        </p:spPr>
+        <p:txBody>
+          <a:bodyPr/>
+          <a:lstStyle>
+            <a:lvl1pPr marL="339725" marR="0" indent="-339725" algn="l" defTabSz="914363" rtl="0" eaLnBrk="1" fontAlgn="auto" latinLnBrk="0" hangingPunct="1">
+              <a:lnSpc>
+                <a:spcPct val="90000"/>
+              </a:lnSpc>
+              <a:spcBef>
+                <a:spcPct val="20000"/>
+              </a:spcBef>
+              <a:spcAft>
+                <a:spcPts val="0"/>
+              </a:spcAft>
+              <a:buClrTx/>
+              <a:buSzPct val="80000"/>
+              <a:buFont typeface="Arial" pitchFamily="34" charset="0"/>
+              <a:buChar char="•"/>
+              <a:tabLst/>
+              <a:defRPr sz="3600" kern="1200" spc="-70" baseline="0">
+                <a:gradFill>
+                  <a:gsLst>
+                    <a:gs pos="1250">
+                      <a:schemeClr val="bg2"/>
+                    </a:gs>
+                    <a:gs pos="100000">
+                      <a:schemeClr val="bg2"/>
+                    </a:gs>
+                  </a:gsLst>
+                  <a:lin ang="5400000" scaled="0"/>
+                </a:gradFill>
+                <a:latin typeface="+mj-lt"/>
+                <a:ea typeface="+mn-ea"/>
+                <a:cs typeface="+mn-cs"/>
+              </a:defRPr>
+            </a:lvl1pPr>
+            <a:lvl2pPr marL="573088" marR="0" indent="-233363" algn="l" defTabSz="914363" rtl="0" eaLnBrk="1" fontAlgn="auto" latinLnBrk="0" hangingPunct="1">
+              <a:lnSpc>
+                <a:spcPct val="90000"/>
+              </a:lnSpc>
+              <a:spcBef>
+                <a:spcPct val="20000"/>
+              </a:spcBef>
+              <a:spcAft>
+                <a:spcPts val="0"/>
+              </a:spcAft>
+              <a:buClrTx/>
+              <a:buSzPct val="90000"/>
+              <a:buFont typeface="Wingdings" pitchFamily="2" charset="2"/>
+              <a:buChar char=""/>
+              <a:tabLst/>
+              <a:defRPr sz="2400" kern="1200" spc="0" baseline="0">
+                <a:gradFill>
+                  <a:gsLst>
+                    <a:gs pos="1250">
+                      <a:schemeClr val="bg2"/>
+                    </a:gs>
+                    <a:gs pos="100000">
+                      <a:schemeClr val="bg2"/>
+                    </a:gs>
+                  </a:gsLst>
+                  <a:lin ang="5400000" scaled="0"/>
+                </a:gradFill>
+                <a:latin typeface="+mn-lt"/>
+                <a:ea typeface="+mn-ea"/>
+                <a:cs typeface="+mn-cs"/>
+              </a:defRPr>
+            </a:lvl2pPr>
+            <a:lvl3pPr marL="798513" marR="0" indent="-225425" algn="l" defTabSz="914363" rtl="0" eaLnBrk="1" fontAlgn="auto" latinLnBrk="0" hangingPunct="1">
+              <a:lnSpc>
+                <a:spcPct val="90000"/>
+              </a:lnSpc>
+              <a:spcBef>
+                <a:spcPct val="20000"/>
+              </a:spcBef>
+              <a:spcAft>
+                <a:spcPts val="0"/>
+              </a:spcAft>
+              <a:buClrTx/>
+              <a:buSzPct val="90000"/>
+              <a:buFont typeface="Wingdings" pitchFamily="2" charset="2"/>
+              <a:buChar char=""/>
+              <a:tabLst>
+                <a:tab pos="798513" algn="l"/>
+              </a:tabLst>
+              <a:defRPr sz="2400" kern="1200" spc="0" baseline="0">
+                <a:gradFill>
+                  <a:gsLst>
+                    <a:gs pos="1250">
+                      <a:schemeClr val="bg2"/>
+                    </a:gs>
+                    <a:gs pos="100000">
+                      <a:schemeClr val="bg2"/>
+                    </a:gs>
+                  </a:gsLst>
+                  <a:lin ang="5400000" scaled="0"/>
+                </a:gradFill>
+                <a:latin typeface="+mn-lt"/>
+                <a:ea typeface="+mn-ea"/>
+                <a:cs typeface="+mn-cs"/>
+              </a:defRPr>
+            </a:lvl3pPr>
+            <a:lvl4pPr marL="1030288" marR="0" indent="-231775" algn="l" defTabSz="914363" rtl="0" eaLnBrk="1" fontAlgn="auto" latinLnBrk="0" hangingPunct="1">
+              <a:lnSpc>
+                <a:spcPct val="90000"/>
+              </a:lnSpc>
+              <a:spcBef>
+                <a:spcPct val="20000"/>
+              </a:spcBef>
+              <a:spcAft>
+                <a:spcPts val="0"/>
+              </a:spcAft>
+              <a:buClrTx/>
+              <a:buSzPct val="90000"/>
+              <a:buFont typeface="Wingdings" pitchFamily="2" charset="2"/>
+              <a:buChar char=""/>
+              <a:tabLst/>
+              <a:defRPr sz="2000" kern="1200" spc="0" baseline="0">
+                <a:gradFill>
+                  <a:gsLst>
+                    <a:gs pos="1250">
+                      <a:schemeClr val="bg2"/>
+                    </a:gs>
+                    <a:gs pos="100000">
+                      <a:schemeClr val="bg2"/>
+                    </a:gs>
+                  </a:gsLst>
+                  <a:lin ang="5400000" scaled="0"/>
+                </a:gradFill>
+                <a:latin typeface="+mn-lt"/>
+                <a:ea typeface="+mn-ea"/>
+                <a:cs typeface="+mn-cs"/>
+              </a:defRPr>
+            </a:lvl4pPr>
+            <a:lvl5pPr marL="1255713" marR="0" indent="-225425" algn="l" defTabSz="914363" rtl="0" eaLnBrk="1" fontAlgn="auto" latinLnBrk="0" hangingPunct="1">
+              <a:lnSpc>
+                <a:spcPct val="90000"/>
+              </a:lnSpc>
+              <a:spcBef>
+                <a:spcPct val="20000"/>
+              </a:spcBef>
+              <a:spcAft>
+                <a:spcPts val="0"/>
+              </a:spcAft>
+              <a:buClrTx/>
+              <a:buSzPct val="90000"/>
+              <a:buFont typeface="Wingdings" pitchFamily="2" charset="2"/>
+              <a:buChar char=""/>
+              <a:tabLst>
+                <a:tab pos="1255713" algn="l"/>
+              </a:tabLst>
+              <a:defRPr sz="2000" kern="1200" spc="0" baseline="0">
+                <a:gradFill>
+                  <a:gsLst>
+                    <a:gs pos="1250">
+                      <a:schemeClr val="bg2"/>
+                    </a:gs>
+                    <a:gs pos="100000">
+                      <a:schemeClr val="bg2"/>
+                    </a:gs>
+                  </a:gsLst>
+                  <a:lin ang="5400000" scaled="0"/>
+                </a:gradFill>
+                <a:latin typeface="+mn-lt"/>
+                <a:ea typeface="+mn-ea"/>
+                <a:cs typeface="+mn-cs"/>
+              </a:defRPr>
+            </a:lvl5pPr>
+            <a:lvl6pPr marL="2514499" indent="-228591" algn="l" defTabSz="914363" rtl="0" eaLnBrk="1" latinLnBrk="0" hangingPunct="1">
+              <a:spcBef>
+                <a:spcPct val="20000"/>
+              </a:spcBef>
+              <a:buFont typeface="Arial" pitchFamily="34" charset="0"/>
+              <a:buChar char="•"/>
+              <a:defRPr sz="2000" kern="1200">
+                <a:solidFill>
+                  <a:schemeClr val="tx1"/>
+                </a:solidFill>
+                <a:latin typeface="+mn-lt"/>
+                <a:ea typeface="+mn-ea"/>
+                <a:cs typeface="+mn-cs"/>
+              </a:defRPr>
+            </a:lvl6pPr>
+            <a:lvl7pPr marL="2971681" indent="-228591" algn="l" defTabSz="914363" rtl="0" eaLnBrk="1" latinLnBrk="0" hangingPunct="1">
+              <a:spcBef>
+                <a:spcPct val="20000"/>
+              </a:spcBef>
+              <a:buFont typeface="Arial" pitchFamily="34" charset="0"/>
+              <a:buChar char="•"/>
+              <a:defRPr sz="2000" kern="1200">
+                <a:solidFill>
+                  <a:schemeClr val="tx1"/>
+                </a:solidFill>
+                <a:latin typeface="+mn-lt"/>
+                <a:ea typeface="+mn-ea"/>
+                <a:cs typeface="+mn-cs"/>
+              </a:defRPr>
+            </a:lvl7pPr>
+            <a:lvl8pPr marL="3428863" indent="-228591" algn="l" defTabSz="914363" rtl="0" eaLnBrk="1" latinLnBrk="0" hangingPunct="1">
+              <a:spcBef>
+                <a:spcPct val="20000"/>
+              </a:spcBef>
+              <a:buFont typeface="Arial" pitchFamily="34" charset="0"/>
+              <a:buChar char="•"/>
+              <a:defRPr sz="2000" kern="1200">
+                <a:solidFill>
+                  <a:schemeClr val="tx1"/>
+                </a:solidFill>
+                <a:latin typeface="+mn-lt"/>
+                <a:ea typeface="+mn-ea"/>
+                <a:cs typeface="+mn-cs"/>
+              </a:defRPr>
+            </a:lvl8pPr>
+            <a:lvl9pPr marL="3886045" indent="-228591" algn="l" defTabSz="914363" rtl="0" eaLnBrk="1" latinLnBrk="0" hangingPunct="1">
+              <a:spcBef>
+                <a:spcPct val="20000"/>
+              </a:spcBef>
+              <a:buFont typeface="Arial" pitchFamily="34" charset="0"/>
+              <a:buChar char="•"/>
+              <a:defRPr sz="2000" kern="1200">
+                <a:solidFill>
+                  <a:schemeClr val="tx1"/>
+                </a:solidFill>
+                <a:latin typeface="+mn-lt"/>
+                <a:ea typeface="+mn-ea"/>
+                <a:cs typeface="+mn-cs"/>
+              </a:defRPr>
+            </a:lvl9pPr>
+          </a:lstStyle>
+          <a:p>
+            <a:endParaRPr lang="en-US" dirty="0" smtClean="0">
+              <a:gradFill>
+                <a:gsLst>
+                  <a:gs pos="1250">
+                    <a:srgbClr val="797A7D"/>
+                  </a:gs>
+                  <a:gs pos="100000">
+                    <a:srgbClr val="797A7D"/>
+                  </a:gs>
+                </a:gsLst>
+                <a:lin ang="5400000" scaled="0"/>
+              </a:gradFill>
+            </a:endParaRPr>
+          </a:p>
+        </p:txBody>
+      </p:sp>
+      <p:graphicFrame>
+        <p:nvGraphicFramePr>
+          <p:cNvPr id="6" name="Table 7"/>
+          <p:cNvGraphicFramePr>
+            <a:graphicFrameLocks noGrp="1"/>
+          </p:cNvGraphicFramePr>
+          <p:nvPr>
+            <p:extLst/>
+          </p:nvPr>
+        </p:nvGraphicFramePr>
+        <p:xfrm>
+          <a:off x="291646" y="425158"/>
+          <a:ext cx="2373524" cy="1483360"/>
+        </p:xfrm>
+        <a:graphic>
+          <a:graphicData uri="http://schemas.openxmlformats.org/drawingml/2006/table">
+            <a:tbl>
+              <a:tblPr>
+                <a:tableStyleId>{2D5ABB26-0587-4C30-8999-92F81FD0307C}</a:tableStyleId>
+              </a:tblPr>
+              <a:tblGrid>
+                <a:gridCol w="2373524">
+                  <a:extLst>
+                    <a:ext uri="{9D8B030D-6E8A-4147-A177-3AD203B41FA5}">
+                      <a16:colId xmlns="" xmlns:a16="http://schemas.microsoft.com/office/drawing/2014/main" val="20000"/>
+                    </a:ext>
+                  </a:extLst>
+                </a:gridCol>
+              </a:tblGrid>
+              <a:tr h="370840">
+                <a:tc>
+                  <a:txBody>
+                    <a:bodyPr/>
+                    <a:lstStyle/>
+                    <a:p>
+                      <a:pPr algn="ctr"/>
+                      <a:r>
+                        <a:rPr lang="en-US" b="1" i="0" dirty="0" smtClean="0"/>
+                        <a:t>Skill Finder</a:t>
+                      </a:r>
+                      <a:endParaRPr lang="nl-BE" b="1" i="0" dirty="0"/>
+                    </a:p>
+                  </a:txBody>
+                  <a:tcPr>
+                    <a:lnL w="12700" cap="flat" cmpd="sng" algn="ctr">
+                      <a:solidFill>
+                        <a:schemeClr val="tx1"/>
+                      </a:solidFill>
+                      <a:prstDash val="solid"/>
+                      <a:round/>
+                      <a:headEnd type="none" w="med" len="med"/>
+                      <a:tailEnd type="none" w="med" len="med"/>
+                    </a:lnL>
+                    <a:lnR w="12700" cap="flat" cmpd="sng" algn="ctr">
+                      <a:solidFill>
+                        <a:schemeClr val="tx1"/>
+                      </a:solidFill>
+                      <a:prstDash val="solid"/>
+                      <a:round/>
+                      <a:headEnd type="none" w="med" len="med"/>
+                      <a:tailEnd type="none" w="med" len="med"/>
+                    </a:lnR>
+                    <a:lnT w="12700" cap="flat" cmpd="sng" algn="ctr">
+                      <a:solidFill>
+                        <a:schemeClr val="tx1"/>
+                      </a:solidFill>
+                      <a:prstDash val="solid"/>
+                      <a:round/>
+                      <a:headEnd type="none" w="med" len="med"/>
+                      <a:tailEnd type="none" w="med" len="med"/>
+                    </a:lnT>
+                    <a:lnB w="12700" cap="flat" cmpd="sng" algn="ctr">
+                      <a:solidFill>
+                        <a:schemeClr val="tx1"/>
+                      </a:solidFill>
+                      <a:prstDash val="solid"/>
+                      <a:round/>
+                      <a:headEnd type="none" w="med" len="med"/>
+                      <a:tailEnd type="none" w="med" len="med"/>
+                    </a:lnB>
+                    <a:solidFill>
+                      <a:schemeClr val="bg1"/>
+                    </a:solidFill>
+                  </a:tcPr>
+                </a:tc>
+                <a:extLst>
+                  <a:ext uri="{0D108BD9-81ED-4DB2-BD59-A6C34878D82A}">
+                    <a16:rowId xmlns="" xmlns:a16="http://schemas.microsoft.com/office/drawing/2014/main" val="10000"/>
+                  </a:ext>
+                </a:extLst>
+              </a:tr>
+              <a:tr h="370840">
+                <a:tc>
+                  <a:txBody>
+                    <a:bodyPr/>
+                    <a:lstStyle/>
+                    <a:p>
+                      <a:r>
+                        <a:rPr lang="en-US" i="1" dirty="0" smtClean="0"/>
+                        <a:t>Complexity:</a:t>
+                      </a:r>
+                      <a:endParaRPr lang="nl-BE" i="1" dirty="0"/>
+                    </a:p>
+                  </a:txBody>
+                  <a:tcPr>
+                    <a:lnL w="12700" cap="flat" cmpd="sng" algn="ctr">
+                      <a:solidFill>
+                        <a:schemeClr val="tx1"/>
+                      </a:solidFill>
+                      <a:prstDash val="solid"/>
+                      <a:round/>
+                      <a:headEnd type="none" w="med" len="med"/>
+                      <a:tailEnd type="none" w="med" len="med"/>
+                    </a:lnL>
+                    <a:lnR w="12700" cap="flat" cmpd="sng" algn="ctr">
+                      <a:solidFill>
+                        <a:schemeClr val="tx1"/>
+                      </a:solidFill>
+                      <a:prstDash val="solid"/>
+                      <a:round/>
+                      <a:headEnd type="none" w="med" len="med"/>
+                      <a:tailEnd type="none" w="med" len="med"/>
+                    </a:lnR>
+                    <a:lnT w="12700" cap="flat" cmpd="sng" algn="ctr">
+                      <a:solidFill>
+                        <a:schemeClr val="tx1"/>
+                      </a:solidFill>
+                      <a:prstDash val="solid"/>
+                      <a:round/>
+                      <a:headEnd type="none" w="med" len="med"/>
+                      <a:tailEnd type="none" w="med" len="med"/>
+                    </a:lnT>
+                    <a:lnB w="12700" cap="flat" cmpd="sng" algn="ctr">
+                      <a:solidFill>
+                        <a:schemeClr val="tx1"/>
+                      </a:solidFill>
+                      <a:prstDash val="solid"/>
+                      <a:round/>
+                      <a:headEnd type="none" w="med" len="med"/>
+                      <a:tailEnd type="none" w="med" len="med"/>
+                    </a:lnB>
+                    <a:solidFill>
+                      <a:schemeClr val="bg1"/>
+                    </a:solidFill>
+                  </a:tcPr>
+                </a:tc>
+                <a:extLst>
+                  <a:ext uri="{0D108BD9-81ED-4DB2-BD59-A6C34878D82A}">
+                    <a16:rowId xmlns="" xmlns:a16="http://schemas.microsoft.com/office/drawing/2014/main" val="10001"/>
+                  </a:ext>
+                </a:extLst>
+              </a:tr>
+              <a:tr h="370840">
+                <a:tc>
+                  <a:txBody>
+                    <a:bodyPr/>
+                    <a:lstStyle/>
+                    <a:p>
+                      <a:pPr algn="ctr"/>
+                      <a:r>
+                        <a:rPr lang="en-US" dirty="0" smtClean="0">
+                          <a:solidFill>
+                            <a:schemeClr val="bg1"/>
+                          </a:solidFill>
+                        </a:rPr>
+                        <a:t>Medium</a:t>
+                      </a:r>
+                      <a:endParaRPr lang="nl-BE" dirty="0">
+                        <a:solidFill>
+                          <a:schemeClr val="bg1"/>
+                        </a:solidFill>
+                      </a:endParaRPr>
+                    </a:p>
+                  </a:txBody>
+                  <a:tcPr>
+                    <a:lnL w="12700" cap="flat" cmpd="sng" algn="ctr">
+                      <a:solidFill>
+                        <a:schemeClr val="tx1"/>
+                      </a:solidFill>
+                      <a:prstDash val="solid"/>
+                      <a:round/>
+                      <a:headEnd type="none" w="med" len="med"/>
+                      <a:tailEnd type="none" w="med" len="med"/>
+                    </a:lnL>
+                    <a:lnR w="12700" cap="flat" cmpd="sng" algn="ctr">
+                      <a:solidFill>
+                        <a:schemeClr val="tx1"/>
+                      </a:solidFill>
+                      <a:prstDash val="solid"/>
+                      <a:round/>
+                      <a:headEnd type="none" w="med" len="med"/>
+                      <a:tailEnd type="none" w="med" len="med"/>
+                    </a:lnR>
+                    <a:lnT w="12700" cap="flat" cmpd="sng" algn="ctr">
+                      <a:solidFill>
+                        <a:schemeClr val="tx1"/>
+                      </a:solidFill>
+                      <a:prstDash val="solid"/>
+                      <a:round/>
+                      <a:headEnd type="none" w="med" len="med"/>
+                      <a:tailEnd type="none" w="med" len="med"/>
+                    </a:lnT>
+                    <a:lnB w="12700" cap="flat" cmpd="sng" algn="ctr">
+                      <a:solidFill>
+                        <a:schemeClr val="tx1"/>
+                      </a:solidFill>
+                      <a:prstDash val="solid"/>
+                      <a:round/>
+                      <a:headEnd type="none" w="med" len="med"/>
+                      <a:tailEnd type="none" w="med" len="med"/>
+                    </a:lnB>
+                    <a:solidFill>
+                      <a:srgbClr val="FFC000"/>
+                    </a:solidFill>
+                  </a:tcPr>
+                </a:tc>
+                <a:extLst>
+                  <a:ext uri="{0D108BD9-81ED-4DB2-BD59-A6C34878D82A}">
+                    <a16:rowId xmlns="" xmlns:a16="http://schemas.microsoft.com/office/drawing/2014/main" val="10002"/>
+                  </a:ext>
+                </a:extLst>
+              </a:tr>
+              <a:tr h="370840">
+                <a:tc>
+                  <a:txBody>
+                    <a:bodyPr/>
+                    <a:lstStyle/>
+                    <a:p>
+                      <a:pPr marL="0" marR="0" indent="0" algn="l" defTabSz="914363" rtl="0" eaLnBrk="1" fontAlgn="auto" latinLnBrk="0" hangingPunct="1">
+                        <a:lnSpc>
+                          <a:spcPct val="100000"/>
+                        </a:lnSpc>
+                        <a:spcBef>
+                          <a:spcPts val="0"/>
+                        </a:spcBef>
+                        <a:spcAft>
+                          <a:spcPts val="0"/>
+                        </a:spcAft>
+                        <a:buClrTx/>
+                        <a:buSzTx/>
+                        <a:buFont typeface="Arial" panose="020B0604020202020204" pitchFamily="34" charset="0"/>
+                        <a:buNone/>
+                        <a:tabLst/>
+                        <a:defRPr/>
+                      </a:pPr>
+                      <a:r>
+                        <a:rPr lang="en-US" i="1" dirty="0" smtClean="0"/>
+                        <a:t>Owner: Contoso</a:t>
+                      </a:r>
+                      <a:endParaRPr lang="nl-BE" i="1" dirty="0" smtClean="0"/>
+                    </a:p>
+                  </a:txBody>
+                  <a:tcPr>
+                    <a:lnL w="12700" cap="flat" cmpd="sng" algn="ctr">
+                      <a:solidFill>
+                        <a:schemeClr val="tx1"/>
+                      </a:solidFill>
+                      <a:prstDash val="solid"/>
+                      <a:round/>
+                      <a:headEnd type="none" w="med" len="med"/>
+                      <a:tailEnd type="none" w="med" len="med"/>
+                    </a:lnL>
+                    <a:lnR w="12700" cap="flat" cmpd="sng" algn="ctr">
+                      <a:solidFill>
+                        <a:schemeClr val="tx1"/>
+                      </a:solidFill>
+                      <a:prstDash val="solid"/>
+                      <a:round/>
+                      <a:headEnd type="none" w="med" len="med"/>
+                      <a:tailEnd type="none" w="med" len="med"/>
+                    </a:lnR>
+                    <a:lnT w="12700" cap="flat" cmpd="sng" algn="ctr">
+                      <a:solidFill>
+                        <a:schemeClr val="tx1"/>
+                      </a:solidFill>
+                      <a:prstDash val="solid"/>
+                      <a:round/>
+                      <a:headEnd type="none" w="med" len="med"/>
+                      <a:tailEnd type="none" w="med" len="med"/>
+                    </a:lnT>
+                    <a:lnB w="12700" cap="flat" cmpd="sng" algn="ctr">
+                      <a:solidFill>
+                        <a:schemeClr val="tx1"/>
+                      </a:solidFill>
+                      <a:prstDash val="solid"/>
+                      <a:round/>
+                      <a:headEnd type="none" w="med" len="med"/>
+                      <a:tailEnd type="none" w="med" len="med"/>
+                    </a:lnB>
+                    <a:solidFill>
+                      <a:schemeClr val="bg1"/>
+                    </a:solidFill>
+                  </a:tcPr>
+                </a:tc>
+                <a:extLst>
+                  <a:ext uri="{0D108BD9-81ED-4DB2-BD59-A6C34878D82A}">
+                    <a16:rowId xmlns="" xmlns:a16="http://schemas.microsoft.com/office/drawing/2014/main" val="10007"/>
                   </a:ext>
                 </a:extLst>
               </a:tr>
@@ -24831,35 +24763,26 @@
           </a:p>
           <a:p>
             <a:r>
-              <a:rPr lang="en-US" dirty="0"/>
-              <a:t>Migration:</a:t>
-            </a:r>
+              <a:rPr lang="en-US" dirty="0" smtClean="0"/>
+              <a:t>Design </a:t>
+            </a:r>
+            <a:r>
+              <a:rPr lang="en-US" dirty="0" smtClean="0"/>
+              <a:t>notes and status</a:t>
+            </a:r>
+            <a:endParaRPr lang="en-US" dirty="0"/>
           </a:p>
           <a:p>
             <a:pPr lvl="1"/>
             <a:r>
               <a:rPr lang="en-US" dirty="0" smtClean="0"/>
-              <a:t>Use search display templates to return search results.</a:t>
-            </a:r>
-            <a:endParaRPr lang="en-US" dirty="0"/>
-          </a:p>
-          <a:p>
-            <a:pPr lvl="1"/>
-            <a:endParaRPr lang="en-US" dirty="0"/>
-          </a:p>
-          <a:p>
+              <a:t>SharePoint search and display templates will be used to achieve the </a:t>
+            </a:r>
             <a:r>
               <a:rPr lang="en-US" dirty="0" smtClean="0"/>
-              <a:t>Design notes and status</a:t>
-            </a:r>
-            <a:endParaRPr lang="en-US" dirty="0"/>
-          </a:p>
-          <a:p>
-            <a:pPr lvl="1"/>
-            <a:r>
-              <a:rPr lang="en-US" dirty="0" smtClean="0"/>
-              <a:t>SharePoint search and display templates will be used to achieve the end goal.</a:t>
-            </a:r>
+              <a:t>same look and feel.</a:t>
+            </a:r>
+            <a:endParaRPr lang="en-US" dirty="0" smtClean="0"/>
           </a:p>
           <a:p>
             <a:endParaRPr lang="en-US" dirty="0"/>
@@ -24894,7 +24817,7 @@
                 <a:gridCol w="2373524">
                   <a:extLst>
                     <a:ext uri="{9D8B030D-6E8A-4147-A177-3AD203B41FA5}">
-                      <a16:colId xmlns:a16="http://schemas.microsoft.com/office/drawing/2014/main" xmlns="" val="20000"/>
+                      <a16:colId xmlns="" xmlns:a16="http://schemas.microsoft.com/office/drawing/2014/main" val="20000"/>
                     </a:ext>
                   </a:extLst>
                 </a:gridCol>
@@ -24957,7 +24880,7 @@
                 </a:tc>
                 <a:extLst>
                   <a:ext uri="{0D108BD9-81ED-4DB2-BD59-A6C34878D82A}">
-                    <a16:rowId xmlns:a16="http://schemas.microsoft.com/office/drawing/2014/main" xmlns="" val="10000"/>
+                    <a16:rowId xmlns="" xmlns:a16="http://schemas.microsoft.com/office/drawing/2014/main" val="10000"/>
                   </a:ext>
                 </a:extLst>
               </a:tr>
@@ -25018,7 +24941,7 @@
                 </a:tc>
                 <a:extLst>
                   <a:ext uri="{0D108BD9-81ED-4DB2-BD59-A6C34878D82A}">
-                    <a16:rowId xmlns:a16="http://schemas.microsoft.com/office/drawing/2014/main" xmlns="" val="10001"/>
+                    <a16:rowId xmlns="" xmlns:a16="http://schemas.microsoft.com/office/drawing/2014/main" val="10001"/>
                   </a:ext>
                 </a:extLst>
               </a:tr>
@@ -25096,7 +25019,7 @@
                 </a:tc>
                 <a:extLst>
                   <a:ext uri="{0D108BD9-81ED-4DB2-BD59-A6C34878D82A}">
-                    <a16:rowId xmlns:a16="http://schemas.microsoft.com/office/drawing/2014/main" xmlns="" val="10002"/>
+                    <a16:rowId xmlns="" xmlns:a16="http://schemas.microsoft.com/office/drawing/2014/main" val="10002"/>
                   </a:ext>
                 </a:extLst>
               </a:tr>
@@ -25178,7 +25101,7 @@
                 </a:tc>
                 <a:extLst>
                   <a:ext uri="{0D108BD9-81ED-4DB2-BD59-A6C34878D82A}">
-                    <a16:rowId xmlns:a16="http://schemas.microsoft.com/office/drawing/2014/main" xmlns="" val="10007"/>
+                    <a16:rowId xmlns="" xmlns:a16="http://schemas.microsoft.com/office/drawing/2014/main" val="10007"/>
                   </a:ext>
                 </a:extLst>
               </a:tr>
@@ -25738,9 +25661,12 @@
             <a:pPr lvl="1"/>
             <a:r>
               <a:rPr lang="en-US" dirty="0" smtClean="0"/>
-              <a:t>Provide information on popular content</a:t>
-            </a:r>
-            <a:endParaRPr lang="en-US" dirty="0"/>
+              <a:t>Provide information on popular </a:t>
+            </a:r>
+            <a:r>
+              <a:rPr lang="en-US" dirty="0" smtClean="0"/>
+              <a:t>content</a:t>
+            </a:r>
           </a:p>
           <a:p>
             <a:pPr lvl="1"/>
@@ -25748,7 +25674,7 @@
           </a:p>
           <a:p>
             <a:r>
-              <a:rPr lang="en-US" dirty="0"/>
+              <a:rPr lang="en-US" dirty="0" smtClean="0"/>
               <a:t>Design </a:t>
             </a:r>
             <a:r>
@@ -25768,26 +25694,11 @@
             <a:pPr lvl="1"/>
             <a:r>
               <a:rPr lang="en-US" dirty="0" smtClean="0"/>
-              <a:t>Client side techniques will be used to inject JS using script blocks on master page.</a:t>
-            </a:r>
-            <a:endParaRPr lang="en-US" dirty="0"/>
-          </a:p>
-          <a:p>
-            <a:pPr lvl="1"/>
-            <a:endParaRPr lang="en-US" dirty="0"/>
-          </a:p>
-          <a:p>
+              <a:t>Client side techniques will be used to inject JS using script blocks on master page</a:t>
+            </a:r>
             <a:r>
               <a:rPr lang="en-US" dirty="0" smtClean="0"/>
-              <a:t>Challenges</a:t>
-            </a:r>
-            <a:endParaRPr lang="en-US" dirty="0"/>
-          </a:p>
-          <a:p>
-            <a:pPr lvl="1"/>
-            <a:r>
-              <a:rPr lang="en-US" dirty="0" smtClean="0"/>
-              <a:t>None</a:t>
+              <a:t>.</a:t>
             </a:r>
             <a:endParaRPr lang="en-US" dirty="0"/>
           </a:p>
@@ -26071,7 +25982,7 @@
                 <a:gridCol w="2743200">
                   <a:extLst>
                     <a:ext uri="{9D8B030D-6E8A-4147-A177-3AD203B41FA5}">
-                      <a16:colId xmlns:a16="http://schemas.microsoft.com/office/drawing/2014/main" xmlns="" val="20000"/>
+                      <a16:colId xmlns="" xmlns:a16="http://schemas.microsoft.com/office/drawing/2014/main" val="20000"/>
                     </a:ext>
                   </a:extLst>
                 </a:gridCol>
@@ -26134,7 +26045,7 @@
                 </a:tc>
                 <a:extLst>
                   <a:ext uri="{0D108BD9-81ED-4DB2-BD59-A6C34878D82A}">
-                    <a16:rowId xmlns:a16="http://schemas.microsoft.com/office/drawing/2014/main" xmlns="" val="10000"/>
+                    <a16:rowId xmlns="" xmlns:a16="http://schemas.microsoft.com/office/drawing/2014/main" val="10000"/>
                   </a:ext>
                 </a:extLst>
               </a:tr>
@@ -26195,7 +26106,7 @@
                 </a:tc>
                 <a:extLst>
                   <a:ext uri="{0D108BD9-81ED-4DB2-BD59-A6C34878D82A}">
-                    <a16:rowId xmlns:a16="http://schemas.microsoft.com/office/drawing/2014/main" xmlns="" val="10001"/>
+                    <a16:rowId xmlns="" xmlns:a16="http://schemas.microsoft.com/office/drawing/2014/main" val="10001"/>
                   </a:ext>
                 </a:extLst>
               </a:tr>
@@ -26265,7 +26176,7 @@
                 </a:tc>
                 <a:extLst>
                   <a:ext uri="{0D108BD9-81ED-4DB2-BD59-A6C34878D82A}">
-                    <a16:rowId xmlns:a16="http://schemas.microsoft.com/office/drawing/2014/main" xmlns="" val="10002"/>
+                    <a16:rowId xmlns="" xmlns:a16="http://schemas.microsoft.com/office/drawing/2014/main" val="10002"/>
                   </a:ext>
                 </a:extLst>
               </a:tr>
@@ -26347,7 +26258,7 @@
                 </a:tc>
                 <a:extLst>
                   <a:ext uri="{0D108BD9-81ED-4DB2-BD59-A6C34878D82A}">
-                    <a16:rowId xmlns:a16="http://schemas.microsoft.com/office/drawing/2014/main" xmlns="" val="10007"/>
+                    <a16:rowId xmlns="" xmlns:a16="http://schemas.microsoft.com/office/drawing/2014/main" val="10007"/>
                   </a:ext>
                 </a:extLst>
               </a:tr>
@@ -29798,7 +29709,7 @@
       </p:sp>
       <p:pic>
         <p:nvPicPr>
-          <p:cNvPr id="3" name="Picture 2"/>
+          <p:cNvPr id="6" name="Picture 5"/>
           <p:cNvPicPr>
             <a:picLocks noChangeAspect="1"/>
           </p:cNvPicPr>
@@ -29806,68 +29717,6 @@
         </p:nvPicPr>
         <p:blipFill>
           <a:blip r:embed="rId2"/>
-          <a:stretch>
-            <a:fillRect/>
-          </a:stretch>
-        </p:blipFill>
-        <p:spPr>
-          <a:xfrm>
-            <a:off x="519112" y="2318334"/>
-            <a:ext cx="4160130" cy="2346201"/>
-          </a:xfrm>
-          <a:prstGeom prst="rect">
-            <a:avLst/>
-          </a:prstGeom>
-          <a:ln>
-            <a:solidFill>
-              <a:schemeClr val="bg1">
-                <a:lumMod val="75000"/>
-              </a:schemeClr>
-            </a:solidFill>
-          </a:ln>
-        </p:spPr>
-      </p:pic>
-      <p:pic>
-        <p:nvPicPr>
-          <p:cNvPr id="4" name="Picture 3"/>
-          <p:cNvPicPr>
-            <a:picLocks noChangeAspect="1"/>
-          </p:cNvPicPr>
-          <p:nvPr/>
-        </p:nvPicPr>
-        <p:blipFill>
-          <a:blip r:embed="rId3"/>
-          <a:stretch>
-            <a:fillRect/>
-          </a:stretch>
-        </p:blipFill>
-        <p:spPr>
-          <a:xfrm>
-            <a:off x="4238624" y="4175859"/>
-            <a:ext cx="4417305" cy="2491241"/>
-          </a:xfrm>
-          <a:prstGeom prst="rect">
-            <a:avLst/>
-          </a:prstGeom>
-          <a:ln>
-            <a:solidFill>
-              <a:schemeClr val="bg1">
-                <a:lumMod val="75000"/>
-              </a:schemeClr>
-            </a:solidFill>
-          </a:ln>
-        </p:spPr>
-      </p:pic>
-      <p:pic>
-        <p:nvPicPr>
-          <p:cNvPr id="6" name="Picture 5"/>
-          <p:cNvPicPr>
-            <a:picLocks noChangeAspect="1"/>
-          </p:cNvPicPr>
-          <p:nvPr/>
-        </p:nvPicPr>
-        <p:blipFill>
-          <a:blip r:embed="rId4"/>
           <a:stretch>
             <a:fillRect/>
           </a:stretch>
@@ -29887,6 +29736,54 @@
               </a:schemeClr>
             </a:solidFill>
           </a:ln>
+        </p:spPr>
+      </p:pic>
+      <p:pic>
+        <p:nvPicPr>
+          <p:cNvPr id="7" name="Picture 6"/>
+          <p:cNvPicPr>
+            <a:picLocks noChangeAspect="1"/>
+          </p:cNvPicPr>
+          <p:nvPr/>
+        </p:nvPicPr>
+        <p:blipFill>
+          <a:blip r:embed="rId3"/>
+          <a:stretch>
+            <a:fillRect/>
+          </a:stretch>
+        </p:blipFill>
+        <p:spPr>
+          <a:xfrm>
+            <a:off x="765174" y="2267853"/>
+            <a:ext cx="4181475" cy="2371725"/>
+          </a:xfrm>
+          <a:prstGeom prst="rect">
+            <a:avLst/>
+          </a:prstGeom>
+        </p:spPr>
+      </p:pic>
+      <p:pic>
+        <p:nvPicPr>
+          <p:cNvPr id="8" name="Picture 7"/>
+          <p:cNvPicPr>
+            <a:picLocks noChangeAspect="1"/>
+          </p:cNvPicPr>
+          <p:nvPr/>
+        </p:nvPicPr>
+        <p:blipFill>
+          <a:blip r:embed="rId4"/>
+          <a:stretch>
+            <a:fillRect/>
+          </a:stretch>
+        </p:blipFill>
+        <p:spPr>
+          <a:xfrm>
+            <a:off x="4027047" y="4202332"/>
+            <a:ext cx="4438650" cy="2514600"/>
+          </a:xfrm>
+          <a:prstGeom prst="rect">
+            <a:avLst/>
+          </a:prstGeom>
         </p:spPr>
       </p:pic>
     </p:spTree>
@@ -32153,28 +32050,28 @@
                 <a:gridCol w="2794925">
                   <a:extLst>
                     <a:ext uri="{9D8B030D-6E8A-4147-A177-3AD203B41FA5}">
-                      <a16:colId xmlns:a16="http://schemas.microsoft.com/office/drawing/2014/main" xmlns="" val="20000"/>
+                      <a16:colId xmlns="" xmlns:a16="http://schemas.microsoft.com/office/drawing/2014/main" val="20000"/>
                     </a:ext>
                   </a:extLst>
                 </a:gridCol>
                 <a:gridCol w="2683565">
                   <a:extLst>
                     <a:ext uri="{9D8B030D-6E8A-4147-A177-3AD203B41FA5}">
-                      <a16:colId xmlns:a16="http://schemas.microsoft.com/office/drawing/2014/main" xmlns="" val="20001"/>
+                      <a16:colId xmlns="" xmlns:a16="http://schemas.microsoft.com/office/drawing/2014/main" val="20001"/>
                     </a:ext>
                   </a:extLst>
                 </a:gridCol>
                 <a:gridCol w="2623930">
                   <a:extLst>
                     <a:ext uri="{9D8B030D-6E8A-4147-A177-3AD203B41FA5}">
-                      <a16:colId xmlns:a16="http://schemas.microsoft.com/office/drawing/2014/main" xmlns="" val="20002"/>
+                      <a16:colId xmlns="" xmlns:a16="http://schemas.microsoft.com/office/drawing/2014/main" val="20002"/>
                     </a:ext>
                   </a:extLst>
                 </a:gridCol>
                 <a:gridCol w="2855843">
                   <a:extLst>
                     <a:ext uri="{9D8B030D-6E8A-4147-A177-3AD203B41FA5}">
-                      <a16:colId xmlns:a16="http://schemas.microsoft.com/office/drawing/2014/main" xmlns="" val="20003"/>
+                      <a16:colId xmlns="" xmlns:a16="http://schemas.microsoft.com/office/drawing/2014/main" val="20003"/>
                     </a:ext>
                   </a:extLst>
                 </a:gridCol>
@@ -32391,7 +32288,7 @@
                 </a:tc>
                 <a:extLst>
                   <a:ext uri="{0D108BD9-81ED-4DB2-BD59-A6C34878D82A}">
-                    <a16:rowId xmlns:a16="http://schemas.microsoft.com/office/drawing/2014/main" xmlns="" val="10000"/>
+                    <a16:rowId xmlns="" xmlns:a16="http://schemas.microsoft.com/office/drawing/2014/main" val="10000"/>
                   </a:ext>
                 </a:extLst>
               </a:tr>
@@ -32609,7 +32506,7 @@
                 </a:tc>
                 <a:extLst>
                   <a:ext uri="{0D108BD9-81ED-4DB2-BD59-A6C34878D82A}">
-                    <a16:rowId xmlns:a16="http://schemas.microsoft.com/office/drawing/2014/main" xmlns="" val="10001"/>
+                    <a16:rowId xmlns="" xmlns:a16="http://schemas.microsoft.com/office/drawing/2014/main" val="10001"/>
                   </a:ext>
                 </a:extLst>
               </a:tr>
@@ -33126,7 +33023,7 @@
                 </a:tc>
                 <a:extLst>
                   <a:ext uri="{0D108BD9-81ED-4DB2-BD59-A6C34878D82A}">
-                    <a16:rowId xmlns:a16="http://schemas.microsoft.com/office/drawing/2014/main" xmlns="" val="10002"/>
+                    <a16:rowId xmlns="" xmlns:a16="http://schemas.microsoft.com/office/drawing/2014/main" val="10002"/>
                   </a:ext>
                 </a:extLst>
               </a:tr>
@@ -34373,28 +34270,28 @@
                 <a:gridCol w="2794925">
                   <a:extLst>
                     <a:ext uri="{9D8B030D-6E8A-4147-A177-3AD203B41FA5}">
-                      <a16:colId xmlns:a16="http://schemas.microsoft.com/office/drawing/2014/main" xmlns="" val="20000"/>
+                      <a16:colId xmlns="" xmlns:a16="http://schemas.microsoft.com/office/drawing/2014/main" val="20000"/>
                     </a:ext>
                   </a:extLst>
                 </a:gridCol>
                 <a:gridCol w="2683565">
                   <a:extLst>
                     <a:ext uri="{9D8B030D-6E8A-4147-A177-3AD203B41FA5}">
-                      <a16:colId xmlns:a16="http://schemas.microsoft.com/office/drawing/2014/main" xmlns="" val="20001"/>
+                      <a16:colId xmlns="" xmlns:a16="http://schemas.microsoft.com/office/drawing/2014/main" val="20001"/>
                     </a:ext>
                   </a:extLst>
                 </a:gridCol>
                 <a:gridCol w="2782957">
                   <a:extLst>
                     <a:ext uri="{9D8B030D-6E8A-4147-A177-3AD203B41FA5}">
-                      <a16:colId xmlns:a16="http://schemas.microsoft.com/office/drawing/2014/main" xmlns="" val="20002"/>
+                      <a16:colId xmlns="" xmlns:a16="http://schemas.microsoft.com/office/drawing/2014/main" val="20002"/>
                     </a:ext>
                   </a:extLst>
                 </a:gridCol>
                 <a:gridCol w="2696816">
                   <a:extLst>
                     <a:ext uri="{9D8B030D-6E8A-4147-A177-3AD203B41FA5}">
-                      <a16:colId xmlns:a16="http://schemas.microsoft.com/office/drawing/2014/main" xmlns="" val="20003"/>
+                      <a16:colId xmlns="" xmlns:a16="http://schemas.microsoft.com/office/drawing/2014/main" val="20003"/>
                     </a:ext>
                   </a:extLst>
                 </a:gridCol>
@@ -34611,7 +34508,7 @@
                 </a:tc>
                 <a:extLst>
                   <a:ext uri="{0D108BD9-81ED-4DB2-BD59-A6C34878D82A}">
-                    <a16:rowId xmlns:a16="http://schemas.microsoft.com/office/drawing/2014/main" xmlns="" val="10000"/>
+                    <a16:rowId xmlns="" xmlns:a16="http://schemas.microsoft.com/office/drawing/2014/main" val="10000"/>
                   </a:ext>
                 </a:extLst>
               </a:tr>
@@ -34829,7 +34726,7 @@
                 </a:tc>
                 <a:extLst>
                   <a:ext uri="{0D108BD9-81ED-4DB2-BD59-A6C34878D82A}">
-                    <a16:rowId xmlns:a16="http://schemas.microsoft.com/office/drawing/2014/main" xmlns="" val="10001"/>
+                    <a16:rowId xmlns="" xmlns:a16="http://schemas.microsoft.com/office/drawing/2014/main" val="10001"/>
                   </a:ext>
                 </a:extLst>
               </a:tr>
@@ -35401,7 +35298,7 @@
                 </a:tc>
                 <a:extLst>
                   <a:ext uri="{0D108BD9-81ED-4DB2-BD59-A6C34878D82A}">
-                    <a16:rowId xmlns:a16="http://schemas.microsoft.com/office/drawing/2014/main" xmlns="" val="10002"/>
+                    <a16:rowId xmlns="" xmlns:a16="http://schemas.microsoft.com/office/drawing/2014/main" val="10002"/>
                   </a:ext>
                 </a:extLst>
               </a:tr>
@@ -38174,28 +38071,28 @@
                 <a:gridCol w="5965345">
                   <a:extLst>
                     <a:ext uri="{9D8B030D-6E8A-4147-A177-3AD203B41FA5}">
-                      <a16:colId xmlns="" xmlns:a16="http://schemas.microsoft.com/office/drawing/2014/main" val="20000"/>
+                      <a16:colId xmlns:a16="http://schemas.microsoft.com/office/drawing/2014/main" xmlns="" val="20000"/>
                     </a:ext>
                   </a:extLst>
                 </a:gridCol>
                 <a:gridCol w="568903">
                   <a:extLst>
                     <a:ext uri="{9D8B030D-6E8A-4147-A177-3AD203B41FA5}">
-                      <a16:colId xmlns="" xmlns:a16="http://schemas.microsoft.com/office/drawing/2014/main" val="20001"/>
+                      <a16:colId xmlns:a16="http://schemas.microsoft.com/office/drawing/2014/main" xmlns="" val="20001"/>
                     </a:ext>
                   </a:extLst>
                 </a:gridCol>
                 <a:gridCol w="520140">
                   <a:extLst>
                     <a:ext uri="{9D8B030D-6E8A-4147-A177-3AD203B41FA5}">
-                      <a16:colId xmlns="" xmlns:a16="http://schemas.microsoft.com/office/drawing/2014/main" val="20002"/>
+                      <a16:colId xmlns:a16="http://schemas.microsoft.com/office/drawing/2014/main" xmlns="" val="20002"/>
                     </a:ext>
                   </a:extLst>
                 </a:gridCol>
                 <a:gridCol w="520140">
                   <a:extLst>
                     <a:ext uri="{9D8B030D-6E8A-4147-A177-3AD203B41FA5}">
-                      <a16:colId xmlns="" xmlns:a16="http://schemas.microsoft.com/office/drawing/2014/main" val="2588272693"/>
+                      <a16:colId xmlns:a16="http://schemas.microsoft.com/office/drawing/2014/main" xmlns="" val="2588272693"/>
                     </a:ext>
                   </a:extLst>
                 </a:gridCol>
@@ -38301,7 +38198,7 @@
                 </a:tc>
                 <a:extLst>
                   <a:ext uri="{0D108BD9-81ED-4DB2-BD59-A6C34878D82A}">
-                    <a16:rowId xmlns="" xmlns:a16="http://schemas.microsoft.com/office/drawing/2014/main" val="10000"/>
+                    <a16:rowId xmlns:a16="http://schemas.microsoft.com/office/drawing/2014/main" xmlns="" val="10000"/>
                   </a:ext>
                 </a:extLst>
               </a:tr>
@@ -38418,7 +38315,7 @@
                 </a:tc>
                 <a:extLst>
                   <a:ext uri="{0D108BD9-81ED-4DB2-BD59-A6C34878D82A}">
-                    <a16:rowId xmlns="" xmlns:a16="http://schemas.microsoft.com/office/drawing/2014/main" val="10001"/>
+                    <a16:rowId xmlns:a16="http://schemas.microsoft.com/office/drawing/2014/main" xmlns="" val="10001"/>
                   </a:ext>
                 </a:extLst>
               </a:tr>
@@ -38540,7 +38437,7 @@
                 </a:tc>
                 <a:extLst>
                   <a:ext uri="{0D108BD9-81ED-4DB2-BD59-A6C34878D82A}">
-                    <a16:rowId xmlns="" xmlns:a16="http://schemas.microsoft.com/office/drawing/2014/main" val="10002"/>
+                    <a16:rowId xmlns:a16="http://schemas.microsoft.com/office/drawing/2014/main" xmlns="" val="10002"/>
                   </a:ext>
                 </a:extLst>
               </a:tr>
@@ -38662,7 +38559,7 @@
                 </a:tc>
                 <a:extLst>
                   <a:ext uri="{0D108BD9-81ED-4DB2-BD59-A6C34878D82A}">
-                    <a16:rowId xmlns="" xmlns:a16="http://schemas.microsoft.com/office/drawing/2014/main" val="10003"/>
+                    <a16:rowId xmlns:a16="http://schemas.microsoft.com/office/drawing/2014/main" xmlns="" val="10003"/>
                   </a:ext>
                 </a:extLst>
               </a:tr>
@@ -38784,7 +38681,7 @@
                 </a:tc>
                 <a:extLst>
                   <a:ext uri="{0D108BD9-81ED-4DB2-BD59-A6C34878D82A}">
-                    <a16:rowId xmlns="" xmlns:a16="http://schemas.microsoft.com/office/drawing/2014/main" val="10004"/>
+                    <a16:rowId xmlns:a16="http://schemas.microsoft.com/office/drawing/2014/main" xmlns="" val="10004"/>
                   </a:ext>
                 </a:extLst>
               </a:tr>
@@ -38906,7 +38803,7 @@
                 </a:tc>
                 <a:extLst>
                   <a:ext uri="{0D108BD9-81ED-4DB2-BD59-A6C34878D82A}">
-                    <a16:rowId xmlns="" xmlns:a16="http://schemas.microsoft.com/office/drawing/2014/main" val="10005"/>
+                    <a16:rowId xmlns:a16="http://schemas.microsoft.com/office/drawing/2014/main" xmlns="" val="10005"/>
                   </a:ext>
                 </a:extLst>
               </a:tr>
@@ -39028,7 +38925,7 @@
                 </a:tc>
                 <a:extLst>
                   <a:ext uri="{0D108BD9-81ED-4DB2-BD59-A6C34878D82A}">
-                    <a16:rowId xmlns="" xmlns:a16="http://schemas.microsoft.com/office/drawing/2014/main" val="10006"/>
+                    <a16:rowId xmlns:a16="http://schemas.microsoft.com/office/drawing/2014/main" xmlns="" val="10006"/>
                   </a:ext>
                 </a:extLst>
               </a:tr>
@@ -40149,7 +40046,11 @@
             <a:graphicFrameLocks noGrp="1"/>
           </p:cNvGraphicFramePr>
           <p:nvPr>
-            <p:extLst/>
+            <p:extLst>
+              <p:ext uri="{D42A27DB-BD31-4B8C-83A1-F6EECF244321}">
+                <p14:modId xmlns:p14="http://schemas.microsoft.com/office/powerpoint/2010/main" val="932785813"/>
+              </p:ext>
+            </p:extLst>
           </p:nvPr>
         </p:nvGraphicFramePr>
         <p:xfrm>
@@ -40166,28 +40067,28 @@
                 <a:gridCol w="5965345">
                   <a:extLst>
                     <a:ext uri="{9D8B030D-6E8A-4147-A177-3AD203B41FA5}">
-                      <a16:colId xmlns="" xmlns:a16="http://schemas.microsoft.com/office/drawing/2014/main" val="20000"/>
+                      <a16:colId xmlns:a16="http://schemas.microsoft.com/office/drawing/2014/main" xmlns="" val="20000"/>
                     </a:ext>
                   </a:extLst>
                 </a:gridCol>
                 <a:gridCol w="568903">
                   <a:extLst>
                     <a:ext uri="{9D8B030D-6E8A-4147-A177-3AD203B41FA5}">
-                      <a16:colId xmlns="" xmlns:a16="http://schemas.microsoft.com/office/drawing/2014/main" val="20001"/>
+                      <a16:colId xmlns:a16="http://schemas.microsoft.com/office/drawing/2014/main" xmlns="" val="20001"/>
                     </a:ext>
                   </a:extLst>
                 </a:gridCol>
                 <a:gridCol w="520140">
                   <a:extLst>
                     <a:ext uri="{9D8B030D-6E8A-4147-A177-3AD203B41FA5}">
-                      <a16:colId xmlns="" xmlns:a16="http://schemas.microsoft.com/office/drawing/2014/main" val="20002"/>
+                      <a16:colId xmlns:a16="http://schemas.microsoft.com/office/drawing/2014/main" xmlns="" val="20002"/>
                     </a:ext>
                   </a:extLst>
                 </a:gridCol>
                 <a:gridCol w="520140">
                   <a:extLst>
                     <a:ext uri="{9D8B030D-6E8A-4147-A177-3AD203B41FA5}">
-                      <a16:colId xmlns="" xmlns:a16="http://schemas.microsoft.com/office/drawing/2014/main" val="1173184688"/>
+                      <a16:colId xmlns:a16="http://schemas.microsoft.com/office/drawing/2014/main" xmlns="" val="1173184688"/>
                     </a:ext>
                   </a:extLst>
                 </a:gridCol>
@@ -40293,7 +40194,7 @@
                 </a:tc>
                 <a:extLst>
                   <a:ext uri="{0D108BD9-81ED-4DB2-BD59-A6C34878D82A}">
-                    <a16:rowId xmlns="" xmlns:a16="http://schemas.microsoft.com/office/drawing/2014/main" val="10000"/>
+                    <a16:rowId xmlns:a16="http://schemas.microsoft.com/office/drawing/2014/main" xmlns="" val="10000"/>
                   </a:ext>
                 </a:extLst>
               </a:tr>
@@ -40411,7 +40312,7 @@
                 </a:tc>
                 <a:extLst>
                   <a:ext uri="{0D108BD9-81ED-4DB2-BD59-A6C34878D82A}">
-                    <a16:rowId xmlns="" xmlns:a16="http://schemas.microsoft.com/office/drawing/2014/main" val="10002"/>
+                    <a16:rowId xmlns:a16="http://schemas.microsoft.com/office/drawing/2014/main" xmlns="" val="10002"/>
                   </a:ext>
                 </a:extLst>
               </a:tr>
@@ -40534,7 +40435,7 @@
                 </a:tc>
                 <a:extLst>
                   <a:ext uri="{0D108BD9-81ED-4DB2-BD59-A6C34878D82A}">
-                    <a16:rowId xmlns="" xmlns:a16="http://schemas.microsoft.com/office/drawing/2014/main" val="10003"/>
+                    <a16:rowId xmlns:a16="http://schemas.microsoft.com/office/drawing/2014/main" xmlns="" val="10003"/>
                   </a:ext>
                 </a:extLst>
               </a:tr>
@@ -40555,7 +40456,7 @@
                           <a:ea typeface="+mn-ea"/>
                           <a:cs typeface="+mn-cs"/>
                         </a:rPr>
-                        <a:t>fabricam.locationfinder.wsp</a:t>
+                        <a:t>fabrikam.locationfinder.wsp</a:t>
                       </a:r>
                       <a:endParaRPr lang="en-US" sz="2000" kern="1200" dirty="0">
                         <a:solidFill>
@@ -40658,7 +40559,7 @@
                 </a:tc>
                 <a:extLst>
                   <a:ext uri="{0D108BD9-81ED-4DB2-BD59-A6C34878D82A}">
-                    <a16:rowId xmlns="" xmlns:a16="http://schemas.microsoft.com/office/drawing/2014/main" val="10004"/>
+                    <a16:rowId xmlns:a16="http://schemas.microsoft.com/office/drawing/2014/main" xmlns="" val="10004"/>
                   </a:ext>
                 </a:extLst>
               </a:tr>
@@ -40798,7 +40699,7 @@
                 </a:tc>
                 <a:extLst>
                   <a:ext uri="{0D108BD9-81ED-4DB2-BD59-A6C34878D82A}">
-                    <a16:rowId xmlns="" xmlns:a16="http://schemas.microsoft.com/office/drawing/2014/main" val="10005"/>
+                    <a16:rowId xmlns:a16="http://schemas.microsoft.com/office/drawing/2014/main" xmlns="" val="10005"/>
                   </a:ext>
                 </a:extLst>
               </a:tr>
@@ -43719,19 +43620,25 @@
               <a:rPr lang="en-US" sz="1600" spc="0" dirty="0" smtClean="0">
                 <a:latin typeface="+mn-lt"/>
               </a:rPr>
-              <a:t>          (Analytics</a:t>
+              <a:t>          </a:t>
+            </a:r>
+            <a:r>
+              <a:rPr lang="en-US" sz="1600" spc="0" dirty="0" smtClean="0">
+                <a:latin typeface="+mn-lt"/>
+              </a:rPr>
+              <a:t>(Content Migrator, </a:t>
             </a:r>
             <a:r>
               <a:rPr lang="en-US" sz="1600" spc="0" dirty="0">
                 <a:latin typeface="+mn-lt"/>
               </a:rPr>
-              <a:t>, News </a:t>
+              <a:t>News </a:t>
             </a:r>
             <a:r>
               <a:rPr lang="en-US" sz="1600" spc="0" dirty="0" smtClean="0">
                 <a:latin typeface="+mn-lt"/>
               </a:rPr>
-              <a:t>Alerts)</a:t>
+              <a:t>Notifications)</a:t>
             </a:r>
             <a:endParaRPr lang="en-US" sz="1600" spc="0" dirty="0">
               <a:latin typeface="+mn-lt"/>
@@ -43762,14 +43669,14 @@
           <p:nvPr>
             <p:extLst>
               <p:ext uri="{D42A27DB-BD31-4B8C-83A1-F6EECF244321}">
-                <p14:modId xmlns:p14="http://schemas.microsoft.com/office/powerpoint/2010/main" val="4178149338"/>
+                <p14:modId xmlns:p14="http://schemas.microsoft.com/office/powerpoint/2010/main" val="3421087571"/>
               </p:ext>
             </p:extLst>
           </p:nvPr>
         </p:nvGraphicFramePr>
         <p:xfrm>
           <a:off x="6019800" y="1447799"/>
-          <a:ext cx="4772026" cy="4151496"/>
+          <a:ext cx="4772026" cy="3748739"/>
         </p:xfrm>
         <a:graphic>
           <a:graphicData uri="http://schemas.openxmlformats.org/drawingml/2006/table">
@@ -43781,14 +43688,14 @@
                 <a:gridCol w="4229100">
                   <a:extLst>
                     <a:ext uri="{9D8B030D-6E8A-4147-A177-3AD203B41FA5}">
-                      <a16:colId xmlns:a16="http://schemas.microsoft.com/office/drawing/2014/main" xmlns="" val="20000"/>
+                      <a16:colId xmlns="" xmlns:a16="http://schemas.microsoft.com/office/drawing/2014/main" val="20000"/>
                     </a:ext>
                   </a:extLst>
                 </a:gridCol>
                 <a:gridCol w="542926">
                   <a:extLst>
                     <a:ext uri="{9D8B030D-6E8A-4147-A177-3AD203B41FA5}">
-                      <a16:colId xmlns:a16="http://schemas.microsoft.com/office/drawing/2014/main" xmlns="" val="20001"/>
+                      <a16:colId xmlns="" xmlns:a16="http://schemas.microsoft.com/office/drawing/2014/main" val="20001"/>
                     </a:ext>
                   </a:extLst>
                 </a:gridCol>
@@ -43850,7 +43757,7 @@
                 </a:tc>
                 <a:extLst>
                   <a:ext uri="{0D108BD9-81ED-4DB2-BD59-A6C34878D82A}">
-                    <a16:rowId xmlns:a16="http://schemas.microsoft.com/office/drawing/2014/main" xmlns="" val="10000"/>
+                    <a16:rowId xmlns="" xmlns:a16="http://schemas.microsoft.com/office/drawing/2014/main" val="10000"/>
                   </a:ext>
                 </a:extLst>
               </a:tr>
@@ -43920,7 +43827,7 @@
                 </a:tc>
                 <a:extLst>
                   <a:ext uri="{0D108BD9-81ED-4DB2-BD59-A6C34878D82A}">
-                    <a16:rowId xmlns:a16="http://schemas.microsoft.com/office/drawing/2014/main" xmlns="" val="10001"/>
+                    <a16:rowId xmlns="" xmlns:a16="http://schemas.microsoft.com/office/drawing/2014/main" val="10001"/>
                   </a:ext>
                 </a:extLst>
               </a:tr>
@@ -43988,7 +43895,7 @@
                 </a:tc>
                 <a:extLst>
                   <a:ext uri="{0D108BD9-81ED-4DB2-BD59-A6C34878D82A}">
-                    <a16:rowId xmlns:a16="http://schemas.microsoft.com/office/drawing/2014/main" xmlns="" val="10002"/>
+                    <a16:rowId xmlns="" xmlns:a16="http://schemas.microsoft.com/office/drawing/2014/main" val="10002"/>
                   </a:ext>
                 </a:extLst>
               </a:tr>
@@ -44061,7 +43968,7 @@
                 </a:tc>
                 <a:extLst>
                   <a:ext uri="{0D108BD9-81ED-4DB2-BD59-A6C34878D82A}">
-                    <a16:rowId xmlns:a16="http://schemas.microsoft.com/office/drawing/2014/main" xmlns="" val="10003"/>
+                    <a16:rowId xmlns="" xmlns:a16="http://schemas.microsoft.com/office/drawing/2014/main" val="10003"/>
                   </a:ext>
                 </a:extLst>
               </a:tr>
@@ -44143,7 +44050,7 @@
                 </a:tc>
                 <a:extLst>
                   <a:ext uri="{0D108BD9-81ED-4DB2-BD59-A6C34878D82A}">
-                    <a16:rowId xmlns:a16="http://schemas.microsoft.com/office/drawing/2014/main" xmlns="" val="10004"/>
+                    <a16:rowId xmlns="" xmlns:a16="http://schemas.microsoft.com/office/drawing/2014/main" val="10004"/>
                   </a:ext>
                 </a:extLst>
               </a:tr>
@@ -44162,75 +44069,8 @@
                           <a:effectLst/>
                           <a:latin typeface="+mn-lt"/>
                         </a:rPr>
-                        <a:t>Safety News</a:t>
+                        <a:t>Safety </a:t>
                       </a:r>
-                      <a:endParaRPr lang="en-US" sz="2000" b="0" i="0" u="none" strike="noStrike" dirty="0">
-                        <a:solidFill>
-                          <a:srgbClr val="000000"/>
-                        </a:solidFill>
-                        <a:effectLst/>
-                        <a:latin typeface="+mn-lt"/>
-                      </a:endParaRPr>
-                    </a:p>
-                  </a:txBody>
-                  <a:tcPr anchor="b"/>
-                </a:tc>
-                <a:tc>
-                  <a:txBody>
-                    <a:bodyPr/>
-                    <a:lstStyle/>
-                    <a:p>
-                      <a:pPr algn="ctr" fontAlgn="b"/>
-                      <a:endParaRPr lang="en-US" sz="2000" b="0" i="0" u="none" strike="noStrike" dirty="0">
-                        <a:solidFill>
-                          <a:srgbClr val="000000"/>
-                        </a:solidFill>
-                        <a:effectLst/>
-                        <a:latin typeface="Calibri" panose="020F0502020204030204" pitchFamily="34" charset="0"/>
-                      </a:endParaRPr>
-                    </a:p>
-                  </a:txBody>
-                  <a:tcPr anchor="b">
-                    <a:lnR w="12700" cmpd="sng">
-                      <a:solidFill>
-                        <a:schemeClr val="lt1"/>
-                      </a:solidFill>
-                    </a:lnR>
-                    <a:lnT w="12700" cmpd="sng">
-                      <a:solidFill>
-                        <a:schemeClr val="lt1"/>
-                      </a:solidFill>
-                    </a:lnT>
-                    <a:lnB w="12700" cap="flat" cmpd="sng" algn="ctr">
-                      <a:solidFill>
-                        <a:schemeClr val="lt1"/>
-                      </a:solidFill>
-                      <a:prstDash val="solid"/>
-                      <a:round/>
-                      <a:headEnd type="none" w="med" len="med"/>
-                      <a:tailEnd type="none" w="med" len="med"/>
-                    </a:lnB>
-                    <a:lnTlToBr w="12700" cmpd="sng">
-                      <a:noFill/>
-                      <a:prstDash val="solid"/>
-                    </a:lnTlToBr>
-                    <a:lnBlToTr w="12700" cmpd="sng">
-                      <a:noFill/>
-                      <a:prstDash val="solid"/>
-                    </a:lnBlToTr>
-                    <a:solidFill>
-                      <a:srgbClr val="00B050"/>
-                    </a:solidFill>
-                  </a:tcPr>
-                </a:tc>
-              </a:tr>
-              <a:tr h="402757">
-                <a:tc>
-                  <a:txBody>
-                    <a:bodyPr/>
-                    <a:lstStyle/>
-                    <a:p>
-                      <a:pPr algn="l" fontAlgn="b"/>
                       <a:r>
                         <a:rPr lang="en-US" sz="2000" b="0" i="0" u="none" strike="noStrike" dirty="0" smtClean="0">
                           <a:solidFill>
@@ -44239,7 +44079,7 @@
                           <a:effectLst/>
                           <a:latin typeface="+mn-lt"/>
                         </a:rPr>
-                        <a:t>News Alerts</a:t>
+                        <a:t>News Rollups</a:t>
                       </a:r>
                       <a:endParaRPr lang="en-US" sz="2000" b="0" i="0" u="none" strike="noStrike" dirty="0">
                         <a:solidFill>
@@ -44350,10 +44190,14 @@
                         <a:schemeClr val="lt1"/>
                       </a:solidFill>
                     </a:lnR>
-                    <a:lnT w="12700" cmpd="sng">
+                    <a:lnT w="12700" cap="flat" cmpd="sng" algn="ctr">
                       <a:solidFill>
                         <a:schemeClr val="lt1"/>
                       </a:solidFill>
+                      <a:prstDash val="solid"/>
+                      <a:round/>
+                      <a:headEnd type="none" w="med" len="med"/>
+                      <a:tailEnd type="none" w="med" len="med"/>
                     </a:lnT>
                     <a:lnB w="12700" cap="flat" cmpd="sng" algn="ctr">
                       <a:solidFill>
@@ -45822,6 +45666,12 @@
 </file>
 
 <file path=customXml/item1.xml><?xml version="1.0" encoding="utf-8"?>
+<p:properties xmlns:p="http://schemas.microsoft.com/office/2006/metadata/properties" xmlns:xsi="http://www.w3.org/2001/XMLSchema-instance" xmlns:pc="http://schemas.microsoft.com/office/infopath/2007/PartnerControls">
+  <documentManagement/>
+</p:properties>
+</file>
+
+<file path=customXml/item2.xml><?xml version="1.0" encoding="utf-8"?>
 <ct:contentTypeSchema xmlns:ct="http://schemas.microsoft.com/office/2006/metadata/contentType" xmlns:ma="http://schemas.microsoft.com/office/2006/metadata/properties/metaAttributes" ct:_="" ma:_="" ma:contentTypeName="Document" ma:contentTypeID="0x01010055B2CD89C57E654B9987E9AA8CA4BF0D" ma:contentTypeVersion="0" ma:contentTypeDescription="Create a new document." ma:contentTypeScope="" ma:versionID="18de93eb0ee0f4f315a1ec1a884e13c6">
   <xsd:schema xmlns:xsd="http://www.w3.org/2001/XMLSchema" xmlns:xs="http://www.w3.org/2001/XMLSchema" xmlns:p="http://schemas.microsoft.com/office/2006/metadata/properties" targetNamespace="http://schemas.microsoft.com/office/2006/metadata/properties" ma:root="true" ma:fieldsID="a7c9ea3003598ff63be50cfc9788e6e2">
     <xsd:element name="properties">
@@ -45935,12 +45785,6 @@
 </ct:contentTypeSchema>
 </file>
 
-<file path=customXml/item2.xml><?xml version="1.0" encoding="utf-8"?>
-<p:properties xmlns:p="http://schemas.microsoft.com/office/2006/metadata/properties" xmlns:xsi="http://www.w3.org/2001/XMLSchema-instance" xmlns:pc="http://schemas.microsoft.com/office/infopath/2007/PartnerControls">
-  <documentManagement/>
-</p:properties>
-</file>
-
 <file path=customXml/item3.xml><?xml version="1.0" encoding="utf-8"?>
 <?mso-contentType ?>
 <FormTemplates xmlns="http://schemas.microsoft.com/sharepoint/v3/contenttype/forms">
@@ -45951,6 +45795,21 @@
 </file>
 
 <file path=customXml/itemProps1.xml><?xml version="1.0" encoding="utf-8"?>
+<ds:datastoreItem xmlns:ds="http://schemas.openxmlformats.org/officeDocument/2006/customXml" ds:itemID="{F1AEA8A7-A694-4DB0-82AB-EF48F2E9B6F9}">
+  <ds:schemaRefs>
+    <ds:schemaRef ds:uri="http://purl.org/dc/terms/"/>
+    <ds:schemaRef ds:uri="http://schemas.openxmlformats.org/package/2006/metadata/core-properties"/>
+    <ds:schemaRef ds:uri="http://schemas.microsoft.com/office/2006/documentManagement/types"/>
+    <ds:schemaRef ds:uri="http://schemas.microsoft.com/office/infopath/2007/PartnerControls"/>
+    <ds:schemaRef ds:uri="http://purl.org/dc/elements/1.1/"/>
+    <ds:schemaRef ds:uri="http://schemas.microsoft.com/office/2006/metadata/properties"/>
+    <ds:schemaRef ds:uri="http://www.w3.org/XML/1998/namespace"/>
+    <ds:schemaRef ds:uri="http://purl.org/dc/dcmitype/"/>
+  </ds:schemaRefs>
+</ds:datastoreItem>
+</file>
+
+<file path=customXml/itemProps2.xml><?xml version="1.0" encoding="utf-8"?>
 <ds:datastoreItem xmlns:ds="http://schemas.openxmlformats.org/officeDocument/2006/customXml" ds:itemID="{E2F29384-BD65-45EE-AC22-B03A76D49F37}">
   <ds:schemaRefs>
     <ds:schemaRef ds:uri="http://schemas.microsoft.com/office/2006/metadata/contentType"/>
@@ -45966,21 +45825,6 @@
 </ds:datastoreItem>
 </file>
 
-<file path=customXml/itemProps2.xml><?xml version="1.0" encoding="utf-8"?>
-<ds:datastoreItem xmlns:ds="http://schemas.openxmlformats.org/officeDocument/2006/customXml" ds:itemID="{F1AEA8A7-A694-4DB0-82AB-EF48F2E9B6F9}">
-  <ds:schemaRefs>
-    <ds:schemaRef ds:uri="http://purl.org/dc/terms/"/>
-    <ds:schemaRef ds:uri="http://schemas.openxmlformats.org/package/2006/metadata/core-properties"/>
-    <ds:schemaRef ds:uri="http://schemas.microsoft.com/office/2006/documentManagement/types"/>
-    <ds:schemaRef ds:uri="http://schemas.microsoft.com/office/infopath/2007/PartnerControls"/>
-    <ds:schemaRef ds:uri="http://purl.org/dc/elements/1.1/"/>
-    <ds:schemaRef ds:uri="http://schemas.microsoft.com/office/2006/metadata/properties"/>
-    <ds:schemaRef ds:uri="http://www.w3.org/XML/1998/namespace"/>
-    <ds:schemaRef ds:uri="http://purl.org/dc/dcmitype/"/>
-  </ds:schemaRefs>
-</ds:datastoreItem>
-</file>
-
 <file path=customXml/itemProps3.xml><?xml version="1.0" encoding="utf-8"?>
 <ds:datastoreItem xmlns:ds="http://schemas.openxmlformats.org/officeDocument/2006/customXml" ds:itemID="{B4606E04-852E-4880-8CD1-0B186F4087B1}">
   <ds:schemaRefs>

--- a/PnP Transformation Process/Samples/PnP Transformation - Solution Design Report - Contoso.pptx
+++ b/PnP Transformation Process/Samples/PnP Transformation - Solution Design Report - Contoso.pptx
@@ -21128,29 +21128,6 @@
               <a:rPr lang="nl-BE" dirty="0" smtClean="0"/>
             </a:br>
             <a:r>
-              <a:rPr lang="en-US" sz="3600" dirty="0" err="1" smtClean="0">
-                <a:solidFill>
-                  <a:schemeClr val="accent1"/>
-                </a:solidFill>
-              </a:rPr>
-              <a:t>contoso.sharepoint.eventreceivers.wsp</a:t>
-            </a:r>
-            <a:r>
-              <a:rPr lang="en-US" sz="3600" dirty="0">
-                <a:solidFill>
-                  <a:schemeClr val="accent1"/>
-                </a:solidFill>
-              </a:rPr>
-              <a:t/>
-            </a:r>
-            <a:br>
-              <a:rPr lang="en-US" sz="3600" dirty="0">
-                <a:solidFill>
-                  <a:schemeClr val="accent1"/>
-                </a:solidFill>
-              </a:rPr>
-            </a:br>
-            <a:r>
               <a:rPr lang="en-US" sz="3600" dirty="0">
                 <a:solidFill>
                   <a:schemeClr val="accent1"/>
@@ -22116,14 +22093,6 @@
               <a:rPr lang="nl-BE" dirty="0" smtClean="0"/>
             </a:br>
             <a:r>
-              <a:rPr lang="en-US" sz="3600" dirty="0" err="1" smtClean="0">
-                <a:solidFill>
-                  <a:schemeClr val="accent1"/>
-                </a:solidFill>
-              </a:rPr>
-              <a:t>contoso.sharepoint.safetynews.wsp</a:t>
-            </a:r>
-            <a:r>
               <a:rPr lang="en-US" sz="3600" dirty="0">
                 <a:solidFill>
                   <a:schemeClr val="accent1"/>
@@ -23106,29 +23075,6 @@
             </a:r>
             <a:br>
               <a:rPr lang="nl-BE" dirty="0" smtClean="0"/>
-            </a:br>
-            <a:r>
-              <a:rPr lang="en-US" sz="3600" dirty="0" err="1" smtClean="0">
-                <a:solidFill>
-                  <a:schemeClr val="accent1"/>
-                </a:solidFill>
-              </a:rPr>
-              <a:t>contoso.sharepoint.newsalerts.wsp</a:t>
-            </a:r>
-            <a:r>
-              <a:rPr lang="en-US" sz="3600" dirty="0">
-                <a:solidFill>
-                  <a:schemeClr val="accent1"/>
-                </a:solidFill>
-              </a:rPr>
-              <a:t/>
-            </a:r>
-            <a:br>
-              <a:rPr lang="en-US" sz="3600" dirty="0">
-                <a:solidFill>
-                  <a:schemeClr val="accent1"/>
-                </a:solidFill>
-              </a:rPr>
             </a:br>
             <a:r>
               <a:rPr lang="en-US" sz="3600" dirty="0">
@@ -38054,7 +38000,11 @@
             <a:graphicFrameLocks noGrp="1"/>
           </p:cNvGraphicFramePr>
           <p:nvPr>
-            <p:extLst/>
+            <p:extLst>
+              <p:ext uri="{D42A27DB-BD31-4B8C-83A1-F6EECF244321}">
+                <p14:modId xmlns:p14="http://schemas.microsoft.com/office/powerpoint/2010/main" val="3712092435"/>
+              </p:ext>
+            </p:extLst>
           </p:nvPr>
         </p:nvGraphicFramePr>
         <p:xfrm>
@@ -38702,7 +38652,7 @@
                           <a:ea typeface="+mn-ea"/>
                           <a:cs typeface="+mn-cs"/>
                         </a:rPr>
-                        <a:t>contoso.sharepoint.libraryreceivers.wsp</a:t>
+                        <a:t>contoso.sharepoint.eventreceivers.wsp</a:t>
                       </a:r>
                       <a:endParaRPr lang="en-US" sz="2400" b="0" i="0" u="none" strike="noStrike" dirty="0">
                         <a:solidFill>

--- a/PnP Transformation Process/Samples/PnP Transformation - Solution Design Report - Contoso.pptx
+++ b/PnP Transformation Process/Samples/PnP Transformation - Solution Design Report - Contoso.pptx
@@ -4460,11 +4460,7 @@
           <a:p>
             <a:r>
               <a:rPr lang="en-NZ" dirty="0" smtClean="0"/>
-              <a:t>The colours on the right indicate the simplicity with regards to the transformation process</a:t>
-            </a:r>
-            <a:r>
-              <a:rPr lang="en-NZ" dirty="0" smtClean="0"/>
-              <a:t>.</a:t>
+              <a:t>The colours on the right indicate the simplicity with regards to the transformation process.</a:t>
             </a:r>
           </a:p>
           <a:p>
@@ -19129,15 +19125,12 @@
           <a:p>
             <a:pPr lvl="1"/>
             <a:r>
+              <a:rPr lang="en-US" sz="1800" smtClean="0"/>
+              <a:t>A </a:t>
+            </a:r>
+            <a:r>
               <a:rPr lang="en-US" sz="1800" dirty="0"/>
-              <a:t>Scheduled Web Job will be hosted on Azure</a:t>
-            </a:r>
-          </a:p>
-          <a:p>
-            <a:pPr lvl="1"/>
-            <a:r>
-              <a:rPr lang="en-US" sz="1800" dirty="0"/>
-              <a:t>A trusted service account may be required because there would be no concept of “Elevated Privileges” in the external hosting environment. </a:t>
+              <a:t>trusted service account may be required because there would be no concept of “Elevated Privileges” in the external hosting environment. </a:t>
             </a:r>
           </a:p>
           <a:p>
@@ -21374,23 +21367,7 @@
                   <a:lin ang="5400000" scaled="0"/>
                 </a:gradFill>
               </a:rPr>
-              <a:t>Remote </a:t>
-            </a:r>
-            <a:r>
-              <a:rPr lang="en-US" dirty="0" smtClean="0">
-                <a:gradFill>
-                  <a:gsLst>
-                    <a:gs pos="1250">
-                      <a:srgbClr val="797A7D"/>
-                    </a:gs>
-                    <a:gs pos="100000">
-                      <a:srgbClr val="797A7D"/>
-                    </a:gs>
-                  </a:gsLst>
-                  <a:lin ang="5400000" scaled="0"/>
-                </a:gradFill>
-              </a:rPr>
-              <a:t>event receivers can be used that can be invoked through a provider hosted app.</a:t>
+              <a:t>Remote event receivers can be used that can be invoked through a provider hosted app.</a:t>
             </a:r>
           </a:p>
           <a:p>
@@ -22184,11 +22161,7 @@
             <a:pPr lvl="2"/>
             <a:r>
               <a:rPr lang="en-US" sz="1800" dirty="0" smtClean="0"/>
-              <a:t>Ability </a:t>
-            </a:r>
-            <a:r>
-              <a:rPr lang="en-US" sz="1800" dirty="0" smtClean="0"/>
-              <a:t>to like and share the news article will be a good to have.</a:t>
+              <a:t>Ability to like and share the news article will be a good to have.</a:t>
             </a:r>
             <a:endParaRPr lang="en-US" sz="1800" dirty="0"/>
           </a:p>
@@ -22898,37 +22871,8 @@
                   <a:lin ang="5400000" scaled="0"/>
                 </a:gradFill>
               </a:rPr>
-              <a:t>The Yammer embedded code will replace the custom safety news web part on the homepage. The Yammer integration can also provide “sharing” and “like” options </a:t>
-            </a:r>
-            <a:r>
-              <a:rPr lang="en-US" sz="2000" dirty="0" smtClean="0">
-                <a:gradFill>
-                  <a:gsLst>
-                    <a:gs pos="1250">
-                      <a:srgbClr val="797A7D"/>
-                    </a:gs>
-                    <a:gs pos="100000">
-                      <a:srgbClr val="797A7D"/>
-                    </a:gs>
-                  </a:gsLst>
-                  <a:lin ang="5400000" scaled="0"/>
-                </a:gradFill>
-              </a:rPr>
-              <a:t>out of the box.</a:t>
-            </a:r>
-            <a:endParaRPr lang="en-US" sz="2000" dirty="0" smtClean="0">
-              <a:gradFill>
-                <a:gsLst>
-                  <a:gs pos="1250">
-                    <a:srgbClr val="797A7D"/>
-                  </a:gs>
-                  <a:gs pos="100000">
-                    <a:srgbClr val="797A7D"/>
-                  </a:gs>
-                </a:gsLst>
-                <a:lin ang="5400000" scaled="0"/>
-              </a:gradFill>
-            </a:endParaRPr>
+              <a:t>The Yammer embedded code will replace the custom safety news web part on the homepage. The Yammer integration can also provide “sharing” and “like” options out of the box.</a:t>
+            </a:r>
           </a:p>
           <a:p>
             <a:pPr marL="517525" lvl="1" indent="-233363">
@@ -23827,23 +23771,7 @@
                   <a:lin ang="5400000" scaled="0"/>
                 </a:gradFill>
               </a:rPr>
-              <a:t>The </a:t>
-            </a:r>
-            <a:r>
-              <a:rPr lang="en-US" sz="2000" dirty="0" smtClean="0">
-                <a:gradFill>
-                  <a:gsLst>
-                    <a:gs pos="1250">
-                      <a:srgbClr val="797A7D"/>
-                    </a:gs>
-                    <a:gs pos="100000">
-                      <a:srgbClr val="797A7D"/>
-                    </a:gs>
-                  </a:gsLst>
-                  <a:lin ang="5400000" scaled="0"/>
-                </a:gradFill>
-              </a:rPr>
-              <a:t>solution will be abandoned. Yammer sends automated emails when an announcement is added.</a:t>
+              <a:t>The solution will be abandoned. Yammer sends automated emails when an announcement is added.</a:t>
             </a:r>
           </a:p>
         </p:txBody>
@@ -23947,7 +23875,7 @@
             <a:pPr lvl="1"/>
             <a:r>
               <a:rPr lang="en-US" dirty="0" smtClean="0"/>
-              <a:t>Allow the users to be able to communicate with the experts using a tool.</a:t>
+              <a:t>Allow the users to be able to communicate with the experts using some communication tool.</a:t>
             </a:r>
             <a:endParaRPr lang="en-US" dirty="0"/>
           </a:p>
@@ -23977,7 +23905,7 @@
             <a:pPr lvl="1"/>
             <a:r>
               <a:rPr lang="en-US" dirty="0" smtClean="0"/>
-              <a:t>The People search will provide integration with Lync which can then be used to communicate with the expert using messaging or voice call.</a:t>
+              <a:t>The People search will provide integration with Lync which can then be used to communicate with the expert using instant messaging or voice call.</a:t>
             </a:r>
             <a:endParaRPr lang="en-US" dirty="0"/>
           </a:p>
@@ -24699,7 +24627,7 @@
             <a:pPr lvl="1"/>
             <a:r>
               <a:rPr lang="en-US" dirty="0" smtClean="0"/>
-              <a:t>Should map the locations on interactive Bing Map</a:t>
+              <a:t>Should display an interactive map next to the location name</a:t>
             </a:r>
             <a:endParaRPr lang="en-US" dirty="0"/>
           </a:p>
@@ -24710,25 +24638,16 @@
           <a:p>
             <a:r>
               <a:rPr lang="en-US" dirty="0" smtClean="0"/>
-              <a:t>Design </a:t>
-            </a:r>
+              <a:t>Design notes and status</a:t>
+            </a:r>
+            <a:endParaRPr lang="en-US" dirty="0"/>
+          </a:p>
+          <a:p>
+            <a:pPr lvl="1"/>
             <a:r>
               <a:rPr lang="en-US" dirty="0" smtClean="0"/>
-              <a:t>notes and status</a:t>
-            </a:r>
-            <a:endParaRPr lang="en-US" dirty="0"/>
-          </a:p>
-          <a:p>
-            <a:pPr lvl="1"/>
-            <a:r>
-              <a:rPr lang="en-US" dirty="0" smtClean="0"/>
-              <a:t>SharePoint search and display templates will be used to achieve the </a:t>
-            </a:r>
-            <a:r>
-              <a:rPr lang="en-US" dirty="0" smtClean="0"/>
-              <a:t>same look and feel.</a:t>
-            </a:r>
-            <a:endParaRPr lang="en-US" dirty="0" smtClean="0"/>
+              <a:t>SharePoint search and display templates will be used to achieve the same look and feel.</a:t>
+            </a:r>
           </a:p>
           <a:p>
             <a:endParaRPr lang="en-US" dirty="0"/>
@@ -25607,11 +25526,7 @@
             <a:pPr lvl="1"/>
             <a:r>
               <a:rPr lang="en-US" dirty="0" smtClean="0"/>
-              <a:t>Provide information on popular </a:t>
-            </a:r>
-            <a:r>
-              <a:rPr lang="en-US" dirty="0" smtClean="0"/>
-              <a:t>content</a:t>
+              <a:t>Provide information on popular content</a:t>
             </a:r>
           </a:p>
           <a:p>
@@ -25621,11 +25536,7 @@
           <a:p>
             <a:r>
               <a:rPr lang="en-US" dirty="0" smtClean="0"/>
-              <a:t>Design </a:t>
-            </a:r>
-            <a:r>
-              <a:rPr lang="en-US" dirty="0" smtClean="0"/>
-              <a:t>notes and status</a:t>
+              <a:t>Design notes and status</a:t>
             </a:r>
             <a:endParaRPr lang="en-US" dirty="0"/>
           </a:p>
@@ -25640,11 +25551,7 @@
             <a:pPr lvl="1"/>
             <a:r>
               <a:rPr lang="en-US" dirty="0" smtClean="0"/>
-              <a:t>Client side techniques will be used to inject JS using script blocks on master page</a:t>
-            </a:r>
-            <a:r>
-              <a:rPr lang="en-US" dirty="0" smtClean="0"/>
-              <a:t>.</a:t>
+              <a:t>Client side techniques will be used to inject JS using script blocks on master page.</a:t>
             </a:r>
             <a:endParaRPr lang="en-US" dirty="0"/>
           </a:p>
@@ -43570,13 +43477,7 @@
               <a:rPr lang="en-US" sz="1600" spc="0" dirty="0" smtClean="0">
                 <a:latin typeface="+mn-lt"/>
               </a:rPr>
-              <a:t>          </a:t>
-            </a:r>
-            <a:r>
-              <a:rPr lang="en-US" sz="1600" spc="0" dirty="0" smtClean="0">
-                <a:latin typeface="+mn-lt"/>
-              </a:rPr>
-              <a:t>(Content Migrator, </a:t>
+              <a:t>          (Content Migrator, </a:t>
             </a:r>
             <a:r>
               <a:rPr lang="en-US" sz="1600" spc="0" dirty="0">
@@ -44019,17 +43920,7 @@
                           <a:effectLst/>
                           <a:latin typeface="+mn-lt"/>
                         </a:rPr>
-                        <a:t>Safety </a:t>
-                      </a:r>
-                      <a:r>
-                        <a:rPr lang="en-US" sz="2000" b="0" i="0" u="none" strike="noStrike" dirty="0" smtClean="0">
-                          <a:solidFill>
-                            <a:srgbClr val="000000"/>
-                          </a:solidFill>
-                          <a:effectLst/>
-                          <a:latin typeface="+mn-lt"/>
-                        </a:rPr>
-                        <a:t>News Rollups</a:t>
+                        <a:t>Safety News Rollups</a:t>
                       </a:r>
                       <a:endParaRPr lang="en-US" sz="2000" b="0" i="0" u="none" strike="noStrike" dirty="0">
                         <a:solidFill>
@@ -45616,12 +45507,21 @@
 </file>
 
 <file path=customXml/item1.xml><?xml version="1.0" encoding="utf-8"?>
+<?mso-contentType ?>
+<FormTemplates xmlns="http://schemas.microsoft.com/sharepoint/v3/contenttype/forms">
+  <Display>DocumentLibraryForm</Display>
+  <Edit>DocumentLibraryForm</Edit>
+  <New>DocumentLibraryForm</New>
+</FormTemplates>
+</file>
+
+<file path=customXml/item2.xml><?xml version="1.0" encoding="utf-8"?>
 <p:properties xmlns:p="http://schemas.microsoft.com/office/2006/metadata/properties" xmlns:xsi="http://www.w3.org/2001/XMLSchema-instance" xmlns:pc="http://schemas.microsoft.com/office/infopath/2007/PartnerControls">
   <documentManagement/>
 </p:properties>
 </file>
 
-<file path=customXml/item2.xml><?xml version="1.0" encoding="utf-8"?>
+<file path=customXml/item3.xml><?xml version="1.0" encoding="utf-8"?>
 <ct:contentTypeSchema xmlns:ct="http://schemas.microsoft.com/office/2006/metadata/contentType" xmlns:ma="http://schemas.microsoft.com/office/2006/metadata/properties/metaAttributes" ct:_="" ma:_="" ma:contentTypeName="Document" ma:contentTypeID="0x01010055B2CD89C57E654B9987E9AA8CA4BF0D" ma:contentTypeVersion="0" ma:contentTypeDescription="Create a new document." ma:contentTypeScope="" ma:versionID="18de93eb0ee0f4f315a1ec1a884e13c6">
   <xsd:schema xmlns:xsd="http://www.w3.org/2001/XMLSchema" xmlns:xs="http://www.w3.org/2001/XMLSchema" xmlns:p="http://schemas.microsoft.com/office/2006/metadata/properties" targetNamespace="http://schemas.microsoft.com/office/2006/metadata/properties" ma:root="true" ma:fieldsID="a7c9ea3003598ff63be50cfc9788e6e2">
     <xsd:element name="properties">
@@ -45735,16 +45635,15 @@
 </ct:contentTypeSchema>
 </file>
 
-<file path=customXml/item3.xml><?xml version="1.0" encoding="utf-8"?>
-<?mso-contentType ?>
-<FormTemplates xmlns="http://schemas.microsoft.com/sharepoint/v3/contenttype/forms">
-  <Display>DocumentLibraryForm</Display>
-  <Edit>DocumentLibraryForm</Edit>
-  <New>DocumentLibraryForm</New>
-</FormTemplates>
+<file path=customXml/itemProps1.xml><?xml version="1.0" encoding="utf-8"?>
+<ds:datastoreItem xmlns:ds="http://schemas.openxmlformats.org/officeDocument/2006/customXml" ds:itemID="{B4606E04-852E-4880-8CD1-0B186F4087B1}">
+  <ds:schemaRefs>
+    <ds:schemaRef ds:uri="http://schemas.microsoft.com/sharepoint/v3/contenttype/forms"/>
+  </ds:schemaRefs>
+</ds:datastoreItem>
 </file>
 
-<file path=customXml/itemProps1.xml><?xml version="1.0" encoding="utf-8"?>
+<file path=customXml/itemProps2.xml><?xml version="1.0" encoding="utf-8"?>
 <ds:datastoreItem xmlns:ds="http://schemas.openxmlformats.org/officeDocument/2006/customXml" ds:itemID="{F1AEA8A7-A694-4DB0-82AB-EF48F2E9B6F9}">
   <ds:schemaRefs>
     <ds:schemaRef ds:uri="http://purl.org/dc/terms/"/>
@@ -45759,7 +45658,7 @@
 </ds:datastoreItem>
 </file>
 
-<file path=customXml/itemProps2.xml><?xml version="1.0" encoding="utf-8"?>
+<file path=customXml/itemProps3.xml><?xml version="1.0" encoding="utf-8"?>
 <ds:datastoreItem xmlns:ds="http://schemas.openxmlformats.org/officeDocument/2006/customXml" ds:itemID="{E2F29384-BD65-45EE-AC22-B03A76D49F37}">
   <ds:schemaRefs>
     <ds:schemaRef ds:uri="http://schemas.microsoft.com/office/2006/metadata/contentType"/>
@@ -45773,12 +45672,4 @@
     <ds:schemaRef ds:uri="http://schemas.microsoft.com/office/infopath/2007/PartnerControls"/>
   </ds:schemaRefs>
 </ds:datastoreItem>
-</file>
-
-<file path=customXml/itemProps3.xml><?xml version="1.0" encoding="utf-8"?>
-<ds:datastoreItem xmlns:ds="http://schemas.openxmlformats.org/officeDocument/2006/customXml" ds:itemID="{B4606E04-852E-4880-8CD1-0B186F4087B1}">
-  <ds:schemaRefs>
-    <ds:schemaRef ds:uri="http://schemas.microsoft.com/sharepoint/v3/contenttype/forms"/>
-  </ds:schemaRefs>
-</ds:datastoreItem>
 </file>
--- a/PnP Transformation Process/Samples/PnP Transformation - Solution Design Report - Contoso.pptx
+++ b/PnP Transformation Process/Samples/PnP Transformation - Solution Design Report - Contoso.pptx
@@ -415,7 +415,7 @@
           <a:p>
             <a:fld id="{DE219B1A-AE41-483B-A766-69B9363DDA6A}" type="datetimeFigureOut">
               <a:rPr lang="en-US" smtClean="0"/>
-              <a:t>6/3/2015</a:t>
+              <a:t>6/5/2015</a:t>
             </a:fld>
             <a:endParaRPr lang="en-US"/>
           </a:p>
@@ -624,7 +624,7 @@
           <a:p>
             <a:fld id="{D51B1278-D92B-4AF3-A9C1-71DD298190CE}" type="datetimeFigureOut">
               <a:rPr lang="en-US" smtClean="0"/>
-              <a:t>6/3/2015</a:t>
+              <a:t>6/5/2015</a:t>
             </a:fld>
             <a:endParaRPr lang="en-US"/>
           </a:p>
@@ -1069,7 +1069,7 @@
                 </a:solidFill>
               </a:rPr>
               <a:pPr/>
-              <a:t>6/3/2015</a:t>
+              <a:t>6/5/2015</a:t>
             </a:fld>
             <a:endParaRPr lang="en-US" dirty="0">
               <a:solidFill>
@@ -1332,7 +1332,7 @@
           <a:p>
             <a:fld id="{EE679FBF-1C32-40EC-8A8D-F696D0F011B7}" type="datetime1">
               <a:rPr lang="en-US" smtClean="0"/>
-              <a:t>6/3/2015</a:t>
+              <a:t>6/5/2015</a:t>
             </a:fld>
             <a:endParaRPr lang="en-US"/>
           </a:p>
@@ -1566,7 +1566,7 @@
           <a:p>
             <a:fld id="{D1138656-1104-4895-916A-3F46DB26BB9D}" type="datetime1">
               <a:rPr lang="en-US" smtClean="0"/>
-              <a:t>6/3/2015</a:t>
+              <a:t>6/5/2015</a:t>
             </a:fld>
             <a:endParaRPr lang="en-US"/>
           </a:p>
@@ -1780,7 +1780,7 @@
           <a:p>
             <a:fld id="{D1138656-1104-4895-916A-3F46DB26BB9D}" type="datetime1">
               <a:rPr lang="en-US" smtClean="0"/>
-              <a:t>6/3/2015</a:t>
+              <a:t>6/5/2015</a:t>
             </a:fld>
             <a:endParaRPr lang="en-US"/>
           </a:p>
@@ -2014,7 +2014,7 @@
           <a:p>
             <a:fld id="{D1138656-1104-4895-916A-3F46DB26BB9D}" type="datetime1">
               <a:rPr lang="en-US" smtClean="0"/>
-              <a:t>6/3/2015</a:t>
+              <a:t>6/5/2015</a:t>
             </a:fld>
             <a:endParaRPr lang="en-US"/>
           </a:p>
@@ -2253,7 +2253,7 @@
                 </a:solidFill>
               </a:rPr>
               <a:pPr/>
-              <a:t>6/3/2015</a:t>
+              <a:t>6/5/2015</a:t>
             </a:fld>
             <a:endParaRPr lang="en-US">
               <a:solidFill>
@@ -2508,7 +2508,7 @@
           <a:p>
             <a:fld id="{451D34E3-A4EB-4733-B7C0-D045AD3234C1}" type="datetime1">
               <a:rPr lang="en-US" smtClean="0"/>
-              <a:t>6/3/2015</a:t>
+              <a:t>6/5/2015</a:t>
             </a:fld>
             <a:endParaRPr lang="en-US"/>
           </a:p>
@@ -2742,7 +2742,7 @@
           <a:p>
             <a:fld id="{AA3AF75D-25C3-42E7-9971-69168E23937F}" type="datetime1">
               <a:rPr lang="en-US" smtClean="0"/>
-              <a:t>6/3/2015</a:t>
+              <a:t>6/5/2015</a:t>
             </a:fld>
             <a:endParaRPr lang="en-US"/>
           </a:p>
@@ -2957,7 +2957,7 @@
                 </a:solidFill>
               </a:rPr>
               <a:pPr/>
-              <a:t>6/3/2015</a:t>
+              <a:t>6/5/2015</a:t>
             </a:fld>
             <a:endParaRPr lang="en-US">
               <a:solidFill>
@@ -3184,7 +3184,7 @@
           <a:p>
             <a:fld id="{0B49ECD6-2B5F-4BFE-A8F3-6C5940E5A932}" type="datetime1">
               <a:rPr lang="en-US" smtClean="0"/>
-              <a:t>6/3/2015</a:t>
+              <a:t>6/5/2015</a:t>
             </a:fld>
             <a:endParaRPr lang="en-US"/>
           </a:p>
@@ -3495,7 +3495,7 @@
                 </a:solidFill>
               </a:rPr>
               <a:pPr/>
-              <a:t>6/3/2015</a:t>
+              <a:t>6/5/2015</a:t>
             </a:fld>
             <a:endParaRPr lang="en-US">
               <a:solidFill>
@@ -3753,7 +3753,7 @@
                 </a:solidFill>
               </a:rPr>
               <a:pPr/>
-              <a:t>6/3/2015</a:t>
+              <a:t>6/5/2015</a:t>
             </a:fld>
             <a:endParaRPr lang="en-US" dirty="0">
               <a:solidFill>
@@ -4002,7 +4002,7 @@
                 </a:solidFill>
               </a:rPr>
               <a:pPr/>
-              <a:t>6/3/2015</a:t>
+              <a:t>6/5/2015</a:t>
             </a:fld>
             <a:endParaRPr lang="en-US">
               <a:solidFill>
@@ -4273,7 +4273,7 @@
           <a:p>
             <a:fld id="{152427C8-1870-4D04-BF1C-4B85DC18AB6D}" type="datetime1">
               <a:rPr lang="en-US" smtClean="0"/>
-              <a:t>6/3/2015</a:t>
+              <a:t>6/5/2015</a:t>
             </a:fld>
             <a:endParaRPr lang="en-US"/>
           </a:p>
@@ -4493,7 +4493,7 @@
           <a:p>
             <a:fld id="{094F81B1-FE33-4866-9415-4EA33D10F9E8}" type="datetime1">
               <a:rPr lang="en-US" smtClean="0"/>
-              <a:t>6/3/2015</a:t>
+              <a:t>6/5/2015</a:t>
             </a:fld>
             <a:endParaRPr lang="en-US"/>
           </a:p>
@@ -4727,7 +4727,7 @@
           <a:p>
             <a:fld id="{AE18C4A6-F14F-41E5-9C64-E690240F93F9}" type="datetime1">
               <a:rPr lang="en-US" smtClean="0"/>
-              <a:t>6/3/2015</a:t>
+              <a:t>6/5/2015</a:t>
             </a:fld>
             <a:endParaRPr lang="en-US"/>
           </a:p>
@@ -4966,7 +4966,7 @@
                 </a:solidFill>
               </a:rPr>
               <a:pPr/>
-              <a:t>6/3/2015</a:t>
+              <a:t>6/5/2015</a:t>
             </a:fld>
             <a:endParaRPr lang="en-US">
               <a:solidFill>
@@ -5221,7 +5221,7 @@
           <a:p>
             <a:fld id="{8E807F05-A7DA-4BF4-B992-4D1E30BA3021}" type="datetime1">
               <a:rPr lang="en-US" smtClean="0"/>
-              <a:t>6/3/2015</a:t>
+              <a:t>6/5/2015</a:t>
             </a:fld>
             <a:endParaRPr lang="en-US"/>
           </a:p>
@@ -5455,7 +5455,7 @@
           <a:p>
             <a:fld id="{EE679FBF-1C32-40EC-8A8D-F696D0F011B7}" type="datetime1">
               <a:rPr lang="en-US" smtClean="0"/>
-              <a:t>6/3/2015</a:t>
+              <a:t>6/5/2015</a:t>
             </a:fld>
             <a:endParaRPr lang="en-US"/>
           </a:p>
@@ -16930,7 +16930,7 @@
                 <a:gridCol w="2373524">
                   <a:extLst>
                     <a:ext uri="{9D8B030D-6E8A-4147-A177-3AD203B41FA5}">
-                      <a16:colId xmlns="" xmlns:a16="http://schemas.microsoft.com/office/drawing/2014/main" val="20000"/>
+                      <a16:colId xmlns:a16="http://schemas.microsoft.com/office/drawing/2014/main" xmlns="" val="20000"/>
                     </a:ext>
                   </a:extLst>
                 </a:gridCol>
@@ -16993,7 +16993,7 @@
                 </a:tc>
                 <a:extLst>
                   <a:ext uri="{0D108BD9-81ED-4DB2-BD59-A6C34878D82A}">
-                    <a16:rowId xmlns="" xmlns:a16="http://schemas.microsoft.com/office/drawing/2014/main" val="10000"/>
+                    <a16:rowId xmlns:a16="http://schemas.microsoft.com/office/drawing/2014/main" xmlns="" val="10000"/>
                   </a:ext>
                 </a:extLst>
               </a:tr>
@@ -17054,7 +17054,7 @@
                 </a:tc>
                 <a:extLst>
                   <a:ext uri="{0D108BD9-81ED-4DB2-BD59-A6C34878D82A}">
-                    <a16:rowId xmlns="" xmlns:a16="http://schemas.microsoft.com/office/drawing/2014/main" val="10001"/>
+                    <a16:rowId xmlns:a16="http://schemas.microsoft.com/office/drawing/2014/main" xmlns="" val="10001"/>
                   </a:ext>
                 </a:extLst>
               </a:tr>
@@ -17124,7 +17124,7 @@
                 </a:tc>
                 <a:extLst>
                   <a:ext uri="{0D108BD9-81ED-4DB2-BD59-A6C34878D82A}">
-                    <a16:rowId xmlns="" xmlns:a16="http://schemas.microsoft.com/office/drawing/2014/main" val="10002"/>
+                    <a16:rowId xmlns:a16="http://schemas.microsoft.com/office/drawing/2014/main" xmlns="" val="10002"/>
                   </a:ext>
                 </a:extLst>
               </a:tr>
@@ -17202,7 +17202,7 @@
                 </a:tc>
                 <a:extLst>
                   <a:ext uri="{0D108BD9-81ED-4DB2-BD59-A6C34878D82A}">
-                    <a16:rowId xmlns="" xmlns:a16="http://schemas.microsoft.com/office/drawing/2014/main" val="10007"/>
+                    <a16:rowId xmlns:a16="http://schemas.microsoft.com/office/drawing/2014/main" xmlns="" val="10007"/>
                   </a:ext>
                 </a:extLst>
               </a:tr>
@@ -17778,7 +17778,7 @@
                 <a:gridCol w="2373524">
                   <a:extLst>
                     <a:ext uri="{9D8B030D-6E8A-4147-A177-3AD203B41FA5}">
-                      <a16:colId xmlns="" xmlns:a16="http://schemas.microsoft.com/office/drawing/2014/main" val="20000"/>
+                      <a16:colId xmlns:a16="http://schemas.microsoft.com/office/drawing/2014/main" xmlns="" val="20000"/>
                     </a:ext>
                   </a:extLst>
                 </a:gridCol>
@@ -17841,7 +17841,7 @@
                 </a:tc>
                 <a:extLst>
                   <a:ext uri="{0D108BD9-81ED-4DB2-BD59-A6C34878D82A}">
-                    <a16:rowId xmlns="" xmlns:a16="http://schemas.microsoft.com/office/drawing/2014/main" val="10000"/>
+                    <a16:rowId xmlns:a16="http://schemas.microsoft.com/office/drawing/2014/main" xmlns="" val="10000"/>
                   </a:ext>
                 </a:extLst>
               </a:tr>
@@ -17902,7 +17902,7 @@
                 </a:tc>
                 <a:extLst>
                   <a:ext uri="{0D108BD9-81ED-4DB2-BD59-A6C34878D82A}">
-                    <a16:rowId xmlns="" xmlns:a16="http://schemas.microsoft.com/office/drawing/2014/main" val="10001"/>
+                    <a16:rowId xmlns:a16="http://schemas.microsoft.com/office/drawing/2014/main" xmlns="" val="10001"/>
                   </a:ext>
                 </a:extLst>
               </a:tr>
@@ -17972,7 +17972,7 @@
                 </a:tc>
                 <a:extLst>
                   <a:ext uri="{0D108BD9-81ED-4DB2-BD59-A6C34878D82A}">
-                    <a16:rowId xmlns="" xmlns:a16="http://schemas.microsoft.com/office/drawing/2014/main" val="10002"/>
+                    <a16:rowId xmlns:a16="http://schemas.microsoft.com/office/drawing/2014/main" xmlns="" val="10002"/>
                   </a:ext>
                 </a:extLst>
               </a:tr>
@@ -18050,7 +18050,7 @@
                 </a:tc>
                 <a:extLst>
                   <a:ext uri="{0D108BD9-81ED-4DB2-BD59-A6C34878D82A}">
-                    <a16:rowId xmlns="" xmlns:a16="http://schemas.microsoft.com/office/drawing/2014/main" val="10007"/>
+                    <a16:rowId xmlns:a16="http://schemas.microsoft.com/office/drawing/2014/main" xmlns="" val="10007"/>
                   </a:ext>
                 </a:extLst>
               </a:tr>
@@ -18227,7 +18227,7 @@
             </a:r>
             <a:r>
               <a:rPr lang="en-US" sz="1800" dirty="0" smtClean="0"/>
-              <a:t>custom user actions</a:t>
+              <a:t>users from creating sites from the user interface.</a:t>
             </a:r>
             <a:endParaRPr lang="en-US" sz="1800" dirty="0"/>
           </a:p>
@@ -18652,7 +18652,7 @@
                 <a:gridCol w="2373524">
                   <a:extLst>
                     <a:ext uri="{9D8B030D-6E8A-4147-A177-3AD203B41FA5}">
-                      <a16:colId xmlns="" xmlns:a16="http://schemas.microsoft.com/office/drawing/2014/main" val="20000"/>
+                      <a16:colId xmlns:a16="http://schemas.microsoft.com/office/drawing/2014/main" xmlns="" val="20000"/>
                     </a:ext>
                   </a:extLst>
                 </a:gridCol>
@@ -18715,7 +18715,7 @@
                 </a:tc>
                 <a:extLst>
                   <a:ext uri="{0D108BD9-81ED-4DB2-BD59-A6C34878D82A}">
-                    <a16:rowId xmlns="" xmlns:a16="http://schemas.microsoft.com/office/drawing/2014/main" val="10000"/>
+                    <a16:rowId xmlns:a16="http://schemas.microsoft.com/office/drawing/2014/main" xmlns="" val="10000"/>
                   </a:ext>
                 </a:extLst>
               </a:tr>
@@ -18776,7 +18776,7 @@
                 </a:tc>
                 <a:extLst>
                   <a:ext uri="{0D108BD9-81ED-4DB2-BD59-A6C34878D82A}">
-                    <a16:rowId xmlns="" xmlns:a16="http://schemas.microsoft.com/office/drawing/2014/main" val="10001"/>
+                    <a16:rowId xmlns:a16="http://schemas.microsoft.com/office/drawing/2014/main" xmlns="" val="10001"/>
                   </a:ext>
                 </a:extLst>
               </a:tr>
@@ -18846,7 +18846,7 @@
                 </a:tc>
                 <a:extLst>
                   <a:ext uri="{0D108BD9-81ED-4DB2-BD59-A6C34878D82A}">
-                    <a16:rowId xmlns="" xmlns:a16="http://schemas.microsoft.com/office/drawing/2014/main" val="10002"/>
+                    <a16:rowId xmlns:a16="http://schemas.microsoft.com/office/drawing/2014/main" xmlns="" val="10002"/>
                   </a:ext>
                 </a:extLst>
               </a:tr>
@@ -18924,7 +18924,7 @@
                 </a:tc>
                 <a:extLst>
                   <a:ext uri="{0D108BD9-81ED-4DB2-BD59-A6C34878D82A}">
-                    <a16:rowId xmlns="" xmlns:a16="http://schemas.microsoft.com/office/drawing/2014/main" val="10007"/>
+                    <a16:rowId xmlns:a16="http://schemas.microsoft.com/office/drawing/2014/main" xmlns="" val="10007"/>
                   </a:ext>
                 </a:extLst>
               </a:tr>
@@ -19433,7 +19433,7 @@
                 <a:gridCol w="2591254">
                   <a:extLst>
                     <a:ext uri="{9D8B030D-6E8A-4147-A177-3AD203B41FA5}">
-                      <a16:colId xmlns="" xmlns:a16="http://schemas.microsoft.com/office/drawing/2014/main" val="20000"/>
+                      <a16:colId xmlns:a16="http://schemas.microsoft.com/office/drawing/2014/main" xmlns="" val="20000"/>
                     </a:ext>
                   </a:extLst>
                 </a:gridCol>
@@ -19496,7 +19496,7 @@
                 </a:tc>
                 <a:extLst>
                   <a:ext uri="{0D108BD9-81ED-4DB2-BD59-A6C34878D82A}">
-                    <a16:rowId xmlns="" xmlns:a16="http://schemas.microsoft.com/office/drawing/2014/main" val="10000"/>
+                    <a16:rowId xmlns:a16="http://schemas.microsoft.com/office/drawing/2014/main" xmlns="" val="10000"/>
                   </a:ext>
                 </a:extLst>
               </a:tr>
@@ -19557,7 +19557,7 @@
                 </a:tc>
                 <a:extLst>
                   <a:ext uri="{0D108BD9-81ED-4DB2-BD59-A6C34878D82A}">
-                    <a16:rowId xmlns="" xmlns:a16="http://schemas.microsoft.com/office/drawing/2014/main" val="10001"/>
+                    <a16:rowId xmlns:a16="http://schemas.microsoft.com/office/drawing/2014/main" xmlns="" val="10001"/>
                   </a:ext>
                 </a:extLst>
               </a:tr>
@@ -19627,7 +19627,7 @@
                 </a:tc>
                 <a:extLst>
                   <a:ext uri="{0D108BD9-81ED-4DB2-BD59-A6C34878D82A}">
-                    <a16:rowId xmlns="" xmlns:a16="http://schemas.microsoft.com/office/drawing/2014/main" val="10002"/>
+                    <a16:rowId xmlns:a16="http://schemas.microsoft.com/office/drawing/2014/main" xmlns="" val="10002"/>
                   </a:ext>
                 </a:extLst>
               </a:tr>
@@ -19705,7 +19705,7 @@
                 </a:tc>
                 <a:extLst>
                   <a:ext uri="{0D108BD9-81ED-4DB2-BD59-A6C34878D82A}">
-                    <a16:rowId xmlns="" xmlns:a16="http://schemas.microsoft.com/office/drawing/2014/main" val="10007"/>
+                    <a16:rowId xmlns:a16="http://schemas.microsoft.com/office/drawing/2014/main" xmlns="" val="10007"/>
                   </a:ext>
                 </a:extLst>
               </a:tr>
@@ -20399,7 +20399,7 @@
                 <a:gridCol w="2743200">
                   <a:extLst>
                     <a:ext uri="{9D8B030D-6E8A-4147-A177-3AD203B41FA5}">
-                      <a16:colId xmlns="" xmlns:a16="http://schemas.microsoft.com/office/drawing/2014/main" val="20000"/>
+                      <a16:colId xmlns:a16="http://schemas.microsoft.com/office/drawing/2014/main" xmlns="" val="20000"/>
                     </a:ext>
                   </a:extLst>
                 </a:gridCol>
@@ -20482,7 +20482,7 @@
                 </a:tc>
                 <a:extLst>
                   <a:ext uri="{0D108BD9-81ED-4DB2-BD59-A6C34878D82A}">
-                    <a16:rowId xmlns="" xmlns:a16="http://schemas.microsoft.com/office/drawing/2014/main" val="10000"/>
+                    <a16:rowId xmlns:a16="http://schemas.microsoft.com/office/drawing/2014/main" xmlns="" val="10000"/>
                   </a:ext>
                 </a:extLst>
               </a:tr>
@@ -20543,7 +20543,7 @@
                 </a:tc>
                 <a:extLst>
                   <a:ext uri="{0D108BD9-81ED-4DB2-BD59-A6C34878D82A}">
-                    <a16:rowId xmlns="" xmlns:a16="http://schemas.microsoft.com/office/drawing/2014/main" val="10001"/>
+                    <a16:rowId xmlns:a16="http://schemas.microsoft.com/office/drawing/2014/main" xmlns="" val="10001"/>
                   </a:ext>
                 </a:extLst>
               </a:tr>
@@ -20613,7 +20613,7 @@
                 </a:tc>
                 <a:extLst>
                   <a:ext uri="{0D108BD9-81ED-4DB2-BD59-A6C34878D82A}">
-                    <a16:rowId xmlns="" xmlns:a16="http://schemas.microsoft.com/office/drawing/2014/main" val="10002"/>
+                    <a16:rowId xmlns:a16="http://schemas.microsoft.com/office/drawing/2014/main" xmlns="" val="10002"/>
                   </a:ext>
                 </a:extLst>
               </a:tr>
@@ -20691,7 +20691,7 @@
                 </a:tc>
                 <a:extLst>
                   <a:ext uri="{0D108BD9-81ED-4DB2-BD59-A6C34878D82A}">
-                    <a16:rowId xmlns="" xmlns:a16="http://schemas.microsoft.com/office/drawing/2014/main" val="10007"/>
+                    <a16:rowId xmlns:a16="http://schemas.microsoft.com/office/drawing/2014/main" xmlns="" val="10007"/>
                   </a:ext>
                 </a:extLst>
               </a:tr>
@@ -21681,7 +21681,7 @@
                 <a:gridCol w="2373524">
                   <a:extLst>
                     <a:ext uri="{9D8B030D-6E8A-4147-A177-3AD203B41FA5}">
-                      <a16:colId xmlns="" xmlns:a16="http://schemas.microsoft.com/office/drawing/2014/main" val="20000"/>
+                      <a16:colId xmlns:a16="http://schemas.microsoft.com/office/drawing/2014/main" xmlns="" val="20000"/>
                     </a:ext>
                   </a:extLst>
                 </a:gridCol>
@@ -21744,7 +21744,7 @@
                 </a:tc>
                 <a:extLst>
                   <a:ext uri="{0D108BD9-81ED-4DB2-BD59-A6C34878D82A}">
-                    <a16:rowId xmlns="" xmlns:a16="http://schemas.microsoft.com/office/drawing/2014/main" val="10000"/>
+                    <a16:rowId xmlns:a16="http://schemas.microsoft.com/office/drawing/2014/main" xmlns="" val="10000"/>
                   </a:ext>
                 </a:extLst>
               </a:tr>
@@ -21805,7 +21805,7 @@
                 </a:tc>
                 <a:extLst>
                   <a:ext uri="{0D108BD9-81ED-4DB2-BD59-A6C34878D82A}">
-                    <a16:rowId xmlns="" xmlns:a16="http://schemas.microsoft.com/office/drawing/2014/main" val="10001"/>
+                    <a16:rowId xmlns:a16="http://schemas.microsoft.com/office/drawing/2014/main" xmlns="" val="10001"/>
                   </a:ext>
                 </a:extLst>
               </a:tr>
@@ -21875,7 +21875,7 @@
                 </a:tc>
                 <a:extLst>
                   <a:ext uri="{0D108BD9-81ED-4DB2-BD59-A6C34878D82A}">
-                    <a16:rowId xmlns="" xmlns:a16="http://schemas.microsoft.com/office/drawing/2014/main" val="10002"/>
+                    <a16:rowId xmlns:a16="http://schemas.microsoft.com/office/drawing/2014/main" xmlns="" val="10002"/>
                   </a:ext>
                 </a:extLst>
               </a:tr>
@@ -21953,7 +21953,7 @@
                 </a:tc>
                 <a:extLst>
                   <a:ext uri="{0D108BD9-81ED-4DB2-BD59-A6C34878D82A}">
-                    <a16:rowId xmlns="" xmlns:a16="http://schemas.microsoft.com/office/drawing/2014/main" val="10007"/>
+                    <a16:rowId xmlns:a16="http://schemas.microsoft.com/office/drawing/2014/main" xmlns="" val="10007"/>
                   </a:ext>
                 </a:extLst>
               </a:tr>
@@ -22453,7 +22453,7 @@
                 <a:gridCol w="2373524">
                   <a:extLst>
                     <a:ext uri="{9D8B030D-6E8A-4147-A177-3AD203B41FA5}">
-                      <a16:colId xmlns="" xmlns:a16="http://schemas.microsoft.com/office/drawing/2014/main" val="20000"/>
+                      <a16:colId xmlns:a16="http://schemas.microsoft.com/office/drawing/2014/main" xmlns="" val="20000"/>
                     </a:ext>
                   </a:extLst>
                 </a:gridCol>
@@ -22516,7 +22516,7 @@
                 </a:tc>
                 <a:extLst>
                   <a:ext uri="{0D108BD9-81ED-4DB2-BD59-A6C34878D82A}">
-                    <a16:rowId xmlns="" xmlns:a16="http://schemas.microsoft.com/office/drawing/2014/main" val="10000"/>
+                    <a16:rowId xmlns:a16="http://schemas.microsoft.com/office/drawing/2014/main" xmlns="" val="10000"/>
                   </a:ext>
                 </a:extLst>
               </a:tr>
@@ -22577,7 +22577,7 @@
                 </a:tc>
                 <a:extLst>
                   <a:ext uri="{0D108BD9-81ED-4DB2-BD59-A6C34878D82A}">
-                    <a16:rowId xmlns="" xmlns:a16="http://schemas.microsoft.com/office/drawing/2014/main" val="10001"/>
+                    <a16:rowId xmlns:a16="http://schemas.microsoft.com/office/drawing/2014/main" xmlns="" val="10001"/>
                   </a:ext>
                 </a:extLst>
               </a:tr>
@@ -22647,7 +22647,7 @@
                 </a:tc>
                 <a:extLst>
                   <a:ext uri="{0D108BD9-81ED-4DB2-BD59-A6C34878D82A}">
-                    <a16:rowId xmlns="" xmlns:a16="http://schemas.microsoft.com/office/drawing/2014/main" val="10002"/>
+                    <a16:rowId xmlns:a16="http://schemas.microsoft.com/office/drawing/2014/main" xmlns="" val="10002"/>
                   </a:ext>
                 </a:extLst>
               </a:tr>
@@ -22725,7 +22725,7 @@
                 </a:tc>
                 <a:extLst>
                   <a:ext uri="{0D108BD9-81ED-4DB2-BD59-A6C34878D82A}">
-                    <a16:rowId xmlns="" xmlns:a16="http://schemas.microsoft.com/office/drawing/2014/main" val="10007"/>
+                    <a16:rowId xmlns:a16="http://schemas.microsoft.com/office/drawing/2014/main" xmlns="" val="10007"/>
                   </a:ext>
                 </a:extLst>
               </a:tr>
@@ -23382,7 +23382,7 @@
                 <a:gridCol w="2373524">
                   <a:extLst>
                     <a:ext uri="{9D8B030D-6E8A-4147-A177-3AD203B41FA5}">
-                      <a16:colId xmlns="" xmlns:a16="http://schemas.microsoft.com/office/drawing/2014/main" val="20000"/>
+                      <a16:colId xmlns:a16="http://schemas.microsoft.com/office/drawing/2014/main" xmlns="" val="20000"/>
                     </a:ext>
                   </a:extLst>
                 </a:gridCol>
@@ -23445,7 +23445,7 @@
                 </a:tc>
                 <a:extLst>
                   <a:ext uri="{0D108BD9-81ED-4DB2-BD59-A6C34878D82A}">
-                    <a16:rowId xmlns="" xmlns:a16="http://schemas.microsoft.com/office/drawing/2014/main" val="10000"/>
+                    <a16:rowId xmlns:a16="http://schemas.microsoft.com/office/drawing/2014/main" xmlns="" val="10000"/>
                   </a:ext>
                 </a:extLst>
               </a:tr>
@@ -23506,7 +23506,7 @@
                 </a:tc>
                 <a:extLst>
                   <a:ext uri="{0D108BD9-81ED-4DB2-BD59-A6C34878D82A}">
-                    <a16:rowId xmlns="" xmlns:a16="http://schemas.microsoft.com/office/drawing/2014/main" val="10001"/>
+                    <a16:rowId xmlns:a16="http://schemas.microsoft.com/office/drawing/2014/main" xmlns="" val="10001"/>
                   </a:ext>
                 </a:extLst>
               </a:tr>
@@ -23576,7 +23576,7 @@
                 </a:tc>
                 <a:extLst>
                   <a:ext uri="{0D108BD9-81ED-4DB2-BD59-A6C34878D82A}">
-                    <a16:rowId xmlns="" xmlns:a16="http://schemas.microsoft.com/office/drawing/2014/main" val="10002"/>
+                    <a16:rowId xmlns:a16="http://schemas.microsoft.com/office/drawing/2014/main" xmlns="" val="10002"/>
                   </a:ext>
                 </a:extLst>
               </a:tr>
@@ -23654,7 +23654,7 @@
                 </a:tc>
                 <a:extLst>
                   <a:ext uri="{0D108BD9-81ED-4DB2-BD59-A6C34878D82A}">
-                    <a16:rowId xmlns="" xmlns:a16="http://schemas.microsoft.com/office/drawing/2014/main" val="10007"/>
+                    <a16:rowId xmlns:a16="http://schemas.microsoft.com/office/drawing/2014/main" xmlns="" val="10007"/>
                   </a:ext>
                 </a:extLst>
               </a:tr>
@@ -24200,7 +24200,7 @@
                 <a:gridCol w="2373524">
                   <a:extLst>
                     <a:ext uri="{9D8B030D-6E8A-4147-A177-3AD203B41FA5}">
-                      <a16:colId xmlns="" xmlns:a16="http://schemas.microsoft.com/office/drawing/2014/main" val="20000"/>
+                      <a16:colId xmlns:a16="http://schemas.microsoft.com/office/drawing/2014/main" xmlns="" val="20000"/>
                     </a:ext>
                   </a:extLst>
                 </a:gridCol>
@@ -24263,7 +24263,7 @@
                 </a:tc>
                 <a:extLst>
                   <a:ext uri="{0D108BD9-81ED-4DB2-BD59-A6C34878D82A}">
-                    <a16:rowId xmlns="" xmlns:a16="http://schemas.microsoft.com/office/drawing/2014/main" val="10000"/>
+                    <a16:rowId xmlns:a16="http://schemas.microsoft.com/office/drawing/2014/main" xmlns="" val="10000"/>
                   </a:ext>
                 </a:extLst>
               </a:tr>
@@ -24324,7 +24324,7 @@
                 </a:tc>
                 <a:extLst>
                   <a:ext uri="{0D108BD9-81ED-4DB2-BD59-A6C34878D82A}">
-                    <a16:rowId xmlns="" xmlns:a16="http://schemas.microsoft.com/office/drawing/2014/main" val="10001"/>
+                    <a16:rowId xmlns:a16="http://schemas.microsoft.com/office/drawing/2014/main" xmlns="" val="10001"/>
                   </a:ext>
                 </a:extLst>
               </a:tr>
@@ -24394,7 +24394,7 @@
                 </a:tc>
                 <a:extLst>
                   <a:ext uri="{0D108BD9-81ED-4DB2-BD59-A6C34878D82A}">
-                    <a16:rowId xmlns="" xmlns:a16="http://schemas.microsoft.com/office/drawing/2014/main" val="10002"/>
+                    <a16:rowId xmlns:a16="http://schemas.microsoft.com/office/drawing/2014/main" xmlns="" val="10002"/>
                   </a:ext>
                 </a:extLst>
               </a:tr>
@@ -24472,7 +24472,7 @@
                 </a:tc>
                 <a:extLst>
                   <a:ext uri="{0D108BD9-81ED-4DB2-BD59-A6C34878D82A}">
-                    <a16:rowId xmlns="" xmlns:a16="http://schemas.microsoft.com/office/drawing/2014/main" val="10007"/>
+                    <a16:rowId xmlns:a16="http://schemas.microsoft.com/office/drawing/2014/main" xmlns="" val="10007"/>
                   </a:ext>
                 </a:extLst>
               </a:tr>
@@ -24682,7 +24682,7 @@
                 <a:gridCol w="2373524">
                   <a:extLst>
                     <a:ext uri="{9D8B030D-6E8A-4147-A177-3AD203B41FA5}">
-                      <a16:colId xmlns="" xmlns:a16="http://schemas.microsoft.com/office/drawing/2014/main" val="20000"/>
+                      <a16:colId xmlns:a16="http://schemas.microsoft.com/office/drawing/2014/main" xmlns="" val="20000"/>
                     </a:ext>
                   </a:extLst>
                 </a:gridCol>
@@ -24745,7 +24745,7 @@
                 </a:tc>
                 <a:extLst>
                   <a:ext uri="{0D108BD9-81ED-4DB2-BD59-A6C34878D82A}">
-                    <a16:rowId xmlns="" xmlns:a16="http://schemas.microsoft.com/office/drawing/2014/main" val="10000"/>
+                    <a16:rowId xmlns:a16="http://schemas.microsoft.com/office/drawing/2014/main" xmlns="" val="10000"/>
                   </a:ext>
                 </a:extLst>
               </a:tr>
@@ -24806,7 +24806,7 @@
                 </a:tc>
                 <a:extLst>
                   <a:ext uri="{0D108BD9-81ED-4DB2-BD59-A6C34878D82A}">
-                    <a16:rowId xmlns="" xmlns:a16="http://schemas.microsoft.com/office/drawing/2014/main" val="10001"/>
+                    <a16:rowId xmlns:a16="http://schemas.microsoft.com/office/drawing/2014/main" xmlns="" val="10001"/>
                   </a:ext>
                 </a:extLst>
               </a:tr>
@@ -24884,7 +24884,7 @@
                 </a:tc>
                 <a:extLst>
                   <a:ext uri="{0D108BD9-81ED-4DB2-BD59-A6C34878D82A}">
-                    <a16:rowId xmlns="" xmlns:a16="http://schemas.microsoft.com/office/drawing/2014/main" val="10002"/>
+                    <a16:rowId xmlns:a16="http://schemas.microsoft.com/office/drawing/2014/main" xmlns="" val="10002"/>
                   </a:ext>
                 </a:extLst>
               </a:tr>
@@ -24966,7 +24966,7 @@
                 </a:tc>
                 <a:extLst>
                   <a:ext uri="{0D108BD9-81ED-4DB2-BD59-A6C34878D82A}">
-                    <a16:rowId xmlns="" xmlns:a16="http://schemas.microsoft.com/office/drawing/2014/main" val="10007"/>
+                    <a16:rowId xmlns:a16="http://schemas.microsoft.com/office/drawing/2014/main" xmlns="" val="10007"/>
                   </a:ext>
                 </a:extLst>
               </a:tr>
@@ -25835,7 +25835,7 @@
                 <a:gridCol w="2743200">
                   <a:extLst>
                     <a:ext uri="{9D8B030D-6E8A-4147-A177-3AD203B41FA5}">
-                      <a16:colId xmlns="" xmlns:a16="http://schemas.microsoft.com/office/drawing/2014/main" val="20000"/>
+                      <a16:colId xmlns:a16="http://schemas.microsoft.com/office/drawing/2014/main" xmlns="" val="20000"/>
                     </a:ext>
                   </a:extLst>
                 </a:gridCol>
@@ -25898,7 +25898,7 @@
                 </a:tc>
                 <a:extLst>
                   <a:ext uri="{0D108BD9-81ED-4DB2-BD59-A6C34878D82A}">
-                    <a16:rowId xmlns="" xmlns:a16="http://schemas.microsoft.com/office/drawing/2014/main" val="10000"/>
+                    <a16:rowId xmlns:a16="http://schemas.microsoft.com/office/drawing/2014/main" xmlns="" val="10000"/>
                   </a:ext>
                 </a:extLst>
               </a:tr>
@@ -25959,7 +25959,7 @@
                 </a:tc>
                 <a:extLst>
                   <a:ext uri="{0D108BD9-81ED-4DB2-BD59-A6C34878D82A}">
-                    <a16:rowId xmlns="" xmlns:a16="http://schemas.microsoft.com/office/drawing/2014/main" val="10001"/>
+                    <a16:rowId xmlns:a16="http://schemas.microsoft.com/office/drawing/2014/main" xmlns="" val="10001"/>
                   </a:ext>
                 </a:extLst>
               </a:tr>
@@ -26029,7 +26029,7 @@
                 </a:tc>
                 <a:extLst>
                   <a:ext uri="{0D108BD9-81ED-4DB2-BD59-A6C34878D82A}">
-                    <a16:rowId xmlns="" xmlns:a16="http://schemas.microsoft.com/office/drawing/2014/main" val="10002"/>
+                    <a16:rowId xmlns:a16="http://schemas.microsoft.com/office/drawing/2014/main" xmlns="" val="10002"/>
                   </a:ext>
                 </a:extLst>
               </a:tr>
@@ -26111,7 +26111,7 @@
                 </a:tc>
                 <a:extLst>
                   <a:ext uri="{0D108BD9-81ED-4DB2-BD59-A6C34878D82A}">
-                    <a16:rowId xmlns="" xmlns:a16="http://schemas.microsoft.com/office/drawing/2014/main" val="10007"/>
+                    <a16:rowId xmlns:a16="http://schemas.microsoft.com/office/drawing/2014/main" xmlns="" val="10007"/>
                   </a:ext>
                 </a:extLst>
               </a:tr>
@@ -31903,28 +31903,28 @@
                 <a:gridCol w="2794925">
                   <a:extLst>
                     <a:ext uri="{9D8B030D-6E8A-4147-A177-3AD203B41FA5}">
-                      <a16:colId xmlns="" xmlns:a16="http://schemas.microsoft.com/office/drawing/2014/main" val="20000"/>
+                      <a16:colId xmlns:a16="http://schemas.microsoft.com/office/drawing/2014/main" xmlns="" val="20000"/>
                     </a:ext>
                   </a:extLst>
                 </a:gridCol>
                 <a:gridCol w="2683565">
                   <a:extLst>
                     <a:ext uri="{9D8B030D-6E8A-4147-A177-3AD203B41FA5}">
-                      <a16:colId xmlns="" xmlns:a16="http://schemas.microsoft.com/office/drawing/2014/main" val="20001"/>
+                      <a16:colId xmlns:a16="http://schemas.microsoft.com/office/drawing/2014/main" xmlns="" val="20001"/>
                     </a:ext>
                   </a:extLst>
                 </a:gridCol>
                 <a:gridCol w="2623930">
                   <a:extLst>
                     <a:ext uri="{9D8B030D-6E8A-4147-A177-3AD203B41FA5}">
-                      <a16:colId xmlns="" xmlns:a16="http://schemas.microsoft.com/office/drawing/2014/main" val="20002"/>
+                      <a16:colId xmlns:a16="http://schemas.microsoft.com/office/drawing/2014/main" xmlns="" val="20002"/>
                     </a:ext>
                   </a:extLst>
                 </a:gridCol>
                 <a:gridCol w="2855843">
                   <a:extLst>
                     <a:ext uri="{9D8B030D-6E8A-4147-A177-3AD203B41FA5}">
-                      <a16:colId xmlns="" xmlns:a16="http://schemas.microsoft.com/office/drawing/2014/main" val="20003"/>
+                      <a16:colId xmlns:a16="http://schemas.microsoft.com/office/drawing/2014/main" xmlns="" val="20003"/>
                     </a:ext>
                   </a:extLst>
                 </a:gridCol>
@@ -32141,7 +32141,7 @@
                 </a:tc>
                 <a:extLst>
                   <a:ext uri="{0D108BD9-81ED-4DB2-BD59-A6C34878D82A}">
-                    <a16:rowId xmlns="" xmlns:a16="http://schemas.microsoft.com/office/drawing/2014/main" val="10000"/>
+                    <a16:rowId xmlns:a16="http://schemas.microsoft.com/office/drawing/2014/main" xmlns="" val="10000"/>
                   </a:ext>
                 </a:extLst>
               </a:tr>
@@ -32359,7 +32359,7 @@
                 </a:tc>
                 <a:extLst>
                   <a:ext uri="{0D108BD9-81ED-4DB2-BD59-A6C34878D82A}">
-                    <a16:rowId xmlns="" xmlns:a16="http://schemas.microsoft.com/office/drawing/2014/main" val="10001"/>
+                    <a16:rowId xmlns:a16="http://schemas.microsoft.com/office/drawing/2014/main" xmlns="" val="10001"/>
                   </a:ext>
                 </a:extLst>
               </a:tr>
@@ -32876,7 +32876,7 @@
                 </a:tc>
                 <a:extLst>
                   <a:ext uri="{0D108BD9-81ED-4DB2-BD59-A6C34878D82A}">
-                    <a16:rowId xmlns="" xmlns:a16="http://schemas.microsoft.com/office/drawing/2014/main" val="10002"/>
+                    <a16:rowId xmlns:a16="http://schemas.microsoft.com/office/drawing/2014/main" xmlns="" val="10002"/>
                   </a:ext>
                 </a:extLst>
               </a:tr>
@@ -34123,28 +34123,28 @@
                 <a:gridCol w="2794925">
                   <a:extLst>
                     <a:ext uri="{9D8B030D-6E8A-4147-A177-3AD203B41FA5}">
-                      <a16:colId xmlns="" xmlns:a16="http://schemas.microsoft.com/office/drawing/2014/main" val="20000"/>
+                      <a16:colId xmlns:a16="http://schemas.microsoft.com/office/drawing/2014/main" xmlns="" val="20000"/>
                     </a:ext>
                   </a:extLst>
                 </a:gridCol>
                 <a:gridCol w="2683565">
                   <a:extLst>
                     <a:ext uri="{9D8B030D-6E8A-4147-A177-3AD203B41FA5}">
-                      <a16:colId xmlns="" xmlns:a16="http://schemas.microsoft.com/office/drawing/2014/main" val="20001"/>
+                      <a16:colId xmlns:a16="http://schemas.microsoft.com/office/drawing/2014/main" xmlns="" val="20001"/>
                     </a:ext>
                   </a:extLst>
                 </a:gridCol>
                 <a:gridCol w="2782957">
                   <a:extLst>
                     <a:ext uri="{9D8B030D-6E8A-4147-A177-3AD203B41FA5}">
-                      <a16:colId xmlns="" xmlns:a16="http://schemas.microsoft.com/office/drawing/2014/main" val="20002"/>
+                      <a16:colId xmlns:a16="http://schemas.microsoft.com/office/drawing/2014/main" xmlns="" val="20002"/>
                     </a:ext>
                   </a:extLst>
                 </a:gridCol>
                 <a:gridCol w="2696816">
                   <a:extLst>
                     <a:ext uri="{9D8B030D-6E8A-4147-A177-3AD203B41FA5}">
-                      <a16:colId xmlns="" xmlns:a16="http://schemas.microsoft.com/office/drawing/2014/main" val="20003"/>
+                      <a16:colId xmlns:a16="http://schemas.microsoft.com/office/drawing/2014/main" xmlns="" val="20003"/>
                     </a:ext>
                   </a:extLst>
                 </a:gridCol>
@@ -34361,7 +34361,7 @@
                 </a:tc>
                 <a:extLst>
                   <a:ext uri="{0D108BD9-81ED-4DB2-BD59-A6C34878D82A}">
-                    <a16:rowId xmlns="" xmlns:a16="http://schemas.microsoft.com/office/drawing/2014/main" val="10000"/>
+                    <a16:rowId xmlns:a16="http://schemas.microsoft.com/office/drawing/2014/main" xmlns="" val="10000"/>
                   </a:ext>
                 </a:extLst>
               </a:tr>
@@ -34579,7 +34579,7 @@
                 </a:tc>
                 <a:extLst>
                   <a:ext uri="{0D108BD9-81ED-4DB2-BD59-A6C34878D82A}">
-                    <a16:rowId xmlns="" xmlns:a16="http://schemas.microsoft.com/office/drawing/2014/main" val="10001"/>
+                    <a16:rowId xmlns:a16="http://schemas.microsoft.com/office/drawing/2014/main" xmlns="" val="10001"/>
                   </a:ext>
                 </a:extLst>
               </a:tr>
@@ -35151,7 +35151,7 @@
                 </a:tc>
                 <a:extLst>
                   <a:ext uri="{0D108BD9-81ED-4DB2-BD59-A6C34878D82A}">
-                    <a16:rowId xmlns="" xmlns:a16="http://schemas.microsoft.com/office/drawing/2014/main" val="10002"/>
+                    <a16:rowId xmlns:a16="http://schemas.microsoft.com/office/drawing/2014/main" xmlns="" val="10002"/>
                   </a:ext>
                 </a:extLst>
               </a:tr>
@@ -37928,28 +37928,28 @@
                 <a:gridCol w="5965345">
                   <a:extLst>
                     <a:ext uri="{9D8B030D-6E8A-4147-A177-3AD203B41FA5}">
-                      <a16:colId xmlns:a16="http://schemas.microsoft.com/office/drawing/2014/main" xmlns="" val="20000"/>
+                      <a16:colId xmlns="" xmlns:a16="http://schemas.microsoft.com/office/drawing/2014/main" val="20000"/>
                     </a:ext>
                   </a:extLst>
                 </a:gridCol>
                 <a:gridCol w="568903">
                   <a:extLst>
                     <a:ext uri="{9D8B030D-6E8A-4147-A177-3AD203B41FA5}">
-                      <a16:colId xmlns:a16="http://schemas.microsoft.com/office/drawing/2014/main" xmlns="" val="20001"/>
+                      <a16:colId xmlns="" xmlns:a16="http://schemas.microsoft.com/office/drawing/2014/main" val="20001"/>
                     </a:ext>
                   </a:extLst>
                 </a:gridCol>
                 <a:gridCol w="520140">
                   <a:extLst>
                     <a:ext uri="{9D8B030D-6E8A-4147-A177-3AD203B41FA5}">
-                      <a16:colId xmlns:a16="http://schemas.microsoft.com/office/drawing/2014/main" xmlns="" val="20002"/>
+                      <a16:colId xmlns="" xmlns:a16="http://schemas.microsoft.com/office/drawing/2014/main" val="20002"/>
                     </a:ext>
                   </a:extLst>
                 </a:gridCol>
                 <a:gridCol w="520140">
                   <a:extLst>
                     <a:ext uri="{9D8B030D-6E8A-4147-A177-3AD203B41FA5}">
-                      <a16:colId xmlns:a16="http://schemas.microsoft.com/office/drawing/2014/main" xmlns="" val="2588272693"/>
+                      <a16:colId xmlns="" xmlns:a16="http://schemas.microsoft.com/office/drawing/2014/main" val="2588272693"/>
                     </a:ext>
                   </a:extLst>
                 </a:gridCol>
@@ -38055,7 +38055,7 @@
                 </a:tc>
                 <a:extLst>
                   <a:ext uri="{0D108BD9-81ED-4DB2-BD59-A6C34878D82A}">
-                    <a16:rowId xmlns:a16="http://schemas.microsoft.com/office/drawing/2014/main" xmlns="" val="10000"/>
+                    <a16:rowId xmlns="" xmlns:a16="http://schemas.microsoft.com/office/drawing/2014/main" val="10000"/>
                   </a:ext>
                 </a:extLst>
               </a:tr>
@@ -38172,7 +38172,7 @@
                 </a:tc>
                 <a:extLst>
                   <a:ext uri="{0D108BD9-81ED-4DB2-BD59-A6C34878D82A}">
-                    <a16:rowId xmlns:a16="http://schemas.microsoft.com/office/drawing/2014/main" xmlns="" val="10001"/>
+                    <a16:rowId xmlns="" xmlns:a16="http://schemas.microsoft.com/office/drawing/2014/main" val="10001"/>
                   </a:ext>
                 </a:extLst>
               </a:tr>
@@ -38294,7 +38294,7 @@
                 </a:tc>
                 <a:extLst>
                   <a:ext uri="{0D108BD9-81ED-4DB2-BD59-A6C34878D82A}">
-                    <a16:rowId xmlns:a16="http://schemas.microsoft.com/office/drawing/2014/main" xmlns="" val="10002"/>
+                    <a16:rowId xmlns="" xmlns:a16="http://schemas.microsoft.com/office/drawing/2014/main" val="10002"/>
                   </a:ext>
                 </a:extLst>
               </a:tr>
@@ -38416,7 +38416,7 @@
                 </a:tc>
                 <a:extLst>
                   <a:ext uri="{0D108BD9-81ED-4DB2-BD59-A6C34878D82A}">
-                    <a16:rowId xmlns:a16="http://schemas.microsoft.com/office/drawing/2014/main" xmlns="" val="10003"/>
+                    <a16:rowId xmlns="" xmlns:a16="http://schemas.microsoft.com/office/drawing/2014/main" val="10003"/>
                   </a:ext>
                 </a:extLst>
               </a:tr>
@@ -38538,7 +38538,7 @@
                 </a:tc>
                 <a:extLst>
                   <a:ext uri="{0D108BD9-81ED-4DB2-BD59-A6C34878D82A}">
-                    <a16:rowId xmlns:a16="http://schemas.microsoft.com/office/drawing/2014/main" xmlns="" val="10004"/>
+                    <a16:rowId xmlns="" xmlns:a16="http://schemas.microsoft.com/office/drawing/2014/main" val="10004"/>
                   </a:ext>
                 </a:extLst>
               </a:tr>
@@ -38660,7 +38660,7 @@
                 </a:tc>
                 <a:extLst>
                   <a:ext uri="{0D108BD9-81ED-4DB2-BD59-A6C34878D82A}">
-                    <a16:rowId xmlns:a16="http://schemas.microsoft.com/office/drawing/2014/main" xmlns="" val="10005"/>
+                    <a16:rowId xmlns="" xmlns:a16="http://schemas.microsoft.com/office/drawing/2014/main" val="10005"/>
                   </a:ext>
                 </a:extLst>
               </a:tr>
@@ -38782,7 +38782,7 @@
                 </a:tc>
                 <a:extLst>
                   <a:ext uri="{0D108BD9-81ED-4DB2-BD59-A6C34878D82A}">
-                    <a16:rowId xmlns:a16="http://schemas.microsoft.com/office/drawing/2014/main" xmlns="" val="10006"/>
+                    <a16:rowId xmlns="" xmlns:a16="http://schemas.microsoft.com/office/drawing/2014/main" val="10006"/>
                   </a:ext>
                 </a:extLst>
               </a:tr>
@@ -39924,28 +39924,28 @@
                 <a:gridCol w="5965345">
                   <a:extLst>
                     <a:ext uri="{9D8B030D-6E8A-4147-A177-3AD203B41FA5}">
-                      <a16:colId xmlns:a16="http://schemas.microsoft.com/office/drawing/2014/main" xmlns="" val="20000"/>
+                      <a16:colId xmlns="" xmlns:a16="http://schemas.microsoft.com/office/drawing/2014/main" val="20000"/>
                     </a:ext>
                   </a:extLst>
                 </a:gridCol>
                 <a:gridCol w="568903">
                   <a:extLst>
                     <a:ext uri="{9D8B030D-6E8A-4147-A177-3AD203B41FA5}">
-                      <a16:colId xmlns:a16="http://schemas.microsoft.com/office/drawing/2014/main" xmlns="" val="20001"/>
+                      <a16:colId xmlns="" xmlns:a16="http://schemas.microsoft.com/office/drawing/2014/main" val="20001"/>
                     </a:ext>
                   </a:extLst>
                 </a:gridCol>
                 <a:gridCol w="520140">
                   <a:extLst>
                     <a:ext uri="{9D8B030D-6E8A-4147-A177-3AD203B41FA5}">
-                      <a16:colId xmlns:a16="http://schemas.microsoft.com/office/drawing/2014/main" xmlns="" val="20002"/>
+                      <a16:colId xmlns="" xmlns:a16="http://schemas.microsoft.com/office/drawing/2014/main" val="20002"/>
                     </a:ext>
                   </a:extLst>
                 </a:gridCol>
                 <a:gridCol w="520140">
                   <a:extLst>
                     <a:ext uri="{9D8B030D-6E8A-4147-A177-3AD203B41FA5}">
-                      <a16:colId xmlns:a16="http://schemas.microsoft.com/office/drawing/2014/main" xmlns="" val="1173184688"/>
+                      <a16:colId xmlns="" xmlns:a16="http://schemas.microsoft.com/office/drawing/2014/main" val="1173184688"/>
                     </a:ext>
                   </a:extLst>
                 </a:gridCol>
@@ -40051,7 +40051,7 @@
                 </a:tc>
                 <a:extLst>
                   <a:ext uri="{0D108BD9-81ED-4DB2-BD59-A6C34878D82A}">
-                    <a16:rowId xmlns:a16="http://schemas.microsoft.com/office/drawing/2014/main" xmlns="" val="10000"/>
+                    <a16:rowId xmlns="" xmlns:a16="http://schemas.microsoft.com/office/drawing/2014/main" val="10000"/>
                   </a:ext>
                 </a:extLst>
               </a:tr>
@@ -40169,7 +40169,7 @@
                 </a:tc>
                 <a:extLst>
                   <a:ext uri="{0D108BD9-81ED-4DB2-BD59-A6C34878D82A}">
-                    <a16:rowId xmlns:a16="http://schemas.microsoft.com/office/drawing/2014/main" xmlns="" val="10002"/>
+                    <a16:rowId xmlns="" xmlns:a16="http://schemas.microsoft.com/office/drawing/2014/main" val="10002"/>
                   </a:ext>
                 </a:extLst>
               </a:tr>
@@ -40292,7 +40292,7 @@
                 </a:tc>
                 <a:extLst>
                   <a:ext uri="{0D108BD9-81ED-4DB2-BD59-A6C34878D82A}">
-                    <a16:rowId xmlns:a16="http://schemas.microsoft.com/office/drawing/2014/main" xmlns="" val="10003"/>
+                    <a16:rowId xmlns="" xmlns:a16="http://schemas.microsoft.com/office/drawing/2014/main" val="10003"/>
                   </a:ext>
                 </a:extLst>
               </a:tr>
@@ -40416,7 +40416,7 @@
                 </a:tc>
                 <a:extLst>
                   <a:ext uri="{0D108BD9-81ED-4DB2-BD59-A6C34878D82A}">
-                    <a16:rowId xmlns:a16="http://schemas.microsoft.com/office/drawing/2014/main" xmlns="" val="10004"/>
+                    <a16:rowId xmlns="" xmlns:a16="http://schemas.microsoft.com/office/drawing/2014/main" val="10004"/>
                   </a:ext>
                 </a:extLst>
               </a:tr>
@@ -40556,7 +40556,7 @@
                 </a:tc>
                 <a:extLst>
                   <a:ext uri="{0D108BD9-81ED-4DB2-BD59-A6C34878D82A}">
-                    <a16:rowId xmlns:a16="http://schemas.microsoft.com/office/drawing/2014/main" xmlns="" val="10005"/>
+                    <a16:rowId xmlns="" xmlns:a16="http://schemas.microsoft.com/office/drawing/2014/main" val="10005"/>
                   </a:ext>
                 </a:extLst>
               </a:tr>
@@ -43539,14 +43539,14 @@
                 <a:gridCol w="4229100">
                   <a:extLst>
                     <a:ext uri="{9D8B030D-6E8A-4147-A177-3AD203B41FA5}">
-                      <a16:colId xmlns="" xmlns:a16="http://schemas.microsoft.com/office/drawing/2014/main" val="20000"/>
+                      <a16:colId xmlns:a16="http://schemas.microsoft.com/office/drawing/2014/main" xmlns="" val="20000"/>
                     </a:ext>
                   </a:extLst>
                 </a:gridCol>
                 <a:gridCol w="542926">
                   <a:extLst>
                     <a:ext uri="{9D8B030D-6E8A-4147-A177-3AD203B41FA5}">
-                      <a16:colId xmlns="" xmlns:a16="http://schemas.microsoft.com/office/drawing/2014/main" val="20001"/>
+                      <a16:colId xmlns:a16="http://schemas.microsoft.com/office/drawing/2014/main" xmlns="" val="20001"/>
                     </a:ext>
                   </a:extLst>
                 </a:gridCol>
@@ -43608,7 +43608,7 @@
                 </a:tc>
                 <a:extLst>
                   <a:ext uri="{0D108BD9-81ED-4DB2-BD59-A6C34878D82A}">
-                    <a16:rowId xmlns="" xmlns:a16="http://schemas.microsoft.com/office/drawing/2014/main" val="10000"/>
+                    <a16:rowId xmlns:a16="http://schemas.microsoft.com/office/drawing/2014/main" xmlns="" val="10000"/>
                   </a:ext>
                 </a:extLst>
               </a:tr>
@@ -43678,7 +43678,7 @@
                 </a:tc>
                 <a:extLst>
                   <a:ext uri="{0D108BD9-81ED-4DB2-BD59-A6C34878D82A}">
-                    <a16:rowId xmlns="" xmlns:a16="http://schemas.microsoft.com/office/drawing/2014/main" val="10001"/>
+                    <a16:rowId xmlns:a16="http://schemas.microsoft.com/office/drawing/2014/main" xmlns="" val="10001"/>
                   </a:ext>
                 </a:extLst>
               </a:tr>
@@ -43746,7 +43746,7 @@
                 </a:tc>
                 <a:extLst>
                   <a:ext uri="{0D108BD9-81ED-4DB2-BD59-A6C34878D82A}">
-                    <a16:rowId xmlns="" xmlns:a16="http://schemas.microsoft.com/office/drawing/2014/main" val="10002"/>
+                    <a16:rowId xmlns:a16="http://schemas.microsoft.com/office/drawing/2014/main" xmlns="" val="10002"/>
                   </a:ext>
                 </a:extLst>
               </a:tr>
@@ -43819,7 +43819,7 @@
                 </a:tc>
                 <a:extLst>
                   <a:ext uri="{0D108BD9-81ED-4DB2-BD59-A6C34878D82A}">
-                    <a16:rowId xmlns="" xmlns:a16="http://schemas.microsoft.com/office/drawing/2014/main" val="10003"/>
+                    <a16:rowId xmlns:a16="http://schemas.microsoft.com/office/drawing/2014/main" xmlns="" val="10003"/>
                   </a:ext>
                 </a:extLst>
               </a:tr>
@@ -43901,7 +43901,7 @@
                 </a:tc>
                 <a:extLst>
                   <a:ext uri="{0D108BD9-81ED-4DB2-BD59-A6C34878D82A}">
-                    <a16:rowId xmlns="" xmlns:a16="http://schemas.microsoft.com/office/drawing/2014/main" val="10004"/>
+                    <a16:rowId xmlns:a16="http://schemas.microsoft.com/office/drawing/2014/main" xmlns="" val="10004"/>
                   </a:ext>
                 </a:extLst>
               </a:tr>
@@ -45507,21 +45507,6 @@
 </file>
 
 <file path=customXml/item1.xml><?xml version="1.0" encoding="utf-8"?>
-<?mso-contentType ?>
-<FormTemplates xmlns="http://schemas.microsoft.com/sharepoint/v3/contenttype/forms">
-  <Display>DocumentLibraryForm</Display>
-  <Edit>DocumentLibraryForm</Edit>
-  <New>DocumentLibraryForm</New>
-</FormTemplates>
-</file>
-
-<file path=customXml/item2.xml><?xml version="1.0" encoding="utf-8"?>
-<p:properties xmlns:p="http://schemas.microsoft.com/office/2006/metadata/properties" xmlns:xsi="http://www.w3.org/2001/XMLSchema-instance" xmlns:pc="http://schemas.microsoft.com/office/infopath/2007/PartnerControls">
-  <documentManagement/>
-</p:properties>
-</file>
-
-<file path=customXml/item3.xml><?xml version="1.0" encoding="utf-8"?>
 <ct:contentTypeSchema xmlns:ct="http://schemas.microsoft.com/office/2006/metadata/contentType" xmlns:ma="http://schemas.microsoft.com/office/2006/metadata/properties/metaAttributes" ct:_="" ma:_="" ma:contentTypeName="Document" ma:contentTypeID="0x01010055B2CD89C57E654B9987E9AA8CA4BF0D" ma:contentTypeVersion="0" ma:contentTypeDescription="Create a new document." ma:contentTypeScope="" ma:versionID="18de93eb0ee0f4f315a1ec1a884e13c6">
   <xsd:schema xmlns:xsd="http://www.w3.org/2001/XMLSchema" xmlns:xs="http://www.w3.org/2001/XMLSchema" xmlns:p="http://schemas.microsoft.com/office/2006/metadata/properties" targetNamespace="http://schemas.microsoft.com/office/2006/metadata/properties" ma:root="true" ma:fieldsID="a7c9ea3003598ff63be50cfc9788e6e2">
     <xsd:element name="properties">
@@ -45635,10 +45620,33 @@
 </ct:contentTypeSchema>
 </file>
 
+<file path=customXml/item2.xml><?xml version="1.0" encoding="utf-8"?>
+<p:properties xmlns:p="http://schemas.microsoft.com/office/2006/metadata/properties" xmlns:xsi="http://www.w3.org/2001/XMLSchema-instance" xmlns:pc="http://schemas.microsoft.com/office/infopath/2007/PartnerControls">
+  <documentManagement/>
+</p:properties>
+</file>
+
+<file path=customXml/item3.xml><?xml version="1.0" encoding="utf-8"?>
+<?mso-contentType ?>
+<FormTemplates xmlns="http://schemas.microsoft.com/sharepoint/v3/contenttype/forms">
+  <Display>DocumentLibraryForm</Display>
+  <Edit>DocumentLibraryForm</Edit>
+  <New>DocumentLibraryForm</New>
+</FormTemplates>
+</file>
+
 <file path=customXml/itemProps1.xml><?xml version="1.0" encoding="utf-8"?>
-<ds:datastoreItem xmlns:ds="http://schemas.openxmlformats.org/officeDocument/2006/customXml" ds:itemID="{B4606E04-852E-4880-8CD1-0B186F4087B1}">
+<ds:datastoreItem xmlns:ds="http://schemas.openxmlformats.org/officeDocument/2006/customXml" ds:itemID="{E2F29384-BD65-45EE-AC22-B03A76D49F37}">
   <ds:schemaRefs>
-    <ds:schemaRef ds:uri="http://schemas.microsoft.com/sharepoint/v3/contenttype/forms"/>
+    <ds:schemaRef ds:uri="http://schemas.microsoft.com/office/2006/metadata/contentType"/>
+    <ds:schemaRef ds:uri="http://schemas.microsoft.com/office/2006/metadata/properties/metaAttributes"/>
+    <ds:schemaRef ds:uri="http://www.w3.org/2001/XMLSchema"/>
+    <ds:schemaRef ds:uri="http://schemas.microsoft.com/office/2006/metadata/properties"/>
+    <ds:schemaRef ds:uri="http://schemas.openxmlformats.org/package/2006/metadata/core-properties"/>
+    <ds:schemaRef ds:uri="http://purl.org/dc/elements/1.1/"/>
+    <ds:schemaRef ds:uri="http://purl.org/dc/terms/"/>
+    <ds:schemaRef ds:uri="http://schemas.microsoft.com/internal/obd"/>
+    <ds:schemaRef ds:uri="http://schemas.microsoft.com/office/infopath/2007/PartnerControls"/>
   </ds:schemaRefs>
 </ds:datastoreItem>
 </file>
@@ -45659,17 +45667,9 @@
 </file>
 
 <file path=customXml/itemProps3.xml><?xml version="1.0" encoding="utf-8"?>
-<ds:datastoreItem xmlns:ds="http://schemas.openxmlformats.org/officeDocument/2006/customXml" ds:itemID="{E2F29384-BD65-45EE-AC22-B03A76D49F37}">
+<ds:datastoreItem xmlns:ds="http://schemas.openxmlformats.org/officeDocument/2006/customXml" ds:itemID="{B4606E04-852E-4880-8CD1-0B186F4087B1}">
   <ds:schemaRefs>
-    <ds:schemaRef ds:uri="http://schemas.microsoft.com/office/2006/metadata/contentType"/>
-    <ds:schemaRef ds:uri="http://schemas.microsoft.com/office/2006/metadata/properties/metaAttributes"/>
-    <ds:schemaRef ds:uri="http://www.w3.org/2001/XMLSchema"/>
-    <ds:schemaRef ds:uri="http://schemas.microsoft.com/office/2006/metadata/properties"/>
-    <ds:schemaRef ds:uri="http://schemas.openxmlformats.org/package/2006/metadata/core-properties"/>
-    <ds:schemaRef ds:uri="http://purl.org/dc/elements/1.1/"/>
-    <ds:schemaRef ds:uri="http://purl.org/dc/terms/"/>
-    <ds:schemaRef ds:uri="http://schemas.microsoft.com/internal/obd"/>
-    <ds:schemaRef ds:uri="http://schemas.microsoft.com/office/infopath/2007/PartnerControls"/>
+    <ds:schemaRef ds:uri="http://schemas.microsoft.com/sharepoint/v3/contenttype/forms"/>
   </ds:schemaRefs>
 </ds:datastoreItem>
 </file>
--- a/PnP Transformation Process/Samples/PnP Transformation - Solution Design Report - Contoso.pptx
+++ b/PnP Transformation Process/Samples/PnP Transformation - Solution Design Report - Contoso.pptx
@@ -415,7 +415,7 @@
           <a:p>
             <a:fld id="{DE219B1A-AE41-483B-A766-69B9363DDA6A}" type="datetimeFigureOut">
               <a:rPr lang="en-US" smtClean="0"/>
-              <a:t>6/5/2015</a:t>
+              <a:t>6/11/2015</a:t>
             </a:fld>
             <a:endParaRPr lang="en-US"/>
           </a:p>
@@ -624,7 +624,7 @@
           <a:p>
             <a:fld id="{D51B1278-D92B-4AF3-A9C1-71DD298190CE}" type="datetimeFigureOut">
               <a:rPr lang="en-US" smtClean="0"/>
-              <a:t>6/5/2015</a:t>
+              <a:t>6/11/2015</a:t>
             </a:fld>
             <a:endParaRPr lang="en-US"/>
           </a:p>
@@ -1069,7 +1069,7 @@
                 </a:solidFill>
               </a:rPr>
               <a:pPr/>
-              <a:t>6/5/2015</a:t>
+              <a:t>6/11/2015</a:t>
             </a:fld>
             <a:endParaRPr lang="en-US" dirty="0">
               <a:solidFill>
@@ -1332,7 +1332,7 @@
           <a:p>
             <a:fld id="{EE679FBF-1C32-40EC-8A8D-F696D0F011B7}" type="datetime1">
               <a:rPr lang="en-US" smtClean="0"/>
-              <a:t>6/5/2015</a:t>
+              <a:t>6/11/2015</a:t>
             </a:fld>
             <a:endParaRPr lang="en-US"/>
           </a:p>
@@ -1566,7 +1566,7 @@
           <a:p>
             <a:fld id="{D1138656-1104-4895-916A-3F46DB26BB9D}" type="datetime1">
               <a:rPr lang="en-US" smtClean="0"/>
-              <a:t>6/5/2015</a:t>
+              <a:t>6/11/2015</a:t>
             </a:fld>
             <a:endParaRPr lang="en-US"/>
           </a:p>
@@ -1780,7 +1780,7 @@
           <a:p>
             <a:fld id="{D1138656-1104-4895-916A-3F46DB26BB9D}" type="datetime1">
               <a:rPr lang="en-US" smtClean="0"/>
-              <a:t>6/5/2015</a:t>
+              <a:t>6/11/2015</a:t>
             </a:fld>
             <a:endParaRPr lang="en-US"/>
           </a:p>
@@ -2014,7 +2014,7 @@
           <a:p>
             <a:fld id="{D1138656-1104-4895-916A-3F46DB26BB9D}" type="datetime1">
               <a:rPr lang="en-US" smtClean="0"/>
-              <a:t>6/5/2015</a:t>
+              <a:t>6/11/2015</a:t>
             </a:fld>
             <a:endParaRPr lang="en-US"/>
           </a:p>
@@ -2253,7 +2253,7 @@
                 </a:solidFill>
               </a:rPr>
               <a:pPr/>
-              <a:t>6/5/2015</a:t>
+              <a:t>6/11/2015</a:t>
             </a:fld>
             <a:endParaRPr lang="en-US">
               <a:solidFill>
@@ -2508,7 +2508,7 @@
           <a:p>
             <a:fld id="{451D34E3-A4EB-4733-B7C0-D045AD3234C1}" type="datetime1">
               <a:rPr lang="en-US" smtClean="0"/>
-              <a:t>6/5/2015</a:t>
+              <a:t>6/11/2015</a:t>
             </a:fld>
             <a:endParaRPr lang="en-US"/>
           </a:p>
@@ -2742,7 +2742,7 @@
           <a:p>
             <a:fld id="{AA3AF75D-25C3-42E7-9971-69168E23937F}" type="datetime1">
               <a:rPr lang="en-US" smtClean="0"/>
-              <a:t>6/5/2015</a:t>
+              <a:t>6/11/2015</a:t>
             </a:fld>
             <a:endParaRPr lang="en-US"/>
           </a:p>
@@ -2957,7 +2957,7 @@
                 </a:solidFill>
               </a:rPr>
               <a:pPr/>
-              <a:t>6/5/2015</a:t>
+              <a:t>6/11/2015</a:t>
             </a:fld>
             <a:endParaRPr lang="en-US">
               <a:solidFill>
@@ -3184,7 +3184,7 @@
           <a:p>
             <a:fld id="{0B49ECD6-2B5F-4BFE-A8F3-6C5940E5A932}" type="datetime1">
               <a:rPr lang="en-US" smtClean="0"/>
-              <a:t>6/5/2015</a:t>
+              <a:t>6/11/2015</a:t>
             </a:fld>
             <a:endParaRPr lang="en-US"/>
           </a:p>
@@ -3495,7 +3495,7 @@
                 </a:solidFill>
               </a:rPr>
               <a:pPr/>
-              <a:t>6/5/2015</a:t>
+              <a:t>6/11/2015</a:t>
             </a:fld>
             <a:endParaRPr lang="en-US">
               <a:solidFill>
@@ -3753,7 +3753,7 @@
                 </a:solidFill>
               </a:rPr>
               <a:pPr/>
-              <a:t>6/5/2015</a:t>
+              <a:t>6/11/2015</a:t>
             </a:fld>
             <a:endParaRPr lang="en-US" dirty="0">
               <a:solidFill>
@@ -4002,7 +4002,7 @@
                 </a:solidFill>
               </a:rPr>
               <a:pPr/>
-              <a:t>6/5/2015</a:t>
+              <a:t>6/11/2015</a:t>
             </a:fld>
             <a:endParaRPr lang="en-US">
               <a:solidFill>
@@ -4273,7 +4273,7 @@
           <a:p>
             <a:fld id="{152427C8-1870-4D04-BF1C-4B85DC18AB6D}" type="datetime1">
               <a:rPr lang="en-US" smtClean="0"/>
-              <a:t>6/5/2015</a:t>
+              <a:t>6/11/2015</a:t>
             </a:fld>
             <a:endParaRPr lang="en-US"/>
           </a:p>
@@ -4493,7 +4493,7 @@
           <a:p>
             <a:fld id="{094F81B1-FE33-4866-9415-4EA33D10F9E8}" type="datetime1">
               <a:rPr lang="en-US" smtClean="0"/>
-              <a:t>6/5/2015</a:t>
+              <a:t>6/11/2015</a:t>
             </a:fld>
             <a:endParaRPr lang="en-US"/>
           </a:p>
@@ -4727,7 +4727,7 @@
           <a:p>
             <a:fld id="{AE18C4A6-F14F-41E5-9C64-E690240F93F9}" type="datetime1">
               <a:rPr lang="en-US" smtClean="0"/>
-              <a:t>6/5/2015</a:t>
+              <a:t>6/11/2015</a:t>
             </a:fld>
             <a:endParaRPr lang="en-US"/>
           </a:p>
@@ -4966,7 +4966,7 @@
                 </a:solidFill>
               </a:rPr>
               <a:pPr/>
-              <a:t>6/5/2015</a:t>
+              <a:t>6/11/2015</a:t>
             </a:fld>
             <a:endParaRPr lang="en-US">
               <a:solidFill>
@@ -5221,7 +5221,7 @@
           <a:p>
             <a:fld id="{8E807F05-A7DA-4BF4-B992-4D1E30BA3021}" type="datetime1">
               <a:rPr lang="en-US" smtClean="0"/>
-              <a:t>6/5/2015</a:t>
+              <a:t>6/11/2015</a:t>
             </a:fld>
             <a:endParaRPr lang="en-US"/>
           </a:p>
@@ -5455,7 +5455,7 @@
           <a:p>
             <a:fld id="{EE679FBF-1C32-40EC-8A8D-F696D0F011B7}" type="datetime1">
               <a:rPr lang="en-US" smtClean="0"/>
-              <a:t>6/5/2015</a:t>
+              <a:t>6/11/2015</a:t>
             </a:fld>
             <a:endParaRPr lang="en-US"/>
           </a:p>
@@ -16930,7 +16930,7 @@
                 <a:gridCol w="2373524">
                   <a:extLst>
                     <a:ext uri="{9D8B030D-6E8A-4147-A177-3AD203B41FA5}">
-                      <a16:colId xmlns:a16="http://schemas.microsoft.com/office/drawing/2014/main" xmlns="" val="20000"/>
+                      <a16:colId xmlns="" xmlns:a16="http://schemas.microsoft.com/office/drawing/2014/main" val="20000"/>
                     </a:ext>
                   </a:extLst>
                 </a:gridCol>
@@ -16993,7 +16993,7 @@
                 </a:tc>
                 <a:extLst>
                   <a:ext uri="{0D108BD9-81ED-4DB2-BD59-A6C34878D82A}">
-                    <a16:rowId xmlns:a16="http://schemas.microsoft.com/office/drawing/2014/main" xmlns="" val="10000"/>
+                    <a16:rowId xmlns="" xmlns:a16="http://schemas.microsoft.com/office/drawing/2014/main" val="10000"/>
                   </a:ext>
                 </a:extLst>
               </a:tr>
@@ -17054,7 +17054,7 @@
                 </a:tc>
                 <a:extLst>
                   <a:ext uri="{0D108BD9-81ED-4DB2-BD59-A6C34878D82A}">
-                    <a16:rowId xmlns:a16="http://schemas.microsoft.com/office/drawing/2014/main" xmlns="" val="10001"/>
+                    <a16:rowId xmlns="" xmlns:a16="http://schemas.microsoft.com/office/drawing/2014/main" val="10001"/>
                   </a:ext>
                 </a:extLst>
               </a:tr>
@@ -17124,7 +17124,7 @@
                 </a:tc>
                 <a:extLst>
                   <a:ext uri="{0D108BD9-81ED-4DB2-BD59-A6C34878D82A}">
-                    <a16:rowId xmlns:a16="http://schemas.microsoft.com/office/drawing/2014/main" xmlns="" val="10002"/>
+                    <a16:rowId xmlns="" xmlns:a16="http://schemas.microsoft.com/office/drawing/2014/main" val="10002"/>
                   </a:ext>
                 </a:extLst>
               </a:tr>
@@ -17202,7 +17202,7 @@
                 </a:tc>
                 <a:extLst>
                   <a:ext uri="{0D108BD9-81ED-4DB2-BD59-A6C34878D82A}">
-                    <a16:rowId xmlns:a16="http://schemas.microsoft.com/office/drawing/2014/main" xmlns="" val="10007"/>
+                    <a16:rowId xmlns="" xmlns:a16="http://schemas.microsoft.com/office/drawing/2014/main" val="10007"/>
                   </a:ext>
                 </a:extLst>
               </a:tr>
@@ -17778,7 +17778,7 @@
                 <a:gridCol w="2373524">
                   <a:extLst>
                     <a:ext uri="{9D8B030D-6E8A-4147-A177-3AD203B41FA5}">
-                      <a16:colId xmlns:a16="http://schemas.microsoft.com/office/drawing/2014/main" xmlns="" val="20000"/>
+                      <a16:colId xmlns="" xmlns:a16="http://schemas.microsoft.com/office/drawing/2014/main" val="20000"/>
                     </a:ext>
                   </a:extLst>
                 </a:gridCol>
@@ -17841,7 +17841,7 @@
                 </a:tc>
                 <a:extLst>
                   <a:ext uri="{0D108BD9-81ED-4DB2-BD59-A6C34878D82A}">
-                    <a16:rowId xmlns:a16="http://schemas.microsoft.com/office/drawing/2014/main" xmlns="" val="10000"/>
+                    <a16:rowId xmlns="" xmlns:a16="http://schemas.microsoft.com/office/drawing/2014/main" val="10000"/>
                   </a:ext>
                 </a:extLst>
               </a:tr>
@@ -17902,7 +17902,7 @@
                 </a:tc>
                 <a:extLst>
                   <a:ext uri="{0D108BD9-81ED-4DB2-BD59-A6C34878D82A}">
-                    <a16:rowId xmlns:a16="http://schemas.microsoft.com/office/drawing/2014/main" xmlns="" val="10001"/>
+                    <a16:rowId xmlns="" xmlns:a16="http://schemas.microsoft.com/office/drawing/2014/main" val="10001"/>
                   </a:ext>
                 </a:extLst>
               </a:tr>
@@ -17972,7 +17972,7 @@
                 </a:tc>
                 <a:extLst>
                   <a:ext uri="{0D108BD9-81ED-4DB2-BD59-A6C34878D82A}">
-                    <a16:rowId xmlns:a16="http://schemas.microsoft.com/office/drawing/2014/main" xmlns="" val="10002"/>
+                    <a16:rowId xmlns="" xmlns:a16="http://schemas.microsoft.com/office/drawing/2014/main" val="10002"/>
                   </a:ext>
                 </a:extLst>
               </a:tr>
@@ -18050,7 +18050,7 @@
                 </a:tc>
                 <a:extLst>
                   <a:ext uri="{0D108BD9-81ED-4DB2-BD59-A6C34878D82A}">
-                    <a16:rowId xmlns:a16="http://schemas.microsoft.com/office/drawing/2014/main" xmlns="" val="10007"/>
+                    <a16:rowId xmlns="" xmlns:a16="http://schemas.microsoft.com/office/drawing/2014/main" val="10007"/>
                   </a:ext>
                 </a:extLst>
               </a:tr>
@@ -18652,7 +18652,7 @@
                 <a:gridCol w="2373524">
                   <a:extLst>
                     <a:ext uri="{9D8B030D-6E8A-4147-A177-3AD203B41FA5}">
-                      <a16:colId xmlns:a16="http://schemas.microsoft.com/office/drawing/2014/main" xmlns="" val="20000"/>
+                      <a16:colId xmlns="" xmlns:a16="http://schemas.microsoft.com/office/drawing/2014/main" val="20000"/>
                     </a:ext>
                   </a:extLst>
                 </a:gridCol>
@@ -18715,7 +18715,7 @@
                 </a:tc>
                 <a:extLst>
                   <a:ext uri="{0D108BD9-81ED-4DB2-BD59-A6C34878D82A}">
-                    <a16:rowId xmlns:a16="http://schemas.microsoft.com/office/drawing/2014/main" xmlns="" val="10000"/>
+                    <a16:rowId xmlns="" xmlns:a16="http://schemas.microsoft.com/office/drawing/2014/main" val="10000"/>
                   </a:ext>
                 </a:extLst>
               </a:tr>
@@ -18776,7 +18776,7 @@
                 </a:tc>
                 <a:extLst>
                   <a:ext uri="{0D108BD9-81ED-4DB2-BD59-A6C34878D82A}">
-                    <a16:rowId xmlns:a16="http://schemas.microsoft.com/office/drawing/2014/main" xmlns="" val="10001"/>
+                    <a16:rowId xmlns="" xmlns:a16="http://schemas.microsoft.com/office/drawing/2014/main" val="10001"/>
                   </a:ext>
                 </a:extLst>
               </a:tr>
@@ -18846,7 +18846,7 @@
                 </a:tc>
                 <a:extLst>
                   <a:ext uri="{0D108BD9-81ED-4DB2-BD59-A6C34878D82A}">
-                    <a16:rowId xmlns:a16="http://schemas.microsoft.com/office/drawing/2014/main" xmlns="" val="10002"/>
+                    <a16:rowId xmlns="" xmlns:a16="http://schemas.microsoft.com/office/drawing/2014/main" val="10002"/>
                   </a:ext>
                 </a:extLst>
               </a:tr>
@@ -18924,7 +18924,7 @@
                 </a:tc>
                 <a:extLst>
                   <a:ext uri="{0D108BD9-81ED-4DB2-BD59-A6C34878D82A}">
-                    <a16:rowId xmlns:a16="http://schemas.microsoft.com/office/drawing/2014/main" xmlns="" val="10007"/>
+                    <a16:rowId xmlns="" xmlns:a16="http://schemas.microsoft.com/office/drawing/2014/main" val="10007"/>
                   </a:ext>
                 </a:extLst>
               </a:tr>
@@ -19433,7 +19433,7 @@
                 <a:gridCol w="2591254">
                   <a:extLst>
                     <a:ext uri="{9D8B030D-6E8A-4147-A177-3AD203B41FA5}">
-                      <a16:colId xmlns:a16="http://schemas.microsoft.com/office/drawing/2014/main" xmlns="" val="20000"/>
+                      <a16:colId xmlns="" xmlns:a16="http://schemas.microsoft.com/office/drawing/2014/main" val="20000"/>
                     </a:ext>
                   </a:extLst>
                 </a:gridCol>
@@ -19496,7 +19496,7 @@
                 </a:tc>
                 <a:extLst>
                   <a:ext uri="{0D108BD9-81ED-4DB2-BD59-A6C34878D82A}">
-                    <a16:rowId xmlns:a16="http://schemas.microsoft.com/office/drawing/2014/main" xmlns="" val="10000"/>
+                    <a16:rowId xmlns="" xmlns:a16="http://schemas.microsoft.com/office/drawing/2014/main" val="10000"/>
                   </a:ext>
                 </a:extLst>
               </a:tr>
@@ -19557,7 +19557,7 @@
                 </a:tc>
                 <a:extLst>
                   <a:ext uri="{0D108BD9-81ED-4DB2-BD59-A6C34878D82A}">
-                    <a16:rowId xmlns:a16="http://schemas.microsoft.com/office/drawing/2014/main" xmlns="" val="10001"/>
+                    <a16:rowId xmlns="" xmlns:a16="http://schemas.microsoft.com/office/drawing/2014/main" val="10001"/>
                   </a:ext>
                 </a:extLst>
               </a:tr>
@@ -19627,7 +19627,7 @@
                 </a:tc>
                 <a:extLst>
                   <a:ext uri="{0D108BD9-81ED-4DB2-BD59-A6C34878D82A}">
-                    <a16:rowId xmlns:a16="http://schemas.microsoft.com/office/drawing/2014/main" xmlns="" val="10002"/>
+                    <a16:rowId xmlns="" xmlns:a16="http://schemas.microsoft.com/office/drawing/2014/main" val="10002"/>
                   </a:ext>
                 </a:extLst>
               </a:tr>
@@ -19705,7 +19705,7 @@
                 </a:tc>
                 <a:extLst>
                   <a:ext uri="{0D108BD9-81ED-4DB2-BD59-A6C34878D82A}">
-                    <a16:rowId xmlns:a16="http://schemas.microsoft.com/office/drawing/2014/main" xmlns="" val="10007"/>
+                    <a16:rowId xmlns="" xmlns:a16="http://schemas.microsoft.com/office/drawing/2014/main" val="10007"/>
                   </a:ext>
                 </a:extLst>
               </a:tr>
@@ -20399,7 +20399,7 @@
                 <a:gridCol w="2743200">
                   <a:extLst>
                     <a:ext uri="{9D8B030D-6E8A-4147-A177-3AD203B41FA5}">
-                      <a16:colId xmlns:a16="http://schemas.microsoft.com/office/drawing/2014/main" xmlns="" val="20000"/>
+                      <a16:colId xmlns="" xmlns:a16="http://schemas.microsoft.com/office/drawing/2014/main" val="20000"/>
                     </a:ext>
                   </a:extLst>
                 </a:gridCol>
@@ -20482,7 +20482,7 @@
                 </a:tc>
                 <a:extLst>
                   <a:ext uri="{0D108BD9-81ED-4DB2-BD59-A6C34878D82A}">
-                    <a16:rowId xmlns:a16="http://schemas.microsoft.com/office/drawing/2014/main" xmlns="" val="10000"/>
+                    <a16:rowId xmlns="" xmlns:a16="http://schemas.microsoft.com/office/drawing/2014/main" val="10000"/>
                   </a:ext>
                 </a:extLst>
               </a:tr>
@@ -20543,7 +20543,7 @@
                 </a:tc>
                 <a:extLst>
                   <a:ext uri="{0D108BD9-81ED-4DB2-BD59-A6C34878D82A}">
-                    <a16:rowId xmlns:a16="http://schemas.microsoft.com/office/drawing/2014/main" xmlns="" val="10001"/>
+                    <a16:rowId xmlns="" xmlns:a16="http://schemas.microsoft.com/office/drawing/2014/main" val="10001"/>
                   </a:ext>
                 </a:extLst>
               </a:tr>
@@ -20613,7 +20613,7 @@
                 </a:tc>
                 <a:extLst>
                   <a:ext uri="{0D108BD9-81ED-4DB2-BD59-A6C34878D82A}">
-                    <a16:rowId xmlns:a16="http://schemas.microsoft.com/office/drawing/2014/main" xmlns="" val="10002"/>
+                    <a16:rowId xmlns="" xmlns:a16="http://schemas.microsoft.com/office/drawing/2014/main" val="10002"/>
                   </a:ext>
                 </a:extLst>
               </a:tr>
@@ -20691,7 +20691,7 @@
                 </a:tc>
                 <a:extLst>
                   <a:ext uri="{0D108BD9-81ED-4DB2-BD59-A6C34878D82A}">
-                    <a16:rowId xmlns:a16="http://schemas.microsoft.com/office/drawing/2014/main" xmlns="" val="10007"/>
+                    <a16:rowId xmlns="" xmlns:a16="http://schemas.microsoft.com/office/drawing/2014/main" val="10007"/>
                   </a:ext>
                 </a:extLst>
               </a:tr>
@@ -21681,7 +21681,7 @@
                 <a:gridCol w="2373524">
                   <a:extLst>
                     <a:ext uri="{9D8B030D-6E8A-4147-A177-3AD203B41FA5}">
-                      <a16:colId xmlns:a16="http://schemas.microsoft.com/office/drawing/2014/main" xmlns="" val="20000"/>
+                      <a16:colId xmlns="" xmlns:a16="http://schemas.microsoft.com/office/drawing/2014/main" val="20000"/>
                     </a:ext>
                   </a:extLst>
                 </a:gridCol>
@@ -21744,7 +21744,7 @@
                 </a:tc>
                 <a:extLst>
                   <a:ext uri="{0D108BD9-81ED-4DB2-BD59-A6C34878D82A}">
-                    <a16:rowId xmlns:a16="http://schemas.microsoft.com/office/drawing/2014/main" xmlns="" val="10000"/>
+                    <a16:rowId xmlns="" xmlns:a16="http://schemas.microsoft.com/office/drawing/2014/main" val="10000"/>
                   </a:ext>
                 </a:extLst>
               </a:tr>
@@ -21805,7 +21805,7 @@
                 </a:tc>
                 <a:extLst>
                   <a:ext uri="{0D108BD9-81ED-4DB2-BD59-A6C34878D82A}">
-                    <a16:rowId xmlns:a16="http://schemas.microsoft.com/office/drawing/2014/main" xmlns="" val="10001"/>
+                    <a16:rowId xmlns="" xmlns:a16="http://schemas.microsoft.com/office/drawing/2014/main" val="10001"/>
                   </a:ext>
                 </a:extLst>
               </a:tr>
@@ -21875,7 +21875,7 @@
                 </a:tc>
                 <a:extLst>
                   <a:ext uri="{0D108BD9-81ED-4DB2-BD59-A6C34878D82A}">
-                    <a16:rowId xmlns:a16="http://schemas.microsoft.com/office/drawing/2014/main" xmlns="" val="10002"/>
+                    <a16:rowId xmlns="" xmlns:a16="http://schemas.microsoft.com/office/drawing/2014/main" val="10002"/>
                   </a:ext>
                 </a:extLst>
               </a:tr>
@@ -21953,7 +21953,7 @@
                 </a:tc>
                 <a:extLst>
                   <a:ext uri="{0D108BD9-81ED-4DB2-BD59-A6C34878D82A}">
-                    <a16:rowId xmlns:a16="http://schemas.microsoft.com/office/drawing/2014/main" xmlns="" val="10007"/>
+                    <a16:rowId xmlns="" xmlns:a16="http://schemas.microsoft.com/office/drawing/2014/main" val="10007"/>
                   </a:ext>
                 </a:extLst>
               </a:tr>
@@ -22453,7 +22453,7 @@
                 <a:gridCol w="2373524">
                   <a:extLst>
                     <a:ext uri="{9D8B030D-6E8A-4147-A177-3AD203B41FA5}">
-                      <a16:colId xmlns:a16="http://schemas.microsoft.com/office/drawing/2014/main" xmlns="" val="20000"/>
+                      <a16:colId xmlns="" xmlns:a16="http://schemas.microsoft.com/office/drawing/2014/main" val="20000"/>
                     </a:ext>
                   </a:extLst>
                 </a:gridCol>
@@ -22516,7 +22516,7 @@
                 </a:tc>
                 <a:extLst>
                   <a:ext uri="{0D108BD9-81ED-4DB2-BD59-A6C34878D82A}">
-                    <a16:rowId xmlns:a16="http://schemas.microsoft.com/office/drawing/2014/main" xmlns="" val="10000"/>
+                    <a16:rowId xmlns="" xmlns:a16="http://schemas.microsoft.com/office/drawing/2014/main" val="10000"/>
                   </a:ext>
                 </a:extLst>
               </a:tr>
@@ -22577,7 +22577,7 @@
                 </a:tc>
                 <a:extLst>
                   <a:ext uri="{0D108BD9-81ED-4DB2-BD59-A6C34878D82A}">
-                    <a16:rowId xmlns:a16="http://schemas.microsoft.com/office/drawing/2014/main" xmlns="" val="10001"/>
+                    <a16:rowId xmlns="" xmlns:a16="http://schemas.microsoft.com/office/drawing/2014/main" val="10001"/>
                   </a:ext>
                 </a:extLst>
               </a:tr>
@@ -22647,7 +22647,7 @@
                 </a:tc>
                 <a:extLst>
                   <a:ext uri="{0D108BD9-81ED-4DB2-BD59-A6C34878D82A}">
-                    <a16:rowId xmlns:a16="http://schemas.microsoft.com/office/drawing/2014/main" xmlns="" val="10002"/>
+                    <a16:rowId xmlns="" xmlns:a16="http://schemas.microsoft.com/office/drawing/2014/main" val="10002"/>
                   </a:ext>
                 </a:extLst>
               </a:tr>
@@ -22725,7 +22725,7 @@
                 </a:tc>
                 <a:extLst>
                   <a:ext uri="{0D108BD9-81ED-4DB2-BD59-A6C34878D82A}">
-                    <a16:rowId xmlns:a16="http://schemas.microsoft.com/office/drawing/2014/main" xmlns="" val="10007"/>
+                    <a16:rowId xmlns="" xmlns:a16="http://schemas.microsoft.com/office/drawing/2014/main" val="10007"/>
                   </a:ext>
                 </a:extLst>
               </a:tr>
@@ -23382,7 +23382,7 @@
                 <a:gridCol w="2373524">
                   <a:extLst>
                     <a:ext uri="{9D8B030D-6E8A-4147-A177-3AD203B41FA5}">
-                      <a16:colId xmlns:a16="http://schemas.microsoft.com/office/drawing/2014/main" xmlns="" val="20000"/>
+                      <a16:colId xmlns="" xmlns:a16="http://schemas.microsoft.com/office/drawing/2014/main" val="20000"/>
                     </a:ext>
                   </a:extLst>
                 </a:gridCol>
@@ -23445,7 +23445,7 @@
                 </a:tc>
                 <a:extLst>
                   <a:ext uri="{0D108BD9-81ED-4DB2-BD59-A6C34878D82A}">
-                    <a16:rowId xmlns:a16="http://schemas.microsoft.com/office/drawing/2014/main" xmlns="" val="10000"/>
+                    <a16:rowId xmlns="" xmlns:a16="http://schemas.microsoft.com/office/drawing/2014/main" val="10000"/>
                   </a:ext>
                 </a:extLst>
               </a:tr>
@@ -23506,7 +23506,7 @@
                 </a:tc>
                 <a:extLst>
                   <a:ext uri="{0D108BD9-81ED-4DB2-BD59-A6C34878D82A}">
-                    <a16:rowId xmlns:a16="http://schemas.microsoft.com/office/drawing/2014/main" xmlns="" val="10001"/>
+                    <a16:rowId xmlns="" xmlns:a16="http://schemas.microsoft.com/office/drawing/2014/main" val="10001"/>
                   </a:ext>
                 </a:extLst>
               </a:tr>
@@ -23576,7 +23576,7 @@
                 </a:tc>
                 <a:extLst>
                   <a:ext uri="{0D108BD9-81ED-4DB2-BD59-A6C34878D82A}">
-                    <a16:rowId xmlns:a16="http://schemas.microsoft.com/office/drawing/2014/main" xmlns="" val="10002"/>
+                    <a16:rowId xmlns="" xmlns:a16="http://schemas.microsoft.com/office/drawing/2014/main" val="10002"/>
                   </a:ext>
                 </a:extLst>
               </a:tr>
@@ -23654,7 +23654,7 @@
                 </a:tc>
                 <a:extLst>
                   <a:ext uri="{0D108BD9-81ED-4DB2-BD59-A6C34878D82A}">
-                    <a16:rowId xmlns:a16="http://schemas.microsoft.com/office/drawing/2014/main" xmlns="" val="10007"/>
+                    <a16:rowId xmlns="" xmlns:a16="http://schemas.microsoft.com/office/drawing/2014/main" val="10007"/>
                   </a:ext>
                 </a:extLst>
               </a:tr>
@@ -24200,7 +24200,7 @@
                 <a:gridCol w="2373524">
                   <a:extLst>
                     <a:ext uri="{9D8B030D-6E8A-4147-A177-3AD203B41FA5}">
-                      <a16:colId xmlns:a16="http://schemas.microsoft.com/office/drawing/2014/main" xmlns="" val="20000"/>
+                      <a16:colId xmlns="" xmlns:a16="http://schemas.microsoft.com/office/drawing/2014/main" val="20000"/>
                     </a:ext>
                   </a:extLst>
                 </a:gridCol>
@@ -24263,7 +24263,7 @@
                 </a:tc>
                 <a:extLst>
                   <a:ext uri="{0D108BD9-81ED-4DB2-BD59-A6C34878D82A}">
-                    <a16:rowId xmlns:a16="http://schemas.microsoft.com/office/drawing/2014/main" xmlns="" val="10000"/>
+                    <a16:rowId xmlns="" xmlns:a16="http://schemas.microsoft.com/office/drawing/2014/main" val="10000"/>
                   </a:ext>
                 </a:extLst>
               </a:tr>
@@ -24324,7 +24324,7 @@
                 </a:tc>
                 <a:extLst>
                   <a:ext uri="{0D108BD9-81ED-4DB2-BD59-A6C34878D82A}">
-                    <a16:rowId xmlns:a16="http://schemas.microsoft.com/office/drawing/2014/main" xmlns="" val="10001"/>
+                    <a16:rowId xmlns="" xmlns:a16="http://schemas.microsoft.com/office/drawing/2014/main" val="10001"/>
                   </a:ext>
                 </a:extLst>
               </a:tr>
@@ -24394,7 +24394,7 @@
                 </a:tc>
                 <a:extLst>
                   <a:ext uri="{0D108BD9-81ED-4DB2-BD59-A6C34878D82A}">
-                    <a16:rowId xmlns:a16="http://schemas.microsoft.com/office/drawing/2014/main" xmlns="" val="10002"/>
+                    <a16:rowId xmlns="" xmlns:a16="http://schemas.microsoft.com/office/drawing/2014/main" val="10002"/>
                   </a:ext>
                 </a:extLst>
               </a:tr>
@@ -24472,7 +24472,7 @@
                 </a:tc>
                 <a:extLst>
                   <a:ext uri="{0D108BD9-81ED-4DB2-BD59-A6C34878D82A}">
-                    <a16:rowId xmlns:a16="http://schemas.microsoft.com/office/drawing/2014/main" xmlns="" val="10007"/>
+                    <a16:rowId xmlns="" xmlns:a16="http://schemas.microsoft.com/office/drawing/2014/main" val="10007"/>
                   </a:ext>
                 </a:extLst>
               </a:tr>
@@ -24682,7 +24682,7 @@
                 <a:gridCol w="2373524">
                   <a:extLst>
                     <a:ext uri="{9D8B030D-6E8A-4147-A177-3AD203B41FA5}">
-                      <a16:colId xmlns:a16="http://schemas.microsoft.com/office/drawing/2014/main" xmlns="" val="20000"/>
+                      <a16:colId xmlns="" xmlns:a16="http://schemas.microsoft.com/office/drawing/2014/main" val="20000"/>
                     </a:ext>
                   </a:extLst>
                 </a:gridCol>
@@ -24745,7 +24745,7 @@
                 </a:tc>
                 <a:extLst>
                   <a:ext uri="{0D108BD9-81ED-4DB2-BD59-A6C34878D82A}">
-                    <a16:rowId xmlns:a16="http://schemas.microsoft.com/office/drawing/2014/main" xmlns="" val="10000"/>
+                    <a16:rowId xmlns="" xmlns:a16="http://schemas.microsoft.com/office/drawing/2014/main" val="10000"/>
                   </a:ext>
                 </a:extLst>
               </a:tr>
@@ -24806,7 +24806,7 @@
                 </a:tc>
                 <a:extLst>
                   <a:ext uri="{0D108BD9-81ED-4DB2-BD59-A6C34878D82A}">
-                    <a16:rowId xmlns:a16="http://schemas.microsoft.com/office/drawing/2014/main" xmlns="" val="10001"/>
+                    <a16:rowId xmlns="" xmlns:a16="http://schemas.microsoft.com/office/drawing/2014/main" val="10001"/>
                   </a:ext>
                 </a:extLst>
               </a:tr>
@@ -24884,7 +24884,7 @@
                 </a:tc>
                 <a:extLst>
                   <a:ext uri="{0D108BD9-81ED-4DB2-BD59-A6C34878D82A}">
-                    <a16:rowId xmlns:a16="http://schemas.microsoft.com/office/drawing/2014/main" xmlns="" val="10002"/>
+                    <a16:rowId xmlns="" xmlns:a16="http://schemas.microsoft.com/office/drawing/2014/main" val="10002"/>
                   </a:ext>
                 </a:extLst>
               </a:tr>
@@ -24966,7 +24966,7 @@
                 </a:tc>
                 <a:extLst>
                   <a:ext uri="{0D108BD9-81ED-4DB2-BD59-A6C34878D82A}">
-                    <a16:rowId xmlns:a16="http://schemas.microsoft.com/office/drawing/2014/main" xmlns="" val="10007"/>
+                    <a16:rowId xmlns="" xmlns:a16="http://schemas.microsoft.com/office/drawing/2014/main" val="10007"/>
                   </a:ext>
                 </a:extLst>
               </a:tr>
@@ -25835,7 +25835,7 @@
                 <a:gridCol w="2743200">
                   <a:extLst>
                     <a:ext uri="{9D8B030D-6E8A-4147-A177-3AD203B41FA5}">
-                      <a16:colId xmlns:a16="http://schemas.microsoft.com/office/drawing/2014/main" xmlns="" val="20000"/>
+                      <a16:colId xmlns="" xmlns:a16="http://schemas.microsoft.com/office/drawing/2014/main" val="20000"/>
                     </a:ext>
                   </a:extLst>
                 </a:gridCol>
@@ -25898,7 +25898,7 @@
                 </a:tc>
                 <a:extLst>
                   <a:ext uri="{0D108BD9-81ED-4DB2-BD59-A6C34878D82A}">
-                    <a16:rowId xmlns:a16="http://schemas.microsoft.com/office/drawing/2014/main" xmlns="" val="10000"/>
+                    <a16:rowId xmlns="" xmlns:a16="http://schemas.microsoft.com/office/drawing/2014/main" val="10000"/>
                   </a:ext>
                 </a:extLst>
               </a:tr>
@@ -25959,7 +25959,7 @@
                 </a:tc>
                 <a:extLst>
                   <a:ext uri="{0D108BD9-81ED-4DB2-BD59-A6C34878D82A}">
-                    <a16:rowId xmlns:a16="http://schemas.microsoft.com/office/drawing/2014/main" xmlns="" val="10001"/>
+                    <a16:rowId xmlns="" xmlns:a16="http://schemas.microsoft.com/office/drawing/2014/main" val="10001"/>
                   </a:ext>
                 </a:extLst>
               </a:tr>
@@ -26029,7 +26029,7 @@
                 </a:tc>
                 <a:extLst>
                   <a:ext uri="{0D108BD9-81ED-4DB2-BD59-A6C34878D82A}">
-                    <a16:rowId xmlns:a16="http://schemas.microsoft.com/office/drawing/2014/main" xmlns="" val="10002"/>
+                    <a16:rowId xmlns="" xmlns:a16="http://schemas.microsoft.com/office/drawing/2014/main" val="10002"/>
                   </a:ext>
                 </a:extLst>
               </a:tr>
@@ -26111,7 +26111,7 @@
                 </a:tc>
                 <a:extLst>
                   <a:ext uri="{0D108BD9-81ED-4DB2-BD59-A6C34878D82A}">
-                    <a16:rowId xmlns:a16="http://schemas.microsoft.com/office/drawing/2014/main" xmlns="" val="10007"/>
+                    <a16:rowId xmlns="" xmlns:a16="http://schemas.microsoft.com/office/drawing/2014/main" val="10007"/>
                   </a:ext>
                 </a:extLst>
               </a:tr>
@@ -31903,28 +31903,28 @@
                 <a:gridCol w="2794925">
                   <a:extLst>
                     <a:ext uri="{9D8B030D-6E8A-4147-A177-3AD203B41FA5}">
-                      <a16:colId xmlns:a16="http://schemas.microsoft.com/office/drawing/2014/main" xmlns="" val="20000"/>
+                      <a16:colId xmlns="" xmlns:a16="http://schemas.microsoft.com/office/drawing/2014/main" val="20000"/>
                     </a:ext>
                   </a:extLst>
                 </a:gridCol>
                 <a:gridCol w="2683565">
                   <a:extLst>
                     <a:ext uri="{9D8B030D-6E8A-4147-A177-3AD203B41FA5}">
-                      <a16:colId xmlns:a16="http://schemas.microsoft.com/office/drawing/2014/main" xmlns="" val="20001"/>
+                      <a16:colId xmlns="" xmlns:a16="http://schemas.microsoft.com/office/drawing/2014/main" val="20001"/>
                     </a:ext>
                   </a:extLst>
                 </a:gridCol>
                 <a:gridCol w="2623930">
                   <a:extLst>
                     <a:ext uri="{9D8B030D-6E8A-4147-A177-3AD203B41FA5}">
-                      <a16:colId xmlns:a16="http://schemas.microsoft.com/office/drawing/2014/main" xmlns="" val="20002"/>
+                      <a16:colId xmlns="" xmlns:a16="http://schemas.microsoft.com/office/drawing/2014/main" val="20002"/>
                     </a:ext>
                   </a:extLst>
                 </a:gridCol>
                 <a:gridCol w="2855843">
                   <a:extLst>
                     <a:ext uri="{9D8B030D-6E8A-4147-A177-3AD203B41FA5}">
-                      <a16:colId xmlns:a16="http://schemas.microsoft.com/office/drawing/2014/main" xmlns="" val="20003"/>
+                      <a16:colId xmlns="" xmlns:a16="http://schemas.microsoft.com/office/drawing/2014/main" val="20003"/>
                     </a:ext>
                   </a:extLst>
                 </a:gridCol>
@@ -32141,7 +32141,7 @@
                 </a:tc>
                 <a:extLst>
                   <a:ext uri="{0D108BD9-81ED-4DB2-BD59-A6C34878D82A}">
-                    <a16:rowId xmlns:a16="http://schemas.microsoft.com/office/drawing/2014/main" xmlns="" val="10000"/>
+                    <a16:rowId xmlns="" xmlns:a16="http://schemas.microsoft.com/office/drawing/2014/main" val="10000"/>
                   </a:ext>
                 </a:extLst>
               </a:tr>
@@ -32359,7 +32359,7 @@
                 </a:tc>
                 <a:extLst>
                   <a:ext uri="{0D108BD9-81ED-4DB2-BD59-A6C34878D82A}">
-                    <a16:rowId xmlns:a16="http://schemas.microsoft.com/office/drawing/2014/main" xmlns="" val="10001"/>
+                    <a16:rowId xmlns="" xmlns:a16="http://schemas.microsoft.com/office/drawing/2014/main" val="10001"/>
                   </a:ext>
                 </a:extLst>
               </a:tr>
@@ -32876,7 +32876,7 @@
                 </a:tc>
                 <a:extLst>
                   <a:ext uri="{0D108BD9-81ED-4DB2-BD59-A6C34878D82A}">
-                    <a16:rowId xmlns:a16="http://schemas.microsoft.com/office/drawing/2014/main" xmlns="" val="10002"/>
+                    <a16:rowId xmlns="" xmlns:a16="http://schemas.microsoft.com/office/drawing/2014/main" val="10002"/>
                   </a:ext>
                 </a:extLst>
               </a:tr>
@@ -34104,7 +34104,7 @@
           <p:nvPr>
             <p:extLst>
               <p:ext uri="{D42A27DB-BD31-4B8C-83A1-F6EECF244321}">
-                <p14:modId xmlns:p14="http://schemas.microsoft.com/office/powerpoint/2010/main" val="3462541706"/>
+                <p14:modId xmlns:p14="http://schemas.microsoft.com/office/powerpoint/2010/main" val="1701961634"/>
               </p:ext>
             </p:extLst>
           </p:nvPr>
@@ -34123,28 +34123,28 @@
                 <a:gridCol w="2794925">
                   <a:extLst>
                     <a:ext uri="{9D8B030D-6E8A-4147-A177-3AD203B41FA5}">
-                      <a16:colId xmlns:a16="http://schemas.microsoft.com/office/drawing/2014/main" xmlns="" val="20000"/>
+                      <a16:colId xmlns="" xmlns:a16="http://schemas.microsoft.com/office/drawing/2014/main" val="20000"/>
                     </a:ext>
                   </a:extLst>
                 </a:gridCol>
                 <a:gridCol w="2683565">
                   <a:extLst>
                     <a:ext uri="{9D8B030D-6E8A-4147-A177-3AD203B41FA5}">
-                      <a16:colId xmlns:a16="http://schemas.microsoft.com/office/drawing/2014/main" xmlns="" val="20001"/>
+                      <a16:colId xmlns="" xmlns:a16="http://schemas.microsoft.com/office/drawing/2014/main" val="20001"/>
                     </a:ext>
                   </a:extLst>
                 </a:gridCol>
                 <a:gridCol w="2782957">
                   <a:extLst>
                     <a:ext uri="{9D8B030D-6E8A-4147-A177-3AD203B41FA5}">
-                      <a16:colId xmlns:a16="http://schemas.microsoft.com/office/drawing/2014/main" xmlns="" val="20002"/>
+                      <a16:colId xmlns="" xmlns:a16="http://schemas.microsoft.com/office/drawing/2014/main" val="20002"/>
                     </a:ext>
                   </a:extLst>
                 </a:gridCol>
                 <a:gridCol w="2696816">
                   <a:extLst>
                     <a:ext uri="{9D8B030D-6E8A-4147-A177-3AD203B41FA5}">
-                      <a16:colId xmlns:a16="http://schemas.microsoft.com/office/drawing/2014/main" xmlns="" val="20003"/>
+                      <a16:colId xmlns="" xmlns:a16="http://schemas.microsoft.com/office/drawing/2014/main" val="20003"/>
                     </a:ext>
                   </a:extLst>
                 </a:gridCol>
@@ -34361,7 +34361,7 @@
                 </a:tc>
                 <a:extLst>
                   <a:ext uri="{0D108BD9-81ED-4DB2-BD59-A6C34878D82A}">
-                    <a16:rowId xmlns:a16="http://schemas.microsoft.com/office/drawing/2014/main" xmlns="" val="10000"/>
+                    <a16:rowId xmlns="" xmlns:a16="http://schemas.microsoft.com/office/drawing/2014/main" val="10000"/>
                   </a:ext>
                 </a:extLst>
               </a:tr>
@@ -34579,7 +34579,7 @@
                 </a:tc>
                 <a:extLst>
                   <a:ext uri="{0D108BD9-81ED-4DB2-BD59-A6C34878D82A}">
-                    <a16:rowId xmlns:a16="http://schemas.microsoft.com/office/drawing/2014/main" xmlns="" val="10001"/>
+                    <a16:rowId xmlns="" xmlns:a16="http://schemas.microsoft.com/office/drawing/2014/main" val="10001"/>
                   </a:ext>
                 </a:extLst>
               </a:tr>
@@ -34924,6 +34924,18 @@
                         <a:buChar char="•"/>
                       </a:pPr>
                       <a:r>
+                        <a:rPr lang="en-US" sz="1200" baseline="0" smtClean="0">
+                          <a:solidFill>
+                            <a:srgbClr val="797A7D">
+                              <a:lumMod val="50000"/>
+                            </a:srgbClr>
+                          </a:solidFill>
+                          <a:ea typeface="Segoe UI" pitchFamily="34" charset="0"/>
+                          <a:cs typeface="Segoe UI" pitchFamily="34" charset="0"/>
+                        </a:rPr>
+                        <a:t>Office 365 </a:t>
+                      </a:r>
+                      <a:r>
                         <a:rPr lang="en-US" sz="1200" baseline="0" dirty="0" smtClean="0">
                           <a:solidFill>
                             <a:srgbClr val="797A7D">
@@ -34933,7 +34945,7 @@
                           <a:ea typeface="Segoe UI" pitchFamily="34" charset="0"/>
                           <a:cs typeface="Segoe UI" pitchFamily="34" charset="0"/>
                         </a:rPr>
-                        <a:t>SPO-D operational support</a:t>
+                        <a:t>operational support</a:t>
                       </a:r>
                     </a:p>
                     <a:p>
@@ -35151,7 +35163,7 @@
                 </a:tc>
                 <a:extLst>
                   <a:ext uri="{0D108BD9-81ED-4DB2-BD59-A6C34878D82A}">
-                    <a16:rowId xmlns:a16="http://schemas.microsoft.com/office/drawing/2014/main" xmlns="" val="10002"/>
+                    <a16:rowId xmlns="" xmlns:a16="http://schemas.microsoft.com/office/drawing/2014/main" val="10002"/>
                   </a:ext>
                 </a:extLst>
               </a:tr>
@@ -37928,28 +37940,28 @@
                 <a:gridCol w="5965345">
                   <a:extLst>
                     <a:ext uri="{9D8B030D-6E8A-4147-A177-3AD203B41FA5}">
-                      <a16:colId xmlns="" xmlns:a16="http://schemas.microsoft.com/office/drawing/2014/main" val="20000"/>
+                      <a16:colId xmlns:a16="http://schemas.microsoft.com/office/drawing/2014/main" xmlns="" val="20000"/>
                     </a:ext>
                   </a:extLst>
                 </a:gridCol>
                 <a:gridCol w="568903">
                   <a:extLst>
                     <a:ext uri="{9D8B030D-6E8A-4147-A177-3AD203B41FA5}">
-                      <a16:colId xmlns="" xmlns:a16="http://schemas.microsoft.com/office/drawing/2014/main" val="20001"/>
+                      <a16:colId xmlns:a16="http://schemas.microsoft.com/office/drawing/2014/main" xmlns="" val="20001"/>
                     </a:ext>
                   </a:extLst>
                 </a:gridCol>
                 <a:gridCol w="520140">
                   <a:extLst>
                     <a:ext uri="{9D8B030D-6E8A-4147-A177-3AD203B41FA5}">
-                      <a16:colId xmlns="" xmlns:a16="http://schemas.microsoft.com/office/drawing/2014/main" val="20002"/>
+                      <a16:colId xmlns:a16="http://schemas.microsoft.com/office/drawing/2014/main" xmlns="" val="20002"/>
                     </a:ext>
                   </a:extLst>
                 </a:gridCol>
                 <a:gridCol w="520140">
                   <a:extLst>
                     <a:ext uri="{9D8B030D-6E8A-4147-A177-3AD203B41FA5}">
-                      <a16:colId xmlns="" xmlns:a16="http://schemas.microsoft.com/office/drawing/2014/main" val="2588272693"/>
+                      <a16:colId xmlns:a16="http://schemas.microsoft.com/office/drawing/2014/main" xmlns="" val="2588272693"/>
                     </a:ext>
                   </a:extLst>
                 </a:gridCol>
@@ -38055,7 +38067,7 @@
                 </a:tc>
                 <a:extLst>
                   <a:ext uri="{0D108BD9-81ED-4DB2-BD59-A6C34878D82A}">
-                    <a16:rowId xmlns="" xmlns:a16="http://schemas.microsoft.com/office/drawing/2014/main" val="10000"/>
+                    <a16:rowId xmlns:a16="http://schemas.microsoft.com/office/drawing/2014/main" xmlns="" val="10000"/>
                   </a:ext>
                 </a:extLst>
               </a:tr>
@@ -38172,7 +38184,7 @@
                 </a:tc>
                 <a:extLst>
                   <a:ext uri="{0D108BD9-81ED-4DB2-BD59-A6C34878D82A}">
-                    <a16:rowId xmlns="" xmlns:a16="http://schemas.microsoft.com/office/drawing/2014/main" val="10001"/>
+                    <a16:rowId xmlns:a16="http://schemas.microsoft.com/office/drawing/2014/main" xmlns="" val="10001"/>
                   </a:ext>
                 </a:extLst>
               </a:tr>
@@ -38294,7 +38306,7 @@
                 </a:tc>
                 <a:extLst>
                   <a:ext uri="{0D108BD9-81ED-4DB2-BD59-A6C34878D82A}">
-                    <a16:rowId xmlns="" xmlns:a16="http://schemas.microsoft.com/office/drawing/2014/main" val="10002"/>
+                    <a16:rowId xmlns:a16="http://schemas.microsoft.com/office/drawing/2014/main" xmlns="" val="10002"/>
                   </a:ext>
                 </a:extLst>
               </a:tr>
@@ -38416,7 +38428,7 @@
                 </a:tc>
                 <a:extLst>
                   <a:ext uri="{0D108BD9-81ED-4DB2-BD59-A6C34878D82A}">
-                    <a16:rowId xmlns="" xmlns:a16="http://schemas.microsoft.com/office/drawing/2014/main" val="10003"/>
+                    <a16:rowId xmlns:a16="http://schemas.microsoft.com/office/drawing/2014/main" xmlns="" val="10003"/>
                   </a:ext>
                 </a:extLst>
               </a:tr>
@@ -38538,7 +38550,7 @@
                 </a:tc>
                 <a:extLst>
                   <a:ext uri="{0D108BD9-81ED-4DB2-BD59-A6C34878D82A}">
-                    <a16:rowId xmlns="" xmlns:a16="http://schemas.microsoft.com/office/drawing/2014/main" val="10004"/>
+                    <a16:rowId xmlns:a16="http://schemas.microsoft.com/office/drawing/2014/main" xmlns="" val="10004"/>
                   </a:ext>
                 </a:extLst>
               </a:tr>
@@ -38660,7 +38672,7 @@
                 </a:tc>
                 <a:extLst>
                   <a:ext uri="{0D108BD9-81ED-4DB2-BD59-A6C34878D82A}">
-                    <a16:rowId xmlns="" xmlns:a16="http://schemas.microsoft.com/office/drawing/2014/main" val="10005"/>
+                    <a16:rowId xmlns:a16="http://schemas.microsoft.com/office/drawing/2014/main" xmlns="" val="10005"/>
                   </a:ext>
                 </a:extLst>
               </a:tr>
@@ -38782,7 +38794,7 @@
                 </a:tc>
                 <a:extLst>
                   <a:ext uri="{0D108BD9-81ED-4DB2-BD59-A6C34878D82A}">
-                    <a16:rowId xmlns="" xmlns:a16="http://schemas.microsoft.com/office/drawing/2014/main" val="10006"/>
+                    <a16:rowId xmlns:a16="http://schemas.microsoft.com/office/drawing/2014/main" xmlns="" val="10006"/>
                   </a:ext>
                 </a:extLst>
               </a:tr>
@@ -39924,28 +39936,28 @@
                 <a:gridCol w="5965345">
                   <a:extLst>
                     <a:ext uri="{9D8B030D-6E8A-4147-A177-3AD203B41FA5}">
-                      <a16:colId xmlns="" xmlns:a16="http://schemas.microsoft.com/office/drawing/2014/main" val="20000"/>
+                      <a16:colId xmlns:a16="http://schemas.microsoft.com/office/drawing/2014/main" xmlns="" val="20000"/>
                     </a:ext>
                   </a:extLst>
                 </a:gridCol>
                 <a:gridCol w="568903">
                   <a:extLst>
                     <a:ext uri="{9D8B030D-6E8A-4147-A177-3AD203B41FA5}">
-                      <a16:colId xmlns="" xmlns:a16="http://schemas.microsoft.com/office/drawing/2014/main" val="20001"/>
+                      <a16:colId xmlns:a16="http://schemas.microsoft.com/office/drawing/2014/main" xmlns="" val="20001"/>
                     </a:ext>
                   </a:extLst>
                 </a:gridCol>
                 <a:gridCol w="520140">
                   <a:extLst>
                     <a:ext uri="{9D8B030D-6E8A-4147-A177-3AD203B41FA5}">
-                      <a16:colId xmlns="" xmlns:a16="http://schemas.microsoft.com/office/drawing/2014/main" val="20002"/>
+                      <a16:colId xmlns:a16="http://schemas.microsoft.com/office/drawing/2014/main" xmlns="" val="20002"/>
                     </a:ext>
                   </a:extLst>
                 </a:gridCol>
                 <a:gridCol w="520140">
                   <a:extLst>
                     <a:ext uri="{9D8B030D-6E8A-4147-A177-3AD203B41FA5}">
-                      <a16:colId xmlns="" xmlns:a16="http://schemas.microsoft.com/office/drawing/2014/main" val="1173184688"/>
+                      <a16:colId xmlns:a16="http://schemas.microsoft.com/office/drawing/2014/main" xmlns="" val="1173184688"/>
                     </a:ext>
                   </a:extLst>
                 </a:gridCol>
@@ -40051,7 +40063,7 @@
                 </a:tc>
                 <a:extLst>
                   <a:ext uri="{0D108BD9-81ED-4DB2-BD59-A6C34878D82A}">
-                    <a16:rowId xmlns="" xmlns:a16="http://schemas.microsoft.com/office/drawing/2014/main" val="10000"/>
+                    <a16:rowId xmlns:a16="http://schemas.microsoft.com/office/drawing/2014/main" xmlns="" val="10000"/>
                   </a:ext>
                 </a:extLst>
               </a:tr>
@@ -40169,7 +40181,7 @@
                 </a:tc>
                 <a:extLst>
                   <a:ext uri="{0D108BD9-81ED-4DB2-BD59-A6C34878D82A}">
-                    <a16:rowId xmlns="" xmlns:a16="http://schemas.microsoft.com/office/drawing/2014/main" val="10002"/>
+                    <a16:rowId xmlns:a16="http://schemas.microsoft.com/office/drawing/2014/main" xmlns="" val="10002"/>
                   </a:ext>
                 </a:extLst>
               </a:tr>
@@ -40292,7 +40304,7 @@
                 </a:tc>
                 <a:extLst>
                   <a:ext uri="{0D108BD9-81ED-4DB2-BD59-A6C34878D82A}">
-                    <a16:rowId xmlns="" xmlns:a16="http://schemas.microsoft.com/office/drawing/2014/main" val="10003"/>
+                    <a16:rowId xmlns:a16="http://schemas.microsoft.com/office/drawing/2014/main" xmlns="" val="10003"/>
                   </a:ext>
                 </a:extLst>
               </a:tr>
@@ -40416,7 +40428,7 @@
                 </a:tc>
                 <a:extLst>
                   <a:ext uri="{0D108BD9-81ED-4DB2-BD59-A6C34878D82A}">
-                    <a16:rowId xmlns="" xmlns:a16="http://schemas.microsoft.com/office/drawing/2014/main" val="10004"/>
+                    <a16:rowId xmlns:a16="http://schemas.microsoft.com/office/drawing/2014/main" xmlns="" val="10004"/>
                   </a:ext>
                 </a:extLst>
               </a:tr>
@@ -40556,7 +40568,7 @@
                 </a:tc>
                 <a:extLst>
                   <a:ext uri="{0D108BD9-81ED-4DB2-BD59-A6C34878D82A}">
-                    <a16:rowId xmlns="" xmlns:a16="http://schemas.microsoft.com/office/drawing/2014/main" val="10005"/>
+                    <a16:rowId xmlns:a16="http://schemas.microsoft.com/office/drawing/2014/main" xmlns="" val="10005"/>
                   </a:ext>
                 </a:extLst>
               </a:tr>
@@ -43539,14 +43551,14 @@
                 <a:gridCol w="4229100">
                   <a:extLst>
                     <a:ext uri="{9D8B030D-6E8A-4147-A177-3AD203B41FA5}">
-                      <a16:colId xmlns:a16="http://schemas.microsoft.com/office/drawing/2014/main" xmlns="" val="20000"/>
+                      <a16:colId xmlns="" xmlns:a16="http://schemas.microsoft.com/office/drawing/2014/main" val="20000"/>
                     </a:ext>
                   </a:extLst>
                 </a:gridCol>
                 <a:gridCol w="542926">
                   <a:extLst>
                     <a:ext uri="{9D8B030D-6E8A-4147-A177-3AD203B41FA5}">
-                      <a16:colId xmlns:a16="http://schemas.microsoft.com/office/drawing/2014/main" xmlns="" val="20001"/>
+                      <a16:colId xmlns="" xmlns:a16="http://schemas.microsoft.com/office/drawing/2014/main" val="20001"/>
                     </a:ext>
                   </a:extLst>
                 </a:gridCol>
@@ -43608,7 +43620,7 @@
                 </a:tc>
                 <a:extLst>
                   <a:ext uri="{0D108BD9-81ED-4DB2-BD59-A6C34878D82A}">
-                    <a16:rowId xmlns:a16="http://schemas.microsoft.com/office/drawing/2014/main" xmlns="" val="10000"/>
+                    <a16:rowId xmlns="" xmlns:a16="http://schemas.microsoft.com/office/drawing/2014/main" val="10000"/>
                   </a:ext>
                 </a:extLst>
               </a:tr>
@@ -43678,7 +43690,7 @@
                 </a:tc>
                 <a:extLst>
                   <a:ext uri="{0D108BD9-81ED-4DB2-BD59-A6C34878D82A}">
-                    <a16:rowId xmlns:a16="http://schemas.microsoft.com/office/drawing/2014/main" xmlns="" val="10001"/>
+                    <a16:rowId xmlns="" xmlns:a16="http://schemas.microsoft.com/office/drawing/2014/main" val="10001"/>
                   </a:ext>
                 </a:extLst>
               </a:tr>
@@ -43746,7 +43758,7 @@
                 </a:tc>
                 <a:extLst>
                   <a:ext uri="{0D108BD9-81ED-4DB2-BD59-A6C34878D82A}">
-                    <a16:rowId xmlns:a16="http://schemas.microsoft.com/office/drawing/2014/main" xmlns="" val="10002"/>
+                    <a16:rowId xmlns="" xmlns:a16="http://schemas.microsoft.com/office/drawing/2014/main" val="10002"/>
                   </a:ext>
                 </a:extLst>
               </a:tr>
@@ -43819,7 +43831,7 @@
                 </a:tc>
                 <a:extLst>
                   <a:ext uri="{0D108BD9-81ED-4DB2-BD59-A6C34878D82A}">
-                    <a16:rowId xmlns:a16="http://schemas.microsoft.com/office/drawing/2014/main" xmlns="" val="10003"/>
+                    <a16:rowId xmlns="" xmlns:a16="http://schemas.microsoft.com/office/drawing/2014/main" val="10003"/>
                   </a:ext>
                 </a:extLst>
               </a:tr>
@@ -43901,7 +43913,7 @@
                 </a:tc>
                 <a:extLst>
                   <a:ext uri="{0D108BD9-81ED-4DB2-BD59-A6C34878D82A}">
-                    <a16:rowId xmlns:a16="http://schemas.microsoft.com/office/drawing/2014/main" xmlns="" val="10004"/>
+                    <a16:rowId xmlns="" xmlns:a16="http://schemas.microsoft.com/office/drawing/2014/main" val="10004"/>
                   </a:ext>
                 </a:extLst>
               </a:tr>
@@ -45507,6 +45519,21 @@
 </file>
 
 <file path=customXml/item1.xml><?xml version="1.0" encoding="utf-8"?>
+<?mso-contentType ?>
+<FormTemplates xmlns="http://schemas.microsoft.com/sharepoint/v3/contenttype/forms">
+  <Display>DocumentLibraryForm</Display>
+  <Edit>DocumentLibraryForm</Edit>
+  <New>DocumentLibraryForm</New>
+</FormTemplates>
+</file>
+
+<file path=customXml/item2.xml><?xml version="1.0" encoding="utf-8"?>
+<p:properties xmlns:p="http://schemas.microsoft.com/office/2006/metadata/properties" xmlns:xsi="http://www.w3.org/2001/XMLSchema-instance" xmlns:pc="http://schemas.microsoft.com/office/infopath/2007/PartnerControls">
+  <documentManagement/>
+</p:properties>
+</file>
+
+<file path=customXml/item3.xml><?xml version="1.0" encoding="utf-8"?>
 <ct:contentTypeSchema xmlns:ct="http://schemas.microsoft.com/office/2006/metadata/contentType" xmlns:ma="http://schemas.microsoft.com/office/2006/metadata/properties/metaAttributes" ct:_="" ma:_="" ma:contentTypeName="Document" ma:contentTypeID="0x01010055B2CD89C57E654B9987E9AA8CA4BF0D" ma:contentTypeVersion="0" ma:contentTypeDescription="Create a new document." ma:contentTypeScope="" ma:versionID="18de93eb0ee0f4f315a1ec1a884e13c6">
   <xsd:schema xmlns:xsd="http://www.w3.org/2001/XMLSchema" xmlns:xs="http://www.w3.org/2001/XMLSchema" xmlns:p="http://schemas.microsoft.com/office/2006/metadata/properties" targetNamespace="http://schemas.microsoft.com/office/2006/metadata/properties" ma:root="true" ma:fieldsID="a7c9ea3003598ff63be50cfc9788e6e2">
     <xsd:element name="properties">
@@ -45620,33 +45647,10 @@
 </ct:contentTypeSchema>
 </file>
 
-<file path=customXml/item2.xml><?xml version="1.0" encoding="utf-8"?>
-<p:properties xmlns:p="http://schemas.microsoft.com/office/2006/metadata/properties" xmlns:xsi="http://www.w3.org/2001/XMLSchema-instance" xmlns:pc="http://schemas.microsoft.com/office/infopath/2007/PartnerControls">
-  <documentManagement/>
-</p:properties>
-</file>
-
-<file path=customXml/item3.xml><?xml version="1.0" encoding="utf-8"?>
-<?mso-contentType ?>
-<FormTemplates xmlns="http://schemas.microsoft.com/sharepoint/v3/contenttype/forms">
-  <Display>DocumentLibraryForm</Display>
-  <Edit>DocumentLibraryForm</Edit>
-  <New>DocumentLibraryForm</New>
-</FormTemplates>
-</file>
-
 <file path=customXml/itemProps1.xml><?xml version="1.0" encoding="utf-8"?>
-<ds:datastoreItem xmlns:ds="http://schemas.openxmlformats.org/officeDocument/2006/customXml" ds:itemID="{E2F29384-BD65-45EE-AC22-B03A76D49F37}">
+<ds:datastoreItem xmlns:ds="http://schemas.openxmlformats.org/officeDocument/2006/customXml" ds:itemID="{B4606E04-852E-4880-8CD1-0B186F4087B1}">
   <ds:schemaRefs>
-    <ds:schemaRef ds:uri="http://schemas.microsoft.com/office/2006/metadata/contentType"/>
-    <ds:schemaRef ds:uri="http://schemas.microsoft.com/office/2006/metadata/properties/metaAttributes"/>
-    <ds:schemaRef ds:uri="http://www.w3.org/2001/XMLSchema"/>
-    <ds:schemaRef ds:uri="http://schemas.microsoft.com/office/2006/metadata/properties"/>
-    <ds:schemaRef ds:uri="http://schemas.openxmlformats.org/package/2006/metadata/core-properties"/>
-    <ds:schemaRef ds:uri="http://purl.org/dc/elements/1.1/"/>
-    <ds:schemaRef ds:uri="http://purl.org/dc/terms/"/>
-    <ds:schemaRef ds:uri="http://schemas.microsoft.com/internal/obd"/>
-    <ds:schemaRef ds:uri="http://schemas.microsoft.com/office/infopath/2007/PartnerControls"/>
+    <ds:schemaRef ds:uri="http://schemas.microsoft.com/sharepoint/v3/contenttype/forms"/>
   </ds:schemaRefs>
 </ds:datastoreItem>
 </file>
@@ -45667,9 +45671,17 @@
 </file>
 
 <file path=customXml/itemProps3.xml><?xml version="1.0" encoding="utf-8"?>
-<ds:datastoreItem xmlns:ds="http://schemas.openxmlformats.org/officeDocument/2006/customXml" ds:itemID="{B4606E04-852E-4880-8CD1-0B186F4087B1}">
+<ds:datastoreItem xmlns:ds="http://schemas.openxmlformats.org/officeDocument/2006/customXml" ds:itemID="{E2F29384-BD65-45EE-AC22-B03A76D49F37}">
   <ds:schemaRefs>
-    <ds:schemaRef ds:uri="http://schemas.microsoft.com/sharepoint/v3/contenttype/forms"/>
+    <ds:schemaRef ds:uri="http://schemas.microsoft.com/office/2006/metadata/contentType"/>
+    <ds:schemaRef ds:uri="http://schemas.microsoft.com/office/2006/metadata/properties/metaAttributes"/>
+    <ds:schemaRef ds:uri="http://www.w3.org/2001/XMLSchema"/>
+    <ds:schemaRef ds:uri="http://schemas.microsoft.com/office/2006/metadata/properties"/>
+    <ds:schemaRef ds:uri="http://schemas.openxmlformats.org/package/2006/metadata/core-properties"/>
+    <ds:schemaRef ds:uri="http://purl.org/dc/elements/1.1/"/>
+    <ds:schemaRef ds:uri="http://purl.org/dc/terms/"/>
+    <ds:schemaRef ds:uri="http://schemas.microsoft.com/internal/obd"/>
+    <ds:schemaRef ds:uri="http://schemas.microsoft.com/office/infopath/2007/PartnerControls"/>
   </ds:schemaRefs>
 </ds:datastoreItem>
 </file>